--- a/spotify_analysis.pptx
+++ b/spotify_analysis.pptx
@@ -5,27 +5,29 @@
     <p:sldMasterId id="2147483752" r:id="rId1"/>
   </p:sldMasterIdLst>
   <p:notesMasterIdLst>
-    <p:notesMasterId r:id="rId20"/>
+    <p:notesMasterId r:id="rId22"/>
   </p:notesMasterIdLst>
   <p:sldIdLst>
     <p:sldId id="256" r:id="rId2"/>
-    <p:sldId id="257" r:id="rId3"/>
+    <p:sldId id="274" r:id="rId3"/>
     <p:sldId id="258" r:id="rId4"/>
     <p:sldId id="259" r:id="rId5"/>
     <p:sldId id="260" r:id="rId6"/>
-    <p:sldId id="261" r:id="rId7"/>
-    <p:sldId id="262" r:id="rId8"/>
-    <p:sldId id="269" r:id="rId9"/>
-    <p:sldId id="263" r:id="rId10"/>
-    <p:sldId id="264" r:id="rId11"/>
-    <p:sldId id="273" r:id="rId12"/>
-    <p:sldId id="272" r:id="rId13"/>
-    <p:sldId id="270" r:id="rId14"/>
-    <p:sldId id="271" r:id="rId15"/>
-    <p:sldId id="265" r:id="rId16"/>
-    <p:sldId id="266" r:id="rId17"/>
-    <p:sldId id="267" r:id="rId18"/>
-    <p:sldId id="268" r:id="rId19"/>
+    <p:sldId id="275" r:id="rId7"/>
+    <p:sldId id="276" r:id="rId8"/>
+    <p:sldId id="277" r:id="rId9"/>
+    <p:sldId id="261" r:id="rId10"/>
+    <p:sldId id="262" r:id="rId11"/>
+    <p:sldId id="269" r:id="rId12"/>
+    <p:sldId id="264" r:id="rId13"/>
+    <p:sldId id="273" r:id="rId14"/>
+    <p:sldId id="272" r:id="rId15"/>
+    <p:sldId id="270" r:id="rId16"/>
+    <p:sldId id="271" r:id="rId17"/>
+    <p:sldId id="265" r:id="rId18"/>
+    <p:sldId id="266" r:id="rId19"/>
+    <p:sldId id="267" r:id="rId20"/>
+    <p:sldId id="268" r:id="rId21"/>
   </p:sldIdLst>
   <p:sldSz cx="12192000" cy="6858000"/>
   <p:notesSz cx="6858000" cy="9144000"/>
@@ -130,7 +132,7 @@
         <p14:section name="Start" id="{6A803875-2746-AD45-9CA1-0A1E96BB7A36}">
           <p14:sldIdLst>
             <p14:sldId id="256"/>
-            <p14:sldId id="257"/>
+            <p14:sldId id="274"/>
           </p14:sldIdLst>
         </p14:section>
         <p14:section name="Datasets" id="{DD5AF4BF-4F42-F541-A9FC-8CFA6D01BB81}">
@@ -138,6 +140,9 @@
             <p14:sldId id="258"/>
             <p14:sldId id="259"/>
             <p14:sldId id="260"/>
+            <p14:sldId id="275"/>
+            <p14:sldId id="276"/>
+            <p14:sldId id="277"/>
           </p14:sldIdLst>
         </p14:section>
         <p14:section name="Conncetion of Datasets" id="{C1523A47-916E-354F-884F-DD644D344E27}">
@@ -149,7 +154,6 @@
         </p14:section>
         <p14:section name="Analyse" id="{FBF936A9-6891-8C4F-8561-59226630ACBE}">
           <p14:sldIdLst>
-            <p14:sldId id="263"/>
             <p14:sldId id="264"/>
             <p14:sldId id="273"/>
             <p14:sldId id="272"/>
@@ -5345,7 +5349,7 @@
           <a:p>
             <a:fld id="{E9F89EB8-1933-A947-A883-ACA4B1F2EC1B}" type="datetimeFigureOut">
               <a:rPr lang="de-DE" smtClean="0"/>
-              <a:t>09.01.23</a:t>
+              <a:t>13.01.23</a:t>
             </a:fld>
             <a:endParaRPr lang="de-DE"/>
           </a:p>
@@ -5690,7 +5694,7 @@
           <a:p>
             <a:fld id="{E2F6A15D-2D23-BE48-9C2A-D0FCD03DEB3E}" type="slidenum">
               <a:rPr lang="de-DE" smtClean="0"/>
-              <a:t>10</a:t>
+              <a:t>12</a:t>
             </a:fld>
             <a:endParaRPr lang="de-DE"/>
           </a:p>
@@ -5774,7 +5778,7 @@
           <a:p>
             <a:fld id="{E2F6A15D-2D23-BE48-9C2A-D0FCD03DEB3E}" type="slidenum">
               <a:rPr lang="de-DE" smtClean="0"/>
-              <a:t>12</a:t>
+              <a:t>14</a:t>
             </a:fld>
             <a:endParaRPr lang="de-DE"/>
           </a:p>
@@ -5861,7 +5865,7 @@
           <a:p>
             <a:fld id="{E2F6A15D-2D23-BE48-9C2A-D0FCD03DEB3E}" type="slidenum">
               <a:rPr lang="de-DE" smtClean="0"/>
-              <a:t>13</a:t>
+              <a:t>15</a:t>
             </a:fld>
             <a:endParaRPr lang="de-DE"/>
           </a:p>
@@ -6029,7 +6033,7 @@
           <a:p>
             <a:fld id="{F6CCBF3A-D7FB-4B97-8FD5-6FFB20CB1E84}" type="datetimeFigureOut">
               <a:rPr lang="en-US" smtClean="0"/>
-              <a:t>1/9/23</a:t>
+              <a:t>1/13/23</a:t>
             </a:fld>
             <a:endParaRPr lang="en-US"/>
           </a:p>
@@ -6229,7 +6233,7 @@
           <a:p>
             <a:fld id="{F6CCBF3A-D7FB-4B97-8FD5-6FFB20CB1E84}" type="datetimeFigureOut">
               <a:rPr lang="en-US" smtClean="0"/>
-              <a:t>1/9/23</a:t>
+              <a:t>1/13/23</a:t>
             </a:fld>
             <a:endParaRPr lang="en-US"/>
           </a:p>
@@ -6439,7 +6443,7 @@
           <a:p>
             <a:fld id="{F6CCBF3A-D7FB-4B97-8FD5-6FFB20CB1E84}" type="datetimeFigureOut">
               <a:rPr lang="en-US" smtClean="0"/>
-              <a:t>1/9/23</a:t>
+              <a:t>1/13/23</a:t>
             </a:fld>
             <a:endParaRPr lang="en-US"/>
           </a:p>
@@ -6639,7 +6643,7 @@
           <a:p>
             <a:fld id="{F6CCBF3A-D7FB-4B97-8FD5-6FFB20CB1E84}" type="datetimeFigureOut">
               <a:rPr lang="en-US" smtClean="0"/>
-              <a:t>1/9/23</a:t>
+              <a:t>1/13/23</a:t>
             </a:fld>
             <a:endParaRPr lang="en-US"/>
           </a:p>
@@ -6915,7 +6919,7 @@
           <a:p>
             <a:fld id="{F6CCBF3A-D7FB-4B97-8FD5-6FFB20CB1E84}" type="datetimeFigureOut">
               <a:rPr lang="en-US" smtClean="0"/>
-              <a:t>1/9/23</a:t>
+              <a:t>1/13/23</a:t>
             </a:fld>
             <a:endParaRPr lang="en-US"/>
           </a:p>
@@ -7183,7 +7187,7 @@
           <a:p>
             <a:fld id="{F6CCBF3A-D7FB-4B97-8FD5-6FFB20CB1E84}" type="datetimeFigureOut">
               <a:rPr lang="en-US" smtClean="0"/>
-              <a:t>1/9/23</a:t>
+              <a:t>1/13/23</a:t>
             </a:fld>
             <a:endParaRPr lang="en-US"/>
           </a:p>
@@ -7598,7 +7602,7 @@
           <a:p>
             <a:fld id="{F6CCBF3A-D7FB-4B97-8FD5-6FFB20CB1E84}" type="datetimeFigureOut">
               <a:rPr lang="en-US" smtClean="0"/>
-              <a:t>1/9/23</a:t>
+              <a:t>1/13/23</a:t>
             </a:fld>
             <a:endParaRPr lang="en-US"/>
           </a:p>
@@ -7740,7 +7744,7 @@
           <a:p>
             <a:fld id="{F6CCBF3A-D7FB-4B97-8FD5-6FFB20CB1E84}" type="datetimeFigureOut">
               <a:rPr lang="en-US" smtClean="0"/>
-              <a:t>1/9/23</a:t>
+              <a:t>1/13/23</a:t>
             </a:fld>
             <a:endParaRPr lang="en-US"/>
           </a:p>
@@ -7853,7 +7857,7 @@
           <a:p>
             <a:fld id="{F6CCBF3A-D7FB-4B97-8FD5-6FFB20CB1E84}" type="datetimeFigureOut">
               <a:rPr lang="en-US" smtClean="0"/>
-              <a:t>1/9/23</a:t>
+              <a:t>1/13/23</a:t>
             </a:fld>
             <a:endParaRPr lang="en-US"/>
           </a:p>
@@ -8166,7 +8170,7 @@
           <a:p>
             <a:fld id="{F6CCBF3A-D7FB-4B97-8FD5-6FFB20CB1E84}" type="datetimeFigureOut">
               <a:rPr lang="en-US" smtClean="0"/>
-              <a:t>1/9/23</a:t>
+              <a:t>1/13/23</a:t>
             </a:fld>
             <a:endParaRPr lang="en-US"/>
           </a:p>
@@ -8455,7 +8459,7 @@
           <a:p>
             <a:fld id="{F6CCBF3A-D7FB-4B97-8FD5-6FFB20CB1E84}" type="datetimeFigureOut">
               <a:rPr lang="en-US" smtClean="0"/>
-              <a:t>1/9/23</a:t>
+              <a:t>1/13/23</a:t>
             </a:fld>
             <a:endParaRPr lang="en-US"/>
           </a:p>
@@ -8698,7 +8702,7 @@
           <a:p>
             <a:fld id="{F6CCBF3A-D7FB-4B97-8FD5-6FFB20CB1E84}" type="datetimeFigureOut">
               <a:rPr lang="en-US" smtClean="0"/>
-              <a:t>1/9/23</a:t>
+              <a:t>1/13/23</a:t>
             </a:fld>
             <a:endParaRPr lang="en-US"/>
           </a:p>
@@ -9168,4371 +9172,6 @@
 <file path=ppt/slides/slide10.xml><?xml version="1.0" encoding="utf-8"?>
 <p:sld xmlns:a="http://schemas.openxmlformats.org/drawingml/2006/main" xmlns:r="http://schemas.openxmlformats.org/officeDocument/2006/relationships" xmlns:p="http://schemas.openxmlformats.org/presentationml/2006/main">
   <p:cSld>
-    <p:bg>
-      <p:bgPr>
-        <a:solidFill>
-          <a:schemeClr val="bg1"/>
-        </a:solidFill>
-        <a:effectLst/>
-      </p:bgPr>
-    </p:bg>
-    <p:spTree>
-      <p:nvGrpSpPr>
-        <p:cNvPr id="1" name=""/>
-        <p:cNvGrpSpPr/>
-        <p:nvPr/>
-      </p:nvGrpSpPr>
-      <p:grpSpPr>
-        <a:xfrm>
-          <a:off x="0" y="0"/>
-          <a:ext cx="0" cy="0"/>
-          <a:chOff x="0" y="0"/>
-          <a:chExt cx="0" cy="0"/>
-        </a:xfrm>
-      </p:grpSpPr>
-      <p:sp useBgFill="1">
-        <p:nvSpPr>
-          <p:cNvPr id="11" name="Rectangle 8">
-            <a:extLst>
-              <a:ext uri="{FF2B5EF4-FFF2-40B4-BE49-F238E27FC236}">
-                <a16:creationId xmlns:a16="http://schemas.microsoft.com/office/drawing/2014/main" id="{53F29798-D584-4792-9B62-3F5F5C36D619}"/>
-              </a:ext>
-              <a:ext uri="{C183D7F6-B498-43B3-948B-1728B52AA6E4}">
-                <adec:decorative xmlns:adec="http://schemas.microsoft.com/office/drawing/2017/decorative" val="1"/>
-              </a:ext>
-            </a:extLst>
-          </p:cNvPr>
-          <p:cNvSpPr>
-            <a:spLocks noGrp="1" noRot="1" noChangeAspect="1" noMove="1" noResize="1" noEditPoints="1" noAdjustHandles="1" noChangeArrowheads="1" noChangeShapeType="1" noTextEdit="1"/>
-          </p:cNvSpPr>
-          <p:nvPr>
-            <p:extLst>
-              <p:ext uri="{386F3935-93C4-4BCD-93E2-E3B085C9AB24}">
-                <p16:designElem xmlns:p16="http://schemas.microsoft.com/office/powerpoint/2015/main" val="1"/>
-              </p:ext>
-            </p:extLst>
-          </p:nvPr>
-        </p:nvSpPr>
-        <p:spPr>
-          <a:xfrm>
-            <a:off x="0" y="0"/>
-            <a:ext cx="12188952" cy="6858000"/>
-          </a:xfrm>
-          <a:prstGeom prst="rect">
-            <a:avLst/>
-          </a:prstGeom>
-          <a:ln>
-            <a:noFill/>
-          </a:ln>
-        </p:spPr>
-        <p:style>
-          <a:lnRef idx="2">
-            <a:schemeClr val="accent1">
-              <a:shade val="50000"/>
-            </a:schemeClr>
-          </a:lnRef>
-          <a:fillRef idx="1">
-            <a:schemeClr val="accent1"/>
-          </a:fillRef>
-          <a:effectRef idx="0">
-            <a:schemeClr val="accent1"/>
-          </a:effectRef>
-          <a:fontRef idx="minor">
-            <a:schemeClr val="lt1"/>
-          </a:fontRef>
-        </p:style>
-        <p:txBody>
-          <a:bodyPr rtlCol="0" anchor="ctr"/>
-          <a:lstStyle/>
-          <a:p>
-            <a:pPr algn="ctr"/>
-            <a:endParaRPr lang="en-US"/>
-          </a:p>
-        </p:txBody>
-      </p:sp>
-      <p:sp>
-        <p:nvSpPr>
-          <p:cNvPr id="2" name="Title 1">
-            <a:extLst>
-              <a:ext uri="{FF2B5EF4-FFF2-40B4-BE49-F238E27FC236}">
-                <a16:creationId xmlns:a16="http://schemas.microsoft.com/office/drawing/2014/main" id="{11C0C297-4A59-5C27-376B-01802D3104B3}"/>
-              </a:ext>
-            </a:extLst>
-          </p:cNvPr>
-          <p:cNvSpPr>
-            <a:spLocks noGrp="1"/>
-          </p:cNvSpPr>
-          <p:nvPr>
-            <p:ph type="title"/>
-          </p:nvPr>
-        </p:nvSpPr>
-        <p:spPr>
-          <a:xfrm>
-            <a:off x="838200" y="184805"/>
-            <a:ext cx="10515600" cy="1505883"/>
-          </a:xfrm>
-        </p:spPr>
-        <p:txBody>
-          <a:bodyPr vert="horz" lIns="91440" tIns="45720" rIns="91440" bIns="45720" rtlCol="0" anchor="ctr">
-            <a:normAutofit/>
-          </a:bodyPr>
-          <a:lstStyle/>
-          <a:p>
-            <a:pPr algn="ctr"/>
-            <a:r>
-              <a:rPr lang="en-US" b="1" kern="1200" dirty="0" err="1">
-                <a:solidFill>
-                  <a:schemeClr val="tx1"/>
-                </a:solidFill>
-                <a:latin typeface="Microsoft YaHei UI" panose="020B0503020204020204" pitchFamily="34" charset="-122"/>
-                <a:ea typeface="Microsoft YaHei UI" panose="020B0503020204020204" pitchFamily="34" charset="-122"/>
-              </a:rPr>
-              <a:t>Beliebtheit</a:t>
-            </a:r>
-            <a:r>
-              <a:rPr lang="en-US" b="1" kern="1200" dirty="0">
-                <a:solidFill>
-                  <a:schemeClr val="tx1"/>
-                </a:solidFill>
-                <a:latin typeface="Microsoft YaHei UI" panose="020B0503020204020204" pitchFamily="34" charset="-122"/>
-                <a:ea typeface="Microsoft YaHei UI" panose="020B0503020204020204" pitchFamily="34" charset="-122"/>
-              </a:rPr>
-              <a:t> von </a:t>
-            </a:r>
-            <a:r>
-              <a:rPr lang="en-US" b="1" kern="1200" dirty="0" err="1">
-                <a:solidFill>
-                  <a:schemeClr val="tx1"/>
-                </a:solidFill>
-                <a:latin typeface="Microsoft YaHei UI" panose="020B0503020204020204" pitchFamily="34" charset="-122"/>
-                <a:ea typeface="Microsoft YaHei UI" panose="020B0503020204020204" pitchFamily="34" charset="-122"/>
-              </a:rPr>
-              <a:t>Artisten</a:t>
-            </a:r>
-            <a:endParaRPr lang="en-US" b="1" kern="1200" dirty="0">
-              <a:solidFill>
-                <a:schemeClr val="tx1"/>
-              </a:solidFill>
-              <a:latin typeface="Microsoft YaHei UI" panose="020B0503020204020204" pitchFamily="34" charset="-122"/>
-              <a:ea typeface="Microsoft YaHei UI" panose="020B0503020204020204" pitchFamily="34" charset="-122"/>
-            </a:endParaRPr>
-          </a:p>
-        </p:txBody>
-      </p:sp>
-      <p:graphicFrame>
-        <p:nvGraphicFramePr>
-          <p:cNvPr id="4" name="Chart 3">
-            <a:extLst>
-              <a:ext uri="{FF2B5EF4-FFF2-40B4-BE49-F238E27FC236}">
-                <a16:creationId xmlns:a16="http://schemas.microsoft.com/office/drawing/2014/main" id="{E5333BCA-A3D4-F8AD-6F0F-1CB1C9B581D0}"/>
-              </a:ext>
-            </a:extLst>
-          </p:cNvPr>
-          <p:cNvGraphicFramePr/>
-          <p:nvPr>
-            <p:extLst>
-              <p:ext uri="{D42A27DB-BD31-4B8C-83A1-F6EECF244321}">
-                <p14:modId xmlns:p14="http://schemas.microsoft.com/office/powerpoint/2010/main" val="1668827416"/>
-              </p:ext>
-            </p:extLst>
-          </p:nvPr>
-        </p:nvGraphicFramePr>
-        <p:xfrm>
-          <a:off x="838201" y="1399032"/>
-          <a:ext cx="10515599" cy="4896698"/>
-        </p:xfrm>
-        <a:graphic>
-          <a:graphicData uri="http://schemas.openxmlformats.org/drawingml/2006/chart">
-            <c:chart xmlns:c="http://schemas.openxmlformats.org/drawingml/2006/chart" xmlns:r="http://schemas.openxmlformats.org/officeDocument/2006/relationships" r:id="rId3"/>
-          </a:graphicData>
-        </a:graphic>
-      </p:graphicFrame>
-      <p:sp>
-        <p:nvSpPr>
-          <p:cNvPr id="6" name="TextBox 5">
-            <a:extLst>
-              <a:ext uri="{FF2B5EF4-FFF2-40B4-BE49-F238E27FC236}">
-                <a16:creationId xmlns:a16="http://schemas.microsoft.com/office/drawing/2014/main" id="{1B4182D1-D980-2471-4CA9-4FA971F48FDF}"/>
-              </a:ext>
-            </a:extLst>
-          </p:cNvPr>
-          <p:cNvSpPr txBox="1"/>
-          <p:nvPr/>
-        </p:nvSpPr>
-        <p:spPr>
-          <a:xfrm>
-            <a:off x="10241280" y="6207533"/>
-            <a:ext cx="1727200" cy="369332"/>
-          </a:xfrm>
-          <a:prstGeom prst="rect">
-            <a:avLst/>
-          </a:prstGeom>
-          <a:noFill/>
-        </p:spPr>
-        <p:txBody>
-          <a:bodyPr wrap="square" rtlCol="0">
-            <a:spAutoFit/>
-          </a:bodyPr>
-          <a:lstStyle/>
-          <a:p>
-            <a:r>
-              <a:rPr lang="de-DE" dirty="0"/>
-              <a:t>total = 19732</a:t>
-            </a:r>
-          </a:p>
-        </p:txBody>
-      </p:sp>
-    </p:spTree>
-    <p:extLst>
-      <p:ext uri="{BB962C8B-B14F-4D97-AF65-F5344CB8AC3E}">
-        <p14:creationId xmlns:p14="http://schemas.microsoft.com/office/powerpoint/2010/main" val="3760022512"/>
-      </p:ext>
-    </p:extLst>
-  </p:cSld>
-  <p:clrMapOvr>
-    <a:masterClrMapping/>
-  </p:clrMapOvr>
-</p:sld>
-</file>
-
-<file path=ppt/slides/slide11.xml><?xml version="1.0" encoding="utf-8"?>
-<p:sld xmlns:a="http://schemas.openxmlformats.org/drawingml/2006/main" xmlns:r="http://schemas.openxmlformats.org/officeDocument/2006/relationships" xmlns:p="http://schemas.openxmlformats.org/presentationml/2006/main">
-  <p:cSld>
-    <p:spTree>
-      <p:nvGrpSpPr>
-        <p:cNvPr id="1" name=""/>
-        <p:cNvGrpSpPr/>
-        <p:nvPr/>
-      </p:nvGrpSpPr>
-      <p:grpSpPr>
-        <a:xfrm>
-          <a:off x="0" y="0"/>
-          <a:ext cx="0" cy="0"/>
-          <a:chOff x="0" y="0"/>
-          <a:chExt cx="0" cy="0"/>
-        </a:xfrm>
-      </p:grpSpPr>
-      <p:sp>
-        <p:nvSpPr>
-          <p:cNvPr id="2" name="Title 1">
-            <a:extLst>
-              <a:ext uri="{FF2B5EF4-FFF2-40B4-BE49-F238E27FC236}">
-                <a16:creationId xmlns:a16="http://schemas.microsoft.com/office/drawing/2014/main" id="{6F84A25C-831B-2218-D8AA-3772CF0C52A4}"/>
-              </a:ext>
-            </a:extLst>
-          </p:cNvPr>
-          <p:cNvSpPr>
-            <a:spLocks noGrp="1"/>
-          </p:cNvSpPr>
-          <p:nvPr>
-            <p:ph type="title"/>
-          </p:nvPr>
-        </p:nvSpPr>
-        <p:spPr/>
-        <p:txBody>
-          <a:bodyPr/>
-          <a:lstStyle/>
-          <a:p>
-            <a:r>
-              <a:rPr lang="de-DE" dirty="0"/>
-              <a:t>Warum beliebt?</a:t>
-            </a:r>
-          </a:p>
-        </p:txBody>
-      </p:sp>
-      <p:sp>
-        <p:nvSpPr>
-          <p:cNvPr id="3" name="Content Placeholder 2">
-            <a:extLst>
-              <a:ext uri="{FF2B5EF4-FFF2-40B4-BE49-F238E27FC236}">
-                <a16:creationId xmlns:a16="http://schemas.microsoft.com/office/drawing/2014/main" id="{22D1471C-A890-5709-3AD9-55A0A3743771}"/>
-              </a:ext>
-            </a:extLst>
-          </p:cNvPr>
-          <p:cNvSpPr>
-            <a:spLocks noGrp="1"/>
-          </p:cNvSpPr>
-          <p:nvPr>
-            <p:ph idx="1"/>
-          </p:nvPr>
-        </p:nvSpPr>
-        <p:spPr/>
-        <p:txBody>
-          <a:bodyPr/>
-          <a:lstStyle/>
-          <a:p>
-            <a:endParaRPr lang="de-DE"/>
-          </a:p>
-        </p:txBody>
-      </p:sp>
-    </p:spTree>
-    <p:extLst>
-      <p:ext uri="{BB962C8B-B14F-4D97-AF65-F5344CB8AC3E}">
-        <p14:creationId xmlns:p14="http://schemas.microsoft.com/office/powerpoint/2010/main" val="2499863780"/>
-      </p:ext>
-    </p:extLst>
-  </p:cSld>
-  <p:clrMapOvr>
-    <a:masterClrMapping/>
-  </p:clrMapOvr>
-</p:sld>
-</file>
-
-<file path=ppt/slides/slide12.xml><?xml version="1.0" encoding="utf-8"?>
-<p:sld xmlns:a="http://schemas.openxmlformats.org/drawingml/2006/main" xmlns:r="http://schemas.openxmlformats.org/officeDocument/2006/relationships" xmlns:p="http://schemas.openxmlformats.org/presentationml/2006/main">
-  <p:cSld>
-    <p:spTree>
-      <p:nvGrpSpPr>
-        <p:cNvPr id="1" name=""/>
-        <p:cNvGrpSpPr/>
-        <p:nvPr/>
-      </p:nvGrpSpPr>
-      <p:grpSpPr>
-        <a:xfrm>
-          <a:off x="0" y="0"/>
-          <a:ext cx="0" cy="0"/>
-          <a:chOff x="0" y="0"/>
-          <a:chExt cx="0" cy="0"/>
-        </a:xfrm>
-      </p:grpSpPr>
-      <p:sp>
-        <p:nvSpPr>
-          <p:cNvPr id="2" name="Title 1">
-            <a:extLst>
-              <a:ext uri="{FF2B5EF4-FFF2-40B4-BE49-F238E27FC236}">
-                <a16:creationId xmlns:a16="http://schemas.microsoft.com/office/drawing/2014/main" id="{11C0C297-4A59-5C27-376B-01802D3104B3}"/>
-              </a:ext>
-            </a:extLst>
-          </p:cNvPr>
-          <p:cNvSpPr>
-            <a:spLocks noGrp="1"/>
-          </p:cNvSpPr>
-          <p:nvPr>
-            <p:ph type="title"/>
-          </p:nvPr>
-        </p:nvSpPr>
-        <p:spPr>
-          <a:xfrm>
-            <a:off x="838200" y="184805"/>
-            <a:ext cx="10515600" cy="1505883"/>
-          </a:xfrm>
-        </p:spPr>
-        <p:txBody>
-          <a:bodyPr vert="horz" lIns="91440" tIns="45720" rIns="91440" bIns="45720" rtlCol="0" anchor="ctr">
-            <a:normAutofit/>
-          </a:bodyPr>
-          <a:lstStyle/>
-          <a:p>
-            <a:pPr algn="ctr"/>
-            <a:r>
-              <a:rPr lang="en-US" b="1" dirty="0" err="1">
-                <a:latin typeface="Microsoft YaHei UI" panose="020B0503020204020204" pitchFamily="34" charset="-122"/>
-                <a:ea typeface="Microsoft YaHei UI" panose="020B0503020204020204" pitchFamily="34" charset="-122"/>
-              </a:rPr>
-              <a:t>Artisten</a:t>
-            </a:r>
-            <a:r>
-              <a:rPr lang="en-US" b="1" dirty="0">
-                <a:latin typeface="Microsoft YaHei UI" panose="020B0503020204020204" pitchFamily="34" charset="-122"/>
-                <a:ea typeface="Microsoft YaHei UI" panose="020B0503020204020204" pitchFamily="34" charset="-122"/>
-              </a:rPr>
-              <a:t> </a:t>
-            </a:r>
-            <a:r>
-              <a:rPr lang="en-US" b="1" dirty="0" err="1">
-                <a:latin typeface="Microsoft YaHei UI" panose="020B0503020204020204" pitchFamily="34" charset="-122"/>
-                <a:ea typeface="Microsoft YaHei UI" panose="020B0503020204020204" pitchFamily="34" charset="-122"/>
-              </a:rPr>
-              <a:t>mit</a:t>
-            </a:r>
-            <a:r>
-              <a:rPr lang="en-US" b="1" dirty="0">
-                <a:latin typeface="Microsoft YaHei UI" panose="020B0503020204020204" pitchFamily="34" charset="-122"/>
-                <a:ea typeface="Microsoft YaHei UI" panose="020B0503020204020204" pitchFamily="34" charset="-122"/>
-              </a:rPr>
-              <a:t> den </a:t>
-            </a:r>
-            <a:r>
-              <a:rPr lang="en-US" b="1" dirty="0" err="1">
-                <a:latin typeface="Microsoft YaHei UI" panose="020B0503020204020204" pitchFamily="34" charset="-122"/>
-                <a:ea typeface="Microsoft YaHei UI" panose="020B0503020204020204" pitchFamily="34" charset="-122"/>
-              </a:rPr>
-              <a:t>meisten</a:t>
-            </a:r>
-            <a:r>
-              <a:rPr lang="en-US" b="1" dirty="0">
-                <a:latin typeface="Microsoft YaHei UI" panose="020B0503020204020204" pitchFamily="34" charset="-122"/>
-                <a:ea typeface="Microsoft YaHei UI" panose="020B0503020204020204" pitchFamily="34" charset="-122"/>
-              </a:rPr>
-              <a:t> Songs</a:t>
-            </a:r>
-            <a:endParaRPr lang="en-US" b="1" kern="1200" dirty="0">
-              <a:solidFill>
-                <a:schemeClr val="tx1"/>
-              </a:solidFill>
-              <a:latin typeface="Microsoft YaHei UI" panose="020B0503020204020204" pitchFamily="34" charset="-122"/>
-              <a:ea typeface="Microsoft YaHei UI" panose="020B0503020204020204" pitchFamily="34" charset="-122"/>
-            </a:endParaRPr>
-          </a:p>
-        </p:txBody>
-      </p:sp>
-      <p:graphicFrame>
-        <p:nvGraphicFramePr>
-          <p:cNvPr id="4" name="Chart 3">
-            <a:extLst>
-              <a:ext uri="{FF2B5EF4-FFF2-40B4-BE49-F238E27FC236}">
-                <a16:creationId xmlns:a16="http://schemas.microsoft.com/office/drawing/2014/main" id="{E5333BCA-A3D4-F8AD-6F0F-1CB1C9B581D0}"/>
-              </a:ext>
-            </a:extLst>
-          </p:cNvPr>
-          <p:cNvGraphicFramePr/>
-          <p:nvPr>
-            <p:extLst>
-              <p:ext uri="{D42A27DB-BD31-4B8C-83A1-F6EECF244321}">
-                <p14:modId xmlns:p14="http://schemas.microsoft.com/office/powerpoint/2010/main" val="546147377"/>
-              </p:ext>
-            </p:extLst>
-          </p:nvPr>
-        </p:nvGraphicFramePr>
-        <p:xfrm>
-          <a:off x="838201" y="1399032"/>
-          <a:ext cx="10515599" cy="4896698"/>
-        </p:xfrm>
-        <a:graphic>
-          <a:graphicData uri="http://schemas.openxmlformats.org/drawingml/2006/chart">
-            <c:chart xmlns:c="http://schemas.openxmlformats.org/drawingml/2006/chart" xmlns:r="http://schemas.openxmlformats.org/officeDocument/2006/relationships" r:id="rId3"/>
-          </a:graphicData>
-        </a:graphic>
-      </p:graphicFrame>
-    </p:spTree>
-    <p:extLst>
-      <p:ext uri="{BB962C8B-B14F-4D97-AF65-F5344CB8AC3E}">
-        <p14:creationId xmlns:p14="http://schemas.microsoft.com/office/powerpoint/2010/main" val="3764129380"/>
-      </p:ext>
-    </p:extLst>
-  </p:cSld>
-  <p:clrMapOvr>
-    <a:masterClrMapping/>
-  </p:clrMapOvr>
-</p:sld>
-</file>
-
-<file path=ppt/slides/slide13.xml><?xml version="1.0" encoding="utf-8"?>
-<p:sld xmlns:a="http://schemas.openxmlformats.org/drawingml/2006/main" xmlns:r="http://schemas.openxmlformats.org/officeDocument/2006/relationships" xmlns:p="http://schemas.openxmlformats.org/presentationml/2006/main">
-  <p:cSld>
-    <p:spTree>
-      <p:nvGrpSpPr>
-        <p:cNvPr id="1" name=""/>
-        <p:cNvGrpSpPr/>
-        <p:nvPr/>
-      </p:nvGrpSpPr>
-      <p:grpSpPr>
-        <a:xfrm>
-          <a:off x="0" y="0"/>
-          <a:ext cx="0" cy="0"/>
-          <a:chOff x="0" y="0"/>
-          <a:chExt cx="0" cy="0"/>
-        </a:xfrm>
-      </p:grpSpPr>
-      <p:sp>
-        <p:nvSpPr>
-          <p:cNvPr id="2" name="Title 1">
-            <a:extLst>
-              <a:ext uri="{FF2B5EF4-FFF2-40B4-BE49-F238E27FC236}">
-                <a16:creationId xmlns:a16="http://schemas.microsoft.com/office/drawing/2014/main" id="{11C0C297-4A59-5C27-376B-01802D3104B3}"/>
-              </a:ext>
-            </a:extLst>
-          </p:cNvPr>
-          <p:cNvSpPr>
-            <a:spLocks noGrp="1"/>
-          </p:cNvSpPr>
-          <p:nvPr>
-            <p:ph type="title"/>
-          </p:nvPr>
-        </p:nvSpPr>
-        <p:spPr>
-          <a:xfrm>
-            <a:off x="838200" y="184805"/>
-            <a:ext cx="10515600" cy="1505883"/>
-          </a:xfrm>
-        </p:spPr>
-        <p:txBody>
-          <a:bodyPr vert="horz" lIns="91440" tIns="45720" rIns="91440" bIns="45720" rtlCol="0" anchor="ctr">
-            <a:normAutofit/>
-          </a:bodyPr>
-          <a:lstStyle/>
-          <a:p>
-            <a:pPr algn="ctr"/>
-            <a:r>
-              <a:rPr lang="en-US" b="1" kern="1200" dirty="0" err="1">
-                <a:solidFill>
-                  <a:schemeClr val="tx1"/>
-                </a:solidFill>
-                <a:latin typeface="Microsoft YaHei UI" panose="020B0503020204020204" pitchFamily="34" charset="-122"/>
-                <a:ea typeface="Microsoft YaHei UI" panose="020B0503020204020204" pitchFamily="34" charset="-122"/>
-              </a:rPr>
-              <a:t>Beliebtheit</a:t>
-            </a:r>
-            <a:r>
-              <a:rPr lang="en-US" b="1" kern="1200" dirty="0">
-                <a:solidFill>
-                  <a:schemeClr val="tx1"/>
-                </a:solidFill>
-                <a:latin typeface="Microsoft YaHei UI" panose="020B0503020204020204" pitchFamily="34" charset="-122"/>
-                <a:ea typeface="Microsoft YaHei UI" panose="020B0503020204020204" pitchFamily="34" charset="-122"/>
-              </a:rPr>
-              <a:t> von Songs</a:t>
-            </a:r>
-          </a:p>
-        </p:txBody>
-      </p:sp>
-      <p:graphicFrame>
-        <p:nvGraphicFramePr>
-          <p:cNvPr id="4" name="Chart 3">
-            <a:extLst>
-              <a:ext uri="{FF2B5EF4-FFF2-40B4-BE49-F238E27FC236}">
-                <a16:creationId xmlns:a16="http://schemas.microsoft.com/office/drawing/2014/main" id="{E5333BCA-A3D4-F8AD-6F0F-1CB1C9B581D0}"/>
-              </a:ext>
-            </a:extLst>
-          </p:cNvPr>
-          <p:cNvGraphicFramePr/>
-          <p:nvPr>
-            <p:extLst>
-              <p:ext uri="{D42A27DB-BD31-4B8C-83A1-F6EECF244321}">
-                <p14:modId xmlns:p14="http://schemas.microsoft.com/office/powerpoint/2010/main" val="1061090368"/>
-              </p:ext>
-            </p:extLst>
-          </p:nvPr>
-        </p:nvGraphicFramePr>
-        <p:xfrm>
-          <a:off x="838201" y="1399032"/>
-          <a:ext cx="10515599" cy="4896698"/>
-        </p:xfrm>
-        <a:graphic>
-          <a:graphicData uri="http://schemas.openxmlformats.org/drawingml/2006/chart">
-            <c:chart xmlns:c="http://schemas.openxmlformats.org/drawingml/2006/chart" xmlns:r="http://schemas.openxmlformats.org/officeDocument/2006/relationships" r:id="rId3"/>
-          </a:graphicData>
-        </a:graphic>
-      </p:graphicFrame>
-    </p:spTree>
-    <p:extLst>
-      <p:ext uri="{BB962C8B-B14F-4D97-AF65-F5344CB8AC3E}">
-        <p14:creationId xmlns:p14="http://schemas.microsoft.com/office/powerpoint/2010/main" val="802026348"/>
-      </p:ext>
-    </p:extLst>
-  </p:cSld>
-  <p:clrMapOvr>
-    <a:masterClrMapping/>
-  </p:clrMapOvr>
-</p:sld>
-</file>
-
-<file path=ppt/slides/slide14.xml><?xml version="1.0" encoding="utf-8"?>
-<p:sld xmlns:a="http://schemas.openxmlformats.org/drawingml/2006/main" xmlns:r="http://schemas.openxmlformats.org/officeDocument/2006/relationships" xmlns:p="http://schemas.openxmlformats.org/presentationml/2006/main">
-  <p:cSld>
-    <p:spTree>
-      <p:nvGrpSpPr>
-        <p:cNvPr id="1" name=""/>
-        <p:cNvGrpSpPr/>
-        <p:nvPr/>
-      </p:nvGrpSpPr>
-      <p:grpSpPr>
-        <a:xfrm>
-          <a:off x="0" y="0"/>
-          <a:ext cx="0" cy="0"/>
-          <a:chOff x="0" y="0"/>
-          <a:chExt cx="0" cy="0"/>
-        </a:xfrm>
-      </p:grpSpPr>
-      <p:sp>
-        <p:nvSpPr>
-          <p:cNvPr id="2" name="Title 1">
-            <a:extLst>
-              <a:ext uri="{FF2B5EF4-FFF2-40B4-BE49-F238E27FC236}">
-                <a16:creationId xmlns:a16="http://schemas.microsoft.com/office/drawing/2014/main" id="{715EE076-C682-824A-568B-C674EEE88202}"/>
-              </a:ext>
-            </a:extLst>
-          </p:cNvPr>
-          <p:cNvSpPr>
-            <a:spLocks noGrp="1"/>
-          </p:cNvSpPr>
-          <p:nvPr>
-            <p:ph type="title"/>
-          </p:nvPr>
-        </p:nvSpPr>
-        <p:spPr>
-          <a:xfrm>
-            <a:off x="1234440" y="175264"/>
-            <a:ext cx="4627880" cy="1325563"/>
-          </a:xfrm>
-        </p:spPr>
-        <p:txBody>
-          <a:bodyPr/>
-          <a:lstStyle/>
-          <a:p>
-            <a:r>
-              <a:rPr lang="de-DE" b="1" dirty="0">
-                <a:latin typeface="Microsoft YaHei UI" panose="020B0503020204020204" pitchFamily="34" charset="-122"/>
-                <a:ea typeface="Microsoft YaHei UI" panose="020B0503020204020204" pitchFamily="34" charset="-122"/>
-              </a:rPr>
-              <a:t>Daten zu Songs</a:t>
-            </a:r>
-          </a:p>
-        </p:txBody>
-      </p:sp>
-      <p:sp>
-        <p:nvSpPr>
-          <p:cNvPr id="3" name="Content Placeholder 2">
-            <a:extLst>
-              <a:ext uri="{FF2B5EF4-FFF2-40B4-BE49-F238E27FC236}">
-                <a16:creationId xmlns:a16="http://schemas.microsoft.com/office/drawing/2014/main" id="{9B59CC0D-3754-A181-A9DB-E5E6E224D60C}"/>
-              </a:ext>
-            </a:extLst>
-          </p:cNvPr>
-          <p:cNvSpPr>
-            <a:spLocks noGrp="1"/>
-          </p:cNvSpPr>
-          <p:nvPr>
-            <p:ph idx="1"/>
-          </p:nvPr>
-        </p:nvSpPr>
-        <p:spPr>
-          <a:xfrm>
-            <a:off x="8001002" y="806772"/>
-            <a:ext cx="1783080" cy="694055"/>
-          </a:xfrm>
-        </p:spPr>
-        <p:txBody>
-          <a:bodyPr/>
-          <a:lstStyle/>
-          <a:p>
-            <a:pPr marL="0" indent="0">
-              <a:buNone/>
-            </a:pPr>
-            <a:r>
-              <a:rPr lang="de-DE" dirty="0"/>
-              <a:t>4min 6 </a:t>
-            </a:r>
-            <a:r>
-              <a:rPr lang="de-DE" dirty="0" err="1"/>
-              <a:t>sek</a:t>
-            </a:r>
-            <a:endParaRPr lang="de-DE" dirty="0"/>
-          </a:p>
-        </p:txBody>
-      </p:sp>
-      <p:graphicFrame>
-        <p:nvGraphicFramePr>
-          <p:cNvPr id="4" name="Chart 3">
-            <a:extLst>
-              <a:ext uri="{FF2B5EF4-FFF2-40B4-BE49-F238E27FC236}">
-                <a16:creationId xmlns:a16="http://schemas.microsoft.com/office/drawing/2014/main" id="{A7E1B292-7251-7EFA-F7F0-9FB9981C9FAB}"/>
-              </a:ext>
-            </a:extLst>
-          </p:cNvPr>
-          <p:cNvGraphicFramePr/>
-          <p:nvPr>
-            <p:extLst>
-              <p:ext uri="{D42A27DB-BD31-4B8C-83A1-F6EECF244321}">
-                <p14:modId xmlns:p14="http://schemas.microsoft.com/office/powerpoint/2010/main" val="2964146911"/>
-              </p:ext>
-            </p:extLst>
-          </p:nvPr>
-        </p:nvGraphicFramePr>
-        <p:xfrm>
-          <a:off x="1066800" y="1059181"/>
-          <a:ext cx="3124200" cy="2842260"/>
-        </p:xfrm>
-        <a:graphic>
-          <a:graphicData uri="http://schemas.openxmlformats.org/drawingml/2006/chart">
-            <c:chart xmlns:c="http://schemas.openxmlformats.org/drawingml/2006/chart" xmlns:r="http://schemas.openxmlformats.org/officeDocument/2006/relationships" r:id="rId2"/>
-          </a:graphicData>
-        </a:graphic>
-      </p:graphicFrame>
-      <p:graphicFrame>
-        <p:nvGraphicFramePr>
-          <p:cNvPr id="5" name="Chart 4">
-            <a:extLst>
-              <a:ext uri="{FF2B5EF4-FFF2-40B4-BE49-F238E27FC236}">
-                <a16:creationId xmlns:a16="http://schemas.microsoft.com/office/drawing/2014/main" id="{9E5FCF05-2BAA-F001-11BC-52C295BB37D2}"/>
-              </a:ext>
-            </a:extLst>
-          </p:cNvPr>
-          <p:cNvGraphicFramePr/>
-          <p:nvPr>
-            <p:extLst>
-              <p:ext uri="{D42A27DB-BD31-4B8C-83A1-F6EECF244321}">
-                <p14:modId xmlns:p14="http://schemas.microsoft.com/office/powerpoint/2010/main" val="2874315273"/>
-              </p:ext>
-            </p:extLst>
-          </p:nvPr>
-        </p:nvGraphicFramePr>
-        <p:xfrm>
-          <a:off x="1066800" y="3736025"/>
-          <a:ext cx="3124200" cy="2969576"/>
-        </p:xfrm>
-        <a:graphic>
-          <a:graphicData uri="http://schemas.openxmlformats.org/drawingml/2006/chart">
-            <c:chart xmlns:c="http://schemas.openxmlformats.org/drawingml/2006/chart" xmlns:r="http://schemas.openxmlformats.org/officeDocument/2006/relationships" r:id="rId3"/>
-          </a:graphicData>
-        </a:graphic>
-      </p:graphicFrame>
-      <mc:AlternateContent xmlns:mc="http://schemas.openxmlformats.org/markup-compatibility/2006">
-        <mc:Choice xmlns:cx2="http://schemas.microsoft.com/office/drawing/2015/10/21/chartex" Requires="cx2">
-          <p:graphicFrame>
-            <p:nvGraphicFramePr>
-              <p:cNvPr id="7" name="Chart 6">
-                <a:extLst>
-                  <a:ext uri="{FF2B5EF4-FFF2-40B4-BE49-F238E27FC236}">
-                    <a16:creationId xmlns:a16="http://schemas.microsoft.com/office/drawing/2014/main" id="{2F80DBF6-D432-8817-079C-6C6B4C5C06AC}"/>
-                  </a:ext>
-                </a:extLst>
-              </p:cNvPr>
-              <p:cNvGraphicFramePr/>
-              <p:nvPr>
-                <p:extLst>
-                  <p:ext uri="{D42A27DB-BD31-4B8C-83A1-F6EECF244321}">
-                    <p14:modId xmlns:p14="http://schemas.microsoft.com/office/powerpoint/2010/main" val="1972236254"/>
-                  </p:ext>
-                </p:extLst>
-              </p:nvPr>
-            </p:nvGraphicFramePr>
-            <p:xfrm>
-              <a:off x="4543427" y="1736725"/>
-              <a:ext cx="6915150" cy="4538348"/>
-            </p:xfrm>
-            <a:graphic>
-              <a:graphicData uri="http://schemas.microsoft.com/office/drawing/2014/chartex">
-                <cx:chart xmlns:cx="http://schemas.microsoft.com/office/drawing/2014/chartex" xmlns:r="http://schemas.openxmlformats.org/officeDocument/2006/relationships" r:id="rId4"/>
-              </a:graphicData>
-            </a:graphic>
-          </p:graphicFrame>
-        </mc:Choice>
-        <mc:Fallback>
-          <p:pic>
-            <p:nvPicPr>
-              <p:cNvPr id="7" name="Chart 6">
-                <a:extLst>
-                  <a:ext uri="{FF2B5EF4-FFF2-40B4-BE49-F238E27FC236}">
-                    <a16:creationId xmlns:a16="http://schemas.microsoft.com/office/drawing/2014/main" id="{2F80DBF6-D432-8817-079C-6C6B4C5C06AC}"/>
-                  </a:ext>
-                </a:extLst>
-              </p:cNvPr>
-              <p:cNvPicPr>
-                <a:picLocks noGrp="1" noRot="1" noChangeAspect="1" noMove="1" noResize="1" noEditPoints="1" noAdjustHandles="1" noChangeArrowheads="1" noChangeShapeType="1"/>
-              </p:cNvPicPr>
-              <p:nvPr/>
-            </p:nvPicPr>
-            <p:blipFill>
-              <a:blip r:embed="rId5"/>
-              <a:stretch>
-                <a:fillRect/>
-              </a:stretch>
-            </p:blipFill>
-            <p:spPr>
-              <a:xfrm>
-                <a:off x="4543427" y="1736725"/>
-                <a:ext cx="6915150" cy="4538348"/>
-              </a:xfrm>
-              <a:prstGeom prst="rect">
-                <a:avLst/>
-              </a:prstGeom>
-            </p:spPr>
-          </p:pic>
-        </mc:Fallback>
-      </mc:AlternateContent>
-      <p:cxnSp>
-        <p:nvCxnSpPr>
-          <p:cNvPr id="10" name="Straight Arrow Connector 9">
-            <a:extLst>
-              <a:ext uri="{FF2B5EF4-FFF2-40B4-BE49-F238E27FC236}">
-                <a16:creationId xmlns:a16="http://schemas.microsoft.com/office/drawing/2014/main" id="{597434BC-6203-F30C-DA85-3CD7F9482A8D}"/>
-              </a:ext>
-            </a:extLst>
-          </p:cNvPr>
-          <p:cNvCxnSpPr/>
-          <p:nvPr/>
-        </p:nvCxnSpPr>
-        <p:spPr>
-          <a:xfrm>
-            <a:off x="7343142" y="1366679"/>
-            <a:ext cx="3098800" cy="0"/>
-          </a:xfrm>
-          <a:prstGeom prst="straightConnector1">
-            <a:avLst/>
-          </a:prstGeom>
-          <a:ln w="73025">
-            <a:solidFill>
-              <a:srgbClr val="92D050"/>
-            </a:solidFill>
-            <a:headEnd type="triangle"/>
-            <a:tailEnd type="triangle"/>
-          </a:ln>
-        </p:spPr>
-        <p:style>
-          <a:lnRef idx="1">
-            <a:schemeClr val="accent1"/>
-          </a:lnRef>
-          <a:fillRef idx="0">
-            <a:schemeClr val="accent1"/>
-          </a:fillRef>
-          <a:effectRef idx="0">
-            <a:schemeClr val="accent1"/>
-          </a:effectRef>
-          <a:fontRef idx="minor">
-            <a:schemeClr val="tx1"/>
-          </a:fontRef>
-        </p:style>
-      </p:cxnSp>
-    </p:spTree>
-    <p:extLst>
-      <p:ext uri="{BB962C8B-B14F-4D97-AF65-F5344CB8AC3E}">
-        <p14:creationId xmlns:p14="http://schemas.microsoft.com/office/powerpoint/2010/main" val="584136043"/>
-      </p:ext>
-    </p:extLst>
-  </p:cSld>
-  <p:clrMapOvr>
-    <a:masterClrMapping/>
-  </p:clrMapOvr>
-</p:sld>
-</file>
-
-<file path=ppt/slides/slide15.xml><?xml version="1.0" encoding="utf-8"?>
-<p:sld xmlns:a="http://schemas.openxmlformats.org/drawingml/2006/main" xmlns:r="http://schemas.openxmlformats.org/officeDocument/2006/relationships" xmlns:p="http://schemas.openxmlformats.org/presentationml/2006/main">
-  <p:cSld>
-    <p:spTree>
-      <p:nvGrpSpPr>
-        <p:cNvPr id="1" name=""/>
-        <p:cNvGrpSpPr/>
-        <p:nvPr/>
-      </p:nvGrpSpPr>
-      <p:grpSpPr>
-        <a:xfrm>
-          <a:off x="0" y="0"/>
-          <a:ext cx="0" cy="0"/>
-          <a:chOff x="0" y="0"/>
-          <a:chExt cx="0" cy="0"/>
-        </a:xfrm>
-      </p:grpSpPr>
-      <p:sp>
-        <p:nvSpPr>
-          <p:cNvPr id="2" name="Title 1">
-            <a:extLst>
-              <a:ext uri="{FF2B5EF4-FFF2-40B4-BE49-F238E27FC236}">
-                <a16:creationId xmlns:a16="http://schemas.microsoft.com/office/drawing/2014/main" id="{F63E5D57-47E6-0651-5161-9A184E238BBF}"/>
-              </a:ext>
-            </a:extLst>
-          </p:cNvPr>
-          <p:cNvSpPr>
-            <a:spLocks noGrp="1"/>
-          </p:cNvSpPr>
-          <p:nvPr>
-            <p:ph type="title"/>
-          </p:nvPr>
-        </p:nvSpPr>
-        <p:spPr/>
-        <p:txBody>
-          <a:bodyPr/>
-          <a:lstStyle/>
-          <a:p>
-            <a:r>
-              <a:rPr lang="de-DE" dirty="0"/>
-              <a:t>Eigenschaften von beliebten Songs</a:t>
-            </a:r>
-          </a:p>
-        </p:txBody>
-      </p:sp>
-      <p:sp>
-        <p:nvSpPr>
-          <p:cNvPr id="3" name="Content Placeholder 2">
-            <a:extLst>
-              <a:ext uri="{FF2B5EF4-FFF2-40B4-BE49-F238E27FC236}">
-                <a16:creationId xmlns:a16="http://schemas.microsoft.com/office/drawing/2014/main" id="{6021275D-DC5C-64B8-A03E-9EC16481AEF2}"/>
-              </a:ext>
-            </a:extLst>
-          </p:cNvPr>
-          <p:cNvSpPr>
-            <a:spLocks noGrp="1"/>
-          </p:cNvSpPr>
-          <p:nvPr>
-            <p:ph idx="1"/>
-          </p:nvPr>
-        </p:nvSpPr>
-        <p:spPr/>
-        <p:txBody>
-          <a:bodyPr/>
-          <a:lstStyle/>
-          <a:p>
-            <a:endParaRPr lang="de-DE"/>
-          </a:p>
-        </p:txBody>
-      </p:sp>
-    </p:spTree>
-    <p:extLst>
-      <p:ext uri="{BB962C8B-B14F-4D97-AF65-F5344CB8AC3E}">
-        <p14:creationId xmlns:p14="http://schemas.microsoft.com/office/powerpoint/2010/main" val="758667918"/>
-      </p:ext>
-    </p:extLst>
-  </p:cSld>
-  <p:clrMapOvr>
-    <a:masterClrMapping/>
-  </p:clrMapOvr>
-</p:sld>
-</file>
-
-<file path=ppt/slides/slide16.xml><?xml version="1.0" encoding="utf-8"?>
-<p:sld xmlns:a="http://schemas.openxmlformats.org/drawingml/2006/main" xmlns:r="http://schemas.openxmlformats.org/officeDocument/2006/relationships" xmlns:p="http://schemas.openxmlformats.org/presentationml/2006/main">
-  <p:cSld>
-    <p:spTree>
-      <p:nvGrpSpPr>
-        <p:cNvPr id="1" name=""/>
-        <p:cNvGrpSpPr/>
-        <p:nvPr/>
-      </p:nvGrpSpPr>
-      <p:grpSpPr>
-        <a:xfrm>
-          <a:off x="0" y="0"/>
-          <a:ext cx="0" cy="0"/>
-          <a:chOff x="0" y="0"/>
-          <a:chExt cx="0" cy="0"/>
-        </a:xfrm>
-      </p:grpSpPr>
-      <p:sp>
-        <p:nvSpPr>
-          <p:cNvPr id="2" name="Title 1">
-            <a:extLst>
-              <a:ext uri="{FF2B5EF4-FFF2-40B4-BE49-F238E27FC236}">
-                <a16:creationId xmlns:a16="http://schemas.microsoft.com/office/drawing/2014/main" id="{F632A62F-B474-0DE2-B272-8C1401696A18}"/>
-              </a:ext>
-            </a:extLst>
-          </p:cNvPr>
-          <p:cNvSpPr>
-            <a:spLocks noGrp="1"/>
-          </p:cNvSpPr>
-          <p:nvPr>
-            <p:ph type="title"/>
-          </p:nvPr>
-        </p:nvSpPr>
-        <p:spPr/>
-        <p:txBody>
-          <a:bodyPr/>
-          <a:lstStyle/>
-          <a:p>
-            <a:endParaRPr lang="de-DE"/>
-          </a:p>
-        </p:txBody>
-      </p:sp>
-      <p:sp>
-        <p:nvSpPr>
-          <p:cNvPr id="3" name="Content Placeholder 2">
-            <a:extLst>
-              <a:ext uri="{FF2B5EF4-FFF2-40B4-BE49-F238E27FC236}">
-                <a16:creationId xmlns:a16="http://schemas.microsoft.com/office/drawing/2014/main" id="{BB413388-419B-8F29-6B0C-D4F5F6AAF7FC}"/>
-              </a:ext>
-            </a:extLst>
-          </p:cNvPr>
-          <p:cNvSpPr>
-            <a:spLocks noGrp="1"/>
-          </p:cNvSpPr>
-          <p:nvPr>
-            <p:ph idx="1"/>
-          </p:nvPr>
-        </p:nvSpPr>
-        <p:spPr/>
-        <p:txBody>
-          <a:bodyPr/>
-          <a:lstStyle/>
-          <a:p>
-            <a:endParaRPr lang="de-DE"/>
-          </a:p>
-        </p:txBody>
-      </p:sp>
-    </p:spTree>
-    <p:extLst>
-      <p:ext uri="{BB962C8B-B14F-4D97-AF65-F5344CB8AC3E}">
-        <p14:creationId xmlns:p14="http://schemas.microsoft.com/office/powerpoint/2010/main" val="1301724256"/>
-      </p:ext>
-    </p:extLst>
-  </p:cSld>
-  <p:clrMapOvr>
-    <a:masterClrMapping/>
-  </p:clrMapOvr>
-</p:sld>
-</file>
-
-<file path=ppt/slides/slide17.xml><?xml version="1.0" encoding="utf-8"?>
-<p:sld xmlns:a="http://schemas.openxmlformats.org/drawingml/2006/main" xmlns:r="http://schemas.openxmlformats.org/officeDocument/2006/relationships" xmlns:p="http://schemas.openxmlformats.org/presentationml/2006/main">
-  <p:cSld>
-    <p:spTree>
-      <p:nvGrpSpPr>
-        <p:cNvPr id="1" name=""/>
-        <p:cNvGrpSpPr/>
-        <p:nvPr/>
-      </p:nvGrpSpPr>
-      <p:grpSpPr>
-        <a:xfrm>
-          <a:off x="0" y="0"/>
-          <a:ext cx="0" cy="0"/>
-          <a:chOff x="0" y="0"/>
-          <a:chExt cx="0" cy="0"/>
-        </a:xfrm>
-      </p:grpSpPr>
-      <p:sp>
-        <p:nvSpPr>
-          <p:cNvPr id="2" name="Title 1">
-            <a:extLst>
-              <a:ext uri="{FF2B5EF4-FFF2-40B4-BE49-F238E27FC236}">
-                <a16:creationId xmlns:a16="http://schemas.microsoft.com/office/drawing/2014/main" id="{4D470F44-C235-AC58-E48F-D4CC0A1852D5}"/>
-              </a:ext>
-            </a:extLst>
-          </p:cNvPr>
-          <p:cNvSpPr>
-            <a:spLocks noGrp="1"/>
-          </p:cNvSpPr>
-          <p:nvPr>
-            <p:ph type="title"/>
-          </p:nvPr>
-        </p:nvSpPr>
-        <p:spPr/>
-        <p:txBody>
-          <a:bodyPr/>
-          <a:lstStyle/>
-          <a:p>
-            <a:endParaRPr lang="de-DE"/>
-          </a:p>
-        </p:txBody>
-      </p:sp>
-      <p:sp>
-        <p:nvSpPr>
-          <p:cNvPr id="3" name="Content Placeholder 2">
-            <a:extLst>
-              <a:ext uri="{FF2B5EF4-FFF2-40B4-BE49-F238E27FC236}">
-                <a16:creationId xmlns:a16="http://schemas.microsoft.com/office/drawing/2014/main" id="{C32E90D8-7161-8E1D-E849-2CE97950AB53}"/>
-              </a:ext>
-            </a:extLst>
-          </p:cNvPr>
-          <p:cNvSpPr>
-            <a:spLocks noGrp="1"/>
-          </p:cNvSpPr>
-          <p:nvPr>
-            <p:ph idx="1"/>
-          </p:nvPr>
-        </p:nvSpPr>
-        <p:spPr/>
-        <p:txBody>
-          <a:bodyPr/>
-          <a:lstStyle/>
-          <a:p>
-            <a:endParaRPr lang="de-DE"/>
-          </a:p>
-        </p:txBody>
-      </p:sp>
-    </p:spTree>
-    <p:extLst>
-      <p:ext uri="{BB962C8B-B14F-4D97-AF65-F5344CB8AC3E}">
-        <p14:creationId xmlns:p14="http://schemas.microsoft.com/office/powerpoint/2010/main" val="2873337056"/>
-      </p:ext>
-    </p:extLst>
-  </p:cSld>
-  <p:clrMapOvr>
-    <a:masterClrMapping/>
-  </p:clrMapOvr>
-</p:sld>
-</file>
-
-<file path=ppt/slides/slide18.xml><?xml version="1.0" encoding="utf-8"?>
-<p:sld xmlns:a="http://schemas.openxmlformats.org/drawingml/2006/main" xmlns:r="http://schemas.openxmlformats.org/officeDocument/2006/relationships" xmlns:p="http://schemas.openxmlformats.org/presentationml/2006/main">
-  <p:cSld>
-    <p:spTree>
-      <p:nvGrpSpPr>
-        <p:cNvPr id="1" name=""/>
-        <p:cNvGrpSpPr/>
-        <p:nvPr/>
-      </p:nvGrpSpPr>
-      <p:grpSpPr>
-        <a:xfrm>
-          <a:off x="0" y="0"/>
-          <a:ext cx="0" cy="0"/>
-          <a:chOff x="0" y="0"/>
-          <a:chExt cx="0" cy="0"/>
-        </a:xfrm>
-      </p:grpSpPr>
-      <p:sp>
-        <p:nvSpPr>
-          <p:cNvPr id="2" name="Title 1">
-            <a:extLst>
-              <a:ext uri="{FF2B5EF4-FFF2-40B4-BE49-F238E27FC236}">
-                <a16:creationId xmlns:a16="http://schemas.microsoft.com/office/drawing/2014/main" id="{BA6980B1-8FFD-2A7A-4C50-75165DC542D3}"/>
-              </a:ext>
-            </a:extLst>
-          </p:cNvPr>
-          <p:cNvSpPr>
-            <a:spLocks noGrp="1"/>
-          </p:cNvSpPr>
-          <p:nvPr>
-            <p:ph type="title"/>
-          </p:nvPr>
-        </p:nvSpPr>
-        <p:spPr/>
-        <p:txBody>
-          <a:bodyPr/>
-          <a:lstStyle/>
-          <a:p>
-            <a:endParaRPr lang="de-DE"/>
-          </a:p>
-        </p:txBody>
-      </p:sp>
-      <p:sp>
-        <p:nvSpPr>
-          <p:cNvPr id="3" name="Content Placeholder 2">
-            <a:extLst>
-              <a:ext uri="{FF2B5EF4-FFF2-40B4-BE49-F238E27FC236}">
-                <a16:creationId xmlns:a16="http://schemas.microsoft.com/office/drawing/2014/main" id="{F0F02DBC-54F2-FB46-FC94-9CF868DB0EF7}"/>
-              </a:ext>
-            </a:extLst>
-          </p:cNvPr>
-          <p:cNvSpPr>
-            <a:spLocks noGrp="1"/>
-          </p:cNvSpPr>
-          <p:nvPr>
-            <p:ph idx="1"/>
-          </p:nvPr>
-        </p:nvSpPr>
-        <p:spPr/>
-        <p:txBody>
-          <a:bodyPr/>
-          <a:lstStyle/>
-          <a:p>
-            <a:endParaRPr lang="de-DE"/>
-          </a:p>
-        </p:txBody>
-      </p:sp>
-    </p:spTree>
-    <p:extLst>
-      <p:ext uri="{BB962C8B-B14F-4D97-AF65-F5344CB8AC3E}">
-        <p14:creationId xmlns:p14="http://schemas.microsoft.com/office/powerpoint/2010/main" val="390749756"/>
-      </p:ext>
-    </p:extLst>
-  </p:cSld>
-  <p:clrMapOvr>
-    <a:masterClrMapping/>
-  </p:clrMapOvr>
-</p:sld>
-</file>
-
-<file path=ppt/slides/slide2.xml><?xml version="1.0" encoding="utf-8"?>
-<p:sld xmlns:a="http://schemas.openxmlformats.org/drawingml/2006/main" xmlns:r="http://schemas.openxmlformats.org/officeDocument/2006/relationships" xmlns:p="http://schemas.openxmlformats.org/presentationml/2006/main">
-  <p:cSld>
-    <p:bg>
-      <p:bgPr>
-        <a:solidFill>
-          <a:schemeClr val="bg1">
-            <a:tint val="95000"/>
-            <a:satMod val="170000"/>
-          </a:schemeClr>
-        </a:solidFill>
-        <a:effectLst/>
-      </p:bgPr>
-    </p:bg>
-    <p:spTree>
-      <p:nvGrpSpPr>
-        <p:cNvPr id="1" name=""/>
-        <p:cNvGrpSpPr/>
-        <p:nvPr/>
-      </p:nvGrpSpPr>
-      <p:grpSpPr>
-        <a:xfrm>
-          <a:off x="0" y="0"/>
-          <a:ext cx="0" cy="0"/>
-          <a:chOff x="0" y="0"/>
-          <a:chExt cx="0" cy="0"/>
-        </a:xfrm>
-      </p:grpSpPr>
-      <p:sp>
-        <p:nvSpPr>
-          <p:cNvPr id="2" name="Title 1">
-            <a:extLst>
-              <a:ext uri="{FF2B5EF4-FFF2-40B4-BE49-F238E27FC236}">
-                <a16:creationId xmlns:a16="http://schemas.microsoft.com/office/drawing/2014/main" id="{810B9EF3-A3E2-6C3C-6385-3F74074B534F}"/>
-              </a:ext>
-            </a:extLst>
-          </p:cNvPr>
-          <p:cNvSpPr>
-            <a:spLocks noGrp="1"/>
-          </p:cNvSpPr>
-          <p:nvPr>
-            <p:ph type="title"/>
-          </p:nvPr>
-        </p:nvSpPr>
-        <p:spPr>
-          <a:xfrm>
-            <a:off x="804673" y="1445494"/>
-            <a:ext cx="3616856" cy="4376572"/>
-          </a:xfrm>
-        </p:spPr>
-        <p:txBody>
-          <a:bodyPr anchor="ctr">
-            <a:normAutofit/>
-          </a:bodyPr>
-          <a:lstStyle/>
-          <a:p>
-            <a:r>
-              <a:rPr lang="de-DE" sz="4800" b="1">
-                <a:latin typeface="Microsoft YaHei UI" panose="020B0400000000000000" pitchFamily="34" charset="-122"/>
-                <a:ea typeface="Microsoft YaHei UI" panose="020B0400000000000000" pitchFamily="34" charset="-122"/>
-              </a:rPr>
-              <a:t>Spotify Analysis</a:t>
-            </a:r>
-          </a:p>
-        </p:txBody>
-      </p:sp>
-      <p:sp>
-        <p:nvSpPr>
-          <p:cNvPr id="8" name="Freeform: Shape 7">
-            <a:extLst>
-              <a:ext uri="{FF2B5EF4-FFF2-40B4-BE49-F238E27FC236}">
-                <a16:creationId xmlns:a16="http://schemas.microsoft.com/office/drawing/2014/main" id="{DFF2AC85-FAA0-4844-813F-83C04D7382E2}"/>
-              </a:ext>
-              <a:ext uri="{C183D7F6-B498-43B3-948B-1728B52AA6E4}">
-                <adec:decorative xmlns:adec="http://schemas.microsoft.com/office/drawing/2017/decorative" val="1"/>
-              </a:ext>
-            </a:extLst>
-          </p:cNvPr>
-          <p:cNvSpPr>
-            <a:spLocks noGrp="1" noRot="1" noChangeAspect="1" noMove="1" noResize="1" noEditPoints="1" noAdjustHandles="1" noChangeArrowheads="1" noChangeShapeType="1" noTextEdit="1"/>
-          </p:cNvSpPr>
-          <p:nvPr>
-            <p:extLst>
-              <p:ext uri="{386F3935-93C4-4BCD-93E2-E3B085C9AB24}">
-                <p16:designElem xmlns:p16="http://schemas.microsoft.com/office/powerpoint/2015/main" val="1"/>
-              </p:ext>
-            </p:extLst>
-          </p:nvPr>
-        </p:nvSpPr>
-        <p:spPr>
-          <a:xfrm>
-            <a:off x="4907636" y="0"/>
-            <a:ext cx="7281316" cy="6858000"/>
-          </a:xfrm>
-          <a:custGeom>
-            <a:avLst/>
-            <a:gdLst>
-              <a:gd name="connsiteX0" fmla="*/ 361354 w 7281316"/>
-              <a:gd name="connsiteY0" fmla="*/ 0 h 6858000"/>
-              <a:gd name="connsiteX1" fmla="*/ 7281316 w 7281316"/>
-              <a:gd name="connsiteY1" fmla="*/ 0 h 6858000"/>
-              <a:gd name="connsiteX2" fmla="*/ 7281316 w 7281316"/>
-              <a:gd name="connsiteY2" fmla="*/ 6858000 h 6858000"/>
-              <a:gd name="connsiteX3" fmla="*/ 696735 w 7281316"/>
-              <a:gd name="connsiteY3" fmla="*/ 6858000 h 6858000"/>
-              <a:gd name="connsiteX4" fmla="*/ 690849 w 7281316"/>
-              <a:gd name="connsiteY4" fmla="*/ 6842426 h 6858000"/>
-              <a:gd name="connsiteX5" fmla="*/ 335637 w 7281316"/>
-              <a:gd name="connsiteY5" fmla="*/ 94722 h 6858000"/>
-            </a:gdLst>
-            <a:ahLst/>
-            <a:cxnLst>
-              <a:cxn ang="0">
-                <a:pos x="connsiteX0" y="connsiteY0"/>
-              </a:cxn>
-              <a:cxn ang="0">
-                <a:pos x="connsiteX1" y="connsiteY1"/>
-              </a:cxn>
-              <a:cxn ang="0">
-                <a:pos x="connsiteX2" y="connsiteY2"/>
-              </a:cxn>
-              <a:cxn ang="0">
-                <a:pos x="connsiteX3" y="connsiteY3"/>
-              </a:cxn>
-              <a:cxn ang="0">
-                <a:pos x="connsiteX4" y="connsiteY4"/>
-              </a:cxn>
-              <a:cxn ang="0">
-                <a:pos x="connsiteX5" y="connsiteY5"/>
-              </a:cxn>
-            </a:cxnLst>
-            <a:rect l="l" t="t" r="r" b="b"/>
-            <a:pathLst>
-              <a:path w="7281316" h="6858000">
-                <a:moveTo>
-                  <a:pt x="361354" y="0"/>
-                </a:moveTo>
-                <a:lnTo>
-                  <a:pt x="7281316" y="0"/>
-                </a:lnTo>
-                <a:lnTo>
-                  <a:pt x="7281316" y="6858000"/>
-                </a:lnTo>
-                <a:lnTo>
-                  <a:pt x="696735" y="6858000"/>
-                </a:lnTo>
-                <a:lnTo>
-                  <a:pt x="690849" y="6842426"/>
-                </a:lnTo>
-                <a:cubicBezTo>
-                  <a:pt x="-65870" y="4704140"/>
-                  <a:pt x="-226206" y="2374054"/>
-                  <a:pt x="335637" y="94722"/>
-                </a:cubicBezTo>
-                <a:close/>
-              </a:path>
-            </a:pathLst>
-          </a:custGeom>
-          <a:solidFill>
-            <a:schemeClr val="tx1">
-              <a:alpha val="80000"/>
-            </a:schemeClr>
-          </a:solidFill>
-          <a:ln>
-            <a:noFill/>
-          </a:ln>
-        </p:spPr>
-        <p:style>
-          <a:lnRef idx="2">
-            <a:schemeClr val="accent1">
-              <a:shade val="50000"/>
-            </a:schemeClr>
-          </a:lnRef>
-          <a:fillRef idx="1">
-            <a:schemeClr val="accent1"/>
-          </a:fillRef>
-          <a:effectRef idx="0">
-            <a:schemeClr val="accent1"/>
-          </a:effectRef>
-          <a:fontRef idx="minor">
-            <a:schemeClr val="lt1"/>
-          </a:fontRef>
-        </p:style>
-        <p:txBody>
-          <a:bodyPr rtlCol="0" anchor="ctr"/>
-          <a:lstStyle/>
-          <a:p>
-            <a:pPr algn="ctr"/>
-            <a:endParaRPr lang="en-US"/>
-          </a:p>
-        </p:txBody>
-      </p:sp>
-      <p:sp>
-        <p:nvSpPr>
-          <p:cNvPr id="10" name="Freeform: Shape 9">
-            <a:extLst>
-              <a:ext uri="{FF2B5EF4-FFF2-40B4-BE49-F238E27FC236}">
-                <a16:creationId xmlns:a16="http://schemas.microsoft.com/office/drawing/2014/main" id="{89CC0F1E-BAA2-47B1-8F83-7ECB9FD9E009}"/>
-              </a:ext>
-              <a:ext uri="{C183D7F6-B498-43B3-948B-1728B52AA6E4}">
-                <adec:decorative xmlns:adec="http://schemas.microsoft.com/office/drawing/2017/decorative" val="1"/>
-              </a:ext>
-            </a:extLst>
-          </p:cNvPr>
-          <p:cNvSpPr>
-            <a:spLocks noGrp="1" noRot="1" noChangeAspect="1" noMove="1" noResize="1" noEditPoints="1" noAdjustHandles="1" noChangeArrowheads="1" noChangeShapeType="1" noTextEdit="1"/>
-          </p:cNvSpPr>
-          <p:nvPr>
-            <p:extLst>
-              <p:ext uri="{386F3935-93C4-4BCD-93E2-E3B085C9AB24}">
-                <p16:designElem xmlns:p16="http://schemas.microsoft.com/office/powerpoint/2015/main" val="1"/>
-              </p:ext>
-            </p:extLst>
-          </p:nvPr>
-        </p:nvSpPr>
-        <p:spPr>
-          <a:xfrm>
-            <a:off x="5189558" y="0"/>
-            <a:ext cx="6999394" cy="6858000"/>
-          </a:xfrm>
-          <a:custGeom>
-            <a:avLst/>
-            <a:gdLst>
-              <a:gd name="connsiteX0" fmla="*/ 6999394 w 6999394"/>
-              <a:gd name="connsiteY0" fmla="*/ 0 h 6858000"/>
-              <a:gd name="connsiteX1" fmla="*/ 6999394 w 6999394"/>
-              <a:gd name="connsiteY1" fmla="*/ 6858000 h 6858000"/>
-              <a:gd name="connsiteX2" fmla="*/ 717029 w 6999394"/>
-              <a:gd name="connsiteY2" fmla="*/ 6858000 h 6858000"/>
-              <a:gd name="connsiteX3" fmla="*/ 623642 w 6999394"/>
-              <a:gd name="connsiteY3" fmla="*/ 6599363 h 6858000"/>
-              <a:gd name="connsiteX4" fmla="*/ 319533 w 6999394"/>
-              <a:gd name="connsiteY4" fmla="*/ 193787 h 6858000"/>
-              <a:gd name="connsiteX5" fmla="*/ 371685 w 6999394"/>
-              <a:gd name="connsiteY5" fmla="*/ 1 h 6858000"/>
-            </a:gdLst>
-            <a:ahLst/>
-            <a:cxnLst>
-              <a:cxn ang="0">
-                <a:pos x="connsiteX0" y="connsiteY0"/>
-              </a:cxn>
-              <a:cxn ang="0">
-                <a:pos x="connsiteX1" y="connsiteY1"/>
-              </a:cxn>
-              <a:cxn ang="0">
-                <a:pos x="connsiteX2" y="connsiteY2"/>
-              </a:cxn>
-              <a:cxn ang="0">
-                <a:pos x="connsiteX3" y="connsiteY3"/>
-              </a:cxn>
-              <a:cxn ang="0">
-                <a:pos x="connsiteX4" y="connsiteY4"/>
-              </a:cxn>
-              <a:cxn ang="0">
-                <a:pos x="connsiteX5" y="connsiteY5"/>
-              </a:cxn>
-            </a:cxnLst>
-            <a:rect l="l" t="t" r="r" b="b"/>
-            <a:pathLst>
-              <a:path w="6999394" h="6858000">
-                <a:moveTo>
-                  <a:pt x="6999394" y="0"/>
-                </a:moveTo>
-                <a:lnTo>
-                  <a:pt x="6999394" y="6858000"/>
-                </a:lnTo>
-                <a:lnTo>
-                  <a:pt x="717029" y="6858000"/>
-                </a:lnTo>
-                <a:lnTo>
-                  <a:pt x="623642" y="6599363"/>
-                </a:lnTo>
-                <a:cubicBezTo>
-                  <a:pt x="-67685" y="4563346"/>
-                  <a:pt x="-206622" y="2355719"/>
-                  <a:pt x="319533" y="193787"/>
-                </a:cubicBezTo>
-                <a:lnTo>
-                  <a:pt x="371685" y="1"/>
-                </a:lnTo>
-                <a:close/>
-              </a:path>
-            </a:pathLst>
-          </a:custGeom>
-          <a:solidFill>
-            <a:schemeClr val="tx1">
-              <a:alpha val="80000"/>
-            </a:schemeClr>
-          </a:solidFill>
-          <a:ln>
-            <a:noFill/>
-          </a:ln>
-        </p:spPr>
-        <p:style>
-          <a:lnRef idx="2">
-            <a:schemeClr val="accent1">
-              <a:shade val="50000"/>
-            </a:schemeClr>
-          </a:lnRef>
-          <a:fillRef idx="1">
-            <a:schemeClr val="accent1"/>
-          </a:fillRef>
-          <a:effectRef idx="0">
-            <a:schemeClr val="accent1"/>
-          </a:effectRef>
-          <a:fontRef idx="minor">
-            <a:schemeClr val="lt1"/>
-          </a:fontRef>
-        </p:style>
-        <p:txBody>
-          <a:bodyPr rtlCol="0" anchor="ctr"/>
-          <a:lstStyle/>
-          <a:p>
-            <a:pPr algn="ctr"/>
-            <a:endParaRPr lang="en-US"/>
-          </a:p>
-        </p:txBody>
-      </p:sp>
-      <p:sp>
-        <p:nvSpPr>
-          <p:cNvPr id="3" name="Content Placeholder 2">
-            <a:extLst>
-              <a:ext uri="{FF2B5EF4-FFF2-40B4-BE49-F238E27FC236}">
-                <a16:creationId xmlns:a16="http://schemas.microsoft.com/office/drawing/2014/main" id="{CA772447-B558-8B1E-0AB8-81BB3CAD5467}"/>
-              </a:ext>
-            </a:extLst>
-          </p:cNvPr>
-          <p:cNvSpPr>
-            <a:spLocks noGrp="1"/>
-          </p:cNvSpPr>
-          <p:nvPr>
-            <p:ph idx="1"/>
-          </p:nvPr>
-        </p:nvSpPr>
-        <p:spPr>
-          <a:xfrm>
-            <a:off x="6096000" y="1399032"/>
-            <a:ext cx="5501834" cy="4471416"/>
-          </a:xfrm>
-        </p:spPr>
-        <p:txBody>
-          <a:bodyPr anchor="ctr">
-            <a:normAutofit/>
-          </a:bodyPr>
-          <a:lstStyle/>
-          <a:p>
-            <a:pPr marL="457200" indent="-457200">
-              <a:buFont typeface="+mj-lt"/>
-              <a:buAutoNum type="arabicPeriod"/>
-            </a:pPr>
-            <a:r>
-              <a:rPr lang="de-DE" sz="2200" b="1">
-                <a:solidFill>
-                  <a:schemeClr val="bg1"/>
-                </a:solidFill>
-                <a:latin typeface="Microsoft YaHei UI" panose="020B0503020204020204" pitchFamily="34" charset="-122"/>
-                <a:ea typeface="Microsoft YaHei UI" panose="020B0503020204020204" pitchFamily="34" charset="-122"/>
-              </a:rPr>
-              <a:t>Welche Datensätze wurden verwendet?</a:t>
-            </a:r>
-          </a:p>
-          <a:p>
-            <a:pPr marL="457200" indent="-457200">
-              <a:buFont typeface="+mj-lt"/>
-              <a:buAutoNum type="arabicPeriod"/>
-            </a:pPr>
-            <a:r>
-              <a:rPr lang="de-DE" sz="2200" b="1">
-                <a:solidFill>
-                  <a:schemeClr val="bg1"/>
-                </a:solidFill>
-                <a:latin typeface="Microsoft YaHei UI" panose="020B0503020204020204" pitchFamily="34" charset="-122"/>
-                <a:ea typeface="Microsoft YaHei UI" panose="020B0503020204020204" pitchFamily="34" charset="-122"/>
-              </a:rPr>
-              <a:t>Wie wurden die Datensätze miteinander verbunden?</a:t>
-            </a:r>
-          </a:p>
-          <a:p>
-            <a:pPr marL="457200" indent="-457200">
-              <a:buFont typeface="+mj-lt"/>
-              <a:buAutoNum type="arabicPeriod"/>
-            </a:pPr>
-            <a:r>
-              <a:rPr lang="de-DE" sz="2200" b="1">
-                <a:solidFill>
-                  <a:schemeClr val="bg1"/>
-                </a:solidFill>
-                <a:latin typeface="Microsoft YaHei UI" panose="020B0503020204020204" pitchFamily="34" charset="-122"/>
-                <a:ea typeface="Microsoft YaHei UI" panose="020B0503020204020204" pitchFamily="34" charset="-122"/>
-              </a:rPr>
-              <a:t>Welche </a:t>
-            </a:r>
-          </a:p>
-        </p:txBody>
-      </p:sp>
-    </p:spTree>
-    <p:extLst>
-      <p:ext uri="{BB962C8B-B14F-4D97-AF65-F5344CB8AC3E}">
-        <p14:creationId xmlns:p14="http://schemas.microsoft.com/office/powerpoint/2010/main" val="709649115"/>
-      </p:ext>
-    </p:extLst>
-  </p:cSld>
-  <p:clrMapOvr>
-    <a:overrideClrMapping bg1="dk1" tx1="lt1" bg2="dk2" tx2="lt2" accent1="accent1" accent2="accent2" accent3="accent3" accent4="accent4" accent5="accent5" accent6="accent6" hlink="hlink" folHlink="folHlink"/>
-  </p:clrMapOvr>
-</p:sld>
-</file>
-
-<file path=ppt/slides/slide3.xml><?xml version="1.0" encoding="utf-8"?>
-<p:sld xmlns:a="http://schemas.openxmlformats.org/drawingml/2006/main" xmlns:r="http://schemas.openxmlformats.org/officeDocument/2006/relationships" xmlns:p="http://schemas.openxmlformats.org/presentationml/2006/main">
-  <p:cSld>
-    <p:bg>
-      <p:bgPr>
-        <a:solidFill>
-          <a:schemeClr val="bg1"/>
-        </a:solidFill>
-        <a:effectLst/>
-      </p:bgPr>
-    </p:bg>
-    <p:spTree>
-      <p:nvGrpSpPr>
-        <p:cNvPr id="1" name=""/>
-        <p:cNvGrpSpPr/>
-        <p:nvPr/>
-      </p:nvGrpSpPr>
-      <p:grpSpPr>
-        <a:xfrm>
-          <a:off x="0" y="0"/>
-          <a:ext cx="0" cy="0"/>
-          <a:chOff x="0" y="0"/>
-          <a:chExt cx="0" cy="0"/>
-        </a:xfrm>
-      </p:grpSpPr>
-      <p:sp>
-        <p:nvSpPr>
-          <p:cNvPr id="25" name="Rectangle 24">
-            <a:extLst>
-              <a:ext uri="{FF2B5EF4-FFF2-40B4-BE49-F238E27FC236}">
-                <a16:creationId xmlns:a16="http://schemas.microsoft.com/office/drawing/2014/main" id="{0DE6A193-4755-479A-BC6F-A7EBCA73BE1A}"/>
-              </a:ext>
-              <a:ext uri="{C183D7F6-B498-43B3-948B-1728B52AA6E4}">
-                <adec:decorative xmlns:adec="http://schemas.microsoft.com/office/drawing/2017/decorative" val="1"/>
-              </a:ext>
-            </a:extLst>
-          </p:cNvPr>
-          <p:cNvSpPr>
-            <a:spLocks noGrp="1" noRot="1" noChangeAspect="1" noMove="1" noResize="1" noEditPoints="1" noAdjustHandles="1" noChangeArrowheads="1" noChangeShapeType="1" noTextEdit="1"/>
-          </p:cNvSpPr>
-          <p:nvPr>
-            <p:extLst>
-              <p:ext uri="{386F3935-93C4-4BCD-93E2-E3B085C9AB24}">
-                <p16:designElem xmlns:p16="http://schemas.microsoft.com/office/powerpoint/2015/main" val="1"/>
-              </p:ext>
-            </p:extLst>
-          </p:nvPr>
-        </p:nvSpPr>
-        <p:spPr>
-          <a:xfrm>
-            <a:off x="0" y="0"/>
-            <a:ext cx="12192001" cy="6858000"/>
-          </a:xfrm>
-          <a:prstGeom prst="rect">
-            <a:avLst/>
-          </a:prstGeom>
-          <a:solidFill>
-            <a:schemeClr val="tx1"/>
-          </a:solidFill>
-          <a:ln>
-            <a:noFill/>
-          </a:ln>
-        </p:spPr>
-        <p:style>
-          <a:lnRef idx="2">
-            <a:schemeClr val="accent1">
-              <a:shade val="50000"/>
-            </a:schemeClr>
-          </a:lnRef>
-          <a:fillRef idx="1">
-            <a:schemeClr val="accent1"/>
-          </a:fillRef>
-          <a:effectRef idx="0">
-            <a:schemeClr val="accent1"/>
-          </a:effectRef>
-          <a:fontRef idx="minor">
-            <a:schemeClr val="lt1"/>
-          </a:fontRef>
-        </p:style>
-        <p:txBody>
-          <a:bodyPr rtlCol="0" anchor="ctr"/>
-          <a:lstStyle/>
-          <a:p>
-            <a:pPr algn="ctr"/>
-            <a:endParaRPr lang="en-US"/>
-          </a:p>
-        </p:txBody>
-      </p:sp>
-      <p:sp>
-        <p:nvSpPr>
-          <p:cNvPr id="27" name="Freeform: Shape 26">
-            <a:extLst>
-              <a:ext uri="{FF2B5EF4-FFF2-40B4-BE49-F238E27FC236}">
-                <a16:creationId xmlns:a16="http://schemas.microsoft.com/office/drawing/2014/main" id="{5A55B759-31A7-423C-9BC2-A8BC09FE98B9}"/>
-              </a:ext>
-              <a:ext uri="{C183D7F6-B498-43B3-948B-1728B52AA6E4}">
-                <adec:decorative xmlns:adec="http://schemas.microsoft.com/office/drawing/2017/decorative" val="1"/>
-              </a:ext>
-            </a:extLst>
-          </p:cNvPr>
-          <p:cNvSpPr>
-            <a:spLocks noGrp="1" noRot="1" noChangeAspect="1" noMove="1" noResize="1" noEditPoints="1" noAdjustHandles="1" noChangeArrowheads="1" noChangeShapeType="1" noTextEdit="1"/>
-          </p:cNvSpPr>
-          <p:nvPr>
-            <p:extLst>
-              <p:ext uri="{386F3935-93C4-4BCD-93E2-E3B085C9AB24}">
-                <p16:designElem xmlns:p16="http://schemas.microsoft.com/office/powerpoint/2015/main" val="1"/>
-              </p:ext>
-            </p:extLst>
-          </p:nvPr>
-        </p:nvSpPr>
-        <p:spPr>
-          <a:xfrm flipV="1">
-            <a:off x="0" y="-478"/>
-            <a:ext cx="6754318" cy="6858478"/>
-          </a:xfrm>
-          <a:custGeom>
-            <a:avLst/>
-            <a:gdLst>
-              <a:gd name="connsiteX0" fmla="*/ 0 w 6754318"/>
-              <a:gd name="connsiteY0" fmla="*/ 6858478 h 6858478"/>
-              <a:gd name="connsiteX1" fmla="*/ 6754318 w 6754318"/>
-              <a:gd name="connsiteY1" fmla="*/ 6858478 h 6858478"/>
-              <a:gd name="connsiteX2" fmla="*/ 3577943 w 6754318"/>
-              <a:gd name="connsiteY2" fmla="*/ 0 h 6858478"/>
-              <a:gd name="connsiteX3" fmla="*/ 3572366 w 6754318"/>
-              <a:gd name="connsiteY3" fmla="*/ 0 h 6858478"/>
-              <a:gd name="connsiteX4" fmla="*/ 2506138 w 6754318"/>
-              <a:gd name="connsiteY4" fmla="*/ 0 h 6858478"/>
-              <a:gd name="connsiteX5" fmla="*/ 0 w 6754318"/>
-              <a:gd name="connsiteY5" fmla="*/ 0 h 6858478"/>
-            </a:gdLst>
-            <a:ahLst/>
-            <a:cxnLst>
-              <a:cxn ang="0">
-                <a:pos x="connsiteX0" y="connsiteY0"/>
-              </a:cxn>
-              <a:cxn ang="0">
-                <a:pos x="connsiteX1" y="connsiteY1"/>
-              </a:cxn>
-              <a:cxn ang="0">
-                <a:pos x="connsiteX2" y="connsiteY2"/>
-              </a:cxn>
-              <a:cxn ang="0">
-                <a:pos x="connsiteX3" y="connsiteY3"/>
-              </a:cxn>
-              <a:cxn ang="0">
-                <a:pos x="connsiteX4" y="connsiteY4"/>
-              </a:cxn>
-              <a:cxn ang="0">
-                <a:pos x="connsiteX5" y="connsiteY5"/>
-              </a:cxn>
-            </a:cxnLst>
-            <a:rect l="l" t="t" r="r" b="b"/>
-            <a:pathLst>
-              <a:path w="6754318" h="6858478">
-                <a:moveTo>
-                  <a:pt x="0" y="6858478"/>
-                </a:moveTo>
-                <a:lnTo>
-                  <a:pt x="6754318" y="6858478"/>
-                </a:lnTo>
-                <a:lnTo>
-                  <a:pt x="3577943" y="0"/>
-                </a:lnTo>
-                <a:lnTo>
-                  <a:pt x="3572366" y="0"/>
-                </a:lnTo>
-                <a:lnTo>
-                  <a:pt x="2506138" y="0"/>
-                </a:lnTo>
-                <a:lnTo>
-                  <a:pt x="0" y="0"/>
-                </a:lnTo>
-                <a:close/>
-              </a:path>
-            </a:pathLst>
-          </a:custGeom>
-          <a:solidFill>
-            <a:schemeClr val="bg1">
-              <a:lumMod val="85000"/>
-              <a:lumOff val="15000"/>
-              <a:alpha val="70000"/>
-            </a:schemeClr>
-          </a:solidFill>
-          <a:ln>
-            <a:noFill/>
-          </a:ln>
-        </p:spPr>
-        <p:style>
-          <a:lnRef idx="2">
-            <a:schemeClr val="accent1">
-              <a:shade val="50000"/>
-            </a:schemeClr>
-          </a:lnRef>
-          <a:fillRef idx="1">
-            <a:schemeClr val="accent1"/>
-          </a:fillRef>
-          <a:effectRef idx="0">
-            <a:schemeClr val="accent1"/>
-          </a:effectRef>
-          <a:fontRef idx="minor">
-            <a:schemeClr val="lt1"/>
-          </a:fontRef>
-        </p:style>
-        <p:txBody>
-          <a:bodyPr wrap="square" rtlCol="0" anchor="ctr">
-            <a:noAutofit/>
-          </a:bodyPr>
-          <a:lstStyle/>
-          <a:p>
-            <a:pPr marL="0" marR="0" lvl="0" indent="0" algn="ctr" defTabSz="914400" rtl="0" eaLnBrk="1" fontAlgn="auto" latinLnBrk="0" hangingPunct="1">
-              <a:lnSpc>
-                <a:spcPct val="100000"/>
-              </a:lnSpc>
-              <a:spcBef>
-                <a:spcPts val="0"/>
-              </a:spcBef>
-              <a:spcAft>
-                <a:spcPts val="0"/>
-              </a:spcAft>
-              <a:buClrTx/>
-              <a:buSzTx/>
-              <a:buFontTx/>
-              <a:buNone/>
-              <a:tabLst/>
-              <a:defRPr/>
-            </a:pPr>
-            <a:endParaRPr kumimoji="0" lang="en-US" sz="1800" b="0" i="0" u="none" strike="noStrike" kern="1200" cap="none" spc="0" normalizeH="0" baseline="0" noProof="0">
-              <a:ln>
-                <a:noFill/>
-              </a:ln>
-              <a:solidFill>
-                <a:prstClr val="white"/>
-              </a:solidFill>
-              <a:effectLst/>
-              <a:uLnTx/>
-              <a:uFillTx/>
-              <a:latin typeface="Calibri" panose="020F0502020204030204"/>
-              <a:ea typeface="+mn-ea"/>
-              <a:cs typeface="+mn-cs"/>
-            </a:endParaRPr>
-          </a:p>
-        </p:txBody>
-      </p:sp>
-      <p:sp>
-        <p:nvSpPr>
-          <p:cNvPr id="29" name="Freeform: Shape 28">
-            <a:extLst>
-              <a:ext uri="{FF2B5EF4-FFF2-40B4-BE49-F238E27FC236}">
-                <a16:creationId xmlns:a16="http://schemas.microsoft.com/office/drawing/2014/main" id="{F78796AF-79A0-47AC-BEFD-BFFC00F968C4}"/>
-              </a:ext>
-              <a:ext uri="{C183D7F6-B498-43B3-948B-1728B52AA6E4}">
-                <adec:decorative xmlns:adec="http://schemas.microsoft.com/office/drawing/2017/decorative" val="1"/>
-              </a:ext>
-            </a:extLst>
-          </p:cNvPr>
-          <p:cNvSpPr>
-            <a:spLocks noGrp="1" noRot="1" noChangeAspect="1" noMove="1" noResize="1" noEditPoints="1" noAdjustHandles="1" noChangeArrowheads="1" noChangeShapeType="1" noTextEdit="1"/>
-          </p:cNvSpPr>
-          <p:nvPr>
-            <p:extLst>
-              <p:ext uri="{386F3935-93C4-4BCD-93E2-E3B085C9AB24}">
-                <p16:designElem xmlns:p16="http://schemas.microsoft.com/office/powerpoint/2015/main" val="1"/>
-              </p:ext>
-            </p:extLst>
-          </p:nvPr>
-        </p:nvSpPr>
-        <p:spPr>
-          <a:xfrm flipV="1">
-            <a:off x="1" y="-478"/>
-            <a:ext cx="5953780" cy="6858478"/>
-          </a:xfrm>
-          <a:custGeom>
-            <a:avLst/>
-            <a:gdLst>
-              <a:gd name="connsiteX0" fmla="*/ 0 w 5953780"/>
-              <a:gd name="connsiteY0" fmla="*/ 6858478 h 6858478"/>
-              <a:gd name="connsiteX1" fmla="*/ 5953780 w 5953780"/>
-              <a:gd name="connsiteY1" fmla="*/ 6858478 h 6858478"/>
-              <a:gd name="connsiteX2" fmla="*/ 2777405 w 5953780"/>
-              <a:gd name="connsiteY2" fmla="*/ 0 h 6858478"/>
-              <a:gd name="connsiteX3" fmla="*/ 2771828 w 5953780"/>
-              <a:gd name="connsiteY3" fmla="*/ 0 h 6858478"/>
-              <a:gd name="connsiteX4" fmla="*/ 1705600 w 5953780"/>
-              <a:gd name="connsiteY4" fmla="*/ 0 h 6858478"/>
-              <a:gd name="connsiteX5" fmla="*/ 0 w 5953780"/>
-              <a:gd name="connsiteY5" fmla="*/ 0 h 6858478"/>
-            </a:gdLst>
-            <a:ahLst/>
-            <a:cxnLst>
-              <a:cxn ang="0">
-                <a:pos x="connsiteX0" y="connsiteY0"/>
-              </a:cxn>
-              <a:cxn ang="0">
-                <a:pos x="connsiteX1" y="connsiteY1"/>
-              </a:cxn>
-              <a:cxn ang="0">
-                <a:pos x="connsiteX2" y="connsiteY2"/>
-              </a:cxn>
-              <a:cxn ang="0">
-                <a:pos x="connsiteX3" y="connsiteY3"/>
-              </a:cxn>
-              <a:cxn ang="0">
-                <a:pos x="connsiteX4" y="connsiteY4"/>
-              </a:cxn>
-              <a:cxn ang="0">
-                <a:pos x="connsiteX5" y="connsiteY5"/>
-              </a:cxn>
-            </a:cxnLst>
-            <a:rect l="l" t="t" r="r" b="b"/>
-            <a:pathLst>
-              <a:path w="5953780" h="6858478">
-                <a:moveTo>
-                  <a:pt x="0" y="6858478"/>
-                </a:moveTo>
-                <a:lnTo>
-                  <a:pt x="5953780" y="6858478"/>
-                </a:lnTo>
-                <a:lnTo>
-                  <a:pt x="2777405" y="0"/>
-                </a:lnTo>
-                <a:lnTo>
-                  <a:pt x="2771828" y="0"/>
-                </a:lnTo>
-                <a:lnTo>
-                  <a:pt x="1705600" y="0"/>
-                </a:lnTo>
-                <a:lnTo>
-                  <a:pt x="0" y="0"/>
-                </a:lnTo>
-                <a:close/>
-              </a:path>
-            </a:pathLst>
-          </a:custGeom>
-          <a:solidFill>
-            <a:schemeClr val="bg1">
-              <a:lumMod val="85000"/>
-              <a:lumOff val="15000"/>
-            </a:schemeClr>
-          </a:solidFill>
-          <a:ln>
-            <a:noFill/>
-          </a:ln>
-        </p:spPr>
-        <p:style>
-          <a:lnRef idx="2">
-            <a:schemeClr val="accent1">
-              <a:shade val="50000"/>
-            </a:schemeClr>
-          </a:lnRef>
-          <a:fillRef idx="1">
-            <a:schemeClr val="accent1"/>
-          </a:fillRef>
-          <a:effectRef idx="0">
-            <a:schemeClr val="accent1"/>
-          </a:effectRef>
-          <a:fontRef idx="minor">
-            <a:schemeClr val="lt1"/>
-          </a:fontRef>
-        </p:style>
-        <p:txBody>
-          <a:bodyPr wrap="square" rtlCol="0" anchor="ctr">
-            <a:noAutofit/>
-          </a:bodyPr>
-          <a:lstStyle/>
-          <a:p>
-            <a:pPr marL="0" marR="0" lvl="0" indent="0" algn="ctr" defTabSz="914400" rtl="0" eaLnBrk="1" fontAlgn="auto" latinLnBrk="0" hangingPunct="1">
-              <a:lnSpc>
-                <a:spcPct val="100000"/>
-              </a:lnSpc>
-              <a:spcBef>
-                <a:spcPts val="0"/>
-              </a:spcBef>
-              <a:spcAft>
-                <a:spcPts val="0"/>
-              </a:spcAft>
-              <a:buClrTx/>
-              <a:buSzTx/>
-              <a:buFontTx/>
-              <a:buNone/>
-              <a:tabLst/>
-              <a:defRPr/>
-            </a:pPr>
-            <a:endParaRPr kumimoji="0" lang="en-US" sz="1800" b="0" i="0" u="none" strike="noStrike" kern="1200" cap="none" spc="0" normalizeH="0" baseline="0" noProof="0">
-              <a:ln>
-                <a:noFill/>
-              </a:ln>
-              <a:solidFill>
-                <a:prstClr val="white"/>
-              </a:solidFill>
-              <a:effectLst/>
-              <a:uLnTx/>
-              <a:uFillTx/>
-              <a:latin typeface="Calibri" panose="020F0502020204030204"/>
-              <a:ea typeface="+mn-ea"/>
-              <a:cs typeface="+mn-cs"/>
-            </a:endParaRPr>
-          </a:p>
-        </p:txBody>
-      </p:sp>
-      <p:sp>
-        <p:nvSpPr>
-          <p:cNvPr id="11" name="Title 1">
-            <a:extLst>
-              <a:ext uri="{FF2B5EF4-FFF2-40B4-BE49-F238E27FC236}">
-                <a16:creationId xmlns:a16="http://schemas.microsoft.com/office/drawing/2014/main" id="{E1A81C5C-565A-DEBB-CCCB-225013F20B35}"/>
-              </a:ext>
-            </a:extLst>
-          </p:cNvPr>
-          <p:cNvSpPr>
-            <a:spLocks noGrp="1"/>
-          </p:cNvSpPr>
-          <p:nvPr>
-            <p:ph type="title"/>
-          </p:nvPr>
-        </p:nvSpPr>
-        <p:spPr>
-          <a:xfrm>
-            <a:off x="804672" y="338328"/>
-            <a:ext cx="3877056" cy="2249424"/>
-          </a:xfrm>
-        </p:spPr>
-        <p:txBody>
-          <a:bodyPr vert="horz" lIns="91440" tIns="45720" rIns="91440" bIns="45720" rtlCol="0" anchor="b">
-            <a:normAutofit/>
-          </a:bodyPr>
-          <a:lstStyle/>
-          <a:p>
-            <a:r>
-              <a:rPr lang="en-US" sz="4800" b="1" dirty="0">
-                <a:latin typeface="Microsoft YaHei UI" panose="020B0503020204020204" pitchFamily="34" charset="-122"/>
-                <a:ea typeface="Microsoft YaHei UI" panose="020B0503020204020204" pitchFamily="34" charset="-122"/>
-              </a:rPr>
-              <a:t>Datasets</a:t>
-            </a:r>
-            <a:endParaRPr lang="en-US" sz="5400" b="1" dirty="0">
-              <a:latin typeface="Microsoft YaHei UI" panose="020B0503020204020204" pitchFamily="34" charset="-122"/>
-              <a:ea typeface="Microsoft YaHei UI" panose="020B0503020204020204" pitchFamily="34" charset="-122"/>
-            </a:endParaRPr>
-          </a:p>
-        </p:txBody>
-      </p:sp>
-      <p:pic>
-        <p:nvPicPr>
-          <p:cNvPr id="8" name="Picture 7" descr="Graphical user interface, text, application&#10;&#10;Description automatically generated">
-            <a:extLst>
-              <a:ext uri="{FF2B5EF4-FFF2-40B4-BE49-F238E27FC236}">
-                <a16:creationId xmlns:a16="http://schemas.microsoft.com/office/drawing/2014/main" id="{FA38F064-84AE-C7EB-B67A-F58125091C8D}"/>
-              </a:ext>
-            </a:extLst>
-          </p:cNvPr>
-          <p:cNvPicPr>
-            <a:picLocks noChangeAspect="1"/>
-          </p:cNvPicPr>
-          <p:nvPr/>
-        </p:nvPicPr>
-        <p:blipFill>
-          <a:blip r:embed="rId2"/>
-          <a:stretch>
-            <a:fillRect/>
-          </a:stretch>
-        </p:blipFill>
-        <p:spPr>
-          <a:xfrm>
-            <a:off x="7239001" y="1105453"/>
-            <a:ext cx="4416894" cy="1060053"/>
-          </a:xfrm>
-          <a:prstGeom prst="rect">
-            <a:avLst/>
-          </a:prstGeom>
-        </p:spPr>
-      </p:pic>
-      <p:pic>
-        <p:nvPicPr>
-          <p:cNvPr id="10" name="Picture 9" descr="Graphical user interface, text, application, chat or text message&#10;&#10;Description automatically generated">
-            <a:extLst>
-              <a:ext uri="{FF2B5EF4-FFF2-40B4-BE49-F238E27FC236}">
-                <a16:creationId xmlns:a16="http://schemas.microsoft.com/office/drawing/2014/main" id="{A9D23CCA-9A56-AB75-768A-A151F3A2A9F9}"/>
-              </a:ext>
-            </a:extLst>
-          </p:cNvPr>
-          <p:cNvPicPr>
-            <a:picLocks noChangeAspect="1"/>
-          </p:cNvPicPr>
-          <p:nvPr/>
-        </p:nvPicPr>
-        <p:blipFill>
-          <a:blip r:embed="rId3"/>
-          <a:stretch>
-            <a:fillRect/>
-          </a:stretch>
-        </p:blipFill>
-        <p:spPr>
-          <a:xfrm>
-            <a:off x="5953781" y="4095002"/>
-            <a:ext cx="5702113" cy="1268719"/>
-          </a:xfrm>
-          <a:prstGeom prst="rect">
-            <a:avLst/>
-          </a:prstGeom>
-        </p:spPr>
-      </p:pic>
-    </p:spTree>
-    <p:extLst>
-      <p:ext uri="{BB962C8B-B14F-4D97-AF65-F5344CB8AC3E}">
-        <p14:creationId xmlns:p14="http://schemas.microsoft.com/office/powerpoint/2010/main" val="2710227268"/>
-      </p:ext>
-    </p:extLst>
-  </p:cSld>
-  <p:clrMapOvr>
-    <a:overrideClrMapping bg1="dk1" tx1="lt1" bg2="dk2" tx2="lt2" accent1="accent1" accent2="accent2" accent3="accent3" accent4="accent4" accent5="accent5" accent6="accent6" hlink="hlink" folHlink="folHlink"/>
-  </p:clrMapOvr>
-</p:sld>
-</file>
-
-<file path=ppt/slides/slide4.xml><?xml version="1.0" encoding="utf-8"?>
-<p:sld xmlns:a="http://schemas.openxmlformats.org/drawingml/2006/main" xmlns:r="http://schemas.openxmlformats.org/officeDocument/2006/relationships" xmlns:p="http://schemas.openxmlformats.org/presentationml/2006/main">
-  <p:cSld>
-    <p:bg>
-      <p:bgPr>
-        <a:solidFill>
-          <a:schemeClr val="bg1">
-            <a:tint val="95000"/>
-            <a:satMod val="170000"/>
-          </a:schemeClr>
-        </a:solidFill>
-        <a:effectLst/>
-      </p:bgPr>
-    </p:bg>
-    <p:spTree>
-      <p:nvGrpSpPr>
-        <p:cNvPr id="1" name=""/>
-        <p:cNvGrpSpPr/>
-        <p:nvPr/>
-      </p:nvGrpSpPr>
-      <p:grpSpPr>
-        <a:xfrm>
-          <a:off x="0" y="0"/>
-          <a:ext cx="0" cy="0"/>
-          <a:chOff x="0" y="0"/>
-          <a:chExt cx="0" cy="0"/>
-        </a:xfrm>
-      </p:grpSpPr>
-      <p:sp useBgFill="1">
-        <p:nvSpPr>
-          <p:cNvPr id="1041" name="Rectangle 1040">
-            <a:extLst>
-              <a:ext uri="{FF2B5EF4-FFF2-40B4-BE49-F238E27FC236}">
-                <a16:creationId xmlns:a16="http://schemas.microsoft.com/office/drawing/2014/main" id="{10A05691-F36F-44DD-904C-144D68CAF7BD}"/>
-              </a:ext>
-              <a:ext uri="{C183D7F6-B498-43B3-948B-1728B52AA6E4}">
-                <adec:decorative xmlns:adec="http://schemas.microsoft.com/office/drawing/2017/decorative" val="1"/>
-              </a:ext>
-            </a:extLst>
-          </p:cNvPr>
-          <p:cNvSpPr>
-            <a:spLocks noGrp="1" noRot="1" noChangeAspect="1" noMove="1" noResize="1" noEditPoints="1" noAdjustHandles="1" noChangeArrowheads="1" noChangeShapeType="1" noTextEdit="1"/>
-          </p:cNvSpPr>
-          <p:nvPr>
-            <p:extLst>
-              <p:ext uri="{386F3935-93C4-4BCD-93E2-E3B085C9AB24}">
-                <p16:designElem xmlns:p16="http://schemas.microsoft.com/office/powerpoint/2015/main" val="1"/>
-              </p:ext>
-            </p:extLst>
-          </p:nvPr>
-        </p:nvSpPr>
-        <p:spPr>
-          <a:xfrm>
-            <a:off x="0" y="0"/>
-            <a:ext cx="12192000" cy="6858000"/>
-          </a:xfrm>
-          <a:prstGeom prst="rect">
-            <a:avLst/>
-          </a:prstGeom>
-          <a:ln>
-            <a:noFill/>
-          </a:ln>
-        </p:spPr>
-        <p:style>
-          <a:lnRef idx="2">
-            <a:schemeClr val="accent1">
-              <a:shade val="50000"/>
-            </a:schemeClr>
-          </a:lnRef>
-          <a:fillRef idx="1">
-            <a:schemeClr val="accent1"/>
-          </a:fillRef>
-          <a:effectRef idx="0">
-            <a:schemeClr val="accent1"/>
-          </a:effectRef>
-          <a:fontRef idx="minor">
-            <a:schemeClr val="lt1"/>
-          </a:fontRef>
-        </p:style>
-        <p:txBody>
-          <a:bodyPr rtlCol="0" anchor="ctr"/>
-          <a:lstStyle/>
-          <a:p>
-            <a:pPr algn="ctr"/>
-            <a:endParaRPr lang="en-US"/>
-          </a:p>
-        </p:txBody>
-      </p:sp>
-      <p:sp>
-        <p:nvSpPr>
-          <p:cNvPr id="2" name="Title 1">
-            <a:extLst>
-              <a:ext uri="{FF2B5EF4-FFF2-40B4-BE49-F238E27FC236}">
-                <a16:creationId xmlns:a16="http://schemas.microsoft.com/office/drawing/2014/main" id="{7893BC3A-599A-294E-087B-F7496F7D9DE8}"/>
-              </a:ext>
-            </a:extLst>
-          </p:cNvPr>
-          <p:cNvSpPr>
-            <a:spLocks noGrp="1"/>
-          </p:cNvSpPr>
-          <p:nvPr>
-            <p:ph type="title"/>
-          </p:nvPr>
-        </p:nvSpPr>
-        <p:spPr>
-          <a:xfrm>
-            <a:off x="6937181" y="593916"/>
-            <a:ext cx="4890485" cy="1106424"/>
-          </a:xfrm>
-        </p:spPr>
-        <p:txBody>
-          <a:bodyPr vert="horz" lIns="91440" tIns="45720" rIns="91440" bIns="45720" rtlCol="0" anchor="b">
-            <a:normAutofit/>
-          </a:bodyPr>
-          <a:lstStyle/>
-          <a:p>
-            <a:r>
-              <a:rPr lang="en-US" sz="3300" b="1" dirty="0">
-                <a:latin typeface="Microsoft YaHei UI" panose="020B0503020204020204" pitchFamily="34" charset="-122"/>
-                <a:ea typeface="Microsoft YaHei UI" panose="020B0503020204020204" pitchFamily="34" charset="-122"/>
-              </a:rPr>
-              <a:t>Spotify 1.2M+ Songs</a:t>
-            </a:r>
-          </a:p>
-        </p:txBody>
-      </p:sp>
-      <p:pic>
-        <p:nvPicPr>
-          <p:cNvPr id="9" name="Picture 8" descr="Graphical user interface, text, application&#10;&#10;Description automatically generated">
-            <a:extLst>
-              <a:ext uri="{FF2B5EF4-FFF2-40B4-BE49-F238E27FC236}">
-                <a16:creationId xmlns:a16="http://schemas.microsoft.com/office/drawing/2014/main" id="{492FE44B-C1F1-5ED9-F4D7-4F54DFE1DECD}"/>
-              </a:ext>
-            </a:extLst>
-          </p:cNvPr>
-          <p:cNvPicPr>
-            <a:picLocks noChangeAspect="1"/>
-          </p:cNvPicPr>
-          <p:nvPr/>
-        </p:nvPicPr>
-        <p:blipFill>
-          <a:blip r:embed="rId2"/>
-          <a:stretch>
-            <a:fillRect/>
-          </a:stretch>
-        </p:blipFill>
-        <p:spPr>
-          <a:xfrm>
-            <a:off x="9541741" y="3233824"/>
-            <a:ext cx="2374575" cy="2645768"/>
-          </a:xfrm>
-          <a:prstGeom prst="rect">
-            <a:avLst/>
-          </a:prstGeom>
-        </p:spPr>
-      </p:pic>
-      <p:pic>
-        <p:nvPicPr>
-          <p:cNvPr id="1030" name="Picture 6">
-            <a:extLst>
-              <a:ext uri="{FF2B5EF4-FFF2-40B4-BE49-F238E27FC236}">
-                <a16:creationId xmlns:a16="http://schemas.microsoft.com/office/drawing/2014/main" id="{20CCD8E7-E46A-80E9-AC32-96ACB9B6170E}"/>
-              </a:ext>
-            </a:extLst>
-          </p:cNvPr>
-          <p:cNvPicPr>
-            <a:picLocks noChangeAspect="1" noChangeArrowheads="1"/>
-          </p:cNvPicPr>
-          <p:nvPr/>
-        </p:nvPicPr>
-        <p:blipFill rotWithShape="1">
-          <a:blip r:embed="rId3">
-            <a:extLst>
-              <a:ext uri="{28A0092B-C50C-407E-A947-70E740481C1C}">
-                <a14:useLocalDpi xmlns:a14="http://schemas.microsoft.com/office/drawing/2010/main" val="0"/>
-              </a:ext>
-            </a:extLst>
-          </a:blip>
-          <a:srcRect t="2091" r="-1" b="334"/>
-          <a:stretch/>
-        </p:blipFill>
-        <p:spPr bwMode="auto">
-          <a:xfrm>
-            <a:off x="827126" y="996645"/>
-            <a:ext cx="5311333" cy="5182482"/>
-          </a:xfrm>
-          <a:prstGeom prst="rect">
-            <a:avLst/>
-          </a:prstGeom>
-          <a:noFill/>
-          <a:extLst>
-            <a:ext uri="{909E8E84-426E-40DD-AFC4-6F175D3DCCD1}">
-              <a14:hiddenFill xmlns:a14="http://schemas.microsoft.com/office/drawing/2010/main">
-                <a:solidFill>
-                  <a:srgbClr val="FFFFFF"/>
-                </a:solidFill>
-              </a14:hiddenFill>
-            </a:ext>
-          </a:extLst>
-        </p:spPr>
-      </p:pic>
-      <p:pic>
-        <p:nvPicPr>
-          <p:cNvPr id="7" name="Picture 6" descr="Graphical user interface, text, application&#10;&#10;Description automatically generated">
-            <a:extLst>
-              <a:ext uri="{FF2B5EF4-FFF2-40B4-BE49-F238E27FC236}">
-                <a16:creationId xmlns:a16="http://schemas.microsoft.com/office/drawing/2014/main" id="{367E9C19-1CE4-5CBB-4AA2-5CCE94F42D57}"/>
-              </a:ext>
-            </a:extLst>
-          </p:cNvPr>
-          <p:cNvPicPr>
-            <a:picLocks noChangeAspect="1"/>
-          </p:cNvPicPr>
-          <p:nvPr/>
-        </p:nvPicPr>
-        <p:blipFill>
-          <a:blip r:embed="rId4"/>
-          <a:stretch>
-            <a:fillRect/>
-          </a:stretch>
-        </p:blipFill>
-        <p:spPr>
-          <a:xfrm>
-            <a:off x="6779071" y="3986340"/>
-            <a:ext cx="2603352" cy="1106424"/>
-          </a:xfrm>
-          <a:prstGeom prst="rect">
-            <a:avLst/>
-          </a:prstGeom>
-        </p:spPr>
-      </p:pic>
-      <p:cxnSp>
-        <p:nvCxnSpPr>
-          <p:cNvPr id="1043" name="Straight Connector 1042">
-            <a:extLst>
-              <a:ext uri="{FF2B5EF4-FFF2-40B4-BE49-F238E27FC236}">
-                <a16:creationId xmlns:a16="http://schemas.microsoft.com/office/drawing/2014/main" id="{1A9CF0DD-5937-4172-BD2C-9579BD31DD5B}"/>
-              </a:ext>
-              <a:ext uri="{C183D7F6-B498-43B3-948B-1728B52AA6E4}">
-                <adec:decorative xmlns:adec="http://schemas.microsoft.com/office/drawing/2017/decorative" val="1"/>
-              </a:ext>
-            </a:extLst>
-          </p:cNvPr>
-          <p:cNvCxnSpPr>
-            <a:cxnSpLocks noGrp="1" noRot="1" noChangeAspect="1" noMove="1" noResize="1" noEditPoints="1" noAdjustHandles="1" noChangeArrowheads="1" noChangeShapeType="1"/>
-          </p:cNvCxnSpPr>
-          <p:nvPr>
-            <p:extLst>
-              <p:ext uri="{386F3935-93C4-4BCD-93E2-E3B085C9AB24}">
-                <p16:designElem xmlns:p16="http://schemas.microsoft.com/office/powerpoint/2015/main" val="1"/>
-              </p:ext>
-            </p:extLst>
-          </p:nvPr>
-        </p:nvCxnSpPr>
-        <p:spPr>
-          <a:xfrm>
-            <a:off x="6572846" y="1417320"/>
-            <a:ext cx="0" cy="4023360"/>
-          </a:xfrm>
-          <a:prstGeom prst="line">
-            <a:avLst/>
-          </a:prstGeom>
-          <a:ln w="15875">
-            <a:solidFill>
-              <a:schemeClr val="tx1"/>
-            </a:solidFill>
-          </a:ln>
-        </p:spPr>
-        <p:style>
-          <a:lnRef idx="1">
-            <a:schemeClr val="accent1"/>
-          </a:lnRef>
-          <a:fillRef idx="0">
-            <a:schemeClr val="accent1"/>
-          </a:fillRef>
-          <a:effectRef idx="0">
-            <a:schemeClr val="accent1"/>
-          </a:effectRef>
-          <a:fontRef idx="minor">
-            <a:schemeClr val="tx1"/>
-          </a:fontRef>
-        </p:style>
-      </p:cxnSp>
-      <p:sp>
-        <p:nvSpPr>
-          <p:cNvPr id="5" name="TextBox 4">
-            <a:extLst>
-              <a:ext uri="{FF2B5EF4-FFF2-40B4-BE49-F238E27FC236}">
-                <a16:creationId xmlns:a16="http://schemas.microsoft.com/office/drawing/2014/main" id="{2CC22189-2314-A05A-E247-895F2DBC82ED}"/>
-              </a:ext>
-            </a:extLst>
-          </p:cNvPr>
-          <p:cNvSpPr txBox="1"/>
-          <p:nvPr/>
-        </p:nvSpPr>
-        <p:spPr>
-          <a:xfrm>
-            <a:off x="7025827" y="2359152"/>
-            <a:ext cx="4437509" cy="3429000"/>
-          </a:xfrm>
-          <a:prstGeom prst="rect">
-            <a:avLst/>
-          </a:prstGeom>
-        </p:spPr>
-        <p:txBody>
-          <a:bodyPr vert="horz" lIns="91440" tIns="45720" rIns="91440" bIns="45720" rtlCol="0">
-            <a:normAutofit/>
-          </a:bodyPr>
-          <a:lstStyle/>
-          <a:p>
-            <a:pPr indent="-228600">
-              <a:lnSpc>
-                <a:spcPct val="90000"/>
-              </a:lnSpc>
-              <a:spcAft>
-                <a:spcPts val="600"/>
-              </a:spcAft>
-              <a:buFont typeface="Arial" panose="020B0604020202020204" pitchFamily="34" charset="0"/>
-              <a:buChar char="•"/>
-            </a:pPr>
-            <a:r>
-              <a:rPr lang="en-US" sz="1900" dirty="0"/>
-              <a:t>generated by official Spotify API</a:t>
-            </a:r>
-          </a:p>
-        </p:txBody>
-      </p:sp>
-    </p:spTree>
-    <p:extLst>
-      <p:ext uri="{BB962C8B-B14F-4D97-AF65-F5344CB8AC3E}">
-        <p14:creationId xmlns:p14="http://schemas.microsoft.com/office/powerpoint/2010/main" val="2908925227"/>
-      </p:ext>
-    </p:extLst>
-  </p:cSld>
-  <p:clrMapOvr>
-    <a:overrideClrMapping bg1="dk1" tx1="lt1" bg2="dk2" tx2="lt2" accent1="accent1" accent2="accent2" accent3="accent3" accent4="accent4" accent5="accent5" accent6="accent6" hlink="hlink" folHlink="folHlink"/>
-  </p:clrMapOvr>
-</p:sld>
-</file>
-
-<file path=ppt/slides/slide5.xml><?xml version="1.0" encoding="utf-8"?>
-<p:sld xmlns:a="http://schemas.openxmlformats.org/drawingml/2006/main" xmlns:r="http://schemas.openxmlformats.org/officeDocument/2006/relationships" xmlns:p="http://schemas.openxmlformats.org/presentationml/2006/main">
-  <p:cSld>
-    <p:bg>
-      <p:bgPr>
-        <a:solidFill>
-          <a:schemeClr val="bg1">
-            <a:tint val="95000"/>
-            <a:satMod val="170000"/>
-          </a:schemeClr>
-        </a:solidFill>
-        <a:effectLst/>
-      </p:bgPr>
-    </p:bg>
-    <p:spTree>
-      <p:nvGrpSpPr>
-        <p:cNvPr id="1" name=""/>
-        <p:cNvGrpSpPr/>
-        <p:nvPr/>
-      </p:nvGrpSpPr>
-      <p:grpSpPr>
-        <a:xfrm>
-          <a:off x="0" y="0"/>
-          <a:ext cx="0" cy="0"/>
-          <a:chOff x="0" y="0"/>
-          <a:chExt cx="0" cy="0"/>
-        </a:xfrm>
-      </p:grpSpPr>
-      <p:sp useBgFill="1">
-        <p:nvSpPr>
-          <p:cNvPr id="76" name="Rectangle 71">
-            <a:extLst>
-              <a:ext uri="{FF2B5EF4-FFF2-40B4-BE49-F238E27FC236}">
-                <a16:creationId xmlns:a16="http://schemas.microsoft.com/office/drawing/2014/main" id="{B0792D4F-247E-46FE-85FC-881DEFA41D94}"/>
-              </a:ext>
-              <a:ext uri="{C183D7F6-B498-43B3-948B-1728B52AA6E4}">
-                <adec:decorative xmlns:adec="http://schemas.microsoft.com/office/drawing/2017/decorative" val="1"/>
-              </a:ext>
-            </a:extLst>
-          </p:cNvPr>
-          <p:cNvSpPr>
-            <a:spLocks noGrp="1" noRot="1" noChangeAspect="1" noMove="1" noResize="1" noEditPoints="1" noAdjustHandles="1" noChangeArrowheads="1" noChangeShapeType="1" noTextEdit="1"/>
-          </p:cNvSpPr>
-          <p:nvPr>
-            <p:extLst>
-              <p:ext uri="{386F3935-93C4-4BCD-93E2-E3B085C9AB24}">
-                <p16:designElem xmlns:p16="http://schemas.microsoft.com/office/powerpoint/2015/main" val="1"/>
-              </p:ext>
-            </p:extLst>
-          </p:nvPr>
-        </p:nvSpPr>
-        <p:spPr>
-          <a:xfrm>
-            <a:off x="0" y="-1"/>
-            <a:ext cx="12188952" cy="6858000"/>
-          </a:xfrm>
-          <a:prstGeom prst="rect">
-            <a:avLst/>
-          </a:prstGeom>
-          <a:ln>
-            <a:noFill/>
-          </a:ln>
-        </p:spPr>
-        <p:style>
-          <a:lnRef idx="2">
-            <a:schemeClr val="accent1">
-              <a:shade val="50000"/>
-            </a:schemeClr>
-          </a:lnRef>
-          <a:fillRef idx="1">
-            <a:schemeClr val="accent1"/>
-          </a:fillRef>
-          <a:effectRef idx="0">
-            <a:schemeClr val="accent1"/>
-          </a:effectRef>
-          <a:fontRef idx="minor">
-            <a:schemeClr val="lt1"/>
-          </a:fontRef>
-        </p:style>
-        <p:txBody>
-          <a:bodyPr rtlCol="0" anchor="ctr"/>
-          <a:lstStyle/>
-          <a:p>
-            <a:pPr marL="0" marR="0" lvl="0" indent="0" algn="ctr" defTabSz="914400" rtl="0" eaLnBrk="1" fontAlgn="auto" latinLnBrk="0" hangingPunct="1">
-              <a:lnSpc>
-                <a:spcPct val="100000"/>
-              </a:lnSpc>
-              <a:spcBef>
-                <a:spcPts val="0"/>
-              </a:spcBef>
-              <a:spcAft>
-                <a:spcPts val="0"/>
-              </a:spcAft>
-              <a:buClrTx/>
-              <a:buSzTx/>
-              <a:buFontTx/>
-              <a:buNone/>
-              <a:tabLst/>
-              <a:defRPr/>
-            </a:pPr>
-            <a:endParaRPr kumimoji="0" lang="en-US" sz="1800" b="0" i="0" u="none" strike="noStrike" kern="1200" cap="none" spc="0" normalizeH="0" baseline="0" noProof="0">
-              <a:ln>
-                <a:noFill/>
-              </a:ln>
-              <a:solidFill>
-                <a:prstClr val="white"/>
-              </a:solidFill>
-              <a:effectLst/>
-              <a:uLnTx/>
-              <a:uFillTx/>
-              <a:latin typeface="Tw Cen MT" panose="020B0602020104020603"/>
-              <a:ea typeface="+mn-ea"/>
-              <a:cs typeface="+mn-cs"/>
-            </a:endParaRPr>
-          </a:p>
-        </p:txBody>
-      </p:sp>
-      <p:sp>
-        <p:nvSpPr>
-          <p:cNvPr id="2" name="Title 1">
-            <a:extLst>
-              <a:ext uri="{FF2B5EF4-FFF2-40B4-BE49-F238E27FC236}">
-                <a16:creationId xmlns:a16="http://schemas.microsoft.com/office/drawing/2014/main" id="{C2450BCF-8CBD-D6C0-5C65-59A8BE93E686}"/>
-              </a:ext>
-            </a:extLst>
-          </p:cNvPr>
-          <p:cNvSpPr>
-            <a:spLocks noGrp="1"/>
-          </p:cNvSpPr>
-          <p:nvPr>
-            <p:ph type="title"/>
-          </p:nvPr>
-        </p:nvSpPr>
-        <p:spPr>
-          <a:xfrm>
-            <a:off x="6684264" y="932688"/>
-            <a:ext cx="4892040" cy="1773936"/>
-          </a:xfrm>
-        </p:spPr>
-        <p:txBody>
-          <a:bodyPr vert="horz" lIns="91440" tIns="45720" rIns="91440" bIns="45720" rtlCol="0" anchor="b">
-            <a:normAutofit/>
-          </a:bodyPr>
-          <a:lstStyle/>
-          <a:p>
-            <a:r>
-              <a:rPr lang="en-US" sz="4000" b="1">
-                <a:latin typeface="Microsoft YaHei UI" panose="020B0503020204020204" pitchFamily="34" charset="-122"/>
-                <a:ea typeface="Microsoft YaHei UI" panose="020B0503020204020204" pitchFamily="34" charset="-122"/>
-              </a:rPr>
-              <a:t>Spotify Playlists</a:t>
-            </a:r>
-          </a:p>
-        </p:txBody>
-      </p:sp>
-      <p:pic>
-        <p:nvPicPr>
-          <p:cNvPr id="28" name="Content Placeholder 27" descr="Table&#10;&#10;Description automatically generated">
-            <a:extLst>
-              <a:ext uri="{FF2B5EF4-FFF2-40B4-BE49-F238E27FC236}">
-                <a16:creationId xmlns:a16="http://schemas.microsoft.com/office/drawing/2014/main" id="{C8A6843E-3668-C792-FF3F-396AFA115BED}"/>
-              </a:ext>
-            </a:extLst>
-          </p:cNvPr>
-          <p:cNvPicPr>
-            <a:picLocks noChangeAspect="1"/>
-          </p:cNvPicPr>
-          <p:nvPr/>
-        </p:nvPicPr>
-        <p:blipFill>
-          <a:blip r:embed="rId2"/>
-          <a:stretch>
-            <a:fillRect/>
-          </a:stretch>
-        </p:blipFill>
-        <p:spPr>
-          <a:xfrm>
-            <a:off x="470018" y="795500"/>
-            <a:ext cx="5025525" cy="5276143"/>
-          </a:xfrm>
-          <a:prstGeom prst="rect">
-            <a:avLst/>
-          </a:prstGeom>
-        </p:spPr>
-      </p:pic>
-      <p:cxnSp>
-        <p:nvCxnSpPr>
-          <p:cNvPr id="77" name="Straight Connector 73">
-            <a:extLst>
-              <a:ext uri="{FF2B5EF4-FFF2-40B4-BE49-F238E27FC236}">
-                <a16:creationId xmlns:a16="http://schemas.microsoft.com/office/drawing/2014/main" id="{7AD0F4D2-80E7-4A78-82EE-BEAEE4945407}"/>
-              </a:ext>
-              <a:ext uri="{C183D7F6-B498-43B3-948B-1728B52AA6E4}">
-                <adec:decorative xmlns:adec="http://schemas.microsoft.com/office/drawing/2017/decorative" val="1"/>
-              </a:ext>
-            </a:extLst>
-          </p:cNvPr>
-          <p:cNvCxnSpPr>
-            <a:cxnSpLocks noGrp="1" noRot="1" noChangeAspect="1" noMove="1" noResize="1" noEditPoints="1" noAdjustHandles="1" noChangeArrowheads="1" noChangeShapeType="1"/>
-          </p:cNvCxnSpPr>
-          <p:nvPr>
-            <p:extLst>
-              <p:ext uri="{386F3935-93C4-4BCD-93E2-E3B085C9AB24}">
-                <p16:designElem xmlns:p16="http://schemas.microsoft.com/office/powerpoint/2015/main" val="1"/>
-              </p:ext>
-            </p:extLst>
-          </p:nvPr>
-        </p:nvCxnSpPr>
-        <p:spPr>
-          <a:xfrm>
-            <a:off x="6096000" y="1417320"/>
-            <a:ext cx="0" cy="4023360"/>
-          </a:xfrm>
-          <a:prstGeom prst="line">
-            <a:avLst/>
-          </a:prstGeom>
-          <a:ln w="15875">
-            <a:solidFill>
-              <a:schemeClr val="tx1"/>
-            </a:solidFill>
-          </a:ln>
-        </p:spPr>
-        <p:style>
-          <a:lnRef idx="1">
-            <a:schemeClr val="accent1"/>
-          </a:lnRef>
-          <a:fillRef idx="0">
-            <a:schemeClr val="accent1"/>
-          </a:fillRef>
-          <a:effectRef idx="0">
-            <a:schemeClr val="accent1"/>
-          </a:effectRef>
-          <a:fontRef idx="minor">
-            <a:schemeClr val="tx1"/>
-          </a:fontRef>
-        </p:style>
-      </p:cxnSp>
-      <p:sp>
-        <p:nvSpPr>
-          <p:cNvPr id="62" name="Content Placeholder 61">
-            <a:extLst>
-              <a:ext uri="{FF2B5EF4-FFF2-40B4-BE49-F238E27FC236}">
-                <a16:creationId xmlns:a16="http://schemas.microsoft.com/office/drawing/2014/main" id="{8BB3C36D-5217-978A-4BEA-2AFCCA5F8E28}"/>
-              </a:ext>
-            </a:extLst>
-          </p:cNvPr>
-          <p:cNvSpPr>
-            <a:spLocks noGrp="1"/>
-          </p:cNvSpPr>
-          <p:nvPr>
-            <p:ph idx="1"/>
-          </p:nvPr>
-        </p:nvSpPr>
-        <p:spPr>
-          <a:xfrm>
-            <a:off x="6684264" y="2898648"/>
-            <a:ext cx="4892040" cy="1773936"/>
-          </a:xfrm>
-        </p:spPr>
-        <p:txBody>
-          <a:bodyPr anchor="t">
-            <a:normAutofit/>
-          </a:bodyPr>
-          <a:lstStyle/>
-          <a:p>
-            <a:r>
-              <a:rPr lang="en-US" sz="2000" dirty="0"/>
-              <a:t>162k playlists</a:t>
-            </a:r>
-          </a:p>
-          <a:p>
-            <a:r>
-              <a:rPr lang="en-US" sz="2000" dirty="0"/>
-              <a:t>16k user</a:t>
-            </a:r>
-          </a:p>
-          <a:p>
-            <a:r>
-              <a:rPr lang="en-US" sz="2000" dirty="0"/>
-              <a:t>2M tracks</a:t>
-            </a:r>
-          </a:p>
-          <a:p>
-            <a:endParaRPr lang="en-US" sz="2000" dirty="0"/>
-          </a:p>
-          <a:p>
-            <a:endParaRPr lang="en-US" sz="2000" dirty="0"/>
-          </a:p>
-        </p:txBody>
-      </p:sp>
-    </p:spTree>
-    <p:extLst>
-      <p:ext uri="{BB962C8B-B14F-4D97-AF65-F5344CB8AC3E}">
-        <p14:creationId xmlns:p14="http://schemas.microsoft.com/office/powerpoint/2010/main" val="2956172971"/>
-      </p:ext>
-    </p:extLst>
-  </p:cSld>
-  <p:clrMapOvr>
-    <a:overrideClrMapping bg1="dk1" tx1="lt1" bg2="dk2" tx2="lt2" accent1="accent1" accent2="accent2" accent3="accent3" accent4="accent4" accent5="accent5" accent6="accent6" hlink="hlink" folHlink="folHlink"/>
-  </p:clrMapOvr>
-</p:sld>
-</file>
-
-<file path=ppt/slides/slide6.xml><?xml version="1.0" encoding="utf-8"?>
-<p:sld xmlns:a="http://schemas.openxmlformats.org/drawingml/2006/main" xmlns:r="http://schemas.openxmlformats.org/officeDocument/2006/relationships" xmlns:p="http://schemas.openxmlformats.org/presentationml/2006/main">
-  <p:cSld>
-    <p:spTree>
-      <p:nvGrpSpPr>
-        <p:cNvPr id="1" name=""/>
-        <p:cNvGrpSpPr/>
-        <p:nvPr/>
-      </p:nvGrpSpPr>
-      <p:grpSpPr>
-        <a:xfrm>
-          <a:off x="0" y="0"/>
-          <a:ext cx="0" cy="0"/>
-          <a:chOff x="0" y="0"/>
-          <a:chExt cx="0" cy="0"/>
-        </a:xfrm>
-      </p:grpSpPr>
-      <p:graphicFrame>
-        <p:nvGraphicFramePr>
-          <p:cNvPr id="6" name="Table 6">
-            <a:extLst>
-              <a:ext uri="{FF2B5EF4-FFF2-40B4-BE49-F238E27FC236}">
-                <a16:creationId xmlns:a16="http://schemas.microsoft.com/office/drawing/2014/main" id="{62EB8BE5-CE78-5511-FD02-A5537CF07D1E}"/>
-              </a:ext>
-            </a:extLst>
-          </p:cNvPr>
-          <p:cNvGraphicFramePr>
-            <a:graphicFrameLocks noGrp="1"/>
-          </p:cNvGraphicFramePr>
-          <p:nvPr>
-            <p:extLst>
-              <p:ext uri="{D42A27DB-BD31-4B8C-83A1-F6EECF244321}">
-                <p14:modId xmlns:p14="http://schemas.microsoft.com/office/powerpoint/2010/main" val="2020590961"/>
-              </p:ext>
-            </p:extLst>
-          </p:nvPr>
-        </p:nvGraphicFramePr>
-        <p:xfrm>
-          <a:off x="358774" y="1744902"/>
-          <a:ext cx="5011231" cy="1112520"/>
-        </p:xfrm>
-        <a:graphic>
-          <a:graphicData uri="http://schemas.openxmlformats.org/drawingml/2006/table">
-            <a:tbl>
-              <a:tblPr firstRow="1" bandRow="1">
-                <a:tableStyleId>{073A0DAA-6AF3-43AB-8588-CEC1D06C72B9}</a:tableStyleId>
-              </a:tblPr>
-              <a:tblGrid>
-                <a:gridCol w="413068">
-                  <a:extLst>
-                    <a:ext uri="{9D8B030D-6E8A-4147-A177-3AD203B41FA5}">
-                      <a16:colId xmlns:a16="http://schemas.microsoft.com/office/drawing/2014/main" val="890423038"/>
-                    </a:ext>
-                  </a:extLst>
-                </a:gridCol>
-                <a:gridCol w="1917192">
-                  <a:extLst>
-                    <a:ext uri="{9D8B030D-6E8A-4147-A177-3AD203B41FA5}">
-                      <a16:colId xmlns:a16="http://schemas.microsoft.com/office/drawing/2014/main" val="781179739"/>
-                    </a:ext>
-                  </a:extLst>
-                </a:gridCol>
-                <a:gridCol w="2283778">
-                  <a:extLst>
-                    <a:ext uri="{9D8B030D-6E8A-4147-A177-3AD203B41FA5}">
-                      <a16:colId xmlns:a16="http://schemas.microsoft.com/office/drawing/2014/main" val="1262337292"/>
-                    </a:ext>
-                  </a:extLst>
-                </a:gridCol>
-                <a:gridCol w="397193">
-                  <a:extLst>
-                    <a:ext uri="{9D8B030D-6E8A-4147-A177-3AD203B41FA5}">
-                      <a16:colId xmlns:a16="http://schemas.microsoft.com/office/drawing/2014/main" val="3131219099"/>
-                    </a:ext>
-                  </a:extLst>
-                </a:gridCol>
-              </a:tblGrid>
-              <a:tr h="370840">
-                <a:tc>
-                  <a:txBody>
-                    <a:bodyPr/>
-                    <a:lstStyle/>
-                    <a:p>
-                      <a:r>
-                        <a:rPr lang="de-DE" dirty="0" err="1"/>
-                        <a:t>id</a:t>
-                      </a:r>
-                      <a:endParaRPr lang="de-DE" dirty="0"/>
-                    </a:p>
-                  </a:txBody>
-                  <a:tcPr/>
-                </a:tc>
-                <a:tc>
-                  <a:txBody>
-                    <a:bodyPr/>
-                    <a:lstStyle/>
-                    <a:p>
-                      <a:r>
-                        <a:rPr lang="de-DE" dirty="0" err="1"/>
-                        <a:t>name</a:t>
-                      </a:r>
-                      <a:endParaRPr lang="de-DE" dirty="0"/>
-                    </a:p>
-                  </a:txBody>
-                  <a:tcPr/>
-                </a:tc>
-                <a:tc>
-                  <a:txBody>
-                    <a:bodyPr/>
-                    <a:lstStyle/>
-                    <a:p>
-                      <a:r>
-                        <a:rPr lang="de-DE" dirty="0" err="1"/>
-                        <a:t>artists</a:t>
-                      </a:r>
-                      <a:endParaRPr lang="de-DE" dirty="0"/>
-                    </a:p>
-                  </a:txBody>
-                  <a:tcPr/>
-                </a:tc>
-                <a:tc>
-                  <a:txBody>
-                    <a:bodyPr/>
-                    <a:lstStyle/>
-                    <a:p>
-                      <a:pPr algn="ctr"/>
-                      <a:r>
-                        <a:rPr lang="de-DE" dirty="0"/>
-                        <a:t>…</a:t>
-                      </a:r>
-                    </a:p>
-                  </a:txBody>
-                  <a:tcPr/>
-                </a:tc>
-                <a:extLst>
-                  <a:ext uri="{0D108BD9-81ED-4DB2-BD59-A6C34878D82A}">
-                    <a16:rowId xmlns:a16="http://schemas.microsoft.com/office/drawing/2014/main" val="3939200465"/>
-                  </a:ext>
-                </a:extLst>
-              </a:tr>
-              <a:tr h="370840">
-                <a:tc>
-                  <a:txBody>
-                    <a:bodyPr/>
-                    <a:lstStyle/>
-                    <a:p>
-                      <a:r>
-                        <a:rPr lang="en-GB" sz="1800" b="0" kern="1200" dirty="0">
-                          <a:solidFill>
-                            <a:schemeClr val="dk1"/>
-                          </a:solidFill>
-                          <a:effectLst/>
-                          <a:latin typeface="+mn-lt"/>
-                          <a:ea typeface="+mn-ea"/>
-                          <a:cs typeface="+mn-cs"/>
-                        </a:rPr>
-                        <a:t>a</a:t>
-                      </a:r>
-                      <a:endParaRPr lang="de-DE" dirty="0"/>
-                    </a:p>
-                  </a:txBody>
-                  <a:tcPr/>
-                </a:tc>
-                <a:tc>
-                  <a:txBody>
-                    <a:bodyPr/>
-                    <a:lstStyle/>
-                    <a:p>
-                      <a:r>
-                        <a:rPr lang="en-GB" sz="1800" b="0" kern="1200" dirty="0">
-                          <a:solidFill>
-                            <a:schemeClr val="dk1"/>
-                          </a:solidFill>
-                          <a:effectLst/>
-                          <a:latin typeface="+mn-lt"/>
-                          <a:ea typeface="+mn-ea"/>
-                          <a:cs typeface="+mn-cs"/>
-                        </a:rPr>
-                        <a:t>Flash </a:t>
-                      </a:r>
-                      <a:r>
-                        <a:rPr lang="en-GB" sz="1800" b="0" kern="1200" dirty="0" err="1">
-                          <a:solidFill>
-                            <a:schemeClr val="dk1"/>
-                          </a:solidFill>
-                          <a:effectLst/>
-                          <a:latin typeface="+mn-lt"/>
-                          <a:ea typeface="+mn-ea"/>
-                          <a:cs typeface="+mn-cs"/>
-                        </a:rPr>
-                        <a:t>mich</a:t>
-                      </a:r>
-                      <a:endParaRPr lang="de-DE" dirty="0"/>
-                    </a:p>
-                  </a:txBody>
-                  <a:tcPr/>
-                </a:tc>
-                <a:tc>
-                  <a:txBody>
-                    <a:bodyPr/>
-                    <a:lstStyle/>
-                    <a:p>
-                      <a:r>
-                        <a:rPr lang="en-GB" sz="1800" b="0" kern="1200" dirty="0">
-                          <a:solidFill>
-                            <a:schemeClr val="dk1"/>
-                          </a:solidFill>
-                          <a:effectLst/>
-                          <a:latin typeface="+mn-lt"/>
-                          <a:ea typeface="+mn-ea"/>
-                          <a:cs typeface="+mn-cs"/>
-                        </a:rPr>
-                        <a:t>['Mark Forster’]</a:t>
-                      </a:r>
-                      <a:endParaRPr lang="de-DE" dirty="0"/>
-                    </a:p>
-                  </a:txBody>
-                  <a:tcPr/>
-                </a:tc>
-                <a:tc>
-                  <a:txBody>
-                    <a:bodyPr/>
-                    <a:lstStyle/>
-                    <a:p>
-                      <a:pPr algn="ctr"/>
-                      <a:r>
-                        <a:rPr lang="de-DE" dirty="0"/>
-                        <a:t>…</a:t>
-                      </a:r>
-                    </a:p>
-                  </a:txBody>
-                  <a:tcPr/>
-                </a:tc>
-                <a:extLst>
-                  <a:ext uri="{0D108BD9-81ED-4DB2-BD59-A6C34878D82A}">
-                    <a16:rowId xmlns:a16="http://schemas.microsoft.com/office/drawing/2014/main" val="2209162385"/>
-                  </a:ext>
-                </a:extLst>
-              </a:tr>
-              <a:tr h="370840">
-                <a:tc>
-                  <a:txBody>
-                    <a:bodyPr/>
-                    <a:lstStyle/>
-                    <a:p>
-                      <a:pPr marL="0" marR="0" lvl="0" indent="0" algn="l" defTabSz="914400" rtl="0" eaLnBrk="1" fontAlgn="auto" latinLnBrk="0" hangingPunct="1">
-                        <a:lnSpc>
-                          <a:spcPct val="100000"/>
-                        </a:lnSpc>
-                        <a:spcBef>
-                          <a:spcPts val="0"/>
-                        </a:spcBef>
-                        <a:spcAft>
-                          <a:spcPts val="0"/>
-                        </a:spcAft>
-                        <a:buClrTx/>
-                        <a:buSzTx/>
-                        <a:buFontTx/>
-                        <a:buNone/>
-                        <a:tabLst/>
-                        <a:defRPr/>
-                      </a:pPr>
-                      <a:r>
-                        <a:rPr lang="en-GB" sz="1800" b="0" kern="1200" dirty="0">
-                          <a:solidFill>
-                            <a:schemeClr val="dk1"/>
-                          </a:solidFill>
-                          <a:effectLst/>
-                          <a:latin typeface="+mn-lt"/>
-                          <a:ea typeface="+mn-ea"/>
-                          <a:cs typeface="+mn-cs"/>
-                        </a:rPr>
-                        <a:t>b</a:t>
-                      </a:r>
-                      <a:endParaRPr lang="de-DE" dirty="0"/>
-                    </a:p>
-                  </a:txBody>
-                  <a:tcPr/>
-                </a:tc>
-                <a:tc>
-                  <a:txBody>
-                    <a:bodyPr/>
-                    <a:lstStyle/>
-                    <a:p>
-                      <a:r>
-                        <a:rPr lang="en-GB" sz="1800" b="0" kern="1200" dirty="0">
-                          <a:solidFill>
-                            <a:schemeClr val="dk1"/>
-                          </a:solidFill>
-                          <a:effectLst/>
-                          <a:latin typeface="+mn-lt"/>
-                          <a:ea typeface="+mn-ea"/>
-                          <a:cs typeface="+mn-cs"/>
-                        </a:rPr>
-                        <a:t>Mine (feat. Drake)</a:t>
-                      </a:r>
-                      <a:endParaRPr lang="de-DE" dirty="0"/>
-                    </a:p>
-                  </a:txBody>
-                  <a:tcPr/>
-                </a:tc>
-                <a:tc>
-                  <a:txBody>
-                    <a:bodyPr/>
-                    <a:lstStyle/>
-                    <a:p>
-                      <a:pPr marL="0" marR="0" lvl="0" indent="0" algn="l" defTabSz="914400" rtl="0" eaLnBrk="1" fontAlgn="auto" latinLnBrk="0" hangingPunct="1">
-                        <a:lnSpc>
-                          <a:spcPct val="100000"/>
-                        </a:lnSpc>
-                        <a:spcBef>
-                          <a:spcPts val="0"/>
-                        </a:spcBef>
-                        <a:spcAft>
-                          <a:spcPts val="0"/>
-                        </a:spcAft>
-                        <a:buClrTx/>
-                        <a:buSzTx/>
-                        <a:buFontTx/>
-                        <a:buNone/>
-                        <a:tabLst/>
-                        <a:defRPr/>
-                      </a:pPr>
-                      <a:r>
-                        <a:rPr lang="en-GB" sz="1800" b="0" kern="1200" dirty="0">
-                          <a:solidFill>
-                            <a:schemeClr val="dk1"/>
-                          </a:solidFill>
-                          <a:effectLst/>
-                          <a:latin typeface="+mn-lt"/>
-                          <a:ea typeface="+mn-ea"/>
-                          <a:cs typeface="+mn-cs"/>
-                        </a:rPr>
-                        <a:t>['Beyoncé’, 'Drake']</a:t>
-                      </a:r>
-                    </a:p>
-                  </a:txBody>
-                  <a:tcPr/>
-                </a:tc>
-                <a:tc>
-                  <a:txBody>
-                    <a:bodyPr/>
-                    <a:lstStyle/>
-                    <a:p>
-                      <a:pPr algn="ctr"/>
-                      <a:r>
-                        <a:rPr lang="de-DE" dirty="0"/>
-                        <a:t>…</a:t>
-                      </a:r>
-                    </a:p>
-                  </a:txBody>
-                  <a:tcPr/>
-                </a:tc>
-                <a:extLst>
-                  <a:ext uri="{0D108BD9-81ED-4DB2-BD59-A6C34878D82A}">
-                    <a16:rowId xmlns:a16="http://schemas.microsoft.com/office/drawing/2014/main" val="2211092583"/>
-                  </a:ext>
-                </a:extLst>
-              </a:tr>
-            </a:tbl>
-          </a:graphicData>
-        </a:graphic>
-      </p:graphicFrame>
-      <p:graphicFrame>
-        <p:nvGraphicFramePr>
-          <p:cNvPr id="7" name="Table 6">
-            <a:extLst>
-              <a:ext uri="{FF2B5EF4-FFF2-40B4-BE49-F238E27FC236}">
-                <a16:creationId xmlns:a16="http://schemas.microsoft.com/office/drawing/2014/main" id="{CABA0C4D-D644-417C-30CC-E7801C089696}"/>
-              </a:ext>
-            </a:extLst>
-          </p:cNvPr>
-          <p:cNvGraphicFramePr>
-            <a:graphicFrameLocks noGrp="1"/>
-          </p:cNvGraphicFramePr>
-          <p:nvPr>
-            <p:extLst>
-              <p:ext uri="{D42A27DB-BD31-4B8C-83A1-F6EECF244321}">
-                <p14:modId xmlns:p14="http://schemas.microsoft.com/office/powerpoint/2010/main" val="3837441585"/>
-              </p:ext>
-            </p:extLst>
-          </p:nvPr>
-        </p:nvGraphicFramePr>
-        <p:xfrm>
-          <a:off x="787398" y="4158672"/>
-          <a:ext cx="4153981" cy="1483360"/>
-        </p:xfrm>
-        <a:graphic>
-          <a:graphicData uri="http://schemas.openxmlformats.org/drawingml/2006/table">
-            <a:tbl>
-              <a:tblPr firstRow="1" bandRow="1">
-                <a:tableStyleId>{073A0DAA-6AF3-43AB-8588-CEC1D06C72B9}</a:tableStyleId>
-              </a:tblPr>
-              <a:tblGrid>
-                <a:gridCol w="413068">
-                  <a:extLst>
-                    <a:ext uri="{9D8B030D-6E8A-4147-A177-3AD203B41FA5}">
-                      <a16:colId xmlns:a16="http://schemas.microsoft.com/office/drawing/2014/main" val="890423038"/>
-                    </a:ext>
-                  </a:extLst>
-                </a:gridCol>
-                <a:gridCol w="1917192">
-                  <a:extLst>
-                    <a:ext uri="{9D8B030D-6E8A-4147-A177-3AD203B41FA5}">
-                      <a16:colId xmlns:a16="http://schemas.microsoft.com/office/drawing/2014/main" val="781179739"/>
-                    </a:ext>
-                  </a:extLst>
-                </a:gridCol>
-                <a:gridCol w="1426528">
-                  <a:extLst>
-                    <a:ext uri="{9D8B030D-6E8A-4147-A177-3AD203B41FA5}">
-                      <a16:colId xmlns:a16="http://schemas.microsoft.com/office/drawing/2014/main" val="1262337292"/>
-                    </a:ext>
-                  </a:extLst>
-                </a:gridCol>
-                <a:gridCol w="397193">
-                  <a:extLst>
-                    <a:ext uri="{9D8B030D-6E8A-4147-A177-3AD203B41FA5}">
-                      <a16:colId xmlns:a16="http://schemas.microsoft.com/office/drawing/2014/main" val="3131219099"/>
-                    </a:ext>
-                  </a:extLst>
-                </a:gridCol>
-              </a:tblGrid>
-              <a:tr h="370840">
-                <a:tc>
-                  <a:txBody>
-                    <a:bodyPr/>
-                    <a:lstStyle/>
-                    <a:p>
-                      <a:r>
-                        <a:rPr lang="de-DE" dirty="0" err="1"/>
-                        <a:t>id</a:t>
-                      </a:r>
-                      <a:endParaRPr lang="de-DE" dirty="0"/>
-                    </a:p>
-                  </a:txBody>
-                  <a:tcPr/>
-                </a:tc>
-                <a:tc>
-                  <a:txBody>
-                    <a:bodyPr/>
-                    <a:lstStyle/>
-                    <a:p>
-                      <a:r>
-                        <a:rPr lang="de-DE" dirty="0" err="1"/>
-                        <a:t>name</a:t>
-                      </a:r>
-                      <a:endParaRPr lang="de-DE" dirty="0"/>
-                    </a:p>
-                  </a:txBody>
-                  <a:tcPr/>
-                </a:tc>
-                <a:tc>
-                  <a:txBody>
-                    <a:bodyPr/>
-                    <a:lstStyle/>
-                    <a:p>
-                      <a:r>
-                        <a:rPr lang="de-DE" dirty="0" err="1"/>
-                        <a:t>artists</a:t>
-                      </a:r>
-                      <a:endParaRPr lang="de-DE" dirty="0"/>
-                    </a:p>
-                  </a:txBody>
-                  <a:tcPr/>
-                </a:tc>
-                <a:tc>
-                  <a:txBody>
-                    <a:bodyPr/>
-                    <a:lstStyle/>
-                    <a:p>
-                      <a:pPr algn="ctr"/>
-                      <a:r>
-                        <a:rPr lang="de-DE" dirty="0"/>
-                        <a:t>…</a:t>
-                      </a:r>
-                    </a:p>
-                  </a:txBody>
-                  <a:tcPr/>
-                </a:tc>
-                <a:extLst>
-                  <a:ext uri="{0D108BD9-81ED-4DB2-BD59-A6C34878D82A}">
-                    <a16:rowId xmlns:a16="http://schemas.microsoft.com/office/drawing/2014/main" val="3939200465"/>
-                  </a:ext>
-                </a:extLst>
-              </a:tr>
-              <a:tr h="370840">
-                <a:tc>
-                  <a:txBody>
-                    <a:bodyPr/>
-                    <a:lstStyle/>
-                    <a:p>
-                      <a:r>
-                        <a:rPr lang="en-GB" sz="1800" b="0" kern="1200" dirty="0">
-                          <a:solidFill>
-                            <a:schemeClr val="dk1"/>
-                          </a:solidFill>
-                          <a:effectLst/>
-                          <a:latin typeface="+mn-lt"/>
-                          <a:ea typeface="+mn-ea"/>
-                          <a:cs typeface="+mn-cs"/>
-                        </a:rPr>
-                        <a:t>a</a:t>
-                      </a:r>
-                      <a:endParaRPr lang="de-DE" dirty="0"/>
-                    </a:p>
-                  </a:txBody>
-                  <a:tcPr/>
-                </a:tc>
-                <a:tc>
-                  <a:txBody>
-                    <a:bodyPr/>
-                    <a:lstStyle/>
-                    <a:p>
-                      <a:r>
-                        <a:rPr lang="en-GB" sz="1800" b="0" kern="1200" dirty="0">
-                          <a:solidFill>
-                            <a:schemeClr val="dk1"/>
-                          </a:solidFill>
-                          <a:effectLst/>
-                          <a:latin typeface="+mn-lt"/>
-                          <a:ea typeface="+mn-ea"/>
-                          <a:cs typeface="+mn-cs"/>
-                        </a:rPr>
-                        <a:t>Flash </a:t>
-                      </a:r>
-                      <a:r>
-                        <a:rPr lang="en-GB" sz="1800" b="0" kern="1200" dirty="0" err="1">
-                          <a:solidFill>
-                            <a:schemeClr val="dk1"/>
-                          </a:solidFill>
-                          <a:effectLst/>
-                          <a:latin typeface="+mn-lt"/>
-                          <a:ea typeface="+mn-ea"/>
-                          <a:cs typeface="+mn-cs"/>
-                        </a:rPr>
-                        <a:t>mich</a:t>
-                      </a:r>
-                      <a:endParaRPr lang="de-DE" dirty="0"/>
-                    </a:p>
-                  </a:txBody>
-                  <a:tcPr/>
-                </a:tc>
-                <a:tc>
-                  <a:txBody>
-                    <a:bodyPr/>
-                    <a:lstStyle/>
-                    <a:p>
-                      <a:r>
-                        <a:rPr lang="en-GB" sz="1800" b="0" kern="1200" dirty="0">
-                          <a:solidFill>
-                            <a:schemeClr val="dk1"/>
-                          </a:solidFill>
-                          <a:effectLst/>
-                          <a:latin typeface="+mn-lt"/>
-                          <a:ea typeface="+mn-ea"/>
-                          <a:cs typeface="+mn-cs"/>
-                        </a:rPr>
-                        <a:t>Mark Forster</a:t>
-                      </a:r>
-                      <a:endParaRPr lang="de-DE" dirty="0"/>
-                    </a:p>
-                  </a:txBody>
-                  <a:tcPr/>
-                </a:tc>
-                <a:tc>
-                  <a:txBody>
-                    <a:bodyPr/>
-                    <a:lstStyle/>
-                    <a:p>
-                      <a:pPr algn="ctr"/>
-                      <a:r>
-                        <a:rPr lang="de-DE" dirty="0"/>
-                        <a:t>…</a:t>
-                      </a:r>
-                    </a:p>
-                  </a:txBody>
-                  <a:tcPr/>
-                </a:tc>
-                <a:extLst>
-                  <a:ext uri="{0D108BD9-81ED-4DB2-BD59-A6C34878D82A}">
-                    <a16:rowId xmlns:a16="http://schemas.microsoft.com/office/drawing/2014/main" val="2209162385"/>
-                  </a:ext>
-                </a:extLst>
-              </a:tr>
-              <a:tr h="370840">
-                <a:tc>
-                  <a:txBody>
-                    <a:bodyPr/>
-                    <a:lstStyle/>
-                    <a:p>
-                      <a:pPr marL="0" marR="0" lvl="0" indent="0" algn="l" defTabSz="914400" rtl="0" eaLnBrk="1" fontAlgn="auto" latinLnBrk="0" hangingPunct="1">
-                        <a:lnSpc>
-                          <a:spcPct val="100000"/>
-                        </a:lnSpc>
-                        <a:spcBef>
-                          <a:spcPts val="0"/>
-                        </a:spcBef>
-                        <a:spcAft>
-                          <a:spcPts val="0"/>
-                        </a:spcAft>
-                        <a:buClrTx/>
-                        <a:buSzTx/>
-                        <a:buFontTx/>
-                        <a:buNone/>
-                        <a:tabLst/>
-                        <a:defRPr/>
-                      </a:pPr>
-                      <a:r>
-                        <a:rPr lang="en-GB" sz="1800" b="0" kern="1200" dirty="0">
-                          <a:solidFill>
-                            <a:schemeClr val="dk1"/>
-                          </a:solidFill>
-                          <a:effectLst/>
-                          <a:latin typeface="+mn-lt"/>
-                          <a:ea typeface="+mn-ea"/>
-                          <a:cs typeface="+mn-cs"/>
-                        </a:rPr>
-                        <a:t>b</a:t>
-                      </a:r>
-                      <a:endParaRPr lang="de-DE" dirty="0"/>
-                    </a:p>
-                  </a:txBody>
-                  <a:tcPr/>
-                </a:tc>
-                <a:tc>
-                  <a:txBody>
-                    <a:bodyPr/>
-                    <a:lstStyle/>
-                    <a:p>
-                      <a:r>
-                        <a:rPr lang="en-GB" sz="1800" b="0" kern="1200" dirty="0">
-                          <a:solidFill>
-                            <a:schemeClr val="dk1"/>
-                          </a:solidFill>
-                          <a:effectLst/>
-                          <a:latin typeface="+mn-lt"/>
-                          <a:ea typeface="+mn-ea"/>
-                          <a:cs typeface="+mn-cs"/>
-                        </a:rPr>
-                        <a:t>Mine (feat. Drake)</a:t>
-                      </a:r>
-                      <a:endParaRPr lang="de-DE" dirty="0"/>
-                    </a:p>
-                  </a:txBody>
-                  <a:tcPr/>
-                </a:tc>
-                <a:tc>
-                  <a:txBody>
-                    <a:bodyPr/>
-                    <a:lstStyle/>
-                    <a:p>
-                      <a:pPr marL="0" marR="0" lvl="0" indent="0" algn="l" defTabSz="914400" rtl="0" eaLnBrk="1" fontAlgn="auto" latinLnBrk="0" hangingPunct="1">
-                        <a:lnSpc>
-                          <a:spcPct val="100000"/>
-                        </a:lnSpc>
-                        <a:spcBef>
-                          <a:spcPts val="0"/>
-                        </a:spcBef>
-                        <a:spcAft>
-                          <a:spcPts val="0"/>
-                        </a:spcAft>
-                        <a:buClrTx/>
-                        <a:buSzTx/>
-                        <a:buFontTx/>
-                        <a:buNone/>
-                        <a:tabLst/>
-                        <a:defRPr/>
-                      </a:pPr>
-                      <a:r>
-                        <a:rPr lang="en-GB" sz="1800" b="0" kern="1200" dirty="0">
-                          <a:solidFill>
-                            <a:schemeClr val="dk1"/>
-                          </a:solidFill>
-                          <a:effectLst/>
-                          <a:latin typeface="+mn-lt"/>
-                          <a:ea typeface="+mn-ea"/>
-                          <a:cs typeface="+mn-cs"/>
-                        </a:rPr>
-                        <a:t>Beyoncé</a:t>
-                      </a:r>
-                    </a:p>
-                  </a:txBody>
-                  <a:tcPr/>
-                </a:tc>
-                <a:tc>
-                  <a:txBody>
-                    <a:bodyPr/>
-                    <a:lstStyle/>
-                    <a:p>
-                      <a:pPr algn="ctr"/>
-                      <a:r>
-                        <a:rPr lang="de-DE" dirty="0"/>
-                        <a:t>…</a:t>
-                      </a:r>
-                    </a:p>
-                  </a:txBody>
-                  <a:tcPr/>
-                </a:tc>
-                <a:extLst>
-                  <a:ext uri="{0D108BD9-81ED-4DB2-BD59-A6C34878D82A}">
-                    <a16:rowId xmlns:a16="http://schemas.microsoft.com/office/drawing/2014/main" val="1102608945"/>
-                  </a:ext>
-                </a:extLst>
-              </a:tr>
-              <a:tr h="370840">
-                <a:tc>
-                  <a:txBody>
-                    <a:bodyPr/>
-                    <a:lstStyle/>
-                    <a:p>
-                      <a:pPr marL="0" marR="0" lvl="0" indent="0" algn="l" defTabSz="914400" rtl="0" eaLnBrk="1" fontAlgn="auto" latinLnBrk="0" hangingPunct="1">
-                        <a:lnSpc>
-                          <a:spcPct val="100000"/>
-                        </a:lnSpc>
-                        <a:spcBef>
-                          <a:spcPts val="0"/>
-                        </a:spcBef>
-                        <a:spcAft>
-                          <a:spcPts val="0"/>
-                        </a:spcAft>
-                        <a:buClrTx/>
-                        <a:buSzTx/>
-                        <a:buFontTx/>
-                        <a:buNone/>
-                        <a:tabLst/>
-                        <a:defRPr/>
-                      </a:pPr>
-                      <a:r>
-                        <a:rPr lang="en-GB" sz="1800" b="0" kern="1200" dirty="0">
-                          <a:solidFill>
-                            <a:schemeClr val="dk1"/>
-                          </a:solidFill>
-                          <a:effectLst/>
-                          <a:latin typeface="+mn-lt"/>
-                          <a:ea typeface="+mn-ea"/>
-                          <a:cs typeface="+mn-cs"/>
-                        </a:rPr>
-                        <a:t>b</a:t>
-                      </a:r>
-                      <a:endParaRPr lang="de-DE" dirty="0"/>
-                    </a:p>
-                  </a:txBody>
-                  <a:tcPr/>
-                </a:tc>
-                <a:tc>
-                  <a:txBody>
-                    <a:bodyPr/>
-                    <a:lstStyle/>
-                    <a:p>
-                      <a:r>
-                        <a:rPr lang="en-GB" sz="1800" b="0" kern="1200" dirty="0">
-                          <a:solidFill>
-                            <a:schemeClr val="dk1"/>
-                          </a:solidFill>
-                          <a:effectLst/>
-                          <a:latin typeface="+mn-lt"/>
-                          <a:ea typeface="+mn-ea"/>
-                          <a:cs typeface="+mn-cs"/>
-                        </a:rPr>
-                        <a:t>Mine (feat. Drake)</a:t>
-                      </a:r>
-                      <a:endParaRPr lang="de-DE" dirty="0"/>
-                    </a:p>
-                  </a:txBody>
-                  <a:tcPr/>
-                </a:tc>
-                <a:tc>
-                  <a:txBody>
-                    <a:bodyPr/>
-                    <a:lstStyle/>
-                    <a:p>
-                      <a:pPr marL="0" marR="0" lvl="0" indent="0" algn="l" defTabSz="914400" rtl="0" eaLnBrk="1" fontAlgn="auto" latinLnBrk="0" hangingPunct="1">
-                        <a:lnSpc>
-                          <a:spcPct val="100000"/>
-                        </a:lnSpc>
-                        <a:spcBef>
-                          <a:spcPts val="0"/>
-                        </a:spcBef>
-                        <a:spcAft>
-                          <a:spcPts val="0"/>
-                        </a:spcAft>
-                        <a:buClrTx/>
-                        <a:buSzTx/>
-                        <a:buFontTx/>
-                        <a:buNone/>
-                        <a:tabLst/>
-                        <a:defRPr/>
-                      </a:pPr>
-                      <a:r>
-                        <a:rPr lang="en-GB" sz="1800" b="0" kern="1200" dirty="0">
-                          <a:solidFill>
-                            <a:schemeClr val="dk1"/>
-                          </a:solidFill>
-                          <a:effectLst/>
-                          <a:latin typeface="+mn-lt"/>
-                          <a:ea typeface="+mn-ea"/>
-                          <a:cs typeface="+mn-cs"/>
-                        </a:rPr>
-                        <a:t>Drake</a:t>
-                      </a:r>
-                    </a:p>
-                  </a:txBody>
-                  <a:tcPr/>
-                </a:tc>
-                <a:tc>
-                  <a:txBody>
-                    <a:bodyPr/>
-                    <a:lstStyle/>
-                    <a:p>
-                      <a:pPr algn="ctr"/>
-                      <a:r>
-                        <a:rPr lang="de-DE" dirty="0"/>
-                        <a:t>…</a:t>
-                      </a:r>
-                    </a:p>
-                  </a:txBody>
-                  <a:tcPr/>
-                </a:tc>
-                <a:extLst>
-                  <a:ext uri="{0D108BD9-81ED-4DB2-BD59-A6C34878D82A}">
-                    <a16:rowId xmlns:a16="http://schemas.microsoft.com/office/drawing/2014/main" val="2118463825"/>
-                  </a:ext>
-                </a:extLst>
-              </a:tr>
-            </a:tbl>
-          </a:graphicData>
-        </a:graphic>
-      </p:graphicFrame>
-      <p:graphicFrame>
-        <p:nvGraphicFramePr>
-          <p:cNvPr id="8" name="Table 8">
-            <a:extLst>
-              <a:ext uri="{FF2B5EF4-FFF2-40B4-BE49-F238E27FC236}">
-                <a16:creationId xmlns:a16="http://schemas.microsoft.com/office/drawing/2014/main" id="{8C4457C9-0C04-46A1-8030-55F2507C8E1E}"/>
-              </a:ext>
-            </a:extLst>
-          </p:cNvPr>
-          <p:cNvGraphicFramePr>
-            <a:graphicFrameLocks noGrp="1"/>
-          </p:cNvGraphicFramePr>
-          <p:nvPr>
-            <p:extLst>
-              <p:ext uri="{D42A27DB-BD31-4B8C-83A1-F6EECF244321}">
-                <p14:modId xmlns:p14="http://schemas.microsoft.com/office/powerpoint/2010/main" val="2718627740"/>
-              </p:ext>
-            </p:extLst>
-          </p:nvPr>
-        </p:nvGraphicFramePr>
-        <p:xfrm>
-          <a:off x="5805559" y="1744902"/>
-          <a:ext cx="6172010" cy="2763520"/>
-        </p:xfrm>
-        <a:graphic>
-          <a:graphicData uri="http://schemas.openxmlformats.org/drawingml/2006/table">
-            <a:tbl>
-              <a:tblPr firstRow="1" bandRow="1">
-                <a:tableStyleId>{073A0DAA-6AF3-43AB-8588-CEC1D06C72B9}</a:tableStyleId>
-              </a:tblPr>
-              <a:tblGrid>
-                <a:gridCol w="935355">
-                  <a:extLst>
-                    <a:ext uri="{9D8B030D-6E8A-4147-A177-3AD203B41FA5}">
-                      <a16:colId xmlns:a16="http://schemas.microsoft.com/office/drawing/2014/main" val="3444933664"/>
-                    </a:ext>
-                  </a:extLst>
-                </a:gridCol>
-                <a:gridCol w="1266190">
-                  <a:extLst>
-                    <a:ext uri="{9D8B030D-6E8A-4147-A177-3AD203B41FA5}">
-                      <a16:colId xmlns:a16="http://schemas.microsoft.com/office/drawing/2014/main" val="4184430502"/>
-                    </a:ext>
-                  </a:extLst>
-                </a:gridCol>
-                <a:gridCol w="1917192">
-                  <a:extLst>
-                    <a:ext uri="{9D8B030D-6E8A-4147-A177-3AD203B41FA5}">
-                      <a16:colId xmlns:a16="http://schemas.microsoft.com/office/drawing/2014/main" val="937895844"/>
-                    </a:ext>
-                  </a:extLst>
-                </a:gridCol>
-                <a:gridCol w="2053273">
-                  <a:extLst>
-                    <a:ext uri="{9D8B030D-6E8A-4147-A177-3AD203B41FA5}">
-                      <a16:colId xmlns:a16="http://schemas.microsoft.com/office/drawing/2014/main" val="4111502859"/>
-                    </a:ext>
-                  </a:extLst>
-                </a:gridCol>
-              </a:tblGrid>
-              <a:tr h="370840">
-                <a:tc>
-                  <a:txBody>
-                    <a:bodyPr/>
-                    <a:lstStyle/>
-                    <a:p>
-                      <a:r>
-                        <a:rPr lang="de-DE" dirty="0" err="1"/>
-                        <a:t>user_id</a:t>
-                      </a:r>
-                      <a:endParaRPr lang="de-DE" dirty="0"/>
-                    </a:p>
-                  </a:txBody>
-                  <a:tcPr/>
-                </a:tc>
-                <a:tc>
-                  <a:txBody>
-                    <a:bodyPr/>
-                    <a:lstStyle/>
-                    <a:p>
-                      <a:r>
-                        <a:rPr lang="de-DE" dirty="0" err="1"/>
-                        <a:t>artistname</a:t>
-                      </a:r>
-                      <a:endParaRPr lang="de-DE" dirty="0"/>
-                    </a:p>
-                  </a:txBody>
-                  <a:tcPr/>
-                </a:tc>
-                <a:tc>
-                  <a:txBody>
-                    <a:bodyPr/>
-                    <a:lstStyle/>
-                    <a:p>
-                      <a:r>
-                        <a:rPr lang="de-DE" dirty="0" err="1"/>
-                        <a:t>trackname</a:t>
-                      </a:r>
-                      <a:endParaRPr lang="de-DE" dirty="0"/>
-                    </a:p>
-                  </a:txBody>
-                  <a:tcPr/>
-                </a:tc>
-                <a:tc>
-                  <a:txBody>
-                    <a:bodyPr/>
-                    <a:lstStyle/>
-                    <a:p>
-                      <a:r>
-                        <a:rPr lang="de-DE" dirty="0" err="1"/>
-                        <a:t>playlistname</a:t>
-                      </a:r>
-                      <a:endParaRPr lang="de-DE" dirty="0"/>
-                    </a:p>
-                  </a:txBody>
-                  <a:tcPr/>
-                </a:tc>
-                <a:extLst>
-                  <a:ext uri="{0D108BD9-81ED-4DB2-BD59-A6C34878D82A}">
-                    <a16:rowId xmlns:a16="http://schemas.microsoft.com/office/drawing/2014/main" val="2765778750"/>
-                  </a:ext>
-                </a:extLst>
-              </a:tr>
-              <a:tr h="370840">
-                <a:tc>
-                  <a:txBody>
-                    <a:bodyPr/>
-                    <a:lstStyle/>
-                    <a:p>
-                      <a:r>
-                        <a:rPr lang="de-DE" dirty="0"/>
-                        <a:t>u1</a:t>
-                      </a:r>
-                    </a:p>
-                  </a:txBody>
-                  <a:tcPr/>
-                </a:tc>
-                <a:tc>
-                  <a:txBody>
-                    <a:bodyPr/>
-                    <a:lstStyle/>
-                    <a:p>
-                      <a:pPr marL="0" marR="0" lvl="0" indent="0" algn="l" defTabSz="914400" rtl="0" eaLnBrk="1" fontAlgn="auto" latinLnBrk="0" hangingPunct="1">
-                        <a:lnSpc>
-                          <a:spcPct val="100000"/>
-                        </a:lnSpc>
-                        <a:spcBef>
-                          <a:spcPts val="0"/>
-                        </a:spcBef>
-                        <a:spcAft>
-                          <a:spcPts val="0"/>
-                        </a:spcAft>
-                        <a:buClrTx/>
-                        <a:buSzTx/>
-                        <a:buFontTx/>
-                        <a:buNone/>
-                        <a:tabLst/>
-                        <a:defRPr/>
-                      </a:pPr>
-                      <a:r>
-                        <a:rPr lang="en-GB" sz="1800" b="0" kern="1200" dirty="0">
-                          <a:solidFill>
-                            <a:schemeClr val="dk1"/>
-                          </a:solidFill>
-                          <a:effectLst/>
-                          <a:latin typeface="+mn-lt"/>
-                          <a:ea typeface="+mn-ea"/>
-                          <a:cs typeface="+mn-cs"/>
-                        </a:rPr>
-                        <a:t>Beyoncé</a:t>
-                      </a:r>
-                    </a:p>
-                  </a:txBody>
-                  <a:tcPr/>
-                </a:tc>
-                <a:tc>
-                  <a:txBody>
-                    <a:bodyPr/>
-                    <a:lstStyle/>
-                    <a:p>
-                      <a:pPr marL="0" marR="0" lvl="0" indent="0" algn="l" defTabSz="914400" rtl="0" eaLnBrk="1" fontAlgn="auto" latinLnBrk="0" hangingPunct="1">
-                        <a:lnSpc>
-                          <a:spcPct val="100000"/>
-                        </a:lnSpc>
-                        <a:spcBef>
-                          <a:spcPts val="0"/>
-                        </a:spcBef>
-                        <a:spcAft>
-                          <a:spcPts val="0"/>
-                        </a:spcAft>
-                        <a:buClrTx/>
-                        <a:buSzTx/>
-                        <a:buFontTx/>
-                        <a:buNone/>
-                        <a:tabLst/>
-                        <a:defRPr/>
-                      </a:pPr>
-                      <a:r>
-                        <a:rPr lang="en-GB" sz="1800" b="0" kern="1200" dirty="0">
-                          <a:solidFill>
-                            <a:schemeClr val="dk1"/>
-                          </a:solidFill>
-                          <a:effectLst/>
-                          <a:latin typeface="+mn-lt"/>
-                          <a:ea typeface="+mn-ea"/>
-                          <a:cs typeface="+mn-cs"/>
-                        </a:rPr>
-                        <a:t>Mine (feat. Drake)</a:t>
-                      </a:r>
-                      <a:endParaRPr lang="de-DE" dirty="0"/>
-                    </a:p>
-                  </a:txBody>
-                  <a:tcPr/>
-                </a:tc>
-                <a:tc>
-                  <a:txBody>
-                    <a:bodyPr/>
-                    <a:lstStyle/>
-                    <a:p>
-                      <a:r>
-                        <a:rPr lang="de-DE" dirty="0" err="1"/>
-                        <a:t>December</a:t>
-                      </a:r>
-                      <a:r>
-                        <a:rPr lang="de-DE" dirty="0"/>
-                        <a:t> ’13</a:t>
-                      </a:r>
-                    </a:p>
-                  </a:txBody>
-                  <a:tcPr/>
-                </a:tc>
-                <a:extLst>
-                  <a:ext uri="{0D108BD9-81ED-4DB2-BD59-A6C34878D82A}">
-                    <a16:rowId xmlns:a16="http://schemas.microsoft.com/office/drawing/2014/main" val="3766349147"/>
-                  </a:ext>
-                </a:extLst>
-              </a:tr>
-              <a:tr h="370840">
-                <a:tc>
-                  <a:txBody>
-                    <a:bodyPr/>
-                    <a:lstStyle/>
-                    <a:p>
-                      <a:r>
-                        <a:rPr lang="de-DE" dirty="0"/>
-                        <a:t>u2</a:t>
-                      </a:r>
-                    </a:p>
-                  </a:txBody>
-                  <a:tcPr/>
-                </a:tc>
-                <a:tc>
-                  <a:txBody>
-                    <a:bodyPr/>
-                    <a:lstStyle/>
-                    <a:p>
-                      <a:pPr marL="0" marR="0" lvl="0" indent="0" algn="l" defTabSz="914400" rtl="0" eaLnBrk="1" fontAlgn="auto" latinLnBrk="0" hangingPunct="1">
-                        <a:lnSpc>
-                          <a:spcPct val="100000"/>
-                        </a:lnSpc>
-                        <a:spcBef>
-                          <a:spcPts val="0"/>
-                        </a:spcBef>
-                        <a:spcAft>
-                          <a:spcPts val="0"/>
-                        </a:spcAft>
-                        <a:buClrTx/>
-                        <a:buSzTx/>
-                        <a:buFontTx/>
-                        <a:buNone/>
-                        <a:tabLst/>
-                        <a:defRPr/>
-                      </a:pPr>
-                      <a:r>
-                        <a:rPr lang="en-GB" sz="1800" b="0" kern="1200" dirty="0">
-                          <a:solidFill>
-                            <a:schemeClr val="dk1"/>
-                          </a:solidFill>
-                          <a:effectLst/>
-                          <a:latin typeface="+mn-lt"/>
-                          <a:ea typeface="+mn-ea"/>
-                          <a:cs typeface="+mn-cs"/>
-                        </a:rPr>
-                        <a:t>Beyoncé</a:t>
-                      </a:r>
-                    </a:p>
-                  </a:txBody>
-                  <a:tcPr/>
-                </a:tc>
-                <a:tc>
-                  <a:txBody>
-                    <a:bodyPr/>
-                    <a:lstStyle/>
-                    <a:p>
-                      <a:pPr marL="0" marR="0" lvl="0" indent="0" algn="l" defTabSz="914400" rtl="0" eaLnBrk="1" fontAlgn="auto" latinLnBrk="0" hangingPunct="1">
-                        <a:lnSpc>
-                          <a:spcPct val="100000"/>
-                        </a:lnSpc>
-                        <a:spcBef>
-                          <a:spcPts val="0"/>
-                        </a:spcBef>
-                        <a:spcAft>
-                          <a:spcPts val="0"/>
-                        </a:spcAft>
-                        <a:buClrTx/>
-                        <a:buSzTx/>
-                        <a:buFontTx/>
-                        <a:buNone/>
-                        <a:tabLst/>
-                        <a:defRPr/>
-                      </a:pPr>
-                      <a:r>
-                        <a:rPr lang="en-GB" sz="1800" b="0" kern="1200" dirty="0">
-                          <a:solidFill>
-                            <a:schemeClr val="dk1"/>
-                          </a:solidFill>
-                          <a:effectLst/>
-                          <a:latin typeface="+mn-lt"/>
-                          <a:ea typeface="+mn-ea"/>
-                          <a:cs typeface="+mn-cs"/>
-                        </a:rPr>
-                        <a:t>Mine (feat. Drake)</a:t>
-                      </a:r>
-                      <a:endParaRPr lang="de-DE" dirty="0"/>
-                    </a:p>
-                  </a:txBody>
-                  <a:tcPr/>
-                </a:tc>
-                <a:tc>
-                  <a:txBody>
-                    <a:bodyPr/>
-                    <a:lstStyle/>
-                    <a:p>
-                      <a:r>
-                        <a:rPr lang="de-DE" dirty="0"/>
-                        <a:t>Rap and R&amp;B</a:t>
-                      </a:r>
-                    </a:p>
-                  </a:txBody>
-                  <a:tcPr/>
-                </a:tc>
-                <a:extLst>
-                  <a:ext uri="{0D108BD9-81ED-4DB2-BD59-A6C34878D82A}">
-                    <a16:rowId xmlns:a16="http://schemas.microsoft.com/office/drawing/2014/main" val="1233322250"/>
-                  </a:ext>
-                </a:extLst>
-              </a:tr>
-              <a:tr h="370840">
-                <a:tc>
-                  <a:txBody>
-                    <a:bodyPr/>
-                    <a:lstStyle/>
-                    <a:p>
-                      <a:r>
-                        <a:rPr lang="de-DE" dirty="0"/>
-                        <a:t>u2</a:t>
-                      </a:r>
-                    </a:p>
-                  </a:txBody>
-                  <a:tcPr/>
-                </a:tc>
-                <a:tc>
-                  <a:txBody>
-                    <a:bodyPr/>
-                    <a:lstStyle/>
-                    <a:p>
-                      <a:pPr marL="0" marR="0" lvl="0" indent="0" algn="l" defTabSz="914400" rtl="0" eaLnBrk="1" fontAlgn="auto" latinLnBrk="0" hangingPunct="1">
-                        <a:lnSpc>
-                          <a:spcPct val="100000"/>
-                        </a:lnSpc>
-                        <a:spcBef>
-                          <a:spcPts val="0"/>
-                        </a:spcBef>
-                        <a:spcAft>
-                          <a:spcPts val="0"/>
-                        </a:spcAft>
-                        <a:buClrTx/>
-                        <a:buSzTx/>
-                        <a:buFontTx/>
-                        <a:buNone/>
-                        <a:tabLst/>
-                        <a:defRPr/>
-                      </a:pPr>
-                      <a:r>
-                        <a:rPr lang="en-GB" sz="1800" b="0" kern="1200" dirty="0">
-                          <a:solidFill>
-                            <a:schemeClr val="dk1"/>
-                          </a:solidFill>
-                          <a:effectLst/>
-                          <a:latin typeface="+mn-lt"/>
-                          <a:ea typeface="+mn-ea"/>
-                          <a:cs typeface="+mn-cs"/>
-                        </a:rPr>
-                        <a:t>Beyoncé</a:t>
-                      </a:r>
-                    </a:p>
-                  </a:txBody>
-                  <a:tcPr/>
-                </a:tc>
-                <a:tc>
-                  <a:txBody>
-                    <a:bodyPr/>
-                    <a:lstStyle/>
-                    <a:p>
-                      <a:pPr marL="0" marR="0" lvl="0" indent="0" algn="l" defTabSz="914400" rtl="0" eaLnBrk="1" fontAlgn="auto" latinLnBrk="0" hangingPunct="1">
-                        <a:lnSpc>
-                          <a:spcPct val="100000"/>
-                        </a:lnSpc>
-                        <a:spcBef>
-                          <a:spcPts val="0"/>
-                        </a:spcBef>
-                        <a:spcAft>
-                          <a:spcPts val="0"/>
-                        </a:spcAft>
-                        <a:buClrTx/>
-                        <a:buSzTx/>
-                        <a:buFontTx/>
-                        <a:buNone/>
-                        <a:tabLst/>
-                        <a:defRPr/>
-                      </a:pPr>
-                      <a:r>
-                        <a:rPr lang="en-GB" sz="1800" b="0" kern="1200" dirty="0">
-                          <a:solidFill>
-                            <a:schemeClr val="dk1"/>
-                          </a:solidFill>
-                          <a:effectLst/>
-                          <a:latin typeface="+mn-lt"/>
-                          <a:ea typeface="+mn-ea"/>
-                          <a:cs typeface="+mn-cs"/>
-                        </a:rPr>
-                        <a:t>Mine (feat. Drake)</a:t>
-                      </a:r>
-                      <a:endParaRPr lang="de-DE" dirty="0"/>
-                    </a:p>
-                  </a:txBody>
-                  <a:tcPr/>
-                </a:tc>
-                <a:tc>
-                  <a:txBody>
-                    <a:bodyPr/>
-                    <a:lstStyle/>
-                    <a:p>
-                      <a:r>
-                        <a:rPr lang="de-DE" dirty="0"/>
-                        <a:t>Top </a:t>
-                      </a:r>
-                      <a:r>
-                        <a:rPr lang="de-DE" dirty="0" err="1"/>
-                        <a:t>albums</a:t>
-                      </a:r>
-                      <a:r>
-                        <a:rPr lang="de-DE" dirty="0"/>
-                        <a:t> </a:t>
-                      </a:r>
-                      <a:r>
-                        <a:rPr lang="de-DE" dirty="0" err="1"/>
-                        <a:t>of</a:t>
-                      </a:r>
-                      <a:r>
-                        <a:rPr lang="de-DE" dirty="0"/>
-                        <a:t> 2013</a:t>
-                      </a:r>
-                    </a:p>
-                  </a:txBody>
-                  <a:tcPr/>
-                </a:tc>
-                <a:extLst>
-                  <a:ext uri="{0D108BD9-81ED-4DB2-BD59-A6C34878D82A}">
-                    <a16:rowId xmlns:a16="http://schemas.microsoft.com/office/drawing/2014/main" val="611029119"/>
-                  </a:ext>
-                </a:extLst>
-              </a:tr>
-              <a:tr h="370840">
-                <a:tc>
-                  <a:txBody>
-                    <a:bodyPr/>
-                    <a:lstStyle/>
-                    <a:p>
-                      <a:r>
-                        <a:rPr lang="de-DE" dirty="0"/>
-                        <a:t>u3</a:t>
-                      </a:r>
-                    </a:p>
-                  </a:txBody>
-                  <a:tcPr/>
-                </a:tc>
-                <a:tc>
-                  <a:txBody>
-                    <a:bodyPr/>
-                    <a:lstStyle/>
-                    <a:p>
-                      <a:pPr marL="0" marR="0" lvl="0" indent="0" algn="l" defTabSz="914400" rtl="0" eaLnBrk="1" fontAlgn="auto" latinLnBrk="0" hangingPunct="1">
-                        <a:lnSpc>
-                          <a:spcPct val="100000"/>
-                        </a:lnSpc>
-                        <a:spcBef>
-                          <a:spcPts val="0"/>
-                        </a:spcBef>
-                        <a:spcAft>
-                          <a:spcPts val="0"/>
-                        </a:spcAft>
-                        <a:buClrTx/>
-                        <a:buSzTx/>
-                        <a:buFontTx/>
-                        <a:buNone/>
-                        <a:tabLst/>
-                        <a:defRPr/>
-                      </a:pPr>
-                      <a:r>
-                        <a:rPr lang="en-GB" sz="1800" b="0" kern="1200" dirty="0">
-                          <a:solidFill>
-                            <a:schemeClr val="dk1"/>
-                          </a:solidFill>
-                          <a:effectLst/>
-                          <a:latin typeface="+mn-lt"/>
-                          <a:ea typeface="+mn-ea"/>
-                          <a:cs typeface="+mn-cs"/>
-                        </a:rPr>
-                        <a:t>Mark Forster</a:t>
-                      </a:r>
-                    </a:p>
-                  </a:txBody>
-                  <a:tcPr/>
-                </a:tc>
-                <a:tc>
-                  <a:txBody>
-                    <a:bodyPr/>
-                    <a:lstStyle/>
-                    <a:p>
-                      <a:pPr marL="0" marR="0" lvl="0" indent="0" algn="l" defTabSz="914400" rtl="0" eaLnBrk="1" fontAlgn="auto" latinLnBrk="0" hangingPunct="1">
-                        <a:lnSpc>
-                          <a:spcPct val="100000"/>
-                        </a:lnSpc>
-                        <a:spcBef>
-                          <a:spcPts val="0"/>
-                        </a:spcBef>
-                        <a:spcAft>
-                          <a:spcPts val="0"/>
-                        </a:spcAft>
-                        <a:buClrTx/>
-                        <a:buSzTx/>
-                        <a:buFontTx/>
-                        <a:buNone/>
-                        <a:tabLst/>
-                        <a:defRPr/>
-                      </a:pPr>
-                      <a:r>
-                        <a:rPr lang="de-DE" dirty="0"/>
-                        <a:t>Flash mich</a:t>
-                      </a:r>
-                    </a:p>
-                  </a:txBody>
-                  <a:tcPr/>
-                </a:tc>
-                <a:tc>
-                  <a:txBody>
-                    <a:bodyPr/>
-                    <a:lstStyle/>
-                    <a:p>
-                      <a:r>
-                        <a:rPr lang="de-DE" dirty="0"/>
-                        <a:t>Top 100</a:t>
-                      </a:r>
-                    </a:p>
-                  </a:txBody>
-                  <a:tcPr/>
-                </a:tc>
-                <a:extLst>
-                  <a:ext uri="{0D108BD9-81ED-4DB2-BD59-A6C34878D82A}">
-                    <a16:rowId xmlns:a16="http://schemas.microsoft.com/office/drawing/2014/main" val="3964297722"/>
-                  </a:ext>
-                </a:extLst>
-              </a:tr>
-              <a:tr h="370840">
-                <a:tc>
-                  <a:txBody>
-                    <a:bodyPr/>
-                    <a:lstStyle/>
-                    <a:p>
-                      <a:r>
-                        <a:rPr lang="de-DE" dirty="0"/>
-                        <a:t>u3</a:t>
-                      </a:r>
-                    </a:p>
-                  </a:txBody>
-                  <a:tcPr/>
-                </a:tc>
-                <a:tc>
-                  <a:txBody>
-                    <a:bodyPr/>
-                    <a:lstStyle/>
-                    <a:p>
-                      <a:pPr marL="0" marR="0" lvl="0" indent="0" algn="l" defTabSz="914400" rtl="0" eaLnBrk="1" fontAlgn="auto" latinLnBrk="0" hangingPunct="1">
-                        <a:lnSpc>
-                          <a:spcPct val="100000"/>
-                        </a:lnSpc>
-                        <a:spcBef>
-                          <a:spcPts val="0"/>
-                        </a:spcBef>
-                        <a:spcAft>
-                          <a:spcPts val="0"/>
-                        </a:spcAft>
-                        <a:buClrTx/>
-                        <a:buSzTx/>
-                        <a:buFontTx/>
-                        <a:buNone/>
-                        <a:tabLst/>
-                        <a:defRPr/>
-                      </a:pPr>
-                      <a:r>
-                        <a:rPr lang="en-GB" sz="1800" b="0" kern="1200" dirty="0">
-                          <a:solidFill>
-                            <a:schemeClr val="dk1"/>
-                          </a:solidFill>
-                          <a:effectLst/>
-                          <a:latin typeface="+mn-lt"/>
-                          <a:ea typeface="+mn-ea"/>
-                          <a:cs typeface="+mn-cs"/>
-                        </a:rPr>
-                        <a:t>Mark Forster</a:t>
-                      </a:r>
-                    </a:p>
-                  </a:txBody>
-                  <a:tcPr/>
-                </a:tc>
-                <a:tc>
-                  <a:txBody>
-                    <a:bodyPr/>
-                    <a:lstStyle/>
-                    <a:p>
-                      <a:pPr marL="0" marR="0" lvl="0" indent="0" algn="l" defTabSz="914400" rtl="0" eaLnBrk="1" fontAlgn="auto" latinLnBrk="0" hangingPunct="1">
-                        <a:lnSpc>
-                          <a:spcPct val="100000"/>
-                        </a:lnSpc>
-                        <a:spcBef>
-                          <a:spcPts val="0"/>
-                        </a:spcBef>
-                        <a:spcAft>
-                          <a:spcPts val="0"/>
-                        </a:spcAft>
-                        <a:buClrTx/>
-                        <a:buSzTx/>
-                        <a:buFontTx/>
-                        <a:buNone/>
-                        <a:tabLst/>
-                        <a:defRPr/>
-                      </a:pPr>
-                      <a:r>
-                        <a:rPr lang="de-DE" dirty="0"/>
-                        <a:t>Flash mich</a:t>
-                      </a:r>
-                    </a:p>
-                  </a:txBody>
-                  <a:tcPr/>
-                </a:tc>
-                <a:tc>
-                  <a:txBody>
-                    <a:bodyPr/>
-                    <a:lstStyle/>
-                    <a:p>
-                      <a:r>
-                        <a:rPr lang="de-DE" dirty="0"/>
-                        <a:t>Random Stuff</a:t>
-                      </a:r>
-                    </a:p>
-                  </a:txBody>
-                  <a:tcPr/>
-                </a:tc>
-                <a:extLst>
-                  <a:ext uri="{0D108BD9-81ED-4DB2-BD59-A6C34878D82A}">
-                    <a16:rowId xmlns:a16="http://schemas.microsoft.com/office/drawing/2014/main" val="2171206070"/>
-                  </a:ext>
-                </a:extLst>
-              </a:tr>
-            </a:tbl>
-          </a:graphicData>
-        </a:graphic>
-      </p:graphicFrame>
-      <p:sp>
-        <p:nvSpPr>
-          <p:cNvPr id="12" name="TextBox 11">
-            <a:extLst>
-              <a:ext uri="{FF2B5EF4-FFF2-40B4-BE49-F238E27FC236}">
-                <a16:creationId xmlns:a16="http://schemas.microsoft.com/office/drawing/2014/main" id="{1A5205D7-39FC-456E-DA52-4A54AE5F7A9D}"/>
-              </a:ext>
-            </a:extLst>
-          </p:cNvPr>
-          <p:cNvSpPr txBox="1"/>
-          <p:nvPr/>
-        </p:nvSpPr>
-        <p:spPr>
-          <a:xfrm>
-            <a:off x="2142836" y="1256145"/>
-            <a:ext cx="1550424" cy="369332"/>
-          </a:xfrm>
-          <a:prstGeom prst="rect">
-            <a:avLst/>
-          </a:prstGeom>
-          <a:noFill/>
-        </p:spPr>
-        <p:txBody>
-          <a:bodyPr wrap="none" rtlCol="0">
-            <a:spAutoFit/>
-          </a:bodyPr>
-          <a:lstStyle/>
-          <a:p>
-            <a:r>
-              <a:rPr lang="de-DE" b="1" dirty="0">
-                <a:latin typeface="Microsoft YaHei UI" panose="020B0503020204020204" pitchFamily="34" charset="-122"/>
-                <a:ea typeface="Microsoft YaHei UI" panose="020B0503020204020204" pitchFamily="34" charset="-122"/>
-              </a:rPr>
-              <a:t>1.2M Songs</a:t>
-            </a:r>
-          </a:p>
-        </p:txBody>
-      </p:sp>
-      <p:sp>
-        <p:nvSpPr>
-          <p:cNvPr id="13" name="TextBox 12">
-            <a:extLst>
-              <a:ext uri="{FF2B5EF4-FFF2-40B4-BE49-F238E27FC236}">
-                <a16:creationId xmlns:a16="http://schemas.microsoft.com/office/drawing/2014/main" id="{3367B90D-8B8F-08F9-8547-B6AECB0EA5D2}"/>
-              </a:ext>
-            </a:extLst>
-          </p:cNvPr>
-          <p:cNvSpPr txBox="1"/>
-          <p:nvPr/>
-        </p:nvSpPr>
-        <p:spPr>
-          <a:xfrm>
-            <a:off x="8428360" y="1256145"/>
-            <a:ext cx="1133644" cy="369332"/>
-          </a:xfrm>
-          <a:prstGeom prst="rect">
-            <a:avLst/>
-          </a:prstGeom>
-          <a:noFill/>
-        </p:spPr>
-        <p:txBody>
-          <a:bodyPr wrap="none" rtlCol="0">
-            <a:spAutoFit/>
-          </a:bodyPr>
-          <a:lstStyle/>
-          <a:p>
-            <a:r>
-              <a:rPr lang="de-DE" b="1" dirty="0">
-                <a:latin typeface="Microsoft YaHei UI" panose="020B0503020204020204" pitchFamily="34" charset="-122"/>
-                <a:ea typeface="Microsoft YaHei UI" panose="020B0503020204020204" pitchFamily="34" charset="-122"/>
-              </a:rPr>
-              <a:t>Playlists</a:t>
-            </a:r>
-          </a:p>
-        </p:txBody>
-      </p:sp>
-      <p:sp>
-        <p:nvSpPr>
-          <p:cNvPr id="16" name="Down Arrow 15">
-            <a:extLst>
-              <a:ext uri="{FF2B5EF4-FFF2-40B4-BE49-F238E27FC236}">
-                <a16:creationId xmlns:a16="http://schemas.microsoft.com/office/drawing/2014/main" id="{FCB06A4D-C253-19EF-E0F6-7D9F712E0717}"/>
-              </a:ext>
-            </a:extLst>
-          </p:cNvPr>
-          <p:cNvSpPr/>
-          <p:nvPr/>
-        </p:nvSpPr>
-        <p:spPr>
-          <a:xfrm>
-            <a:off x="2650836" y="3020291"/>
-            <a:ext cx="212437" cy="1025236"/>
-          </a:xfrm>
-          <a:prstGeom prst="downArrow">
-            <a:avLst/>
-          </a:prstGeom>
-        </p:spPr>
-        <p:style>
-          <a:lnRef idx="2">
-            <a:schemeClr val="dk1">
-              <a:shade val="50000"/>
-            </a:schemeClr>
-          </a:lnRef>
-          <a:fillRef idx="1">
-            <a:schemeClr val="dk1"/>
-          </a:fillRef>
-          <a:effectRef idx="0">
-            <a:schemeClr val="dk1"/>
-          </a:effectRef>
-          <a:fontRef idx="minor">
-            <a:schemeClr val="lt1"/>
-          </a:fontRef>
-        </p:style>
-        <p:txBody>
-          <a:bodyPr rtlCol="0" anchor="ctr"/>
-          <a:lstStyle/>
-          <a:p>
-            <a:pPr algn="ctr"/>
-            <a:endParaRPr lang="de-DE"/>
-          </a:p>
-        </p:txBody>
-      </p:sp>
-    </p:spTree>
-    <p:extLst>
-      <p:ext uri="{BB962C8B-B14F-4D97-AF65-F5344CB8AC3E}">
-        <p14:creationId xmlns:p14="http://schemas.microsoft.com/office/powerpoint/2010/main" val="3409937013"/>
-      </p:ext>
-    </p:extLst>
-  </p:cSld>
-  <p:clrMapOvr>
-    <a:masterClrMapping/>
-  </p:clrMapOvr>
-</p:sld>
-</file>
-
-<file path=ppt/slides/slide7.xml><?xml version="1.0" encoding="utf-8"?>
-<p:sld xmlns:a="http://schemas.openxmlformats.org/drawingml/2006/main" xmlns:r="http://schemas.openxmlformats.org/officeDocument/2006/relationships" xmlns:p="http://schemas.openxmlformats.org/presentationml/2006/main">
-  <p:cSld>
     <p:spTree>
       <p:nvGrpSpPr>
         <p:cNvPr id="1" name=""/>
@@ -15843,7 +11482,7 @@
 </p:sld>
 </file>
 
-<file path=ppt/slides/slide8.xml><?xml version="1.0" encoding="utf-8"?>
+<file path=ppt/slides/slide11.xml><?xml version="1.0" encoding="utf-8"?>
 <p:sld xmlns:a="http://schemas.openxmlformats.org/drawingml/2006/main" xmlns:r="http://schemas.openxmlformats.org/officeDocument/2006/relationships" xmlns:p="http://schemas.openxmlformats.org/presentationml/2006/main">
   <p:cSld>
     <p:spTree>
@@ -15934,7 +11573,177 @@
 </p:sld>
 </file>
 
-<file path=ppt/slides/slide9.xml><?xml version="1.0" encoding="utf-8"?>
+<file path=ppt/slides/slide12.xml><?xml version="1.0" encoding="utf-8"?>
+<p:sld xmlns:a="http://schemas.openxmlformats.org/drawingml/2006/main" xmlns:r="http://schemas.openxmlformats.org/officeDocument/2006/relationships" xmlns:p="http://schemas.openxmlformats.org/presentationml/2006/main">
+  <p:cSld>
+    <p:bg>
+      <p:bgPr>
+        <a:solidFill>
+          <a:schemeClr val="bg1"/>
+        </a:solidFill>
+        <a:effectLst/>
+      </p:bgPr>
+    </p:bg>
+    <p:spTree>
+      <p:nvGrpSpPr>
+        <p:cNvPr id="1" name=""/>
+        <p:cNvGrpSpPr/>
+        <p:nvPr/>
+      </p:nvGrpSpPr>
+      <p:grpSpPr>
+        <a:xfrm>
+          <a:off x="0" y="0"/>
+          <a:ext cx="0" cy="0"/>
+          <a:chOff x="0" y="0"/>
+          <a:chExt cx="0" cy="0"/>
+        </a:xfrm>
+      </p:grpSpPr>
+      <p:sp>
+        <p:nvSpPr>
+          <p:cNvPr id="2" name="Title 1">
+            <a:extLst>
+              <a:ext uri="{FF2B5EF4-FFF2-40B4-BE49-F238E27FC236}">
+                <a16:creationId xmlns:a16="http://schemas.microsoft.com/office/drawing/2014/main" id="{11C0C297-4A59-5C27-376B-01802D3104B3}"/>
+              </a:ext>
+            </a:extLst>
+          </p:cNvPr>
+          <p:cNvSpPr>
+            <a:spLocks noGrp="1"/>
+          </p:cNvSpPr>
+          <p:nvPr>
+            <p:ph type="title"/>
+          </p:nvPr>
+        </p:nvSpPr>
+        <p:spPr>
+          <a:xfrm>
+            <a:off x="838200" y="184805"/>
+            <a:ext cx="10515600" cy="1505883"/>
+          </a:xfrm>
+        </p:spPr>
+        <p:txBody>
+          <a:bodyPr vert="horz" lIns="91440" tIns="45720" rIns="91440" bIns="45720" rtlCol="0" anchor="ctr">
+            <a:normAutofit/>
+          </a:bodyPr>
+          <a:lstStyle/>
+          <a:p>
+            <a:pPr algn="ctr"/>
+            <a:r>
+              <a:rPr lang="en-US" b="1" kern="1200" dirty="0" err="1">
+                <a:solidFill>
+                  <a:schemeClr val="tx1"/>
+                </a:solidFill>
+                <a:latin typeface="Microsoft YaHei UI" panose="020B0503020204020204" pitchFamily="34" charset="-122"/>
+                <a:ea typeface="Microsoft YaHei UI" panose="020B0503020204020204" pitchFamily="34" charset="-122"/>
+              </a:rPr>
+              <a:t>Beliebtheit</a:t>
+            </a:r>
+            <a:r>
+              <a:rPr lang="en-US" b="1" kern="1200" dirty="0">
+                <a:solidFill>
+                  <a:schemeClr val="tx1"/>
+                </a:solidFill>
+                <a:latin typeface="Microsoft YaHei UI" panose="020B0503020204020204" pitchFamily="34" charset="-122"/>
+                <a:ea typeface="Microsoft YaHei UI" panose="020B0503020204020204" pitchFamily="34" charset="-122"/>
+              </a:rPr>
+              <a:t> von </a:t>
+            </a:r>
+            <a:r>
+              <a:rPr lang="en-US" b="1" kern="1200" dirty="0" err="1">
+                <a:solidFill>
+                  <a:schemeClr val="tx1"/>
+                </a:solidFill>
+                <a:latin typeface="Microsoft YaHei UI" panose="020B0503020204020204" pitchFamily="34" charset="-122"/>
+                <a:ea typeface="Microsoft YaHei UI" panose="020B0503020204020204" pitchFamily="34" charset="-122"/>
+              </a:rPr>
+              <a:t>Artisten</a:t>
+            </a:r>
+            <a:endParaRPr lang="en-US" b="1" kern="1200" dirty="0">
+              <a:solidFill>
+                <a:schemeClr val="tx1"/>
+              </a:solidFill>
+              <a:latin typeface="Microsoft YaHei UI" panose="020B0503020204020204" pitchFamily="34" charset="-122"/>
+              <a:ea typeface="Microsoft YaHei UI" panose="020B0503020204020204" pitchFamily="34" charset="-122"/>
+            </a:endParaRPr>
+          </a:p>
+        </p:txBody>
+      </p:sp>
+      <p:graphicFrame>
+        <p:nvGraphicFramePr>
+          <p:cNvPr id="4" name="Chart 3">
+            <a:extLst>
+              <a:ext uri="{FF2B5EF4-FFF2-40B4-BE49-F238E27FC236}">
+                <a16:creationId xmlns:a16="http://schemas.microsoft.com/office/drawing/2014/main" id="{E5333BCA-A3D4-F8AD-6F0F-1CB1C9B581D0}"/>
+              </a:ext>
+            </a:extLst>
+          </p:cNvPr>
+          <p:cNvGraphicFramePr/>
+          <p:nvPr>
+            <p:extLst>
+              <p:ext uri="{D42A27DB-BD31-4B8C-83A1-F6EECF244321}">
+                <p14:modId xmlns:p14="http://schemas.microsoft.com/office/powerpoint/2010/main" val="1668827416"/>
+              </p:ext>
+            </p:extLst>
+          </p:nvPr>
+        </p:nvGraphicFramePr>
+        <p:xfrm>
+          <a:off x="838201" y="1399032"/>
+          <a:ext cx="10515599" cy="4896698"/>
+        </p:xfrm>
+        <a:graphic>
+          <a:graphicData uri="http://schemas.openxmlformats.org/drawingml/2006/chart">
+            <c:chart xmlns:c="http://schemas.openxmlformats.org/drawingml/2006/chart" xmlns:r="http://schemas.openxmlformats.org/officeDocument/2006/relationships" r:id="rId3"/>
+          </a:graphicData>
+        </a:graphic>
+      </p:graphicFrame>
+      <p:sp>
+        <p:nvSpPr>
+          <p:cNvPr id="6" name="TextBox 5">
+            <a:extLst>
+              <a:ext uri="{FF2B5EF4-FFF2-40B4-BE49-F238E27FC236}">
+                <a16:creationId xmlns:a16="http://schemas.microsoft.com/office/drawing/2014/main" id="{1B4182D1-D980-2471-4CA9-4FA971F48FDF}"/>
+              </a:ext>
+            </a:extLst>
+          </p:cNvPr>
+          <p:cNvSpPr txBox="1"/>
+          <p:nvPr/>
+        </p:nvSpPr>
+        <p:spPr>
+          <a:xfrm>
+            <a:off x="10241280" y="6207533"/>
+            <a:ext cx="1727200" cy="369332"/>
+          </a:xfrm>
+          <a:prstGeom prst="rect">
+            <a:avLst/>
+          </a:prstGeom>
+          <a:noFill/>
+        </p:spPr>
+        <p:txBody>
+          <a:bodyPr wrap="square" rtlCol="0">
+            <a:spAutoFit/>
+          </a:bodyPr>
+          <a:lstStyle/>
+          <a:p>
+            <a:r>
+              <a:rPr lang="de-DE" dirty="0"/>
+              <a:t>total = 19732</a:t>
+            </a:r>
+          </a:p>
+        </p:txBody>
+      </p:sp>
+    </p:spTree>
+    <p:extLst>
+      <p:ext uri="{BB962C8B-B14F-4D97-AF65-F5344CB8AC3E}">
+        <p14:creationId xmlns:p14="http://schemas.microsoft.com/office/powerpoint/2010/main" val="3760022512"/>
+      </p:ext>
+    </p:extLst>
+  </p:cSld>
+  <p:clrMapOvr>
+    <a:masterClrMapping/>
+  </p:clrMapOvr>
+</p:sld>
+</file>
+
+<file path=ppt/slides/slide13.xml><?xml version="1.0" encoding="utf-8"?>
 <p:sld xmlns:a="http://schemas.openxmlformats.org/drawingml/2006/main" xmlns:r="http://schemas.openxmlformats.org/officeDocument/2006/relationships" xmlns:p="http://schemas.openxmlformats.org/presentationml/2006/main">
   <p:cSld>
     <p:spTree>
@@ -15956,7 +11765,7 @@
           <p:cNvPr id="2" name="Title 1">
             <a:extLst>
               <a:ext uri="{FF2B5EF4-FFF2-40B4-BE49-F238E27FC236}">
-                <a16:creationId xmlns:a16="http://schemas.microsoft.com/office/drawing/2014/main" id="{7D71DE3D-6B54-A9E3-C707-EBEFB4EBB15A}"/>
+                <a16:creationId xmlns:a16="http://schemas.microsoft.com/office/drawing/2014/main" id="{6F84A25C-831B-2218-D8AA-3772CF0C52A4}"/>
               </a:ext>
             </a:extLst>
           </p:cNvPr>
@@ -15974,7 +11783,7 @@
           <a:p>
             <a:r>
               <a:rPr lang="de-DE" dirty="0"/>
-              <a:t>Roter Faden</a:t>
+              <a:t>Warum beliebt?</a:t>
             </a:r>
           </a:p>
         </p:txBody>
@@ -15984,7 +11793,7 @@
           <p:cNvPr id="3" name="Content Placeholder 2">
             <a:extLst>
               <a:ext uri="{FF2B5EF4-FFF2-40B4-BE49-F238E27FC236}">
-                <a16:creationId xmlns:a16="http://schemas.microsoft.com/office/drawing/2014/main" id="{8D807659-7C92-C7FE-8E20-11B276A39F78}"/>
+                <a16:creationId xmlns:a16="http://schemas.microsoft.com/office/drawing/2014/main" id="{22D1471C-A890-5709-3AD9-55A0A3743771}"/>
               </a:ext>
             </a:extLst>
           </p:cNvPr>
@@ -16000,83 +11809,4737 @@
           <a:bodyPr/>
           <a:lstStyle/>
           <a:p>
-            <a:r>
-              <a:rPr lang="de-DE" dirty="0"/>
-              <a:t>Artisten</a:t>
-            </a:r>
-          </a:p>
-          <a:p>
-            <a:pPr lvl="1"/>
-            <a:r>
-              <a:rPr lang="de-DE" dirty="0"/>
-              <a:t>Beliebtester Artist (ist in den meisten unterschiedlichen Playlists enthalten)</a:t>
-            </a:r>
-          </a:p>
-          <a:p>
-            <a:pPr lvl="1"/>
-            <a:r>
-              <a:rPr lang="de-DE" dirty="0"/>
-              <a:t>Warum sind sie die beliebtesten?</a:t>
-            </a:r>
-          </a:p>
-          <a:p>
-            <a:pPr lvl="1"/>
-            <a:r>
-              <a:rPr lang="de-DE" dirty="0"/>
-              <a:t>Welcher Artist hat die meisten Songs?</a:t>
-            </a:r>
-          </a:p>
-          <a:p>
-            <a:r>
-              <a:rPr lang="de-DE" dirty="0"/>
-              <a:t>Songs</a:t>
-            </a:r>
-          </a:p>
-          <a:p>
-            <a:pPr lvl="1"/>
-            <a:r>
-              <a:rPr lang="de-DE" dirty="0"/>
-              <a:t>Allgemeine Daten zu Songs (</a:t>
-            </a:r>
-            <a:r>
-              <a:rPr lang="de-DE" dirty="0" err="1"/>
-              <a:t>avg</a:t>
-            </a:r>
-            <a:r>
-              <a:rPr lang="de-DE" dirty="0"/>
-              <a:t> Duration)</a:t>
-            </a:r>
-          </a:p>
-          <a:p>
-            <a:pPr lvl="1"/>
-            <a:endParaRPr lang="de-DE" dirty="0"/>
-          </a:p>
-          <a:p>
-            <a:pPr lvl="1"/>
-            <a:endParaRPr lang="de-DE" dirty="0"/>
-          </a:p>
-          <a:p>
-            <a:pPr lvl="1"/>
-            <a:endParaRPr lang="de-DE" dirty="0"/>
-          </a:p>
-          <a:p>
-            <a:pPr lvl="1"/>
-            <a:endParaRPr lang="de-DE" dirty="0"/>
-          </a:p>
-          <a:p>
-            <a:pPr lvl="1"/>
-            <a:endParaRPr lang="de-DE" dirty="0"/>
-          </a:p>
-          <a:p>
-            <a:pPr lvl="1"/>
-            <a:endParaRPr lang="de-DE" dirty="0"/>
+            <a:endParaRPr lang="de-DE"/>
           </a:p>
         </p:txBody>
       </p:sp>
     </p:spTree>
     <p:extLst>
       <p:ext uri="{BB962C8B-B14F-4D97-AF65-F5344CB8AC3E}">
-        <p14:creationId xmlns:p14="http://schemas.microsoft.com/office/powerpoint/2010/main" val="3977967953"/>
+        <p14:creationId xmlns:p14="http://schemas.microsoft.com/office/powerpoint/2010/main" val="2499863780"/>
+      </p:ext>
+    </p:extLst>
+  </p:cSld>
+  <p:clrMapOvr>
+    <a:masterClrMapping/>
+  </p:clrMapOvr>
+</p:sld>
+</file>
+
+<file path=ppt/slides/slide14.xml><?xml version="1.0" encoding="utf-8"?>
+<p:sld xmlns:a="http://schemas.openxmlformats.org/drawingml/2006/main" xmlns:r="http://schemas.openxmlformats.org/officeDocument/2006/relationships" xmlns:p="http://schemas.openxmlformats.org/presentationml/2006/main">
+  <p:cSld>
+    <p:spTree>
+      <p:nvGrpSpPr>
+        <p:cNvPr id="1" name=""/>
+        <p:cNvGrpSpPr/>
+        <p:nvPr/>
+      </p:nvGrpSpPr>
+      <p:grpSpPr>
+        <a:xfrm>
+          <a:off x="0" y="0"/>
+          <a:ext cx="0" cy="0"/>
+          <a:chOff x="0" y="0"/>
+          <a:chExt cx="0" cy="0"/>
+        </a:xfrm>
+      </p:grpSpPr>
+      <p:sp>
+        <p:nvSpPr>
+          <p:cNvPr id="2" name="Title 1">
+            <a:extLst>
+              <a:ext uri="{FF2B5EF4-FFF2-40B4-BE49-F238E27FC236}">
+                <a16:creationId xmlns:a16="http://schemas.microsoft.com/office/drawing/2014/main" id="{11C0C297-4A59-5C27-376B-01802D3104B3}"/>
+              </a:ext>
+            </a:extLst>
+          </p:cNvPr>
+          <p:cNvSpPr>
+            <a:spLocks noGrp="1"/>
+          </p:cNvSpPr>
+          <p:nvPr>
+            <p:ph type="title"/>
+          </p:nvPr>
+        </p:nvSpPr>
+        <p:spPr>
+          <a:xfrm>
+            <a:off x="838200" y="184805"/>
+            <a:ext cx="10515600" cy="1505883"/>
+          </a:xfrm>
+        </p:spPr>
+        <p:txBody>
+          <a:bodyPr vert="horz" lIns="91440" tIns="45720" rIns="91440" bIns="45720" rtlCol="0" anchor="ctr">
+            <a:normAutofit/>
+          </a:bodyPr>
+          <a:lstStyle/>
+          <a:p>
+            <a:pPr algn="ctr"/>
+            <a:r>
+              <a:rPr lang="en-US" b="1" dirty="0" err="1">
+                <a:latin typeface="Microsoft YaHei UI" panose="020B0503020204020204" pitchFamily="34" charset="-122"/>
+                <a:ea typeface="Microsoft YaHei UI" panose="020B0503020204020204" pitchFamily="34" charset="-122"/>
+              </a:rPr>
+              <a:t>Artisten</a:t>
+            </a:r>
+            <a:r>
+              <a:rPr lang="en-US" b="1" dirty="0">
+                <a:latin typeface="Microsoft YaHei UI" panose="020B0503020204020204" pitchFamily="34" charset="-122"/>
+                <a:ea typeface="Microsoft YaHei UI" panose="020B0503020204020204" pitchFamily="34" charset="-122"/>
+              </a:rPr>
+              <a:t> </a:t>
+            </a:r>
+            <a:r>
+              <a:rPr lang="en-US" b="1" dirty="0" err="1">
+                <a:latin typeface="Microsoft YaHei UI" panose="020B0503020204020204" pitchFamily="34" charset="-122"/>
+                <a:ea typeface="Microsoft YaHei UI" panose="020B0503020204020204" pitchFamily="34" charset="-122"/>
+              </a:rPr>
+              <a:t>mit</a:t>
+            </a:r>
+            <a:r>
+              <a:rPr lang="en-US" b="1" dirty="0">
+                <a:latin typeface="Microsoft YaHei UI" panose="020B0503020204020204" pitchFamily="34" charset="-122"/>
+                <a:ea typeface="Microsoft YaHei UI" panose="020B0503020204020204" pitchFamily="34" charset="-122"/>
+              </a:rPr>
+              <a:t> den </a:t>
+            </a:r>
+            <a:r>
+              <a:rPr lang="en-US" b="1" dirty="0" err="1">
+                <a:latin typeface="Microsoft YaHei UI" panose="020B0503020204020204" pitchFamily="34" charset="-122"/>
+                <a:ea typeface="Microsoft YaHei UI" panose="020B0503020204020204" pitchFamily="34" charset="-122"/>
+              </a:rPr>
+              <a:t>meisten</a:t>
+            </a:r>
+            <a:r>
+              <a:rPr lang="en-US" b="1" dirty="0">
+                <a:latin typeface="Microsoft YaHei UI" panose="020B0503020204020204" pitchFamily="34" charset="-122"/>
+                <a:ea typeface="Microsoft YaHei UI" panose="020B0503020204020204" pitchFamily="34" charset="-122"/>
+              </a:rPr>
+              <a:t> Songs</a:t>
+            </a:r>
+            <a:endParaRPr lang="en-US" b="1" kern="1200" dirty="0">
+              <a:solidFill>
+                <a:schemeClr val="tx1"/>
+              </a:solidFill>
+              <a:latin typeface="Microsoft YaHei UI" panose="020B0503020204020204" pitchFamily="34" charset="-122"/>
+              <a:ea typeface="Microsoft YaHei UI" panose="020B0503020204020204" pitchFamily="34" charset="-122"/>
+            </a:endParaRPr>
+          </a:p>
+        </p:txBody>
+      </p:sp>
+      <p:graphicFrame>
+        <p:nvGraphicFramePr>
+          <p:cNvPr id="4" name="Chart 3">
+            <a:extLst>
+              <a:ext uri="{FF2B5EF4-FFF2-40B4-BE49-F238E27FC236}">
+                <a16:creationId xmlns:a16="http://schemas.microsoft.com/office/drawing/2014/main" id="{E5333BCA-A3D4-F8AD-6F0F-1CB1C9B581D0}"/>
+              </a:ext>
+            </a:extLst>
+          </p:cNvPr>
+          <p:cNvGraphicFramePr/>
+          <p:nvPr>
+            <p:extLst>
+              <p:ext uri="{D42A27DB-BD31-4B8C-83A1-F6EECF244321}">
+                <p14:modId xmlns:p14="http://schemas.microsoft.com/office/powerpoint/2010/main" val="546147377"/>
+              </p:ext>
+            </p:extLst>
+          </p:nvPr>
+        </p:nvGraphicFramePr>
+        <p:xfrm>
+          <a:off x="838201" y="1399032"/>
+          <a:ext cx="10515599" cy="4896698"/>
+        </p:xfrm>
+        <a:graphic>
+          <a:graphicData uri="http://schemas.openxmlformats.org/drawingml/2006/chart">
+            <c:chart xmlns:c="http://schemas.openxmlformats.org/drawingml/2006/chart" xmlns:r="http://schemas.openxmlformats.org/officeDocument/2006/relationships" r:id="rId3"/>
+          </a:graphicData>
+        </a:graphic>
+      </p:graphicFrame>
+    </p:spTree>
+    <p:extLst>
+      <p:ext uri="{BB962C8B-B14F-4D97-AF65-F5344CB8AC3E}">
+        <p14:creationId xmlns:p14="http://schemas.microsoft.com/office/powerpoint/2010/main" val="3764129380"/>
+      </p:ext>
+    </p:extLst>
+  </p:cSld>
+  <p:clrMapOvr>
+    <a:masterClrMapping/>
+  </p:clrMapOvr>
+</p:sld>
+</file>
+
+<file path=ppt/slides/slide15.xml><?xml version="1.0" encoding="utf-8"?>
+<p:sld xmlns:a="http://schemas.openxmlformats.org/drawingml/2006/main" xmlns:r="http://schemas.openxmlformats.org/officeDocument/2006/relationships" xmlns:p="http://schemas.openxmlformats.org/presentationml/2006/main">
+  <p:cSld>
+    <p:spTree>
+      <p:nvGrpSpPr>
+        <p:cNvPr id="1" name=""/>
+        <p:cNvGrpSpPr/>
+        <p:nvPr/>
+      </p:nvGrpSpPr>
+      <p:grpSpPr>
+        <a:xfrm>
+          <a:off x="0" y="0"/>
+          <a:ext cx="0" cy="0"/>
+          <a:chOff x="0" y="0"/>
+          <a:chExt cx="0" cy="0"/>
+        </a:xfrm>
+      </p:grpSpPr>
+      <p:sp>
+        <p:nvSpPr>
+          <p:cNvPr id="2" name="Title 1">
+            <a:extLst>
+              <a:ext uri="{FF2B5EF4-FFF2-40B4-BE49-F238E27FC236}">
+                <a16:creationId xmlns:a16="http://schemas.microsoft.com/office/drawing/2014/main" id="{11C0C297-4A59-5C27-376B-01802D3104B3}"/>
+              </a:ext>
+            </a:extLst>
+          </p:cNvPr>
+          <p:cNvSpPr>
+            <a:spLocks noGrp="1"/>
+          </p:cNvSpPr>
+          <p:nvPr>
+            <p:ph type="title"/>
+          </p:nvPr>
+        </p:nvSpPr>
+        <p:spPr>
+          <a:xfrm>
+            <a:off x="838200" y="184805"/>
+            <a:ext cx="10515600" cy="1505883"/>
+          </a:xfrm>
+        </p:spPr>
+        <p:txBody>
+          <a:bodyPr vert="horz" lIns="91440" tIns="45720" rIns="91440" bIns="45720" rtlCol="0" anchor="ctr">
+            <a:normAutofit/>
+          </a:bodyPr>
+          <a:lstStyle/>
+          <a:p>
+            <a:pPr algn="ctr"/>
+            <a:r>
+              <a:rPr lang="en-US" b="1" kern="1200" dirty="0" err="1">
+                <a:solidFill>
+                  <a:schemeClr val="tx1"/>
+                </a:solidFill>
+                <a:latin typeface="Microsoft YaHei UI" panose="020B0503020204020204" pitchFamily="34" charset="-122"/>
+                <a:ea typeface="Microsoft YaHei UI" panose="020B0503020204020204" pitchFamily="34" charset="-122"/>
+              </a:rPr>
+              <a:t>Beliebtheit</a:t>
+            </a:r>
+            <a:r>
+              <a:rPr lang="en-US" b="1" kern="1200" dirty="0">
+                <a:solidFill>
+                  <a:schemeClr val="tx1"/>
+                </a:solidFill>
+                <a:latin typeface="Microsoft YaHei UI" panose="020B0503020204020204" pitchFamily="34" charset="-122"/>
+                <a:ea typeface="Microsoft YaHei UI" panose="020B0503020204020204" pitchFamily="34" charset="-122"/>
+              </a:rPr>
+              <a:t> von Songs</a:t>
+            </a:r>
+          </a:p>
+        </p:txBody>
+      </p:sp>
+      <p:graphicFrame>
+        <p:nvGraphicFramePr>
+          <p:cNvPr id="4" name="Chart 3">
+            <a:extLst>
+              <a:ext uri="{FF2B5EF4-FFF2-40B4-BE49-F238E27FC236}">
+                <a16:creationId xmlns:a16="http://schemas.microsoft.com/office/drawing/2014/main" id="{E5333BCA-A3D4-F8AD-6F0F-1CB1C9B581D0}"/>
+              </a:ext>
+            </a:extLst>
+          </p:cNvPr>
+          <p:cNvGraphicFramePr/>
+          <p:nvPr>
+            <p:extLst>
+              <p:ext uri="{D42A27DB-BD31-4B8C-83A1-F6EECF244321}">
+                <p14:modId xmlns:p14="http://schemas.microsoft.com/office/powerpoint/2010/main" val="1061090368"/>
+              </p:ext>
+            </p:extLst>
+          </p:nvPr>
+        </p:nvGraphicFramePr>
+        <p:xfrm>
+          <a:off x="838201" y="1399032"/>
+          <a:ext cx="10515599" cy="4896698"/>
+        </p:xfrm>
+        <a:graphic>
+          <a:graphicData uri="http://schemas.openxmlformats.org/drawingml/2006/chart">
+            <c:chart xmlns:c="http://schemas.openxmlformats.org/drawingml/2006/chart" xmlns:r="http://schemas.openxmlformats.org/officeDocument/2006/relationships" r:id="rId3"/>
+          </a:graphicData>
+        </a:graphic>
+      </p:graphicFrame>
+    </p:spTree>
+    <p:extLst>
+      <p:ext uri="{BB962C8B-B14F-4D97-AF65-F5344CB8AC3E}">
+        <p14:creationId xmlns:p14="http://schemas.microsoft.com/office/powerpoint/2010/main" val="802026348"/>
+      </p:ext>
+    </p:extLst>
+  </p:cSld>
+  <p:clrMapOvr>
+    <a:masterClrMapping/>
+  </p:clrMapOvr>
+</p:sld>
+</file>
+
+<file path=ppt/slides/slide16.xml><?xml version="1.0" encoding="utf-8"?>
+<p:sld xmlns:a="http://schemas.openxmlformats.org/drawingml/2006/main" xmlns:r="http://schemas.openxmlformats.org/officeDocument/2006/relationships" xmlns:p="http://schemas.openxmlformats.org/presentationml/2006/main">
+  <p:cSld>
+    <p:spTree>
+      <p:nvGrpSpPr>
+        <p:cNvPr id="1" name=""/>
+        <p:cNvGrpSpPr/>
+        <p:nvPr/>
+      </p:nvGrpSpPr>
+      <p:grpSpPr>
+        <a:xfrm>
+          <a:off x="0" y="0"/>
+          <a:ext cx="0" cy="0"/>
+          <a:chOff x="0" y="0"/>
+          <a:chExt cx="0" cy="0"/>
+        </a:xfrm>
+      </p:grpSpPr>
+      <p:sp>
+        <p:nvSpPr>
+          <p:cNvPr id="2" name="Title 1">
+            <a:extLst>
+              <a:ext uri="{FF2B5EF4-FFF2-40B4-BE49-F238E27FC236}">
+                <a16:creationId xmlns:a16="http://schemas.microsoft.com/office/drawing/2014/main" id="{715EE076-C682-824A-568B-C674EEE88202}"/>
+              </a:ext>
+            </a:extLst>
+          </p:cNvPr>
+          <p:cNvSpPr>
+            <a:spLocks noGrp="1"/>
+          </p:cNvSpPr>
+          <p:nvPr>
+            <p:ph type="title"/>
+          </p:nvPr>
+        </p:nvSpPr>
+        <p:spPr>
+          <a:xfrm>
+            <a:off x="1234440" y="175264"/>
+            <a:ext cx="4627880" cy="1325563"/>
+          </a:xfrm>
+        </p:spPr>
+        <p:txBody>
+          <a:bodyPr/>
+          <a:lstStyle/>
+          <a:p>
+            <a:r>
+              <a:rPr lang="de-DE" b="1" dirty="0">
+                <a:latin typeface="Microsoft YaHei UI" panose="020B0503020204020204" pitchFamily="34" charset="-122"/>
+                <a:ea typeface="Microsoft YaHei UI" panose="020B0503020204020204" pitchFamily="34" charset="-122"/>
+              </a:rPr>
+              <a:t>Daten zu Songs</a:t>
+            </a:r>
+          </a:p>
+        </p:txBody>
+      </p:sp>
+      <p:sp>
+        <p:nvSpPr>
+          <p:cNvPr id="3" name="Content Placeholder 2">
+            <a:extLst>
+              <a:ext uri="{FF2B5EF4-FFF2-40B4-BE49-F238E27FC236}">
+                <a16:creationId xmlns:a16="http://schemas.microsoft.com/office/drawing/2014/main" id="{9B59CC0D-3754-A181-A9DB-E5E6E224D60C}"/>
+              </a:ext>
+            </a:extLst>
+          </p:cNvPr>
+          <p:cNvSpPr>
+            <a:spLocks noGrp="1"/>
+          </p:cNvSpPr>
+          <p:nvPr>
+            <p:ph idx="1"/>
+          </p:nvPr>
+        </p:nvSpPr>
+        <p:spPr>
+          <a:xfrm>
+            <a:off x="8001002" y="806772"/>
+            <a:ext cx="1783080" cy="694055"/>
+          </a:xfrm>
+        </p:spPr>
+        <p:txBody>
+          <a:bodyPr>
+            <a:normAutofit fontScale="92500"/>
+          </a:bodyPr>
+          <a:lstStyle/>
+          <a:p>
+            <a:pPr marL="0" indent="0">
+              <a:buNone/>
+            </a:pPr>
+            <a:r>
+              <a:rPr lang="de-DE" dirty="0"/>
+              <a:t>4 min 6 </a:t>
+            </a:r>
+            <a:r>
+              <a:rPr lang="de-DE" dirty="0" err="1"/>
+              <a:t>sek</a:t>
+            </a:r>
+            <a:endParaRPr lang="de-DE" dirty="0"/>
+          </a:p>
+        </p:txBody>
+      </p:sp>
+      <p:graphicFrame>
+        <p:nvGraphicFramePr>
+          <p:cNvPr id="4" name="Chart 3">
+            <a:extLst>
+              <a:ext uri="{FF2B5EF4-FFF2-40B4-BE49-F238E27FC236}">
+                <a16:creationId xmlns:a16="http://schemas.microsoft.com/office/drawing/2014/main" id="{A7E1B292-7251-7EFA-F7F0-9FB9981C9FAB}"/>
+              </a:ext>
+            </a:extLst>
+          </p:cNvPr>
+          <p:cNvGraphicFramePr/>
+          <p:nvPr>
+            <p:extLst>
+              <p:ext uri="{D42A27DB-BD31-4B8C-83A1-F6EECF244321}">
+                <p14:modId xmlns:p14="http://schemas.microsoft.com/office/powerpoint/2010/main" val="2964146911"/>
+              </p:ext>
+            </p:extLst>
+          </p:nvPr>
+        </p:nvGraphicFramePr>
+        <p:xfrm>
+          <a:off x="1066800" y="1059181"/>
+          <a:ext cx="3124200" cy="2842260"/>
+        </p:xfrm>
+        <a:graphic>
+          <a:graphicData uri="http://schemas.openxmlformats.org/drawingml/2006/chart">
+            <c:chart xmlns:c="http://schemas.openxmlformats.org/drawingml/2006/chart" xmlns:r="http://schemas.openxmlformats.org/officeDocument/2006/relationships" r:id="rId2"/>
+          </a:graphicData>
+        </a:graphic>
+      </p:graphicFrame>
+      <p:graphicFrame>
+        <p:nvGraphicFramePr>
+          <p:cNvPr id="5" name="Chart 4">
+            <a:extLst>
+              <a:ext uri="{FF2B5EF4-FFF2-40B4-BE49-F238E27FC236}">
+                <a16:creationId xmlns:a16="http://schemas.microsoft.com/office/drawing/2014/main" id="{9E5FCF05-2BAA-F001-11BC-52C295BB37D2}"/>
+              </a:ext>
+            </a:extLst>
+          </p:cNvPr>
+          <p:cNvGraphicFramePr/>
+          <p:nvPr>
+            <p:extLst>
+              <p:ext uri="{D42A27DB-BD31-4B8C-83A1-F6EECF244321}">
+                <p14:modId xmlns:p14="http://schemas.microsoft.com/office/powerpoint/2010/main" val="2874315273"/>
+              </p:ext>
+            </p:extLst>
+          </p:nvPr>
+        </p:nvGraphicFramePr>
+        <p:xfrm>
+          <a:off x="1066800" y="3736025"/>
+          <a:ext cx="3124200" cy="2969576"/>
+        </p:xfrm>
+        <a:graphic>
+          <a:graphicData uri="http://schemas.openxmlformats.org/drawingml/2006/chart">
+            <c:chart xmlns:c="http://schemas.openxmlformats.org/drawingml/2006/chart" xmlns:r="http://schemas.openxmlformats.org/officeDocument/2006/relationships" r:id="rId3"/>
+          </a:graphicData>
+        </a:graphic>
+      </p:graphicFrame>
+      <mc:AlternateContent xmlns:mc="http://schemas.openxmlformats.org/markup-compatibility/2006" xmlns:cx2="http://schemas.microsoft.com/office/drawing/2015/10/21/chartex">
+        <mc:Choice Requires="cx2">
+          <p:graphicFrame>
+            <p:nvGraphicFramePr>
+              <p:cNvPr id="7" name="Chart 6">
+                <a:extLst>
+                  <a:ext uri="{FF2B5EF4-FFF2-40B4-BE49-F238E27FC236}">
+                    <a16:creationId xmlns:a16="http://schemas.microsoft.com/office/drawing/2014/main" id="{2F80DBF6-D432-8817-079C-6C6B4C5C06AC}"/>
+                  </a:ext>
+                </a:extLst>
+              </p:cNvPr>
+              <p:cNvGraphicFramePr/>
+              <p:nvPr>
+                <p:extLst>
+                  <p:ext uri="{D42A27DB-BD31-4B8C-83A1-F6EECF244321}">
+                    <p14:modId xmlns:p14="http://schemas.microsoft.com/office/powerpoint/2010/main" val="1972236254"/>
+                  </p:ext>
+                </p:extLst>
+              </p:nvPr>
+            </p:nvGraphicFramePr>
+            <p:xfrm>
+              <a:off x="4543427" y="1736725"/>
+              <a:ext cx="6915150" cy="4538348"/>
+            </p:xfrm>
+            <a:graphic>
+              <a:graphicData uri="http://schemas.microsoft.com/office/drawing/2014/chartex">
+                <cx:chart xmlns:cx="http://schemas.microsoft.com/office/drawing/2014/chartex" xmlns:r="http://schemas.openxmlformats.org/officeDocument/2006/relationships" r:id="rId4"/>
+              </a:graphicData>
+            </a:graphic>
+          </p:graphicFrame>
+        </mc:Choice>
+        <mc:Fallback xmlns="">
+          <p:pic>
+            <p:nvPicPr>
+              <p:cNvPr id="7" name="Chart 6">
+                <a:extLst>
+                  <a:ext uri="{FF2B5EF4-FFF2-40B4-BE49-F238E27FC236}">
+                    <a16:creationId xmlns:a16="http://schemas.microsoft.com/office/drawing/2014/main" id="{2F80DBF6-D432-8817-079C-6C6B4C5C06AC}"/>
+                  </a:ext>
+                </a:extLst>
+              </p:cNvPr>
+              <p:cNvPicPr>
+                <a:picLocks noGrp="1" noRot="1" noChangeAspect="1" noMove="1" noResize="1" noEditPoints="1" noAdjustHandles="1" noChangeArrowheads="1" noChangeShapeType="1"/>
+              </p:cNvPicPr>
+              <p:nvPr/>
+            </p:nvPicPr>
+            <p:blipFill>
+              <a:blip r:embed="rId5"/>
+              <a:stretch>
+                <a:fillRect/>
+              </a:stretch>
+            </p:blipFill>
+            <p:spPr>
+              <a:xfrm>
+                <a:off x="4543427" y="1736725"/>
+                <a:ext cx="6915150" cy="4538348"/>
+              </a:xfrm>
+              <a:prstGeom prst="rect">
+                <a:avLst/>
+              </a:prstGeom>
+            </p:spPr>
+          </p:pic>
+        </mc:Fallback>
+      </mc:AlternateContent>
+      <p:cxnSp>
+        <p:nvCxnSpPr>
+          <p:cNvPr id="10" name="Straight Arrow Connector 9">
+            <a:extLst>
+              <a:ext uri="{FF2B5EF4-FFF2-40B4-BE49-F238E27FC236}">
+                <a16:creationId xmlns:a16="http://schemas.microsoft.com/office/drawing/2014/main" id="{597434BC-6203-F30C-DA85-3CD7F9482A8D}"/>
+              </a:ext>
+            </a:extLst>
+          </p:cNvPr>
+          <p:cNvCxnSpPr/>
+          <p:nvPr/>
+        </p:nvCxnSpPr>
+        <p:spPr>
+          <a:xfrm>
+            <a:off x="7343142" y="1366679"/>
+            <a:ext cx="3098800" cy="0"/>
+          </a:xfrm>
+          <a:prstGeom prst="straightConnector1">
+            <a:avLst/>
+          </a:prstGeom>
+          <a:ln w="73025">
+            <a:solidFill>
+              <a:srgbClr val="92D050"/>
+            </a:solidFill>
+            <a:headEnd type="triangle"/>
+            <a:tailEnd type="triangle"/>
+          </a:ln>
+        </p:spPr>
+        <p:style>
+          <a:lnRef idx="1">
+            <a:schemeClr val="accent1"/>
+          </a:lnRef>
+          <a:fillRef idx="0">
+            <a:schemeClr val="accent1"/>
+          </a:fillRef>
+          <a:effectRef idx="0">
+            <a:schemeClr val="accent1"/>
+          </a:effectRef>
+          <a:fontRef idx="minor">
+            <a:schemeClr val="tx1"/>
+          </a:fontRef>
+        </p:style>
+      </p:cxnSp>
+    </p:spTree>
+    <p:extLst>
+      <p:ext uri="{BB962C8B-B14F-4D97-AF65-F5344CB8AC3E}">
+        <p14:creationId xmlns:p14="http://schemas.microsoft.com/office/powerpoint/2010/main" val="584136043"/>
+      </p:ext>
+    </p:extLst>
+  </p:cSld>
+  <p:clrMapOvr>
+    <a:masterClrMapping/>
+  </p:clrMapOvr>
+</p:sld>
+</file>
+
+<file path=ppt/slides/slide17.xml><?xml version="1.0" encoding="utf-8"?>
+<p:sld xmlns:a="http://schemas.openxmlformats.org/drawingml/2006/main" xmlns:r="http://schemas.openxmlformats.org/officeDocument/2006/relationships" xmlns:p="http://schemas.openxmlformats.org/presentationml/2006/main">
+  <p:cSld>
+    <p:spTree>
+      <p:nvGrpSpPr>
+        <p:cNvPr id="1" name=""/>
+        <p:cNvGrpSpPr/>
+        <p:nvPr/>
+      </p:nvGrpSpPr>
+      <p:grpSpPr>
+        <a:xfrm>
+          <a:off x="0" y="0"/>
+          <a:ext cx="0" cy="0"/>
+          <a:chOff x="0" y="0"/>
+          <a:chExt cx="0" cy="0"/>
+        </a:xfrm>
+      </p:grpSpPr>
+      <p:sp>
+        <p:nvSpPr>
+          <p:cNvPr id="2" name="Title 1">
+            <a:extLst>
+              <a:ext uri="{FF2B5EF4-FFF2-40B4-BE49-F238E27FC236}">
+                <a16:creationId xmlns:a16="http://schemas.microsoft.com/office/drawing/2014/main" id="{F63E5D57-47E6-0651-5161-9A184E238BBF}"/>
+              </a:ext>
+            </a:extLst>
+          </p:cNvPr>
+          <p:cNvSpPr>
+            <a:spLocks noGrp="1"/>
+          </p:cNvSpPr>
+          <p:nvPr>
+            <p:ph type="title"/>
+          </p:nvPr>
+        </p:nvSpPr>
+        <p:spPr/>
+        <p:txBody>
+          <a:bodyPr>
+            <a:normAutofit/>
+          </a:bodyPr>
+          <a:lstStyle/>
+          <a:p>
+            <a:pPr algn="ctr"/>
+            <a:r>
+              <a:rPr lang="de-DE" b="1" dirty="0">
+                <a:latin typeface="Microsoft YaHei UI" panose="020B0503020204020204" pitchFamily="34" charset="-122"/>
+                <a:ea typeface="Microsoft YaHei UI" panose="020B0503020204020204" pitchFamily="34" charset="-122"/>
+              </a:rPr>
+              <a:t>Eigenschaften von beliebten Songs</a:t>
+            </a:r>
+          </a:p>
+        </p:txBody>
+      </p:sp>
+      <p:pic>
+        <p:nvPicPr>
+          <p:cNvPr id="7" name="Content Placeholder 6">
+            <a:extLst>
+              <a:ext uri="{FF2B5EF4-FFF2-40B4-BE49-F238E27FC236}">
+                <a16:creationId xmlns:a16="http://schemas.microsoft.com/office/drawing/2014/main" id="{B5FBBCE9-FB72-798C-D362-70273F50A807}"/>
+              </a:ext>
+            </a:extLst>
+          </p:cNvPr>
+          <p:cNvPicPr>
+            <a:picLocks noGrp="1" noChangeAspect="1"/>
+          </p:cNvPicPr>
+          <p:nvPr>
+            <p:ph idx="1"/>
+          </p:nvPr>
+        </p:nvPicPr>
+        <p:blipFill>
+          <a:blip r:embed="rId2"/>
+          <a:stretch>
+            <a:fillRect/>
+          </a:stretch>
+        </p:blipFill>
+        <p:spPr>
+          <a:xfrm>
+            <a:off x="216254" y="2391509"/>
+            <a:ext cx="11759492" cy="2580818"/>
+          </a:xfrm>
+          <a:prstGeom prst="rect">
+            <a:avLst/>
+          </a:prstGeom>
+        </p:spPr>
+      </p:pic>
+    </p:spTree>
+    <p:extLst>
+      <p:ext uri="{BB962C8B-B14F-4D97-AF65-F5344CB8AC3E}">
+        <p14:creationId xmlns:p14="http://schemas.microsoft.com/office/powerpoint/2010/main" val="758667918"/>
+      </p:ext>
+    </p:extLst>
+  </p:cSld>
+  <p:clrMapOvr>
+    <a:masterClrMapping/>
+  </p:clrMapOvr>
+</p:sld>
+</file>
+
+<file path=ppt/slides/slide18.xml><?xml version="1.0" encoding="utf-8"?>
+<p:sld xmlns:a="http://schemas.openxmlformats.org/drawingml/2006/main" xmlns:r="http://schemas.openxmlformats.org/officeDocument/2006/relationships" xmlns:p="http://schemas.openxmlformats.org/presentationml/2006/main">
+  <p:cSld>
+    <p:spTree>
+      <p:nvGrpSpPr>
+        <p:cNvPr id="1" name=""/>
+        <p:cNvGrpSpPr/>
+        <p:nvPr/>
+      </p:nvGrpSpPr>
+      <p:grpSpPr>
+        <a:xfrm>
+          <a:off x="0" y="0"/>
+          <a:ext cx="0" cy="0"/>
+          <a:chOff x="0" y="0"/>
+          <a:chExt cx="0" cy="0"/>
+        </a:xfrm>
+      </p:grpSpPr>
+      <p:sp>
+        <p:nvSpPr>
+          <p:cNvPr id="2" name="Title 1">
+            <a:extLst>
+              <a:ext uri="{FF2B5EF4-FFF2-40B4-BE49-F238E27FC236}">
+                <a16:creationId xmlns:a16="http://schemas.microsoft.com/office/drawing/2014/main" id="{F632A62F-B474-0DE2-B272-8C1401696A18}"/>
+              </a:ext>
+            </a:extLst>
+          </p:cNvPr>
+          <p:cNvSpPr>
+            <a:spLocks noGrp="1"/>
+          </p:cNvSpPr>
+          <p:nvPr>
+            <p:ph type="title"/>
+          </p:nvPr>
+        </p:nvSpPr>
+        <p:spPr>
+          <a:xfrm>
+            <a:off x="9118210" y="2766218"/>
+            <a:ext cx="2881532" cy="1325563"/>
+          </a:xfrm>
+        </p:spPr>
+        <p:txBody>
+          <a:bodyPr>
+            <a:noAutofit/>
+          </a:bodyPr>
+          <a:lstStyle/>
+          <a:p>
+            <a:pPr algn="ctr">
+              <a:lnSpc>
+                <a:spcPct val="100000"/>
+              </a:lnSpc>
+              <a:spcAft>
+                <a:spcPts val="600"/>
+              </a:spcAft>
+            </a:pPr>
+            <a:r>
+              <a:rPr lang="de-DE" b="1" dirty="0">
+                <a:latin typeface="Microsoft YaHei UI" panose="020B0503020204020204" pitchFamily="34" charset="-122"/>
+                <a:ea typeface="Microsoft YaHei UI" panose="020B0503020204020204" pitchFamily="34" charset="-122"/>
+              </a:rPr>
+              <a:t>Songs im Laufe der Zeit</a:t>
+            </a:r>
+          </a:p>
+        </p:txBody>
+      </p:sp>
+      <p:pic>
+        <p:nvPicPr>
+          <p:cNvPr id="4" name="Picture 3">
+            <a:extLst>
+              <a:ext uri="{FF2B5EF4-FFF2-40B4-BE49-F238E27FC236}">
+                <a16:creationId xmlns:a16="http://schemas.microsoft.com/office/drawing/2014/main" id="{649FED6A-9F6E-726B-436C-8CAC9F697FBA}"/>
+              </a:ext>
+            </a:extLst>
+          </p:cNvPr>
+          <p:cNvPicPr>
+            <a:picLocks noChangeAspect="1"/>
+          </p:cNvPicPr>
+          <p:nvPr/>
+        </p:nvPicPr>
+        <p:blipFill>
+          <a:blip r:embed="rId2"/>
+          <a:stretch>
+            <a:fillRect/>
+          </a:stretch>
+        </p:blipFill>
+        <p:spPr>
+          <a:xfrm>
+            <a:off x="192258" y="238516"/>
+            <a:ext cx="8785036" cy="6288893"/>
+          </a:xfrm>
+          <a:prstGeom prst="rect">
+            <a:avLst/>
+          </a:prstGeom>
+        </p:spPr>
+      </p:pic>
+    </p:spTree>
+    <p:extLst>
+      <p:ext uri="{BB962C8B-B14F-4D97-AF65-F5344CB8AC3E}">
+        <p14:creationId xmlns:p14="http://schemas.microsoft.com/office/powerpoint/2010/main" val="1301724256"/>
+      </p:ext>
+    </p:extLst>
+  </p:cSld>
+  <p:clrMapOvr>
+    <a:masterClrMapping/>
+  </p:clrMapOvr>
+</p:sld>
+</file>
+
+<file path=ppt/slides/slide19.xml><?xml version="1.0" encoding="utf-8"?>
+<p:sld xmlns:a="http://schemas.openxmlformats.org/drawingml/2006/main" xmlns:r="http://schemas.openxmlformats.org/officeDocument/2006/relationships" xmlns:p="http://schemas.openxmlformats.org/presentationml/2006/main">
+  <p:cSld>
+    <p:spTree>
+      <p:nvGrpSpPr>
+        <p:cNvPr id="1" name=""/>
+        <p:cNvGrpSpPr/>
+        <p:nvPr/>
+      </p:nvGrpSpPr>
+      <p:grpSpPr>
+        <a:xfrm>
+          <a:off x="0" y="0"/>
+          <a:ext cx="0" cy="0"/>
+          <a:chOff x="0" y="0"/>
+          <a:chExt cx="0" cy="0"/>
+        </a:xfrm>
+      </p:grpSpPr>
+      <p:sp>
+        <p:nvSpPr>
+          <p:cNvPr id="2" name="Title 1">
+            <a:extLst>
+              <a:ext uri="{FF2B5EF4-FFF2-40B4-BE49-F238E27FC236}">
+                <a16:creationId xmlns:a16="http://schemas.microsoft.com/office/drawing/2014/main" id="{4D470F44-C235-AC58-E48F-D4CC0A1852D5}"/>
+              </a:ext>
+            </a:extLst>
+          </p:cNvPr>
+          <p:cNvSpPr>
+            <a:spLocks noGrp="1"/>
+          </p:cNvSpPr>
+          <p:nvPr>
+            <p:ph type="title"/>
+          </p:nvPr>
+        </p:nvSpPr>
+        <p:spPr/>
+        <p:txBody>
+          <a:bodyPr/>
+          <a:lstStyle/>
+          <a:p>
+            <a:endParaRPr lang="de-DE"/>
+          </a:p>
+        </p:txBody>
+      </p:sp>
+      <p:sp>
+        <p:nvSpPr>
+          <p:cNvPr id="3" name="Content Placeholder 2">
+            <a:extLst>
+              <a:ext uri="{FF2B5EF4-FFF2-40B4-BE49-F238E27FC236}">
+                <a16:creationId xmlns:a16="http://schemas.microsoft.com/office/drawing/2014/main" id="{C32E90D8-7161-8E1D-E849-2CE97950AB53}"/>
+              </a:ext>
+            </a:extLst>
+          </p:cNvPr>
+          <p:cNvSpPr>
+            <a:spLocks noGrp="1"/>
+          </p:cNvSpPr>
+          <p:nvPr>
+            <p:ph idx="1"/>
+          </p:nvPr>
+        </p:nvSpPr>
+        <p:spPr/>
+        <p:txBody>
+          <a:bodyPr/>
+          <a:lstStyle/>
+          <a:p>
+            <a:endParaRPr lang="de-DE"/>
+          </a:p>
+        </p:txBody>
+      </p:sp>
+    </p:spTree>
+    <p:extLst>
+      <p:ext uri="{BB962C8B-B14F-4D97-AF65-F5344CB8AC3E}">
+        <p14:creationId xmlns:p14="http://schemas.microsoft.com/office/powerpoint/2010/main" val="2873337056"/>
+      </p:ext>
+    </p:extLst>
+  </p:cSld>
+  <p:clrMapOvr>
+    <a:masterClrMapping/>
+  </p:clrMapOvr>
+</p:sld>
+</file>
+
+<file path=ppt/slides/slide2.xml><?xml version="1.0" encoding="utf-8"?>
+<p:sld xmlns:a="http://schemas.openxmlformats.org/drawingml/2006/main" xmlns:r="http://schemas.openxmlformats.org/officeDocument/2006/relationships" xmlns:p="http://schemas.openxmlformats.org/presentationml/2006/main">
+  <p:cSld>
+    <p:spTree>
+      <p:nvGrpSpPr>
+        <p:cNvPr id="1" name=""/>
+        <p:cNvGrpSpPr/>
+        <p:nvPr/>
+      </p:nvGrpSpPr>
+      <p:grpSpPr>
+        <a:xfrm>
+          <a:off x="0" y="0"/>
+          <a:ext cx="0" cy="0"/>
+          <a:chOff x="0" y="0"/>
+          <a:chExt cx="0" cy="0"/>
+        </a:xfrm>
+      </p:grpSpPr>
+      <p:sp>
+        <p:nvSpPr>
+          <p:cNvPr id="2" name="Title 1">
+            <a:extLst>
+              <a:ext uri="{FF2B5EF4-FFF2-40B4-BE49-F238E27FC236}">
+                <a16:creationId xmlns:a16="http://schemas.microsoft.com/office/drawing/2014/main" id="{1A278B4E-25CD-6F17-8269-52E29EDA579A}"/>
+              </a:ext>
+            </a:extLst>
+          </p:cNvPr>
+          <p:cNvSpPr>
+            <a:spLocks noGrp="1"/>
+          </p:cNvSpPr>
+          <p:nvPr>
+            <p:ph type="title"/>
+          </p:nvPr>
+        </p:nvSpPr>
+        <p:spPr/>
+        <p:txBody>
+          <a:bodyPr/>
+          <a:lstStyle/>
+          <a:p>
+            <a:pPr algn="ctr"/>
+            <a:r>
+              <a:rPr lang="de-DE" b="1" dirty="0">
+                <a:latin typeface="Microsoft YaHei UI" panose="020B0503020204020204" pitchFamily="34" charset="-122"/>
+                <a:ea typeface="Microsoft YaHei UI" panose="020B0503020204020204" pitchFamily="34" charset="-122"/>
+              </a:rPr>
+              <a:t>Roter Faden</a:t>
+            </a:r>
+          </a:p>
+        </p:txBody>
+      </p:sp>
+      <p:cxnSp>
+        <p:nvCxnSpPr>
+          <p:cNvPr id="5" name="Straight Arrow Connector 4">
+            <a:extLst>
+              <a:ext uri="{FF2B5EF4-FFF2-40B4-BE49-F238E27FC236}">
+                <a16:creationId xmlns:a16="http://schemas.microsoft.com/office/drawing/2014/main" id="{4FF03441-3025-9EA0-ADBE-2D77AA069A47}"/>
+              </a:ext>
+            </a:extLst>
+          </p:cNvPr>
+          <p:cNvCxnSpPr>
+            <a:cxnSpLocks/>
+          </p:cNvCxnSpPr>
+          <p:nvPr/>
+        </p:nvCxnSpPr>
+        <p:spPr>
+          <a:xfrm>
+            <a:off x="6597748" y="3619437"/>
+            <a:ext cx="4234375" cy="0"/>
+          </a:xfrm>
+          <a:prstGeom prst="straightConnector1">
+            <a:avLst/>
+          </a:prstGeom>
+          <a:ln w="88900">
+            <a:solidFill>
+              <a:srgbClr val="92D050"/>
+            </a:solidFill>
+            <a:tailEnd type="triangle"/>
+          </a:ln>
+        </p:spPr>
+        <p:style>
+          <a:lnRef idx="1">
+            <a:schemeClr val="accent1"/>
+          </a:lnRef>
+          <a:fillRef idx="0">
+            <a:schemeClr val="accent1"/>
+          </a:fillRef>
+          <a:effectRef idx="0">
+            <a:schemeClr val="accent1"/>
+          </a:effectRef>
+          <a:fontRef idx="minor">
+            <a:schemeClr val="tx1"/>
+          </a:fontRef>
+        </p:style>
+      </p:cxnSp>
+      <p:sp>
+        <p:nvSpPr>
+          <p:cNvPr id="6" name="TextBox 5">
+            <a:extLst>
+              <a:ext uri="{FF2B5EF4-FFF2-40B4-BE49-F238E27FC236}">
+                <a16:creationId xmlns:a16="http://schemas.microsoft.com/office/drawing/2014/main" id="{246CF354-0DFA-E6A3-1B94-DD295C1089B5}"/>
+              </a:ext>
+            </a:extLst>
+          </p:cNvPr>
+          <p:cNvSpPr txBox="1"/>
+          <p:nvPr/>
+        </p:nvSpPr>
+        <p:spPr>
+          <a:xfrm>
+            <a:off x="1150618" y="1797465"/>
+            <a:ext cx="2048020" cy="461665"/>
+          </a:xfrm>
+          <a:prstGeom prst="rect">
+            <a:avLst/>
+          </a:prstGeom>
+          <a:noFill/>
+        </p:spPr>
+        <p:txBody>
+          <a:bodyPr wrap="square" rtlCol="0">
+            <a:spAutoFit/>
+          </a:bodyPr>
+          <a:lstStyle/>
+          <a:p>
+            <a:r>
+              <a:rPr lang="de-DE" sz="2400" b="1" dirty="0">
+                <a:latin typeface="Microsoft YaHei UI" panose="020B0503020204020204" pitchFamily="34" charset="-122"/>
+                <a:ea typeface="Microsoft YaHei UI" panose="020B0503020204020204" pitchFamily="34" charset="-122"/>
+              </a:rPr>
+              <a:t>Datensätze</a:t>
+            </a:r>
+          </a:p>
+        </p:txBody>
+      </p:sp>
+      <p:graphicFrame>
+        <p:nvGraphicFramePr>
+          <p:cNvPr id="15" name="Table 15">
+            <a:extLst>
+              <a:ext uri="{FF2B5EF4-FFF2-40B4-BE49-F238E27FC236}">
+                <a16:creationId xmlns:a16="http://schemas.microsoft.com/office/drawing/2014/main" id="{637C50C6-02CF-8C7F-52D1-86AB953F4070}"/>
+              </a:ext>
+            </a:extLst>
+          </p:cNvPr>
+          <p:cNvGraphicFramePr>
+            <a:graphicFrameLocks noGrp="1"/>
+          </p:cNvGraphicFramePr>
+          <p:nvPr>
+            <p:extLst>
+              <p:ext uri="{D42A27DB-BD31-4B8C-83A1-F6EECF244321}">
+                <p14:modId xmlns:p14="http://schemas.microsoft.com/office/powerpoint/2010/main" val="88285535"/>
+              </p:ext>
+            </p:extLst>
+          </p:nvPr>
+        </p:nvGraphicFramePr>
+        <p:xfrm>
+          <a:off x="761996" y="2497277"/>
+          <a:ext cx="1041012" cy="1097280"/>
+        </p:xfrm>
+        <a:graphic>
+          <a:graphicData uri="http://schemas.openxmlformats.org/drawingml/2006/table">
+            <a:tbl>
+              <a:tblPr firstRow="1" bandRow="1">
+                <a:tableStyleId>{93296810-A885-4BE3-A3E7-6D5BEEA58F35}</a:tableStyleId>
+              </a:tblPr>
+              <a:tblGrid>
+                <a:gridCol w="260253">
+                  <a:extLst>
+                    <a:ext uri="{9D8B030D-6E8A-4147-A177-3AD203B41FA5}">
+                      <a16:colId xmlns:a16="http://schemas.microsoft.com/office/drawing/2014/main" val="2887178667"/>
+                    </a:ext>
+                  </a:extLst>
+                </a:gridCol>
+                <a:gridCol w="260253">
+                  <a:extLst>
+                    <a:ext uri="{9D8B030D-6E8A-4147-A177-3AD203B41FA5}">
+                      <a16:colId xmlns:a16="http://schemas.microsoft.com/office/drawing/2014/main" val="408429436"/>
+                    </a:ext>
+                  </a:extLst>
+                </a:gridCol>
+                <a:gridCol w="260253">
+                  <a:extLst>
+                    <a:ext uri="{9D8B030D-6E8A-4147-A177-3AD203B41FA5}">
+                      <a16:colId xmlns:a16="http://schemas.microsoft.com/office/drawing/2014/main" val="3166751901"/>
+                    </a:ext>
+                  </a:extLst>
+                </a:gridCol>
+                <a:gridCol w="260253">
+                  <a:extLst>
+                    <a:ext uri="{9D8B030D-6E8A-4147-A177-3AD203B41FA5}">
+                      <a16:colId xmlns:a16="http://schemas.microsoft.com/office/drawing/2014/main" val="1809445167"/>
+                    </a:ext>
+                  </a:extLst>
+                </a:gridCol>
+              </a:tblGrid>
+              <a:tr h="323674">
+                <a:tc>
+                  <a:txBody>
+                    <a:bodyPr/>
+                    <a:lstStyle/>
+                    <a:p>
+                      <a:endParaRPr lang="de-DE"/>
+                    </a:p>
+                  </a:txBody>
+                  <a:tcPr/>
+                </a:tc>
+                <a:tc>
+                  <a:txBody>
+                    <a:bodyPr/>
+                    <a:lstStyle/>
+                    <a:p>
+                      <a:endParaRPr lang="de-DE"/>
+                    </a:p>
+                  </a:txBody>
+                  <a:tcPr/>
+                </a:tc>
+                <a:tc>
+                  <a:txBody>
+                    <a:bodyPr/>
+                    <a:lstStyle/>
+                    <a:p>
+                      <a:endParaRPr lang="de-DE"/>
+                    </a:p>
+                  </a:txBody>
+                  <a:tcPr/>
+                </a:tc>
+                <a:tc>
+                  <a:txBody>
+                    <a:bodyPr/>
+                    <a:lstStyle/>
+                    <a:p>
+                      <a:endParaRPr lang="de-DE"/>
+                    </a:p>
+                  </a:txBody>
+                  <a:tcPr/>
+                </a:tc>
+                <a:extLst>
+                  <a:ext uri="{0D108BD9-81ED-4DB2-BD59-A6C34878D82A}">
+                    <a16:rowId xmlns:a16="http://schemas.microsoft.com/office/drawing/2014/main" val="946921780"/>
+                  </a:ext>
+                </a:extLst>
+              </a:tr>
+              <a:tr h="323674">
+                <a:tc>
+                  <a:txBody>
+                    <a:bodyPr/>
+                    <a:lstStyle/>
+                    <a:p>
+                      <a:endParaRPr lang="de-DE"/>
+                    </a:p>
+                  </a:txBody>
+                  <a:tcPr/>
+                </a:tc>
+                <a:tc>
+                  <a:txBody>
+                    <a:bodyPr/>
+                    <a:lstStyle/>
+                    <a:p>
+                      <a:endParaRPr lang="de-DE"/>
+                    </a:p>
+                  </a:txBody>
+                  <a:tcPr/>
+                </a:tc>
+                <a:tc>
+                  <a:txBody>
+                    <a:bodyPr/>
+                    <a:lstStyle/>
+                    <a:p>
+                      <a:endParaRPr lang="de-DE"/>
+                    </a:p>
+                  </a:txBody>
+                  <a:tcPr/>
+                </a:tc>
+                <a:tc>
+                  <a:txBody>
+                    <a:bodyPr/>
+                    <a:lstStyle/>
+                    <a:p>
+                      <a:endParaRPr lang="de-DE"/>
+                    </a:p>
+                  </a:txBody>
+                  <a:tcPr/>
+                </a:tc>
+                <a:extLst>
+                  <a:ext uri="{0D108BD9-81ED-4DB2-BD59-A6C34878D82A}">
+                    <a16:rowId xmlns:a16="http://schemas.microsoft.com/office/drawing/2014/main" val="1197834614"/>
+                  </a:ext>
+                </a:extLst>
+              </a:tr>
+              <a:tr h="323674">
+                <a:tc>
+                  <a:txBody>
+                    <a:bodyPr/>
+                    <a:lstStyle/>
+                    <a:p>
+                      <a:endParaRPr lang="de-DE"/>
+                    </a:p>
+                  </a:txBody>
+                  <a:tcPr/>
+                </a:tc>
+                <a:tc>
+                  <a:txBody>
+                    <a:bodyPr/>
+                    <a:lstStyle/>
+                    <a:p>
+                      <a:endParaRPr lang="de-DE"/>
+                    </a:p>
+                  </a:txBody>
+                  <a:tcPr/>
+                </a:tc>
+                <a:tc>
+                  <a:txBody>
+                    <a:bodyPr/>
+                    <a:lstStyle/>
+                    <a:p>
+                      <a:endParaRPr lang="de-DE" dirty="0"/>
+                    </a:p>
+                  </a:txBody>
+                  <a:tcPr/>
+                </a:tc>
+                <a:tc>
+                  <a:txBody>
+                    <a:bodyPr/>
+                    <a:lstStyle/>
+                    <a:p>
+                      <a:endParaRPr lang="de-DE" dirty="0"/>
+                    </a:p>
+                  </a:txBody>
+                  <a:tcPr/>
+                </a:tc>
+                <a:extLst>
+                  <a:ext uri="{0D108BD9-81ED-4DB2-BD59-A6C34878D82A}">
+                    <a16:rowId xmlns:a16="http://schemas.microsoft.com/office/drawing/2014/main" val="1688119911"/>
+                  </a:ext>
+                </a:extLst>
+              </a:tr>
+            </a:tbl>
+          </a:graphicData>
+        </a:graphic>
+      </p:graphicFrame>
+      <p:graphicFrame>
+        <p:nvGraphicFramePr>
+          <p:cNvPr id="16" name="Table 15">
+            <a:extLst>
+              <a:ext uri="{FF2B5EF4-FFF2-40B4-BE49-F238E27FC236}">
+                <a16:creationId xmlns:a16="http://schemas.microsoft.com/office/drawing/2014/main" id="{00525A45-3B02-C9FE-E1E4-0968920B214F}"/>
+              </a:ext>
+            </a:extLst>
+          </p:cNvPr>
+          <p:cNvGraphicFramePr>
+            <a:graphicFrameLocks noGrp="1"/>
+          </p:cNvGraphicFramePr>
+          <p:nvPr>
+            <p:extLst>
+              <p:ext uri="{D42A27DB-BD31-4B8C-83A1-F6EECF244321}">
+                <p14:modId xmlns:p14="http://schemas.microsoft.com/office/powerpoint/2010/main" val="4160361221"/>
+              </p:ext>
+            </p:extLst>
+          </p:nvPr>
+        </p:nvGraphicFramePr>
+        <p:xfrm>
+          <a:off x="1654122" y="3977943"/>
+          <a:ext cx="1041012" cy="1097280"/>
+        </p:xfrm>
+        <a:graphic>
+          <a:graphicData uri="http://schemas.openxmlformats.org/drawingml/2006/table">
+            <a:tbl>
+              <a:tblPr firstRow="1" bandRow="1">
+                <a:tableStyleId>{93296810-A885-4BE3-A3E7-6D5BEEA58F35}</a:tableStyleId>
+              </a:tblPr>
+              <a:tblGrid>
+                <a:gridCol w="260253">
+                  <a:extLst>
+                    <a:ext uri="{9D8B030D-6E8A-4147-A177-3AD203B41FA5}">
+                      <a16:colId xmlns:a16="http://schemas.microsoft.com/office/drawing/2014/main" val="2887178667"/>
+                    </a:ext>
+                  </a:extLst>
+                </a:gridCol>
+                <a:gridCol w="260253">
+                  <a:extLst>
+                    <a:ext uri="{9D8B030D-6E8A-4147-A177-3AD203B41FA5}">
+                      <a16:colId xmlns:a16="http://schemas.microsoft.com/office/drawing/2014/main" val="408429436"/>
+                    </a:ext>
+                  </a:extLst>
+                </a:gridCol>
+                <a:gridCol w="260253">
+                  <a:extLst>
+                    <a:ext uri="{9D8B030D-6E8A-4147-A177-3AD203B41FA5}">
+                      <a16:colId xmlns:a16="http://schemas.microsoft.com/office/drawing/2014/main" val="3166751901"/>
+                    </a:ext>
+                  </a:extLst>
+                </a:gridCol>
+                <a:gridCol w="260253">
+                  <a:extLst>
+                    <a:ext uri="{9D8B030D-6E8A-4147-A177-3AD203B41FA5}">
+                      <a16:colId xmlns:a16="http://schemas.microsoft.com/office/drawing/2014/main" val="1809445167"/>
+                    </a:ext>
+                  </a:extLst>
+                </a:gridCol>
+              </a:tblGrid>
+              <a:tr h="323674">
+                <a:tc>
+                  <a:txBody>
+                    <a:bodyPr/>
+                    <a:lstStyle/>
+                    <a:p>
+                      <a:endParaRPr lang="de-DE"/>
+                    </a:p>
+                  </a:txBody>
+                  <a:tcPr/>
+                </a:tc>
+                <a:tc>
+                  <a:txBody>
+                    <a:bodyPr/>
+                    <a:lstStyle/>
+                    <a:p>
+                      <a:endParaRPr lang="de-DE"/>
+                    </a:p>
+                  </a:txBody>
+                  <a:tcPr/>
+                </a:tc>
+                <a:tc>
+                  <a:txBody>
+                    <a:bodyPr/>
+                    <a:lstStyle/>
+                    <a:p>
+                      <a:endParaRPr lang="de-DE"/>
+                    </a:p>
+                  </a:txBody>
+                  <a:tcPr/>
+                </a:tc>
+                <a:tc>
+                  <a:txBody>
+                    <a:bodyPr/>
+                    <a:lstStyle/>
+                    <a:p>
+                      <a:endParaRPr lang="de-DE"/>
+                    </a:p>
+                  </a:txBody>
+                  <a:tcPr/>
+                </a:tc>
+                <a:extLst>
+                  <a:ext uri="{0D108BD9-81ED-4DB2-BD59-A6C34878D82A}">
+                    <a16:rowId xmlns:a16="http://schemas.microsoft.com/office/drawing/2014/main" val="946921780"/>
+                  </a:ext>
+                </a:extLst>
+              </a:tr>
+              <a:tr h="323674">
+                <a:tc>
+                  <a:txBody>
+                    <a:bodyPr/>
+                    <a:lstStyle/>
+                    <a:p>
+                      <a:endParaRPr lang="de-DE"/>
+                    </a:p>
+                  </a:txBody>
+                  <a:tcPr/>
+                </a:tc>
+                <a:tc>
+                  <a:txBody>
+                    <a:bodyPr/>
+                    <a:lstStyle/>
+                    <a:p>
+                      <a:endParaRPr lang="de-DE"/>
+                    </a:p>
+                  </a:txBody>
+                  <a:tcPr/>
+                </a:tc>
+                <a:tc>
+                  <a:txBody>
+                    <a:bodyPr/>
+                    <a:lstStyle/>
+                    <a:p>
+                      <a:endParaRPr lang="de-DE"/>
+                    </a:p>
+                  </a:txBody>
+                  <a:tcPr/>
+                </a:tc>
+                <a:tc>
+                  <a:txBody>
+                    <a:bodyPr/>
+                    <a:lstStyle/>
+                    <a:p>
+                      <a:endParaRPr lang="de-DE"/>
+                    </a:p>
+                  </a:txBody>
+                  <a:tcPr/>
+                </a:tc>
+                <a:extLst>
+                  <a:ext uri="{0D108BD9-81ED-4DB2-BD59-A6C34878D82A}">
+                    <a16:rowId xmlns:a16="http://schemas.microsoft.com/office/drawing/2014/main" val="1197834614"/>
+                  </a:ext>
+                </a:extLst>
+              </a:tr>
+              <a:tr h="323674">
+                <a:tc>
+                  <a:txBody>
+                    <a:bodyPr/>
+                    <a:lstStyle/>
+                    <a:p>
+                      <a:endParaRPr lang="de-DE"/>
+                    </a:p>
+                  </a:txBody>
+                  <a:tcPr/>
+                </a:tc>
+                <a:tc>
+                  <a:txBody>
+                    <a:bodyPr/>
+                    <a:lstStyle/>
+                    <a:p>
+                      <a:endParaRPr lang="de-DE"/>
+                    </a:p>
+                  </a:txBody>
+                  <a:tcPr/>
+                </a:tc>
+                <a:tc>
+                  <a:txBody>
+                    <a:bodyPr/>
+                    <a:lstStyle/>
+                    <a:p>
+                      <a:endParaRPr lang="de-DE" dirty="0"/>
+                    </a:p>
+                  </a:txBody>
+                  <a:tcPr/>
+                </a:tc>
+                <a:tc>
+                  <a:txBody>
+                    <a:bodyPr/>
+                    <a:lstStyle/>
+                    <a:p>
+                      <a:endParaRPr lang="de-DE" dirty="0"/>
+                    </a:p>
+                  </a:txBody>
+                  <a:tcPr/>
+                </a:tc>
+                <a:extLst>
+                  <a:ext uri="{0D108BD9-81ED-4DB2-BD59-A6C34878D82A}">
+                    <a16:rowId xmlns:a16="http://schemas.microsoft.com/office/drawing/2014/main" val="1688119911"/>
+                  </a:ext>
+                </a:extLst>
+              </a:tr>
+            </a:tbl>
+          </a:graphicData>
+        </a:graphic>
+      </p:graphicFrame>
+      <p:graphicFrame>
+        <p:nvGraphicFramePr>
+          <p:cNvPr id="18" name="Table 18">
+            <a:extLst>
+              <a:ext uri="{FF2B5EF4-FFF2-40B4-BE49-F238E27FC236}">
+                <a16:creationId xmlns:a16="http://schemas.microsoft.com/office/drawing/2014/main" id="{E620B20D-EACD-88DF-3F25-02FE6AEA3163}"/>
+              </a:ext>
+            </a:extLst>
+          </p:cNvPr>
+          <p:cNvGraphicFramePr>
+            <a:graphicFrameLocks noGrp="1"/>
+          </p:cNvGraphicFramePr>
+          <p:nvPr>
+            <p:extLst>
+              <p:ext uri="{D42A27DB-BD31-4B8C-83A1-F6EECF244321}">
+                <p14:modId xmlns:p14="http://schemas.microsoft.com/office/powerpoint/2010/main" val="3978966244"/>
+              </p:ext>
+            </p:extLst>
+          </p:nvPr>
+        </p:nvGraphicFramePr>
+        <p:xfrm>
+          <a:off x="4958079" y="2863037"/>
+          <a:ext cx="1513056" cy="1463040"/>
+        </p:xfrm>
+        <a:graphic>
+          <a:graphicData uri="http://schemas.openxmlformats.org/drawingml/2006/table">
+            <a:tbl>
+              <a:tblPr firstRow="1" bandRow="1">
+                <a:tableStyleId>{93296810-A885-4BE3-A3E7-6D5BEEA58F35}</a:tableStyleId>
+              </a:tblPr>
+              <a:tblGrid>
+                <a:gridCol w="252176">
+                  <a:extLst>
+                    <a:ext uri="{9D8B030D-6E8A-4147-A177-3AD203B41FA5}">
+                      <a16:colId xmlns:a16="http://schemas.microsoft.com/office/drawing/2014/main" val="854250182"/>
+                    </a:ext>
+                  </a:extLst>
+                </a:gridCol>
+                <a:gridCol w="252176">
+                  <a:extLst>
+                    <a:ext uri="{9D8B030D-6E8A-4147-A177-3AD203B41FA5}">
+                      <a16:colId xmlns:a16="http://schemas.microsoft.com/office/drawing/2014/main" val="2884793474"/>
+                    </a:ext>
+                  </a:extLst>
+                </a:gridCol>
+                <a:gridCol w="252176">
+                  <a:extLst>
+                    <a:ext uri="{9D8B030D-6E8A-4147-A177-3AD203B41FA5}">
+                      <a16:colId xmlns:a16="http://schemas.microsoft.com/office/drawing/2014/main" val="483543894"/>
+                    </a:ext>
+                  </a:extLst>
+                </a:gridCol>
+                <a:gridCol w="252176">
+                  <a:extLst>
+                    <a:ext uri="{9D8B030D-6E8A-4147-A177-3AD203B41FA5}">
+                      <a16:colId xmlns:a16="http://schemas.microsoft.com/office/drawing/2014/main" val="3348774252"/>
+                    </a:ext>
+                  </a:extLst>
+                </a:gridCol>
+                <a:gridCol w="252176">
+                  <a:extLst>
+                    <a:ext uri="{9D8B030D-6E8A-4147-A177-3AD203B41FA5}">
+                      <a16:colId xmlns:a16="http://schemas.microsoft.com/office/drawing/2014/main" val="1531803589"/>
+                    </a:ext>
+                  </a:extLst>
+                </a:gridCol>
+                <a:gridCol w="252176">
+                  <a:extLst>
+                    <a:ext uri="{9D8B030D-6E8A-4147-A177-3AD203B41FA5}">
+                      <a16:colId xmlns:a16="http://schemas.microsoft.com/office/drawing/2014/main" val="1039099455"/>
+                    </a:ext>
+                  </a:extLst>
+                </a:gridCol>
+              </a:tblGrid>
+              <a:tr h="274319">
+                <a:tc>
+                  <a:txBody>
+                    <a:bodyPr/>
+                    <a:lstStyle/>
+                    <a:p>
+                      <a:endParaRPr lang="de-DE"/>
+                    </a:p>
+                  </a:txBody>
+                  <a:tcPr/>
+                </a:tc>
+                <a:tc>
+                  <a:txBody>
+                    <a:bodyPr/>
+                    <a:lstStyle/>
+                    <a:p>
+                      <a:endParaRPr lang="de-DE"/>
+                    </a:p>
+                  </a:txBody>
+                  <a:tcPr/>
+                </a:tc>
+                <a:tc>
+                  <a:txBody>
+                    <a:bodyPr/>
+                    <a:lstStyle/>
+                    <a:p>
+                      <a:endParaRPr lang="de-DE"/>
+                    </a:p>
+                  </a:txBody>
+                  <a:tcPr/>
+                </a:tc>
+                <a:tc>
+                  <a:txBody>
+                    <a:bodyPr/>
+                    <a:lstStyle/>
+                    <a:p>
+                      <a:endParaRPr lang="de-DE"/>
+                    </a:p>
+                  </a:txBody>
+                  <a:tcPr/>
+                </a:tc>
+                <a:tc>
+                  <a:txBody>
+                    <a:bodyPr/>
+                    <a:lstStyle/>
+                    <a:p>
+                      <a:endParaRPr lang="de-DE"/>
+                    </a:p>
+                  </a:txBody>
+                  <a:tcPr/>
+                </a:tc>
+                <a:tc>
+                  <a:txBody>
+                    <a:bodyPr/>
+                    <a:lstStyle/>
+                    <a:p>
+                      <a:endParaRPr lang="de-DE"/>
+                    </a:p>
+                  </a:txBody>
+                  <a:tcPr/>
+                </a:tc>
+                <a:extLst>
+                  <a:ext uri="{0D108BD9-81ED-4DB2-BD59-A6C34878D82A}">
+                    <a16:rowId xmlns:a16="http://schemas.microsoft.com/office/drawing/2014/main" val="3373536341"/>
+                  </a:ext>
+                </a:extLst>
+              </a:tr>
+              <a:tr h="274319">
+                <a:tc>
+                  <a:txBody>
+                    <a:bodyPr/>
+                    <a:lstStyle/>
+                    <a:p>
+                      <a:endParaRPr lang="de-DE"/>
+                    </a:p>
+                  </a:txBody>
+                  <a:tcPr/>
+                </a:tc>
+                <a:tc>
+                  <a:txBody>
+                    <a:bodyPr/>
+                    <a:lstStyle/>
+                    <a:p>
+                      <a:endParaRPr lang="de-DE"/>
+                    </a:p>
+                  </a:txBody>
+                  <a:tcPr/>
+                </a:tc>
+                <a:tc>
+                  <a:txBody>
+                    <a:bodyPr/>
+                    <a:lstStyle/>
+                    <a:p>
+                      <a:endParaRPr lang="de-DE"/>
+                    </a:p>
+                  </a:txBody>
+                  <a:tcPr/>
+                </a:tc>
+                <a:tc>
+                  <a:txBody>
+                    <a:bodyPr/>
+                    <a:lstStyle/>
+                    <a:p>
+                      <a:endParaRPr lang="de-DE"/>
+                    </a:p>
+                  </a:txBody>
+                  <a:tcPr/>
+                </a:tc>
+                <a:tc>
+                  <a:txBody>
+                    <a:bodyPr/>
+                    <a:lstStyle/>
+                    <a:p>
+                      <a:endParaRPr lang="de-DE"/>
+                    </a:p>
+                  </a:txBody>
+                  <a:tcPr/>
+                </a:tc>
+                <a:tc>
+                  <a:txBody>
+                    <a:bodyPr/>
+                    <a:lstStyle/>
+                    <a:p>
+                      <a:endParaRPr lang="de-DE"/>
+                    </a:p>
+                  </a:txBody>
+                  <a:tcPr/>
+                </a:tc>
+                <a:extLst>
+                  <a:ext uri="{0D108BD9-81ED-4DB2-BD59-A6C34878D82A}">
+                    <a16:rowId xmlns:a16="http://schemas.microsoft.com/office/drawing/2014/main" val="2842464335"/>
+                  </a:ext>
+                </a:extLst>
+              </a:tr>
+              <a:tr h="274319">
+                <a:tc>
+                  <a:txBody>
+                    <a:bodyPr/>
+                    <a:lstStyle/>
+                    <a:p>
+                      <a:endParaRPr lang="de-DE"/>
+                    </a:p>
+                  </a:txBody>
+                  <a:tcPr/>
+                </a:tc>
+                <a:tc>
+                  <a:txBody>
+                    <a:bodyPr/>
+                    <a:lstStyle/>
+                    <a:p>
+                      <a:endParaRPr lang="de-DE"/>
+                    </a:p>
+                  </a:txBody>
+                  <a:tcPr/>
+                </a:tc>
+                <a:tc>
+                  <a:txBody>
+                    <a:bodyPr/>
+                    <a:lstStyle/>
+                    <a:p>
+                      <a:endParaRPr lang="de-DE"/>
+                    </a:p>
+                  </a:txBody>
+                  <a:tcPr/>
+                </a:tc>
+                <a:tc>
+                  <a:txBody>
+                    <a:bodyPr/>
+                    <a:lstStyle/>
+                    <a:p>
+                      <a:endParaRPr lang="de-DE"/>
+                    </a:p>
+                  </a:txBody>
+                  <a:tcPr/>
+                </a:tc>
+                <a:tc>
+                  <a:txBody>
+                    <a:bodyPr/>
+                    <a:lstStyle/>
+                    <a:p>
+                      <a:endParaRPr lang="de-DE"/>
+                    </a:p>
+                  </a:txBody>
+                  <a:tcPr/>
+                </a:tc>
+                <a:tc>
+                  <a:txBody>
+                    <a:bodyPr/>
+                    <a:lstStyle/>
+                    <a:p>
+                      <a:endParaRPr lang="de-DE"/>
+                    </a:p>
+                  </a:txBody>
+                  <a:tcPr/>
+                </a:tc>
+                <a:extLst>
+                  <a:ext uri="{0D108BD9-81ED-4DB2-BD59-A6C34878D82A}">
+                    <a16:rowId xmlns:a16="http://schemas.microsoft.com/office/drawing/2014/main" val="3160940410"/>
+                  </a:ext>
+                </a:extLst>
+              </a:tr>
+              <a:tr h="274319">
+                <a:tc>
+                  <a:txBody>
+                    <a:bodyPr/>
+                    <a:lstStyle/>
+                    <a:p>
+                      <a:endParaRPr lang="de-DE"/>
+                    </a:p>
+                  </a:txBody>
+                  <a:tcPr/>
+                </a:tc>
+                <a:tc>
+                  <a:txBody>
+                    <a:bodyPr/>
+                    <a:lstStyle/>
+                    <a:p>
+                      <a:endParaRPr lang="de-DE"/>
+                    </a:p>
+                  </a:txBody>
+                  <a:tcPr/>
+                </a:tc>
+                <a:tc>
+                  <a:txBody>
+                    <a:bodyPr/>
+                    <a:lstStyle/>
+                    <a:p>
+                      <a:endParaRPr lang="de-DE"/>
+                    </a:p>
+                  </a:txBody>
+                  <a:tcPr/>
+                </a:tc>
+                <a:tc>
+                  <a:txBody>
+                    <a:bodyPr/>
+                    <a:lstStyle/>
+                    <a:p>
+                      <a:endParaRPr lang="de-DE"/>
+                    </a:p>
+                  </a:txBody>
+                  <a:tcPr/>
+                </a:tc>
+                <a:tc>
+                  <a:txBody>
+                    <a:bodyPr/>
+                    <a:lstStyle/>
+                    <a:p>
+                      <a:endParaRPr lang="de-DE"/>
+                    </a:p>
+                  </a:txBody>
+                  <a:tcPr/>
+                </a:tc>
+                <a:tc>
+                  <a:txBody>
+                    <a:bodyPr/>
+                    <a:lstStyle/>
+                    <a:p>
+                      <a:endParaRPr lang="de-DE" dirty="0"/>
+                    </a:p>
+                  </a:txBody>
+                  <a:tcPr/>
+                </a:tc>
+                <a:extLst>
+                  <a:ext uri="{0D108BD9-81ED-4DB2-BD59-A6C34878D82A}">
+                    <a16:rowId xmlns:a16="http://schemas.microsoft.com/office/drawing/2014/main" val="2183894138"/>
+                  </a:ext>
+                </a:extLst>
+              </a:tr>
+            </a:tbl>
+          </a:graphicData>
+        </a:graphic>
+      </p:graphicFrame>
+      <p:cxnSp>
+        <p:nvCxnSpPr>
+          <p:cNvPr id="22" name="Elbow Connector 21">
+            <a:extLst>
+              <a:ext uri="{FF2B5EF4-FFF2-40B4-BE49-F238E27FC236}">
+                <a16:creationId xmlns:a16="http://schemas.microsoft.com/office/drawing/2014/main" id="{85B50ED1-AD62-C9A3-8134-50604678FE64}"/>
+              </a:ext>
+            </a:extLst>
+          </p:cNvPr>
+          <p:cNvCxnSpPr>
+            <a:endCxn id="18" idx="1"/>
+          </p:cNvCxnSpPr>
+          <p:nvPr/>
+        </p:nvCxnSpPr>
+        <p:spPr>
+          <a:xfrm>
+            <a:off x="1803008" y="3045917"/>
+            <a:ext cx="3155071" cy="548640"/>
+          </a:xfrm>
+          <a:prstGeom prst="bentConnector3">
+            <a:avLst/>
+          </a:prstGeom>
+          <a:ln w="63500">
+            <a:solidFill>
+              <a:srgbClr val="92D050"/>
+            </a:solidFill>
+            <a:tailEnd type="triangle"/>
+          </a:ln>
+        </p:spPr>
+        <p:style>
+          <a:lnRef idx="1">
+            <a:schemeClr val="accent1"/>
+          </a:lnRef>
+          <a:fillRef idx="0">
+            <a:schemeClr val="accent1"/>
+          </a:fillRef>
+          <a:effectRef idx="0">
+            <a:schemeClr val="accent1"/>
+          </a:effectRef>
+          <a:fontRef idx="minor">
+            <a:schemeClr val="tx1"/>
+          </a:fontRef>
+        </p:style>
+      </p:cxnSp>
+      <p:cxnSp>
+        <p:nvCxnSpPr>
+          <p:cNvPr id="24" name="Elbow Connector 23">
+            <a:extLst>
+              <a:ext uri="{FF2B5EF4-FFF2-40B4-BE49-F238E27FC236}">
+                <a16:creationId xmlns:a16="http://schemas.microsoft.com/office/drawing/2014/main" id="{AA02F896-B1C8-6E8E-9F7C-9C09D097F334}"/>
+              </a:ext>
+            </a:extLst>
+          </p:cNvPr>
+          <p:cNvCxnSpPr>
+            <a:endCxn id="18" idx="1"/>
+          </p:cNvCxnSpPr>
+          <p:nvPr/>
+        </p:nvCxnSpPr>
+        <p:spPr>
+          <a:xfrm flipV="1">
+            <a:off x="2695134" y="3594557"/>
+            <a:ext cx="2262945" cy="932026"/>
+          </a:xfrm>
+          <a:prstGeom prst="bentConnector3">
+            <a:avLst>
+              <a:gd name="adj1" fmla="val 30107"/>
+            </a:avLst>
+          </a:prstGeom>
+          <a:ln w="63500">
+            <a:solidFill>
+              <a:srgbClr val="92D050"/>
+            </a:solidFill>
+            <a:tailEnd type="triangle"/>
+          </a:ln>
+        </p:spPr>
+        <p:style>
+          <a:lnRef idx="1">
+            <a:schemeClr val="accent1"/>
+          </a:lnRef>
+          <a:fillRef idx="0">
+            <a:schemeClr val="accent1"/>
+          </a:fillRef>
+          <a:effectRef idx="0">
+            <a:schemeClr val="accent1"/>
+          </a:effectRef>
+          <a:fontRef idx="minor">
+            <a:schemeClr val="tx1"/>
+          </a:fontRef>
+        </p:style>
+      </p:cxnSp>
+      <p:pic>
+        <p:nvPicPr>
+          <p:cNvPr id="29" name="Graphic 28" descr="Pie chart with solid fill">
+            <a:extLst>
+              <a:ext uri="{FF2B5EF4-FFF2-40B4-BE49-F238E27FC236}">
+                <a16:creationId xmlns:a16="http://schemas.microsoft.com/office/drawing/2014/main" id="{6479FE2A-6F28-4819-8BBA-F1D12F7101B7}"/>
+              </a:ext>
+            </a:extLst>
+          </p:cNvPr>
+          <p:cNvPicPr>
+            <a:picLocks noChangeAspect="1"/>
+          </p:cNvPicPr>
+          <p:nvPr/>
+        </p:nvPicPr>
+        <p:blipFill>
+          <a:blip r:embed="rId2">
+            <a:extLst>
+              <a:ext uri="{96DAC541-7B7A-43D3-8B79-37D633B846F1}">
+                <asvg:svgBlip xmlns:asvg="http://schemas.microsoft.com/office/drawing/2016/SVG/main" r:embed="rId3"/>
+              </a:ext>
+            </a:extLst>
+          </a:blip>
+          <a:stretch>
+            <a:fillRect/>
+          </a:stretch>
+        </p:blipFill>
+        <p:spPr>
+          <a:xfrm>
+            <a:off x="8734080" y="2708380"/>
+            <a:ext cx="914400" cy="914400"/>
+          </a:xfrm>
+          <a:prstGeom prst="rect">
+            <a:avLst/>
+          </a:prstGeom>
+        </p:spPr>
+      </p:pic>
+      <p:pic>
+        <p:nvPicPr>
+          <p:cNvPr id="31" name="Graphic 30" descr="Bar chart with solid fill">
+            <a:extLst>
+              <a:ext uri="{FF2B5EF4-FFF2-40B4-BE49-F238E27FC236}">
+                <a16:creationId xmlns:a16="http://schemas.microsoft.com/office/drawing/2014/main" id="{0C1BF871-CEFC-6950-5567-9B8D04AD7F94}"/>
+              </a:ext>
+            </a:extLst>
+          </p:cNvPr>
+          <p:cNvPicPr>
+            <a:picLocks noChangeAspect="1"/>
+          </p:cNvPicPr>
+          <p:nvPr/>
+        </p:nvPicPr>
+        <p:blipFill>
+          <a:blip r:embed="rId4">
+            <a:extLst>
+              <a:ext uri="{96DAC541-7B7A-43D3-8B79-37D633B846F1}">
+                <asvg:svgBlip xmlns:asvg="http://schemas.microsoft.com/office/drawing/2016/SVG/main" r:embed="rId5"/>
+              </a:ext>
+            </a:extLst>
+          </a:blip>
+          <a:stretch>
+            <a:fillRect/>
+          </a:stretch>
+        </p:blipFill>
+        <p:spPr>
+          <a:xfrm>
+            <a:off x="7819680" y="2705037"/>
+            <a:ext cx="914400" cy="914400"/>
+          </a:xfrm>
+          <a:prstGeom prst="rect">
+            <a:avLst/>
+          </a:prstGeom>
+        </p:spPr>
+      </p:pic>
+      <p:sp>
+        <p:nvSpPr>
+          <p:cNvPr id="32" name="TextBox 31">
+            <a:extLst>
+              <a:ext uri="{FF2B5EF4-FFF2-40B4-BE49-F238E27FC236}">
+                <a16:creationId xmlns:a16="http://schemas.microsoft.com/office/drawing/2014/main" id="{A364923E-92F6-076F-BFF6-02D9DA5701B0}"/>
+              </a:ext>
+            </a:extLst>
+          </p:cNvPr>
+          <p:cNvSpPr txBox="1"/>
+          <p:nvPr/>
+        </p:nvSpPr>
+        <p:spPr>
+          <a:xfrm>
+            <a:off x="4690597" y="1759968"/>
+            <a:ext cx="2048020" cy="461665"/>
+          </a:xfrm>
+          <a:prstGeom prst="rect">
+            <a:avLst/>
+          </a:prstGeom>
+          <a:noFill/>
+        </p:spPr>
+        <p:txBody>
+          <a:bodyPr wrap="square" rtlCol="0">
+            <a:spAutoFit/>
+          </a:bodyPr>
+          <a:lstStyle/>
+          <a:p>
+            <a:r>
+              <a:rPr lang="de-DE" sz="2400" b="1" dirty="0">
+                <a:latin typeface="Microsoft YaHei UI" panose="020B0503020204020204" pitchFamily="34" charset="-122"/>
+                <a:ea typeface="Microsoft YaHei UI" panose="020B0503020204020204" pitchFamily="34" charset="-122"/>
+              </a:rPr>
+              <a:t>Verbindung</a:t>
+            </a:r>
+          </a:p>
+        </p:txBody>
+      </p:sp>
+      <p:sp>
+        <p:nvSpPr>
+          <p:cNvPr id="33" name="TextBox 32">
+            <a:extLst>
+              <a:ext uri="{FF2B5EF4-FFF2-40B4-BE49-F238E27FC236}">
+                <a16:creationId xmlns:a16="http://schemas.microsoft.com/office/drawing/2014/main" id="{7926F68C-0748-37CD-D056-FC4E78DC8007}"/>
+              </a:ext>
+            </a:extLst>
+          </p:cNvPr>
+          <p:cNvSpPr txBox="1"/>
+          <p:nvPr/>
+        </p:nvSpPr>
+        <p:spPr>
+          <a:xfrm>
+            <a:off x="7690925" y="1775303"/>
+            <a:ext cx="2048020" cy="461665"/>
+          </a:xfrm>
+          <a:prstGeom prst="rect">
+            <a:avLst/>
+          </a:prstGeom>
+          <a:noFill/>
+        </p:spPr>
+        <p:txBody>
+          <a:bodyPr wrap="square" rtlCol="0">
+            <a:spAutoFit/>
+          </a:bodyPr>
+          <a:lstStyle/>
+          <a:p>
+            <a:r>
+              <a:rPr lang="de-DE" sz="2400" b="1" dirty="0">
+                <a:latin typeface="Microsoft YaHei UI" panose="020B0503020204020204" pitchFamily="34" charset="-122"/>
+                <a:ea typeface="Microsoft YaHei UI" panose="020B0503020204020204" pitchFamily="34" charset="-122"/>
+              </a:rPr>
+              <a:t>Analyse</a:t>
+            </a:r>
+          </a:p>
+        </p:txBody>
+      </p:sp>
+    </p:spTree>
+    <p:extLst>
+      <p:ext uri="{BB962C8B-B14F-4D97-AF65-F5344CB8AC3E}">
+        <p14:creationId xmlns:p14="http://schemas.microsoft.com/office/powerpoint/2010/main" val="551075115"/>
+      </p:ext>
+    </p:extLst>
+  </p:cSld>
+  <p:clrMapOvr>
+    <a:masterClrMapping/>
+  </p:clrMapOvr>
+</p:sld>
+</file>
+
+<file path=ppt/slides/slide20.xml><?xml version="1.0" encoding="utf-8"?>
+<p:sld xmlns:a="http://schemas.openxmlformats.org/drawingml/2006/main" xmlns:r="http://schemas.openxmlformats.org/officeDocument/2006/relationships" xmlns:p="http://schemas.openxmlformats.org/presentationml/2006/main">
+  <p:cSld>
+    <p:spTree>
+      <p:nvGrpSpPr>
+        <p:cNvPr id="1" name=""/>
+        <p:cNvGrpSpPr/>
+        <p:nvPr/>
+      </p:nvGrpSpPr>
+      <p:grpSpPr>
+        <a:xfrm>
+          <a:off x="0" y="0"/>
+          <a:ext cx="0" cy="0"/>
+          <a:chOff x="0" y="0"/>
+          <a:chExt cx="0" cy="0"/>
+        </a:xfrm>
+      </p:grpSpPr>
+      <p:sp>
+        <p:nvSpPr>
+          <p:cNvPr id="2" name="Title 1">
+            <a:extLst>
+              <a:ext uri="{FF2B5EF4-FFF2-40B4-BE49-F238E27FC236}">
+                <a16:creationId xmlns:a16="http://schemas.microsoft.com/office/drawing/2014/main" id="{BA6980B1-8FFD-2A7A-4C50-75165DC542D3}"/>
+              </a:ext>
+            </a:extLst>
+          </p:cNvPr>
+          <p:cNvSpPr>
+            <a:spLocks noGrp="1"/>
+          </p:cNvSpPr>
+          <p:nvPr>
+            <p:ph type="title"/>
+          </p:nvPr>
+        </p:nvSpPr>
+        <p:spPr/>
+        <p:txBody>
+          <a:bodyPr/>
+          <a:lstStyle/>
+          <a:p>
+            <a:endParaRPr lang="de-DE"/>
+          </a:p>
+        </p:txBody>
+      </p:sp>
+      <p:sp>
+        <p:nvSpPr>
+          <p:cNvPr id="3" name="Content Placeholder 2">
+            <a:extLst>
+              <a:ext uri="{FF2B5EF4-FFF2-40B4-BE49-F238E27FC236}">
+                <a16:creationId xmlns:a16="http://schemas.microsoft.com/office/drawing/2014/main" id="{F0F02DBC-54F2-FB46-FC94-9CF868DB0EF7}"/>
+              </a:ext>
+            </a:extLst>
+          </p:cNvPr>
+          <p:cNvSpPr>
+            <a:spLocks noGrp="1"/>
+          </p:cNvSpPr>
+          <p:nvPr>
+            <p:ph idx="1"/>
+          </p:nvPr>
+        </p:nvSpPr>
+        <p:spPr/>
+        <p:txBody>
+          <a:bodyPr/>
+          <a:lstStyle/>
+          <a:p>
+            <a:endParaRPr lang="de-DE"/>
+          </a:p>
+        </p:txBody>
+      </p:sp>
+    </p:spTree>
+    <p:extLst>
+      <p:ext uri="{BB962C8B-B14F-4D97-AF65-F5344CB8AC3E}">
+        <p14:creationId xmlns:p14="http://schemas.microsoft.com/office/powerpoint/2010/main" val="390749756"/>
+      </p:ext>
+    </p:extLst>
+  </p:cSld>
+  <p:clrMapOvr>
+    <a:masterClrMapping/>
+  </p:clrMapOvr>
+</p:sld>
+</file>
+
+<file path=ppt/slides/slide3.xml><?xml version="1.0" encoding="utf-8"?>
+<p:sld xmlns:a="http://schemas.openxmlformats.org/drawingml/2006/main" xmlns:r="http://schemas.openxmlformats.org/officeDocument/2006/relationships" xmlns:p="http://schemas.openxmlformats.org/presentationml/2006/main">
+  <p:cSld>
+    <p:bg>
+      <p:bgPr>
+        <a:solidFill>
+          <a:schemeClr val="bg1"/>
+        </a:solidFill>
+        <a:effectLst/>
+      </p:bgPr>
+    </p:bg>
+    <p:spTree>
+      <p:nvGrpSpPr>
+        <p:cNvPr id="1" name=""/>
+        <p:cNvGrpSpPr/>
+        <p:nvPr/>
+      </p:nvGrpSpPr>
+      <p:grpSpPr>
+        <a:xfrm>
+          <a:off x="0" y="0"/>
+          <a:ext cx="0" cy="0"/>
+          <a:chOff x="0" y="0"/>
+          <a:chExt cx="0" cy="0"/>
+        </a:xfrm>
+      </p:grpSpPr>
+      <p:sp>
+        <p:nvSpPr>
+          <p:cNvPr id="11" name="Title 1">
+            <a:extLst>
+              <a:ext uri="{FF2B5EF4-FFF2-40B4-BE49-F238E27FC236}">
+                <a16:creationId xmlns:a16="http://schemas.microsoft.com/office/drawing/2014/main" id="{E1A81C5C-565A-DEBB-CCCB-225013F20B35}"/>
+              </a:ext>
+            </a:extLst>
+          </p:cNvPr>
+          <p:cNvSpPr>
+            <a:spLocks noGrp="1"/>
+          </p:cNvSpPr>
+          <p:nvPr>
+            <p:ph type="title"/>
+          </p:nvPr>
+        </p:nvSpPr>
+        <p:spPr>
+          <a:xfrm>
+            <a:off x="804672" y="338328"/>
+            <a:ext cx="3877056" cy="2249424"/>
+          </a:xfrm>
+        </p:spPr>
+        <p:txBody>
+          <a:bodyPr vert="horz" lIns="91440" tIns="45720" rIns="91440" bIns="45720" rtlCol="0" anchor="b">
+            <a:normAutofit/>
+          </a:bodyPr>
+          <a:lstStyle/>
+          <a:p>
+            <a:r>
+              <a:rPr lang="en-US" sz="4800" b="1" dirty="0">
+                <a:latin typeface="Microsoft YaHei UI" panose="020B0503020204020204" pitchFamily="34" charset="-122"/>
+                <a:ea typeface="Microsoft YaHei UI" panose="020B0503020204020204" pitchFamily="34" charset="-122"/>
+              </a:rPr>
+              <a:t>Datasets</a:t>
+            </a:r>
+            <a:endParaRPr lang="en-US" sz="5400" b="1" dirty="0">
+              <a:latin typeface="Microsoft YaHei UI" panose="020B0503020204020204" pitchFamily="34" charset="-122"/>
+              <a:ea typeface="Microsoft YaHei UI" panose="020B0503020204020204" pitchFamily="34" charset="-122"/>
+            </a:endParaRPr>
+          </a:p>
+        </p:txBody>
+      </p:sp>
+      <p:pic>
+        <p:nvPicPr>
+          <p:cNvPr id="8" name="Picture 7" descr="Graphical user interface, text, application&#10;&#10;Description automatically generated">
+            <a:extLst>
+              <a:ext uri="{FF2B5EF4-FFF2-40B4-BE49-F238E27FC236}">
+                <a16:creationId xmlns:a16="http://schemas.microsoft.com/office/drawing/2014/main" id="{FA38F064-84AE-C7EB-B67A-F58125091C8D}"/>
+              </a:ext>
+            </a:extLst>
+          </p:cNvPr>
+          <p:cNvPicPr>
+            <a:picLocks noChangeAspect="1"/>
+          </p:cNvPicPr>
+          <p:nvPr/>
+        </p:nvPicPr>
+        <p:blipFill>
+          <a:blip r:embed="rId2"/>
+          <a:stretch>
+            <a:fillRect/>
+          </a:stretch>
+        </p:blipFill>
+        <p:spPr>
+          <a:xfrm>
+            <a:off x="7239001" y="1105453"/>
+            <a:ext cx="4416894" cy="1060053"/>
+          </a:xfrm>
+          <a:prstGeom prst="rect">
+            <a:avLst/>
+          </a:prstGeom>
+        </p:spPr>
+      </p:pic>
+      <p:pic>
+        <p:nvPicPr>
+          <p:cNvPr id="10" name="Picture 9" descr="Graphical user interface, text, application, chat or text message&#10;&#10;Description automatically generated">
+            <a:extLst>
+              <a:ext uri="{FF2B5EF4-FFF2-40B4-BE49-F238E27FC236}">
+                <a16:creationId xmlns:a16="http://schemas.microsoft.com/office/drawing/2014/main" id="{A9D23CCA-9A56-AB75-768A-A151F3A2A9F9}"/>
+              </a:ext>
+            </a:extLst>
+          </p:cNvPr>
+          <p:cNvPicPr>
+            <a:picLocks noChangeAspect="1"/>
+          </p:cNvPicPr>
+          <p:nvPr/>
+        </p:nvPicPr>
+        <p:blipFill>
+          <a:blip r:embed="rId3"/>
+          <a:stretch>
+            <a:fillRect/>
+          </a:stretch>
+        </p:blipFill>
+        <p:spPr>
+          <a:xfrm>
+            <a:off x="5953781" y="4095002"/>
+            <a:ext cx="5702113" cy="1268719"/>
+          </a:xfrm>
+          <a:prstGeom prst="rect">
+            <a:avLst/>
+          </a:prstGeom>
+        </p:spPr>
+      </p:pic>
+    </p:spTree>
+    <p:extLst>
+      <p:ext uri="{BB962C8B-B14F-4D97-AF65-F5344CB8AC3E}">
+        <p14:creationId xmlns:p14="http://schemas.microsoft.com/office/powerpoint/2010/main" val="2710227268"/>
+      </p:ext>
+    </p:extLst>
+  </p:cSld>
+  <p:clrMapOvr>
+    <a:overrideClrMapping bg1="dk1" tx1="lt1" bg2="dk2" tx2="lt2" accent1="accent1" accent2="accent2" accent3="accent3" accent4="accent4" accent5="accent5" accent6="accent6" hlink="hlink" folHlink="folHlink"/>
+  </p:clrMapOvr>
+</p:sld>
+</file>
+
+<file path=ppt/slides/slide4.xml><?xml version="1.0" encoding="utf-8"?>
+<p:sld xmlns:a="http://schemas.openxmlformats.org/drawingml/2006/main" xmlns:r="http://schemas.openxmlformats.org/officeDocument/2006/relationships" xmlns:p="http://schemas.openxmlformats.org/presentationml/2006/main">
+  <p:cSld>
+    <p:bg>
+      <p:bgPr>
+        <a:solidFill>
+          <a:schemeClr val="bg1">
+            <a:tint val="95000"/>
+            <a:satMod val="170000"/>
+          </a:schemeClr>
+        </a:solidFill>
+        <a:effectLst/>
+      </p:bgPr>
+    </p:bg>
+    <p:spTree>
+      <p:nvGrpSpPr>
+        <p:cNvPr id="1" name=""/>
+        <p:cNvGrpSpPr/>
+        <p:nvPr/>
+      </p:nvGrpSpPr>
+      <p:grpSpPr>
+        <a:xfrm>
+          <a:off x="0" y="0"/>
+          <a:ext cx="0" cy="0"/>
+          <a:chOff x="0" y="0"/>
+          <a:chExt cx="0" cy="0"/>
+        </a:xfrm>
+      </p:grpSpPr>
+      <p:sp>
+        <p:nvSpPr>
+          <p:cNvPr id="2" name="Title 1">
+            <a:extLst>
+              <a:ext uri="{FF2B5EF4-FFF2-40B4-BE49-F238E27FC236}">
+                <a16:creationId xmlns:a16="http://schemas.microsoft.com/office/drawing/2014/main" id="{7893BC3A-599A-294E-087B-F7496F7D9DE8}"/>
+              </a:ext>
+            </a:extLst>
+          </p:cNvPr>
+          <p:cNvSpPr>
+            <a:spLocks noGrp="1"/>
+          </p:cNvSpPr>
+          <p:nvPr>
+            <p:ph type="title"/>
+          </p:nvPr>
+        </p:nvSpPr>
+        <p:spPr>
+          <a:xfrm>
+            <a:off x="6937181" y="593916"/>
+            <a:ext cx="4890485" cy="1106424"/>
+          </a:xfrm>
+        </p:spPr>
+        <p:txBody>
+          <a:bodyPr vert="horz" lIns="91440" tIns="45720" rIns="91440" bIns="45720" rtlCol="0" anchor="b">
+            <a:normAutofit/>
+          </a:bodyPr>
+          <a:lstStyle/>
+          <a:p>
+            <a:r>
+              <a:rPr lang="en-US" sz="3300" b="1" dirty="0">
+                <a:latin typeface="Microsoft YaHei UI" panose="020B0503020204020204" pitchFamily="34" charset="-122"/>
+                <a:ea typeface="Microsoft YaHei UI" panose="020B0503020204020204" pitchFamily="34" charset="-122"/>
+              </a:rPr>
+              <a:t>Spotify 1.2M+ Songs</a:t>
+            </a:r>
+          </a:p>
+        </p:txBody>
+      </p:sp>
+      <p:pic>
+        <p:nvPicPr>
+          <p:cNvPr id="9" name="Picture 8" descr="Graphical user interface, text, application&#10;&#10;Description automatically generated">
+            <a:extLst>
+              <a:ext uri="{FF2B5EF4-FFF2-40B4-BE49-F238E27FC236}">
+                <a16:creationId xmlns:a16="http://schemas.microsoft.com/office/drawing/2014/main" id="{492FE44B-C1F1-5ED9-F4D7-4F54DFE1DECD}"/>
+              </a:ext>
+            </a:extLst>
+          </p:cNvPr>
+          <p:cNvPicPr>
+            <a:picLocks noChangeAspect="1"/>
+          </p:cNvPicPr>
+          <p:nvPr/>
+        </p:nvPicPr>
+        <p:blipFill>
+          <a:blip r:embed="rId2"/>
+          <a:stretch>
+            <a:fillRect/>
+          </a:stretch>
+        </p:blipFill>
+        <p:spPr>
+          <a:xfrm>
+            <a:off x="9541741" y="3233824"/>
+            <a:ext cx="2374575" cy="2645768"/>
+          </a:xfrm>
+          <a:prstGeom prst="rect">
+            <a:avLst/>
+          </a:prstGeom>
+        </p:spPr>
+      </p:pic>
+      <p:pic>
+        <p:nvPicPr>
+          <p:cNvPr id="1030" name="Picture 6">
+            <a:extLst>
+              <a:ext uri="{FF2B5EF4-FFF2-40B4-BE49-F238E27FC236}">
+                <a16:creationId xmlns:a16="http://schemas.microsoft.com/office/drawing/2014/main" id="{20CCD8E7-E46A-80E9-AC32-96ACB9B6170E}"/>
+              </a:ext>
+            </a:extLst>
+          </p:cNvPr>
+          <p:cNvPicPr>
+            <a:picLocks noChangeAspect="1" noChangeArrowheads="1"/>
+          </p:cNvPicPr>
+          <p:nvPr/>
+        </p:nvPicPr>
+        <p:blipFill rotWithShape="1">
+          <a:blip r:embed="rId3">
+            <a:extLst>
+              <a:ext uri="{28A0092B-C50C-407E-A947-70E740481C1C}">
+                <a14:useLocalDpi xmlns:a14="http://schemas.microsoft.com/office/drawing/2010/main" val="0"/>
+              </a:ext>
+            </a:extLst>
+          </a:blip>
+          <a:srcRect t="2091" r="-1" b="334"/>
+          <a:stretch/>
+        </p:blipFill>
+        <p:spPr bwMode="auto">
+          <a:xfrm>
+            <a:off x="827126" y="996645"/>
+            <a:ext cx="5311333" cy="5182482"/>
+          </a:xfrm>
+          <a:prstGeom prst="rect">
+            <a:avLst/>
+          </a:prstGeom>
+          <a:noFill/>
+          <a:extLst>
+            <a:ext uri="{909E8E84-426E-40DD-AFC4-6F175D3DCCD1}">
+              <a14:hiddenFill xmlns:a14="http://schemas.microsoft.com/office/drawing/2010/main">
+                <a:solidFill>
+                  <a:srgbClr val="FFFFFF"/>
+                </a:solidFill>
+              </a14:hiddenFill>
+            </a:ext>
+          </a:extLst>
+        </p:spPr>
+      </p:pic>
+      <p:pic>
+        <p:nvPicPr>
+          <p:cNvPr id="7" name="Picture 6" descr="Graphical user interface, text, application&#10;&#10;Description automatically generated">
+            <a:extLst>
+              <a:ext uri="{FF2B5EF4-FFF2-40B4-BE49-F238E27FC236}">
+                <a16:creationId xmlns:a16="http://schemas.microsoft.com/office/drawing/2014/main" id="{367E9C19-1CE4-5CBB-4AA2-5CCE94F42D57}"/>
+              </a:ext>
+            </a:extLst>
+          </p:cNvPr>
+          <p:cNvPicPr>
+            <a:picLocks noChangeAspect="1"/>
+          </p:cNvPicPr>
+          <p:nvPr/>
+        </p:nvPicPr>
+        <p:blipFill>
+          <a:blip r:embed="rId4"/>
+          <a:stretch>
+            <a:fillRect/>
+          </a:stretch>
+        </p:blipFill>
+        <p:spPr>
+          <a:xfrm>
+            <a:off x="6779071" y="3986340"/>
+            <a:ext cx="2603352" cy="1106424"/>
+          </a:xfrm>
+          <a:prstGeom prst="rect">
+            <a:avLst/>
+          </a:prstGeom>
+        </p:spPr>
+      </p:pic>
+      <p:sp>
+        <p:nvSpPr>
+          <p:cNvPr id="5" name="TextBox 4">
+            <a:extLst>
+              <a:ext uri="{FF2B5EF4-FFF2-40B4-BE49-F238E27FC236}">
+                <a16:creationId xmlns:a16="http://schemas.microsoft.com/office/drawing/2014/main" id="{2CC22189-2314-A05A-E247-895F2DBC82ED}"/>
+              </a:ext>
+            </a:extLst>
+          </p:cNvPr>
+          <p:cNvSpPr txBox="1"/>
+          <p:nvPr/>
+        </p:nvSpPr>
+        <p:spPr>
+          <a:xfrm>
+            <a:off x="7025827" y="2359152"/>
+            <a:ext cx="4437509" cy="3429000"/>
+          </a:xfrm>
+          <a:prstGeom prst="rect">
+            <a:avLst/>
+          </a:prstGeom>
+        </p:spPr>
+        <p:txBody>
+          <a:bodyPr vert="horz" lIns="91440" tIns="45720" rIns="91440" bIns="45720" rtlCol="0">
+            <a:normAutofit/>
+          </a:bodyPr>
+          <a:lstStyle/>
+          <a:p>
+            <a:pPr indent="-228600">
+              <a:lnSpc>
+                <a:spcPct val="90000"/>
+              </a:lnSpc>
+              <a:spcAft>
+                <a:spcPts val="600"/>
+              </a:spcAft>
+              <a:buFont typeface="Arial" panose="020B0604020202020204" pitchFamily="34" charset="0"/>
+              <a:buChar char="•"/>
+            </a:pPr>
+            <a:r>
+              <a:rPr lang="en-US" sz="1900" dirty="0"/>
+              <a:t>generated by official Spotify API</a:t>
+            </a:r>
+          </a:p>
+        </p:txBody>
+      </p:sp>
+    </p:spTree>
+    <p:extLst>
+      <p:ext uri="{BB962C8B-B14F-4D97-AF65-F5344CB8AC3E}">
+        <p14:creationId xmlns:p14="http://schemas.microsoft.com/office/powerpoint/2010/main" val="2908925227"/>
+      </p:ext>
+    </p:extLst>
+  </p:cSld>
+  <p:clrMapOvr>
+    <a:overrideClrMapping bg1="dk1" tx1="lt1" bg2="dk2" tx2="lt2" accent1="accent1" accent2="accent2" accent3="accent3" accent4="accent4" accent5="accent5" accent6="accent6" hlink="hlink" folHlink="folHlink"/>
+  </p:clrMapOvr>
+</p:sld>
+</file>
+
+<file path=ppt/slides/slide5.xml><?xml version="1.0" encoding="utf-8"?>
+<p:sld xmlns:a="http://schemas.openxmlformats.org/drawingml/2006/main" xmlns:r="http://schemas.openxmlformats.org/officeDocument/2006/relationships" xmlns:p="http://schemas.openxmlformats.org/presentationml/2006/main">
+  <p:cSld>
+    <p:bg>
+      <p:bgPr>
+        <a:solidFill>
+          <a:schemeClr val="bg1">
+            <a:tint val="95000"/>
+            <a:satMod val="170000"/>
+          </a:schemeClr>
+        </a:solidFill>
+        <a:effectLst/>
+      </p:bgPr>
+    </p:bg>
+    <p:spTree>
+      <p:nvGrpSpPr>
+        <p:cNvPr id="1" name=""/>
+        <p:cNvGrpSpPr/>
+        <p:nvPr/>
+      </p:nvGrpSpPr>
+      <p:grpSpPr>
+        <a:xfrm>
+          <a:off x="0" y="0"/>
+          <a:ext cx="0" cy="0"/>
+          <a:chOff x="0" y="0"/>
+          <a:chExt cx="0" cy="0"/>
+        </a:xfrm>
+      </p:grpSpPr>
+      <p:sp>
+        <p:nvSpPr>
+          <p:cNvPr id="2" name="Title 1">
+            <a:extLst>
+              <a:ext uri="{FF2B5EF4-FFF2-40B4-BE49-F238E27FC236}">
+                <a16:creationId xmlns:a16="http://schemas.microsoft.com/office/drawing/2014/main" id="{C2450BCF-8CBD-D6C0-5C65-59A8BE93E686}"/>
+              </a:ext>
+            </a:extLst>
+          </p:cNvPr>
+          <p:cNvSpPr>
+            <a:spLocks noGrp="1"/>
+          </p:cNvSpPr>
+          <p:nvPr>
+            <p:ph type="title"/>
+          </p:nvPr>
+        </p:nvSpPr>
+        <p:spPr>
+          <a:xfrm>
+            <a:off x="6684264" y="932688"/>
+            <a:ext cx="4892040" cy="1773936"/>
+          </a:xfrm>
+        </p:spPr>
+        <p:txBody>
+          <a:bodyPr vert="horz" lIns="91440" tIns="45720" rIns="91440" bIns="45720" rtlCol="0" anchor="b">
+            <a:normAutofit/>
+          </a:bodyPr>
+          <a:lstStyle/>
+          <a:p>
+            <a:r>
+              <a:rPr lang="en-US" sz="4000" b="1">
+                <a:latin typeface="Microsoft YaHei UI" panose="020B0503020204020204" pitchFamily="34" charset="-122"/>
+                <a:ea typeface="Microsoft YaHei UI" panose="020B0503020204020204" pitchFamily="34" charset="-122"/>
+              </a:rPr>
+              <a:t>Spotify Playlists</a:t>
+            </a:r>
+          </a:p>
+        </p:txBody>
+      </p:sp>
+      <p:sp>
+        <p:nvSpPr>
+          <p:cNvPr id="62" name="Content Placeholder 61">
+            <a:extLst>
+              <a:ext uri="{FF2B5EF4-FFF2-40B4-BE49-F238E27FC236}">
+                <a16:creationId xmlns:a16="http://schemas.microsoft.com/office/drawing/2014/main" id="{8BB3C36D-5217-978A-4BEA-2AFCCA5F8E28}"/>
+              </a:ext>
+            </a:extLst>
+          </p:cNvPr>
+          <p:cNvSpPr>
+            <a:spLocks noGrp="1"/>
+          </p:cNvSpPr>
+          <p:nvPr>
+            <p:ph idx="1"/>
+          </p:nvPr>
+        </p:nvSpPr>
+        <p:spPr>
+          <a:xfrm>
+            <a:off x="6684264" y="2898648"/>
+            <a:ext cx="4892040" cy="1773936"/>
+          </a:xfrm>
+        </p:spPr>
+        <p:txBody>
+          <a:bodyPr anchor="t">
+            <a:normAutofit/>
+          </a:bodyPr>
+          <a:lstStyle/>
+          <a:p>
+            <a:r>
+              <a:rPr lang="en-US" sz="2000" dirty="0"/>
+              <a:t>162k playlists</a:t>
+            </a:r>
+          </a:p>
+          <a:p>
+            <a:r>
+              <a:rPr lang="en-US" sz="2000" dirty="0"/>
+              <a:t>16k user</a:t>
+            </a:r>
+          </a:p>
+          <a:p>
+            <a:r>
+              <a:rPr lang="en-US" sz="2000" dirty="0"/>
+              <a:t>2M tracks</a:t>
+            </a:r>
+          </a:p>
+          <a:p>
+            <a:endParaRPr lang="en-US" sz="2000" dirty="0"/>
+          </a:p>
+          <a:p>
+            <a:endParaRPr lang="en-US" sz="2000" dirty="0"/>
+          </a:p>
+        </p:txBody>
+      </p:sp>
+      <p:pic>
+        <p:nvPicPr>
+          <p:cNvPr id="28" name="Content Placeholder 27" descr="Table&#10;&#10;Description automatically generated">
+            <a:extLst>
+              <a:ext uri="{FF2B5EF4-FFF2-40B4-BE49-F238E27FC236}">
+                <a16:creationId xmlns:a16="http://schemas.microsoft.com/office/drawing/2014/main" id="{C8A6843E-3668-C792-FF3F-396AFA115BED}"/>
+              </a:ext>
+            </a:extLst>
+          </p:cNvPr>
+          <p:cNvPicPr>
+            <a:picLocks noChangeAspect="1"/>
+          </p:cNvPicPr>
+          <p:nvPr/>
+        </p:nvPicPr>
+        <p:blipFill>
+          <a:blip r:embed="rId2"/>
+          <a:stretch>
+            <a:fillRect/>
+          </a:stretch>
+        </p:blipFill>
+        <p:spPr>
+          <a:xfrm>
+            <a:off x="470018" y="795500"/>
+            <a:ext cx="5025525" cy="5276143"/>
+          </a:xfrm>
+          <a:prstGeom prst="rect">
+            <a:avLst/>
+          </a:prstGeom>
+        </p:spPr>
+      </p:pic>
+    </p:spTree>
+    <p:extLst>
+      <p:ext uri="{BB962C8B-B14F-4D97-AF65-F5344CB8AC3E}">
+        <p14:creationId xmlns:p14="http://schemas.microsoft.com/office/powerpoint/2010/main" val="2956172971"/>
+      </p:ext>
+    </p:extLst>
+  </p:cSld>
+  <p:clrMapOvr>
+    <a:overrideClrMapping bg1="dk1" tx1="lt1" bg2="dk2" tx2="lt2" accent1="accent1" accent2="accent2" accent3="accent3" accent4="accent4" accent5="accent5" accent6="accent6" hlink="hlink" folHlink="folHlink"/>
+  </p:clrMapOvr>
+</p:sld>
+</file>
+
+<file path=ppt/slides/slide6.xml><?xml version="1.0" encoding="utf-8"?>
+<p:sld xmlns:a="http://schemas.openxmlformats.org/drawingml/2006/main" xmlns:r="http://schemas.openxmlformats.org/officeDocument/2006/relationships" xmlns:p="http://schemas.openxmlformats.org/presentationml/2006/main">
+  <p:cSld>
+    <p:spTree>
+      <p:nvGrpSpPr>
+        <p:cNvPr id="1" name=""/>
+        <p:cNvGrpSpPr/>
+        <p:nvPr/>
+      </p:nvGrpSpPr>
+      <p:grpSpPr>
+        <a:xfrm>
+          <a:off x="0" y="0"/>
+          <a:ext cx="0" cy="0"/>
+          <a:chOff x="0" y="0"/>
+          <a:chExt cx="0" cy="0"/>
+        </a:xfrm>
+      </p:grpSpPr>
+      <p:sp>
+        <p:nvSpPr>
+          <p:cNvPr id="2" name="Title 1">
+            <a:extLst>
+              <a:ext uri="{FF2B5EF4-FFF2-40B4-BE49-F238E27FC236}">
+                <a16:creationId xmlns:a16="http://schemas.microsoft.com/office/drawing/2014/main" id="{77876DDA-09A6-CDF4-5989-3FDB828B9D98}"/>
+              </a:ext>
+            </a:extLst>
+          </p:cNvPr>
+          <p:cNvSpPr>
+            <a:spLocks noGrp="1"/>
+          </p:cNvSpPr>
+          <p:nvPr>
+            <p:ph type="title"/>
+          </p:nvPr>
+        </p:nvSpPr>
+        <p:spPr/>
+        <p:txBody>
+          <a:bodyPr/>
+          <a:lstStyle/>
+          <a:p>
+            <a:pPr algn="ctr"/>
+            <a:r>
+              <a:rPr lang="de-DE" b="1" dirty="0">
+                <a:latin typeface="Microsoft YaHei UI" panose="020B0503020204020204" pitchFamily="34" charset="-122"/>
+                <a:ea typeface="Microsoft YaHei UI" panose="020B0503020204020204" pitchFamily="34" charset="-122"/>
+              </a:rPr>
+              <a:t>Datensätze</a:t>
+            </a:r>
+          </a:p>
+        </p:txBody>
+      </p:sp>
+      <p:pic>
+        <p:nvPicPr>
+          <p:cNvPr id="4" name="Picture 3" descr="Graphical user interface, text, application&#10;&#10;Description automatically generated">
+            <a:extLst>
+              <a:ext uri="{FF2B5EF4-FFF2-40B4-BE49-F238E27FC236}">
+                <a16:creationId xmlns:a16="http://schemas.microsoft.com/office/drawing/2014/main" id="{4507D335-9A44-2942-A1FF-807C3040A164}"/>
+              </a:ext>
+            </a:extLst>
+          </p:cNvPr>
+          <p:cNvPicPr>
+            <a:picLocks noChangeAspect="1"/>
+          </p:cNvPicPr>
+          <p:nvPr/>
+        </p:nvPicPr>
+        <p:blipFill>
+          <a:blip r:embed="rId2"/>
+          <a:stretch>
+            <a:fillRect/>
+          </a:stretch>
+        </p:blipFill>
+        <p:spPr>
+          <a:xfrm>
+            <a:off x="838200" y="2092381"/>
+            <a:ext cx="5523187" cy="1325563"/>
+          </a:xfrm>
+          <a:prstGeom prst="rect">
+            <a:avLst/>
+          </a:prstGeom>
+        </p:spPr>
+      </p:pic>
+      <p:pic>
+        <p:nvPicPr>
+          <p:cNvPr id="5" name="Picture 4" descr="Graphical user interface, text, application, chat or text message&#10;&#10;Description automatically generated">
+            <a:extLst>
+              <a:ext uri="{FF2B5EF4-FFF2-40B4-BE49-F238E27FC236}">
+                <a16:creationId xmlns:a16="http://schemas.microsoft.com/office/drawing/2014/main" id="{3F3593CA-BFEC-43EE-8A3A-796DF9EE2474}"/>
+              </a:ext>
+            </a:extLst>
+          </p:cNvPr>
+          <p:cNvPicPr>
+            <a:picLocks noChangeAspect="1"/>
+          </p:cNvPicPr>
+          <p:nvPr/>
+        </p:nvPicPr>
+        <p:blipFill>
+          <a:blip r:embed="rId3"/>
+          <a:stretch>
+            <a:fillRect/>
+          </a:stretch>
+        </p:blipFill>
+        <p:spPr>
+          <a:xfrm>
+            <a:off x="4532944" y="4058135"/>
+            <a:ext cx="6735300" cy="1498603"/>
+          </a:xfrm>
+          <a:prstGeom prst="rect">
+            <a:avLst/>
+          </a:prstGeom>
+        </p:spPr>
+      </p:pic>
+    </p:spTree>
+    <p:extLst>
+      <p:ext uri="{BB962C8B-B14F-4D97-AF65-F5344CB8AC3E}">
+        <p14:creationId xmlns:p14="http://schemas.microsoft.com/office/powerpoint/2010/main" val="2786262422"/>
+      </p:ext>
+    </p:extLst>
+  </p:cSld>
+  <p:clrMapOvr>
+    <a:masterClrMapping/>
+  </p:clrMapOvr>
+</p:sld>
+</file>
+
+<file path=ppt/slides/slide7.xml><?xml version="1.0" encoding="utf-8"?>
+<p:sld xmlns:a="http://schemas.openxmlformats.org/drawingml/2006/main" xmlns:r="http://schemas.openxmlformats.org/officeDocument/2006/relationships" xmlns:p="http://schemas.openxmlformats.org/presentationml/2006/main">
+  <p:cSld>
+    <p:spTree>
+      <p:nvGrpSpPr>
+        <p:cNvPr id="1" name=""/>
+        <p:cNvGrpSpPr/>
+        <p:nvPr/>
+      </p:nvGrpSpPr>
+      <p:grpSpPr>
+        <a:xfrm>
+          <a:off x="0" y="0"/>
+          <a:ext cx="0" cy="0"/>
+          <a:chOff x="0" y="0"/>
+          <a:chExt cx="0" cy="0"/>
+        </a:xfrm>
+      </p:grpSpPr>
+      <p:sp>
+        <p:nvSpPr>
+          <p:cNvPr id="2" name="Title 1">
+            <a:extLst>
+              <a:ext uri="{FF2B5EF4-FFF2-40B4-BE49-F238E27FC236}">
+                <a16:creationId xmlns:a16="http://schemas.microsoft.com/office/drawing/2014/main" id="{77876DDA-09A6-CDF4-5989-3FDB828B9D98}"/>
+              </a:ext>
+            </a:extLst>
+          </p:cNvPr>
+          <p:cNvSpPr>
+            <a:spLocks noGrp="1"/>
+          </p:cNvSpPr>
+          <p:nvPr>
+            <p:ph type="title"/>
+          </p:nvPr>
+        </p:nvSpPr>
+        <p:spPr/>
+        <p:txBody>
+          <a:bodyPr/>
+          <a:lstStyle/>
+          <a:p>
+            <a:pPr algn="ctr"/>
+            <a:r>
+              <a:rPr lang="de-DE" b="1" dirty="0">
+                <a:latin typeface="Microsoft YaHei UI" panose="020B0503020204020204" pitchFamily="34" charset="-122"/>
+                <a:ea typeface="Microsoft YaHei UI" panose="020B0503020204020204" pitchFamily="34" charset="-122"/>
+              </a:rPr>
+              <a:t>Spotify 1.2M+ Songs</a:t>
+            </a:r>
+          </a:p>
+        </p:txBody>
+      </p:sp>
+      <p:pic>
+        <p:nvPicPr>
+          <p:cNvPr id="3" name="Picture 6">
+            <a:extLst>
+              <a:ext uri="{FF2B5EF4-FFF2-40B4-BE49-F238E27FC236}">
+                <a16:creationId xmlns:a16="http://schemas.microsoft.com/office/drawing/2014/main" id="{EDF91673-795C-FE29-2DDA-58F4B506AC97}"/>
+              </a:ext>
+            </a:extLst>
+          </p:cNvPr>
+          <p:cNvPicPr>
+            <a:picLocks noChangeAspect="1" noChangeArrowheads="1"/>
+          </p:cNvPicPr>
+          <p:nvPr/>
+        </p:nvPicPr>
+        <p:blipFill rotWithShape="1">
+          <a:blip r:embed="rId2">
+            <a:extLst>
+              <a:ext uri="{28A0092B-C50C-407E-A947-70E740481C1C}">
+                <a14:useLocalDpi xmlns:a14="http://schemas.microsoft.com/office/drawing/2010/main" val="0"/>
+              </a:ext>
+            </a:extLst>
+          </a:blip>
+          <a:srcRect t="2091" r="-1" b="334"/>
+          <a:stretch/>
+        </p:blipFill>
+        <p:spPr bwMode="auto">
+          <a:xfrm>
+            <a:off x="208148" y="1690688"/>
+            <a:ext cx="4991935" cy="4870832"/>
+          </a:xfrm>
+          <a:prstGeom prst="rect">
+            <a:avLst/>
+          </a:prstGeom>
+          <a:noFill/>
+          <a:extLst>
+            <a:ext uri="{909E8E84-426E-40DD-AFC4-6F175D3DCCD1}">
+              <a14:hiddenFill xmlns:a14="http://schemas.microsoft.com/office/drawing/2010/main">
+                <a:solidFill>
+                  <a:srgbClr val="FFFFFF"/>
+                </a:solidFill>
+              </a14:hiddenFill>
+            </a:ext>
+          </a:extLst>
+        </p:spPr>
+      </p:pic>
+      <p:sp>
+        <p:nvSpPr>
+          <p:cNvPr id="6" name="TextBox 5">
+            <a:extLst>
+              <a:ext uri="{FF2B5EF4-FFF2-40B4-BE49-F238E27FC236}">
+                <a16:creationId xmlns:a16="http://schemas.microsoft.com/office/drawing/2014/main" id="{4EBDBCB3-DD56-488A-9B44-94089BBCC4F9}"/>
+              </a:ext>
+            </a:extLst>
+          </p:cNvPr>
+          <p:cNvSpPr txBox="1"/>
+          <p:nvPr/>
+        </p:nvSpPr>
+        <p:spPr>
+          <a:xfrm>
+            <a:off x="6392780" y="2204407"/>
+            <a:ext cx="4437509" cy="440319"/>
+          </a:xfrm>
+          <a:prstGeom prst="rect">
+            <a:avLst/>
+          </a:prstGeom>
+        </p:spPr>
+        <p:txBody>
+          <a:bodyPr vert="horz" lIns="91440" tIns="45720" rIns="91440" bIns="45720" rtlCol="0">
+            <a:normAutofit/>
+          </a:bodyPr>
+          <a:lstStyle/>
+          <a:p>
+            <a:pPr indent="-228600">
+              <a:lnSpc>
+                <a:spcPct val="90000"/>
+              </a:lnSpc>
+              <a:spcAft>
+                <a:spcPts val="600"/>
+              </a:spcAft>
+              <a:buFont typeface="Arial" panose="020B0604020202020204" pitchFamily="34" charset="0"/>
+              <a:buChar char="•"/>
+            </a:pPr>
+            <a:r>
+              <a:rPr lang="en-US" sz="1900" dirty="0"/>
+              <a:t>generated by official Spotify API</a:t>
+            </a:r>
+          </a:p>
+        </p:txBody>
+      </p:sp>
+      <p:pic>
+        <p:nvPicPr>
+          <p:cNvPr id="7" name="Picture 6" descr="Graphical user interface, text, application&#10;&#10;Description automatically generated">
+            <a:extLst>
+              <a:ext uri="{FF2B5EF4-FFF2-40B4-BE49-F238E27FC236}">
+                <a16:creationId xmlns:a16="http://schemas.microsoft.com/office/drawing/2014/main" id="{46833AA8-FFAD-9A7E-0293-18AB6AB71421}"/>
+              </a:ext>
+            </a:extLst>
+          </p:cNvPr>
+          <p:cNvPicPr>
+            <a:picLocks noChangeAspect="1"/>
+          </p:cNvPicPr>
+          <p:nvPr/>
+        </p:nvPicPr>
+        <p:blipFill>
+          <a:blip r:embed="rId3"/>
+          <a:stretch>
+            <a:fillRect/>
+          </a:stretch>
+        </p:blipFill>
+        <p:spPr>
+          <a:xfrm>
+            <a:off x="8711249" y="3110411"/>
+            <a:ext cx="3020708" cy="3365694"/>
+          </a:xfrm>
+          <a:prstGeom prst="rect">
+            <a:avLst/>
+          </a:prstGeom>
+        </p:spPr>
+      </p:pic>
+      <p:pic>
+        <p:nvPicPr>
+          <p:cNvPr id="8" name="Picture 7" descr="Graphical user interface, text, application&#10;&#10;Description automatically generated">
+            <a:extLst>
+              <a:ext uri="{FF2B5EF4-FFF2-40B4-BE49-F238E27FC236}">
+                <a16:creationId xmlns:a16="http://schemas.microsoft.com/office/drawing/2014/main" id="{44FCF954-F5BC-0954-D1F0-247379D8ECDC}"/>
+              </a:ext>
+            </a:extLst>
+          </p:cNvPr>
+          <p:cNvPicPr>
+            <a:picLocks noChangeAspect="1"/>
+          </p:cNvPicPr>
+          <p:nvPr/>
+        </p:nvPicPr>
+        <p:blipFill>
+          <a:blip r:embed="rId4"/>
+          <a:stretch>
+            <a:fillRect/>
+          </a:stretch>
+        </p:blipFill>
+        <p:spPr>
+          <a:xfrm>
+            <a:off x="5299798" y="4089515"/>
+            <a:ext cx="3311736" cy="1407487"/>
+          </a:xfrm>
+          <a:prstGeom prst="rect">
+            <a:avLst/>
+          </a:prstGeom>
+        </p:spPr>
+      </p:pic>
+    </p:spTree>
+    <p:extLst>
+      <p:ext uri="{BB962C8B-B14F-4D97-AF65-F5344CB8AC3E}">
+        <p14:creationId xmlns:p14="http://schemas.microsoft.com/office/powerpoint/2010/main" val="2342026966"/>
+      </p:ext>
+    </p:extLst>
+  </p:cSld>
+  <p:clrMapOvr>
+    <a:masterClrMapping/>
+  </p:clrMapOvr>
+</p:sld>
+</file>
+
+<file path=ppt/slides/slide8.xml><?xml version="1.0" encoding="utf-8"?>
+<p:sld xmlns:a="http://schemas.openxmlformats.org/drawingml/2006/main" xmlns:r="http://schemas.openxmlformats.org/officeDocument/2006/relationships" xmlns:p="http://schemas.openxmlformats.org/presentationml/2006/main">
+  <p:cSld>
+    <p:spTree>
+      <p:nvGrpSpPr>
+        <p:cNvPr id="1" name=""/>
+        <p:cNvGrpSpPr/>
+        <p:nvPr/>
+      </p:nvGrpSpPr>
+      <p:grpSpPr>
+        <a:xfrm>
+          <a:off x="0" y="0"/>
+          <a:ext cx="0" cy="0"/>
+          <a:chOff x="0" y="0"/>
+          <a:chExt cx="0" cy="0"/>
+        </a:xfrm>
+      </p:grpSpPr>
+      <p:sp>
+        <p:nvSpPr>
+          <p:cNvPr id="2" name="Title 1">
+            <a:extLst>
+              <a:ext uri="{FF2B5EF4-FFF2-40B4-BE49-F238E27FC236}">
+                <a16:creationId xmlns:a16="http://schemas.microsoft.com/office/drawing/2014/main" id="{77876DDA-09A6-CDF4-5989-3FDB828B9D98}"/>
+              </a:ext>
+            </a:extLst>
+          </p:cNvPr>
+          <p:cNvSpPr>
+            <a:spLocks noGrp="1"/>
+          </p:cNvSpPr>
+          <p:nvPr>
+            <p:ph type="title"/>
+          </p:nvPr>
+        </p:nvSpPr>
+        <p:spPr/>
+        <p:txBody>
+          <a:bodyPr/>
+          <a:lstStyle/>
+          <a:p>
+            <a:pPr algn="ctr"/>
+            <a:r>
+              <a:rPr lang="de-DE" b="1" dirty="0">
+                <a:latin typeface="Microsoft YaHei UI" panose="020B0503020204020204" pitchFamily="34" charset="-122"/>
+                <a:ea typeface="Microsoft YaHei UI" panose="020B0503020204020204" pitchFamily="34" charset="-122"/>
+              </a:rPr>
+              <a:t>Spotify Playlists</a:t>
+            </a:r>
+          </a:p>
+        </p:txBody>
+      </p:sp>
+      <p:pic>
+        <p:nvPicPr>
+          <p:cNvPr id="4" name="Content Placeholder 27" descr="Table&#10;&#10;Description automatically generated">
+            <a:extLst>
+              <a:ext uri="{FF2B5EF4-FFF2-40B4-BE49-F238E27FC236}">
+                <a16:creationId xmlns:a16="http://schemas.microsoft.com/office/drawing/2014/main" id="{9560A67C-1D63-DA16-5E91-72565EECF2CD}"/>
+              </a:ext>
+            </a:extLst>
+          </p:cNvPr>
+          <p:cNvPicPr>
+            <a:picLocks noChangeAspect="1"/>
+          </p:cNvPicPr>
+          <p:nvPr/>
+        </p:nvPicPr>
+        <p:blipFill>
+          <a:blip r:embed="rId2"/>
+          <a:stretch>
+            <a:fillRect/>
+          </a:stretch>
+        </p:blipFill>
+        <p:spPr>
+          <a:xfrm>
+            <a:off x="838200" y="1581857"/>
+            <a:ext cx="5025525" cy="5276143"/>
+          </a:xfrm>
+          <a:prstGeom prst="rect">
+            <a:avLst/>
+          </a:prstGeom>
+        </p:spPr>
+      </p:pic>
+      <p:sp>
+        <p:nvSpPr>
+          <p:cNvPr id="5" name="Content Placeholder 61">
+            <a:extLst>
+              <a:ext uri="{FF2B5EF4-FFF2-40B4-BE49-F238E27FC236}">
+                <a16:creationId xmlns:a16="http://schemas.microsoft.com/office/drawing/2014/main" id="{CAFD875F-F5D0-6636-7359-6E9EB2038302}"/>
+              </a:ext>
+            </a:extLst>
+          </p:cNvPr>
+          <p:cNvSpPr>
+            <a:spLocks noGrp="1"/>
+          </p:cNvSpPr>
+          <p:nvPr>
+            <p:ph idx="1"/>
+          </p:nvPr>
+        </p:nvSpPr>
+        <p:spPr>
+          <a:xfrm>
+            <a:off x="7449233" y="2908053"/>
+            <a:ext cx="2319059" cy="1325563"/>
+          </a:xfrm>
+        </p:spPr>
+        <p:txBody>
+          <a:bodyPr anchor="t">
+            <a:normAutofit/>
+          </a:bodyPr>
+          <a:lstStyle/>
+          <a:p>
+            <a:r>
+              <a:rPr lang="en-US" sz="2000" dirty="0"/>
+              <a:t>162k playlists</a:t>
+            </a:r>
+          </a:p>
+          <a:p>
+            <a:r>
+              <a:rPr lang="en-US" sz="2000" dirty="0"/>
+              <a:t>16k user</a:t>
+            </a:r>
+          </a:p>
+          <a:p>
+            <a:r>
+              <a:rPr lang="en-US" sz="2000" dirty="0"/>
+              <a:t>2M tracks</a:t>
+            </a:r>
+          </a:p>
+          <a:p>
+            <a:endParaRPr lang="en-US" sz="2000" dirty="0"/>
+          </a:p>
+          <a:p>
+            <a:endParaRPr lang="en-US" sz="2000" dirty="0"/>
+          </a:p>
+        </p:txBody>
+      </p:sp>
+    </p:spTree>
+    <p:extLst>
+      <p:ext uri="{BB962C8B-B14F-4D97-AF65-F5344CB8AC3E}">
+        <p14:creationId xmlns:p14="http://schemas.microsoft.com/office/powerpoint/2010/main" val="270074941"/>
+      </p:ext>
+    </p:extLst>
+  </p:cSld>
+  <p:clrMapOvr>
+    <a:masterClrMapping/>
+  </p:clrMapOvr>
+</p:sld>
+</file>
+
+<file path=ppt/slides/slide9.xml><?xml version="1.0" encoding="utf-8"?>
+<p:sld xmlns:a="http://schemas.openxmlformats.org/drawingml/2006/main" xmlns:r="http://schemas.openxmlformats.org/officeDocument/2006/relationships" xmlns:p="http://schemas.openxmlformats.org/presentationml/2006/main">
+  <p:cSld>
+    <p:spTree>
+      <p:nvGrpSpPr>
+        <p:cNvPr id="1" name=""/>
+        <p:cNvGrpSpPr/>
+        <p:nvPr/>
+      </p:nvGrpSpPr>
+      <p:grpSpPr>
+        <a:xfrm>
+          <a:off x="0" y="0"/>
+          <a:ext cx="0" cy="0"/>
+          <a:chOff x="0" y="0"/>
+          <a:chExt cx="0" cy="0"/>
+        </a:xfrm>
+      </p:grpSpPr>
+      <p:graphicFrame>
+        <p:nvGraphicFramePr>
+          <p:cNvPr id="6" name="Table 6">
+            <a:extLst>
+              <a:ext uri="{FF2B5EF4-FFF2-40B4-BE49-F238E27FC236}">
+                <a16:creationId xmlns:a16="http://schemas.microsoft.com/office/drawing/2014/main" id="{62EB8BE5-CE78-5511-FD02-A5537CF07D1E}"/>
+              </a:ext>
+            </a:extLst>
+          </p:cNvPr>
+          <p:cNvGraphicFramePr>
+            <a:graphicFrameLocks noGrp="1"/>
+          </p:cNvGraphicFramePr>
+          <p:nvPr>
+            <p:extLst>
+              <p:ext uri="{D42A27DB-BD31-4B8C-83A1-F6EECF244321}">
+                <p14:modId xmlns:p14="http://schemas.microsoft.com/office/powerpoint/2010/main" val="2234672798"/>
+              </p:ext>
+            </p:extLst>
+          </p:nvPr>
+        </p:nvGraphicFramePr>
+        <p:xfrm>
+          <a:off x="358774" y="2179445"/>
+          <a:ext cx="5011231" cy="1112520"/>
+        </p:xfrm>
+        <a:graphic>
+          <a:graphicData uri="http://schemas.openxmlformats.org/drawingml/2006/table">
+            <a:tbl>
+              <a:tblPr firstRow="1" bandRow="1">
+                <a:tableStyleId>{073A0DAA-6AF3-43AB-8588-CEC1D06C72B9}</a:tableStyleId>
+              </a:tblPr>
+              <a:tblGrid>
+                <a:gridCol w="413068">
+                  <a:extLst>
+                    <a:ext uri="{9D8B030D-6E8A-4147-A177-3AD203B41FA5}">
+                      <a16:colId xmlns:a16="http://schemas.microsoft.com/office/drawing/2014/main" val="890423038"/>
+                    </a:ext>
+                  </a:extLst>
+                </a:gridCol>
+                <a:gridCol w="1917192">
+                  <a:extLst>
+                    <a:ext uri="{9D8B030D-6E8A-4147-A177-3AD203B41FA5}">
+                      <a16:colId xmlns:a16="http://schemas.microsoft.com/office/drawing/2014/main" val="781179739"/>
+                    </a:ext>
+                  </a:extLst>
+                </a:gridCol>
+                <a:gridCol w="2283778">
+                  <a:extLst>
+                    <a:ext uri="{9D8B030D-6E8A-4147-A177-3AD203B41FA5}">
+                      <a16:colId xmlns:a16="http://schemas.microsoft.com/office/drawing/2014/main" val="1262337292"/>
+                    </a:ext>
+                  </a:extLst>
+                </a:gridCol>
+                <a:gridCol w="397193">
+                  <a:extLst>
+                    <a:ext uri="{9D8B030D-6E8A-4147-A177-3AD203B41FA5}">
+                      <a16:colId xmlns:a16="http://schemas.microsoft.com/office/drawing/2014/main" val="3131219099"/>
+                    </a:ext>
+                  </a:extLst>
+                </a:gridCol>
+              </a:tblGrid>
+              <a:tr h="370840">
+                <a:tc>
+                  <a:txBody>
+                    <a:bodyPr/>
+                    <a:lstStyle/>
+                    <a:p>
+                      <a:r>
+                        <a:rPr lang="de-DE" dirty="0" err="1"/>
+                        <a:t>id</a:t>
+                      </a:r>
+                      <a:endParaRPr lang="de-DE" dirty="0"/>
+                    </a:p>
+                  </a:txBody>
+                  <a:tcPr/>
+                </a:tc>
+                <a:tc>
+                  <a:txBody>
+                    <a:bodyPr/>
+                    <a:lstStyle/>
+                    <a:p>
+                      <a:r>
+                        <a:rPr lang="de-DE" dirty="0" err="1"/>
+                        <a:t>name</a:t>
+                      </a:r>
+                      <a:endParaRPr lang="de-DE" dirty="0"/>
+                    </a:p>
+                  </a:txBody>
+                  <a:tcPr/>
+                </a:tc>
+                <a:tc>
+                  <a:txBody>
+                    <a:bodyPr/>
+                    <a:lstStyle/>
+                    <a:p>
+                      <a:r>
+                        <a:rPr lang="de-DE" dirty="0" err="1"/>
+                        <a:t>artists</a:t>
+                      </a:r>
+                      <a:endParaRPr lang="de-DE" dirty="0"/>
+                    </a:p>
+                  </a:txBody>
+                  <a:tcPr/>
+                </a:tc>
+                <a:tc>
+                  <a:txBody>
+                    <a:bodyPr/>
+                    <a:lstStyle/>
+                    <a:p>
+                      <a:pPr algn="ctr"/>
+                      <a:r>
+                        <a:rPr lang="de-DE" dirty="0"/>
+                        <a:t>…</a:t>
+                      </a:r>
+                    </a:p>
+                  </a:txBody>
+                  <a:tcPr/>
+                </a:tc>
+                <a:extLst>
+                  <a:ext uri="{0D108BD9-81ED-4DB2-BD59-A6C34878D82A}">
+                    <a16:rowId xmlns:a16="http://schemas.microsoft.com/office/drawing/2014/main" val="3939200465"/>
+                  </a:ext>
+                </a:extLst>
+              </a:tr>
+              <a:tr h="370840">
+                <a:tc>
+                  <a:txBody>
+                    <a:bodyPr/>
+                    <a:lstStyle/>
+                    <a:p>
+                      <a:r>
+                        <a:rPr lang="en-GB" sz="1800" b="0" kern="1200" dirty="0">
+                          <a:solidFill>
+                            <a:schemeClr val="dk1"/>
+                          </a:solidFill>
+                          <a:effectLst/>
+                          <a:latin typeface="+mn-lt"/>
+                          <a:ea typeface="+mn-ea"/>
+                          <a:cs typeface="+mn-cs"/>
+                        </a:rPr>
+                        <a:t>a</a:t>
+                      </a:r>
+                      <a:endParaRPr lang="de-DE" dirty="0"/>
+                    </a:p>
+                  </a:txBody>
+                  <a:tcPr/>
+                </a:tc>
+                <a:tc>
+                  <a:txBody>
+                    <a:bodyPr/>
+                    <a:lstStyle/>
+                    <a:p>
+                      <a:r>
+                        <a:rPr lang="en-GB" sz="1800" b="0" kern="1200" dirty="0">
+                          <a:solidFill>
+                            <a:schemeClr val="dk1"/>
+                          </a:solidFill>
+                          <a:effectLst/>
+                          <a:latin typeface="+mn-lt"/>
+                          <a:ea typeface="+mn-ea"/>
+                          <a:cs typeface="+mn-cs"/>
+                        </a:rPr>
+                        <a:t>Flash </a:t>
+                      </a:r>
+                      <a:r>
+                        <a:rPr lang="en-GB" sz="1800" b="0" kern="1200" dirty="0" err="1">
+                          <a:solidFill>
+                            <a:schemeClr val="dk1"/>
+                          </a:solidFill>
+                          <a:effectLst/>
+                          <a:latin typeface="+mn-lt"/>
+                          <a:ea typeface="+mn-ea"/>
+                          <a:cs typeface="+mn-cs"/>
+                        </a:rPr>
+                        <a:t>mich</a:t>
+                      </a:r>
+                      <a:endParaRPr lang="de-DE" dirty="0"/>
+                    </a:p>
+                  </a:txBody>
+                  <a:tcPr/>
+                </a:tc>
+                <a:tc>
+                  <a:txBody>
+                    <a:bodyPr/>
+                    <a:lstStyle/>
+                    <a:p>
+                      <a:r>
+                        <a:rPr lang="en-GB" sz="1800" b="0" kern="1200" dirty="0">
+                          <a:solidFill>
+                            <a:schemeClr val="dk1"/>
+                          </a:solidFill>
+                          <a:effectLst/>
+                          <a:latin typeface="+mn-lt"/>
+                          <a:ea typeface="+mn-ea"/>
+                          <a:cs typeface="+mn-cs"/>
+                        </a:rPr>
+                        <a:t>['Mark Forster’]</a:t>
+                      </a:r>
+                      <a:endParaRPr lang="de-DE" dirty="0"/>
+                    </a:p>
+                  </a:txBody>
+                  <a:tcPr/>
+                </a:tc>
+                <a:tc>
+                  <a:txBody>
+                    <a:bodyPr/>
+                    <a:lstStyle/>
+                    <a:p>
+                      <a:pPr algn="ctr"/>
+                      <a:r>
+                        <a:rPr lang="de-DE" dirty="0"/>
+                        <a:t>…</a:t>
+                      </a:r>
+                    </a:p>
+                  </a:txBody>
+                  <a:tcPr/>
+                </a:tc>
+                <a:extLst>
+                  <a:ext uri="{0D108BD9-81ED-4DB2-BD59-A6C34878D82A}">
+                    <a16:rowId xmlns:a16="http://schemas.microsoft.com/office/drawing/2014/main" val="2209162385"/>
+                  </a:ext>
+                </a:extLst>
+              </a:tr>
+              <a:tr h="370840">
+                <a:tc>
+                  <a:txBody>
+                    <a:bodyPr/>
+                    <a:lstStyle/>
+                    <a:p>
+                      <a:pPr marL="0" marR="0" lvl="0" indent="0" algn="l" defTabSz="914400" rtl="0" eaLnBrk="1" fontAlgn="auto" latinLnBrk="0" hangingPunct="1">
+                        <a:lnSpc>
+                          <a:spcPct val="100000"/>
+                        </a:lnSpc>
+                        <a:spcBef>
+                          <a:spcPts val="0"/>
+                        </a:spcBef>
+                        <a:spcAft>
+                          <a:spcPts val="0"/>
+                        </a:spcAft>
+                        <a:buClrTx/>
+                        <a:buSzTx/>
+                        <a:buFontTx/>
+                        <a:buNone/>
+                        <a:tabLst/>
+                        <a:defRPr/>
+                      </a:pPr>
+                      <a:r>
+                        <a:rPr lang="en-GB" sz="1800" b="0" kern="1200" dirty="0">
+                          <a:solidFill>
+                            <a:schemeClr val="dk1"/>
+                          </a:solidFill>
+                          <a:effectLst/>
+                          <a:latin typeface="+mn-lt"/>
+                          <a:ea typeface="+mn-ea"/>
+                          <a:cs typeface="+mn-cs"/>
+                        </a:rPr>
+                        <a:t>b</a:t>
+                      </a:r>
+                      <a:endParaRPr lang="de-DE" dirty="0"/>
+                    </a:p>
+                  </a:txBody>
+                  <a:tcPr/>
+                </a:tc>
+                <a:tc>
+                  <a:txBody>
+                    <a:bodyPr/>
+                    <a:lstStyle/>
+                    <a:p>
+                      <a:r>
+                        <a:rPr lang="en-GB" sz="1800" b="0" kern="1200" dirty="0">
+                          <a:solidFill>
+                            <a:schemeClr val="dk1"/>
+                          </a:solidFill>
+                          <a:effectLst/>
+                          <a:latin typeface="+mn-lt"/>
+                          <a:ea typeface="+mn-ea"/>
+                          <a:cs typeface="+mn-cs"/>
+                        </a:rPr>
+                        <a:t>Mine (feat. Drake)</a:t>
+                      </a:r>
+                      <a:endParaRPr lang="de-DE" dirty="0"/>
+                    </a:p>
+                  </a:txBody>
+                  <a:tcPr/>
+                </a:tc>
+                <a:tc>
+                  <a:txBody>
+                    <a:bodyPr/>
+                    <a:lstStyle/>
+                    <a:p>
+                      <a:pPr marL="0" marR="0" lvl="0" indent="0" algn="l" defTabSz="914400" rtl="0" eaLnBrk="1" fontAlgn="auto" latinLnBrk="0" hangingPunct="1">
+                        <a:lnSpc>
+                          <a:spcPct val="100000"/>
+                        </a:lnSpc>
+                        <a:spcBef>
+                          <a:spcPts val="0"/>
+                        </a:spcBef>
+                        <a:spcAft>
+                          <a:spcPts val="0"/>
+                        </a:spcAft>
+                        <a:buClrTx/>
+                        <a:buSzTx/>
+                        <a:buFontTx/>
+                        <a:buNone/>
+                        <a:tabLst/>
+                        <a:defRPr/>
+                      </a:pPr>
+                      <a:r>
+                        <a:rPr lang="en-GB" sz="1800" b="0" kern="1200" dirty="0">
+                          <a:solidFill>
+                            <a:schemeClr val="dk1"/>
+                          </a:solidFill>
+                          <a:effectLst/>
+                          <a:latin typeface="+mn-lt"/>
+                          <a:ea typeface="+mn-ea"/>
+                          <a:cs typeface="+mn-cs"/>
+                        </a:rPr>
+                        <a:t>['Beyoncé’, 'Drake']</a:t>
+                      </a:r>
+                    </a:p>
+                  </a:txBody>
+                  <a:tcPr/>
+                </a:tc>
+                <a:tc>
+                  <a:txBody>
+                    <a:bodyPr/>
+                    <a:lstStyle/>
+                    <a:p>
+                      <a:pPr algn="ctr"/>
+                      <a:r>
+                        <a:rPr lang="de-DE" dirty="0"/>
+                        <a:t>…</a:t>
+                      </a:r>
+                    </a:p>
+                  </a:txBody>
+                  <a:tcPr/>
+                </a:tc>
+                <a:extLst>
+                  <a:ext uri="{0D108BD9-81ED-4DB2-BD59-A6C34878D82A}">
+                    <a16:rowId xmlns:a16="http://schemas.microsoft.com/office/drawing/2014/main" val="2211092583"/>
+                  </a:ext>
+                </a:extLst>
+              </a:tr>
+            </a:tbl>
+          </a:graphicData>
+        </a:graphic>
+      </p:graphicFrame>
+      <p:graphicFrame>
+        <p:nvGraphicFramePr>
+          <p:cNvPr id="7" name="Table 6">
+            <a:extLst>
+              <a:ext uri="{FF2B5EF4-FFF2-40B4-BE49-F238E27FC236}">
+                <a16:creationId xmlns:a16="http://schemas.microsoft.com/office/drawing/2014/main" id="{CABA0C4D-D644-417C-30CC-E7801C089696}"/>
+              </a:ext>
+            </a:extLst>
+          </p:cNvPr>
+          <p:cNvGraphicFramePr>
+            <a:graphicFrameLocks noGrp="1"/>
+          </p:cNvGraphicFramePr>
+          <p:nvPr>
+            <p:extLst>
+              <p:ext uri="{D42A27DB-BD31-4B8C-83A1-F6EECF244321}">
+                <p14:modId xmlns:p14="http://schemas.microsoft.com/office/powerpoint/2010/main" val="2602900278"/>
+              </p:ext>
+            </p:extLst>
+          </p:nvPr>
+        </p:nvGraphicFramePr>
+        <p:xfrm>
+          <a:off x="787398" y="4593215"/>
+          <a:ext cx="4153981" cy="1483360"/>
+        </p:xfrm>
+        <a:graphic>
+          <a:graphicData uri="http://schemas.openxmlformats.org/drawingml/2006/table">
+            <a:tbl>
+              <a:tblPr firstRow="1" bandRow="1">
+                <a:tableStyleId>{073A0DAA-6AF3-43AB-8588-CEC1D06C72B9}</a:tableStyleId>
+              </a:tblPr>
+              <a:tblGrid>
+                <a:gridCol w="413068">
+                  <a:extLst>
+                    <a:ext uri="{9D8B030D-6E8A-4147-A177-3AD203B41FA5}">
+                      <a16:colId xmlns:a16="http://schemas.microsoft.com/office/drawing/2014/main" val="890423038"/>
+                    </a:ext>
+                  </a:extLst>
+                </a:gridCol>
+                <a:gridCol w="1917192">
+                  <a:extLst>
+                    <a:ext uri="{9D8B030D-6E8A-4147-A177-3AD203B41FA5}">
+                      <a16:colId xmlns:a16="http://schemas.microsoft.com/office/drawing/2014/main" val="781179739"/>
+                    </a:ext>
+                  </a:extLst>
+                </a:gridCol>
+                <a:gridCol w="1426528">
+                  <a:extLst>
+                    <a:ext uri="{9D8B030D-6E8A-4147-A177-3AD203B41FA5}">
+                      <a16:colId xmlns:a16="http://schemas.microsoft.com/office/drawing/2014/main" val="1262337292"/>
+                    </a:ext>
+                  </a:extLst>
+                </a:gridCol>
+                <a:gridCol w="397193">
+                  <a:extLst>
+                    <a:ext uri="{9D8B030D-6E8A-4147-A177-3AD203B41FA5}">
+                      <a16:colId xmlns:a16="http://schemas.microsoft.com/office/drawing/2014/main" val="3131219099"/>
+                    </a:ext>
+                  </a:extLst>
+                </a:gridCol>
+              </a:tblGrid>
+              <a:tr h="370840">
+                <a:tc>
+                  <a:txBody>
+                    <a:bodyPr/>
+                    <a:lstStyle/>
+                    <a:p>
+                      <a:r>
+                        <a:rPr lang="de-DE" dirty="0" err="1"/>
+                        <a:t>id</a:t>
+                      </a:r>
+                      <a:endParaRPr lang="de-DE" dirty="0"/>
+                    </a:p>
+                  </a:txBody>
+                  <a:tcPr/>
+                </a:tc>
+                <a:tc>
+                  <a:txBody>
+                    <a:bodyPr/>
+                    <a:lstStyle/>
+                    <a:p>
+                      <a:r>
+                        <a:rPr lang="de-DE" dirty="0" err="1"/>
+                        <a:t>name</a:t>
+                      </a:r>
+                      <a:endParaRPr lang="de-DE" dirty="0"/>
+                    </a:p>
+                  </a:txBody>
+                  <a:tcPr/>
+                </a:tc>
+                <a:tc>
+                  <a:txBody>
+                    <a:bodyPr/>
+                    <a:lstStyle/>
+                    <a:p>
+                      <a:r>
+                        <a:rPr lang="de-DE" dirty="0" err="1"/>
+                        <a:t>artists</a:t>
+                      </a:r>
+                      <a:endParaRPr lang="de-DE" dirty="0"/>
+                    </a:p>
+                  </a:txBody>
+                  <a:tcPr/>
+                </a:tc>
+                <a:tc>
+                  <a:txBody>
+                    <a:bodyPr/>
+                    <a:lstStyle/>
+                    <a:p>
+                      <a:pPr algn="ctr"/>
+                      <a:r>
+                        <a:rPr lang="de-DE" dirty="0"/>
+                        <a:t>…</a:t>
+                      </a:r>
+                    </a:p>
+                  </a:txBody>
+                  <a:tcPr/>
+                </a:tc>
+                <a:extLst>
+                  <a:ext uri="{0D108BD9-81ED-4DB2-BD59-A6C34878D82A}">
+                    <a16:rowId xmlns:a16="http://schemas.microsoft.com/office/drawing/2014/main" val="3939200465"/>
+                  </a:ext>
+                </a:extLst>
+              </a:tr>
+              <a:tr h="370840">
+                <a:tc>
+                  <a:txBody>
+                    <a:bodyPr/>
+                    <a:lstStyle/>
+                    <a:p>
+                      <a:r>
+                        <a:rPr lang="en-GB" sz="1800" b="0" kern="1200" dirty="0">
+                          <a:solidFill>
+                            <a:schemeClr val="dk1"/>
+                          </a:solidFill>
+                          <a:effectLst/>
+                          <a:latin typeface="+mn-lt"/>
+                          <a:ea typeface="+mn-ea"/>
+                          <a:cs typeface="+mn-cs"/>
+                        </a:rPr>
+                        <a:t>a</a:t>
+                      </a:r>
+                      <a:endParaRPr lang="de-DE" dirty="0"/>
+                    </a:p>
+                  </a:txBody>
+                  <a:tcPr/>
+                </a:tc>
+                <a:tc>
+                  <a:txBody>
+                    <a:bodyPr/>
+                    <a:lstStyle/>
+                    <a:p>
+                      <a:r>
+                        <a:rPr lang="en-GB" sz="1800" b="0" kern="1200" dirty="0">
+                          <a:solidFill>
+                            <a:schemeClr val="dk1"/>
+                          </a:solidFill>
+                          <a:effectLst/>
+                          <a:latin typeface="+mn-lt"/>
+                          <a:ea typeface="+mn-ea"/>
+                          <a:cs typeface="+mn-cs"/>
+                        </a:rPr>
+                        <a:t>Flash </a:t>
+                      </a:r>
+                      <a:r>
+                        <a:rPr lang="en-GB" sz="1800" b="0" kern="1200" dirty="0" err="1">
+                          <a:solidFill>
+                            <a:schemeClr val="dk1"/>
+                          </a:solidFill>
+                          <a:effectLst/>
+                          <a:latin typeface="+mn-lt"/>
+                          <a:ea typeface="+mn-ea"/>
+                          <a:cs typeface="+mn-cs"/>
+                        </a:rPr>
+                        <a:t>mich</a:t>
+                      </a:r>
+                      <a:endParaRPr lang="de-DE" dirty="0"/>
+                    </a:p>
+                  </a:txBody>
+                  <a:tcPr/>
+                </a:tc>
+                <a:tc>
+                  <a:txBody>
+                    <a:bodyPr/>
+                    <a:lstStyle/>
+                    <a:p>
+                      <a:r>
+                        <a:rPr lang="en-GB" sz="1800" b="0" kern="1200" dirty="0">
+                          <a:solidFill>
+                            <a:schemeClr val="dk1"/>
+                          </a:solidFill>
+                          <a:effectLst/>
+                          <a:latin typeface="+mn-lt"/>
+                          <a:ea typeface="+mn-ea"/>
+                          <a:cs typeface="+mn-cs"/>
+                        </a:rPr>
+                        <a:t>Mark Forster</a:t>
+                      </a:r>
+                      <a:endParaRPr lang="de-DE" dirty="0"/>
+                    </a:p>
+                  </a:txBody>
+                  <a:tcPr/>
+                </a:tc>
+                <a:tc>
+                  <a:txBody>
+                    <a:bodyPr/>
+                    <a:lstStyle/>
+                    <a:p>
+                      <a:pPr algn="ctr"/>
+                      <a:r>
+                        <a:rPr lang="de-DE" dirty="0"/>
+                        <a:t>…</a:t>
+                      </a:r>
+                    </a:p>
+                  </a:txBody>
+                  <a:tcPr/>
+                </a:tc>
+                <a:extLst>
+                  <a:ext uri="{0D108BD9-81ED-4DB2-BD59-A6C34878D82A}">
+                    <a16:rowId xmlns:a16="http://schemas.microsoft.com/office/drawing/2014/main" val="2209162385"/>
+                  </a:ext>
+                </a:extLst>
+              </a:tr>
+              <a:tr h="370840">
+                <a:tc>
+                  <a:txBody>
+                    <a:bodyPr/>
+                    <a:lstStyle/>
+                    <a:p>
+                      <a:pPr marL="0" marR="0" lvl="0" indent="0" algn="l" defTabSz="914400" rtl="0" eaLnBrk="1" fontAlgn="auto" latinLnBrk="0" hangingPunct="1">
+                        <a:lnSpc>
+                          <a:spcPct val="100000"/>
+                        </a:lnSpc>
+                        <a:spcBef>
+                          <a:spcPts val="0"/>
+                        </a:spcBef>
+                        <a:spcAft>
+                          <a:spcPts val="0"/>
+                        </a:spcAft>
+                        <a:buClrTx/>
+                        <a:buSzTx/>
+                        <a:buFontTx/>
+                        <a:buNone/>
+                        <a:tabLst/>
+                        <a:defRPr/>
+                      </a:pPr>
+                      <a:r>
+                        <a:rPr lang="en-GB" sz="1800" b="0" kern="1200" dirty="0">
+                          <a:solidFill>
+                            <a:schemeClr val="dk1"/>
+                          </a:solidFill>
+                          <a:effectLst/>
+                          <a:latin typeface="+mn-lt"/>
+                          <a:ea typeface="+mn-ea"/>
+                          <a:cs typeface="+mn-cs"/>
+                        </a:rPr>
+                        <a:t>b</a:t>
+                      </a:r>
+                      <a:endParaRPr lang="de-DE" dirty="0"/>
+                    </a:p>
+                  </a:txBody>
+                  <a:tcPr/>
+                </a:tc>
+                <a:tc>
+                  <a:txBody>
+                    <a:bodyPr/>
+                    <a:lstStyle/>
+                    <a:p>
+                      <a:r>
+                        <a:rPr lang="en-GB" sz="1800" b="0" kern="1200" dirty="0">
+                          <a:solidFill>
+                            <a:schemeClr val="dk1"/>
+                          </a:solidFill>
+                          <a:effectLst/>
+                          <a:latin typeface="+mn-lt"/>
+                          <a:ea typeface="+mn-ea"/>
+                          <a:cs typeface="+mn-cs"/>
+                        </a:rPr>
+                        <a:t>Mine (feat. Drake)</a:t>
+                      </a:r>
+                      <a:endParaRPr lang="de-DE" dirty="0"/>
+                    </a:p>
+                  </a:txBody>
+                  <a:tcPr/>
+                </a:tc>
+                <a:tc>
+                  <a:txBody>
+                    <a:bodyPr/>
+                    <a:lstStyle/>
+                    <a:p>
+                      <a:pPr marL="0" marR="0" lvl="0" indent="0" algn="l" defTabSz="914400" rtl="0" eaLnBrk="1" fontAlgn="auto" latinLnBrk="0" hangingPunct="1">
+                        <a:lnSpc>
+                          <a:spcPct val="100000"/>
+                        </a:lnSpc>
+                        <a:spcBef>
+                          <a:spcPts val="0"/>
+                        </a:spcBef>
+                        <a:spcAft>
+                          <a:spcPts val="0"/>
+                        </a:spcAft>
+                        <a:buClrTx/>
+                        <a:buSzTx/>
+                        <a:buFontTx/>
+                        <a:buNone/>
+                        <a:tabLst/>
+                        <a:defRPr/>
+                      </a:pPr>
+                      <a:r>
+                        <a:rPr lang="en-GB" sz="1800" b="0" kern="1200" dirty="0">
+                          <a:solidFill>
+                            <a:schemeClr val="dk1"/>
+                          </a:solidFill>
+                          <a:effectLst/>
+                          <a:latin typeface="+mn-lt"/>
+                          <a:ea typeface="+mn-ea"/>
+                          <a:cs typeface="+mn-cs"/>
+                        </a:rPr>
+                        <a:t>Beyoncé</a:t>
+                      </a:r>
+                    </a:p>
+                  </a:txBody>
+                  <a:tcPr/>
+                </a:tc>
+                <a:tc>
+                  <a:txBody>
+                    <a:bodyPr/>
+                    <a:lstStyle/>
+                    <a:p>
+                      <a:pPr algn="ctr"/>
+                      <a:r>
+                        <a:rPr lang="de-DE" dirty="0"/>
+                        <a:t>…</a:t>
+                      </a:r>
+                    </a:p>
+                  </a:txBody>
+                  <a:tcPr/>
+                </a:tc>
+                <a:extLst>
+                  <a:ext uri="{0D108BD9-81ED-4DB2-BD59-A6C34878D82A}">
+                    <a16:rowId xmlns:a16="http://schemas.microsoft.com/office/drawing/2014/main" val="1102608945"/>
+                  </a:ext>
+                </a:extLst>
+              </a:tr>
+              <a:tr h="370840">
+                <a:tc>
+                  <a:txBody>
+                    <a:bodyPr/>
+                    <a:lstStyle/>
+                    <a:p>
+                      <a:pPr marL="0" marR="0" lvl="0" indent="0" algn="l" defTabSz="914400" rtl="0" eaLnBrk="1" fontAlgn="auto" latinLnBrk="0" hangingPunct="1">
+                        <a:lnSpc>
+                          <a:spcPct val="100000"/>
+                        </a:lnSpc>
+                        <a:spcBef>
+                          <a:spcPts val="0"/>
+                        </a:spcBef>
+                        <a:spcAft>
+                          <a:spcPts val="0"/>
+                        </a:spcAft>
+                        <a:buClrTx/>
+                        <a:buSzTx/>
+                        <a:buFontTx/>
+                        <a:buNone/>
+                        <a:tabLst/>
+                        <a:defRPr/>
+                      </a:pPr>
+                      <a:r>
+                        <a:rPr lang="en-GB" sz="1800" b="0" kern="1200" dirty="0">
+                          <a:solidFill>
+                            <a:schemeClr val="dk1"/>
+                          </a:solidFill>
+                          <a:effectLst/>
+                          <a:latin typeface="+mn-lt"/>
+                          <a:ea typeface="+mn-ea"/>
+                          <a:cs typeface="+mn-cs"/>
+                        </a:rPr>
+                        <a:t>b</a:t>
+                      </a:r>
+                      <a:endParaRPr lang="de-DE" dirty="0"/>
+                    </a:p>
+                  </a:txBody>
+                  <a:tcPr/>
+                </a:tc>
+                <a:tc>
+                  <a:txBody>
+                    <a:bodyPr/>
+                    <a:lstStyle/>
+                    <a:p>
+                      <a:r>
+                        <a:rPr lang="en-GB" sz="1800" b="0" kern="1200" dirty="0">
+                          <a:solidFill>
+                            <a:schemeClr val="dk1"/>
+                          </a:solidFill>
+                          <a:effectLst/>
+                          <a:latin typeface="+mn-lt"/>
+                          <a:ea typeface="+mn-ea"/>
+                          <a:cs typeface="+mn-cs"/>
+                        </a:rPr>
+                        <a:t>Mine (feat. Drake)</a:t>
+                      </a:r>
+                      <a:endParaRPr lang="de-DE" dirty="0"/>
+                    </a:p>
+                  </a:txBody>
+                  <a:tcPr/>
+                </a:tc>
+                <a:tc>
+                  <a:txBody>
+                    <a:bodyPr/>
+                    <a:lstStyle/>
+                    <a:p>
+                      <a:pPr marL="0" marR="0" lvl="0" indent="0" algn="l" defTabSz="914400" rtl="0" eaLnBrk="1" fontAlgn="auto" latinLnBrk="0" hangingPunct="1">
+                        <a:lnSpc>
+                          <a:spcPct val="100000"/>
+                        </a:lnSpc>
+                        <a:spcBef>
+                          <a:spcPts val="0"/>
+                        </a:spcBef>
+                        <a:spcAft>
+                          <a:spcPts val="0"/>
+                        </a:spcAft>
+                        <a:buClrTx/>
+                        <a:buSzTx/>
+                        <a:buFontTx/>
+                        <a:buNone/>
+                        <a:tabLst/>
+                        <a:defRPr/>
+                      </a:pPr>
+                      <a:r>
+                        <a:rPr lang="en-GB" sz="1800" b="0" kern="1200" dirty="0">
+                          <a:solidFill>
+                            <a:schemeClr val="dk1"/>
+                          </a:solidFill>
+                          <a:effectLst/>
+                          <a:latin typeface="+mn-lt"/>
+                          <a:ea typeface="+mn-ea"/>
+                          <a:cs typeface="+mn-cs"/>
+                        </a:rPr>
+                        <a:t>Drake</a:t>
+                      </a:r>
+                    </a:p>
+                  </a:txBody>
+                  <a:tcPr/>
+                </a:tc>
+                <a:tc>
+                  <a:txBody>
+                    <a:bodyPr/>
+                    <a:lstStyle/>
+                    <a:p>
+                      <a:pPr algn="ctr"/>
+                      <a:r>
+                        <a:rPr lang="de-DE" dirty="0"/>
+                        <a:t>…</a:t>
+                      </a:r>
+                    </a:p>
+                  </a:txBody>
+                  <a:tcPr/>
+                </a:tc>
+                <a:extLst>
+                  <a:ext uri="{0D108BD9-81ED-4DB2-BD59-A6C34878D82A}">
+                    <a16:rowId xmlns:a16="http://schemas.microsoft.com/office/drawing/2014/main" val="2118463825"/>
+                  </a:ext>
+                </a:extLst>
+              </a:tr>
+            </a:tbl>
+          </a:graphicData>
+        </a:graphic>
+      </p:graphicFrame>
+      <p:graphicFrame>
+        <p:nvGraphicFramePr>
+          <p:cNvPr id="8" name="Table 8">
+            <a:extLst>
+              <a:ext uri="{FF2B5EF4-FFF2-40B4-BE49-F238E27FC236}">
+                <a16:creationId xmlns:a16="http://schemas.microsoft.com/office/drawing/2014/main" id="{8C4457C9-0C04-46A1-8030-55F2507C8E1E}"/>
+              </a:ext>
+            </a:extLst>
+          </p:cNvPr>
+          <p:cNvGraphicFramePr>
+            <a:graphicFrameLocks noGrp="1"/>
+          </p:cNvGraphicFramePr>
+          <p:nvPr>
+            <p:extLst>
+              <p:ext uri="{D42A27DB-BD31-4B8C-83A1-F6EECF244321}">
+                <p14:modId xmlns:p14="http://schemas.microsoft.com/office/powerpoint/2010/main" val="3371749829"/>
+              </p:ext>
+            </p:extLst>
+          </p:nvPr>
+        </p:nvGraphicFramePr>
+        <p:xfrm>
+          <a:off x="5805559" y="2179445"/>
+          <a:ext cx="6172010" cy="2763520"/>
+        </p:xfrm>
+        <a:graphic>
+          <a:graphicData uri="http://schemas.openxmlformats.org/drawingml/2006/table">
+            <a:tbl>
+              <a:tblPr firstRow="1" bandRow="1">
+                <a:tableStyleId>{073A0DAA-6AF3-43AB-8588-CEC1D06C72B9}</a:tableStyleId>
+              </a:tblPr>
+              <a:tblGrid>
+                <a:gridCol w="935355">
+                  <a:extLst>
+                    <a:ext uri="{9D8B030D-6E8A-4147-A177-3AD203B41FA5}">
+                      <a16:colId xmlns:a16="http://schemas.microsoft.com/office/drawing/2014/main" val="3444933664"/>
+                    </a:ext>
+                  </a:extLst>
+                </a:gridCol>
+                <a:gridCol w="1266190">
+                  <a:extLst>
+                    <a:ext uri="{9D8B030D-6E8A-4147-A177-3AD203B41FA5}">
+                      <a16:colId xmlns:a16="http://schemas.microsoft.com/office/drawing/2014/main" val="4184430502"/>
+                    </a:ext>
+                  </a:extLst>
+                </a:gridCol>
+                <a:gridCol w="1917192">
+                  <a:extLst>
+                    <a:ext uri="{9D8B030D-6E8A-4147-A177-3AD203B41FA5}">
+                      <a16:colId xmlns:a16="http://schemas.microsoft.com/office/drawing/2014/main" val="937895844"/>
+                    </a:ext>
+                  </a:extLst>
+                </a:gridCol>
+                <a:gridCol w="2053273">
+                  <a:extLst>
+                    <a:ext uri="{9D8B030D-6E8A-4147-A177-3AD203B41FA5}">
+                      <a16:colId xmlns:a16="http://schemas.microsoft.com/office/drawing/2014/main" val="4111502859"/>
+                    </a:ext>
+                  </a:extLst>
+                </a:gridCol>
+              </a:tblGrid>
+              <a:tr h="370840">
+                <a:tc>
+                  <a:txBody>
+                    <a:bodyPr/>
+                    <a:lstStyle/>
+                    <a:p>
+                      <a:r>
+                        <a:rPr lang="de-DE" dirty="0" err="1"/>
+                        <a:t>user_id</a:t>
+                      </a:r>
+                      <a:endParaRPr lang="de-DE" dirty="0"/>
+                    </a:p>
+                  </a:txBody>
+                  <a:tcPr/>
+                </a:tc>
+                <a:tc>
+                  <a:txBody>
+                    <a:bodyPr/>
+                    <a:lstStyle/>
+                    <a:p>
+                      <a:r>
+                        <a:rPr lang="de-DE" dirty="0" err="1"/>
+                        <a:t>artistname</a:t>
+                      </a:r>
+                      <a:endParaRPr lang="de-DE" dirty="0"/>
+                    </a:p>
+                  </a:txBody>
+                  <a:tcPr/>
+                </a:tc>
+                <a:tc>
+                  <a:txBody>
+                    <a:bodyPr/>
+                    <a:lstStyle/>
+                    <a:p>
+                      <a:r>
+                        <a:rPr lang="de-DE" dirty="0" err="1"/>
+                        <a:t>trackname</a:t>
+                      </a:r>
+                      <a:endParaRPr lang="de-DE" dirty="0"/>
+                    </a:p>
+                  </a:txBody>
+                  <a:tcPr/>
+                </a:tc>
+                <a:tc>
+                  <a:txBody>
+                    <a:bodyPr/>
+                    <a:lstStyle/>
+                    <a:p>
+                      <a:r>
+                        <a:rPr lang="de-DE" dirty="0" err="1"/>
+                        <a:t>playlistname</a:t>
+                      </a:r>
+                      <a:endParaRPr lang="de-DE" dirty="0"/>
+                    </a:p>
+                  </a:txBody>
+                  <a:tcPr/>
+                </a:tc>
+                <a:extLst>
+                  <a:ext uri="{0D108BD9-81ED-4DB2-BD59-A6C34878D82A}">
+                    <a16:rowId xmlns:a16="http://schemas.microsoft.com/office/drawing/2014/main" val="2765778750"/>
+                  </a:ext>
+                </a:extLst>
+              </a:tr>
+              <a:tr h="370840">
+                <a:tc>
+                  <a:txBody>
+                    <a:bodyPr/>
+                    <a:lstStyle/>
+                    <a:p>
+                      <a:r>
+                        <a:rPr lang="de-DE" dirty="0"/>
+                        <a:t>u1</a:t>
+                      </a:r>
+                    </a:p>
+                  </a:txBody>
+                  <a:tcPr/>
+                </a:tc>
+                <a:tc>
+                  <a:txBody>
+                    <a:bodyPr/>
+                    <a:lstStyle/>
+                    <a:p>
+                      <a:pPr marL="0" marR="0" lvl="0" indent="0" algn="l" defTabSz="914400" rtl="0" eaLnBrk="1" fontAlgn="auto" latinLnBrk="0" hangingPunct="1">
+                        <a:lnSpc>
+                          <a:spcPct val="100000"/>
+                        </a:lnSpc>
+                        <a:spcBef>
+                          <a:spcPts val="0"/>
+                        </a:spcBef>
+                        <a:spcAft>
+                          <a:spcPts val="0"/>
+                        </a:spcAft>
+                        <a:buClrTx/>
+                        <a:buSzTx/>
+                        <a:buFontTx/>
+                        <a:buNone/>
+                        <a:tabLst/>
+                        <a:defRPr/>
+                      </a:pPr>
+                      <a:r>
+                        <a:rPr lang="en-GB" sz="1800" b="0" kern="1200" dirty="0">
+                          <a:solidFill>
+                            <a:schemeClr val="dk1"/>
+                          </a:solidFill>
+                          <a:effectLst/>
+                          <a:latin typeface="+mn-lt"/>
+                          <a:ea typeface="+mn-ea"/>
+                          <a:cs typeface="+mn-cs"/>
+                        </a:rPr>
+                        <a:t>Beyoncé</a:t>
+                      </a:r>
+                    </a:p>
+                  </a:txBody>
+                  <a:tcPr/>
+                </a:tc>
+                <a:tc>
+                  <a:txBody>
+                    <a:bodyPr/>
+                    <a:lstStyle/>
+                    <a:p>
+                      <a:pPr marL="0" marR="0" lvl="0" indent="0" algn="l" defTabSz="914400" rtl="0" eaLnBrk="1" fontAlgn="auto" latinLnBrk="0" hangingPunct="1">
+                        <a:lnSpc>
+                          <a:spcPct val="100000"/>
+                        </a:lnSpc>
+                        <a:spcBef>
+                          <a:spcPts val="0"/>
+                        </a:spcBef>
+                        <a:spcAft>
+                          <a:spcPts val="0"/>
+                        </a:spcAft>
+                        <a:buClrTx/>
+                        <a:buSzTx/>
+                        <a:buFontTx/>
+                        <a:buNone/>
+                        <a:tabLst/>
+                        <a:defRPr/>
+                      </a:pPr>
+                      <a:r>
+                        <a:rPr lang="en-GB" sz="1800" b="0" kern="1200" dirty="0">
+                          <a:solidFill>
+                            <a:schemeClr val="dk1"/>
+                          </a:solidFill>
+                          <a:effectLst/>
+                          <a:latin typeface="+mn-lt"/>
+                          <a:ea typeface="+mn-ea"/>
+                          <a:cs typeface="+mn-cs"/>
+                        </a:rPr>
+                        <a:t>Mine (feat. Drake)</a:t>
+                      </a:r>
+                      <a:endParaRPr lang="de-DE" dirty="0"/>
+                    </a:p>
+                  </a:txBody>
+                  <a:tcPr/>
+                </a:tc>
+                <a:tc>
+                  <a:txBody>
+                    <a:bodyPr/>
+                    <a:lstStyle/>
+                    <a:p>
+                      <a:r>
+                        <a:rPr lang="de-DE" dirty="0" err="1"/>
+                        <a:t>December</a:t>
+                      </a:r>
+                      <a:r>
+                        <a:rPr lang="de-DE" dirty="0"/>
+                        <a:t> ’13</a:t>
+                      </a:r>
+                    </a:p>
+                  </a:txBody>
+                  <a:tcPr/>
+                </a:tc>
+                <a:extLst>
+                  <a:ext uri="{0D108BD9-81ED-4DB2-BD59-A6C34878D82A}">
+                    <a16:rowId xmlns:a16="http://schemas.microsoft.com/office/drawing/2014/main" val="3766349147"/>
+                  </a:ext>
+                </a:extLst>
+              </a:tr>
+              <a:tr h="370840">
+                <a:tc>
+                  <a:txBody>
+                    <a:bodyPr/>
+                    <a:lstStyle/>
+                    <a:p>
+                      <a:r>
+                        <a:rPr lang="de-DE" dirty="0"/>
+                        <a:t>u2</a:t>
+                      </a:r>
+                    </a:p>
+                  </a:txBody>
+                  <a:tcPr/>
+                </a:tc>
+                <a:tc>
+                  <a:txBody>
+                    <a:bodyPr/>
+                    <a:lstStyle/>
+                    <a:p>
+                      <a:pPr marL="0" marR="0" lvl="0" indent="0" algn="l" defTabSz="914400" rtl="0" eaLnBrk="1" fontAlgn="auto" latinLnBrk="0" hangingPunct="1">
+                        <a:lnSpc>
+                          <a:spcPct val="100000"/>
+                        </a:lnSpc>
+                        <a:spcBef>
+                          <a:spcPts val="0"/>
+                        </a:spcBef>
+                        <a:spcAft>
+                          <a:spcPts val="0"/>
+                        </a:spcAft>
+                        <a:buClrTx/>
+                        <a:buSzTx/>
+                        <a:buFontTx/>
+                        <a:buNone/>
+                        <a:tabLst/>
+                        <a:defRPr/>
+                      </a:pPr>
+                      <a:r>
+                        <a:rPr lang="en-GB" sz="1800" b="0" kern="1200" dirty="0">
+                          <a:solidFill>
+                            <a:schemeClr val="dk1"/>
+                          </a:solidFill>
+                          <a:effectLst/>
+                          <a:latin typeface="+mn-lt"/>
+                          <a:ea typeface="+mn-ea"/>
+                          <a:cs typeface="+mn-cs"/>
+                        </a:rPr>
+                        <a:t>Beyoncé</a:t>
+                      </a:r>
+                    </a:p>
+                  </a:txBody>
+                  <a:tcPr/>
+                </a:tc>
+                <a:tc>
+                  <a:txBody>
+                    <a:bodyPr/>
+                    <a:lstStyle/>
+                    <a:p>
+                      <a:pPr marL="0" marR="0" lvl="0" indent="0" algn="l" defTabSz="914400" rtl="0" eaLnBrk="1" fontAlgn="auto" latinLnBrk="0" hangingPunct="1">
+                        <a:lnSpc>
+                          <a:spcPct val="100000"/>
+                        </a:lnSpc>
+                        <a:spcBef>
+                          <a:spcPts val="0"/>
+                        </a:spcBef>
+                        <a:spcAft>
+                          <a:spcPts val="0"/>
+                        </a:spcAft>
+                        <a:buClrTx/>
+                        <a:buSzTx/>
+                        <a:buFontTx/>
+                        <a:buNone/>
+                        <a:tabLst/>
+                        <a:defRPr/>
+                      </a:pPr>
+                      <a:r>
+                        <a:rPr lang="en-GB" sz="1800" b="0" kern="1200" dirty="0">
+                          <a:solidFill>
+                            <a:schemeClr val="dk1"/>
+                          </a:solidFill>
+                          <a:effectLst/>
+                          <a:latin typeface="+mn-lt"/>
+                          <a:ea typeface="+mn-ea"/>
+                          <a:cs typeface="+mn-cs"/>
+                        </a:rPr>
+                        <a:t>Mine (feat. Drake)</a:t>
+                      </a:r>
+                      <a:endParaRPr lang="de-DE" dirty="0"/>
+                    </a:p>
+                  </a:txBody>
+                  <a:tcPr/>
+                </a:tc>
+                <a:tc>
+                  <a:txBody>
+                    <a:bodyPr/>
+                    <a:lstStyle/>
+                    <a:p>
+                      <a:r>
+                        <a:rPr lang="de-DE" dirty="0"/>
+                        <a:t>Rap and R&amp;B</a:t>
+                      </a:r>
+                    </a:p>
+                  </a:txBody>
+                  <a:tcPr/>
+                </a:tc>
+                <a:extLst>
+                  <a:ext uri="{0D108BD9-81ED-4DB2-BD59-A6C34878D82A}">
+                    <a16:rowId xmlns:a16="http://schemas.microsoft.com/office/drawing/2014/main" val="1233322250"/>
+                  </a:ext>
+                </a:extLst>
+              </a:tr>
+              <a:tr h="370840">
+                <a:tc>
+                  <a:txBody>
+                    <a:bodyPr/>
+                    <a:lstStyle/>
+                    <a:p>
+                      <a:r>
+                        <a:rPr lang="de-DE" dirty="0"/>
+                        <a:t>u2</a:t>
+                      </a:r>
+                    </a:p>
+                  </a:txBody>
+                  <a:tcPr/>
+                </a:tc>
+                <a:tc>
+                  <a:txBody>
+                    <a:bodyPr/>
+                    <a:lstStyle/>
+                    <a:p>
+                      <a:pPr marL="0" marR="0" lvl="0" indent="0" algn="l" defTabSz="914400" rtl="0" eaLnBrk="1" fontAlgn="auto" latinLnBrk="0" hangingPunct="1">
+                        <a:lnSpc>
+                          <a:spcPct val="100000"/>
+                        </a:lnSpc>
+                        <a:spcBef>
+                          <a:spcPts val="0"/>
+                        </a:spcBef>
+                        <a:spcAft>
+                          <a:spcPts val="0"/>
+                        </a:spcAft>
+                        <a:buClrTx/>
+                        <a:buSzTx/>
+                        <a:buFontTx/>
+                        <a:buNone/>
+                        <a:tabLst/>
+                        <a:defRPr/>
+                      </a:pPr>
+                      <a:r>
+                        <a:rPr lang="en-GB" sz="1800" b="0" kern="1200" dirty="0">
+                          <a:solidFill>
+                            <a:schemeClr val="dk1"/>
+                          </a:solidFill>
+                          <a:effectLst/>
+                          <a:latin typeface="+mn-lt"/>
+                          <a:ea typeface="+mn-ea"/>
+                          <a:cs typeface="+mn-cs"/>
+                        </a:rPr>
+                        <a:t>Beyoncé</a:t>
+                      </a:r>
+                    </a:p>
+                  </a:txBody>
+                  <a:tcPr/>
+                </a:tc>
+                <a:tc>
+                  <a:txBody>
+                    <a:bodyPr/>
+                    <a:lstStyle/>
+                    <a:p>
+                      <a:pPr marL="0" marR="0" lvl="0" indent="0" algn="l" defTabSz="914400" rtl="0" eaLnBrk="1" fontAlgn="auto" latinLnBrk="0" hangingPunct="1">
+                        <a:lnSpc>
+                          <a:spcPct val="100000"/>
+                        </a:lnSpc>
+                        <a:spcBef>
+                          <a:spcPts val="0"/>
+                        </a:spcBef>
+                        <a:spcAft>
+                          <a:spcPts val="0"/>
+                        </a:spcAft>
+                        <a:buClrTx/>
+                        <a:buSzTx/>
+                        <a:buFontTx/>
+                        <a:buNone/>
+                        <a:tabLst/>
+                        <a:defRPr/>
+                      </a:pPr>
+                      <a:r>
+                        <a:rPr lang="en-GB" sz="1800" b="0" kern="1200" dirty="0">
+                          <a:solidFill>
+                            <a:schemeClr val="dk1"/>
+                          </a:solidFill>
+                          <a:effectLst/>
+                          <a:latin typeface="+mn-lt"/>
+                          <a:ea typeface="+mn-ea"/>
+                          <a:cs typeface="+mn-cs"/>
+                        </a:rPr>
+                        <a:t>Mine (feat. Drake)</a:t>
+                      </a:r>
+                      <a:endParaRPr lang="de-DE" dirty="0"/>
+                    </a:p>
+                  </a:txBody>
+                  <a:tcPr/>
+                </a:tc>
+                <a:tc>
+                  <a:txBody>
+                    <a:bodyPr/>
+                    <a:lstStyle/>
+                    <a:p>
+                      <a:r>
+                        <a:rPr lang="de-DE" dirty="0"/>
+                        <a:t>Top </a:t>
+                      </a:r>
+                      <a:r>
+                        <a:rPr lang="de-DE" dirty="0" err="1"/>
+                        <a:t>albums</a:t>
+                      </a:r>
+                      <a:r>
+                        <a:rPr lang="de-DE" dirty="0"/>
+                        <a:t> </a:t>
+                      </a:r>
+                      <a:r>
+                        <a:rPr lang="de-DE" dirty="0" err="1"/>
+                        <a:t>of</a:t>
+                      </a:r>
+                      <a:r>
+                        <a:rPr lang="de-DE" dirty="0"/>
+                        <a:t> 2013</a:t>
+                      </a:r>
+                    </a:p>
+                  </a:txBody>
+                  <a:tcPr/>
+                </a:tc>
+                <a:extLst>
+                  <a:ext uri="{0D108BD9-81ED-4DB2-BD59-A6C34878D82A}">
+                    <a16:rowId xmlns:a16="http://schemas.microsoft.com/office/drawing/2014/main" val="611029119"/>
+                  </a:ext>
+                </a:extLst>
+              </a:tr>
+              <a:tr h="370840">
+                <a:tc>
+                  <a:txBody>
+                    <a:bodyPr/>
+                    <a:lstStyle/>
+                    <a:p>
+                      <a:r>
+                        <a:rPr lang="de-DE" dirty="0"/>
+                        <a:t>u3</a:t>
+                      </a:r>
+                    </a:p>
+                  </a:txBody>
+                  <a:tcPr/>
+                </a:tc>
+                <a:tc>
+                  <a:txBody>
+                    <a:bodyPr/>
+                    <a:lstStyle/>
+                    <a:p>
+                      <a:pPr marL="0" marR="0" lvl="0" indent="0" algn="l" defTabSz="914400" rtl="0" eaLnBrk="1" fontAlgn="auto" latinLnBrk="0" hangingPunct="1">
+                        <a:lnSpc>
+                          <a:spcPct val="100000"/>
+                        </a:lnSpc>
+                        <a:spcBef>
+                          <a:spcPts val="0"/>
+                        </a:spcBef>
+                        <a:spcAft>
+                          <a:spcPts val="0"/>
+                        </a:spcAft>
+                        <a:buClrTx/>
+                        <a:buSzTx/>
+                        <a:buFontTx/>
+                        <a:buNone/>
+                        <a:tabLst/>
+                        <a:defRPr/>
+                      </a:pPr>
+                      <a:r>
+                        <a:rPr lang="en-GB" sz="1800" b="0" kern="1200" dirty="0">
+                          <a:solidFill>
+                            <a:schemeClr val="dk1"/>
+                          </a:solidFill>
+                          <a:effectLst/>
+                          <a:latin typeface="+mn-lt"/>
+                          <a:ea typeface="+mn-ea"/>
+                          <a:cs typeface="+mn-cs"/>
+                        </a:rPr>
+                        <a:t>Mark Forster</a:t>
+                      </a:r>
+                    </a:p>
+                  </a:txBody>
+                  <a:tcPr/>
+                </a:tc>
+                <a:tc>
+                  <a:txBody>
+                    <a:bodyPr/>
+                    <a:lstStyle/>
+                    <a:p>
+                      <a:pPr marL="0" marR="0" lvl="0" indent="0" algn="l" defTabSz="914400" rtl="0" eaLnBrk="1" fontAlgn="auto" latinLnBrk="0" hangingPunct="1">
+                        <a:lnSpc>
+                          <a:spcPct val="100000"/>
+                        </a:lnSpc>
+                        <a:spcBef>
+                          <a:spcPts val="0"/>
+                        </a:spcBef>
+                        <a:spcAft>
+                          <a:spcPts val="0"/>
+                        </a:spcAft>
+                        <a:buClrTx/>
+                        <a:buSzTx/>
+                        <a:buFontTx/>
+                        <a:buNone/>
+                        <a:tabLst/>
+                        <a:defRPr/>
+                      </a:pPr>
+                      <a:r>
+                        <a:rPr lang="de-DE" dirty="0"/>
+                        <a:t>Flash mich</a:t>
+                      </a:r>
+                    </a:p>
+                  </a:txBody>
+                  <a:tcPr/>
+                </a:tc>
+                <a:tc>
+                  <a:txBody>
+                    <a:bodyPr/>
+                    <a:lstStyle/>
+                    <a:p>
+                      <a:r>
+                        <a:rPr lang="de-DE" dirty="0"/>
+                        <a:t>Top 100</a:t>
+                      </a:r>
+                    </a:p>
+                  </a:txBody>
+                  <a:tcPr/>
+                </a:tc>
+                <a:extLst>
+                  <a:ext uri="{0D108BD9-81ED-4DB2-BD59-A6C34878D82A}">
+                    <a16:rowId xmlns:a16="http://schemas.microsoft.com/office/drawing/2014/main" val="3964297722"/>
+                  </a:ext>
+                </a:extLst>
+              </a:tr>
+              <a:tr h="370840">
+                <a:tc>
+                  <a:txBody>
+                    <a:bodyPr/>
+                    <a:lstStyle/>
+                    <a:p>
+                      <a:r>
+                        <a:rPr lang="de-DE" dirty="0"/>
+                        <a:t>u3</a:t>
+                      </a:r>
+                    </a:p>
+                  </a:txBody>
+                  <a:tcPr/>
+                </a:tc>
+                <a:tc>
+                  <a:txBody>
+                    <a:bodyPr/>
+                    <a:lstStyle/>
+                    <a:p>
+                      <a:pPr marL="0" marR="0" lvl="0" indent="0" algn="l" defTabSz="914400" rtl="0" eaLnBrk="1" fontAlgn="auto" latinLnBrk="0" hangingPunct="1">
+                        <a:lnSpc>
+                          <a:spcPct val="100000"/>
+                        </a:lnSpc>
+                        <a:spcBef>
+                          <a:spcPts val="0"/>
+                        </a:spcBef>
+                        <a:spcAft>
+                          <a:spcPts val="0"/>
+                        </a:spcAft>
+                        <a:buClrTx/>
+                        <a:buSzTx/>
+                        <a:buFontTx/>
+                        <a:buNone/>
+                        <a:tabLst/>
+                        <a:defRPr/>
+                      </a:pPr>
+                      <a:r>
+                        <a:rPr lang="en-GB" sz="1800" b="0" kern="1200" dirty="0">
+                          <a:solidFill>
+                            <a:schemeClr val="dk1"/>
+                          </a:solidFill>
+                          <a:effectLst/>
+                          <a:latin typeface="+mn-lt"/>
+                          <a:ea typeface="+mn-ea"/>
+                          <a:cs typeface="+mn-cs"/>
+                        </a:rPr>
+                        <a:t>Mark Forster</a:t>
+                      </a:r>
+                    </a:p>
+                  </a:txBody>
+                  <a:tcPr/>
+                </a:tc>
+                <a:tc>
+                  <a:txBody>
+                    <a:bodyPr/>
+                    <a:lstStyle/>
+                    <a:p>
+                      <a:pPr marL="0" marR="0" lvl="0" indent="0" algn="l" defTabSz="914400" rtl="0" eaLnBrk="1" fontAlgn="auto" latinLnBrk="0" hangingPunct="1">
+                        <a:lnSpc>
+                          <a:spcPct val="100000"/>
+                        </a:lnSpc>
+                        <a:spcBef>
+                          <a:spcPts val="0"/>
+                        </a:spcBef>
+                        <a:spcAft>
+                          <a:spcPts val="0"/>
+                        </a:spcAft>
+                        <a:buClrTx/>
+                        <a:buSzTx/>
+                        <a:buFontTx/>
+                        <a:buNone/>
+                        <a:tabLst/>
+                        <a:defRPr/>
+                      </a:pPr>
+                      <a:r>
+                        <a:rPr lang="de-DE" dirty="0"/>
+                        <a:t>Flash mich</a:t>
+                      </a:r>
+                    </a:p>
+                  </a:txBody>
+                  <a:tcPr/>
+                </a:tc>
+                <a:tc>
+                  <a:txBody>
+                    <a:bodyPr/>
+                    <a:lstStyle/>
+                    <a:p>
+                      <a:r>
+                        <a:rPr lang="de-DE" dirty="0"/>
+                        <a:t>Random Stuff</a:t>
+                      </a:r>
+                    </a:p>
+                  </a:txBody>
+                  <a:tcPr/>
+                </a:tc>
+                <a:extLst>
+                  <a:ext uri="{0D108BD9-81ED-4DB2-BD59-A6C34878D82A}">
+                    <a16:rowId xmlns:a16="http://schemas.microsoft.com/office/drawing/2014/main" val="2171206070"/>
+                  </a:ext>
+                </a:extLst>
+              </a:tr>
+            </a:tbl>
+          </a:graphicData>
+        </a:graphic>
+      </p:graphicFrame>
+      <p:sp>
+        <p:nvSpPr>
+          <p:cNvPr id="12" name="TextBox 11">
+            <a:extLst>
+              <a:ext uri="{FF2B5EF4-FFF2-40B4-BE49-F238E27FC236}">
+                <a16:creationId xmlns:a16="http://schemas.microsoft.com/office/drawing/2014/main" id="{1A5205D7-39FC-456E-DA52-4A54AE5F7A9D}"/>
+              </a:ext>
+            </a:extLst>
+          </p:cNvPr>
+          <p:cNvSpPr txBox="1"/>
+          <p:nvPr/>
+        </p:nvSpPr>
+        <p:spPr>
+          <a:xfrm>
+            <a:off x="2142836" y="1690688"/>
+            <a:ext cx="1550424" cy="369332"/>
+          </a:xfrm>
+          <a:prstGeom prst="rect">
+            <a:avLst/>
+          </a:prstGeom>
+          <a:noFill/>
+        </p:spPr>
+        <p:txBody>
+          <a:bodyPr wrap="none" rtlCol="0">
+            <a:spAutoFit/>
+          </a:bodyPr>
+          <a:lstStyle/>
+          <a:p>
+            <a:r>
+              <a:rPr lang="de-DE" b="1" dirty="0">
+                <a:latin typeface="Microsoft YaHei UI" panose="020B0503020204020204" pitchFamily="34" charset="-122"/>
+                <a:ea typeface="Microsoft YaHei UI" panose="020B0503020204020204" pitchFamily="34" charset="-122"/>
+              </a:rPr>
+              <a:t>1.2M Songs</a:t>
+            </a:r>
+          </a:p>
+        </p:txBody>
+      </p:sp>
+      <p:sp>
+        <p:nvSpPr>
+          <p:cNvPr id="13" name="TextBox 12">
+            <a:extLst>
+              <a:ext uri="{FF2B5EF4-FFF2-40B4-BE49-F238E27FC236}">
+                <a16:creationId xmlns:a16="http://schemas.microsoft.com/office/drawing/2014/main" id="{3367B90D-8B8F-08F9-8547-B6AECB0EA5D2}"/>
+              </a:ext>
+            </a:extLst>
+          </p:cNvPr>
+          <p:cNvSpPr txBox="1"/>
+          <p:nvPr/>
+        </p:nvSpPr>
+        <p:spPr>
+          <a:xfrm>
+            <a:off x="8428360" y="1690688"/>
+            <a:ext cx="1133644" cy="369332"/>
+          </a:xfrm>
+          <a:prstGeom prst="rect">
+            <a:avLst/>
+          </a:prstGeom>
+          <a:noFill/>
+        </p:spPr>
+        <p:txBody>
+          <a:bodyPr wrap="none" rtlCol="0">
+            <a:spAutoFit/>
+          </a:bodyPr>
+          <a:lstStyle/>
+          <a:p>
+            <a:r>
+              <a:rPr lang="de-DE" b="1" dirty="0">
+                <a:latin typeface="Microsoft YaHei UI" panose="020B0503020204020204" pitchFamily="34" charset="-122"/>
+                <a:ea typeface="Microsoft YaHei UI" panose="020B0503020204020204" pitchFamily="34" charset="-122"/>
+              </a:rPr>
+              <a:t>Playlists</a:t>
+            </a:r>
+          </a:p>
+        </p:txBody>
+      </p:sp>
+      <p:sp>
+        <p:nvSpPr>
+          <p:cNvPr id="16" name="Down Arrow 15">
+            <a:extLst>
+              <a:ext uri="{FF2B5EF4-FFF2-40B4-BE49-F238E27FC236}">
+                <a16:creationId xmlns:a16="http://schemas.microsoft.com/office/drawing/2014/main" id="{FCB06A4D-C253-19EF-E0F6-7D9F712E0717}"/>
+              </a:ext>
+            </a:extLst>
+          </p:cNvPr>
+          <p:cNvSpPr/>
+          <p:nvPr/>
+        </p:nvSpPr>
+        <p:spPr>
+          <a:xfrm>
+            <a:off x="2650836" y="3454834"/>
+            <a:ext cx="212437" cy="1025236"/>
+          </a:xfrm>
+          <a:prstGeom prst="downArrow">
+            <a:avLst/>
+          </a:prstGeom>
+        </p:spPr>
+        <p:style>
+          <a:lnRef idx="2">
+            <a:schemeClr val="dk1">
+              <a:shade val="50000"/>
+            </a:schemeClr>
+          </a:lnRef>
+          <a:fillRef idx="1">
+            <a:schemeClr val="dk1"/>
+          </a:fillRef>
+          <a:effectRef idx="0">
+            <a:schemeClr val="dk1"/>
+          </a:effectRef>
+          <a:fontRef idx="minor">
+            <a:schemeClr val="lt1"/>
+          </a:fontRef>
+        </p:style>
+        <p:txBody>
+          <a:bodyPr rtlCol="0" anchor="ctr"/>
+          <a:lstStyle/>
+          <a:p>
+            <a:pPr algn="ctr"/>
+            <a:endParaRPr lang="de-DE"/>
+          </a:p>
+        </p:txBody>
+      </p:sp>
+      <p:sp>
+        <p:nvSpPr>
+          <p:cNvPr id="2" name="Title 1">
+            <a:extLst>
+              <a:ext uri="{FF2B5EF4-FFF2-40B4-BE49-F238E27FC236}">
+                <a16:creationId xmlns:a16="http://schemas.microsoft.com/office/drawing/2014/main" id="{D910210E-B24D-0B6C-BBF5-5116FD58F5E9}"/>
+              </a:ext>
+            </a:extLst>
+          </p:cNvPr>
+          <p:cNvSpPr>
+            <a:spLocks noGrp="1"/>
+          </p:cNvSpPr>
+          <p:nvPr>
+            <p:ph type="title"/>
+          </p:nvPr>
+        </p:nvSpPr>
+        <p:spPr>
+          <a:xfrm>
+            <a:off x="838200" y="365125"/>
+            <a:ext cx="10515600" cy="1325563"/>
+          </a:xfrm>
+        </p:spPr>
+        <p:txBody>
+          <a:bodyPr/>
+          <a:lstStyle/>
+          <a:p>
+            <a:pPr algn="ctr"/>
+            <a:r>
+              <a:rPr lang="de-DE" b="1" dirty="0">
+                <a:latin typeface="Microsoft YaHei UI" panose="020B0503020204020204" pitchFamily="34" charset="-122"/>
+                <a:ea typeface="Microsoft YaHei UI" panose="020B0503020204020204" pitchFamily="34" charset="-122"/>
+              </a:rPr>
+              <a:t>Connection </a:t>
+            </a:r>
+            <a:r>
+              <a:rPr lang="de-DE" b="1" dirty="0" err="1">
+                <a:latin typeface="Microsoft YaHei UI" panose="020B0503020204020204" pitchFamily="34" charset="-122"/>
+                <a:ea typeface="Microsoft YaHei UI" panose="020B0503020204020204" pitchFamily="34" charset="-122"/>
+              </a:rPr>
+              <a:t>of</a:t>
+            </a:r>
+            <a:r>
+              <a:rPr lang="de-DE" b="1" dirty="0">
+                <a:latin typeface="Microsoft YaHei UI" panose="020B0503020204020204" pitchFamily="34" charset="-122"/>
+                <a:ea typeface="Microsoft YaHei UI" panose="020B0503020204020204" pitchFamily="34" charset="-122"/>
+              </a:rPr>
+              <a:t> Datasets</a:t>
+            </a:r>
+          </a:p>
+        </p:txBody>
+      </p:sp>
+    </p:spTree>
+    <p:extLst>
+      <p:ext uri="{BB962C8B-B14F-4D97-AF65-F5344CB8AC3E}">
+        <p14:creationId xmlns:p14="http://schemas.microsoft.com/office/powerpoint/2010/main" val="3409937013"/>
       </p:ext>
     </p:extLst>
   </p:cSld>

--- a/spotify_analysis.pptx
+++ b/spotify_analysis.pptx
@@ -5,29 +5,25 @@
     <p:sldMasterId id="2147483752" r:id="rId1"/>
   </p:sldMasterIdLst>
   <p:notesMasterIdLst>
-    <p:notesMasterId r:id="rId22"/>
+    <p:notesMasterId r:id="rId18"/>
   </p:notesMasterIdLst>
   <p:sldIdLst>
     <p:sldId id="256" r:id="rId2"/>
     <p:sldId id="274" r:id="rId3"/>
-    <p:sldId id="258" r:id="rId4"/>
-    <p:sldId id="259" r:id="rId5"/>
-    <p:sldId id="260" r:id="rId6"/>
-    <p:sldId id="275" r:id="rId7"/>
-    <p:sldId id="276" r:id="rId8"/>
-    <p:sldId id="277" r:id="rId9"/>
-    <p:sldId id="261" r:id="rId10"/>
-    <p:sldId id="262" r:id="rId11"/>
-    <p:sldId id="269" r:id="rId12"/>
-    <p:sldId id="264" r:id="rId13"/>
-    <p:sldId id="273" r:id="rId14"/>
-    <p:sldId id="272" r:id="rId15"/>
-    <p:sldId id="270" r:id="rId16"/>
-    <p:sldId id="271" r:id="rId17"/>
-    <p:sldId id="265" r:id="rId18"/>
-    <p:sldId id="266" r:id="rId19"/>
-    <p:sldId id="267" r:id="rId20"/>
-    <p:sldId id="268" r:id="rId21"/>
+    <p:sldId id="275" r:id="rId4"/>
+    <p:sldId id="276" r:id="rId5"/>
+    <p:sldId id="277" r:id="rId6"/>
+    <p:sldId id="261" r:id="rId7"/>
+    <p:sldId id="262" r:id="rId8"/>
+    <p:sldId id="269" r:id="rId9"/>
+    <p:sldId id="264" r:id="rId10"/>
+    <p:sldId id="273" r:id="rId11"/>
+    <p:sldId id="272" r:id="rId12"/>
+    <p:sldId id="270" r:id="rId13"/>
+    <p:sldId id="271" r:id="rId14"/>
+    <p:sldId id="265" r:id="rId15"/>
+    <p:sldId id="266" r:id="rId16"/>
+    <p:sldId id="278" r:id="rId17"/>
   </p:sldIdLst>
   <p:sldSz cx="12192000" cy="6858000"/>
   <p:notesSz cx="6858000" cy="9144000"/>
@@ -137,9 +133,6 @@
         </p14:section>
         <p14:section name="Datasets" id="{DD5AF4BF-4F42-F541-A9FC-8CFA6D01BB81}">
           <p14:sldIdLst>
-            <p14:sldId id="258"/>
-            <p14:sldId id="259"/>
-            <p14:sldId id="260"/>
             <p14:sldId id="275"/>
             <p14:sldId id="276"/>
             <p14:sldId id="277"/>
@@ -161,8 +154,7 @@
             <p14:sldId id="271"/>
             <p14:sldId id="265"/>
             <p14:sldId id="266"/>
-            <p14:sldId id="267"/>
-            <p14:sldId id="268"/>
+            <p14:sldId id="278"/>
           </p14:sldIdLst>
         </p14:section>
       </p14:sectionLst>
@@ -505,9 +497,9 @@
           <c:layoutTarget val="inner"/>
           <c:xMode val="edge"/>
           <c:yMode val="edge"/>
-          <c:x val="0.28291598034500937"/>
+          <c:x val="0.40368893869003553"/>
           <c:y val="2.8529429423664682E-2"/>
-          <c:w val="0.68914923438978593"/>
+          <c:w val="0.56837627604475982"/>
           <c:h val="0.89703020280196977"/>
         </c:manualLayout>
       </c:layout>
@@ -663,7 +655,7 @@
           <a:lstStyle/>
           <a:p>
             <a:pPr>
-              <a:defRPr sz="1600" b="0" i="0" u="none" strike="noStrike" kern="1200" baseline="0">
+              <a:defRPr sz="2000" b="0" i="0" u="none" strike="noStrike" kern="1200" baseline="0">
                 <a:solidFill>
                   <a:schemeClr val="tx1">
                     <a:lumMod val="65000"/>
@@ -733,7 +725,7 @@
           <a:lstStyle/>
           <a:p>
             <a:pPr>
-              <a:defRPr sz="1197" b="0" i="0" u="none" strike="noStrike" kern="1200" baseline="0">
+              <a:defRPr sz="1800" b="0" i="0" u="none" strike="noStrike" kern="1200" baseline="0">
                 <a:solidFill>
                   <a:schemeClr val="tx1">
                     <a:lumMod val="65000"/>
@@ -963,7 +955,7 @@
           <a:lstStyle/>
           <a:p>
             <a:pPr>
-              <a:defRPr sz="1600" b="0" i="0" u="none" strike="noStrike" kern="1200" baseline="0">
+              <a:defRPr sz="2000" b="0" i="0" u="none" strike="noStrike" kern="1200" baseline="0">
                 <a:solidFill>
                   <a:schemeClr val="tx1">
                     <a:lumMod val="65000"/>
@@ -1033,7 +1025,7 @@
           <a:lstStyle/>
           <a:p>
             <a:pPr>
-              <a:defRPr sz="1197" b="0" i="0" u="none" strike="noStrike" kern="1200" baseline="0">
+              <a:defRPr sz="1800" b="0" i="0" u="none" strike="noStrike" kern="1200" baseline="0">
                 <a:solidFill>
                   <a:schemeClr val="tx1">
                     <a:lumMod val="65000"/>
@@ -1668,6 +1660,24 @@
             </a:solidFill>
           </cx:spPr>
           <cx:dataLabels>
+            <cx:txPr>
+              <a:bodyPr spcFirstLastPara="1" vertOverflow="ellipsis" horzOverflow="overflow" wrap="square" lIns="0" tIns="0" rIns="0" bIns="0" anchor="ctr" anchorCtr="1"/>
+              <a:lstStyle/>
+              <a:p>
+                <a:pPr algn="ctr" rtl="0">
+                  <a:defRPr sz="1600"/>
+                </a:pPr>
+                <a:endParaRPr lang="en-GB" sz="1600" b="0" i="0" u="none" strike="noStrike" baseline="0">
+                  <a:solidFill>
+                    <a:prstClr val="black">
+                      <a:lumMod val="65000"/>
+                      <a:lumOff val="35000"/>
+                    </a:prstClr>
+                  </a:solidFill>
+                  <a:latin typeface="Calibri" panose="020F0502020204030204"/>
+                </a:endParaRPr>
+              </a:p>
+            </cx:txPr>
             <cx:visibility seriesName="0" categoryName="0" value="1"/>
           </cx:dataLabels>
           <cx:dataId val="0"/>
@@ -1681,9 +1691,9 @@
           <a:lstStyle/>
           <a:p>
             <a:pPr algn="ctr" rtl="0">
-              <a:defRPr sz="1600" b="1"/>
+              <a:defRPr sz="1800" b="1"/>
             </a:pPr>
-            <a:endParaRPr lang="en-GB" sz="1600" b="1" i="0" u="none" strike="noStrike" baseline="0">
+            <a:endParaRPr lang="en-GB" sz="1800" b="1" i="0" u="none" strike="noStrike" baseline="0">
               <a:solidFill>
                 <a:prstClr val="black">
                   <a:lumMod val="65000"/>
@@ -5661,6 +5671,90 @@
           <a:bodyPr/>
           <a:lstStyle/>
           <a:p>
+            <a:endParaRPr lang="de-DE" dirty="0"/>
+          </a:p>
+        </p:txBody>
+      </p:sp>
+      <p:sp>
+        <p:nvSpPr>
+          <p:cNvPr id="4" name="Slide Number Placeholder 3"/>
+          <p:cNvSpPr>
+            <a:spLocks noGrp="1"/>
+          </p:cNvSpPr>
+          <p:nvPr>
+            <p:ph type="sldNum" sz="quarter" idx="5"/>
+          </p:nvPr>
+        </p:nvSpPr>
+        <p:spPr/>
+        <p:txBody>
+          <a:bodyPr/>
+          <a:lstStyle/>
+          <a:p>
+            <a:fld id="{E2F6A15D-2D23-BE48-9C2A-D0FCD03DEB3E}" type="slidenum">
+              <a:rPr lang="de-DE" smtClean="0"/>
+              <a:t>8</a:t>
+            </a:fld>
+            <a:endParaRPr lang="de-DE"/>
+          </a:p>
+        </p:txBody>
+      </p:sp>
+    </p:spTree>
+    <p:extLst>
+      <p:ext uri="{BB962C8B-B14F-4D97-AF65-F5344CB8AC3E}">
+        <p14:creationId xmlns:p14="http://schemas.microsoft.com/office/powerpoint/2010/main" val="3075266283"/>
+      </p:ext>
+    </p:extLst>
+  </p:cSld>
+  <p:clrMapOvr>
+    <a:masterClrMapping/>
+  </p:clrMapOvr>
+</p:notes>
+</file>
+
+<file path=ppt/notesSlides/notesSlide2.xml><?xml version="1.0" encoding="utf-8"?>
+<p:notes xmlns:a="http://schemas.openxmlformats.org/drawingml/2006/main" xmlns:r="http://schemas.openxmlformats.org/officeDocument/2006/relationships" xmlns:p="http://schemas.openxmlformats.org/presentationml/2006/main">
+  <p:cSld>
+    <p:spTree>
+      <p:nvGrpSpPr>
+        <p:cNvPr id="1" name=""/>
+        <p:cNvGrpSpPr/>
+        <p:nvPr/>
+      </p:nvGrpSpPr>
+      <p:grpSpPr>
+        <a:xfrm>
+          <a:off x="0" y="0"/>
+          <a:ext cx="0" cy="0"/>
+          <a:chOff x="0" y="0"/>
+          <a:chExt cx="0" cy="0"/>
+        </a:xfrm>
+      </p:grpSpPr>
+      <p:sp>
+        <p:nvSpPr>
+          <p:cNvPr id="2" name="Slide Image Placeholder 1"/>
+          <p:cNvSpPr>
+            <a:spLocks noGrp="1" noRot="1" noChangeAspect="1"/>
+          </p:cNvSpPr>
+          <p:nvPr>
+            <p:ph type="sldImg"/>
+          </p:nvPr>
+        </p:nvSpPr>
+        <p:spPr/>
+      </p:sp>
+      <p:sp>
+        <p:nvSpPr>
+          <p:cNvPr id="3" name="Notes Placeholder 2"/>
+          <p:cNvSpPr>
+            <a:spLocks noGrp="1"/>
+          </p:cNvSpPr>
+          <p:nvPr>
+            <p:ph type="body" idx="1"/>
+          </p:nvPr>
+        </p:nvSpPr>
+        <p:spPr/>
+        <p:txBody>
+          <a:bodyPr/>
+          <a:lstStyle/>
+          <a:p>
             <a:r>
               <a:rPr lang="de-DE" dirty="0"/>
               <a:t>Was bedeutet beliebt?</a:t>
@@ -5694,7 +5788,7 @@
           <a:p>
             <a:fld id="{E2F6A15D-2D23-BE48-9C2A-D0FCD03DEB3E}" type="slidenum">
               <a:rPr lang="de-DE" smtClean="0"/>
-              <a:t>12</a:t>
+              <a:t>9</a:t>
             </a:fld>
             <a:endParaRPr lang="de-DE"/>
           </a:p>
@@ -5713,7 +5807,7 @@
 </p:notes>
 </file>
 
-<file path=ppt/notesSlides/notesSlide2.xml><?xml version="1.0" encoding="utf-8"?>
+<file path=ppt/notesSlides/notesSlide3.xml><?xml version="1.0" encoding="utf-8"?>
 <p:notes xmlns:a="http://schemas.openxmlformats.org/drawingml/2006/main" xmlns:r="http://schemas.openxmlformats.org/officeDocument/2006/relationships" xmlns:p="http://schemas.openxmlformats.org/presentationml/2006/main">
   <p:cSld>
     <p:spTree>
@@ -5778,7 +5872,7 @@
           <a:p>
             <a:fld id="{E2F6A15D-2D23-BE48-9C2A-D0FCD03DEB3E}" type="slidenum">
               <a:rPr lang="de-DE" smtClean="0"/>
-              <a:t>14</a:t>
+              <a:t>11</a:t>
             </a:fld>
             <a:endParaRPr lang="de-DE"/>
           </a:p>
@@ -5797,7 +5891,7 @@
 </p:notes>
 </file>
 
-<file path=ppt/notesSlides/notesSlide3.xml><?xml version="1.0" encoding="utf-8"?>
+<file path=ppt/notesSlides/notesSlide4.xml><?xml version="1.0" encoding="utf-8"?>
 <p:notes xmlns:a="http://schemas.openxmlformats.org/drawingml/2006/main" xmlns:r="http://schemas.openxmlformats.org/officeDocument/2006/relationships" xmlns:p="http://schemas.openxmlformats.org/presentationml/2006/main">
   <p:cSld>
     <p:spTree>
@@ -5865,7 +5959,7 @@
           <a:p>
             <a:fld id="{E2F6A15D-2D23-BE48-9C2A-D0FCD03DEB3E}" type="slidenum">
               <a:rPr lang="de-DE" smtClean="0"/>
-              <a:t>15</a:t>
+              <a:t>12</a:t>
             </a:fld>
             <a:endParaRPr lang="de-DE"/>
           </a:p>
@@ -9186,2580 +9280,6 @@
           <a:chExt cx="0" cy="0"/>
         </a:xfrm>
       </p:grpSpPr>
-      <p:graphicFrame>
-        <p:nvGraphicFramePr>
-          <p:cNvPr id="4" name="Table 3">
-            <a:extLst>
-              <a:ext uri="{FF2B5EF4-FFF2-40B4-BE49-F238E27FC236}">
-                <a16:creationId xmlns:a16="http://schemas.microsoft.com/office/drawing/2014/main" id="{8A4B0A30-A87A-1D6B-E61B-3FD59EE8E49A}"/>
-              </a:ext>
-            </a:extLst>
-          </p:cNvPr>
-          <p:cNvGraphicFramePr>
-            <a:graphicFrameLocks noGrp="1"/>
-          </p:cNvGraphicFramePr>
-          <p:nvPr>
-            <p:extLst>
-              <p:ext uri="{D42A27DB-BD31-4B8C-83A1-F6EECF244321}">
-                <p14:modId xmlns:p14="http://schemas.microsoft.com/office/powerpoint/2010/main" val="4264167445"/>
-              </p:ext>
-            </p:extLst>
-          </p:nvPr>
-        </p:nvGraphicFramePr>
-        <p:xfrm>
-          <a:off x="667014" y="499838"/>
-          <a:ext cx="4153981" cy="1483360"/>
-        </p:xfrm>
-        <a:graphic>
-          <a:graphicData uri="http://schemas.openxmlformats.org/drawingml/2006/table">
-            <a:tbl>
-              <a:tblPr firstRow="1" bandRow="1">
-                <a:tableStyleId>{073A0DAA-6AF3-43AB-8588-CEC1D06C72B9}</a:tableStyleId>
-              </a:tblPr>
-              <a:tblGrid>
-                <a:gridCol w="413068">
-                  <a:extLst>
-                    <a:ext uri="{9D8B030D-6E8A-4147-A177-3AD203B41FA5}">
-                      <a16:colId xmlns:a16="http://schemas.microsoft.com/office/drawing/2014/main" val="890423038"/>
-                    </a:ext>
-                  </a:extLst>
-                </a:gridCol>
-                <a:gridCol w="1917192">
-                  <a:extLst>
-                    <a:ext uri="{9D8B030D-6E8A-4147-A177-3AD203B41FA5}">
-                      <a16:colId xmlns:a16="http://schemas.microsoft.com/office/drawing/2014/main" val="781179739"/>
-                    </a:ext>
-                  </a:extLst>
-                </a:gridCol>
-                <a:gridCol w="1426528">
-                  <a:extLst>
-                    <a:ext uri="{9D8B030D-6E8A-4147-A177-3AD203B41FA5}">
-                      <a16:colId xmlns:a16="http://schemas.microsoft.com/office/drawing/2014/main" val="1262337292"/>
-                    </a:ext>
-                  </a:extLst>
-                </a:gridCol>
-                <a:gridCol w="397193">
-                  <a:extLst>
-                    <a:ext uri="{9D8B030D-6E8A-4147-A177-3AD203B41FA5}">
-                      <a16:colId xmlns:a16="http://schemas.microsoft.com/office/drawing/2014/main" val="3131219099"/>
-                    </a:ext>
-                  </a:extLst>
-                </a:gridCol>
-              </a:tblGrid>
-              <a:tr h="370840">
-                <a:tc>
-                  <a:txBody>
-                    <a:bodyPr/>
-                    <a:lstStyle/>
-                    <a:p>
-                      <a:r>
-                        <a:rPr lang="de-DE" dirty="0" err="1"/>
-                        <a:t>id</a:t>
-                      </a:r>
-                      <a:endParaRPr lang="de-DE" dirty="0"/>
-                    </a:p>
-                  </a:txBody>
-                  <a:tcPr/>
-                </a:tc>
-                <a:tc>
-                  <a:txBody>
-                    <a:bodyPr/>
-                    <a:lstStyle/>
-                    <a:p>
-                      <a:r>
-                        <a:rPr lang="de-DE" dirty="0" err="1"/>
-                        <a:t>name</a:t>
-                      </a:r>
-                      <a:endParaRPr lang="de-DE" dirty="0"/>
-                    </a:p>
-                  </a:txBody>
-                  <a:tcPr/>
-                </a:tc>
-                <a:tc>
-                  <a:txBody>
-                    <a:bodyPr/>
-                    <a:lstStyle/>
-                    <a:p>
-                      <a:r>
-                        <a:rPr lang="de-DE" dirty="0" err="1"/>
-                        <a:t>artists</a:t>
-                      </a:r>
-                      <a:endParaRPr lang="de-DE" dirty="0"/>
-                    </a:p>
-                  </a:txBody>
-                  <a:tcPr/>
-                </a:tc>
-                <a:tc>
-                  <a:txBody>
-                    <a:bodyPr/>
-                    <a:lstStyle/>
-                    <a:p>
-                      <a:pPr algn="ctr"/>
-                      <a:r>
-                        <a:rPr lang="de-DE" dirty="0"/>
-                        <a:t>…</a:t>
-                      </a:r>
-                    </a:p>
-                  </a:txBody>
-                  <a:tcPr/>
-                </a:tc>
-                <a:extLst>
-                  <a:ext uri="{0D108BD9-81ED-4DB2-BD59-A6C34878D82A}">
-                    <a16:rowId xmlns:a16="http://schemas.microsoft.com/office/drawing/2014/main" val="3939200465"/>
-                  </a:ext>
-                </a:extLst>
-              </a:tr>
-              <a:tr h="370840">
-                <a:tc>
-                  <a:txBody>
-                    <a:bodyPr/>
-                    <a:lstStyle/>
-                    <a:p>
-                      <a:r>
-                        <a:rPr lang="en-GB" sz="1800" b="0" kern="1200" dirty="0">
-                          <a:solidFill>
-                            <a:schemeClr val="dk1"/>
-                          </a:solidFill>
-                          <a:effectLst/>
-                          <a:latin typeface="+mn-lt"/>
-                          <a:ea typeface="+mn-ea"/>
-                          <a:cs typeface="+mn-cs"/>
-                        </a:rPr>
-                        <a:t>a</a:t>
-                      </a:r>
-                      <a:endParaRPr lang="de-DE" dirty="0"/>
-                    </a:p>
-                  </a:txBody>
-                  <a:tcPr/>
-                </a:tc>
-                <a:tc>
-                  <a:txBody>
-                    <a:bodyPr/>
-                    <a:lstStyle/>
-                    <a:p>
-                      <a:r>
-                        <a:rPr lang="en-GB" sz="1800" b="0" kern="1200" dirty="0">
-                          <a:solidFill>
-                            <a:schemeClr val="dk1"/>
-                          </a:solidFill>
-                          <a:effectLst/>
-                          <a:latin typeface="+mn-lt"/>
-                          <a:ea typeface="+mn-ea"/>
-                          <a:cs typeface="+mn-cs"/>
-                        </a:rPr>
-                        <a:t>Flash </a:t>
-                      </a:r>
-                      <a:r>
-                        <a:rPr lang="en-GB" sz="1800" b="0" kern="1200" dirty="0" err="1">
-                          <a:solidFill>
-                            <a:schemeClr val="dk1"/>
-                          </a:solidFill>
-                          <a:effectLst/>
-                          <a:latin typeface="+mn-lt"/>
-                          <a:ea typeface="+mn-ea"/>
-                          <a:cs typeface="+mn-cs"/>
-                        </a:rPr>
-                        <a:t>mich</a:t>
-                      </a:r>
-                      <a:endParaRPr lang="de-DE" dirty="0"/>
-                    </a:p>
-                  </a:txBody>
-                  <a:tcPr/>
-                </a:tc>
-                <a:tc>
-                  <a:txBody>
-                    <a:bodyPr/>
-                    <a:lstStyle/>
-                    <a:p>
-                      <a:r>
-                        <a:rPr lang="en-GB" sz="1800" b="0" kern="1200" dirty="0">
-                          <a:solidFill>
-                            <a:schemeClr val="dk1"/>
-                          </a:solidFill>
-                          <a:effectLst/>
-                          <a:latin typeface="+mn-lt"/>
-                          <a:ea typeface="+mn-ea"/>
-                          <a:cs typeface="+mn-cs"/>
-                        </a:rPr>
-                        <a:t>Mark Forster</a:t>
-                      </a:r>
-                      <a:endParaRPr lang="de-DE" dirty="0"/>
-                    </a:p>
-                  </a:txBody>
-                  <a:tcPr/>
-                </a:tc>
-                <a:tc>
-                  <a:txBody>
-                    <a:bodyPr/>
-                    <a:lstStyle/>
-                    <a:p>
-                      <a:pPr algn="ctr"/>
-                      <a:r>
-                        <a:rPr lang="de-DE" dirty="0"/>
-                        <a:t>…</a:t>
-                      </a:r>
-                    </a:p>
-                  </a:txBody>
-                  <a:tcPr/>
-                </a:tc>
-                <a:extLst>
-                  <a:ext uri="{0D108BD9-81ED-4DB2-BD59-A6C34878D82A}">
-                    <a16:rowId xmlns:a16="http://schemas.microsoft.com/office/drawing/2014/main" val="2209162385"/>
-                  </a:ext>
-                </a:extLst>
-              </a:tr>
-              <a:tr h="370840">
-                <a:tc>
-                  <a:txBody>
-                    <a:bodyPr/>
-                    <a:lstStyle/>
-                    <a:p>
-                      <a:pPr marL="0" marR="0" lvl="0" indent="0" algn="l" defTabSz="914400" rtl="0" eaLnBrk="1" fontAlgn="auto" latinLnBrk="0" hangingPunct="1">
-                        <a:lnSpc>
-                          <a:spcPct val="100000"/>
-                        </a:lnSpc>
-                        <a:spcBef>
-                          <a:spcPts val="0"/>
-                        </a:spcBef>
-                        <a:spcAft>
-                          <a:spcPts val="0"/>
-                        </a:spcAft>
-                        <a:buClrTx/>
-                        <a:buSzTx/>
-                        <a:buFontTx/>
-                        <a:buNone/>
-                        <a:tabLst/>
-                        <a:defRPr/>
-                      </a:pPr>
-                      <a:r>
-                        <a:rPr lang="en-GB" sz="1800" b="0" kern="1200" dirty="0">
-                          <a:solidFill>
-                            <a:schemeClr val="dk1"/>
-                          </a:solidFill>
-                          <a:effectLst/>
-                          <a:latin typeface="+mn-lt"/>
-                          <a:ea typeface="+mn-ea"/>
-                          <a:cs typeface="+mn-cs"/>
-                        </a:rPr>
-                        <a:t>b</a:t>
-                      </a:r>
-                      <a:endParaRPr lang="de-DE" dirty="0"/>
-                    </a:p>
-                  </a:txBody>
-                  <a:tcPr/>
-                </a:tc>
-                <a:tc>
-                  <a:txBody>
-                    <a:bodyPr/>
-                    <a:lstStyle/>
-                    <a:p>
-                      <a:r>
-                        <a:rPr lang="en-GB" sz="1800" b="0" kern="1200" dirty="0">
-                          <a:solidFill>
-                            <a:schemeClr val="dk1"/>
-                          </a:solidFill>
-                          <a:effectLst/>
-                          <a:latin typeface="+mn-lt"/>
-                          <a:ea typeface="+mn-ea"/>
-                          <a:cs typeface="+mn-cs"/>
-                        </a:rPr>
-                        <a:t>Mine (feat. Drake)</a:t>
-                      </a:r>
-                      <a:endParaRPr lang="de-DE" dirty="0"/>
-                    </a:p>
-                  </a:txBody>
-                  <a:tcPr/>
-                </a:tc>
-                <a:tc>
-                  <a:txBody>
-                    <a:bodyPr/>
-                    <a:lstStyle/>
-                    <a:p>
-                      <a:pPr marL="0" marR="0" lvl="0" indent="0" algn="l" defTabSz="914400" rtl="0" eaLnBrk="1" fontAlgn="auto" latinLnBrk="0" hangingPunct="1">
-                        <a:lnSpc>
-                          <a:spcPct val="100000"/>
-                        </a:lnSpc>
-                        <a:spcBef>
-                          <a:spcPts val="0"/>
-                        </a:spcBef>
-                        <a:spcAft>
-                          <a:spcPts val="0"/>
-                        </a:spcAft>
-                        <a:buClrTx/>
-                        <a:buSzTx/>
-                        <a:buFontTx/>
-                        <a:buNone/>
-                        <a:tabLst/>
-                        <a:defRPr/>
-                      </a:pPr>
-                      <a:r>
-                        <a:rPr lang="en-GB" sz="1800" b="0" kern="1200" dirty="0">
-                          <a:solidFill>
-                            <a:schemeClr val="dk1"/>
-                          </a:solidFill>
-                          <a:effectLst/>
-                          <a:latin typeface="+mn-lt"/>
-                          <a:ea typeface="+mn-ea"/>
-                          <a:cs typeface="+mn-cs"/>
-                        </a:rPr>
-                        <a:t>Beyoncé</a:t>
-                      </a:r>
-                    </a:p>
-                  </a:txBody>
-                  <a:tcPr/>
-                </a:tc>
-                <a:tc>
-                  <a:txBody>
-                    <a:bodyPr/>
-                    <a:lstStyle/>
-                    <a:p>
-                      <a:pPr algn="ctr"/>
-                      <a:r>
-                        <a:rPr lang="de-DE" dirty="0"/>
-                        <a:t>…</a:t>
-                      </a:r>
-                    </a:p>
-                  </a:txBody>
-                  <a:tcPr/>
-                </a:tc>
-                <a:extLst>
-                  <a:ext uri="{0D108BD9-81ED-4DB2-BD59-A6C34878D82A}">
-                    <a16:rowId xmlns:a16="http://schemas.microsoft.com/office/drawing/2014/main" val="1102608945"/>
-                  </a:ext>
-                </a:extLst>
-              </a:tr>
-              <a:tr h="370840">
-                <a:tc>
-                  <a:txBody>
-                    <a:bodyPr/>
-                    <a:lstStyle/>
-                    <a:p>
-                      <a:pPr marL="0" marR="0" lvl="0" indent="0" algn="l" defTabSz="914400" rtl="0" eaLnBrk="1" fontAlgn="auto" latinLnBrk="0" hangingPunct="1">
-                        <a:lnSpc>
-                          <a:spcPct val="100000"/>
-                        </a:lnSpc>
-                        <a:spcBef>
-                          <a:spcPts val="0"/>
-                        </a:spcBef>
-                        <a:spcAft>
-                          <a:spcPts val="0"/>
-                        </a:spcAft>
-                        <a:buClrTx/>
-                        <a:buSzTx/>
-                        <a:buFontTx/>
-                        <a:buNone/>
-                        <a:tabLst/>
-                        <a:defRPr/>
-                      </a:pPr>
-                      <a:r>
-                        <a:rPr lang="en-GB" sz="1800" b="0" kern="1200" dirty="0">
-                          <a:solidFill>
-                            <a:schemeClr val="dk1"/>
-                          </a:solidFill>
-                          <a:effectLst/>
-                          <a:latin typeface="+mn-lt"/>
-                          <a:ea typeface="+mn-ea"/>
-                          <a:cs typeface="+mn-cs"/>
-                        </a:rPr>
-                        <a:t>b</a:t>
-                      </a:r>
-                      <a:endParaRPr lang="de-DE" dirty="0"/>
-                    </a:p>
-                  </a:txBody>
-                  <a:tcPr/>
-                </a:tc>
-                <a:tc>
-                  <a:txBody>
-                    <a:bodyPr/>
-                    <a:lstStyle/>
-                    <a:p>
-                      <a:r>
-                        <a:rPr lang="en-GB" sz="1800" b="0" kern="1200" dirty="0">
-                          <a:solidFill>
-                            <a:schemeClr val="dk1"/>
-                          </a:solidFill>
-                          <a:effectLst/>
-                          <a:latin typeface="+mn-lt"/>
-                          <a:ea typeface="+mn-ea"/>
-                          <a:cs typeface="+mn-cs"/>
-                        </a:rPr>
-                        <a:t>Mine (feat. Drake)</a:t>
-                      </a:r>
-                      <a:endParaRPr lang="de-DE" dirty="0"/>
-                    </a:p>
-                  </a:txBody>
-                  <a:tcPr/>
-                </a:tc>
-                <a:tc>
-                  <a:txBody>
-                    <a:bodyPr/>
-                    <a:lstStyle/>
-                    <a:p>
-                      <a:pPr marL="0" marR="0" lvl="0" indent="0" algn="l" defTabSz="914400" rtl="0" eaLnBrk="1" fontAlgn="auto" latinLnBrk="0" hangingPunct="1">
-                        <a:lnSpc>
-                          <a:spcPct val="100000"/>
-                        </a:lnSpc>
-                        <a:spcBef>
-                          <a:spcPts val="0"/>
-                        </a:spcBef>
-                        <a:spcAft>
-                          <a:spcPts val="0"/>
-                        </a:spcAft>
-                        <a:buClrTx/>
-                        <a:buSzTx/>
-                        <a:buFontTx/>
-                        <a:buNone/>
-                        <a:tabLst/>
-                        <a:defRPr/>
-                      </a:pPr>
-                      <a:r>
-                        <a:rPr lang="en-GB" sz="1800" b="0" kern="1200" dirty="0">
-                          <a:solidFill>
-                            <a:schemeClr val="dk1"/>
-                          </a:solidFill>
-                          <a:effectLst/>
-                          <a:latin typeface="+mn-lt"/>
-                          <a:ea typeface="+mn-ea"/>
-                          <a:cs typeface="+mn-cs"/>
-                        </a:rPr>
-                        <a:t>Drake</a:t>
-                      </a:r>
-                    </a:p>
-                  </a:txBody>
-                  <a:tcPr/>
-                </a:tc>
-                <a:tc>
-                  <a:txBody>
-                    <a:bodyPr/>
-                    <a:lstStyle/>
-                    <a:p>
-                      <a:pPr algn="ctr"/>
-                      <a:r>
-                        <a:rPr lang="de-DE" dirty="0"/>
-                        <a:t>…</a:t>
-                      </a:r>
-                    </a:p>
-                  </a:txBody>
-                  <a:tcPr/>
-                </a:tc>
-                <a:extLst>
-                  <a:ext uri="{0D108BD9-81ED-4DB2-BD59-A6C34878D82A}">
-                    <a16:rowId xmlns:a16="http://schemas.microsoft.com/office/drawing/2014/main" val="2118463825"/>
-                  </a:ext>
-                </a:extLst>
-              </a:tr>
-            </a:tbl>
-          </a:graphicData>
-        </a:graphic>
-      </p:graphicFrame>
-      <p:graphicFrame>
-        <p:nvGraphicFramePr>
-          <p:cNvPr id="5" name="Table 8">
-            <a:extLst>
-              <a:ext uri="{FF2B5EF4-FFF2-40B4-BE49-F238E27FC236}">
-                <a16:creationId xmlns:a16="http://schemas.microsoft.com/office/drawing/2014/main" id="{5E8CA241-8839-4CE5-F4A5-2FB09ED13846}"/>
-              </a:ext>
-            </a:extLst>
-          </p:cNvPr>
-          <p:cNvGraphicFramePr>
-            <a:graphicFrameLocks noGrp="1"/>
-          </p:cNvGraphicFramePr>
-          <p:nvPr>
-            <p:extLst>
-              <p:ext uri="{D42A27DB-BD31-4B8C-83A1-F6EECF244321}">
-                <p14:modId xmlns:p14="http://schemas.microsoft.com/office/powerpoint/2010/main" val="2794925736"/>
-              </p:ext>
-            </p:extLst>
-          </p:nvPr>
-        </p:nvGraphicFramePr>
-        <p:xfrm>
-          <a:off x="5519231" y="499301"/>
-          <a:ext cx="6172010" cy="2763520"/>
-        </p:xfrm>
-        <a:graphic>
-          <a:graphicData uri="http://schemas.openxmlformats.org/drawingml/2006/table">
-            <a:tbl>
-              <a:tblPr firstRow="1" bandRow="1">
-                <a:tableStyleId>{073A0DAA-6AF3-43AB-8588-CEC1D06C72B9}</a:tableStyleId>
-              </a:tblPr>
-              <a:tblGrid>
-                <a:gridCol w="935355">
-                  <a:extLst>
-                    <a:ext uri="{9D8B030D-6E8A-4147-A177-3AD203B41FA5}">
-                      <a16:colId xmlns:a16="http://schemas.microsoft.com/office/drawing/2014/main" val="3444933664"/>
-                    </a:ext>
-                  </a:extLst>
-                </a:gridCol>
-                <a:gridCol w="1266190">
-                  <a:extLst>
-                    <a:ext uri="{9D8B030D-6E8A-4147-A177-3AD203B41FA5}">
-                      <a16:colId xmlns:a16="http://schemas.microsoft.com/office/drawing/2014/main" val="4184430502"/>
-                    </a:ext>
-                  </a:extLst>
-                </a:gridCol>
-                <a:gridCol w="1917192">
-                  <a:extLst>
-                    <a:ext uri="{9D8B030D-6E8A-4147-A177-3AD203B41FA5}">
-                      <a16:colId xmlns:a16="http://schemas.microsoft.com/office/drawing/2014/main" val="937895844"/>
-                    </a:ext>
-                  </a:extLst>
-                </a:gridCol>
-                <a:gridCol w="2053273">
-                  <a:extLst>
-                    <a:ext uri="{9D8B030D-6E8A-4147-A177-3AD203B41FA5}">
-                      <a16:colId xmlns:a16="http://schemas.microsoft.com/office/drawing/2014/main" val="4111502859"/>
-                    </a:ext>
-                  </a:extLst>
-                </a:gridCol>
-              </a:tblGrid>
-              <a:tr h="370840">
-                <a:tc>
-                  <a:txBody>
-                    <a:bodyPr/>
-                    <a:lstStyle/>
-                    <a:p>
-                      <a:r>
-                        <a:rPr lang="de-DE" dirty="0" err="1"/>
-                        <a:t>user_id</a:t>
-                      </a:r>
-                      <a:endParaRPr lang="de-DE" dirty="0"/>
-                    </a:p>
-                  </a:txBody>
-                  <a:tcPr/>
-                </a:tc>
-                <a:tc>
-                  <a:txBody>
-                    <a:bodyPr/>
-                    <a:lstStyle/>
-                    <a:p>
-                      <a:r>
-                        <a:rPr lang="de-DE" dirty="0" err="1"/>
-                        <a:t>artistname</a:t>
-                      </a:r>
-                      <a:endParaRPr lang="de-DE" dirty="0"/>
-                    </a:p>
-                  </a:txBody>
-                  <a:tcPr/>
-                </a:tc>
-                <a:tc>
-                  <a:txBody>
-                    <a:bodyPr/>
-                    <a:lstStyle/>
-                    <a:p>
-                      <a:r>
-                        <a:rPr lang="de-DE" dirty="0" err="1"/>
-                        <a:t>trackname</a:t>
-                      </a:r>
-                      <a:endParaRPr lang="de-DE" dirty="0"/>
-                    </a:p>
-                  </a:txBody>
-                  <a:tcPr/>
-                </a:tc>
-                <a:tc>
-                  <a:txBody>
-                    <a:bodyPr/>
-                    <a:lstStyle/>
-                    <a:p>
-                      <a:r>
-                        <a:rPr lang="de-DE" dirty="0" err="1"/>
-                        <a:t>playlistname</a:t>
-                      </a:r>
-                      <a:endParaRPr lang="de-DE" dirty="0"/>
-                    </a:p>
-                  </a:txBody>
-                  <a:tcPr/>
-                </a:tc>
-                <a:extLst>
-                  <a:ext uri="{0D108BD9-81ED-4DB2-BD59-A6C34878D82A}">
-                    <a16:rowId xmlns:a16="http://schemas.microsoft.com/office/drawing/2014/main" val="2765778750"/>
-                  </a:ext>
-                </a:extLst>
-              </a:tr>
-              <a:tr h="370840">
-                <a:tc>
-                  <a:txBody>
-                    <a:bodyPr/>
-                    <a:lstStyle/>
-                    <a:p>
-                      <a:r>
-                        <a:rPr lang="de-DE" dirty="0"/>
-                        <a:t>u1</a:t>
-                      </a:r>
-                    </a:p>
-                  </a:txBody>
-                  <a:tcPr/>
-                </a:tc>
-                <a:tc>
-                  <a:txBody>
-                    <a:bodyPr/>
-                    <a:lstStyle/>
-                    <a:p>
-                      <a:pPr marL="0" marR="0" lvl="0" indent="0" algn="l" defTabSz="914400" rtl="0" eaLnBrk="1" fontAlgn="auto" latinLnBrk="0" hangingPunct="1">
-                        <a:lnSpc>
-                          <a:spcPct val="100000"/>
-                        </a:lnSpc>
-                        <a:spcBef>
-                          <a:spcPts val="0"/>
-                        </a:spcBef>
-                        <a:spcAft>
-                          <a:spcPts val="0"/>
-                        </a:spcAft>
-                        <a:buClrTx/>
-                        <a:buSzTx/>
-                        <a:buFontTx/>
-                        <a:buNone/>
-                        <a:tabLst/>
-                        <a:defRPr/>
-                      </a:pPr>
-                      <a:r>
-                        <a:rPr lang="en-GB" sz="1800" b="0" kern="1200" dirty="0">
-                          <a:solidFill>
-                            <a:schemeClr val="dk1"/>
-                          </a:solidFill>
-                          <a:effectLst/>
-                          <a:latin typeface="+mn-lt"/>
-                          <a:ea typeface="+mn-ea"/>
-                          <a:cs typeface="+mn-cs"/>
-                        </a:rPr>
-                        <a:t>Beyoncé</a:t>
-                      </a:r>
-                    </a:p>
-                  </a:txBody>
-                  <a:tcPr/>
-                </a:tc>
-                <a:tc>
-                  <a:txBody>
-                    <a:bodyPr/>
-                    <a:lstStyle/>
-                    <a:p>
-                      <a:pPr marL="0" marR="0" lvl="0" indent="0" algn="l" defTabSz="914400" rtl="0" eaLnBrk="1" fontAlgn="auto" latinLnBrk="0" hangingPunct="1">
-                        <a:lnSpc>
-                          <a:spcPct val="100000"/>
-                        </a:lnSpc>
-                        <a:spcBef>
-                          <a:spcPts val="0"/>
-                        </a:spcBef>
-                        <a:spcAft>
-                          <a:spcPts val="0"/>
-                        </a:spcAft>
-                        <a:buClrTx/>
-                        <a:buSzTx/>
-                        <a:buFontTx/>
-                        <a:buNone/>
-                        <a:tabLst/>
-                        <a:defRPr/>
-                      </a:pPr>
-                      <a:r>
-                        <a:rPr lang="en-GB" sz="1800" b="0" kern="1200" dirty="0">
-                          <a:solidFill>
-                            <a:schemeClr val="dk1"/>
-                          </a:solidFill>
-                          <a:effectLst/>
-                          <a:latin typeface="+mn-lt"/>
-                          <a:ea typeface="+mn-ea"/>
-                          <a:cs typeface="+mn-cs"/>
-                        </a:rPr>
-                        <a:t>Mine (feat. Drake)</a:t>
-                      </a:r>
-                      <a:endParaRPr lang="de-DE" dirty="0"/>
-                    </a:p>
-                  </a:txBody>
-                  <a:tcPr/>
-                </a:tc>
-                <a:tc>
-                  <a:txBody>
-                    <a:bodyPr/>
-                    <a:lstStyle/>
-                    <a:p>
-                      <a:r>
-                        <a:rPr lang="de-DE" dirty="0" err="1"/>
-                        <a:t>December</a:t>
-                      </a:r>
-                      <a:r>
-                        <a:rPr lang="de-DE" dirty="0"/>
-                        <a:t> ’13</a:t>
-                      </a:r>
-                    </a:p>
-                  </a:txBody>
-                  <a:tcPr/>
-                </a:tc>
-                <a:extLst>
-                  <a:ext uri="{0D108BD9-81ED-4DB2-BD59-A6C34878D82A}">
-                    <a16:rowId xmlns:a16="http://schemas.microsoft.com/office/drawing/2014/main" val="3766349147"/>
-                  </a:ext>
-                </a:extLst>
-              </a:tr>
-              <a:tr h="370840">
-                <a:tc>
-                  <a:txBody>
-                    <a:bodyPr/>
-                    <a:lstStyle/>
-                    <a:p>
-                      <a:r>
-                        <a:rPr lang="de-DE" dirty="0"/>
-                        <a:t>u2</a:t>
-                      </a:r>
-                    </a:p>
-                  </a:txBody>
-                  <a:tcPr/>
-                </a:tc>
-                <a:tc>
-                  <a:txBody>
-                    <a:bodyPr/>
-                    <a:lstStyle/>
-                    <a:p>
-                      <a:pPr marL="0" marR="0" lvl="0" indent="0" algn="l" defTabSz="914400" rtl="0" eaLnBrk="1" fontAlgn="auto" latinLnBrk="0" hangingPunct="1">
-                        <a:lnSpc>
-                          <a:spcPct val="100000"/>
-                        </a:lnSpc>
-                        <a:spcBef>
-                          <a:spcPts val="0"/>
-                        </a:spcBef>
-                        <a:spcAft>
-                          <a:spcPts val="0"/>
-                        </a:spcAft>
-                        <a:buClrTx/>
-                        <a:buSzTx/>
-                        <a:buFontTx/>
-                        <a:buNone/>
-                        <a:tabLst/>
-                        <a:defRPr/>
-                      </a:pPr>
-                      <a:r>
-                        <a:rPr lang="en-GB" sz="1800" b="0" kern="1200" dirty="0">
-                          <a:solidFill>
-                            <a:schemeClr val="dk1"/>
-                          </a:solidFill>
-                          <a:effectLst/>
-                          <a:latin typeface="+mn-lt"/>
-                          <a:ea typeface="+mn-ea"/>
-                          <a:cs typeface="+mn-cs"/>
-                        </a:rPr>
-                        <a:t>Beyoncé</a:t>
-                      </a:r>
-                    </a:p>
-                  </a:txBody>
-                  <a:tcPr/>
-                </a:tc>
-                <a:tc>
-                  <a:txBody>
-                    <a:bodyPr/>
-                    <a:lstStyle/>
-                    <a:p>
-                      <a:pPr marL="0" marR="0" lvl="0" indent="0" algn="l" defTabSz="914400" rtl="0" eaLnBrk="1" fontAlgn="auto" latinLnBrk="0" hangingPunct="1">
-                        <a:lnSpc>
-                          <a:spcPct val="100000"/>
-                        </a:lnSpc>
-                        <a:spcBef>
-                          <a:spcPts val="0"/>
-                        </a:spcBef>
-                        <a:spcAft>
-                          <a:spcPts val="0"/>
-                        </a:spcAft>
-                        <a:buClrTx/>
-                        <a:buSzTx/>
-                        <a:buFontTx/>
-                        <a:buNone/>
-                        <a:tabLst/>
-                        <a:defRPr/>
-                      </a:pPr>
-                      <a:r>
-                        <a:rPr lang="en-GB" sz="1800" b="0" kern="1200" dirty="0">
-                          <a:solidFill>
-                            <a:schemeClr val="dk1"/>
-                          </a:solidFill>
-                          <a:effectLst/>
-                          <a:latin typeface="+mn-lt"/>
-                          <a:ea typeface="+mn-ea"/>
-                          <a:cs typeface="+mn-cs"/>
-                        </a:rPr>
-                        <a:t>Mine (feat. Drake)</a:t>
-                      </a:r>
-                      <a:endParaRPr lang="de-DE" dirty="0"/>
-                    </a:p>
-                  </a:txBody>
-                  <a:tcPr/>
-                </a:tc>
-                <a:tc>
-                  <a:txBody>
-                    <a:bodyPr/>
-                    <a:lstStyle/>
-                    <a:p>
-                      <a:r>
-                        <a:rPr lang="de-DE" dirty="0"/>
-                        <a:t>Rap and R&amp;B</a:t>
-                      </a:r>
-                    </a:p>
-                  </a:txBody>
-                  <a:tcPr/>
-                </a:tc>
-                <a:extLst>
-                  <a:ext uri="{0D108BD9-81ED-4DB2-BD59-A6C34878D82A}">
-                    <a16:rowId xmlns:a16="http://schemas.microsoft.com/office/drawing/2014/main" val="1233322250"/>
-                  </a:ext>
-                </a:extLst>
-              </a:tr>
-              <a:tr h="370840">
-                <a:tc>
-                  <a:txBody>
-                    <a:bodyPr/>
-                    <a:lstStyle/>
-                    <a:p>
-                      <a:r>
-                        <a:rPr lang="de-DE" dirty="0"/>
-                        <a:t>u2</a:t>
-                      </a:r>
-                    </a:p>
-                  </a:txBody>
-                  <a:tcPr/>
-                </a:tc>
-                <a:tc>
-                  <a:txBody>
-                    <a:bodyPr/>
-                    <a:lstStyle/>
-                    <a:p>
-                      <a:pPr marL="0" marR="0" lvl="0" indent="0" algn="l" defTabSz="914400" rtl="0" eaLnBrk="1" fontAlgn="auto" latinLnBrk="0" hangingPunct="1">
-                        <a:lnSpc>
-                          <a:spcPct val="100000"/>
-                        </a:lnSpc>
-                        <a:spcBef>
-                          <a:spcPts val="0"/>
-                        </a:spcBef>
-                        <a:spcAft>
-                          <a:spcPts val="0"/>
-                        </a:spcAft>
-                        <a:buClrTx/>
-                        <a:buSzTx/>
-                        <a:buFontTx/>
-                        <a:buNone/>
-                        <a:tabLst/>
-                        <a:defRPr/>
-                      </a:pPr>
-                      <a:r>
-                        <a:rPr lang="en-GB" sz="1800" b="0" kern="1200" dirty="0">
-                          <a:solidFill>
-                            <a:schemeClr val="dk1"/>
-                          </a:solidFill>
-                          <a:effectLst/>
-                          <a:latin typeface="+mn-lt"/>
-                          <a:ea typeface="+mn-ea"/>
-                          <a:cs typeface="+mn-cs"/>
-                        </a:rPr>
-                        <a:t>Beyoncé</a:t>
-                      </a:r>
-                    </a:p>
-                  </a:txBody>
-                  <a:tcPr/>
-                </a:tc>
-                <a:tc>
-                  <a:txBody>
-                    <a:bodyPr/>
-                    <a:lstStyle/>
-                    <a:p>
-                      <a:pPr marL="0" marR="0" lvl="0" indent="0" algn="l" defTabSz="914400" rtl="0" eaLnBrk="1" fontAlgn="auto" latinLnBrk="0" hangingPunct="1">
-                        <a:lnSpc>
-                          <a:spcPct val="100000"/>
-                        </a:lnSpc>
-                        <a:spcBef>
-                          <a:spcPts val="0"/>
-                        </a:spcBef>
-                        <a:spcAft>
-                          <a:spcPts val="0"/>
-                        </a:spcAft>
-                        <a:buClrTx/>
-                        <a:buSzTx/>
-                        <a:buFontTx/>
-                        <a:buNone/>
-                        <a:tabLst/>
-                        <a:defRPr/>
-                      </a:pPr>
-                      <a:r>
-                        <a:rPr lang="en-GB" sz="1800" b="0" kern="1200" dirty="0">
-                          <a:solidFill>
-                            <a:schemeClr val="dk1"/>
-                          </a:solidFill>
-                          <a:effectLst/>
-                          <a:latin typeface="+mn-lt"/>
-                          <a:ea typeface="+mn-ea"/>
-                          <a:cs typeface="+mn-cs"/>
-                        </a:rPr>
-                        <a:t>Mine (feat. Drake)</a:t>
-                      </a:r>
-                      <a:endParaRPr lang="de-DE" dirty="0"/>
-                    </a:p>
-                  </a:txBody>
-                  <a:tcPr/>
-                </a:tc>
-                <a:tc>
-                  <a:txBody>
-                    <a:bodyPr/>
-                    <a:lstStyle/>
-                    <a:p>
-                      <a:r>
-                        <a:rPr lang="de-DE" dirty="0"/>
-                        <a:t>Top </a:t>
-                      </a:r>
-                      <a:r>
-                        <a:rPr lang="de-DE" dirty="0" err="1"/>
-                        <a:t>albums</a:t>
-                      </a:r>
-                      <a:r>
-                        <a:rPr lang="de-DE" dirty="0"/>
-                        <a:t> </a:t>
-                      </a:r>
-                      <a:r>
-                        <a:rPr lang="de-DE" dirty="0" err="1"/>
-                        <a:t>of</a:t>
-                      </a:r>
-                      <a:r>
-                        <a:rPr lang="de-DE" dirty="0"/>
-                        <a:t> 2013</a:t>
-                      </a:r>
-                    </a:p>
-                  </a:txBody>
-                  <a:tcPr/>
-                </a:tc>
-                <a:extLst>
-                  <a:ext uri="{0D108BD9-81ED-4DB2-BD59-A6C34878D82A}">
-                    <a16:rowId xmlns:a16="http://schemas.microsoft.com/office/drawing/2014/main" val="611029119"/>
-                  </a:ext>
-                </a:extLst>
-              </a:tr>
-              <a:tr h="370840">
-                <a:tc>
-                  <a:txBody>
-                    <a:bodyPr/>
-                    <a:lstStyle/>
-                    <a:p>
-                      <a:r>
-                        <a:rPr lang="de-DE" dirty="0"/>
-                        <a:t>u3</a:t>
-                      </a:r>
-                    </a:p>
-                  </a:txBody>
-                  <a:tcPr/>
-                </a:tc>
-                <a:tc>
-                  <a:txBody>
-                    <a:bodyPr/>
-                    <a:lstStyle/>
-                    <a:p>
-                      <a:pPr marL="0" marR="0" lvl="0" indent="0" algn="l" defTabSz="914400" rtl="0" eaLnBrk="1" fontAlgn="auto" latinLnBrk="0" hangingPunct="1">
-                        <a:lnSpc>
-                          <a:spcPct val="100000"/>
-                        </a:lnSpc>
-                        <a:spcBef>
-                          <a:spcPts val="0"/>
-                        </a:spcBef>
-                        <a:spcAft>
-                          <a:spcPts val="0"/>
-                        </a:spcAft>
-                        <a:buClrTx/>
-                        <a:buSzTx/>
-                        <a:buFontTx/>
-                        <a:buNone/>
-                        <a:tabLst/>
-                        <a:defRPr/>
-                      </a:pPr>
-                      <a:r>
-                        <a:rPr lang="en-GB" sz="1800" b="0" kern="1200" dirty="0">
-                          <a:solidFill>
-                            <a:schemeClr val="dk1"/>
-                          </a:solidFill>
-                          <a:effectLst/>
-                          <a:latin typeface="+mn-lt"/>
-                          <a:ea typeface="+mn-ea"/>
-                          <a:cs typeface="+mn-cs"/>
-                        </a:rPr>
-                        <a:t>Mark Forster</a:t>
-                      </a:r>
-                    </a:p>
-                  </a:txBody>
-                  <a:tcPr/>
-                </a:tc>
-                <a:tc>
-                  <a:txBody>
-                    <a:bodyPr/>
-                    <a:lstStyle/>
-                    <a:p>
-                      <a:pPr marL="0" marR="0" lvl="0" indent="0" algn="l" defTabSz="914400" rtl="0" eaLnBrk="1" fontAlgn="auto" latinLnBrk="0" hangingPunct="1">
-                        <a:lnSpc>
-                          <a:spcPct val="100000"/>
-                        </a:lnSpc>
-                        <a:spcBef>
-                          <a:spcPts val="0"/>
-                        </a:spcBef>
-                        <a:spcAft>
-                          <a:spcPts val="0"/>
-                        </a:spcAft>
-                        <a:buClrTx/>
-                        <a:buSzTx/>
-                        <a:buFontTx/>
-                        <a:buNone/>
-                        <a:tabLst/>
-                        <a:defRPr/>
-                      </a:pPr>
-                      <a:r>
-                        <a:rPr lang="de-DE" dirty="0"/>
-                        <a:t>Flash mich</a:t>
-                      </a:r>
-                    </a:p>
-                  </a:txBody>
-                  <a:tcPr/>
-                </a:tc>
-                <a:tc>
-                  <a:txBody>
-                    <a:bodyPr/>
-                    <a:lstStyle/>
-                    <a:p>
-                      <a:r>
-                        <a:rPr lang="de-DE" dirty="0"/>
-                        <a:t>Top 100</a:t>
-                      </a:r>
-                    </a:p>
-                  </a:txBody>
-                  <a:tcPr/>
-                </a:tc>
-                <a:extLst>
-                  <a:ext uri="{0D108BD9-81ED-4DB2-BD59-A6C34878D82A}">
-                    <a16:rowId xmlns:a16="http://schemas.microsoft.com/office/drawing/2014/main" val="3964297722"/>
-                  </a:ext>
-                </a:extLst>
-              </a:tr>
-              <a:tr h="370840">
-                <a:tc>
-                  <a:txBody>
-                    <a:bodyPr/>
-                    <a:lstStyle/>
-                    <a:p>
-                      <a:r>
-                        <a:rPr lang="de-DE" dirty="0"/>
-                        <a:t>u3</a:t>
-                      </a:r>
-                    </a:p>
-                  </a:txBody>
-                  <a:tcPr/>
-                </a:tc>
-                <a:tc>
-                  <a:txBody>
-                    <a:bodyPr/>
-                    <a:lstStyle/>
-                    <a:p>
-                      <a:pPr marL="0" marR="0" lvl="0" indent="0" algn="l" defTabSz="914400" rtl="0" eaLnBrk="1" fontAlgn="auto" latinLnBrk="0" hangingPunct="1">
-                        <a:lnSpc>
-                          <a:spcPct val="100000"/>
-                        </a:lnSpc>
-                        <a:spcBef>
-                          <a:spcPts val="0"/>
-                        </a:spcBef>
-                        <a:spcAft>
-                          <a:spcPts val="0"/>
-                        </a:spcAft>
-                        <a:buClrTx/>
-                        <a:buSzTx/>
-                        <a:buFontTx/>
-                        <a:buNone/>
-                        <a:tabLst/>
-                        <a:defRPr/>
-                      </a:pPr>
-                      <a:r>
-                        <a:rPr lang="en-GB" sz="1800" b="0" kern="1200" dirty="0">
-                          <a:solidFill>
-                            <a:schemeClr val="dk1"/>
-                          </a:solidFill>
-                          <a:effectLst/>
-                          <a:latin typeface="+mn-lt"/>
-                          <a:ea typeface="+mn-ea"/>
-                          <a:cs typeface="+mn-cs"/>
-                        </a:rPr>
-                        <a:t>Mark Forster</a:t>
-                      </a:r>
-                    </a:p>
-                  </a:txBody>
-                  <a:tcPr/>
-                </a:tc>
-                <a:tc>
-                  <a:txBody>
-                    <a:bodyPr/>
-                    <a:lstStyle/>
-                    <a:p>
-                      <a:pPr marL="0" marR="0" lvl="0" indent="0" algn="l" defTabSz="914400" rtl="0" eaLnBrk="1" fontAlgn="auto" latinLnBrk="0" hangingPunct="1">
-                        <a:lnSpc>
-                          <a:spcPct val="100000"/>
-                        </a:lnSpc>
-                        <a:spcBef>
-                          <a:spcPts val="0"/>
-                        </a:spcBef>
-                        <a:spcAft>
-                          <a:spcPts val="0"/>
-                        </a:spcAft>
-                        <a:buClrTx/>
-                        <a:buSzTx/>
-                        <a:buFontTx/>
-                        <a:buNone/>
-                        <a:tabLst/>
-                        <a:defRPr/>
-                      </a:pPr>
-                      <a:r>
-                        <a:rPr lang="de-DE" dirty="0"/>
-                        <a:t>Flash mich</a:t>
-                      </a:r>
-                    </a:p>
-                  </a:txBody>
-                  <a:tcPr/>
-                </a:tc>
-                <a:tc>
-                  <a:txBody>
-                    <a:bodyPr/>
-                    <a:lstStyle/>
-                    <a:p>
-                      <a:r>
-                        <a:rPr lang="de-DE" dirty="0"/>
-                        <a:t>Random Stuff</a:t>
-                      </a:r>
-                    </a:p>
-                  </a:txBody>
-                  <a:tcPr/>
-                </a:tc>
-                <a:extLst>
-                  <a:ext uri="{0D108BD9-81ED-4DB2-BD59-A6C34878D82A}">
-                    <a16:rowId xmlns:a16="http://schemas.microsoft.com/office/drawing/2014/main" val="2171206070"/>
-                  </a:ext>
-                </a:extLst>
-              </a:tr>
-            </a:tbl>
-          </a:graphicData>
-        </a:graphic>
-      </p:graphicFrame>
-      <p:graphicFrame>
-        <p:nvGraphicFramePr>
-          <p:cNvPr id="6" name="Table 6">
-            <a:extLst>
-              <a:ext uri="{FF2B5EF4-FFF2-40B4-BE49-F238E27FC236}">
-                <a16:creationId xmlns:a16="http://schemas.microsoft.com/office/drawing/2014/main" id="{746951BC-BB89-27DC-8290-D3A7B6C84FFB}"/>
-              </a:ext>
-            </a:extLst>
-          </p:cNvPr>
-          <p:cNvGraphicFramePr>
-            <a:graphicFrameLocks noGrp="1"/>
-          </p:cNvGraphicFramePr>
-          <p:nvPr>
-            <p:extLst>
-              <p:ext uri="{D42A27DB-BD31-4B8C-83A1-F6EECF244321}">
-                <p14:modId xmlns:p14="http://schemas.microsoft.com/office/powerpoint/2010/main" val="2235799147"/>
-              </p:ext>
-            </p:extLst>
-          </p:nvPr>
-        </p:nvGraphicFramePr>
-        <p:xfrm>
-          <a:off x="2152072" y="4264429"/>
-          <a:ext cx="7161659" cy="2225040"/>
-        </p:xfrm>
-        <a:graphic>
-          <a:graphicData uri="http://schemas.openxmlformats.org/drawingml/2006/table">
-            <a:tbl>
-              <a:tblPr firstRow="1" bandRow="1">
-                <a:tableStyleId>{073A0DAA-6AF3-43AB-8588-CEC1D06C72B9}</a:tableStyleId>
-              </a:tblPr>
-              <a:tblGrid>
-                <a:gridCol w="1426528">
-                  <a:extLst>
-                    <a:ext uri="{9D8B030D-6E8A-4147-A177-3AD203B41FA5}">
-                      <a16:colId xmlns:a16="http://schemas.microsoft.com/office/drawing/2014/main" val="571813978"/>
-                    </a:ext>
-                  </a:extLst>
-                </a:gridCol>
-                <a:gridCol w="1917192">
-                  <a:extLst>
-                    <a:ext uri="{9D8B030D-6E8A-4147-A177-3AD203B41FA5}">
-                      <a16:colId xmlns:a16="http://schemas.microsoft.com/office/drawing/2014/main" val="1085827102"/>
-                    </a:ext>
-                  </a:extLst>
-                </a:gridCol>
-                <a:gridCol w="935355">
-                  <a:extLst>
-                    <a:ext uri="{9D8B030D-6E8A-4147-A177-3AD203B41FA5}">
-                      <a16:colId xmlns:a16="http://schemas.microsoft.com/office/drawing/2014/main" val="1226420468"/>
-                    </a:ext>
-                  </a:extLst>
-                </a:gridCol>
-                <a:gridCol w="413068">
-                  <a:extLst>
-                    <a:ext uri="{9D8B030D-6E8A-4147-A177-3AD203B41FA5}">
-                      <a16:colId xmlns:a16="http://schemas.microsoft.com/office/drawing/2014/main" val="3111486497"/>
-                    </a:ext>
-                  </a:extLst>
-                </a:gridCol>
-                <a:gridCol w="2053273">
-                  <a:extLst>
-                    <a:ext uri="{9D8B030D-6E8A-4147-A177-3AD203B41FA5}">
-                      <a16:colId xmlns:a16="http://schemas.microsoft.com/office/drawing/2014/main" val="1972148407"/>
-                    </a:ext>
-                  </a:extLst>
-                </a:gridCol>
-                <a:gridCol w="416243">
-                  <a:extLst>
-                    <a:ext uri="{9D8B030D-6E8A-4147-A177-3AD203B41FA5}">
-                      <a16:colId xmlns:a16="http://schemas.microsoft.com/office/drawing/2014/main" val="1109892647"/>
-                    </a:ext>
-                  </a:extLst>
-                </a:gridCol>
-              </a:tblGrid>
-              <a:tr h="370840">
-                <a:tc>
-                  <a:txBody>
-                    <a:bodyPr/>
-                    <a:lstStyle/>
-                    <a:p>
-                      <a:r>
-                        <a:rPr lang="de-DE" dirty="0" err="1"/>
-                        <a:t>artist</a:t>
-                      </a:r>
-                      <a:endParaRPr lang="de-DE" dirty="0"/>
-                    </a:p>
-                  </a:txBody>
-                  <a:tcPr/>
-                </a:tc>
-                <a:tc>
-                  <a:txBody>
-                    <a:bodyPr/>
-                    <a:lstStyle/>
-                    <a:p>
-                      <a:r>
-                        <a:rPr lang="de-DE" dirty="0" err="1"/>
-                        <a:t>name</a:t>
-                      </a:r>
-                      <a:endParaRPr lang="de-DE" dirty="0"/>
-                    </a:p>
-                  </a:txBody>
-                  <a:tcPr/>
-                </a:tc>
-                <a:tc>
-                  <a:txBody>
-                    <a:bodyPr/>
-                    <a:lstStyle/>
-                    <a:p>
-                      <a:r>
-                        <a:rPr lang="de-DE" dirty="0" err="1"/>
-                        <a:t>user_id</a:t>
-                      </a:r>
-                      <a:endParaRPr lang="de-DE" dirty="0"/>
-                    </a:p>
-                  </a:txBody>
-                  <a:tcPr/>
-                </a:tc>
-                <a:tc>
-                  <a:txBody>
-                    <a:bodyPr/>
-                    <a:lstStyle/>
-                    <a:p>
-                      <a:r>
-                        <a:rPr lang="de-DE" dirty="0" err="1"/>
-                        <a:t>id</a:t>
-                      </a:r>
-                      <a:endParaRPr lang="de-DE" dirty="0"/>
-                    </a:p>
-                  </a:txBody>
-                  <a:tcPr/>
-                </a:tc>
-                <a:tc>
-                  <a:txBody>
-                    <a:bodyPr/>
-                    <a:lstStyle/>
-                    <a:p>
-                      <a:r>
-                        <a:rPr lang="de-DE" dirty="0" err="1"/>
-                        <a:t>playlistname</a:t>
-                      </a:r>
-                      <a:endParaRPr lang="de-DE" dirty="0"/>
-                    </a:p>
-                  </a:txBody>
-                  <a:tcPr/>
-                </a:tc>
-                <a:tc>
-                  <a:txBody>
-                    <a:bodyPr/>
-                    <a:lstStyle/>
-                    <a:p>
-                      <a:pPr algn="ctr"/>
-                      <a:r>
-                        <a:rPr lang="de-DE" dirty="0"/>
-                        <a:t>...</a:t>
-                      </a:r>
-                    </a:p>
-                  </a:txBody>
-                  <a:tcPr/>
-                </a:tc>
-                <a:extLst>
-                  <a:ext uri="{0D108BD9-81ED-4DB2-BD59-A6C34878D82A}">
-                    <a16:rowId xmlns:a16="http://schemas.microsoft.com/office/drawing/2014/main" val="3544628589"/>
-                  </a:ext>
-                </a:extLst>
-              </a:tr>
-              <a:tr h="370840">
-                <a:tc>
-                  <a:txBody>
-                    <a:bodyPr/>
-                    <a:lstStyle/>
-                    <a:p>
-                      <a:pPr marL="0" marR="0" lvl="0" indent="0" algn="l" defTabSz="914400" rtl="0" eaLnBrk="1" fontAlgn="auto" latinLnBrk="0" hangingPunct="1">
-                        <a:lnSpc>
-                          <a:spcPct val="100000"/>
-                        </a:lnSpc>
-                        <a:spcBef>
-                          <a:spcPts val="0"/>
-                        </a:spcBef>
-                        <a:spcAft>
-                          <a:spcPts val="0"/>
-                        </a:spcAft>
-                        <a:buClrTx/>
-                        <a:buSzTx/>
-                        <a:buFontTx/>
-                        <a:buNone/>
-                        <a:tabLst/>
-                        <a:defRPr/>
-                      </a:pPr>
-                      <a:r>
-                        <a:rPr lang="en-GB" sz="1800" b="0" kern="1200" dirty="0">
-                          <a:solidFill>
-                            <a:schemeClr val="dk1"/>
-                          </a:solidFill>
-                          <a:effectLst/>
-                          <a:latin typeface="+mn-lt"/>
-                          <a:ea typeface="+mn-ea"/>
-                          <a:cs typeface="+mn-cs"/>
-                        </a:rPr>
-                        <a:t>Beyoncé</a:t>
-                      </a:r>
-                    </a:p>
-                  </a:txBody>
-                  <a:tcPr/>
-                </a:tc>
-                <a:tc>
-                  <a:txBody>
-                    <a:bodyPr/>
-                    <a:lstStyle/>
-                    <a:p>
-                      <a:pPr marL="0" marR="0" lvl="0" indent="0" algn="l" defTabSz="914400" rtl="0" eaLnBrk="1" fontAlgn="auto" latinLnBrk="0" hangingPunct="1">
-                        <a:lnSpc>
-                          <a:spcPct val="100000"/>
-                        </a:lnSpc>
-                        <a:spcBef>
-                          <a:spcPts val="0"/>
-                        </a:spcBef>
-                        <a:spcAft>
-                          <a:spcPts val="0"/>
-                        </a:spcAft>
-                        <a:buClrTx/>
-                        <a:buSzTx/>
-                        <a:buFontTx/>
-                        <a:buNone/>
-                        <a:tabLst/>
-                        <a:defRPr/>
-                      </a:pPr>
-                      <a:r>
-                        <a:rPr lang="en-GB" sz="1800" b="0" kern="1200" dirty="0">
-                          <a:solidFill>
-                            <a:schemeClr val="dk1"/>
-                          </a:solidFill>
-                          <a:effectLst/>
-                          <a:latin typeface="+mn-lt"/>
-                          <a:ea typeface="+mn-ea"/>
-                          <a:cs typeface="+mn-cs"/>
-                        </a:rPr>
-                        <a:t>Mine (feat. Drake)</a:t>
-                      </a:r>
-                      <a:endParaRPr lang="de-DE" dirty="0"/>
-                    </a:p>
-                  </a:txBody>
-                  <a:tcPr/>
-                </a:tc>
-                <a:tc>
-                  <a:txBody>
-                    <a:bodyPr/>
-                    <a:lstStyle/>
-                    <a:p>
-                      <a:r>
-                        <a:rPr lang="de-DE" dirty="0"/>
-                        <a:t>u1</a:t>
-                      </a:r>
-                    </a:p>
-                  </a:txBody>
-                  <a:tcPr/>
-                </a:tc>
-                <a:tc>
-                  <a:txBody>
-                    <a:bodyPr/>
-                    <a:lstStyle/>
-                    <a:p>
-                      <a:r>
-                        <a:rPr lang="de-DE" dirty="0"/>
-                        <a:t>b</a:t>
-                      </a:r>
-                    </a:p>
-                  </a:txBody>
-                  <a:tcPr/>
-                </a:tc>
-                <a:tc>
-                  <a:txBody>
-                    <a:bodyPr/>
-                    <a:lstStyle/>
-                    <a:p>
-                      <a:r>
-                        <a:rPr lang="de-DE" dirty="0" err="1"/>
-                        <a:t>December</a:t>
-                      </a:r>
-                      <a:r>
-                        <a:rPr lang="de-DE" dirty="0"/>
-                        <a:t> ’13</a:t>
-                      </a:r>
-                    </a:p>
-                  </a:txBody>
-                  <a:tcPr/>
-                </a:tc>
-                <a:tc>
-                  <a:txBody>
-                    <a:bodyPr/>
-                    <a:lstStyle/>
-                    <a:p>
-                      <a:pPr algn="ctr"/>
-                      <a:r>
-                        <a:rPr lang="de-DE" dirty="0"/>
-                        <a:t>...</a:t>
-                      </a:r>
-                    </a:p>
-                  </a:txBody>
-                  <a:tcPr/>
-                </a:tc>
-                <a:extLst>
-                  <a:ext uri="{0D108BD9-81ED-4DB2-BD59-A6C34878D82A}">
-                    <a16:rowId xmlns:a16="http://schemas.microsoft.com/office/drawing/2014/main" val="1739693550"/>
-                  </a:ext>
-                </a:extLst>
-              </a:tr>
-              <a:tr h="370840">
-                <a:tc>
-                  <a:txBody>
-                    <a:bodyPr/>
-                    <a:lstStyle/>
-                    <a:p>
-                      <a:pPr marL="0" marR="0" lvl="0" indent="0" algn="l" defTabSz="914400" rtl="0" eaLnBrk="1" fontAlgn="auto" latinLnBrk="0" hangingPunct="1">
-                        <a:lnSpc>
-                          <a:spcPct val="100000"/>
-                        </a:lnSpc>
-                        <a:spcBef>
-                          <a:spcPts val="0"/>
-                        </a:spcBef>
-                        <a:spcAft>
-                          <a:spcPts val="0"/>
-                        </a:spcAft>
-                        <a:buClrTx/>
-                        <a:buSzTx/>
-                        <a:buFontTx/>
-                        <a:buNone/>
-                        <a:tabLst/>
-                        <a:defRPr/>
-                      </a:pPr>
-                      <a:r>
-                        <a:rPr lang="en-GB" sz="1800" b="0" kern="1200" dirty="0">
-                          <a:solidFill>
-                            <a:schemeClr val="dk1"/>
-                          </a:solidFill>
-                          <a:effectLst/>
-                          <a:latin typeface="+mn-lt"/>
-                          <a:ea typeface="+mn-ea"/>
-                          <a:cs typeface="+mn-cs"/>
-                        </a:rPr>
-                        <a:t>Beyoncé</a:t>
-                      </a:r>
-                    </a:p>
-                  </a:txBody>
-                  <a:tcPr/>
-                </a:tc>
-                <a:tc>
-                  <a:txBody>
-                    <a:bodyPr/>
-                    <a:lstStyle/>
-                    <a:p>
-                      <a:pPr marL="0" marR="0" lvl="0" indent="0" algn="l" defTabSz="914400" rtl="0" eaLnBrk="1" fontAlgn="auto" latinLnBrk="0" hangingPunct="1">
-                        <a:lnSpc>
-                          <a:spcPct val="100000"/>
-                        </a:lnSpc>
-                        <a:spcBef>
-                          <a:spcPts val="0"/>
-                        </a:spcBef>
-                        <a:spcAft>
-                          <a:spcPts val="0"/>
-                        </a:spcAft>
-                        <a:buClrTx/>
-                        <a:buSzTx/>
-                        <a:buFontTx/>
-                        <a:buNone/>
-                        <a:tabLst/>
-                        <a:defRPr/>
-                      </a:pPr>
-                      <a:r>
-                        <a:rPr lang="en-GB" sz="1800" b="0" kern="1200" dirty="0">
-                          <a:solidFill>
-                            <a:schemeClr val="dk1"/>
-                          </a:solidFill>
-                          <a:effectLst/>
-                          <a:latin typeface="+mn-lt"/>
-                          <a:ea typeface="+mn-ea"/>
-                          <a:cs typeface="+mn-cs"/>
-                        </a:rPr>
-                        <a:t>Mine (feat. Drake)</a:t>
-                      </a:r>
-                      <a:endParaRPr lang="de-DE" dirty="0"/>
-                    </a:p>
-                  </a:txBody>
-                  <a:tcPr/>
-                </a:tc>
-                <a:tc>
-                  <a:txBody>
-                    <a:bodyPr/>
-                    <a:lstStyle/>
-                    <a:p>
-                      <a:r>
-                        <a:rPr lang="de-DE" dirty="0"/>
-                        <a:t>u2</a:t>
-                      </a:r>
-                    </a:p>
-                  </a:txBody>
-                  <a:tcPr/>
-                </a:tc>
-                <a:tc>
-                  <a:txBody>
-                    <a:bodyPr/>
-                    <a:lstStyle/>
-                    <a:p>
-                      <a:r>
-                        <a:rPr lang="de-DE" dirty="0"/>
-                        <a:t>b</a:t>
-                      </a:r>
-                    </a:p>
-                  </a:txBody>
-                  <a:tcPr/>
-                </a:tc>
-                <a:tc>
-                  <a:txBody>
-                    <a:bodyPr/>
-                    <a:lstStyle/>
-                    <a:p>
-                      <a:r>
-                        <a:rPr lang="de-DE" dirty="0"/>
-                        <a:t>Rap and R&amp;B</a:t>
-                      </a:r>
-                    </a:p>
-                  </a:txBody>
-                  <a:tcPr/>
-                </a:tc>
-                <a:tc>
-                  <a:txBody>
-                    <a:bodyPr/>
-                    <a:lstStyle/>
-                    <a:p>
-                      <a:pPr algn="ctr"/>
-                      <a:r>
-                        <a:rPr lang="de-DE" dirty="0"/>
-                        <a:t>...</a:t>
-                      </a:r>
-                    </a:p>
-                  </a:txBody>
-                  <a:tcPr/>
-                </a:tc>
-                <a:extLst>
-                  <a:ext uri="{0D108BD9-81ED-4DB2-BD59-A6C34878D82A}">
-                    <a16:rowId xmlns:a16="http://schemas.microsoft.com/office/drawing/2014/main" val="3231633735"/>
-                  </a:ext>
-                </a:extLst>
-              </a:tr>
-              <a:tr h="370840">
-                <a:tc>
-                  <a:txBody>
-                    <a:bodyPr/>
-                    <a:lstStyle/>
-                    <a:p>
-                      <a:pPr marL="0" marR="0" lvl="0" indent="0" algn="l" defTabSz="914400" rtl="0" eaLnBrk="1" fontAlgn="auto" latinLnBrk="0" hangingPunct="1">
-                        <a:lnSpc>
-                          <a:spcPct val="100000"/>
-                        </a:lnSpc>
-                        <a:spcBef>
-                          <a:spcPts val="0"/>
-                        </a:spcBef>
-                        <a:spcAft>
-                          <a:spcPts val="0"/>
-                        </a:spcAft>
-                        <a:buClrTx/>
-                        <a:buSzTx/>
-                        <a:buFontTx/>
-                        <a:buNone/>
-                        <a:tabLst/>
-                        <a:defRPr/>
-                      </a:pPr>
-                      <a:r>
-                        <a:rPr lang="en-GB" sz="1800" b="0" kern="1200" dirty="0">
-                          <a:solidFill>
-                            <a:schemeClr val="dk1"/>
-                          </a:solidFill>
-                          <a:effectLst/>
-                          <a:latin typeface="+mn-lt"/>
-                          <a:ea typeface="+mn-ea"/>
-                          <a:cs typeface="+mn-cs"/>
-                        </a:rPr>
-                        <a:t>Beyoncé</a:t>
-                      </a:r>
-                    </a:p>
-                  </a:txBody>
-                  <a:tcPr/>
-                </a:tc>
-                <a:tc>
-                  <a:txBody>
-                    <a:bodyPr/>
-                    <a:lstStyle/>
-                    <a:p>
-                      <a:pPr marL="0" marR="0" lvl="0" indent="0" algn="l" defTabSz="914400" rtl="0" eaLnBrk="1" fontAlgn="auto" latinLnBrk="0" hangingPunct="1">
-                        <a:lnSpc>
-                          <a:spcPct val="100000"/>
-                        </a:lnSpc>
-                        <a:spcBef>
-                          <a:spcPts val="0"/>
-                        </a:spcBef>
-                        <a:spcAft>
-                          <a:spcPts val="0"/>
-                        </a:spcAft>
-                        <a:buClrTx/>
-                        <a:buSzTx/>
-                        <a:buFontTx/>
-                        <a:buNone/>
-                        <a:tabLst/>
-                        <a:defRPr/>
-                      </a:pPr>
-                      <a:r>
-                        <a:rPr lang="en-GB" sz="1800" b="0" kern="1200" dirty="0">
-                          <a:solidFill>
-                            <a:schemeClr val="dk1"/>
-                          </a:solidFill>
-                          <a:effectLst/>
-                          <a:latin typeface="+mn-lt"/>
-                          <a:ea typeface="+mn-ea"/>
-                          <a:cs typeface="+mn-cs"/>
-                        </a:rPr>
-                        <a:t>Mine (feat. Drake)</a:t>
-                      </a:r>
-                      <a:endParaRPr lang="de-DE" dirty="0"/>
-                    </a:p>
-                  </a:txBody>
-                  <a:tcPr/>
-                </a:tc>
-                <a:tc>
-                  <a:txBody>
-                    <a:bodyPr/>
-                    <a:lstStyle/>
-                    <a:p>
-                      <a:r>
-                        <a:rPr lang="de-DE" dirty="0"/>
-                        <a:t>u2</a:t>
-                      </a:r>
-                    </a:p>
-                  </a:txBody>
-                  <a:tcPr/>
-                </a:tc>
-                <a:tc>
-                  <a:txBody>
-                    <a:bodyPr/>
-                    <a:lstStyle/>
-                    <a:p>
-                      <a:r>
-                        <a:rPr lang="de-DE" dirty="0"/>
-                        <a:t>b</a:t>
-                      </a:r>
-                    </a:p>
-                  </a:txBody>
-                  <a:tcPr/>
-                </a:tc>
-                <a:tc>
-                  <a:txBody>
-                    <a:bodyPr/>
-                    <a:lstStyle/>
-                    <a:p>
-                      <a:r>
-                        <a:rPr lang="de-DE" dirty="0"/>
-                        <a:t>Top </a:t>
-                      </a:r>
-                      <a:r>
-                        <a:rPr lang="de-DE" dirty="0" err="1"/>
-                        <a:t>albums</a:t>
-                      </a:r>
-                      <a:r>
-                        <a:rPr lang="de-DE" dirty="0"/>
-                        <a:t> </a:t>
-                      </a:r>
-                      <a:r>
-                        <a:rPr lang="de-DE" dirty="0" err="1"/>
-                        <a:t>of</a:t>
-                      </a:r>
-                      <a:r>
-                        <a:rPr lang="de-DE" dirty="0"/>
-                        <a:t> 2013</a:t>
-                      </a:r>
-                    </a:p>
-                  </a:txBody>
-                  <a:tcPr/>
-                </a:tc>
-                <a:tc>
-                  <a:txBody>
-                    <a:bodyPr/>
-                    <a:lstStyle/>
-                    <a:p>
-                      <a:pPr algn="ctr"/>
-                      <a:r>
-                        <a:rPr lang="de-DE" dirty="0"/>
-                        <a:t>...</a:t>
-                      </a:r>
-                    </a:p>
-                  </a:txBody>
-                  <a:tcPr/>
-                </a:tc>
-                <a:extLst>
-                  <a:ext uri="{0D108BD9-81ED-4DB2-BD59-A6C34878D82A}">
-                    <a16:rowId xmlns:a16="http://schemas.microsoft.com/office/drawing/2014/main" val="452823323"/>
-                  </a:ext>
-                </a:extLst>
-              </a:tr>
-              <a:tr h="370840">
-                <a:tc>
-                  <a:txBody>
-                    <a:bodyPr/>
-                    <a:lstStyle/>
-                    <a:p>
-                      <a:pPr marL="0" marR="0" lvl="0" indent="0" algn="l" defTabSz="914400" rtl="0" eaLnBrk="1" fontAlgn="auto" latinLnBrk="0" hangingPunct="1">
-                        <a:lnSpc>
-                          <a:spcPct val="100000"/>
-                        </a:lnSpc>
-                        <a:spcBef>
-                          <a:spcPts val="0"/>
-                        </a:spcBef>
-                        <a:spcAft>
-                          <a:spcPts val="0"/>
-                        </a:spcAft>
-                        <a:buClrTx/>
-                        <a:buSzTx/>
-                        <a:buFontTx/>
-                        <a:buNone/>
-                        <a:tabLst/>
-                        <a:defRPr/>
-                      </a:pPr>
-                      <a:r>
-                        <a:rPr lang="en-GB" sz="1800" b="0" kern="1200" dirty="0">
-                          <a:solidFill>
-                            <a:schemeClr val="dk1"/>
-                          </a:solidFill>
-                          <a:effectLst/>
-                          <a:latin typeface="+mn-lt"/>
-                          <a:ea typeface="+mn-ea"/>
-                          <a:cs typeface="+mn-cs"/>
-                        </a:rPr>
-                        <a:t>Mark Forster</a:t>
-                      </a:r>
-                    </a:p>
-                  </a:txBody>
-                  <a:tcPr/>
-                </a:tc>
-                <a:tc>
-                  <a:txBody>
-                    <a:bodyPr/>
-                    <a:lstStyle/>
-                    <a:p>
-                      <a:pPr marL="0" marR="0" lvl="0" indent="0" algn="l" defTabSz="914400" rtl="0" eaLnBrk="1" fontAlgn="auto" latinLnBrk="0" hangingPunct="1">
-                        <a:lnSpc>
-                          <a:spcPct val="100000"/>
-                        </a:lnSpc>
-                        <a:spcBef>
-                          <a:spcPts val="0"/>
-                        </a:spcBef>
-                        <a:spcAft>
-                          <a:spcPts val="0"/>
-                        </a:spcAft>
-                        <a:buClrTx/>
-                        <a:buSzTx/>
-                        <a:buFontTx/>
-                        <a:buNone/>
-                        <a:tabLst/>
-                        <a:defRPr/>
-                      </a:pPr>
-                      <a:r>
-                        <a:rPr lang="de-DE" dirty="0"/>
-                        <a:t>Flash mich</a:t>
-                      </a:r>
-                    </a:p>
-                  </a:txBody>
-                  <a:tcPr/>
-                </a:tc>
-                <a:tc>
-                  <a:txBody>
-                    <a:bodyPr/>
-                    <a:lstStyle/>
-                    <a:p>
-                      <a:r>
-                        <a:rPr lang="de-DE" dirty="0"/>
-                        <a:t>u3</a:t>
-                      </a:r>
-                    </a:p>
-                  </a:txBody>
-                  <a:tcPr/>
-                </a:tc>
-                <a:tc>
-                  <a:txBody>
-                    <a:bodyPr/>
-                    <a:lstStyle/>
-                    <a:p>
-                      <a:r>
-                        <a:rPr lang="de-DE" dirty="0"/>
-                        <a:t>a</a:t>
-                      </a:r>
-                    </a:p>
-                  </a:txBody>
-                  <a:tcPr/>
-                </a:tc>
-                <a:tc>
-                  <a:txBody>
-                    <a:bodyPr/>
-                    <a:lstStyle/>
-                    <a:p>
-                      <a:r>
-                        <a:rPr lang="de-DE" dirty="0"/>
-                        <a:t>Top 100</a:t>
-                      </a:r>
-                    </a:p>
-                  </a:txBody>
-                  <a:tcPr/>
-                </a:tc>
-                <a:tc>
-                  <a:txBody>
-                    <a:bodyPr/>
-                    <a:lstStyle/>
-                    <a:p>
-                      <a:pPr algn="ctr"/>
-                      <a:r>
-                        <a:rPr lang="de-DE" dirty="0"/>
-                        <a:t>...</a:t>
-                      </a:r>
-                    </a:p>
-                  </a:txBody>
-                  <a:tcPr/>
-                </a:tc>
-                <a:extLst>
-                  <a:ext uri="{0D108BD9-81ED-4DB2-BD59-A6C34878D82A}">
-                    <a16:rowId xmlns:a16="http://schemas.microsoft.com/office/drawing/2014/main" val="1536676217"/>
-                  </a:ext>
-                </a:extLst>
-              </a:tr>
-              <a:tr h="370840">
-                <a:tc>
-                  <a:txBody>
-                    <a:bodyPr/>
-                    <a:lstStyle/>
-                    <a:p>
-                      <a:pPr marL="0" marR="0" lvl="0" indent="0" algn="l" defTabSz="914400" rtl="0" eaLnBrk="1" fontAlgn="auto" latinLnBrk="0" hangingPunct="1">
-                        <a:lnSpc>
-                          <a:spcPct val="100000"/>
-                        </a:lnSpc>
-                        <a:spcBef>
-                          <a:spcPts val="0"/>
-                        </a:spcBef>
-                        <a:spcAft>
-                          <a:spcPts val="0"/>
-                        </a:spcAft>
-                        <a:buClrTx/>
-                        <a:buSzTx/>
-                        <a:buFontTx/>
-                        <a:buNone/>
-                        <a:tabLst/>
-                        <a:defRPr/>
-                      </a:pPr>
-                      <a:r>
-                        <a:rPr lang="en-GB" sz="1800" b="0" kern="1200" dirty="0">
-                          <a:solidFill>
-                            <a:schemeClr val="dk1"/>
-                          </a:solidFill>
-                          <a:effectLst/>
-                          <a:latin typeface="+mn-lt"/>
-                          <a:ea typeface="+mn-ea"/>
-                          <a:cs typeface="+mn-cs"/>
-                        </a:rPr>
-                        <a:t>Mark Forster</a:t>
-                      </a:r>
-                    </a:p>
-                  </a:txBody>
-                  <a:tcPr/>
-                </a:tc>
-                <a:tc>
-                  <a:txBody>
-                    <a:bodyPr/>
-                    <a:lstStyle/>
-                    <a:p>
-                      <a:pPr marL="0" marR="0" lvl="0" indent="0" algn="l" defTabSz="914400" rtl="0" eaLnBrk="1" fontAlgn="auto" latinLnBrk="0" hangingPunct="1">
-                        <a:lnSpc>
-                          <a:spcPct val="100000"/>
-                        </a:lnSpc>
-                        <a:spcBef>
-                          <a:spcPts val="0"/>
-                        </a:spcBef>
-                        <a:spcAft>
-                          <a:spcPts val="0"/>
-                        </a:spcAft>
-                        <a:buClrTx/>
-                        <a:buSzTx/>
-                        <a:buFontTx/>
-                        <a:buNone/>
-                        <a:tabLst/>
-                        <a:defRPr/>
-                      </a:pPr>
-                      <a:r>
-                        <a:rPr lang="de-DE" dirty="0"/>
-                        <a:t>Flash mich</a:t>
-                      </a:r>
-                    </a:p>
-                  </a:txBody>
-                  <a:tcPr/>
-                </a:tc>
-                <a:tc>
-                  <a:txBody>
-                    <a:bodyPr/>
-                    <a:lstStyle/>
-                    <a:p>
-                      <a:r>
-                        <a:rPr lang="de-DE" dirty="0"/>
-                        <a:t>u3</a:t>
-                      </a:r>
-                    </a:p>
-                  </a:txBody>
-                  <a:tcPr/>
-                </a:tc>
-                <a:tc>
-                  <a:txBody>
-                    <a:bodyPr/>
-                    <a:lstStyle/>
-                    <a:p>
-                      <a:r>
-                        <a:rPr lang="de-DE" dirty="0"/>
-                        <a:t>a</a:t>
-                      </a:r>
-                    </a:p>
-                  </a:txBody>
-                  <a:tcPr/>
-                </a:tc>
-                <a:tc>
-                  <a:txBody>
-                    <a:bodyPr/>
-                    <a:lstStyle/>
-                    <a:p>
-                      <a:r>
-                        <a:rPr lang="de-DE" dirty="0"/>
-                        <a:t>Random Stuff</a:t>
-                      </a:r>
-                    </a:p>
-                  </a:txBody>
-                  <a:tcPr/>
-                </a:tc>
-                <a:tc>
-                  <a:txBody>
-                    <a:bodyPr/>
-                    <a:lstStyle/>
-                    <a:p>
-                      <a:pPr algn="ctr"/>
-                      <a:r>
-                        <a:rPr lang="de-DE" dirty="0"/>
-                        <a:t>...</a:t>
-                      </a:r>
-                    </a:p>
-                  </a:txBody>
-                  <a:tcPr/>
-                </a:tc>
-                <a:extLst>
-                  <a:ext uri="{0D108BD9-81ED-4DB2-BD59-A6C34878D82A}">
-                    <a16:rowId xmlns:a16="http://schemas.microsoft.com/office/drawing/2014/main" val="348712046"/>
-                  </a:ext>
-                </a:extLst>
-              </a:tr>
-            </a:tbl>
-          </a:graphicData>
-        </a:graphic>
-      </p:graphicFrame>
-      <p:cxnSp>
-        <p:nvCxnSpPr>
-          <p:cNvPr id="8" name="Straight Arrow Connector 7">
-            <a:extLst>
-              <a:ext uri="{FF2B5EF4-FFF2-40B4-BE49-F238E27FC236}">
-                <a16:creationId xmlns:a16="http://schemas.microsoft.com/office/drawing/2014/main" id="{C9B47CDE-39AB-4D1E-91FA-6AD638B93EAD}"/>
-              </a:ext>
-            </a:extLst>
-          </p:cNvPr>
-          <p:cNvCxnSpPr>
-            <a:cxnSpLocks/>
-          </p:cNvCxnSpPr>
-          <p:nvPr/>
-        </p:nvCxnSpPr>
-        <p:spPr>
-          <a:xfrm>
-            <a:off x="2041236" y="1983198"/>
-            <a:ext cx="702768" cy="2237820"/>
-          </a:xfrm>
-          <a:prstGeom prst="straightConnector1">
-            <a:avLst/>
-          </a:prstGeom>
-          <a:ln w="25400">
-            <a:tailEnd type="triangle"/>
-          </a:ln>
-        </p:spPr>
-        <p:style>
-          <a:lnRef idx="1">
-            <a:schemeClr val="accent6"/>
-          </a:lnRef>
-          <a:fillRef idx="0">
-            <a:schemeClr val="accent6"/>
-          </a:fillRef>
-          <a:effectRef idx="0">
-            <a:schemeClr val="accent6"/>
-          </a:effectRef>
-          <a:fontRef idx="minor">
-            <a:schemeClr val="tx1"/>
-          </a:fontRef>
-        </p:style>
-      </p:cxnSp>
-      <p:cxnSp>
-        <p:nvCxnSpPr>
-          <p:cNvPr id="10" name="Straight Arrow Connector 9">
-            <a:extLst>
-              <a:ext uri="{FF2B5EF4-FFF2-40B4-BE49-F238E27FC236}">
-                <a16:creationId xmlns:a16="http://schemas.microsoft.com/office/drawing/2014/main" id="{7625D56A-6083-F0FE-23F1-93084CFA0604}"/>
-              </a:ext>
-            </a:extLst>
-          </p:cNvPr>
-          <p:cNvCxnSpPr>
-            <a:cxnSpLocks/>
-          </p:cNvCxnSpPr>
-          <p:nvPr/>
-        </p:nvCxnSpPr>
-        <p:spPr>
-          <a:xfrm>
-            <a:off x="3722255" y="1983198"/>
-            <a:ext cx="692727" cy="2281231"/>
-          </a:xfrm>
-          <a:prstGeom prst="straightConnector1">
-            <a:avLst/>
-          </a:prstGeom>
-          <a:ln w="25400">
-            <a:tailEnd type="triangle"/>
-          </a:ln>
-        </p:spPr>
-        <p:style>
-          <a:lnRef idx="1">
-            <a:schemeClr val="accent6"/>
-          </a:lnRef>
-          <a:fillRef idx="0">
-            <a:schemeClr val="accent6"/>
-          </a:fillRef>
-          <a:effectRef idx="0">
-            <a:schemeClr val="accent6"/>
-          </a:effectRef>
-          <a:fontRef idx="minor">
-            <a:schemeClr val="tx1"/>
-          </a:fontRef>
-        </p:style>
-      </p:cxnSp>
-      <p:cxnSp>
-        <p:nvCxnSpPr>
-          <p:cNvPr id="12" name="Straight Arrow Connector 11">
-            <a:extLst>
-              <a:ext uri="{FF2B5EF4-FFF2-40B4-BE49-F238E27FC236}">
-                <a16:creationId xmlns:a16="http://schemas.microsoft.com/office/drawing/2014/main" id="{76AA1BD4-339F-E236-B55C-03C4D3A015BA}"/>
-              </a:ext>
-            </a:extLst>
-          </p:cNvPr>
-          <p:cNvCxnSpPr>
-            <a:cxnSpLocks/>
-          </p:cNvCxnSpPr>
-          <p:nvPr/>
-        </p:nvCxnSpPr>
-        <p:spPr>
-          <a:xfrm flipH="1">
-            <a:off x="4414982" y="3262821"/>
-            <a:ext cx="2549236" cy="1001608"/>
-          </a:xfrm>
-          <a:prstGeom prst="straightConnector1">
-            <a:avLst/>
-          </a:prstGeom>
-          <a:ln w="25400">
-            <a:tailEnd type="triangle"/>
-          </a:ln>
-        </p:spPr>
-        <p:style>
-          <a:lnRef idx="1">
-            <a:schemeClr val="accent6"/>
-          </a:lnRef>
-          <a:fillRef idx="0">
-            <a:schemeClr val="accent6"/>
-          </a:fillRef>
-          <a:effectRef idx="0">
-            <a:schemeClr val="accent6"/>
-          </a:effectRef>
-          <a:fontRef idx="minor">
-            <a:schemeClr val="tx1"/>
-          </a:fontRef>
-        </p:style>
-      </p:cxnSp>
-      <p:cxnSp>
-        <p:nvCxnSpPr>
-          <p:cNvPr id="14" name="Straight Arrow Connector 13">
-            <a:extLst>
-              <a:ext uri="{FF2B5EF4-FFF2-40B4-BE49-F238E27FC236}">
-                <a16:creationId xmlns:a16="http://schemas.microsoft.com/office/drawing/2014/main" id="{F8F8DAE8-26F9-BB8A-D559-D55DD2F5975E}"/>
-              </a:ext>
-            </a:extLst>
-          </p:cNvPr>
-          <p:cNvCxnSpPr>
-            <a:cxnSpLocks/>
-            <a:stCxn id="5" idx="2"/>
-          </p:cNvCxnSpPr>
-          <p:nvPr/>
-        </p:nvCxnSpPr>
-        <p:spPr>
-          <a:xfrm flipH="1">
-            <a:off x="2744004" y="3262821"/>
-            <a:ext cx="5861232" cy="958197"/>
-          </a:xfrm>
-          <a:prstGeom prst="straightConnector1">
-            <a:avLst/>
-          </a:prstGeom>
-          <a:ln w="25400">
-            <a:tailEnd type="triangle"/>
-          </a:ln>
-        </p:spPr>
-        <p:style>
-          <a:lnRef idx="1">
-            <a:schemeClr val="accent6"/>
-          </a:lnRef>
-          <a:fillRef idx="0">
-            <a:schemeClr val="accent6"/>
-          </a:fillRef>
-          <a:effectRef idx="0">
-            <a:schemeClr val="accent6"/>
-          </a:effectRef>
-          <a:fontRef idx="minor">
-            <a:schemeClr val="tx1"/>
-          </a:fontRef>
-        </p:style>
-      </p:cxnSp>
-      <p:cxnSp>
-        <p:nvCxnSpPr>
-          <p:cNvPr id="23" name="Straight Arrow Connector 22">
-            <a:extLst>
-              <a:ext uri="{FF2B5EF4-FFF2-40B4-BE49-F238E27FC236}">
-                <a16:creationId xmlns:a16="http://schemas.microsoft.com/office/drawing/2014/main" id="{BECA0FF4-B660-78EE-8628-BBC1B1C6A01E}"/>
-              </a:ext>
-            </a:extLst>
-          </p:cNvPr>
-          <p:cNvCxnSpPr/>
-          <p:nvPr/>
-        </p:nvCxnSpPr>
-        <p:spPr>
-          <a:xfrm>
-            <a:off x="5957455" y="3262821"/>
-            <a:ext cx="0" cy="1001608"/>
-          </a:xfrm>
-          <a:prstGeom prst="straightConnector1">
-            <a:avLst/>
-          </a:prstGeom>
-          <a:ln>
-            <a:tailEnd type="triangle"/>
-          </a:ln>
-        </p:spPr>
-        <p:style>
-          <a:lnRef idx="1">
-            <a:schemeClr val="dk1"/>
-          </a:lnRef>
-          <a:fillRef idx="0">
-            <a:schemeClr val="dk1"/>
-          </a:fillRef>
-          <a:effectRef idx="0">
-            <a:schemeClr val="dk1"/>
-          </a:effectRef>
-          <a:fontRef idx="minor">
-            <a:schemeClr val="tx1"/>
-          </a:fontRef>
-        </p:style>
-      </p:cxnSp>
-      <p:cxnSp>
-        <p:nvCxnSpPr>
-          <p:cNvPr id="25" name="Straight Arrow Connector 24">
-            <a:extLst>
-              <a:ext uri="{FF2B5EF4-FFF2-40B4-BE49-F238E27FC236}">
-                <a16:creationId xmlns:a16="http://schemas.microsoft.com/office/drawing/2014/main" id="{B5AD82F8-7912-D9A2-5602-71A7BA88B3F9}"/>
-              </a:ext>
-            </a:extLst>
-          </p:cNvPr>
-          <p:cNvCxnSpPr/>
-          <p:nvPr/>
-        </p:nvCxnSpPr>
-        <p:spPr>
-          <a:xfrm>
-            <a:off x="831273" y="1983198"/>
-            <a:ext cx="5763491" cy="2237820"/>
-          </a:xfrm>
-          <a:prstGeom prst="straightConnector1">
-            <a:avLst/>
-          </a:prstGeom>
-          <a:ln>
-            <a:tailEnd type="triangle"/>
-          </a:ln>
-        </p:spPr>
-        <p:style>
-          <a:lnRef idx="1">
-            <a:schemeClr val="dk1"/>
-          </a:lnRef>
-          <a:fillRef idx="0">
-            <a:schemeClr val="dk1"/>
-          </a:fillRef>
-          <a:effectRef idx="0">
-            <a:schemeClr val="dk1"/>
-          </a:effectRef>
-          <a:fontRef idx="minor">
-            <a:schemeClr val="tx1"/>
-          </a:fontRef>
-        </p:style>
-      </p:cxnSp>
-      <p:cxnSp>
-        <p:nvCxnSpPr>
-          <p:cNvPr id="27" name="Straight Arrow Connector 26">
-            <a:extLst>
-              <a:ext uri="{FF2B5EF4-FFF2-40B4-BE49-F238E27FC236}">
-                <a16:creationId xmlns:a16="http://schemas.microsoft.com/office/drawing/2014/main" id="{968954E4-997C-2A79-E981-52177F98CFB0}"/>
-              </a:ext>
-            </a:extLst>
-          </p:cNvPr>
-          <p:cNvCxnSpPr/>
-          <p:nvPr/>
-        </p:nvCxnSpPr>
-        <p:spPr>
-          <a:xfrm flipH="1">
-            <a:off x="7915564" y="3262821"/>
-            <a:ext cx="2724727" cy="995218"/>
-          </a:xfrm>
-          <a:prstGeom prst="straightConnector1">
-            <a:avLst/>
-          </a:prstGeom>
-          <a:ln>
-            <a:tailEnd type="triangle"/>
-          </a:ln>
-        </p:spPr>
-        <p:style>
-          <a:lnRef idx="1">
-            <a:schemeClr val="dk1"/>
-          </a:lnRef>
-          <a:fillRef idx="0">
-            <a:schemeClr val="dk1"/>
-          </a:fillRef>
-          <a:effectRef idx="0">
-            <a:schemeClr val="dk1"/>
-          </a:effectRef>
-          <a:fontRef idx="minor">
-            <a:schemeClr val="tx1"/>
-          </a:fontRef>
-        </p:style>
-      </p:cxnSp>
-    </p:spTree>
-    <p:extLst>
-      <p:ext uri="{BB962C8B-B14F-4D97-AF65-F5344CB8AC3E}">
-        <p14:creationId xmlns:p14="http://schemas.microsoft.com/office/powerpoint/2010/main" val="654280304"/>
-      </p:ext>
-    </p:extLst>
-  </p:cSld>
-  <p:clrMapOvr>
-    <a:masterClrMapping/>
-  </p:clrMapOvr>
-</p:sld>
-</file>
-
-<file path=ppt/slides/slide11.xml><?xml version="1.0" encoding="utf-8"?>
-<p:sld xmlns:a="http://schemas.openxmlformats.org/drawingml/2006/main" xmlns:r="http://schemas.openxmlformats.org/officeDocument/2006/relationships" xmlns:p="http://schemas.openxmlformats.org/presentationml/2006/main">
-  <p:cSld>
-    <p:spTree>
-      <p:nvGrpSpPr>
-        <p:cNvPr id="1" name=""/>
-        <p:cNvGrpSpPr/>
-        <p:nvPr/>
-      </p:nvGrpSpPr>
-      <p:grpSpPr>
-        <a:xfrm>
-          <a:off x="0" y="0"/>
-          <a:ext cx="0" cy="0"/>
-          <a:chOff x="0" y="0"/>
-          <a:chExt cx="0" cy="0"/>
-        </a:xfrm>
-      </p:grpSpPr>
-      <p:sp>
-        <p:nvSpPr>
-          <p:cNvPr id="2" name="Title 1">
-            <a:extLst>
-              <a:ext uri="{FF2B5EF4-FFF2-40B4-BE49-F238E27FC236}">
-                <a16:creationId xmlns:a16="http://schemas.microsoft.com/office/drawing/2014/main" id="{61F2E3D4-A79F-6B8F-34F0-351A1DC15FC1}"/>
-              </a:ext>
-            </a:extLst>
-          </p:cNvPr>
-          <p:cNvSpPr>
-            <a:spLocks noGrp="1"/>
-          </p:cNvSpPr>
-          <p:nvPr>
-            <p:ph type="title"/>
-          </p:nvPr>
-        </p:nvSpPr>
-        <p:spPr/>
-        <p:txBody>
-          <a:bodyPr/>
-          <a:lstStyle/>
-          <a:p>
-            <a:r>
-              <a:rPr lang="de-DE" dirty="0"/>
-              <a:t>Was ist durch </a:t>
-            </a:r>
-            <a:r>
-              <a:rPr lang="de-DE" dirty="0" err="1"/>
-              <a:t>merge</a:t>
-            </a:r>
-            <a:r>
-              <a:rPr lang="de-DE" dirty="0"/>
-              <a:t> verloren gegangen</a:t>
-            </a:r>
-          </a:p>
-        </p:txBody>
-      </p:sp>
-      <p:sp>
-        <p:nvSpPr>
-          <p:cNvPr id="3" name="Content Placeholder 2">
-            <a:extLst>
-              <a:ext uri="{FF2B5EF4-FFF2-40B4-BE49-F238E27FC236}">
-                <a16:creationId xmlns:a16="http://schemas.microsoft.com/office/drawing/2014/main" id="{5F7640F4-0A08-E525-0CD0-CEB1E381F011}"/>
-              </a:ext>
-            </a:extLst>
-          </p:cNvPr>
-          <p:cNvSpPr>
-            <a:spLocks noGrp="1"/>
-          </p:cNvSpPr>
-          <p:nvPr>
-            <p:ph idx="1"/>
-          </p:nvPr>
-        </p:nvSpPr>
-        <p:spPr/>
-        <p:txBody>
-          <a:bodyPr/>
-          <a:lstStyle/>
-          <a:p>
-            <a:endParaRPr lang="de-DE"/>
-          </a:p>
-        </p:txBody>
-      </p:sp>
-    </p:spTree>
-    <p:extLst>
-      <p:ext uri="{BB962C8B-B14F-4D97-AF65-F5344CB8AC3E}">
-        <p14:creationId xmlns:p14="http://schemas.microsoft.com/office/powerpoint/2010/main" val="111263255"/>
-      </p:ext>
-    </p:extLst>
-  </p:cSld>
-  <p:clrMapOvr>
-    <a:masterClrMapping/>
-  </p:clrMapOvr>
-</p:sld>
-</file>
-
-<file path=ppt/slides/slide12.xml><?xml version="1.0" encoding="utf-8"?>
-<p:sld xmlns:a="http://schemas.openxmlformats.org/drawingml/2006/main" xmlns:r="http://schemas.openxmlformats.org/officeDocument/2006/relationships" xmlns:p="http://schemas.openxmlformats.org/presentationml/2006/main">
-  <p:cSld>
-    <p:bg>
-      <p:bgPr>
-        <a:solidFill>
-          <a:schemeClr val="bg1"/>
-        </a:solidFill>
-        <a:effectLst/>
-      </p:bgPr>
-    </p:bg>
-    <p:spTree>
-      <p:nvGrpSpPr>
-        <p:cNvPr id="1" name=""/>
-        <p:cNvGrpSpPr/>
-        <p:nvPr/>
-      </p:nvGrpSpPr>
-      <p:grpSpPr>
-        <a:xfrm>
-          <a:off x="0" y="0"/>
-          <a:ext cx="0" cy="0"/>
-          <a:chOff x="0" y="0"/>
-          <a:chExt cx="0" cy="0"/>
-        </a:xfrm>
-      </p:grpSpPr>
-      <p:sp>
-        <p:nvSpPr>
-          <p:cNvPr id="2" name="Title 1">
-            <a:extLst>
-              <a:ext uri="{FF2B5EF4-FFF2-40B4-BE49-F238E27FC236}">
-                <a16:creationId xmlns:a16="http://schemas.microsoft.com/office/drawing/2014/main" id="{11C0C297-4A59-5C27-376B-01802D3104B3}"/>
-              </a:ext>
-            </a:extLst>
-          </p:cNvPr>
-          <p:cNvSpPr>
-            <a:spLocks noGrp="1"/>
-          </p:cNvSpPr>
-          <p:nvPr>
-            <p:ph type="title"/>
-          </p:nvPr>
-        </p:nvSpPr>
-        <p:spPr>
-          <a:xfrm>
-            <a:off x="838200" y="184805"/>
-            <a:ext cx="10515600" cy="1505883"/>
-          </a:xfrm>
-        </p:spPr>
-        <p:txBody>
-          <a:bodyPr vert="horz" lIns="91440" tIns="45720" rIns="91440" bIns="45720" rtlCol="0" anchor="ctr">
-            <a:normAutofit/>
-          </a:bodyPr>
-          <a:lstStyle/>
-          <a:p>
-            <a:pPr algn="ctr"/>
-            <a:r>
-              <a:rPr lang="en-US" b="1" kern="1200" dirty="0" err="1">
-                <a:solidFill>
-                  <a:schemeClr val="tx1"/>
-                </a:solidFill>
-                <a:latin typeface="Microsoft YaHei UI" panose="020B0503020204020204" pitchFamily="34" charset="-122"/>
-                <a:ea typeface="Microsoft YaHei UI" panose="020B0503020204020204" pitchFamily="34" charset="-122"/>
-              </a:rPr>
-              <a:t>Beliebtheit</a:t>
-            </a:r>
-            <a:r>
-              <a:rPr lang="en-US" b="1" kern="1200" dirty="0">
-                <a:solidFill>
-                  <a:schemeClr val="tx1"/>
-                </a:solidFill>
-                <a:latin typeface="Microsoft YaHei UI" panose="020B0503020204020204" pitchFamily="34" charset="-122"/>
-                <a:ea typeface="Microsoft YaHei UI" panose="020B0503020204020204" pitchFamily="34" charset="-122"/>
-              </a:rPr>
-              <a:t> von </a:t>
-            </a:r>
-            <a:r>
-              <a:rPr lang="en-US" b="1" kern="1200" dirty="0" err="1">
-                <a:solidFill>
-                  <a:schemeClr val="tx1"/>
-                </a:solidFill>
-                <a:latin typeface="Microsoft YaHei UI" panose="020B0503020204020204" pitchFamily="34" charset="-122"/>
-                <a:ea typeface="Microsoft YaHei UI" panose="020B0503020204020204" pitchFamily="34" charset="-122"/>
-              </a:rPr>
-              <a:t>Artisten</a:t>
-            </a:r>
-            <a:endParaRPr lang="en-US" b="1" kern="1200" dirty="0">
-              <a:solidFill>
-                <a:schemeClr val="tx1"/>
-              </a:solidFill>
-              <a:latin typeface="Microsoft YaHei UI" panose="020B0503020204020204" pitchFamily="34" charset="-122"/>
-              <a:ea typeface="Microsoft YaHei UI" panose="020B0503020204020204" pitchFamily="34" charset="-122"/>
-            </a:endParaRPr>
-          </a:p>
-        </p:txBody>
-      </p:sp>
-      <p:graphicFrame>
-        <p:nvGraphicFramePr>
-          <p:cNvPr id="4" name="Chart 3">
-            <a:extLst>
-              <a:ext uri="{FF2B5EF4-FFF2-40B4-BE49-F238E27FC236}">
-                <a16:creationId xmlns:a16="http://schemas.microsoft.com/office/drawing/2014/main" id="{E5333BCA-A3D4-F8AD-6F0F-1CB1C9B581D0}"/>
-              </a:ext>
-            </a:extLst>
-          </p:cNvPr>
-          <p:cNvGraphicFramePr/>
-          <p:nvPr>
-            <p:extLst>
-              <p:ext uri="{D42A27DB-BD31-4B8C-83A1-F6EECF244321}">
-                <p14:modId xmlns:p14="http://schemas.microsoft.com/office/powerpoint/2010/main" val="1668827416"/>
-              </p:ext>
-            </p:extLst>
-          </p:nvPr>
-        </p:nvGraphicFramePr>
-        <p:xfrm>
-          <a:off x="838201" y="1399032"/>
-          <a:ext cx="10515599" cy="4896698"/>
-        </p:xfrm>
-        <a:graphic>
-          <a:graphicData uri="http://schemas.openxmlformats.org/drawingml/2006/chart">
-            <c:chart xmlns:c="http://schemas.openxmlformats.org/drawingml/2006/chart" xmlns:r="http://schemas.openxmlformats.org/officeDocument/2006/relationships" r:id="rId3"/>
-          </a:graphicData>
-        </a:graphic>
-      </p:graphicFrame>
-      <p:sp>
-        <p:nvSpPr>
-          <p:cNvPr id="6" name="TextBox 5">
-            <a:extLst>
-              <a:ext uri="{FF2B5EF4-FFF2-40B4-BE49-F238E27FC236}">
-                <a16:creationId xmlns:a16="http://schemas.microsoft.com/office/drawing/2014/main" id="{1B4182D1-D980-2471-4CA9-4FA971F48FDF}"/>
-              </a:ext>
-            </a:extLst>
-          </p:cNvPr>
-          <p:cNvSpPr txBox="1"/>
-          <p:nvPr/>
-        </p:nvSpPr>
-        <p:spPr>
-          <a:xfrm>
-            <a:off x="10241280" y="6207533"/>
-            <a:ext cx="1727200" cy="369332"/>
-          </a:xfrm>
-          <a:prstGeom prst="rect">
-            <a:avLst/>
-          </a:prstGeom>
-          <a:noFill/>
-        </p:spPr>
-        <p:txBody>
-          <a:bodyPr wrap="square" rtlCol="0">
-            <a:spAutoFit/>
-          </a:bodyPr>
-          <a:lstStyle/>
-          <a:p>
-            <a:r>
-              <a:rPr lang="de-DE" dirty="0"/>
-              <a:t>total = 19732</a:t>
-            </a:r>
-          </a:p>
-        </p:txBody>
-      </p:sp>
-    </p:spTree>
-    <p:extLst>
-      <p:ext uri="{BB962C8B-B14F-4D97-AF65-F5344CB8AC3E}">
-        <p14:creationId xmlns:p14="http://schemas.microsoft.com/office/powerpoint/2010/main" val="3760022512"/>
-      </p:ext>
-    </p:extLst>
-  </p:cSld>
-  <p:clrMapOvr>
-    <a:masterClrMapping/>
-  </p:clrMapOvr>
-</p:sld>
-</file>
-
-<file path=ppt/slides/slide13.xml><?xml version="1.0" encoding="utf-8"?>
-<p:sld xmlns:a="http://schemas.openxmlformats.org/drawingml/2006/main" xmlns:r="http://schemas.openxmlformats.org/officeDocument/2006/relationships" xmlns:p="http://schemas.openxmlformats.org/presentationml/2006/main">
-  <p:cSld>
-    <p:spTree>
-      <p:nvGrpSpPr>
-        <p:cNvPr id="1" name=""/>
-        <p:cNvGrpSpPr/>
-        <p:nvPr/>
-      </p:nvGrpSpPr>
-      <p:grpSpPr>
-        <a:xfrm>
-          <a:off x="0" y="0"/>
-          <a:ext cx="0" cy="0"/>
-          <a:chOff x="0" y="0"/>
-          <a:chExt cx="0" cy="0"/>
-        </a:xfrm>
-      </p:grpSpPr>
       <p:sp>
         <p:nvSpPr>
           <p:cNvPr id="2" name="Title 1">
@@ -11826,7 +9346,7 @@
 </p:sld>
 </file>
 
-<file path=ppt/slides/slide14.xml><?xml version="1.0" encoding="utf-8"?>
+<file path=ppt/slides/slide11.xml><?xml version="1.0" encoding="utf-8"?>
 <p:sld xmlns:a="http://schemas.openxmlformats.org/drawingml/2006/main" xmlns:r="http://schemas.openxmlformats.org/officeDocument/2006/relationships" xmlns:p="http://schemas.openxmlformats.org/presentationml/2006/main">
   <p:cSld>
     <p:spTree>
@@ -11937,7 +9457,7 @@
           <p:nvPr>
             <p:extLst>
               <p:ext uri="{D42A27DB-BD31-4B8C-83A1-F6EECF244321}">
-                <p14:modId xmlns:p14="http://schemas.microsoft.com/office/powerpoint/2010/main" val="546147377"/>
+                <p14:modId xmlns:p14="http://schemas.microsoft.com/office/powerpoint/2010/main" val="645429670"/>
               </p:ext>
             </p:extLst>
           </p:nvPr>
@@ -11965,7 +9485,7 @@
 </p:sld>
 </file>
 
-<file path=ppt/slides/slide15.xml><?xml version="1.0" encoding="utf-8"?>
+<file path=ppt/slides/slide12.xml><?xml version="1.0" encoding="utf-8"?>
 <p:sld xmlns:a="http://schemas.openxmlformats.org/drawingml/2006/main" xmlns:r="http://schemas.openxmlformats.org/officeDocument/2006/relationships" xmlns:p="http://schemas.openxmlformats.org/presentationml/2006/main">
   <p:cSld>
     <p:spTree>
@@ -12047,7 +9567,7 @@
           <p:nvPr>
             <p:extLst>
               <p:ext uri="{D42A27DB-BD31-4B8C-83A1-F6EECF244321}">
-                <p14:modId xmlns:p14="http://schemas.microsoft.com/office/powerpoint/2010/main" val="1061090368"/>
+                <p14:modId xmlns:p14="http://schemas.microsoft.com/office/powerpoint/2010/main" val="2643047522"/>
               </p:ext>
             </p:extLst>
           </p:nvPr>
@@ -12075,7 +9595,7 @@
 </p:sld>
 </file>
 
-<file path=ppt/slides/slide16.xml><?xml version="1.0" encoding="utf-8"?>
+<file path=ppt/slides/slide13.xml><?xml version="1.0" encoding="utf-8"?>
 <p:sld xmlns:a="http://schemas.openxmlformats.org/drawingml/2006/main" xmlns:r="http://schemas.openxmlformats.org/officeDocument/2006/relationships" xmlns:p="http://schemas.openxmlformats.org/presentationml/2006/main">
   <p:cSld>
     <p:spTree>
@@ -12227,8 +9747,8 @@
           </a:graphicData>
         </a:graphic>
       </p:graphicFrame>
-      <mc:AlternateContent xmlns:mc="http://schemas.openxmlformats.org/markup-compatibility/2006" xmlns:cx2="http://schemas.microsoft.com/office/drawing/2015/10/21/chartex">
-        <mc:Choice Requires="cx2">
+      <mc:AlternateContent xmlns:mc="http://schemas.openxmlformats.org/markup-compatibility/2006">
+        <mc:Choice xmlns:cx2="http://schemas.microsoft.com/office/drawing/2015/10/21/chartex" Requires="cx2">
           <p:graphicFrame>
             <p:nvGraphicFramePr>
               <p:cNvPr id="7" name="Chart 6">
@@ -12242,14 +9762,14 @@
               <p:nvPr>
                 <p:extLst>
                   <p:ext uri="{D42A27DB-BD31-4B8C-83A1-F6EECF244321}">
-                    <p14:modId xmlns:p14="http://schemas.microsoft.com/office/powerpoint/2010/main" val="1972236254"/>
+                    <p14:modId xmlns:p14="http://schemas.microsoft.com/office/powerpoint/2010/main" val="3491018800"/>
                   </p:ext>
                 </p:extLst>
               </p:nvPr>
             </p:nvGraphicFramePr>
             <p:xfrm>
-              <a:off x="4543427" y="1736725"/>
-              <a:ext cx="6915150" cy="4538348"/>
+              <a:off x="4191000" y="1736725"/>
+              <a:ext cx="7267577" cy="4538348"/>
             </p:xfrm>
             <a:graphic>
               <a:graphicData uri="http://schemas.microsoft.com/office/drawing/2014/chartex">
@@ -12258,7 +9778,7 @@
             </a:graphic>
           </p:graphicFrame>
         </mc:Choice>
-        <mc:Fallback xmlns="">
+        <mc:Fallback>
           <p:pic>
             <p:nvPicPr>
               <p:cNvPr id="7" name="Chart 6">
@@ -12281,8 +9801,8 @@
             </p:blipFill>
             <p:spPr>
               <a:xfrm>
-                <a:off x="4543427" y="1736725"/>
-                <a:ext cx="6915150" cy="4538348"/>
+                <a:off x="4191000" y="1736725"/>
+                <a:ext cx="7267577" cy="4538348"/>
               </a:xfrm>
               <a:prstGeom prst="rect">
                 <a:avLst/>
@@ -12347,7 +9867,7 @@
 </p:sld>
 </file>
 
-<file path=ppt/slides/slide17.xml><?xml version="1.0" encoding="utf-8"?>
+<file path=ppt/slides/slide14.xml><?xml version="1.0" encoding="utf-8"?>
 <p:sld xmlns:a="http://schemas.openxmlformats.org/drawingml/2006/main" xmlns:r="http://schemas.openxmlformats.org/officeDocument/2006/relationships" xmlns:p="http://schemas.openxmlformats.org/presentationml/2006/main">
   <p:cSld>
     <p:spTree>
@@ -12443,7 +9963,7 @@
 </p:sld>
 </file>
 
-<file path=ppt/slides/slide18.xml><?xml version="1.0" encoding="utf-8"?>
+<file path=ppt/slides/slide15.xml><?xml version="1.0" encoding="utf-8"?>
 <p:sld xmlns:a="http://schemas.openxmlformats.org/drawingml/2006/main" xmlns:r="http://schemas.openxmlformats.org/officeDocument/2006/relationships" xmlns:p="http://schemas.openxmlformats.org/presentationml/2006/main">
   <p:cSld>
     <p:spTree>
@@ -12508,10 +10028,10 @@
       </p:sp>
       <p:pic>
         <p:nvPicPr>
-          <p:cNvPr id="4" name="Picture 3">
+          <p:cNvPr id="5" name="Picture 4">
             <a:extLst>
               <a:ext uri="{FF2B5EF4-FFF2-40B4-BE49-F238E27FC236}">
-                <a16:creationId xmlns:a16="http://schemas.microsoft.com/office/drawing/2014/main" id="{649FED6A-9F6E-726B-436C-8CAC9F697FBA}"/>
+                <a16:creationId xmlns:a16="http://schemas.microsoft.com/office/drawing/2014/main" id="{846DC6D8-BD63-1F4D-86B2-9B72535F0B6B}"/>
               </a:ext>
             </a:extLst>
           </p:cNvPr>
@@ -12528,8 +10048,8 @@
         </p:blipFill>
         <p:spPr>
           <a:xfrm>
-            <a:off x="192258" y="238516"/>
-            <a:ext cx="8785036" cy="6288893"/>
+            <a:off x="192257" y="189808"/>
+            <a:ext cx="8957981" cy="6412698"/>
           </a:xfrm>
           <a:prstGeom prst="rect">
             <a:avLst/>
@@ -12549,7 +10069,7 @@
 </p:sld>
 </file>
 
-<file path=ppt/slides/slide19.xml><?xml version="1.0" encoding="utf-8"?>
+<file path=ppt/slides/slide16.xml><?xml version="1.0" encoding="utf-8"?>
 <p:sld xmlns:a="http://schemas.openxmlformats.org/drawingml/2006/main" xmlns:r="http://schemas.openxmlformats.org/officeDocument/2006/relationships" xmlns:p="http://schemas.openxmlformats.org/presentationml/2006/main">
   <p:cSld>
     <p:spTree>
@@ -12566,60 +10086,39 @@
           <a:chExt cx="0" cy="0"/>
         </a:xfrm>
       </p:grpSpPr>
-      <p:sp>
-        <p:nvSpPr>
-          <p:cNvPr id="2" name="Title 1">
+      <p:pic>
+        <p:nvPicPr>
+          <p:cNvPr id="4" name="Picture 3">
             <a:extLst>
               <a:ext uri="{FF2B5EF4-FFF2-40B4-BE49-F238E27FC236}">
-                <a16:creationId xmlns:a16="http://schemas.microsoft.com/office/drawing/2014/main" id="{4D470F44-C235-AC58-E48F-D4CC0A1852D5}"/>
+                <a16:creationId xmlns:a16="http://schemas.microsoft.com/office/drawing/2014/main" id="{EBFD7EEC-6AFE-3F5E-7339-DEA148213E60}"/>
               </a:ext>
             </a:extLst>
           </p:cNvPr>
-          <p:cNvSpPr>
-            <a:spLocks noGrp="1"/>
-          </p:cNvSpPr>
-          <p:nvPr>
-            <p:ph type="title"/>
-          </p:nvPr>
-        </p:nvSpPr>
-        <p:spPr/>
-        <p:txBody>
-          <a:bodyPr/>
-          <a:lstStyle/>
-          <a:p>
-            <a:endParaRPr lang="de-DE"/>
-          </a:p>
-        </p:txBody>
-      </p:sp>
-      <p:sp>
-        <p:nvSpPr>
-          <p:cNvPr id="3" name="Content Placeholder 2">
-            <a:extLst>
-              <a:ext uri="{FF2B5EF4-FFF2-40B4-BE49-F238E27FC236}">
-                <a16:creationId xmlns:a16="http://schemas.microsoft.com/office/drawing/2014/main" id="{C32E90D8-7161-8E1D-E849-2CE97950AB53}"/>
-              </a:ext>
-            </a:extLst>
-          </p:cNvPr>
-          <p:cNvSpPr>
-            <a:spLocks noGrp="1"/>
-          </p:cNvSpPr>
-          <p:nvPr>
-            <p:ph idx="1"/>
-          </p:nvPr>
-        </p:nvSpPr>
-        <p:spPr/>
-        <p:txBody>
-          <a:bodyPr/>
-          <a:lstStyle/>
-          <a:p>
-            <a:endParaRPr lang="de-DE"/>
-          </a:p>
-        </p:txBody>
-      </p:sp>
+          <p:cNvPicPr>
+            <a:picLocks noChangeAspect="1"/>
+          </p:cNvPicPr>
+          <p:nvPr/>
+        </p:nvPicPr>
+        <p:blipFill rotWithShape="1">
+          <a:blip r:embed="rId2"/>
+          <a:srcRect l="4016" r="2653" b="3"/>
+          <a:stretch/>
+        </p:blipFill>
+        <p:spPr>
+          <a:xfrm>
+            <a:off x="20" y="10"/>
+            <a:ext cx="12191980" cy="6857990"/>
+          </a:xfrm>
+          <a:prstGeom prst="rect">
+            <a:avLst/>
+          </a:prstGeom>
+        </p:spPr>
+      </p:pic>
     </p:spTree>
     <p:extLst>
       <p:ext uri="{BB962C8B-B14F-4D97-AF65-F5344CB8AC3E}">
-        <p14:creationId xmlns:p14="http://schemas.microsoft.com/office/powerpoint/2010/main" val="2873337056"/>
+        <p14:creationId xmlns:p14="http://schemas.microsoft.com/office/powerpoint/2010/main" val="2666489095"/>
       </p:ext>
     </p:extLst>
   </p:cSld>
@@ -12694,13 +10193,13 @@
         </p:nvCxnSpPr>
         <p:spPr>
           <a:xfrm>
-            <a:off x="6597748" y="3619437"/>
+            <a:off x="6979141" y="3985197"/>
             <a:ext cx="4234375" cy="0"/>
           </a:xfrm>
           <a:prstGeom prst="straightConnector1">
             <a:avLst/>
           </a:prstGeom>
-          <a:ln w="88900">
+          <a:ln w="63500">
             <a:solidFill>
               <a:srgbClr val="92D050"/>
             </a:solidFill>
@@ -12736,7 +10235,7 @@
         </p:nvSpPr>
         <p:spPr>
           <a:xfrm>
-            <a:off x="1150618" y="1797465"/>
+            <a:off x="1532011" y="2163225"/>
             <a:ext cx="2048020" cy="461665"/>
           </a:xfrm>
           <a:prstGeom prst="rect">
@@ -12775,13 +10274,13 @@
           <p:nvPr>
             <p:extLst>
               <p:ext uri="{D42A27DB-BD31-4B8C-83A1-F6EECF244321}">
-                <p14:modId xmlns:p14="http://schemas.microsoft.com/office/powerpoint/2010/main" val="88285535"/>
+                <p14:modId xmlns:p14="http://schemas.microsoft.com/office/powerpoint/2010/main" val="2168681306"/>
               </p:ext>
             </p:extLst>
           </p:nvPr>
         </p:nvGraphicFramePr>
         <p:xfrm>
-          <a:off x="761996" y="2497277"/>
+          <a:off x="1143389" y="2863037"/>
           <a:ext cx="1041012" cy="1097280"/>
         </p:xfrm>
         <a:graphic>
@@ -12980,13 +10479,13 @@
           <p:nvPr>
             <p:extLst>
               <p:ext uri="{D42A27DB-BD31-4B8C-83A1-F6EECF244321}">
-                <p14:modId xmlns:p14="http://schemas.microsoft.com/office/powerpoint/2010/main" val="4160361221"/>
+                <p14:modId xmlns:p14="http://schemas.microsoft.com/office/powerpoint/2010/main" val="2245438434"/>
               </p:ext>
             </p:extLst>
           </p:nvPr>
         </p:nvGraphicFramePr>
         <p:xfrm>
-          <a:off x="1654122" y="3977943"/>
+          <a:off x="2035515" y="4343703"/>
           <a:ext cx="1041012" cy="1097280"/>
         </p:xfrm>
         <a:graphic>
@@ -13185,13 +10684,13 @@
           <p:nvPr>
             <p:extLst>
               <p:ext uri="{D42A27DB-BD31-4B8C-83A1-F6EECF244321}">
-                <p14:modId xmlns:p14="http://schemas.microsoft.com/office/powerpoint/2010/main" val="3978966244"/>
+                <p14:modId xmlns:p14="http://schemas.microsoft.com/office/powerpoint/2010/main" val="3729784922"/>
               </p:ext>
             </p:extLst>
           </p:nvPr>
         </p:nvGraphicFramePr>
         <p:xfrm>
-          <a:off x="4958079" y="2863037"/>
+          <a:off x="5339472" y="3228797"/>
           <a:ext cx="1513056" cy="1463040"/>
         </p:xfrm>
         <a:graphic>
@@ -13532,7 +11031,7 @@
         </p:nvCxnSpPr>
         <p:spPr>
           <a:xfrm>
-            <a:off x="1803008" y="3045917"/>
+            <a:off x="2184401" y="3411677"/>
             <a:ext cx="3155071" cy="548640"/>
           </a:xfrm>
           <a:prstGeom prst="bentConnector3">
@@ -13576,7 +11075,7 @@
         </p:nvCxnSpPr>
         <p:spPr>
           <a:xfrm flipV="1">
-            <a:off x="2695134" y="3594557"/>
+            <a:off x="3076527" y="3960317"/>
             <a:ext cx="2262945" cy="932026"/>
           </a:xfrm>
           <a:prstGeom prst="bentConnector3">
@@ -13634,7 +11133,7 @@
         </p:blipFill>
         <p:spPr>
           <a:xfrm>
-            <a:off x="8734080" y="2708380"/>
+            <a:off x="9115473" y="3074140"/>
             <a:ext cx="914400" cy="914400"/>
           </a:xfrm>
           <a:prstGeom prst="rect">
@@ -13670,7 +11169,7 @@
         </p:blipFill>
         <p:spPr>
           <a:xfrm>
-            <a:off x="7819680" y="2705037"/>
+            <a:off x="8201073" y="3070797"/>
             <a:ext cx="914400" cy="914400"/>
           </a:xfrm>
           <a:prstGeom prst="rect">
@@ -13692,7 +11191,7 @@
         </p:nvSpPr>
         <p:spPr>
           <a:xfrm>
-            <a:off x="4690597" y="1759968"/>
+            <a:off x="5071990" y="2125728"/>
             <a:ext cx="2048020" cy="461665"/>
           </a:xfrm>
           <a:prstGeom prst="rect">
@@ -13730,7 +11229,7 @@
         </p:nvSpPr>
         <p:spPr>
           <a:xfrm>
-            <a:off x="7690925" y="1775303"/>
+            <a:off x="8259885" y="2163225"/>
             <a:ext cx="2048020" cy="461665"/>
           </a:xfrm>
           <a:prstGeom prst="rect">
@@ -13767,617 +11266,7 @@
 </p:sld>
 </file>
 
-<file path=ppt/slides/slide20.xml><?xml version="1.0" encoding="utf-8"?>
-<p:sld xmlns:a="http://schemas.openxmlformats.org/drawingml/2006/main" xmlns:r="http://schemas.openxmlformats.org/officeDocument/2006/relationships" xmlns:p="http://schemas.openxmlformats.org/presentationml/2006/main">
-  <p:cSld>
-    <p:spTree>
-      <p:nvGrpSpPr>
-        <p:cNvPr id="1" name=""/>
-        <p:cNvGrpSpPr/>
-        <p:nvPr/>
-      </p:nvGrpSpPr>
-      <p:grpSpPr>
-        <a:xfrm>
-          <a:off x="0" y="0"/>
-          <a:ext cx="0" cy="0"/>
-          <a:chOff x="0" y="0"/>
-          <a:chExt cx="0" cy="0"/>
-        </a:xfrm>
-      </p:grpSpPr>
-      <p:sp>
-        <p:nvSpPr>
-          <p:cNvPr id="2" name="Title 1">
-            <a:extLst>
-              <a:ext uri="{FF2B5EF4-FFF2-40B4-BE49-F238E27FC236}">
-                <a16:creationId xmlns:a16="http://schemas.microsoft.com/office/drawing/2014/main" id="{BA6980B1-8FFD-2A7A-4C50-75165DC542D3}"/>
-              </a:ext>
-            </a:extLst>
-          </p:cNvPr>
-          <p:cNvSpPr>
-            <a:spLocks noGrp="1"/>
-          </p:cNvSpPr>
-          <p:nvPr>
-            <p:ph type="title"/>
-          </p:nvPr>
-        </p:nvSpPr>
-        <p:spPr/>
-        <p:txBody>
-          <a:bodyPr/>
-          <a:lstStyle/>
-          <a:p>
-            <a:endParaRPr lang="de-DE"/>
-          </a:p>
-        </p:txBody>
-      </p:sp>
-      <p:sp>
-        <p:nvSpPr>
-          <p:cNvPr id="3" name="Content Placeholder 2">
-            <a:extLst>
-              <a:ext uri="{FF2B5EF4-FFF2-40B4-BE49-F238E27FC236}">
-                <a16:creationId xmlns:a16="http://schemas.microsoft.com/office/drawing/2014/main" id="{F0F02DBC-54F2-FB46-FC94-9CF868DB0EF7}"/>
-              </a:ext>
-            </a:extLst>
-          </p:cNvPr>
-          <p:cNvSpPr>
-            <a:spLocks noGrp="1"/>
-          </p:cNvSpPr>
-          <p:nvPr>
-            <p:ph idx="1"/>
-          </p:nvPr>
-        </p:nvSpPr>
-        <p:spPr/>
-        <p:txBody>
-          <a:bodyPr/>
-          <a:lstStyle/>
-          <a:p>
-            <a:endParaRPr lang="de-DE"/>
-          </a:p>
-        </p:txBody>
-      </p:sp>
-    </p:spTree>
-    <p:extLst>
-      <p:ext uri="{BB962C8B-B14F-4D97-AF65-F5344CB8AC3E}">
-        <p14:creationId xmlns:p14="http://schemas.microsoft.com/office/powerpoint/2010/main" val="390749756"/>
-      </p:ext>
-    </p:extLst>
-  </p:cSld>
-  <p:clrMapOvr>
-    <a:masterClrMapping/>
-  </p:clrMapOvr>
-</p:sld>
-</file>
-
 <file path=ppt/slides/slide3.xml><?xml version="1.0" encoding="utf-8"?>
-<p:sld xmlns:a="http://schemas.openxmlformats.org/drawingml/2006/main" xmlns:r="http://schemas.openxmlformats.org/officeDocument/2006/relationships" xmlns:p="http://schemas.openxmlformats.org/presentationml/2006/main">
-  <p:cSld>
-    <p:bg>
-      <p:bgPr>
-        <a:solidFill>
-          <a:schemeClr val="bg1"/>
-        </a:solidFill>
-        <a:effectLst/>
-      </p:bgPr>
-    </p:bg>
-    <p:spTree>
-      <p:nvGrpSpPr>
-        <p:cNvPr id="1" name=""/>
-        <p:cNvGrpSpPr/>
-        <p:nvPr/>
-      </p:nvGrpSpPr>
-      <p:grpSpPr>
-        <a:xfrm>
-          <a:off x="0" y="0"/>
-          <a:ext cx="0" cy="0"/>
-          <a:chOff x="0" y="0"/>
-          <a:chExt cx="0" cy="0"/>
-        </a:xfrm>
-      </p:grpSpPr>
-      <p:sp>
-        <p:nvSpPr>
-          <p:cNvPr id="11" name="Title 1">
-            <a:extLst>
-              <a:ext uri="{FF2B5EF4-FFF2-40B4-BE49-F238E27FC236}">
-                <a16:creationId xmlns:a16="http://schemas.microsoft.com/office/drawing/2014/main" id="{E1A81C5C-565A-DEBB-CCCB-225013F20B35}"/>
-              </a:ext>
-            </a:extLst>
-          </p:cNvPr>
-          <p:cNvSpPr>
-            <a:spLocks noGrp="1"/>
-          </p:cNvSpPr>
-          <p:nvPr>
-            <p:ph type="title"/>
-          </p:nvPr>
-        </p:nvSpPr>
-        <p:spPr>
-          <a:xfrm>
-            <a:off x="804672" y="338328"/>
-            <a:ext cx="3877056" cy="2249424"/>
-          </a:xfrm>
-        </p:spPr>
-        <p:txBody>
-          <a:bodyPr vert="horz" lIns="91440" tIns="45720" rIns="91440" bIns="45720" rtlCol="0" anchor="b">
-            <a:normAutofit/>
-          </a:bodyPr>
-          <a:lstStyle/>
-          <a:p>
-            <a:r>
-              <a:rPr lang="en-US" sz="4800" b="1" dirty="0">
-                <a:latin typeface="Microsoft YaHei UI" panose="020B0503020204020204" pitchFamily="34" charset="-122"/>
-                <a:ea typeface="Microsoft YaHei UI" panose="020B0503020204020204" pitchFamily="34" charset="-122"/>
-              </a:rPr>
-              <a:t>Datasets</a:t>
-            </a:r>
-            <a:endParaRPr lang="en-US" sz="5400" b="1" dirty="0">
-              <a:latin typeface="Microsoft YaHei UI" panose="020B0503020204020204" pitchFamily="34" charset="-122"/>
-              <a:ea typeface="Microsoft YaHei UI" panose="020B0503020204020204" pitchFamily="34" charset="-122"/>
-            </a:endParaRPr>
-          </a:p>
-        </p:txBody>
-      </p:sp>
-      <p:pic>
-        <p:nvPicPr>
-          <p:cNvPr id="8" name="Picture 7" descr="Graphical user interface, text, application&#10;&#10;Description automatically generated">
-            <a:extLst>
-              <a:ext uri="{FF2B5EF4-FFF2-40B4-BE49-F238E27FC236}">
-                <a16:creationId xmlns:a16="http://schemas.microsoft.com/office/drawing/2014/main" id="{FA38F064-84AE-C7EB-B67A-F58125091C8D}"/>
-              </a:ext>
-            </a:extLst>
-          </p:cNvPr>
-          <p:cNvPicPr>
-            <a:picLocks noChangeAspect="1"/>
-          </p:cNvPicPr>
-          <p:nvPr/>
-        </p:nvPicPr>
-        <p:blipFill>
-          <a:blip r:embed="rId2"/>
-          <a:stretch>
-            <a:fillRect/>
-          </a:stretch>
-        </p:blipFill>
-        <p:spPr>
-          <a:xfrm>
-            <a:off x="7239001" y="1105453"/>
-            <a:ext cx="4416894" cy="1060053"/>
-          </a:xfrm>
-          <a:prstGeom prst="rect">
-            <a:avLst/>
-          </a:prstGeom>
-        </p:spPr>
-      </p:pic>
-      <p:pic>
-        <p:nvPicPr>
-          <p:cNvPr id="10" name="Picture 9" descr="Graphical user interface, text, application, chat or text message&#10;&#10;Description automatically generated">
-            <a:extLst>
-              <a:ext uri="{FF2B5EF4-FFF2-40B4-BE49-F238E27FC236}">
-                <a16:creationId xmlns:a16="http://schemas.microsoft.com/office/drawing/2014/main" id="{A9D23CCA-9A56-AB75-768A-A151F3A2A9F9}"/>
-              </a:ext>
-            </a:extLst>
-          </p:cNvPr>
-          <p:cNvPicPr>
-            <a:picLocks noChangeAspect="1"/>
-          </p:cNvPicPr>
-          <p:nvPr/>
-        </p:nvPicPr>
-        <p:blipFill>
-          <a:blip r:embed="rId3"/>
-          <a:stretch>
-            <a:fillRect/>
-          </a:stretch>
-        </p:blipFill>
-        <p:spPr>
-          <a:xfrm>
-            <a:off x="5953781" y="4095002"/>
-            <a:ext cx="5702113" cy="1268719"/>
-          </a:xfrm>
-          <a:prstGeom prst="rect">
-            <a:avLst/>
-          </a:prstGeom>
-        </p:spPr>
-      </p:pic>
-    </p:spTree>
-    <p:extLst>
-      <p:ext uri="{BB962C8B-B14F-4D97-AF65-F5344CB8AC3E}">
-        <p14:creationId xmlns:p14="http://schemas.microsoft.com/office/powerpoint/2010/main" val="2710227268"/>
-      </p:ext>
-    </p:extLst>
-  </p:cSld>
-  <p:clrMapOvr>
-    <a:overrideClrMapping bg1="dk1" tx1="lt1" bg2="dk2" tx2="lt2" accent1="accent1" accent2="accent2" accent3="accent3" accent4="accent4" accent5="accent5" accent6="accent6" hlink="hlink" folHlink="folHlink"/>
-  </p:clrMapOvr>
-</p:sld>
-</file>
-
-<file path=ppt/slides/slide4.xml><?xml version="1.0" encoding="utf-8"?>
-<p:sld xmlns:a="http://schemas.openxmlformats.org/drawingml/2006/main" xmlns:r="http://schemas.openxmlformats.org/officeDocument/2006/relationships" xmlns:p="http://schemas.openxmlformats.org/presentationml/2006/main">
-  <p:cSld>
-    <p:bg>
-      <p:bgPr>
-        <a:solidFill>
-          <a:schemeClr val="bg1">
-            <a:tint val="95000"/>
-            <a:satMod val="170000"/>
-          </a:schemeClr>
-        </a:solidFill>
-        <a:effectLst/>
-      </p:bgPr>
-    </p:bg>
-    <p:spTree>
-      <p:nvGrpSpPr>
-        <p:cNvPr id="1" name=""/>
-        <p:cNvGrpSpPr/>
-        <p:nvPr/>
-      </p:nvGrpSpPr>
-      <p:grpSpPr>
-        <a:xfrm>
-          <a:off x="0" y="0"/>
-          <a:ext cx="0" cy="0"/>
-          <a:chOff x="0" y="0"/>
-          <a:chExt cx="0" cy="0"/>
-        </a:xfrm>
-      </p:grpSpPr>
-      <p:sp>
-        <p:nvSpPr>
-          <p:cNvPr id="2" name="Title 1">
-            <a:extLst>
-              <a:ext uri="{FF2B5EF4-FFF2-40B4-BE49-F238E27FC236}">
-                <a16:creationId xmlns:a16="http://schemas.microsoft.com/office/drawing/2014/main" id="{7893BC3A-599A-294E-087B-F7496F7D9DE8}"/>
-              </a:ext>
-            </a:extLst>
-          </p:cNvPr>
-          <p:cNvSpPr>
-            <a:spLocks noGrp="1"/>
-          </p:cNvSpPr>
-          <p:nvPr>
-            <p:ph type="title"/>
-          </p:nvPr>
-        </p:nvSpPr>
-        <p:spPr>
-          <a:xfrm>
-            <a:off x="6937181" y="593916"/>
-            <a:ext cx="4890485" cy="1106424"/>
-          </a:xfrm>
-        </p:spPr>
-        <p:txBody>
-          <a:bodyPr vert="horz" lIns="91440" tIns="45720" rIns="91440" bIns="45720" rtlCol="0" anchor="b">
-            <a:normAutofit/>
-          </a:bodyPr>
-          <a:lstStyle/>
-          <a:p>
-            <a:r>
-              <a:rPr lang="en-US" sz="3300" b="1" dirty="0">
-                <a:latin typeface="Microsoft YaHei UI" panose="020B0503020204020204" pitchFamily="34" charset="-122"/>
-                <a:ea typeface="Microsoft YaHei UI" panose="020B0503020204020204" pitchFamily="34" charset="-122"/>
-              </a:rPr>
-              <a:t>Spotify 1.2M+ Songs</a:t>
-            </a:r>
-          </a:p>
-        </p:txBody>
-      </p:sp>
-      <p:pic>
-        <p:nvPicPr>
-          <p:cNvPr id="9" name="Picture 8" descr="Graphical user interface, text, application&#10;&#10;Description automatically generated">
-            <a:extLst>
-              <a:ext uri="{FF2B5EF4-FFF2-40B4-BE49-F238E27FC236}">
-                <a16:creationId xmlns:a16="http://schemas.microsoft.com/office/drawing/2014/main" id="{492FE44B-C1F1-5ED9-F4D7-4F54DFE1DECD}"/>
-              </a:ext>
-            </a:extLst>
-          </p:cNvPr>
-          <p:cNvPicPr>
-            <a:picLocks noChangeAspect="1"/>
-          </p:cNvPicPr>
-          <p:nvPr/>
-        </p:nvPicPr>
-        <p:blipFill>
-          <a:blip r:embed="rId2"/>
-          <a:stretch>
-            <a:fillRect/>
-          </a:stretch>
-        </p:blipFill>
-        <p:spPr>
-          <a:xfrm>
-            <a:off x="9541741" y="3233824"/>
-            <a:ext cx="2374575" cy="2645768"/>
-          </a:xfrm>
-          <a:prstGeom prst="rect">
-            <a:avLst/>
-          </a:prstGeom>
-        </p:spPr>
-      </p:pic>
-      <p:pic>
-        <p:nvPicPr>
-          <p:cNvPr id="1030" name="Picture 6">
-            <a:extLst>
-              <a:ext uri="{FF2B5EF4-FFF2-40B4-BE49-F238E27FC236}">
-                <a16:creationId xmlns:a16="http://schemas.microsoft.com/office/drawing/2014/main" id="{20CCD8E7-E46A-80E9-AC32-96ACB9B6170E}"/>
-              </a:ext>
-            </a:extLst>
-          </p:cNvPr>
-          <p:cNvPicPr>
-            <a:picLocks noChangeAspect="1" noChangeArrowheads="1"/>
-          </p:cNvPicPr>
-          <p:nvPr/>
-        </p:nvPicPr>
-        <p:blipFill rotWithShape="1">
-          <a:blip r:embed="rId3">
-            <a:extLst>
-              <a:ext uri="{28A0092B-C50C-407E-A947-70E740481C1C}">
-                <a14:useLocalDpi xmlns:a14="http://schemas.microsoft.com/office/drawing/2010/main" val="0"/>
-              </a:ext>
-            </a:extLst>
-          </a:blip>
-          <a:srcRect t="2091" r="-1" b="334"/>
-          <a:stretch/>
-        </p:blipFill>
-        <p:spPr bwMode="auto">
-          <a:xfrm>
-            <a:off x="827126" y="996645"/>
-            <a:ext cx="5311333" cy="5182482"/>
-          </a:xfrm>
-          <a:prstGeom prst="rect">
-            <a:avLst/>
-          </a:prstGeom>
-          <a:noFill/>
-          <a:extLst>
-            <a:ext uri="{909E8E84-426E-40DD-AFC4-6F175D3DCCD1}">
-              <a14:hiddenFill xmlns:a14="http://schemas.microsoft.com/office/drawing/2010/main">
-                <a:solidFill>
-                  <a:srgbClr val="FFFFFF"/>
-                </a:solidFill>
-              </a14:hiddenFill>
-            </a:ext>
-          </a:extLst>
-        </p:spPr>
-      </p:pic>
-      <p:pic>
-        <p:nvPicPr>
-          <p:cNvPr id="7" name="Picture 6" descr="Graphical user interface, text, application&#10;&#10;Description automatically generated">
-            <a:extLst>
-              <a:ext uri="{FF2B5EF4-FFF2-40B4-BE49-F238E27FC236}">
-                <a16:creationId xmlns:a16="http://schemas.microsoft.com/office/drawing/2014/main" id="{367E9C19-1CE4-5CBB-4AA2-5CCE94F42D57}"/>
-              </a:ext>
-            </a:extLst>
-          </p:cNvPr>
-          <p:cNvPicPr>
-            <a:picLocks noChangeAspect="1"/>
-          </p:cNvPicPr>
-          <p:nvPr/>
-        </p:nvPicPr>
-        <p:blipFill>
-          <a:blip r:embed="rId4"/>
-          <a:stretch>
-            <a:fillRect/>
-          </a:stretch>
-        </p:blipFill>
-        <p:spPr>
-          <a:xfrm>
-            <a:off x="6779071" y="3986340"/>
-            <a:ext cx="2603352" cy="1106424"/>
-          </a:xfrm>
-          <a:prstGeom prst="rect">
-            <a:avLst/>
-          </a:prstGeom>
-        </p:spPr>
-      </p:pic>
-      <p:sp>
-        <p:nvSpPr>
-          <p:cNvPr id="5" name="TextBox 4">
-            <a:extLst>
-              <a:ext uri="{FF2B5EF4-FFF2-40B4-BE49-F238E27FC236}">
-                <a16:creationId xmlns:a16="http://schemas.microsoft.com/office/drawing/2014/main" id="{2CC22189-2314-A05A-E247-895F2DBC82ED}"/>
-              </a:ext>
-            </a:extLst>
-          </p:cNvPr>
-          <p:cNvSpPr txBox="1"/>
-          <p:nvPr/>
-        </p:nvSpPr>
-        <p:spPr>
-          <a:xfrm>
-            <a:off x="7025827" y="2359152"/>
-            <a:ext cx="4437509" cy="3429000"/>
-          </a:xfrm>
-          <a:prstGeom prst="rect">
-            <a:avLst/>
-          </a:prstGeom>
-        </p:spPr>
-        <p:txBody>
-          <a:bodyPr vert="horz" lIns="91440" tIns="45720" rIns="91440" bIns="45720" rtlCol="0">
-            <a:normAutofit/>
-          </a:bodyPr>
-          <a:lstStyle/>
-          <a:p>
-            <a:pPr indent="-228600">
-              <a:lnSpc>
-                <a:spcPct val="90000"/>
-              </a:lnSpc>
-              <a:spcAft>
-                <a:spcPts val="600"/>
-              </a:spcAft>
-              <a:buFont typeface="Arial" panose="020B0604020202020204" pitchFamily="34" charset="0"/>
-              <a:buChar char="•"/>
-            </a:pPr>
-            <a:r>
-              <a:rPr lang="en-US" sz="1900" dirty="0"/>
-              <a:t>generated by official Spotify API</a:t>
-            </a:r>
-          </a:p>
-        </p:txBody>
-      </p:sp>
-    </p:spTree>
-    <p:extLst>
-      <p:ext uri="{BB962C8B-B14F-4D97-AF65-F5344CB8AC3E}">
-        <p14:creationId xmlns:p14="http://schemas.microsoft.com/office/powerpoint/2010/main" val="2908925227"/>
-      </p:ext>
-    </p:extLst>
-  </p:cSld>
-  <p:clrMapOvr>
-    <a:overrideClrMapping bg1="dk1" tx1="lt1" bg2="dk2" tx2="lt2" accent1="accent1" accent2="accent2" accent3="accent3" accent4="accent4" accent5="accent5" accent6="accent6" hlink="hlink" folHlink="folHlink"/>
-  </p:clrMapOvr>
-</p:sld>
-</file>
-
-<file path=ppt/slides/slide5.xml><?xml version="1.0" encoding="utf-8"?>
-<p:sld xmlns:a="http://schemas.openxmlformats.org/drawingml/2006/main" xmlns:r="http://schemas.openxmlformats.org/officeDocument/2006/relationships" xmlns:p="http://schemas.openxmlformats.org/presentationml/2006/main">
-  <p:cSld>
-    <p:bg>
-      <p:bgPr>
-        <a:solidFill>
-          <a:schemeClr val="bg1">
-            <a:tint val="95000"/>
-            <a:satMod val="170000"/>
-          </a:schemeClr>
-        </a:solidFill>
-        <a:effectLst/>
-      </p:bgPr>
-    </p:bg>
-    <p:spTree>
-      <p:nvGrpSpPr>
-        <p:cNvPr id="1" name=""/>
-        <p:cNvGrpSpPr/>
-        <p:nvPr/>
-      </p:nvGrpSpPr>
-      <p:grpSpPr>
-        <a:xfrm>
-          <a:off x="0" y="0"/>
-          <a:ext cx="0" cy="0"/>
-          <a:chOff x="0" y="0"/>
-          <a:chExt cx="0" cy="0"/>
-        </a:xfrm>
-      </p:grpSpPr>
-      <p:sp>
-        <p:nvSpPr>
-          <p:cNvPr id="2" name="Title 1">
-            <a:extLst>
-              <a:ext uri="{FF2B5EF4-FFF2-40B4-BE49-F238E27FC236}">
-                <a16:creationId xmlns:a16="http://schemas.microsoft.com/office/drawing/2014/main" id="{C2450BCF-8CBD-D6C0-5C65-59A8BE93E686}"/>
-              </a:ext>
-            </a:extLst>
-          </p:cNvPr>
-          <p:cNvSpPr>
-            <a:spLocks noGrp="1"/>
-          </p:cNvSpPr>
-          <p:nvPr>
-            <p:ph type="title"/>
-          </p:nvPr>
-        </p:nvSpPr>
-        <p:spPr>
-          <a:xfrm>
-            <a:off x="6684264" y="932688"/>
-            <a:ext cx="4892040" cy="1773936"/>
-          </a:xfrm>
-        </p:spPr>
-        <p:txBody>
-          <a:bodyPr vert="horz" lIns="91440" tIns="45720" rIns="91440" bIns="45720" rtlCol="0" anchor="b">
-            <a:normAutofit/>
-          </a:bodyPr>
-          <a:lstStyle/>
-          <a:p>
-            <a:r>
-              <a:rPr lang="en-US" sz="4000" b="1">
-                <a:latin typeface="Microsoft YaHei UI" panose="020B0503020204020204" pitchFamily="34" charset="-122"/>
-                <a:ea typeface="Microsoft YaHei UI" panose="020B0503020204020204" pitchFamily="34" charset="-122"/>
-              </a:rPr>
-              <a:t>Spotify Playlists</a:t>
-            </a:r>
-          </a:p>
-        </p:txBody>
-      </p:sp>
-      <p:sp>
-        <p:nvSpPr>
-          <p:cNvPr id="62" name="Content Placeholder 61">
-            <a:extLst>
-              <a:ext uri="{FF2B5EF4-FFF2-40B4-BE49-F238E27FC236}">
-                <a16:creationId xmlns:a16="http://schemas.microsoft.com/office/drawing/2014/main" id="{8BB3C36D-5217-978A-4BEA-2AFCCA5F8E28}"/>
-              </a:ext>
-            </a:extLst>
-          </p:cNvPr>
-          <p:cNvSpPr>
-            <a:spLocks noGrp="1"/>
-          </p:cNvSpPr>
-          <p:nvPr>
-            <p:ph idx="1"/>
-          </p:nvPr>
-        </p:nvSpPr>
-        <p:spPr>
-          <a:xfrm>
-            <a:off x="6684264" y="2898648"/>
-            <a:ext cx="4892040" cy="1773936"/>
-          </a:xfrm>
-        </p:spPr>
-        <p:txBody>
-          <a:bodyPr anchor="t">
-            <a:normAutofit/>
-          </a:bodyPr>
-          <a:lstStyle/>
-          <a:p>
-            <a:r>
-              <a:rPr lang="en-US" sz="2000" dirty="0"/>
-              <a:t>162k playlists</a:t>
-            </a:r>
-          </a:p>
-          <a:p>
-            <a:r>
-              <a:rPr lang="en-US" sz="2000" dirty="0"/>
-              <a:t>16k user</a:t>
-            </a:r>
-          </a:p>
-          <a:p>
-            <a:r>
-              <a:rPr lang="en-US" sz="2000" dirty="0"/>
-              <a:t>2M tracks</a:t>
-            </a:r>
-          </a:p>
-          <a:p>
-            <a:endParaRPr lang="en-US" sz="2000" dirty="0"/>
-          </a:p>
-          <a:p>
-            <a:endParaRPr lang="en-US" sz="2000" dirty="0"/>
-          </a:p>
-        </p:txBody>
-      </p:sp>
-      <p:pic>
-        <p:nvPicPr>
-          <p:cNvPr id="28" name="Content Placeholder 27" descr="Table&#10;&#10;Description automatically generated">
-            <a:extLst>
-              <a:ext uri="{FF2B5EF4-FFF2-40B4-BE49-F238E27FC236}">
-                <a16:creationId xmlns:a16="http://schemas.microsoft.com/office/drawing/2014/main" id="{C8A6843E-3668-C792-FF3F-396AFA115BED}"/>
-              </a:ext>
-            </a:extLst>
-          </p:cNvPr>
-          <p:cNvPicPr>
-            <a:picLocks noChangeAspect="1"/>
-          </p:cNvPicPr>
-          <p:nvPr/>
-        </p:nvPicPr>
-        <p:blipFill>
-          <a:blip r:embed="rId2"/>
-          <a:stretch>
-            <a:fillRect/>
-          </a:stretch>
-        </p:blipFill>
-        <p:spPr>
-          <a:xfrm>
-            <a:off x="470018" y="795500"/>
-            <a:ext cx="5025525" cy="5276143"/>
-          </a:xfrm>
-          <a:prstGeom prst="rect">
-            <a:avLst/>
-          </a:prstGeom>
-        </p:spPr>
-      </p:pic>
-    </p:spTree>
-    <p:extLst>
-      <p:ext uri="{BB962C8B-B14F-4D97-AF65-F5344CB8AC3E}">
-        <p14:creationId xmlns:p14="http://schemas.microsoft.com/office/powerpoint/2010/main" val="2956172971"/>
-      </p:ext>
-    </p:extLst>
-  </p:cSld>
-  <p:clrMapOvr>
-    <a:overrideClrMapping bg1="dk1" tx1="lt1" bg2="dk2" tx2="lt2" accent1="accent1" accent2="accent2" accent3="accent3" accent4="accent4" accent5="accent5" accent6="accent6" hlink="hlink" folHlink="folHlink"/>
-  </p:clrMapOvr>
-</p:sld>
-</file>
-
-<file path=ppt/slides/slide6.xml><?xml version="1.0" encoding="utf-8"?>
 <p:sld xmlns:a="http://schemas.openxmlformats.org/drawingml/2006/main" xmlns:r="http://schemas.openxmlformats.org/officeDocument/2006/relationships" xmlns:p="http://schemas.openxmlformats.org/presentationml/2006/main">
   <p:cSld>
     <p:spTree>
@@ -14449,11 +11338,18 @@
         <p:spPr>
           <a:xfrm>
             <a:off x="838200" y="2092381"/>
-            <a:ext cx="5523187" cy="1325563"/>
+            <a:ext cx="6244188" cy="1498603"/>
           </a:xfrm>
           <a:prstGeom prst="rect">
             <a:avLst/>
           </a:prstGeom>
+          <a:effectLst>
+            <a:outerShdw blurRad="50800" dist="38100" dir="2700000" algn="tl" rotWithShape="0">
+              <a:prstClr val="black">
+                <a:alpha val="40000"/>
+              </a:prstClr>
+            </a:outerShdw>
+          </a:effectLst>
         </p:spPr>
       </p:pic>
       <p:pic>
@@ -14478,12 +11374,19 @@
         </p:blipFill>
         <p:spPr>
           <a:xfrm>
-            <a:off x="4532944" y="4058135"/>
+            <a:off x="4518876" y="4231175"/>
             <a:ext cx="6735300" cy="1498603"/>
           </a:xfrm>
           <a:prstGeom prst="rect">
             <a:avLst/>
           </a:prstGeom>
+          <a:effectLst>
+            <a:outerShdw blurRad="50800" dist="38100" dir="2700000" algn="tl" rotWithShape="0">
+              <a:prstClr val="black">
+                <a:alpha val="40000"/>
+              </a:prstClr>
+            </a:outerShdw>
+          </a:effectLst>
         </p:spPr>
       </p:pic>
     </p:spTree>
@@ -14499,7 +11402,7 @@
 </p:sld>
 </file>
 
-<file path=ppt/slides/slide7.xml><?xml version="1.0" encoding="utf-8"?>
+<file path=ppt/slides/slide4.xml><?xml version="1.0" encoding="utf-8"?>
 <p:sld xmlns:a="http://schemas.openxmlformats.org/drawingml/2006/main" xmlns:r="http://schemas.openxmlformats.org/officeDocument/2006/relationships" xmlns:p="http://schemas.openxmlformats.org/presentationml/2006/main">
   <p:cSld>
     <p:spTree>
@@ -14582,6 +11485,14 @@
             <a:avLst/>
           </a:prstGeom>
           <a:noFill/>
+          <a:effectLst>
+            <a:outerShdw blurRad="50800" dist="38100" dir="2700000" algn="tl" rotWithShape="0">
+              <a:prstClr val="black">
+                <a:alpha val="40000"/>
+              </a:prstClr>
+            </a:outerShdw>
+            <a:softEdge rad="12700"/>
+          </a:effectLst>
           <a:extLst>
             <a:ext uri="{909E8E84-426E-40DD-AFC4-6F175D3DCCD1}">
               <a14:hiddenFill xmlns:a14="http://schemas.microsoft.com/office/drawing/2010/main">
@@ -14607,7 +11518,7 @@
         </p:nvSpPr>
         <p:spPr>
           <a:xfrm>
-            <a:off x="6392780" y="2204407"/>
+            <a:off x="6280239" y="2036793"/>
             <a:ext cx="4437509" cy="440319"/>
           </a:xfrm>
           <a:prstGeom prst="rect">
@@ -14631,8 +11542,28 @@
               <a:buChar char="•"/>
             </a:pPr>
             <a:r>
+              <a:rPr lang="en-US" sz="1900" dirty="0" err="1"/>
+              <a:t>generiert</a:t>
+            </a:r>
+            <a:r>
               <a:rPr lang="en-US" sz="1900" dirty="0"/>
-              <a:t>generated by official Spotify API</a:t>
+              <a:t> </a:t>
+            </a:r>
+            <a:r>
+              <a:rPr lang="en-US" sz="1900" dirty="0" err="1"/>
+              <a:t>durch</a:t>
+            </a:r>
+            <a:r>
+              <a:rPr lang="en-US" sz="1900" dirty="0"/>
+              <a:t> </a:t>
+            </a:r>
+            <a:r>
+              <a:rPr lang="en-US" sz="1900" dirty="0" err="1"/>
+              <a:t>offizieller</a:t>
+            </a:r>
+            <a:r>
+              <a:rPr lang="en-US" sz="1900" dirty="0"/>
+              <a:t> Spotify API</a:t>
             </a:r>
           </a:p>
         </p:txBody>
@@ -14659,7 +11590,7 @@
         </p:blipFill>
         <p:spPr>
           <a:xfrm>
-            <a:off x="8711249" y="3110411"/>
+            <a:off x="8963144" y="2913463"/>
             <a:ext cx="3020708" cy="3365694"/>
           </a:xfrm>
           <a:prstGeom prst="rect">
@@ -14689,7 +11620,7 @@
         </p:blipFill>
         <p:spPr>
           <a:xfrm>
-            <a:off x="5299798" y="4089515"/>
+            <a:off x="5299798" y="3892567"/>
             <a:ext cx="3311736" cy="1407487"/>
           </a:xfrm>
           <a:prstGeom prst="rect">
@@ -14710,7 +11641,7 @@
 </p:sld>
 </file>
 
-<file path=ppt/slides/slide8.xml><?xml version="1.0" encoding="utf-8"?>
+<file path=ppt/slides/slide5.xml><?xml version="1.0" encoding="utf-8"?>
 <p:sld xmlns:a="http://schemas.openxmlformats.org/drawingml/2006/main" xmlns:r="http://schemas.openxmlformats.org/officeDocument/2006/relationships" xmlns:p="http://schemas.openxmlformats.org/presentationml/2006/main">
   <p:cSld>
     <p:spTree>
@@ -14781,12 +11712,20 @@
         </p:blipFill>
         <p:spPr>
           <a:xfrm>
-            <a:off x="838200" y="1581857"/>
+            <a:off x="838200" y="1469315"/>
             <a:ext cx="5025525" cy="5276143"/>
           </a:xfrm>
           <a:prstGeom prst="rect">
             <a:avLst/>
           </a:prstGeom>
+          <a:effectLst>
+            <a:outerShdw blurRad="50800" dist="38100" dir="2700000" algn="tl" rotWithShape="0">
+              <a:prstClr val="black">
+                <a:alpha val="40000"/>
+              </a:prstClr>
+            </a:outerShdw>
+            <a:softEdge rad="12700"/>
+          </a:effectLst>
         </p:spPr>
       </p:pic>
       <p:sp>
@@ -14855,7 +11794,7 @@
 </p:sld>
 </file>
 
-<file path=ppt/slides/slide9.xml><?xml version="1.0" encoding="utf-8"?>
+<file path=ppt/slides/slide6.xml><?xml version="1.0" encoding="utf-8"?>
 <p:sld xmlns:a="http://schemas.openxmlformats.org/drawingml/2006/main" xmlns:r="http://schemas.openxmlformats.org/officeDocument/2006/relationships" xmlns:p="http://schemas.openxmlformats.org/presentationml/2006/main">
   <p:cSld>
     <p:spTree>
@@ -16540,6 +13479,2580 @@
     <p:extLst>
       <p:ext uri="{BB962C8B-B14F-4D97-AF65-F5344CB8AC3E}">
         <p14:creationId xmlns:p14="http://schemas.microsoft.com/office/powerpoint/2010/main" val="3409937013"/>
+      </p:ext>
+    </p:extLst>
+  </p:cSld>
+  <p:clrMapOvr>
+    <a:masterClrMapping/>
+  </p:clrMapOvr>
+</p:sld>
+</file>
+
+<file path=ppt/slides/slide7.xml><?xml version="1.0" encoding="utf-8"?>
+<p:sld xmlns:a="http://schemas.openxmlformats.org/drawingml/2006/main" xmlns:r="http://schemas.openxmlformats.org/officeDocument/2006/relationships" xmlns:p="http://schemas.openxmlformats.org/presentationml/2006/main">
+  <p:cSld>
+    <p:spTree>
+      <p:nvGrpSpPr>
+        <p:cNvPr id="1" name=""/>
+        <p:cNvGrpSpPr/>
+        <p:nvPr/>
+      </p:nvGrpSpPr>
+      <p:grpSpPr>
+        <a:xfrm>
+          <a:off x="0" y="0"/>
+          <a:ext cx="0" cy="0"/>
+          <a:chOff x="0" y="0"/>
+          <a:chExt cx="0" cy="0"/>
+        </a:xfrm>
+      </p:grpSpPr>
+      <p:graphicFrame>
+        <p:nvGraphicFramePr>
+          <p:cNvPr id="4" name="Table 3">
+            <a:extLst>
+              <a:ext uri="{FF2B5EF4-FFF2-40B4-BE49-F238E27FC236}">
+                <a16:creationId xmlns:a16="http://schemas.microsoft.com/office/drawing/2014/main" id="{8A4B0A30-A87A-1D6B-E61B-3FD59EE8E49A}"/>
+              </a:ext>
+            </a:extLst>
+          </p:cNvPr>
+          <p:cNvGraphicFramePr>
+            <a:graphicFrameLocks noGrp="1"/>
+          </p:cNvGraphicFramePr>
+          <p:nvPr>
+            <p:extLst>
+              <p:ext uri="{D42A27DB-BD31-4B8C-83A1-F6EECF244321}">
+                <p14:modId xmlns:p14="http://schemas.microsoft.com/office/powerpoint/2010/main" val="4264167445"/>
+              </p:ext>
+            </p:extLst>
+          </p:nvPr>
+        </p:nvGraphicFramePr>
+        <p:xfrm>
+          <a:off x="667014" y="499838"/>
+          <a:ext cx="4153981" cy="1483360"/>
+        </p:xfrm>
+        <a:graphic>
+          <a:graphicData uri="http://schemas.openxmlformats.org/drawingml/2006/table">
+            <a:tbl>
+              <a:tblPr firstRow="1" bandRow="1">
+                <a:tableStyleId>{073A0DAA-6AF3-43AB-8588-CEC1D06C72B9}</a:tableStyleId>
+              </a:tblPr>
+              <a:tblGrid>
+                <a:gridCol w="413068">
+                  <a:extLst>
+                    <a:ext uri="{9D8B030D-6E8A-4147-A177-3AD203B41FA5}">
+                      <a16:colId xmlns:a16="http://schemas.microsoft.com/office/drawing/2014/main" val="890423038"/>
+                    </a:ext>
+                  </a:extLst>
+                </a:gridCol>
+                <a:gridCol w="1917192">
+                  <a:extLst>
+                    <a:ext uri="{9D8B030D-6E8A-4147-A177-3AD203B41FA5}">
+                      <a16:colId xmlns:a16="http://schemas.microsoft.com/office/drawing/2014/main" val="781179739"/>
+                    </a:ext>
+                  </a:extLst>
+                </a:gridCol>
+                <a:gridCol w="1426528">
+                  <a:extLst>
+                    <a:ext uri="{9D8B030D-6E8A-4147-A177-3AD203B41FA5}">
+                      <a16:colId xmlns:a16="http://schemas.microsoft.com/office/drawing/2014/main" val="1262337292"/>
+                    </a:ext>
+                  </a:extLst>
+                </a:gridCol>
+                <a:gridCol w="397193">
+                  <a:extLst>
+                    <a:ext uri="{9D8B030D-6E8A-4147-A177-3AD203B41FA5}">
+                      <a16:colId xmlns:a16="http://schemas.microsoft.com/office/drawing/2014/main" val="3131219099"/>
+                    </a:ext>
+                  </a:extLst>
+                </a:gridCol>
+              </a:tblGrid>
+              <a:tr h="370840">
+                <a:tc>
+                  <a:txBody>
+                    <a:bodyPr/>
+                    <a:lstStyle/>
+                    <a:p>
+                      <a:r>
+                        <a:rPr lang="de-DE" dirty="0" err="1"/>
+                        <a:t>id</a:t>
+                      </a:r>
+                      <a:endParaRPr lang="de-DE" dirty="0"/>
+                    </a:p>
+                  </a:txBody>
+                  <a:tcPr/>
+                </a:tc>
+                <a:tc>
+                  <a:txBody>
+                    <a:bodyPr/>
+                    <a:lstStyle/>
+                    <a:p>
+                      <a:r>
+                        <a:rPr lang="de-DE" dirty="0" err="1"/>
+                        <a:t>name</a:t>
+                      </a:r>
+                      <a:endParaRPr lang="de-DE" dirty="0"/>
+                    </a:p>
+                  </a:txBody>
+                  <a:tcPr/>
+                </a:tc>
+                <a:tc>
+                  <a:txBody>
+                    <a:bodyPr/>
+                    <a:lstStyle/>
+                    <a:p>
+                      <a:r>
+                        <a:rPr lang="de-DE" dirty="0" err="1"/>
+                        <a:t>artists</a:t>
+                      </a:r>
+                      <a:endParaRPr lang="de-DE" dirty="0"/>
+                    </a:p>
+                  </a:txBody>
+                  <a:tcPr/>
+                </a:tc>
+                <a:tc>
+                  <a:txBody>
+                    <a:bodyPr/>
+                    <a:lstStyle/>
+                    <a:p>
+                      <a:pPr algn="ctr"/>
+                      <a:r>
+                        <a:rPr lang="de-DE" dirty="0"/>
+                        <a:t>…</a:t>
+                      </a:r>
+                    </a:p>
+                  </a:txBody>
+                  <a:tcPr/>
+                </a:tc>
+                <a:extLst>
+                  <a:ext uri="{0D108BD9-81ED-4DB2-BD59-A6C34878D82A}">
+                    <a16:rowId xmlns:a16="http://schemas.microsoft.com/office/drawing/2014/main" val="3939200465"/>
+                  </a:ext>
+                </a:extLst>
+              </a:tr>
+              <a:tr h="370840">
+                <a:tc>
+                  <a:txBody>
+                    <a:bodyPr/>
+                    <a:lstStyle/>
+                    <a:p>
+                      <a:r>
+                        <a:rPr lang="en-GB" sz="1800" b="0" kern="1200" dirty="0">
+                          <a:solidFill>
+                            <a:schemeClr val="dk1"/>
+                          </a:solidFill>
+                          <a:effectLst/>
+                          <a:latin typeface="+mn-lt"/>
+                          <a:ea typeface="+mn-ea"/>
+                          <a:cs typeface="+mn-cs"/>
+                        </a:rPr>
+                        <a:t>a</a:t>
+                      </a:r>
+                      <a:endParaRPr lang="de-DE" dirty="0"/>
+                    </a:p>
+                  </a:txBody>
+                  <a:tcPr/>
+                </a:tc>
+                <a:tc>
+                  <a:txBody>
+                    <a:bodyPr/>
+                    <a:lstStyle/>
+                    <a:p>
+                      <a:r>
+                        <a:rPr lang="en-GB" sz="1800" b="0" kern="1200" dirty="0">
+                          <a:solidFill>
+                            <a:schemeClr val="dk1"/>
+                          </a:solidFill>
+                          <a:effectLst/>
+                          <a:latin typeface="+mn-lt"/>
+                          <a:ea typeface="+mn-ea"/>
+                          <a:cs typeface="+mn-cs"/>
+                        </a:rPr>
+                        <a:t>Flash </a:t>
+                      </a:r>
+                      <a:r>
+                        <a:rPr lang="en-GB" sz="1800" b="0" kern="1200" dirty="0" err="1">
+                          <a:solidFill>
+                            <a:schemeClr val="dk1"/>
+                          </a:solidFill>
+                          <a:effectLst/>
+                          <a:latin typeface="+mn-lt"/>
+                          <a:ea typeface="+mn-ea"/>
+                          <a:cs typeface="+mn-cs"/>
+                        </a:rPr>
+                        <a:t>mich</a:t>
+                      </a:r>
+                      <a:endParaRPr lang="de-DE" dirty="0"/>
+                    </a:p>
+                  </a:txBody>
+                  <a:tcPr/>
+                </a:tc>
+                <a:tc>
+                  <a:txBody>
+                    <a:bodyPr/>
+                    <a:lstStyle/>
+                    <a:p>
+                      <a:r>
+                        <a:rPr lang="en-GB" sz="1800" b="0" kern="1200" dirty="0">
+                          <a:solidFill>
+                            <a:schemeClr val="dk1"/>
+                          </a:solidFill>
+                          <a:effectLst/>
+                          <a:latin typeface="+mn-lt"/>
+                          <a:ea typeface="+mn-ea"/>
+                          <a:cs typeface="+mn-cs"/>
+                        </a:rPr>
+                        <a:t>Mark Forster</a:t>
+                      </a:r>
+                      <a:endParaRPr lang="de-DE" dirty="0"/>
+                    </a:p>
+                  </a:txBody>
+                  <a:tcPr/>
+                </a:tc>
+                <a:tc>
+                  <a:txBody>
+                    <a:bodyPr/>
+                    <a:lstStyle/>
+                    <a:p>
+                      <a:pPr algn="ctr"/>
+                      <a:r>
+                        <a:rPr lang="de-DE" dirty="0"/>
+                        <a:t>…</a:t>
+                      </a:r>
+                    </a:p>
+                  </a:txBody>
+                  <a:tcPr/>
+                </a:tc>
+                <a:extLst>
+                  <a:ext uri="{0D108BD9-81ED-4DB2-BD59-A6C34878D82A}">
+                    <a16:rowId xmlns:a16="http://schemas.microsoft.com/office/drawing/2014/main" val="2209162385"/>
+                  </a:ext>
+                </a:extLst>
+              </a:tr>
+              <a:tr h="370840">
+                <a:tc>
+                  <a:txBody>
+                    <a:bodyPr/>
+                    <a:lstStyle/>
+                    <a:p>
+                      <a:pPr marL="0" marR="0" lvl="0" indent="0" algn="l" defTabSz="914400" rtl="0" eaLnBrk="1" fontAlgn="auto" latinLnBrk="0" hangingPunct="1">
+                        <a:lnSpc>
+                          <a:spcPct val="100000"/>
+                        </a:lnSpc>
+                        <a:spcBef>
+                          <a:spcPts val="0"/>
+                        </a:spcBef>
+                        <a:spcAft>
+                          <a:spcPts val="0"/>
+                        </a:spcAft>
+                        <a:buClrTx/>
+                        <a:buSzTx/>
+                        <a:buFontTx/>
+                        <a:buNone/>
+                        <a:tabLst/>
+                        <a:defRPr/>
+                      </a:pPr>
+                      <a:r>
+                        <a:rPr lang="en-GB" sz="1800" b="0" kern="1200" dirty="0">
+                          <a:solidFill>
+                            <a:schemeClr val="dk1"/>
+                          </a:solidFill>
+                          <a:effectLst/>
+                          <a:latin typeface="+mn-lt"/>
+                          <a:ea typeface="+mn-ea"/>
+                          <a:cs typeface="+mn-cs"/>
+                        </a:rPr>
+                        <a:t>b</a:t>
+                      </a:r>
+                      <a:endParaRPr lang="de-DE" dirty="0"/>
+                    </a:p>
+                  </a:txBody>
+                  <a:tcPr/>
+                </a:tc>
+                <a:tc>
+                  <a:txBody>
+                    <a:bodyPr/>
+                    <a:lstStyle/>
+                    <a:p>
+                      <a:r>
+                        <a:rPr lang="en-GB" sz="1800" b="0" kern="1200" dirty="0">
+                          <a:solidFill>
+                            <a:schemeClr val="dk1"/>
+                          </a:solidFill>
+                          <a:effectLst/>
+                          <a:latin typeface="+mn-lt"/>
+                          <a:ea typeface="+mn-ea"/>
+                          <a:cs typeface="+mn-cs"/>
+                        </a:rPr>
+                        <a:t>Mine (feat. Drake)</a:t>
+                      </a:r>
+                      <a:endParaRPr lang="de-DE" dirty="0"/>
+                    </a:p>
+                  </a:txBody>
+                  <a:tcPr/>
+                </a:tc>
+                <a:tc>
+                  <a:txBody>
+                    <a:bodyPr/>
+                    <a:lstStyle/>
+                    <a:p>
+                      <a:pPr marL="0" marR="0" lvl="0" indent="0" algn="l" defTabSz="914400" rtl="0" eaLnBrk="1" fontAlgn="auto" latinLnBrk="0" hangingPunct="1">
+                        <a:lnSpc>
+                          <a:spcPct val="100000"/>
+                        </a:lnSpc>
+                        <a:spcBef>
+                          <a:spcPts val="0"/>
+                        </a:spcBef>
+                        <a:spcAft>
+                          <a:spcPts val="0"/>
+                        </a:spcAft>
+                        <a:buClrTx/>
+                        <a:buSzTx/>
+                        <a:buFontTx/>
+                        <a:buNone/>
+                        <a:tabLst/>
+                        <a:defRPr/>
+                      </a:pPr>
+                      <a:r>
+                        <a:rPr lang="en-GB" sz="1800" b="0" kern="1200" dirty="0">
+                          <a:solidFill>
+                            <a:schemeClr val="dk1"/>
+                          </a:solidFill>
+                          <a:effectLst/>
+                          <a:latin typeface="+mn-lt"/>
+                          <a:ea typeface="+mn-ea"/>
+                          <a:cs typeface="+mn-cs"/>
+                        </a:rPr>
+                        <a:t>Beyoncé</a:t>
+                      </a:r>
+                    </a:p>
+                  </a:txBody>
+                  <a:tcPr/>
+                </a:tc>
+                <a:tc>
+                  <a:txBody>
+                    <a:bodyPr/>
+                    <a:lstStyle/>
+                    <a:p>
+                      <a:pPr algn="ctr"/>
+                      <a:r>
+                        <a:rPr lang="de-DE" dirty="0"/>
+                        <a:t>…</a:t>
+                      </a:r>
+                    </a:p>
+                  </a:txBody>
+                  <a:tcPr/>
+                </a:tc>
+                <a:extLst>
+                  <a:ext uri="{0D108BD9-81ED-4DB2-BD59-A6C34878D82A}">
+                    <a16:rowId xmlns:a16="http://schemas.microsoft.com/office/drawing/2014/main" val="1102608945"/>
+                  </a:ext>
+                </a:extLst>
+              </a:tr>
+              <a:tr h="370840">
+                <a:tc>
+                  <a:txBody>
+                    <a:bodyPr/>
+                    <a:lstStyle/>
+                    <a:p>
+                      <a:pPr marL="0" marR="0" lvl="0" indent="0" algn="l" defTabSz="914400" rtl="0" eaLnBrk="1" fontAlgn="auto" latinLnBrk="0" hangingPunct="1">
+                        <a:lnSpc>
+                          <a:spcPct val="100000"/>
+                        </a:lnSpc>
+                        <a:spcBef>
+                          <a:spcPts val="0"/>
+                        </a:spcBef>
+                        <a:spcAft>
+                          <a:spcPts val="0"/>
+                        </a:spcAft>
+                        <a:buClrTx/>
+                        <a:buSzTx/>
+                        <a:buFontTx/>
+                        <a:buNone/>
+                        <a:tabLst/>
+                        <a:defRPr/>
+                      </a:pPr>
+                      <a:r>
+                        <a:rPr lang="en-GB" sz="1800" b="0" kern="1200" dirty="0">
+                          <a:solidFill>
+                            <a:schemeClr val="dk1"/>
+                          </a:solidFill>
+                          <a:effectLst/>
+                          <a:latin typeface="+mn-lt"/>
+                          <a:ea typeface="+mn-ea"/>
+                          <a:cs typeface="+mn-cs"/>
+                        </a:rPr>
+                        <a:t>b</a:t>
+                      </a:r>
+                      <a:endParaRPr lang="de-DE" dirty="0"/>
+                    </a:p>
+                  </a:txBody>
+                  <a:tcPr/>
+                </a:tc>
+                <a:tc>
+                  <a:txBody>
+                    <a:bodyPr/>
+                    <a:lstStyle/>
+                    <a:p>
+                      <a:r>
+                        <a:rPr lang="en-GB" sz="1800" b="0" kern="1200" dirty="0">
+                          <a:solidFill>
+                            <a:schemeClr val="dk1"/>
+                          </a:solidFill>
+                          <a:effectLst/>
+                          <a:latin typeface="+mn-lt"/>
+                          <a:ea typeface="+mn-ea"/>
+                          <a:cs typeface="+mn-cs"/>
+                        </a:rPr>
+                        <a:t>Mine (feat. Drake)</a:t>
+                      </a:r>
+                      <a:endParaRPr lang="de-DE" dirty="0"/>
+                    </a:p>
+                  </a:txBody>
+                  <a:tcPr/>
+                </a:tc>
+                <a:tc>
+                  <a:txBody>
+                    <a:bodyPr/>
+                    <a:lstStyle/>
+                    <a:p>
+                      <a:pPr marL="0" marR="0" lvl="0" indent="0" algn="l" defTabSz="914400" rtl="0" eaLnBrk="1" fontAlgn="auto" latinLnBrk="0" hangingPunct="1">
+                        <a:lnSpc>
+                          <a:spcPct val="100000"/>
+                        </a:lnSpc>
+                        <a:spcBef>
+                          <a:spcPts val="0"/>
+                        </a:spcBef>
+                        <a:spcAft>
+                          <a:spcPts val="0"/>
+                        </a:spcAft>
+                        <a:buClrTx/>
+                        <a:buSzTx/>
+                        <a:buFontTx/>
+                        <a:buNone/>
+                        <a:tabLst/>
+                        <a:defRPr/>
+                      </a:pPr>
+                      <a:r>
+                        <a:rPr lang="en-GB" sz="1800" b="0" kern="1200" dirty="0">
+                          <a:solidFill>
+                            <a:schemeClr val="dk1"/>
+                          </a:solidFill>
+                          <a:effectLst/>
+                          <a:latin typeface="+mn-lt"/>
+                          <a:ea typeface="+mn-ea"/>
+                          <a:cs typeface="+mn-cs"/>
+                        </a:rPr>
+                        <a:t>Drake</a:t>
+                      </a:r>
+                    </a:p>
+                  </a:txBody>
+                  <a:tcPr/>
+                </a:tc>
+                <a:tc>
+                  <a:txBody>
+                    <a:bodyPr/>
+                    <a:lstStyle/>
+                    <a:p>
+                      <a:pPr algn="ctr"/>
+                      <a:r>
+                        <a:rPr lang="de-DE" dirty="0"/>
+                        <a:t>…</a:t>
+                      </a:r>
+                    </a:p>
+                  </a:txBody>
+                  <a:tcPr/>
+                </a:tc>
+                <a:extLst>
+                  <a:ext uri="{0D108BD9-81ED-4DB2-BD59-A6C34878D82A}">
+                    <a16:rowId xmlns:a16="http://schemas.microsoft.com/office/drawing/2014/main" val="2118463825"/>
+                  </a:ext>
+                </a:extLst>
+              </a:tr>
+            </a:tbl>
+          </a:graphicData>
+        </a:graphic>
+      </p:graphicFrame>
+      <p:graphicFrame>
+        <p:nvGraphicFramePr>
+          <p:cNvPr id="5" name="Table 8">
+            <a:extLst>
+              <a:ext uri="{FF2B5EF4-FFF2-40B4-BE49-F238E27FC236}">
+                <a16:creationId xmlns:a16="http://schemas.microsoft.com/office/drawing/2014/main" id="{5E8CA241-8839-4CE5-F4A5-2FB09ED13846}"/>
+              </a:ext>
+            </a:extLst>
+          </p:cNvPr>
+          <p:cNvGraphicFramePr>
+            <a:graphicFrameLocks noGrp="1"/>
+          </p:cNvGraphicFramePr>
+          <p:nvPr>
+            <p:extLst>
+              <p:ext uri="{D42A27DB-BD31-4B8C-83A1-F6EECF244321}">
+                <p14:modId xmlns:p14="http://schemas.microsoft.com/office/powerpoint/2010/main" val="2794925736"/>
+              </p:ext>
+            </p:extLst>
+          </p:nvPr>
+        </p:nvGraphicFramePr>
+        <p:xfrm>
+          <a:off x="5519231" y="499301"/>
+          <a:ext cx="6172010" cy="2763520"/>
+        </p:xfrm>
+        <a:graphic>
+          <a:graphicData uri="http://schemas.openxmlformats.org/drawingml/2006/table">
+            <a:tbl>
+              <a:tblPr firstRow="1" bandRow="1">
+                <a:tableStyleId>{073A0DAA-6AF3-43AB-8588-CEC1D06C72B9}</a:tableStyleId>
+              </a:tblPr>
+              <a:tblGrid>
+                <a:gridCol w="935355">
+                  <a:extLst>
+                    <a:ext uri="{9D8B030D-6E8A-4147-A177-3AD203B41FA5}">
+                      <a16:colId xmlns:a16="http://schemas.microsoft.com/office/drawing/2014/main" val="3444933664"/>
+                    </a:ext>
+                  </a:extLst>
+                </a:gridCol>
+                <a:gridCol w="1266190">
+                  <a:extLst>
+                    <a:ext uri="{9D8B030D-6E8A-4147-A177-3AD203B41FA5}">
+                      <a16:colId xmlns:a16="http://schemas.microsoft.com/office/drawing/2014/main" val="4184430502"/>
+                    </a:ext>
+                  </a:extLst>
+                </a:gridCol>
+                <a:gridCol w="1917192">
+                  <a:extLst>
+                    <a:ext uri="{9D8B030D-6E8A-4147-A177-3AD203B41FA5}">
+                      <a16:colId xmlns:a16="http://schemas.microsoft.com/office/drawing/2014/main" val="937895844"/>
+                    </a:ext>
+                  </a:extLst>
+                </a:gridCol>
+                <a:gridCol w="2053273">
+                  <a:extLst>
+                    <a:ext uri="{9D8B030D-6E8A-4147-A177-3AD203B41FA5}">
+                      <a16:colId xmlns:a16="http://schemas.microsoft.com/office/drawing/2014/main" val="4111502859"/>
+                    </a:ext>
+                  </a:extLst>
+                </a:gridCol>
+              </a:tblGrid>
+              <a:tr h="370840">
+                <a:tc>
+                  <a:txBody>
+                    <a:bodyPr/>
+                    <a:lstStyle/>
+                    <a:p>
+                      <a:r>
+                        <a:rPr lang="de-DE" dirty="0" err="1"/>
+                        <a:t>user_id</a:t>
+                      </a:r>
+                      <a:endParaRPr lang="de-DE" dirty="0"/>
+                    </a:p>
+                  </a:txBody>
+                  <a:tcPr/>
+                </a:tc>
+                <a:tc>
+                  <a:txBody>
+                    <a:bodyPr/>
+                    <a:lstStyle/>
+                    <a:p>
+                      <a:r>
+                        <a:rPr lang="de-DE" dirty="0" err="1"/>
+                        <a:t>artistname</a:t>
+                      </a:r>
+                      <a:endParaRPr lang="de-DE" dirty="0"/>
+                    </a:p>
+                  </a:txBody>
+                  <a:tcPr/>
+                </a:tc>
+                <a:tc>
+                  <a:txBody>
+                    <a:bodyPr/>
+                    <a:lstStyle/>
+                    <a:p>
+                      <a:r>
+                        <a:rPr lang="de-DE" dirty="0" err="1"/>
+                        <a:t>trackname</a:t>
+                      </a:r>
+                      <a:endParaRPr lang="de-DE" dirty="0"/>
+                    </a:p>
+                  </a:txBody>
+                  <a:tcPr/>
+                </a:tc>
+                <a:tc>
+                  <a:txBody>
+                    <a:bodyPr/>
+                    <a:lstStyle/>
+                    <a:p>
+                      <a:r>
+                        <a:rPr lang="de-DE" dirty="0" err="1"/>
+                        <a:t>playlistname</a:t>
+                      </a:r>
+                      <a:endParaRPr lang="de-DE" dirty="0"/>
+                    </a:p>
+                  </a:txBody>
+                  <a:tcPr/>
+                </a:tc>
+                <a:extLst>
+                  <a:ext uri="{0D108BD9-81ED-4DB2-BD59-A6C34878D82A}">
+                    <a16:rowId xmlns:a16="http://schemas.microsoft.com/office/drawing/2014/main" val="2765778750"/>
+                  </a:ext>
+                </a:extLst>
+              </a:tr>
+              <a:tr h="370840">
+                <a:tc>
+                  <a:txBody>
+                    <a:bodyPr/>
+                    <a:lstStyle/>
+                    <a:p>
+                      <a:r>
+                        <a:rPr lang="de-DE" dirty="0"/>
+                        <a:t>u1</a:t>
+                      </a:r>
+                    </a:p>
+                  </a:txBody>
+                  <a:tcPr/>
+                </a:tc>
+                <a:tc>
+                  <a:txBody>
+                    <a:bodyPr/>
+                    <a:lstStyle/>
+                    <a:p>
+                      <a:pPr marL="0" marR="0" lvl="0" indent="0" algn="l" defTabSz="914400" rtl="0" eaLnBrk="1" fontAlgn="auto" latinLnBrk="0" hangingPunct="1">
+                        <a:lnSpc>
+                          <a:spcPct val="100000"/>
+                        </a:lnSpc>
+                        <a:spcBef>
+                          <a:spcPts val="0"/>
+                        </a:spcBef>
+                        <a:spcAft>
+                          <a:spcPts val="0"/>
+                        </a:spcAft>
+                        <a:buClrTx/>
+                        <a:buSzTx/>
+                        <a:buFontTx/>
+                        <a:buNone/>
+                        <a:tabLst/>
+                        <a:defRPr/>
+                      </a:pPr>
+                      <a:r>
+                        <a:rPr lang="en-GB" sz="1800" b="0" kern="1200" dirty="0">
+                          <a:solidFill>
+                            <a:schemeClr val="dk1"/>
+                          </a:solidFill>
+                          <a:effectLst/>
+                          <a:latin typeface="+mn-lt"/>
+                          <a:ea typeface="+mn-ea"/>
+                          <a:cs typeface="+mn-cs"/>
+                        </a:rPr>
+                        <a:t>Beyoncé</a:t>
+                      </a:r>
+                    </a:p>
+                  </a:txBody>
+                  <a:tcPr/>
+                </a:tc>
+                <a:tc>
+                  <a:txBody>
+                    <a:bodyPr/>
+                    <a:lstStyle/>
+                    <a:p>
+                      <a:pPr marL="0" marR="0" lvl="0" indent="0" algn="l" defTabSz="914400" rtl="0" eaLnBrk="1" fontAlgn="auto" latinLnBrk="0" hangingPunct="1">
+                        <a:lnSpc>
+                          <a:spcPct val="100000"/>
+                        </a:lnSpc>
+                        <a:spcBef>
+                          <a:spcPts val="0"/>
+                        </a:spcBef>
+                        <a:spcAft>
+                          <a:spcPts val="0"/>
+                        </a:spcAft>
+                        <a:buClrTx/>
+                        <a:buSzTx/>
+                        <a:buFontTx/>
+                        <a:buNone/>
+                        <a:tabLst/>
+                        <a:defRPr/>
+                      </a:pPr>
+                      <a:r>
+                        <a:rPr lang="en-GB" sz="1800" b="0" kern="1200" dirty="0">
+                          <a:solidFill>
+                            <a:schemeClr val="dk1"/>
+                          </a:solidFill>
+                          <a:effectLst/>
+                          <a:latin typeface="+mn-lt"/>
+                          <a:ea typeface="+mn-ea"/>
+                          <a:cs typeface="+mn-cs"/>
+                        </a:rPr>
+                        <a:t>Mine (feat. Drake)</a:t>
+                      </a:r>
+                      <a:endParaRPr lang="de-DE" dirty="0"/>
+                    </a:p>
+                  </a:txBody>
+                  <a:tcPr/>
+                </a:tc>
+                <a:tc>
+                  <a:txBody>
+                    <a:bodyPr/>
+                    <a:lstStyle/>
+                    <a:p>
+                      <a:r>
+                        <a:rPr lang="de-DE" dirty="0" err="1"/>
+                        <a:t>December</a:t>
+                      </a:r>
+                      <a:r>
+                        <a:rPr lang="de-DE" dirty="0"/>
+                        <a:t> ’13</a:t>
+                      </a:r>
+                    </a:p>
+                  </a:txBody>
+                  <a:tcPr/>
+                </a:tc>
+                <a:extLst>
+                  <a:ext uri="{0D108BD9-81ED-4DB2-BD59-A6C34878D82A}">
+                    <a16:rowId xmlns:a16="http://schemas.microsoft.com/office/drawing/2014/main" val="3766349147"/>
+                  </a:ext>
+                </a:extLst>
+              </a:tr>
+              <a:tr h="370840">
+                <a:tc>
+                  <a:txBody>
+                    <a:bodyPr/>
+                    <a:lstStyle/>
+                    <a:p>
+                      <a:r>
+                        <a:rPr lang="de-DE" dirty="0"/>
+                        <a:t>u2</a:t>
+                      </a:r>
+                    </a:p>
+                  </a:txBody>
+                  <a:tcPr/>
+                </a:tc>
+                <a:tc>
+                  <a:txBody>
+                    <a:bodyPr/>
+                    <a:lstStyle/>
+                    <a:p>
+                      <a:pPr marL="0" marR="0" lvl="0" indent="0" algn="l" defTabSz="914400" rtl="0" eaLnBrk="1" fontAlgn="auto" latinLnBrk="0" hangingPunct="1">
+                        <a:lnSpc>
+                          <a:spcPct val="100000"/>
+                        </a:lnSpc>
+                        <a:spcBef>
+                          <a:spcPts val="0"/>
+                        </a:spcBef>
+                        <a:spcAft>
+                          <a:spcPts val="0"/>
+                        </a:spcAft>
+                        <a:buClrTx/>
+                        <a:buSzTx/>
+                        <a:buFontTx/>
+                        <a:buNone/>
+                        <a:tabLst/>
+                        <a:defRPr/>
+                      </a:pPr>
+                      <a:r>
+                        <a:rPr lang="en-GB" sz="1800" b="0" kern="1200" dirty="0">
+                          <a:solidFill>
+                            <a:schemeClr val="dk1"/>
+                          </a:solidFill>
+                          <a:effectLst/>
+                          <a:latin typeface="+mn-lt"/>
+                          <a:ea typeface="+mn-ea"/>
+                          <a:cs typeface="+mn-cs"/>
+                        </a:rPr>
+                        <a:t>Beyoncé</a:t>
+                      </a:r>
+                    </a:p>
+                  </a:txBody>
+                  <a:tcPr/>
+                </a:tc>
+                <a:tc>
+                  <a:txBody>
+                    <a:bodyPr/>
+                    <a:lstStyle/>
+                    <a:p>
+                      <a:pPr marL="0" marR="0" lvl="0" indent="0" algn="l" defTabSz="914400" rtl="0" eaLnBrk="1" fontAlgn="auto" latinLnBrk="0" hangingPunct="1">
+                        <a:lnSpc>
+                          <a:spcPct val="100000"/>
+                        </a:lnSpc>
+                        <a:spcBef>
+                          <a:spcPts val="0"/>
+                        </a:spcBef>
+                        <a:spcAft>
+                          <a:spcPts val="0"/>
+                        </a:spcAft>
+                        <a:buClrTx/>
+                        <a:buSzTx/>
+                        <a:buFontTx/>
+                        <a:buNone/>
+                        <a:tabLst/>
+                        <a:defRPr/>
+                      </a:pPr>
+                      <a:r>
+                        <a:rPr lang="en-GB" sz="1800" b="0" kern="1200" dirty="0">
+                          <a:solidFill>
+                            <a:schemeClr val="dk1"/>
+                          </a:solidFill>
+                          <a:effectLst/>
+                          <a:latin typeface="+mn-lt"/>
+                          <a:ea typeface="+mn-ea"/>
+                          <a:cs typeface="+mn-cs"/>
+                        </a:rPr>
+                        <a:t>Mine (feat. Drake)</a:t>
+                      </a:r>
+                      <a:endParaRPr lang="de-DE" dirty="0"/>
+                    </a:p>
+                  </a:txBody>
+                  <a:tcPr/>
+                </a:tc>
+                <a:tc>
+                  <a:txBody>
+                    <a:bodyPr/>
+                    <a:lstStyle/>
+                    <a:p>
+                      <a:r>
+                        <a:rPr lang="de-DE" dirty="0"/>
+                        <a:t>Rap and R&amp;B</a:t>
+                      </a:r>
+                    </a:p>
+                  </a:txBody>
+                  <a:tcPr/>
+                </a:tc>
+                <a:extLst>
+                  <a:ext uri="{0D108BD9-81ED-4DB2-BD59-A6C34878D82A}">
+                    <a16:rowId xmlns:a16="http://schemas.microsoft.com/office/drawing/2014/main" val="1233322250"/>
+                  </a:ext>
+                </a:extLst>
+              </a:tr>
+              <a:tr h="370840">
+                <a:tc>
+                  <a:txBody>
+                    <a:bodyPr/>
+                    <a:lstStyle/>
+                    <a:p>
+                      <a:r>
+                        <a:rPr lang="de-DE" dirty="0"/>
+                        <a:t>u2</a:t>
+                      </a:r>
+                    </a:p>
+                  </a:txBody>
+                  <a:tcPr/>
+                </a:tc>
+                <a:tc>
+                  <a:txBody>
+                    <a:bodyPr/>
+                    <a:lstStyle/>
+                    <a:p>
+                      <a:pPr marL="0" marR="0" lvl="0" indent="0" algn="l" defTabSz="914400" rtl="0" eaLnBrk="1" fontAlgn="auto" latinLnBrk="0" hangingPunct="1">
+                        <a:lnSpc>
+                          <a:spcPct val="100000"/>
+                        </a:lnSpc>
+                        <a:spcBef>
+                          <a:spcPts val="0"/>
+                        </a:spcBef>
+                        <a:spcAft>
+                          <a:spcPts val="0"/>
+                        </a:spcAft>
+                        <a:buClrTx/>
+                        <a:buSzTx/>
+                        <a:buFontTx/>
+                        <a:buNone/>
+                        <a:tabLst/>
+                        <a:defRPr/>
+                      </a:pPr>
+                      <a:r>
+                        <a:rPr lang="en-GB" sz="1800" b="0" kern="1200" dirty="0">
+                          <a:solidFill>
+                            <a:schemeClr val="dk1"/>
+                          </a:solidFill>
+                          <a:effectLst/>
+                          <a:latin typeface="+mn-lt"/>
+                          <a:ea typeface="+mn-ea"/>
+                          <a:cs typeface="+mn-cs"/>
+                        </a:rPr>
+                        <a:t>Beyoncé</a:t>
+                      </a:r>
+                    </a:p>
+                  </a:txBody>
+                  <a:tcPr/>
+                </a:tc>
+                <a:tc>
+                  <a:txBody>
+                    <a:bodyPr/>
+                    <a:lstStyle/>
+                    <a:p>
+                      <a:pPr marL="0" marR="0" lvl="0" indent="0" algn="l" defTabSz="914400" rtl="0" eaLnBrk="1" fontAlgn="auto" latinLnBrk="0" hangingPunct="1">
+                        <a:lnSpc>
+                          <a:spcPct val="100000"/>
+                        </a:lnSpc>
+                        <a:spcBef>
+                          <a:spcPts val="0"/>
+                        </a:spcBef>
+                        <a:spcAft>
+                          <a:spcPts val="0"/>
+                        </a:spcAft>
+                        <a:buClrTx/>
+                        <a:buSzTx/>
+                        <a:buFontTx/>
+                        <a:buNone/>
+                        <a:tabLst/>
+                        <a:defRPr/>
+                      </a:pPr>
+                      <a:r>
+                        <a:rPr lang="en-GB" sz="1800" b="0" kern="1200" dirty="0">
+                          <a:solidFill>
+                            <a:schemeClr val="dk1"/>
+                          </a:solidFill>
+                          <a:effectLst/>
+                          <a:latin typeface="+mn-lt"/>
+                          <a:ea typeface="+mn-ea"/>
+                          <a:cs typeface="+mn-cs"/>
+                        </a:rPr>
+                        <a:t>Mine (feat. Drake)</a:t>
+                      </a:r>
+                      <a:endParaRPr lang="de-DE" dirty="0"/>
+                    </a:p>
+                  </a:txBody>
+                  <a:tcPr/>
+                </a:tc>
+                <a:tc>
+                  <a:txBody>
+                    <a:bodyPr/>
+                    <a:lstStyle/>
+                    <a:p>
+                      <a:r>
+                        <a:rPr lang="de-DE" dirty="0"/>
+                        <a:t>Top </a:t>
+                      </a:r>
+                      <a:r>
+                        <a:rPr lang="de-DE" dirty="0" err="1"/>
+                        <a:t>albums</a:t>
+                      </a:r>
+                      <a:r>
+                        <a:rPr lang="de-DE" dirty="0"/>
+                        <a:t> </a:t>
+                      </a:r>
+                      <a:r>
+                        <a:rPr lang="de-DE" dirty="0" err="1"/>
+                        <a:t>of</a:t>
+                      </a:r>
+                      <a:r>
+                        <a:rPr lang="de-DE" dirty="0"/>
+                        <a:t> 2013</a:t>
+                      </a:r>
+                    </a:p>
+                  </a:txBody>
+                  <a:tcPr/>
+                </a:tc>
+                <a:extLst>
+                  <a:ext uri="{0D108BD9-81ED-4DB2-BD59-A6C34878D82A}">
+                    <a16:rowId xmlns:a16="http://schemas.microsoft.com/office/drawing/2014/main" val="611029119"/>
+                  </a:ext>
+                </a:extLst>
+              </a:tr>
+              <a:tr h="370840">
+                <a:tc>
+                  <a:txBody>
+                    <a:bodyPr/>
+                    <a:lstStyle/>
+                    <a:p>
+                      <a:r>
+                        <a:rPr lang="de-DE" dirty="0"/>
+                        <a:t>u3</a:t>
+                      </a:r>
+                    </a:p>
+                  </a:txBody>
+                  <a:tcPr/>
+                </a:tc>
+                <a:tc>
+                  <a:txBody>
+                    <a:bodyPr/>
+                    <a:lstStyle/>
+                    <a:p>
+                      <a:pPr marL="0" marR="0" lvl="0" indent="0" algn="l" defTabSz="914400" rtl="0" eaLnBrk="1" fontAlgn="auto" latinLnBrk="0" hangingPunct="1">
+                        <a:lnSpc>
+                          <a:spcPct val="100000"/>
+                        </a:lnSpc>
+                        <a:spcBef>
+                          <a:spcPts val="0"/>
+                        </a:spcBef>
+                        <a:spcAft>
+                          <a:spcPts val="0"/>
+                        </a:spcAft>
+                        <a:buClrTx/>
+                        <a:buSzTx/>
+                        <a:buFontTx/>
+                        <a:buNone/>
+                        <a:tabLst/>
+                        <a:defRPr/>
+                      </a:pPr>
+                      <a:r>
+                        <a:rPr lang="en-GB" sz="1800" b="0" kern="1200" dirty="0">
+                          <a:solidFill>
+                            <a:schemeClr val="dk1"/>
+                          </a:solidFill>
+                          <a:effectLst/>
+                          <a:latin typeface="+mn-lt"/>
+                          <a:ea typeface="+mn-ea"/>
+                          <a:cs typeface="+mn-cs"/>
+                        </a:rPr>
+                        <a:t>Mark Forster</a:t>
+                      </a:r>
+                    </a:p>
+                  </a:txBody>
+                  <a:tcPr/>
+                </a:tc>
+                <a:tc>
+                  <a:txBody>
+                    <a:bodyPr/>
+                    <a:lstStyle/>
+                    <a:p>
+                      <a:pPr marL="0" marR="0" lvl="0" indent="0" algn="l" defTabSz="914400" rtl="0" eaLnBrk="1" fontAlgn="auto" latinLnBrk="0" hangingPunct="1">
+                        <a:lnSpc>
+                          <a:spcPct val="100000"/>
+                        </a:lnSpc>
+                        <a:spcBef>
+                          <a:spcPts val="0"/>
+                        </a:spcBef>
+                        <a:spcAft>
+                          <a:spcPts val="0"/>
+                        </a:spcAft>
+                        <a:buClrTx/>
+                        <a:buSzTx/>
+                        <a:buFontTx/>
+                        <a:buNone/>
+                        <a:tabLst/>
+                        <a:defRPr/>
+                      </a:pPr>
+                      <a:r>
+                        <a:rPr lang="de-DE" dirty="0"/>
+                        <a:t>Flash mich</a:t>
+                      </a:r>
+                    </a:p>
+                  </a:txBody>
+                  <a:tcPr/>
+                </a:tc>
+                <a:tc>
+                  <a:txBody>
+                    <a:bodyPr/>
+                    <a:lstStyle/>
+                    <a:p>
+                      <a:r>
+                        <a:rPr lang="de-DE" dirty="0"/>
+                        <a:t>Top 100</a:t>
+                      </a:r>
+                    </a:p>
+                  </a:txBody>
+                  <a:tcPr/>
+                </a:tc>
+                <a:extLst>
+                  <a:ext uri="{0D108BD9-81ED-4DB2-BD59-A6C34878D82A}">
+                    <a16:rowId xmlns:a16="http://schemas.microsoft.com/office/drawing/2014/main" val="3964297722"/>
+                  </a:ext>
+                </a:extLst>
+              </a:tr>
+              <a:tr h="370840">
+                <a:tc>
+                  <a:txBody>
+                    <a:bodyPr/>
+                    <a:lstStyle/>
+                    <a:p>
+                      <a:r>
+                        <a:rPr lang="de-DE" dirty="0"/>
+                        <a:t>u3</a:t>
+                      </a:r>
+                    </a:p>
+                  </a:txBody>
+                  <a:tcPr/>
+                </a:tc>
+                <a:tc>
+                  <a:txBody>
+                    <a:bodyPr/>
+                    <a:lstStyle/>
+                    <a:p>
+                      <a:pPr marL="0" marR="0" lvl="0" indent="0" algn="l" defTabSz="914400" rtl="0" eaLnBrk="1" fontAlgn="auto" latinLnBrk="0" hangingPunct="1">
+                        <a:lnSpc>
+                          <a:spcPct val="100000"/>
+                        </a:lnSpc>
+                        <a:spcBef>
+                          <a:spcPts val="0"/>
+                        </a:spcBef>
+                        <a:spcAft>
+                          <a:spcPts val="0"/>
+                        </a:spcAft>
+                        <a:buClrTx/>
+                        <a:buSzTx/>
+                        <a:buFontTx/>
+                        <a:buNone/>
+                        <a:tabLst/>
+                        <a:defRPr/>
+                      </a:pPr>
+                      <a:r>
+                        <a:rPr lang="en-GB" sz="1800" b="0" kern="1200" dirty="0">
+                          <a:solidFill>
+                            <a:schemeClr val="dk1"/>
+                          </a:solidFill>
+                          <a:effectLst/>
+                          <a:latin typeface="+mn-lt"/>
+                          <a:ea typeface="+mn-ea"/>
+                          <a:cs typeface="+mn-cs"/>
+                        </a:rPr>
+                        <a:t>Mark Forster</a:t>
+                      </a:r>
+                    </a:p>
+                  </a:txBody>
+                  <a:tcPr/>
+                </a:tc>
+                <a:tc>
+                  <a:txBody>
+                    <a:bodyPr/>
+                    <a:lstStyle/>
+                    <a:p>
+                      <a:pPr marL="0" marR="0" lvl="0" indent="0" algn="l" defTabSz="914400" rtl="0" eaLnBrk="1" fontAlgn="auto" latinLnBrk="0" hangingPunct="1">
+                        <a:lnSpc>
+                          <a:spcPct val="100000"/>
+                        </a:lnSpc>
+                        <a:spcBef>
+                          <a:spcPts val="0"/>
+                        </a:spcBef>
+                        <a:spcAft>
+                          <a:spcPts val="0"/>
+                        </a:spcAft>
+                        <a:buClrTx/>
+                        <a:buSzTx/>
+                        <a:buFontTx/>
+                        <a:buNone/>
+                        <a:tabLst/>
+                        <a:defRPr/>
+                      </a:pPr>
+                      <a:r>
+                        <a:rPr lang="de-DE" dirty="0"/>
+                        <a:t>Flash mich</a:t>
+                      </a:r>
+                    </a:p>
+                  </a:txBody>
+                  <a:tcPr/>
+                </a:tc>
+                <a:tc>
+                  <a:txBody>
+                    <a:bodyPr/>
+                    <a:lstStyle/>
+                    <a:p>
+                      <a:r>
+                        <a:rPr lang="de-DE" dirty="0"/>
+                        <a:t>Random Stuff</a:t>
+                      </a:r>
+                    </a:p>
+                  </a:txBody>
+                  <a:tcPr/>
+                </a:tc>
+                <a:extLst>
+                  <a:ext uri="{0D108BD9-81ED-4DB2-BD59-A6C34878D82A}">
+                    <a16:rowId xmlns:a16="http://schemas.microsoft.com/office/drawing/2014/main" val="2171206070"/>
+                  </a:ext>
+                </a:extLst>
+              </a:tr>
+            </a:tbl>
+          </a:graphicData>
+        </a:graphic>
+      </p:graphicFrame>
+      <p:graphicFrame>
+        <p:nvGraphicFramePr>
+          <p:cNvPr id="6" name="Table 6">
+            <a:extLst>
+              <a:ext uri="{FF2B5EF4-FFF2-40B4-BE49-F238E27FC236}">
+                <a16:creationId xmlns:a16="http://schemas.microsoft.com/office/drawing/2014/main" id="{746951BC-BB89-27DC-8290-D3A7B6C84FFB}"/>
+              </a:ext>
+            </a:extLst>
+          </p:cNvPr>
+          <p:cNvGraphicFramePr>
+            <a:graphicFrameLocks noGrp="1"/>
+          </p:cNvGraphicFramePr>
+          <p:nvPr>
+            <p:extLst>
+              <p:ext uri="{D42A27DB-BD31-4B8C-83A1-F6EECF244321}">
+                <p14:modId xmlns:p14="http://schemas.microsoft.com/office/powerpoint/2010/main" val="2235799147"/>
+              </p:ext>
+            </p:extLst>
+          </p:nvPr>
+        </p:nvGraphicFramePr>
+        <p:xfrm>
+          <a:off x="2152072" y="4264429"/>
+          <a:ext cx="7161659" cy="2225040"/>
+        </p:xfrm>
+        <a:graphic>
+          <a:graphicData uri="http://schemas.openxmlformats.org/drawingml/2006/table">
+            <a:tbl>
+              <a:tblPr firstRow="1" bandRow="1">
+                <a:tableStyleId>{073A0DAA-6AF3-43AB-8588-CEC1D06C72B9}</a:tableStyleId>
+              </a:tblPr>
+              <a:tblGrid>
+                <a:gridCol w="1426528">
+                  <a:extLst>
+                    <a:ext uri="{9D8B030D-6E8A-4147-A177-3AD203B41FA5}">
+                      <a16:colId xmlns:a16="http://schemas.microsoft.com/office/drawing/2014/main" val="571813978"/>
+                    </a:ext>
+                  </a:extLst>
+                </a:gridCol>
+                <a:gridCol w="1917192">
+                  <a:extLst>
+                    <a:ext uri="{9D8B030D-6E8A-4147-A177-3AD203B41FA5}">
+                      <a16:colId xmlns:a16="http://schemas.microsoft.com/office/drawing/2014/main" val="1085827102"/>
+                    </a:ext>
+                  </a:extLst>
+                </a:gridCol>
+                <a:gridCol w="935355">
+                  <a:extLst>
+                    <a:ext uri="{9D8B030D-6E8A-4147-A177-3AD203B41FA5}">
+                      <a16:colId xmlns:a16="http://schemas.microsoft.com/office/drawing/2014/main" val="1226420468"/>
+                    </a:ext>
+                  </a:extLst>
+                </a:gridCol>
+                <a:gridCol w="413068">
+                  <a:extLst>
+                    <a:ext uri="{9D8B030D-6E8A-4147-A177-3AD203B41FA5}">
+                      <a16:colId xmlns:a16="http://schemas.microsoft.com/office/drawing/2014/main" val="3111486497"/>
+                    </a:ext>
+                  </a:extLst>
+                </a:gridCol>
+                <a:gridCol w="2053273">
+                  <a:extLst>
+                    <a:ext uri="{9D8B030D-6E8A-4147-A177-3AD203B41FA5}">
+                      <a16:colId xmlns:a16="http://schemas.microsoft.com/office/drawing/2014/main" val="1972148407"/>
+                    </a:ext>
+                  </a:extLst>
+                </a:gridCol>
+                <a:gridCol w="416243">
+                  <a:extLst>
+                    <a:ext uri="{9D8B030D-6E8A-4147-A177-3AD203B41FA5}">
+                      <a16:colId xmlns:a16="http://schemas.microsoft.com/office/drawing/2014/main" val="1109892647"/>
+                    </a:ext>
+                  </a:extLst>
+                </a:gridCol>
+              </a:tblGrid>
+              <a:tr h="370840">
+                <a:tc>
+                  <a:txBody>
+                    <a:bodyPr/>
+                    <a:lstStyle/>
+                    <a:p>
+                      <a:r>
+                        <a:rPr lang="de-DE" dirty="0" err="1"/>
+                        <a:t>artist</a:t>
+                      </a:r>
+                      <a:endParaRPr lang="de-DE" dirty="0"/>
+                    </a:p>
+                  </a:txBody>
+                  <a:tcPr/>
+                </a:tc>
+                <a:tc>
+                  <a:txBody>
+                    <a:bodyPr/>
+                    <a:lstStyle/>
+                    <a:p>
+                      <a:r>
+                        <a:rPr lang="de-DE" dirty="0" err="1"/>
+                        <a:t>name</a:t>
+                      </a:r>
+                      <a:endParaRPr lang="de-DE" dirty="0"/>
+                    </a:p>
+                  </a:txBody>
+                  <a:tcPr/>
+                </a:tc>
+                <a:tc>
+                  <a:txBody>
+                    <a:bodyPr/>
+                    <a:lstStyle/>
+                    <a:p>
+                      <a:r>
+                        <a:rPr lang="de-DE" dirty="0" err="1"/>
+                        <a:t>user_id</a:t>
+                      </a:r>
+                      <a:endParaRPr lang="de-DE" dirty="0"/>
+                    </a:p>
+                  </a:txBody>
+                  <a:tcPr/>
+                </a:tc>
+                <a:tc>
+                  <a:txBody>
+                    <a:bodyPr/>
+                    <a:lstStyle/>
+                    <a:p>
+                      <a:r>
+                        <a:rPr lang="de-DE" dirty="0" err="1"/>
+                        <a:t>id</a:t>
+                      </a:r>
+                      <a:endParaRPr lang="de-DE" dirty="0"/>
+                    </a:p>
+                  </a:txBody>
+                  <a:tcPr/>
+                </a:tc>
+                <a:tc>
+                  <a:txBody>
+                    <a:bodyPr/>
+                    <a:lstStyle/>
+                    <a:p>
+                      <a:r>
+                        <a:rPr lang="de-DE" dirty="0" err="1"/>
+                        <a:t>playlistname</a:t>
+                      </a:r>
+                      <a:endParaRPr lang="de-DE" dirty="0"/>
+                    </a:p>
+                  </a:txBody>
+                  <a:tcPr/>
+                </a:tc>
+                <a:tc>
+                  <a:txBody>
+                    <a:bodyPr/>
+                    <a:lstStyle/>
+                    <a:p>
+                      <a:pPr algn="ctr"/>
+                      <a:r>
+                        <a:rPr lang="de-DE" dirty="0"/>
+                        <a:t>...</a:t>
+                      </a:r>
+                    </a:p>
+                  </a:txBody>
+                  <a:tcPr/>
+                </a:tc>
+                <a:extLst>
+                  <a:ext uri="{0D108BD9-81ED-4DB2-BD59-A6C34878D82A}">
+                    <a16:rowId xmlns:a16="http://schemas.microsoft.com/office/drawing/2014/main" val="3544628589"/>
+                  </a:ext>
+                </a:extLst>
+              </a:tr>
+              <a:tr h="370840">
+                <a:tc>
+                  <a:txBody>
+                    <a:bodyPr/>
+                    <a:lstStyle/>
+                    <a:p>
+                      <a:pPr marL="0" marR="0" lvl="0" indent="0" algn="l" defTabSz="914400" rtl="0" eaLnBrk="1" fontAlgn="auto" latinLnBrk="0" hangingPunct="1">
+                        <a:lnSpc>
+                          <a:spcPct val="100000"/>
+                        </a:lnSpc>
+                        <a:spcBef>
+                          <a:spcPts val="0"/>
+                        </a:spcBef>
+                        <a:spcAft>
+                          <a:spcPts val="0"/>
+                        </a:spcAft>
+                        <a:buClrTx/>
+                        <a:buSzTx/>
+                        <a:buFontTx/>
+                        <a:buNone/>
+                        <a:tabLst/>
+                        <a:defRPr/>
+                      </a:pPr>
+                      <a:r>
+                        <a:rPr lang="en-GB" sz="1800" b="0" kern="1200" dirty="0">
+                          <a:solidFill>
+                            <a:schemeClr val="dk1"/>
+                          </a:solidFill>
+                          <a:effectLst/>
+                          <a:latin typeface="+mn-lt"/>
+                          <a:ea typeface="+mn-ea"/>
+                          <a:cs typeface="+mn-cs"/>
+                        </a:rPr>
+                        <a:t>Beyoncé</a:t>
+                      </a:r>
+                    </a:p>
+                  </a:txBody>
+                  <a:tcPr/>
+                </a:tc>
+                <a:tc>
+                  <a:txBody>
+                    <a:bodyPr/>
+                    <a:lstStyle/>
+                    <a:p>
+                      <a:pPr marL="0" marR="0" lvl="0" indent="0" algn="l" defTabSz="914400" rtl="0" eaLnBrk="1" fontAlgn="auto" latinLnBrk="0" hangingPunct="1">
+                        <a:lnSpc>
+                          <a:spcPct val="100000"/>
+                        </a:lnSpc>
+                        <a:spcBef>
+                          <a:spcPts val="0"/>
+                        </a:spcBef>
+                        <a:spcAft>
+                          <a:spcPts val="0"/>
+                        </a:spcAft>
+                        <a:buClrTx/>
+                        <a:buSzTx/>
+                        <a:buFontTx/>
+                        <a:buNone/>
+                        <a:tabLst/>
+                        <a:defRPr/>
+                      </a:pPr>
+                      <a:r>
+                        <a:rPr lang="en-GB" sz="1800" b="0" kern="1200" dirty="0">
+                          <a:solidFill>
+                            <a:schemeClr val="dk1"/>
+                          </a:solidFill>
+                          <a:effectLst/>
+                          <a:latin typeface="+mn-lt"/>
+                          <a:ea typeface="+mn-ea"/>
+                          <a:cs typeface="+mn-cs"/>
+                        </a:rPr>
+                        <a:t>Mine (feat. Drake)</a:t>
+                      </a:r>
+                      <a:endParaRPr lang="de-DE" dirty="0"/>
+                    </a:p>
+                  </a:txBody>
+                  <a:tcPr/>
+                </a:tc>
+                <a:tc>
+                  <a:txBody>
+                    <a:bodyPr/>
+                    <a:lstStyle/>
+                    <a:p>
+                      <a:r>
+                        <a:rPr lang="de-DE" dirty="0"/>
+                        <a:t>u1</a:t>
+                      </a:r>
+                    </a:p>
+                  </a:txBody>
+                  <a:tcPr/>
+                </a:tc>
+                <a:tc>
+                  <a:txBody>
+                    <a:bodyPr/>
+                    <a:lstStyle/>
+                    <a:p>
+                      <a:r>
+                        <a:rPr lang="de-DE" dirty="0"/>
+                        <a:t>b</a:t>
+                      </a:r>
+                    </a:p>
+                  </a:txBody>
+                  <a:tcPr/>
+                </a:tc>
+                <a:tc>
+                  <a:txBody>
+                    <a:bodyPr/>
+                    <a:lstStyle/>
+                    <a:p>
+                      <a:r>
+                        <a:rPr lang="de-DE" dirty="0" err="1"/>
+                        <a:t>December</a:t>
+                      </a:r>
+                      <a:r>
+                        <a:rPr lang="de-DE" dirty="0"/>
+                        <a:t> ’13</a:t>
+                      </a:r>
+                    </a:p>
+                  </a:txBody>
+                  <a:tcPr/>
+                </a:tc>
+                <a:tc>
+                  <a:txBody>
+                    <a:bodyPr/>
+                    <a:lstStyle/>
+                    <a:p>
+                      <a:pPr algn="ctr"/>
+                      <a:r>
+                        <a:rPr lang="de-DE" dirty="0"/>
+                        <a:t>...</a:t>
+                      </a:r>
+                    </a:p>
+                  </a:txBody>
+                  <a:tcPr/>
+                </a:tc>
+                <a:extLst>
+                  <a:ext uri="{0D108BD9-81ED-4DB2-BD59-A6C34878D82A}">
+                    <a16:rowId xmlns:a16="http://schemas.microsoft.com/office/drawing/2014/main" val="1739693550"/>
+                  </a:ext>
+                </a:extLst>
+              </a:tr>
+              <a:tr h="370840">
+                <a:tc>
+                  <a:txBody>
+                    <a:bodyPr/>
+                    <a:lstStyle/>
+                    <a:p>
+                      <a:pPr marL="0" marR="0" lvl="0" indent="0" algn="l" defTabSz="914400" rtl="0" eaLnBrk="1" fontAlgn="auto" latinLnBrk="0" hangingPunct="1">
+                        <a:lnSpc>
+                          <a:spcPct val="100000"/>
+                        </a:lnSpc>
+                        <a:spcBef>
+                          <a:spcPts val="0"/>
+                        </a:spcBef>
+                        <a:spcAft>
+                          <a:spcPts val="0"/>
+                        </a:spcAft>
+                        <a:buClrTx/>
+                        <a:buSzTx/>
+                        <a:buFontTx/>
+                        <a:buNone/>
+                        <a:tabLst/>
+                        <a:defRPr/>
+                      </a:pPr>
+                      <a:r>
+                        <a:rPr lang="en-GB" sz="1800" b="0" kern="1200" dirty="0">
+                          <a:solidFill>
+                            <a:schemeClr val="dk1"/>
+                          </a:solidFill>
+                          <a:effectLst/>
+                          <a:latin typeface="+mn-lt"/>
+                          <a:ea typeface="+mn-ea"/>
+                          <a:cs typeface="+mn-cs"/>
+                        </a:rPr>
+                        <a:t>Beyoncé</a:t>
+                      </a:r>
+                    </a:p>
+                  </a:txBody>
+                  <a:tcPr/>
+                </a:tc>
+                <a:tc>
+                  <a:txBody>
+                    <a:bodyPr/>
+                    <a:lstStyle/>
+                    <a:p>
+                      <a:pPr marL="0" marR="0" lvl="0" indent="0" algn="l" defTabSz="914400" rtl="0" eaLnBrk="1" fontAlgn="auto" latinLnBrk="0" hangingPunct="1">
+                        <a:lnSpc>
+                          <a:spcPct val="100000"/>
+                        </a:lnSpc>
+                        <a:spcBef>
+                          <a:spcPts val="0"/>
+                        </a:spcBef>
+                        <a:spcAft>
+                          <a:spcPts val="0"/>
+                        </a:spcAft>
+                        <a:buClrTx/>
+                        <a:buSzTx/>
+                        <a:buFontTx/>
+                        <a:buNone/>
+                        <a:tabLst/>
+                        <a:defRPr/>
+                      </a:pPr>
+                      <a:r>
+                        <a:rPr lang="en-GB" sz="1800" b="0" kern="1200" dirty="0">
+                          <a:solidFill>
+                            <a:schemeClr val="dk1"/>
+                          </a:solidFill>
+                          <a:effectLst/>
+                          <a:latin typeface="+mn-lt"/>
+                          <a:ea typeface="+mn-ea"/>
+                          <a:cs typeface="+mn-cs"/>
+                        </a:rPr>
+                        <a:t>Mine (feat. Drake)</a:t>
+                      </a:r>
+                      <a:endParaRPr lang="de-DE" dirty="0"/>
+                    </a:p>
+                  </a:txBody>
+                  <a:tcPr/>
+                </a:tc>
+                <a:tc>
+                  <a:txBody>
+                    <a:bodyPr/>
+                    <a:lstStyle/>
+                    <a:p>
+                      <a:r>
+                        <a:rPr lang="de-DE" dirty="0"/>
+                        <a:t>u2</a:t>
+                      </a:r>
+                    </a:p>
+                  </a:txBody>
+                  <a:tcPr/>
+                </a:tc>
+                <a:tc>
+                  <a:txBody>
+                    <a:bodyPr/>
+                    <a:lstStyle/>
+                    <a:p>
+                      <a:r>
+                        <a:rPr lang="de-DE" dirty="0"/>
+                        <a:t>b</a:t>
+                      </a:r>
+                    </a:p>
+                  </a:txBody>
+                  <a:tcPr/>
+                </a:tc>
+                <a:tc>
+                  <a:txBody>
+                    <a:bodyPr/>
+                    <a:lstStyle/>
+                    <a:p>
+                      <a:r>
+                        <a:rPr lang="de-DE" dirty="0"/>
+                        <a:t>Rap and R&amp;B</a:t>
+                      </a:r>
+                    </a:p>
+                  </a:txBody>
+                  <a:tcPr/>
+                </a:tc>
+                <a:tc>
+                  <a:txBody>
+                    <a:bodyPr/>
+                    <a:lstStyle/>
+                    <a:p>
+                      <a:pPr algn="ctr"/>
+                      <a:r>
+                        <a:rPr lang="de-DE" dirty="0"/>
+                        <a:t>...</a:t>
+                      </a:r>
+                    </a:p>
+                  </a:txBody>
+                  <a:tcPr/>
+                </a:tc>
+                <a:extLst>
+                  <a:ext uri="{0D108BD9-81ED-4DB2-BD59-A6C34878D82A}">
+                    <a16:rowId xmlns:a16="http://schemas.microsoft.com/office/drawing/2014/main" val="3231633735"/>
+                  </a:ext>
+                </a:extLst>
+              </a:tr>
+              <a:tr h="370840">
+                <a:tc>
+                  <a:txBody>
+                    <a:bodyPr/>
+                    <a:lstStyle/>
+                    <a:p>
+                      <a:pPr marL="0" marR="0" lvl="0" indent="0" algn="l" defTabSz="914400" rtl="0" eaLnBrk="1" fontAlgn="auto" latinLnBrk="0" hangingPunct="1">
+                        <a:lnSpc>
+                          <a:spcPct val="100000"/>
+                        </a:lnSpc>
+                        <a:spcBef>
+                          <a:spcPts val="0"/>
+                        </a:spcBef>
+                        <a:spcAft>
+                          <a:spcPts val="0"/>
+                        </a:spcAft>
+                        <a:buClrTx/>
+                        <a:buSzTx/>
+                        <a:buFontTx/>
+                        <a:buNone/>
+                        <a:tabLst/>
+                        <a:defRPr/>
+                      </a:pPr>
+                      <a:r>
+                        <a:rPr lang="en-GB" sz="1800" b="0" kern="1200" dirty="0">
+                          <a:solidFill>
+                            <a:schemeClr val="dk1"/>
+                          </a:solidFill>
+                          <a:effectLst/>
+                          <a:latin typeface="+mn-lt"/>
+                          <a:ea typeface="+mn-ea"/>
+                          <a:cs typeface="+mn-cs"/>
+                        </a:rPr>
+                        <a:t>Beyoncé</a:t>
+                      </a:r>
+                    </a:p>
+                  </a:txBody>
+                  <a:tcPr/>
+                </a:tc>
+                <a:tc>
+                  <a:txBody>
+                    <a:bodyPr/>
+                    <a:lstStyle/>
+                    <a:p>
+                      <a:pPr marL="0" marR="0" lvl="0" indent="0" algn="l" defTabSz="914400" rtl="0" eaLnBrk="1" fontAlgn="auto" latinLnBrk="0" hangingPunct="1">
+                        <a:lnSpc>
+                          <a:spcPct val="100000"/>
+                        </a:lnSpc>
+                        <a:spcBef>
+                          <a:spcPts val="0"/>
+                        </a:spcBef>
+                        <a:spcAft>
+                          <a:spcPts val="0"/>
+                        </a:spcAft>
+                        <a:buClrTx/>
+                        <a:buSzTx/>
+                        <a:buFontTx/>
+                        <a:buNone/>
+                        <a:tabLst/>
+                        <a:defRPr/>
+                      </a:pPr>
+                      <a:r>
+                        <a:rPr lang="en-GB" sz="1800" b="0" kern="1200" dirty="0">
+                          <a:solidFill>
+                            <a:schemeClr val="dk1"/>
+                          </a:solidFill>
+                          <a:effectLst/>
+                          <a:latin typeface="+mn-lt"/>
+                          <a:ea typeface="+mn-ea"/>
+                          <a:cs typeface="+mn-cs"/>
+                        </a:rPr>
+                        <a:t>Mine (feat. Drake)</a:t>
+                      </a:r>
+                      <a:endParaRPr lang="de-DE" dirty="0"/>
+                    </a:p>
+                  </a:txBody>
+                  <a:tcPr/>
+                </a:tc>
+                <a:tc>
+                  <a:txBody>
+                    <a:bodyPr/>
+                    <a:lstStyle/>
+                    <a:p>
+                      <a:r>
+                        <a:rPr lang="de-DE" dirty="0"/>
+                        <a:t>u2</a:t>
+                      </a:r>
+                    </a:p>
+                  </a:txBody>
+                  <a:tcPr/>
+                </a:tc>
+                <a:tc>
+                  <a:txBody>
+                    <a:bodyPr/>
+                    <a:lstStyle/>
+                    <a:p>
+                      <a:r>
+                        <a:rPr lang="de-DE" dirty="0"/>
+                        <a:t>b</a:t>
+                      </a:r>
+                    </a:p>
+                  </a:txBody>
+                  <a:tcPr/>
+                </a:tc>
+                <a:tc>
+                  <a:txBody>
+                    <a:bodyPr/>
+                    <a:lstStyle/>
+                    <a:p>
+                      <a:r>
+                        <a:rPr lang="de-DE" dirty="0"/>
+                        <a:t>Top </a:t>
+                      </a:r>
+                      <a:r>
+                        <a:rPr lang="de-DE" dirty="0" err="1"/>
+                        <a:t>albums</a:t>
+                      </a:r>
+                      <a:r>
+                        <a:rPr lang="de-DE" dirty="0"/>
+                        <a:t> </a:t>
+                      </a:r>
+                      <a:r>
+                        <a:rPr lang="de-DE" dirty="0" err="1"/>
+                        <a:t>of</a:t>
+                      </a:r>
+                      <a:r>
+                        <a:rPr lang="de-DE" dirty="0"/>
+                        <a:t> 2013</a:t>
+                      </a:r>
+                    </a:p>
+                  </a:txBody>
+                  <a:tcPr/>
+                </a:tc>
+                <a:tc>
+                  <a:txBody>
+                    <a:bodyPr/>
+                    <a:lstStyle/>
+                    <a:p>
+                      <a:pPr algn="ctr"/>
+                      <a:r>
+                        <a:rPr lang="de-DE" dirty="0"/>
+                        <a:t>...</a:t>
+                      </a:r>
+                    </a:p>
+                  </a:txBody>
+                  <a:tcPr/>
+                </a:tc>
+                <a:extLst>
+                  <a:ext uri="{0D108BD9-81ED-4DB2-BD59-A6C34878D82A}">
+                    <a16:rowId xmlns:a16="http://schemas.microsoft.com/office/drawing/2014/main" val="452823323"/>
+                  </a:ext>
+                </a:extLst>
+              </a:tr>
+              <a:tr h="370840">
+                <a:tc>
+                  <a:txBody>
+                    <a:bodyPr/>
+                    <a:lstStyle/>
+                    <a:p>
+                      <a:pPr marL="0" marR="0" lvl="0" indent="0" algn="l" defTabSz="914400" rtl="0" eaLnBrk="1" fontAlgn="auto" latinLnBrk="0" hangingPunct="1">
+                        <a:lnSpc>
+                          <a:spcPct val="100000"/>
+                        </a:lnSpc>
+                        <a:spcBef>
+                          <a:spcPts val="0"/>
+                        </a:spcBef>
+                        <a:spcAft>
+                          <a:spcPts val="0"/>
+                        </a:spcAft>
+                        <a:buClrTx/>
+                        <a:buSzTx/>
+                        <a:buFontTx/>
+                        <a:buNone/>
+                        <a:tabLst/>
+                        <a:defRPr/>
+                      </a:pPr>
+                      <a:r>
+                        <a:rPr lang="en-GB" sz="1800" b="0" kern="1200" dirty="0">
+                          <a:solidFill>
+                            <a:schemeClr val="dk1"/>
+                          </a:solidFill>
+                          <a:effectLst/>
+                          <a:latin typeface="+mn-lt"/>
+                          <a:ea typeface="+mn-ea"/>
+                          <a:cs typeface="+mn-cs"/>
+                        </a:rPr>
+                        <a:t>Mark Forster</a:t>
+                      </a:r>
+                    </a:p>
+                  </a:txBody>
+                  <a:tcPr/>
+                </a:tc>
+                <a:tc>
+                  <a:txBody>
+                    <a:bodyPr/>
+                    <a:lstStyle/>
+                    <a:p>
+                      <a:pPr marL="0" marR="0" lvl="0" indent="0" algn="l" defTabSz="914400" rtl="0" eaLnBrk="1" fontAlgn="auto" latinLnBrk="0" hangingPunct="1">
+                        <a:lnSpc>
+                          <a:spcPct val="100000"/>
+                        </a:lnSpc>
+                        <a:spcBef>
+                          <a:spcPts val="0"/>
+                        </a:spcBef>
+                        <a:spcAft>
+                          <a:spcPts val="0"/>
+                        </a:spcAft>
+                        <a:buClrTx/>
+                        <a:buSzTx/>
+                        <a:buFontTx/>
+                        <a:buNone/>
+                        <a:tabLst/>
+                        <a:defRPr/>
+                      </a:pPr>
+                      <a:r>
+                        <a:rPr lang="de-DE" dirty="0"/>
+                        <a:t>Flash mich</a:t>
+                      </a:r>
+                    </a:p>
+                  </a:txBody>
+                  <a:tcPr/>
+                </a:tc>
+                <a:tc>
+                  <a:txBody>
+                    <a:bodyPr/>
+                    <a:lstStyle/>
+                    <a:p>
+                      <a:r>
+                        <a:rPr lang="de-DE" dirty="0"/>
+                        <a:t>u3</a:t>
+                      </a:r>
+                    </a:p>
+                  </a:txBody>
+                  <a:tcPr/>
+                </a:tc>
+                <a:tc>
+                  <a:txBody>
+                    <a:bodyPr/>
+                    <a:lstStyle/>
+                    <a:p>
+                      <a:r>
+                        <a:rPr lang="de-DE" dirty="0"/>
+                        <a:t>a</a:t>
+                      </a:r>
+                    </a:p>
+                  </a:txBody>
+                  <a:tcPr/>
+                </a:tc>
+                <a:tc>
+                  <a:txBody>
+                    <a:bodyPr/>
+                    <a:lstStyle/>
+                    <a:p>
+                      <a:r>
+                        <a:rPr lang="de-DE" dirty="0"/>
+                        <a:t>Top 100</a:t>
+                      </a:r>
+                    </a:p>
+                  </a:txBody>
+                  <a:tcPr/>
+                </a:tc>
+                <a:tc>
+                  <a:txBody>
+                    <a:bodyPr/>
+                    <a:lstStyle/>
+                    <a:p>
+                      <a:pPr algn="ctr"/>
+                      <a:r>
+                        <a:rPr lang="de-DE" dirty="0"/>
+                        <a:t>...</a:t>
+                      </a:r>
+                    </a:p>
+                  </a:txBody>
+                  <a:tcPr/>
+                </a:tc>
+                <a:extLst>
+                  <a:ext uri="{0D108BD9-81ED-4DB2-BD59-A6C34878D82A}">
+                    <a16:rowId xmlns:a16="http://schemas.microsoft.com/office/drawing/2014/main" val="1536676217"/>
+                  </a:ext>
+                </a:extLst>
+              </a:tr>
+              <a:tr h="370840">
+                <a:tc>
+                  <a:txBody>
+                    <a:bodyPr/>
+                    <a:lstStyle/>
+                    <a:p>
+                      <a:pPr marL="0" marR="0" lvl="0" indent="0" algn="l" defTabSz="914400" rtl="0" eaLnBrk="1" fontAlgn="auto" latinLnBrk="0" hangingPunct="1">
+                        <a:lnSpc>
+                          <a:spcPct val="100000"/>
+                        </a:lnSpc>
+                        <a:spcBef>
+                          <a:spcPts val="0"/>
+                        </a:spcBef>
+                        <a:spcAft>
+                          <a:spcPts val="0"/>
+                        </a:spcAft>
+                        <a:buClrTx/>
+                        <a:buSzTx/>
+                        <a:buFontTx/>
+                        <a:buNone/>
+                        <a:tabLst/>
+                        <a:defRPr/>
+                      </a:pPr>
+                      <a:r>
+                        <a:rPr lang="en-GB" sz="1800" b="0" kern="1200" dirty="0">
+                          <a:solidFill>
+                            <a:schemeClr val="dk1"/>
+                          </a:solidFill>
+                          <a:effectLst/>
+                          <a:latin typeface="+mn-lt"/>
+                          <a:ea typeface="+mn-ea"/>
+                          <a:cs typeface="+mn-cs"/>
+                        </a:rPr>
+                        <a:t>Mark Forster</a:t>
+                      </a:r>
+                    </a:p>
+                  </a:txBody>
+                  <a:tcPr/>
+                </a:tc>
+                <a:tc>
+                  <a:txBody>
+                    <a:bodyPr/>
+                    <a:lstStyle/>
+                    <a:p>
+                      <a:pPr marL="0" marR="0" lvl="0" indent="0" algn="l" defTabSz="914400" rtl="0" eaLnBrk="1" fontAlgn="auto" latinLnBrk="0" hangingPunct="1">
+                        <a:lnSpc>
+                          <a:spcPct val="100000"/>
+                        </a:lnSpc>
+                        <a:spcBef>
+                          <a:spcPts val="0"/>
+                        </a:spcBef>
+                        <a:spcAft>
+                          <a:spcPts val="0"/>
+                        </a:spcAft>
+                        <a:buClrTx/>
+                        <a:buSzTx/>
+                        <a:buFontTx/>
+                        <a:buNone/>
+                        <a:tabLst/>
+                        <a:defRPr/>
+                      </a:pPr>
+                      <a:r>
+                        <a:rPr lang="de-DE" dirty="0"/>
+                        <a:t>Flash mich</a:t>
+                      </a:r>
+                    </a:p>
+                  </a:txBody>
+                  <a:tcPr/>
+                </a:tc>
+                <a:tc>
+                  <a:txBody>
+                    <a:bodyPr/>
+                    <a:lstStyle/>
+                    <a:p>
+                      <a:r>
+                        <a:rPr lang="de-DE" dirty="0"/>
+                        <a:t>u3</a:t>
+                      </a:r>
+                    </a:p>
+                  </a:txBody>
+                  <a:tcPr/>
+                </a:tc>
+                <a:tc>
+                  <a:txBody>
+                    <a:bodyPr/>
+                    <a:lstStyle/>
+                    <a:p>
+                      <a:r>
+                        <a:rPr lang="de-DE" dirty="0"/>
+                        <a:t>a</a:t>
+                      </a:r>
+                    </a:p>
+                  </a:txBody>
+                  <a:tcPr/>
+                </a:tc>
+                <a:tc>
+                  <a:txBody>
+                    <a:bodyPr/>
+                    <a:lstStyle/>
+                    <a:p>
+                      <a:r>
+                        <a:rPr lang="de-DE" dirty="0"/>
+                        <a:t>Random Stuff</a:t>
+                      </a:r>
+                    </a:p>
+                  </a:txBody>
+                  <a:tcPr/>
+                </a:tc>
+                <a:tc>
+                  <a:txBody>
+                    <a:bodyPr/>
+                    <a:lstStyle/>
+                    <a:p>
+                      <a:pPr algn="ctr"/>
+                      <a:r>
+                        <a:rPr lang="de-DE" dirty="0"/>
+                        <a:t>...</a:t>
+                      </a:r>
+                    </a:p>
+                  </a:txBody>
+                  <a:tcPr/>
+                </a:tc>
+                <a:extLst>
+                  <a:ext uri="{0D108BD9-81ED-4DB2-BD59-A6C34878D82A}">
+                    <a16:rowId xmlns:a16="http://schemas.microsoft.com/office/drawing/2014/main" val="348712046"/>
+                  </a:ext>
+                </a:extLst>
+              </a:tr>
+            </a:tbl>
+          </a:graphicData>
+        </a:graphic>
+      </p:graphicFrame>
+      <p:cxnSp>
+        <p:nvCxnSpPr>
+          <p:cNvPr id="8" name="Straight Arrow Connector 7">
+            <a:extLst>
+              <a:ext uri="{FF2B5EF4-FFF2-40B4-BE49-F238E27FC236}">
+                <a16:creationId xmlns:a16="http://schemas.microsoft.com/office/drawing/2014/main" id="{C9B47CDE-39AB-4D1E-91FA-6AD638B93EAD}"/>
+              </a:ext>
+            </a:extLst>
+          </p:cNvPr>
+          <p:cNvCxnSpPr>
+            <a:cxnSpLocks/>
+          </p:cNvCxnSpPr>
+          <p:nvPr/>
+        </p:nvCxnSpPr>
+        <p:spPr>
+          <a:xfrm>
+            <a:off x="2041236" y="1983198"/>
+            <a:ext cx="702768" cy="2237820"/>
+          </a:xfrm>
+          <a:prstGeom prst="straightConnector1">
+            <a:avLst/>
+          </a:prstGeom>
+          <a:ln w="50800">
+            <a:tailEnd type="triangle"/>
+          </a:ln>
+        </p:spPr>
+        <p:style>
+          <a:lnRef idx="1">
+            <a:schemeClr val="accent6"/>
+          </a:lnRef>
+          <a:fillRef idx="0">
+            <a:schemeClr val="accent6"/>
+          </a:fillRef>
+          <a:effectRef idx="0">
+            <a:schemeClr val="accent6"/>
+          </a:effectRef>
+          <a:fontRef idx="minor">
+            <a:schemeClr val="tx1"/>
+          </a:fontRef>
+        </p:style>
+      </p:cxnSp>
+      <p:cxnSp>
+        <p:nvCxnSpPr>
+          <p:cNvPr id="10" name="Straight Arrow Connector 9">
+            <a:extLst>
+              <a:ext uri="{FF2B5EF4-FFF2-40B4-BE49-F238E27FC236}">
+                <a16:creationId xmlns:a16="http://schemas.microsoft.com/office/drawing/2014/main" id="{7625D56A-6083-F0FE-23F1-93084CFA0604}"/>
+              </a:ext>
+            </a:extLst>
+          </p:cNvPr>
+          <p:cNvCxnSpPr>
+            <a:cxnSpLocks/>
+          </p:cNvCxnSpPr>
+          <p:nvPr/>
+        </p:nvCxnSpPr>
+        <p:spPr>
+          <a:xfrm>
+            <a:off x="3722255" y="1983198"/>
+            <a:ext cx="692727" cy="2281231"/>
+          </a:xfrm>
+          <a:prstGeom prst="straightConnector1">
+            <a:avLst/>
+          </a:prstGeom>
+          <a:ln w="50800">
+            <a:tailEnd type="triangle"/>
+          </a:ln>
+        </p:spPr>
+        <p:style>
+          <a:lnRef idx="1">
+            <a:schemeClr val="accent6"/>
+          </a:lnRef>
+          <a:fillRef idx="0">
+            <a:schemeClr val="accent6"/>
+          </a:fillRef>
+          <a:effectRef idx="0">
+            <a:schemeClr val="accent6"/>
+          </a:effectRef>
+          <a:fontRef idx="minor">
+            <a:schemeClr val="tx1"/>
+          </a:fontRef>
+        </p:style>
+      </p:cxnSp>
+      <p:cxnSp>
+        <p:nvCxnSpPr>
+          <p:cNvPr id="12" name="Straight Arrow Connector 11">
+            <a:extLst>
+              <a:ext uri="{FF2B5EF4-FFF2-40B4-BE49-F238E27FC236}">
+                <a16:creationId xmlns:a16="http://schemas.microsoft.com/office/drawing/2014/main" id="{76AA1BD4-339F-E236-B55C-03C4D3A015BA}"/>
+              </a:ext>
+            </a:extLst>
+          </p:cNvPr>
+          <p:cNvCxnSpPr>
+            <a:cxnSpLocks/>
+          </p:cNvCxnSpPr>
+          <p:nvPr/>
+        </p:nvCxnSpPr>
+        <p:spPr>
+          <a:xfrm flipH="1">
+            <a:off x="4414982" y="3262821"/>
+            <a:ext cx="2549236" cy="1001608"/>
+          </a:xfrm>
+          <a:prstGeom prst="straightConnector1">
+            <a:avLst/>
+          </a:prstGeom>
+          <a:ln w="50800">
+            <a:tailEnd type="triangle"/>
+          </a:ln>
+        </p:spPr>
+        <p:style>
+          <a:lnRef idx="1">
+            <a:schemeClr val="accent6"/>
+          </a:lnRef>
+          <a:fillRef idx="0">
+            <a:schemeClr val="accent6"/>
+          </a:fillRef>
+          <a:effectRef idx="0">
+            <a:schemeClr val="accent6"/>
+          </a:effectRef>
+          <a:fontRef idx="minor">
+            <a:schemeClr val="tx1"/>
+          </a:fontRef>
+        </p:style>
+      </p:cxnSp>
+      <p:cxnSp>
+        <p:nvCxnSpPr>
+          <p:cNvPr id="14" name="Straight Arrow Connector 13">
+            <a:extLst>
+              <a:ext uri="{FF2B5EF4-FFF2-40B4-BE49-F238E27FC236}">
+                <a16:creationId xmlns:a16="http://schemas.microsoft.com/office/drawing/2014/main" id="{F8F8DAE8-26F9-BB8A-D559-D55DD2F5975E}"/>
+              </a:ext>
+            </a:extLst>
+          </p:cNvPr>
+          <p:cNvCxnSpPr>
+            <a:cxnSpLocks/>
+            <a:stCxn id="5" idx="2"/>
+          </p:cNvCxnSpPr>
+          <p:nvPr/>
+        </p:nvCxnSpPr>
+        <p:spPr>
+          <a:xfrm flipH="1">
+            <a:off x="2744004" y="3262821"/>
+            <a:ext cx="5861232" cy="958197"/>
+          </a:xfrm>
+          <a:prstGeom prst="straightConnector1">
+            <a:avLst/>
+          </a:prstGeom>
+          <a:ln w="50800">
+            <a:tailEnd type="triangle"/>
+          </a:ln>
+        </p:spPr>
+        <p:style>
+          <a:lnRef idx="1">
+            <a:schemeClr val="accent6"/>
+          </a:lnRef>
+          <a:fillRef idx="0">
+            <a:schemeClr val="accent6"/>
+          </a:fillRef>
+          <a:effectRef idx="0">
+            <a:schemeClr val="accent6"/>
+          </a:effectRef>
+          <a:fontRef idx="minor">
+            <a:schemeClr val="tx1"/>
+          </a:fontRef>
+        </p:style>
+      </p:cxnSp>
+      <p:cxnSp>
+        <p:nvCxnSpPr>
+          <p:cNvPr id="23" name="Straight Arrow Connector 22">
+            <a:extLst>
+              <a:ext uri="{FF2B5EF4-FFF2-40B4-BE49-F238E27FC236}">
+                <a16:creationId xmlns:a16="http://schemas.microsoft.com/office/drawing/2014/main" id="{BECA0FF4-B660-78EE-8628-BBC1B1C6A01E}"/>
+              </a:ext>
+            </a:extLst>
+          </p:cNvPr>
+          <p:cNvCxnSpPr/>
+          <p:nvPr/>
+        </p:nvCxnSpPr>
+        <p:spPr>
+          <a:xfrm>
+            <a:off x="5957455" y="3262821"/>
+            <a:ext cx="0" cy="1001608"/>
+          </a:xfrm>
+          <a:prstGeom prst="straightConnector1">
+            <a:avLst/>
+          </a:prstGeom>
+          <a:ln w="38100">
+            <a:tailEnd type="triangle"/>
+          </a:ln>
+        </p:spPr>
+        <p:style>
+          <a:lnRef idx="1">
+            <a:schemeClr val="dk1"/>
+          </a:lnRef>
+          <a:fillRef idx="0">
+            <a:schemeClr val="dk1"/>
+          </a:fillRef>
+          <a:effectRef idx="0">
+            <a:schemeClr val="dk1"/>
+          </a:effectRef>
+          <a:fontRef idx="minor">
+            <a:schemeClr val="tx1"/>
+          </a:fontRef>
+        </p:style>
+      </p:cxnSp>
+      <p:cxnSp>
+        <p:nvCxnSpPr>
+          <p:cNvPr id="25" name="Straight Arrow Connector 24">
+            <a:extLst>
+              <a:ext uri="{FF2B5EF4-FFF2-40B4-BE49-F238E27FC236}">
+                <a16:creationId xmlns:a16="http://schemas.microsoft.com/office/drawing/2014/main" id="{B5AD82F8-7912-D9A2-5602-71A7BA88B3F9}"/>
+              </a:ext>
+            </a:extLst>
+          </p:cNvPr>
+          <p:cNvCxnSpPr/>
+          <p:nvPr/>
+        </p:nvCxnSpPr>
+        <p:spPr>
+          <a:xfrm>
+            <a:off x="831273" y="1983198"/>
+            <a:ext cx="5763491" cy="2237820"/>
+          </a:xfrm>
+          <a:prstGeom prst="straightConnector1">
+            <a:avLst/>
+          </a:prstGeom>
+          <a:ln w="38100">
+            <a:tailEnd type="triangle"/>
+          </a:ln>
+        </p:spPr>
+        <p:style>
+          <a:lnRef idx="1">
+            <a:schemeClr val="dk1"/>
+          </a:lnRef>
+          <a:fillRef idx="0">
+            <a:schemeClr val="dk1"/>
+          </a:fillRef>
+          <a:effectRef idx="0">
+            <a:schemeClr val="dk1"/>
+          </a:effectRef>
+          <a:fontRef idx="minor">
+            <a:schemeClr val="tx1"/>
+          </a:fontRef>
+        </p:style>
+      </p:cxnSp>
+      <p:cxnSp>
+        <p:nvCxnSpPr>
+          <p:cNvPr id="27" name="Straight Arrow Connector 26">
+            <a:extLst>
+              <a:ext uri="{FF2B5EF4-FFF2-40B4-BE49-F238E27FC236}">
+                <a16:creationId xmlns:a16="http://schemas.microsoft.com/office/drawing/2014/main" id="{968954E4-997C-2A79-E981-52177F98CFB0}"/>
+              </a:ext>
+            </a:extLst>
+          </p:cNvPr>
+          <p:cNvCxnSpPr/>
+          <p:nvPr/>
+        </p:nvCxnSpPr>
+        <p:spPr>
+          <a:xfrm flipH="1">
+            <a:off x="7915564" y="3262821"/>
+            <a:ext cx="2724727" cy="995218"/>
+          </a:xfrm>
+          <a:prstGeom prst="straightConnector1">
+            <a:avLst/>
+          </a:prstGeom>
+          <a:ln w="38100">
+            <a:tailEnd type="triangle"/>
+          </a:ln>
+        </p:spPr>
+        <p:style>
+          <a:lnRef idx="1">
+            <a:schemeClr val="dk1"/>
+          </a:lnRef>
+          <a:fillRef idx="0">
+            <a:schemeClr val="dk1"/>
+          </a:fillRef>
+          <a:effectRef idx="0">
+            <a:schemeClr val="dk1"/>
+          </a:effectRef>
+          <a:fontRef idx="minor">
+            <a:schemeClr val="tx1"/>
+          </a:fontRef>
+        </p:style>
+      </p:cxnSp>
+    </p:spTree>
+    <p:extLst>
+      <p:ext uri="{BB962C8B-B14F-4D97-AF65-F5344CB8AC3E}">
+        <p14:creationId xmlns:p14="http://schemas.microsoft.com/office/powerpoint/2010/main" val="654280304"/>
+      </p:ext>
+    </p:extLst>
+  </p:cSld>
+  <p:clrMapOvr>
+    <a:masterClrMapping/>
+  </p:clrMapOvr>
+</p:sld>
+</file>
+
+<file path=ppt/slides/slide8.xml><?xml version="1.0" encoding="utf-8"?>
+<p:sld xmlns:a="http://schemas.openxmlformats.org/drawingml/2006/main" xmlns:r="http://schemas.openxmlformats.org/officeDocument/2006/relationships" xmlns:p="http://schemas.openxmlformats.org/presentationml/2006/main">
+  <p:cSld>
+    <p:spTree>
+      <p:nvGrpSpPr>
+        <p:cNvPr id="1" name=""/>
+        <p:cNvGrpSpPr/>
+        <p:nvPr/>
+      </p:nvGrpSpPr>
+      <p:grpSpPr>
+        <a:xfrm>
+          <a:off x="0" y="0"/>
+          <a:ext cx="0" cy="0"/>
+          <a:chOff x="0" y="0"/>
+          <a:chExt cx="0" cy="0"/>
+        </a:xfrm>
+      </p:grpSpPr>
+      <p:sp>
+        <p:nvSpPr>
+          <p:cNvPr id="2" name="Title 1">
+            <a:extLst>
+              <a:ext uri="{FF2B5EF4-FFF2-40B4-BE49-F238E27FC236}">
+                <a16:creationId xmlns:a16="http://schemas.microsoft.com/office/drawing/2014/main" id="{61F2E3D4-A79F-6B8F-34F0-351A1DC15FC1}"/>
+              </a:ext>
+            </a:extLst>
+          </p:cNvPr>
+          <p:cNvSpPr>
+            <a:spLocks noGrp="1"/>
+          </p:cNvSpPr>
+          <p:nvPr>
+            <p:ph type="title"/>
+          </p:nvPr>
+        </p:nvSpPr>
+        <p:spPr/>
+        <p:txBody>
+          <a:bodyPr/>
+          <a:lstStyle/>
+          <a:p>
+            <a:r>
+              <a:rPr lang="de-DE" dirty="0"/>
+              <a:t>Was ist durch </a:t>
+            </a:r>
+            <a:r>
+              <a:rPr lang="de-DE" dirty="0" err="1"/>
+              <a:t>merge</a:t>
+            </a:r>
+            <a:r>
+              <a:rPr lang="de-DE" dirty="0"/>
+              <a:t> verloren gegangen</a:t>
+            </a:r>
+          </a:p>
+        </p:txBody>
+      </p:sp>
+      <p:sp>
+        <p:nvSpPr>
+          <p:cNvPr id="3" name="Content Placeholder 2">
+            <a:extLst>
+              <a:ext uri="{FF2B5EF4-FFF2-40B4-BE49-F238E27FC236}">
+                <a16:creationId xmlns:a16="http://schemas.microsoft.com/office/drawing/2014/main" id="{5F7640F4-0A08-E525-0CD0-CEB1E381F011}"/>
+              </a:ext>
+            </a:extLst>
+          </p:cNvPr>
+          <p:cNvSpPr>
+            <a:spLocks noGrp="1"/>
+          </p:cNvSpPr>
+          <p:nvPr>
+            <p:ph idx="1"/>
+          </p:nvPr>
+        </p:nvSpPr>
+        <p:spPr/>
+        <p:txBody>
+          <a:bodyPr/>
+          <a:lstStyle/>
+          <a:p>
+            <a:endParaRPr lang="de-DE"/>
+          </a:p>
+        </p:txBody>
+      </p:sp>
+    </p:spTree>
+    <p:extLst>
+      <p:ext uri="{BB962C8B-B14F-4D97-AF65-F5344CB8AC3E}">
+        <p14:creationId xmlns:p14="http://schemas.microsoft.com/office/powerpoint/2010/main" val="111263255"/>
+      </p:ext>
+    </p:extLst>
+  </p:cSld>
+  <p:clrMapOvr>
+    <a:masterClrMapping/>
+  </p:clrMapOvr>
+</p:sld>
+</file>
+
+<file path=ppt/slides/slide9.xml><?xml version="1.0" encoding="utf-8"?>
+<p:sld xmlns:a="http://schemas.openxmlformats.org/drawingml/2006/main" xmlns:r="http://schemas.openxmlformats.org/officeDocument/2006/relationships" xmlns:p="http://schemas.openxmlformats.org/presentationml/2006/main">
+  <p:cSld>
+    <p:bg>
+      <p:bgPr>
+        <a:solidFill>
+          <a:schemeClr val="bg1"/>
+        </a:solidFill>
+        <a:effectLst/>
+      </p:bgPr>
+    </p:bg>
+    <p:spTree>
+      <p:nvGrpSpPr>
+        <p:cNvPr id="1" name=""/>
+        <p:cNvGrpSpPr/>
+        <p:nvPr/>
+      </p:nvGrpSpPr>
+      <p:grpSpPr>
+        <a:xfrm>
+          <a:off x="0" y="0"/>
+          <a:ext cx="0" cy="0"/>
+          <a:chOff x="0" y="0"/>
+          <a:chExt cx="0" cy="0"/>
+        </a:xfrm>
+      </p:grpSpPr>
+      <p:sp>
+        <p:nvSpPr>
+          <p:cNvPr id="2" name="Title 1">
+            <a:extLst>
+              <a:ext uri="{FF2B5EF4-FFF2-40B4-BE49-F238E27FC236}">
+                <a16:creationId xmlns:a16="http://schemas.microsoft.com/office/drawing/2014/main" id="{11C0C297-4A59-5C27-376B-01802D3104B3}"/>
+              </a:ext>
+            </a:extLst>
+          </p:cNvPr>
+          <p:cNvSpPr>
+            <a:spLocks noGrp="1"/>
+          </p:cNvSpPr>
+          <p:nvPr>
+            <p:ph type="title"/>
+          </p:nvPr>
+        </p:nvSpPr>
+        <p:spPr>
+          <a:xfrm>
+            <a:off x="838200" y="184805"/>
+            <a:ext cx="10515600" cy="1505883"/>
+          </a:xfrm>
+        </p:spPr>
+        <p:txBody>
+          <a:bodyPr vert="horz" lIns="91440" tIns="45720" rIns="91440" bIns="45720" rtlCol="0" anchor="ctr">
+            <a:normAutofit/>
+          </a:bodyPr>
+          <a:lstStyle/>
+          <a:p>
+            <a:pPr algn="ctr"/>
+            <a:r>
+              <a:rPr lang="en-US" b="1" kern="1200" dirty="0" err="1">
+                <a:solidFill>
+                  <a:schemeClr val="tx1"/>
+                </a:solidFill>
+                <a:latin typeface="Microsoft YaHei UI" panose="020B0503020204020204" pitchFamily="34" charset="-122"/>
+                <a:ea typeface="Microsoft YaHei UI" panose="020B0503020204020204" pitchFamily="34" charset="-122"/>
+              </a:rPr>
+              <a:t>Beliebtheit</a:t>
+            </a:r>
+            <a:r>
+              <a:rPr lang="en-US" b="1" kern="1200" dirty="0">
+                <a:solidFill>
+                  <a:schemeClr val="tx1"/>
+                </a:solidFill>
+                <a:latin typeface="Microsoft YaHei UI" panose="020B0503020204020204" pitchFamily="34" charset="-122"/>
+                <a:ea typeface="Microsoft YaHei UI" panose="020B0503020204020204" pitchFamily="34" charset="-122"/>
+              </a:rPr>
+              <a:t> von </a:t>
+            </a:r>
+            <a:r>
+              <a:rPr lang="en-US" b="1" kern="1200" dirty="0" err="1">
+                <a:solidFill>
+                  <a:schemeClr val="tx1"/>
+                </a:solidFill>
+                <a:latin typeface="Microsoft YaHei UI" panose="020B0503020204020204" pitchFamily="34" charset="-122"/>
+                <a:ea typeface="Microsoft YaHei UI" panose="020B0503020204020204" pitchFamily="34" charset="-122"/>
+              </a:rPr>
+              <a:t>Artisten</a:t>
+            </a:r>
+            <a:endParaRPr lang="en-US" b="1" kern="1200" dirty="0">
+              <a:solidFill>
+                <a:schemeClr val="tx1"/>
+              </a:solidFill>
+              <a:latin typeface="Microsoft YaHei UI" panose="020B0503020204020204" pitchFamily="34" charset="-122"/>
+              <a:ea typeface="Microsoft YaHei UI" panose="020B0503020204020204" pitchFamily="34" charset="-122"/>
+            </a:endParaRPr>
+          </a:p>
+        </p:txBody>
+      </p:sp>
+      <p:graphicFrame>
+        <p:nvGraphicFramePr>
+          <p:cNvPr id="4" name="Chart 3">
+            <a:extLst>
+              <a:ext uri="{FF2B5EF4-FFF2-40B4-BE49-F238E27FC236}">
+                <a16:creationId xmlns:a16="http://schemas.microsoft.com/office/drawing/2014/main" id="{E5333BCA-A3D4-F8AD-6F0F-1CB1C9B581D0}"/>
+              </a:ext>
+            </a:extLst>
+          </p:cNvPr>
+          <p:cNvGraphicFramePr/>
+          <p:nvPr>
+            <p:extLst>
+              <p:ext uri="{D42A27DB-BD31-4B8C-83A1-F6EECF244321}">
+                <p14:modId xmlns:p14="http://schemas.microsoft.com/office/powerpoint/2010/main" val="1668827416"/>
+              </p:ext>
+            </p:extLst>
+          </p:nvPr>
+        </p:nvGraphicFramePr>
+        <p:xfrm>
+          <a:off x="838201" y="1399032"/>
+          <a:ext cx="10515599" cy="4896698"/>
+        </p:xfrm>
+        <a:graphic>
+          <a:graphicData uri="http://schemas.openxmlformats.org/drawingml/2006/chart">
+            <c:chart xmlns:c="http://schemas.openxmlformats.org/drawingml/2006/chart" xmlns:r="http://schemas.openxmlformats.org/officeDocument/2006/relationships" r:id="rId3"/>
+          </a:graphicData>
+        </a:graphic>
+      </p:graphicFrame>
+      <p:sp>
+        <p:nvSpPr>
+          <p:cNvPr id="6" name="TextBox 5">
+            <a:extLst>
+              <a:ext uri="{FF2B5EF4-FFF2-40B4-BE49-F238E27FC236}">
+                <a16:creationId xmlns:a16="http://schemas.microsoft.com/office/drawing/2014/main" id="{1B4182D1-D980-2471-4CA9-4FA971F48FDF}"/>
+              </a:ext>
+            </a:extLst>
+          </p:cNvPr>
+          <p:cNvSpPr txBox="1"/>
+          <p:nvPr/>
+        </p:nvSpPr>
+        <p:spPr>
+          <a:xfrm>
+            <a:off x="10241280" y="6207533"/>
+            <a:ext cx="1727200" cy="369332"/>
+          </a:xfrm>
+          <a:prstGeom prst="rect">
+            <a:avLst/>
+          </a:prstGeom>
+          <a:noFill/>
+        </p:spPr>
+        <p:txBody>
+          <a:bodyPr wrap="square" rtlCol="0">
+            <a:spAutoFit/>
+          </a:bodyPr>
+          <a:lstStyle/>
+          <a:p>
+            <a:r>
+              <a:rPr lang="de-DE" dirty="0"/>
+              <a:t>total = 19732</a:t>
+            </a:r>
+          </a:p>
+        </p:txBody>
+      </p:sp>
+    </p:spTree>
+    <p:extLst>
+      <p:ext uri="{BB962C8B-B14F-4D97-AF65-F5344CB8AC3E}">
+        <p14:creationId xmlns:p14="http://schemas.microsoft.com/office/powerpoint/2010/main" val="3760022512"/>
       </p:ext>
     </p:extLst>
   </p:cSld>

--- a/spotify_analysis.pptx
+++ b/spotify_analysis.pptx
@@ -5277,6 +5277,3043 @@
 </cs:chartStyle>
 </file>
 
+<file path=ppt/diagrams/colors1.xml><?xml version="1.0" encoding="utf-8"?>
+<dgm:colorsDef xmlns:dgm="http://schemas.openxmlformats.org/drawingml/2006/diagram" xmlns:a="http://schemas.openxmlformats.org/drawingml/2006/main" uniqueId="urn:microsoft.com/office/officeart/2005/8/colors/colorful4">
+  <dgm:title val=""/>
+  <dgm:desc val=""/>
+  <dgm:catLst>
+    <dgm:cat type="colorful" pri="10400"/>
+  </dgm:catLst>
+  <dgm:styleLbl name="node0">
+    <dgm:fillClrLst meth="repeat">
+      <a:schemeClr val="accent3"/>
+    </dgm:fillClrLst>
+    <dgm:linClrLst meth="repeat">
+      <a:schemeClr val="lt1"/>
+    </dgm:linClrLst>
+    <dgm:effectClrLst/>
+    <dgm:txLinClrLst/>
+    <dgm:txFillClrLst/>
+    <dgm:txEffectClrLst/>
+  </dgm:styleLbl>
+  <dgm:styleLbl name="node1">
+    <dgm:fillClrLst>
+      <a:schemeClr val="accent4"/>
+      <a:schemeClr val="accent5"/>
+    </dgm:fillClrLst>
+    <dgm:linClrLst meth="repeat">
+      <a:schemeClr val="lt1"/>
+    </dgm:linClrLst>
+    <dgm:effectClrLst/>
+    <dgm:txLinClrLst/>
+    <dgm:txFillClrLst/>
+    <dgm:txEffectClrLst/>
+  </dgm:styleLbl>
+  <dgm:styleLbl name="alignNode1">
+    <dgm:fillClrLst>
+      <a:schemeClr val="accent4"/>
+      <a:schemeClr val="accent5"/>
+    </dgm:fillClrLst>
+    <dgm:linClrLst>
+      <a:schemeClr val="accent4"/>
+      <a:schemeClr val="accent5"/>
+    </dgm:linClrLst>
+    <dgm:effectClrLst/>
+    <dgm:txLinClrLst/>
+    <dgm:txFillClrLst/>
+    <dgm:txEffectClrLst/>
+  </dgm:styleLbl>
+  <dgm:styleLbl name="lnNode1">
+    <dgm:fillClrLst>
+      <a:schemeClr val="accent4"/>
+      <a:schemeClr val="accent5"/>
+    </dgm:fillClrLst>
+    <dgm:linClrLst meth="repeat">
+      <a:schemeClr val="lt1"/>
+    </dgm:linClrLst>
+    <dgm:effectClrLst/>
+    <dgm:txLinClrLst/>
+    <dgm:txFillClrLst/>
+    <dgm:txEffectClrLst/>
+  </dgm:styleLbl>
+  <dgm:styleLbl name="vennNode1">
+    <dgm:fillClrLst>
+      <a:schemeClr val="accent4">
+        <a:alpha val="50000"/>
+      </a:schemeClr>
+      <a:schemeClr val="accent5">
+        <a:alpha val="50000"/>
+      </a:schemeClr>
+    </dgm:fillClrLst>
+    <dgm:linClrLst meth="repeat">
+      <a:schemeClr val="lt1"/>
+    </dgm:linClrLst>
+    <dgm:effectClrLst/>
+    <dgm:txLinClrLst/>
+    <dgm:txFillClrLst/>
+    <dgm:txEffectClrLst/>
+  </dgm:styleLbl>
+  <dgm:styleLbl name="node2">
+    <dgm:fillClrLst>
+      <a:schemeClr val="accent5"/>
+    </dgm:fillClrLst>
+    <dgm:linClrLst meth="repeat">
+      <a:schemeClr val="lt1"/>
+    </dgm:linClrLst>
+    <dgm:effectClrLst/>
+    <dgm:txLinClrLst/>
+    <dgm:txFillClrLst/>
+    <dgm:txEffectClrLst/>
+  </dgm:styleLbl>
+  <dgm:styleLbl name="node3">
+    <dgm:fillClrLst>
+      <a:schemeClr val="accent6"/>
+    </dgm:fillClrLst>
+    <dgm:linClrLst meth="repeat">
+      <a:schemeClr val="lt1"/>
+    </dgm:linClrLst>
+    <dgm:effectClrLst/>
+    <dgm:txLinClrLst/>
+    <dgm:txFillClrLst/>
+    <dgm:txEffectClrLst/>
+  </dgm:styleLbl>
+  <dgm:styleLbl name="node4">
+    <dgm:fillClrLst>
+      <a:schemeClr val="accent1"/>
+    </dgm:fillClrLst>
+    <dgm:linClrLst meth="repeat">
+      <a:schemeClr val="lt1"/>
+    </dgm:linClrLst>
+    <dgm:effectClrLst/>
+    <dgm:txLinClrLst/>
+    <dgm:txFillClrLst/>
+    <dgm:txEffectClrLst/>
+  </dgm:styleLbl>
+  <dgm:styleLbl name="fgImgPlace1">
+    <dgm:fillClrLst>
+      <a:schemeClr val="accent4">
+        <a:tint val="50000"/>
+      </a:schemeClr>
+      <a:schemeClr val="accent5">
+        <a:tint val="50000"/>
+      </a:schemeClr>
+    </dgm:fillClrLst>
+    <dgm:linClrLst meth="repeat">
+      <a:schemeClr val="lt1"/>
+    </dgm:linClrLst>
+    <dgm:effectClrLst/>
+    <dgm:txLinClrLst/>
+    <dgm:txFillClrLst meth="repeat">
+      <a:schemeClr val="lt1"/>
+    </dgm:txFillClrLst>
+    <dgm:txEffectClrLst/>
+  </dgm:styleLbl>
+  <dgm:styleLbl name="alignImgPlace1">
+    <dgm:fillClrLst>
+      <a:schemeClr val="accent4">
+        <a:tint val="50000"/>
+      </a:schemeClr>
+      <a:schemeClr val="accent5">
+        <a:tint val="20000"/>
+      </a:schemeClr>
+    </dgm:fillClrLst>
+    <dgm:linClrLst meth="repeat">
+      <a:schemeClr val="lt1"/>
+    </dgm:linClrLst>
+    <dgm:effectClrLst/>
+    <dgm:txLinClrLst/>
+    <dgm:txFillClrLst meth="repeat">
+      <a:schemeClr val="lt1"/>
+    </dgm:txFillClrLst>
+    <dgm:txEffectClrLst/>
+  </dgm:styleLbl>
+  <dgm:styleLbl name="bgImgPlace1">
+    <dgm:fillClrLst>
+      <a:schemeClr val="accent4">
+        <a:tint val="50000"/>
+      </a:schemeClr>
+      <a:schemeClr val="accent5">
+        <a:tint val="20000"/>
+      </a:schemeClr>
+    </dgm:fillClrLst>
+    <dgm:linClrLst meth="repeat">
+      <a:schemeClr val="lt1"/>
+    </dgm:linClrLst>
+    <dgm:effectClrLst/>
+    <dgm:txLinClrLst/>
+    <dgm:txFillClrLst meth="repeat">
+      <a:schemeClr val="lt1"/>
+    </dgm:txFillClrLst>
+    <dgm:txEffectClrLst/>
+  </dgm:styleLbl>
+  <dgm:styleLbl name="sibTrans2D1">
+    <dgm:fillClrLst>
+      <a:schemeClr val="accent4"/>
+      <a:schemeClr val="accent5"/>
+    </dgm:fillClrLst>
+    <dgm:linClrLst meth="repeat">
+      <a:schemeClr val="lt1"/>
+    </dgm:linClrLst>
+    <dgm:effectClrLst/>
+    <dgm:txLinClrLst/>
+    <dgm:txFillClrLst/>
+    <dgm:txEffectClrLst/>
+  </dgm:styleLbl>
+  <dgm:styleLbl name="fgSibTrans2D1">
+    <dgm:fillClrLst>
+      <a:schemeClr val="accent4"/>
+      <a:schemeClr val="accent5"/>
+    </dgm:fillClrLst>
+    <dgm:linClrLst meth="repeat">
+      <a:schemeClr val="lt1"/>
+    </dgm:linClrLst>
+    <dgm:effectClrLst/>
+    <dgm:txLinClrLst/>
+    <dgm:txFillClrLst meth="repeat">
+      <a:schemeClr val="lt1"/>
+    </dgm:txFillClrLst>
+    <dgm:txEffectClrLst/>
+  </dgm:styleLbl>
+  <dgm:styleLbl name="bgSibTrans2D1">
+    <dgm:fillClrLst>
+      <a:schemeClr val="accent4"/>
+      <a:schemeClr val="accent5"/>
+    </dgm:fillClrLst>
+    <dgm:linClrLst meth="repeat">
+      <a:schemeClr val="lt1"/>
+    </dgm:linClrLst>
+    <dgm:effectClrLst/>
+    <dgm:txLinClrLst/>
+    <dgm:txFillClrLst meth="repeat">
+      <a:schemeClr val="lt1"/>
+    </dgm:txFillClrLst>
+    <dgm:txEffectClrLst/>
+  </dgm:styleLbl>
+  <dgm:styleLbl name="sibTrans1D1">
+    <dgm:fillClrLst/>
+    <dgm:linClrLst>
+      <a:schemeClr val="accent4"/>
+      <a:schemeClr val="accent5"/>
+    </dgm:linClrLst>
+    <dgm:effectClrLst/>
+    <dgm:txLinClrLst/>
+    <dgm:txFillClrLst meth="repeat">
+      <a:schemeClr val="tx1"/>
+    </dgm:txFillClrLst>
+    <dgm:txEffectClrLst/>
+  </dgm:styleLbl>
+  <dgm:styleLbl name="callout">
+    <dgm:fillClrLst meth="repeat">
+      <a:schemeClr val="accent4"/>
+    </dgm:fillClrLst>
+    <dgm:linClrLst meth="repeat">
+      <a:schemeClr val="accent4">
+        <a:tint val="50000"/>
+      </a:schemeClr>
+    </dgm:linClrLst>
+    <dgm:effectClrLst/>
+    <dgm:txLinClrLst/>
+    <dgm:txFillClrLst meth="repeat">
+      <a:schemeClr val="tx1"/>
+    </dgm:txFillClrLst>
+    <dgm:txEffectClrLst/>
+  </dgm:styleLbl>
+  <dgm:styleLbl name="asst0">
+    <dgm:fillClrLst meth="repeat">
+      <a:schemeClr val="accent4"/>
+    </dgm:fillClrLst>
+    <dgm:linClrLst meth="repeat">
+      <a:schemeClr val="lt1">
+        <a:shade val="80000"/>
+      </a:schemeClr>
+    </dgm:linClrLst>
+    <dgm:effectClrLst/>
+    <dgm:txLinClrLst/>
+    <dgm:txFillClrLst/>
+    <dgm:txEffectClrLst/>
+  </dgm:styleLbl>
+  <dgm:styleLbl name="asst1">
+    <dgm:fillClrLst meth="repeat">
+      <a:schemeClr val="accent5"/>
+    </dgm:fillClrLst>
+    <dgm:linClrLst meth="repeat">
+      <a:schemeClr val="lt1">
+        <a:shade val="80000"/>
+      </a:schemeClr>
+    </dgm:linClrLst>
+    <dgm:effectClrLst/>
+    <dgm:txLinClrLst/>
+    <dgm:txFillClrLst/>
+    <dgm:txEffectClrLst/>
+  </dgm:styleLbl>
+  <dgm:styleLbl name="asst2">
+    <dgm:fillClrLst>
+      <a:schemeClr val="accent6"/>
+    </dgm:fillClrLst>
+    <dgm:linClrLst meth="repeat">
+      <a:schemeClr val="lt1"/>
+    </dgm:linClrLst>
+    <dgm:effectClrLst/>
+    <dgm:txLinClrLst/>
+    <dgm:txFillClrLst/>
+    <dgm:txEffectClrLst/>
+  </dgm:styleLbl>
+  <dgm:styleLbl name="asst3">
+    <dgm:fillClrLst>
+      <a:schemeClr val="accent1"/>
+    </dgm:fillClrLst>
+    <dgm:linClrLst meth="repeat">
+      <a:schemeClr val="lt1"/>
+    </dgm:linClrLst>
+    <dgm:effectClrLst/>
+    <dgm:txLinClrLst/>
+    <dgm:txFillClrLst/>
+    <dgm:txEffectClrLst/>
+  </dgm:styleLbl>
+  <dgm:styleLbl name="asst4">
+    <dgm:fillClrLst>
+      <a:schemeClr val="accent2"/>
+    </dgm:fillClrLst>
+    <dgm:linClrLst meth="repeat">
+      <a:schemeClr val="lt1"/>
+    </dgm:linClrLst>
+    <dgm:effectClrLst/>
+    <dgm:txLinClrLst/>
+    <dgm:txFillClrLst/>
+    <dgm:txEffectClrLst/>
+  </dgm:styleLbl>
+  <dgm:styleLbl name="parChTrans2D1">
+    <dgm:fillClrLst meth="repeat">
+      <a:schemeClr val="accent4"/>
+    </dgm:fillClrLst>
+    <dgm:linClrLst meth="repeat">
+      <a:schemeClr val="lt1"/>
+    </dgm:linClrLst>
+    <dgm:effectClrLst/>
+    <dgm:txLinClrLst/>
+    <dgm:txFillClrLst meth="repeat">
+      <a:schemeClr val="lt1"/>
+    </dgm:txFillClrLst>
+    <dgm:txEffectClrLst/>
+  </dgm:styleLbl>
+  <dgm:styleLbl name="parChTrans2D2">
+    <dgm:fillClrLst meth="repeat">
+      <a:schemeClr val="accent5"/>
+    </dgm:fillClrLst>
+    <dgm:linClrLst meth="repeat">
+      <a:schemeClr val="lt1"/>
+    </dgm:linClrLst>
+    <dgm:effectClrLst/>
+    <dgm:txLinClrLst/>
+    <dgm:txFillClrLst/>
+    <dgm:txEffectClrLst/>
+  </dgm:styleLbl>
+  <dgm:styleLbl name="parChTrans2D3">
+    <dgm:fillClrLst meth="repeat">
+      <a:schemeClr val="accent5"/>
+    </dgm:fillClrLst>
+    <dgm:linClrLst meth="repeat">
+      <a:schemeClr val="lt1"/>
+    </dgm:linClrLst>
+    <dgm:effectClrLst/>
+    <dgm:txLinClrLst/>
+    <dgm:txFillClrLst/>
+    <dgm:txEffectClrLst/>
+  </dgm:styleLbl>
+  <dgm:styleLbl name="parChTrans2D4">
+    <dgm:fillClrLst meth="repeat">
+      <a:schemeClr val="accent6"/>
+    </dgm:fillClrLst>
+    <dgm:linClrLst meth="repeat">
+      <a:schemeClr val="lt1"/>
+    </dgm:linClrLst>
+    <dgm:effectClrLst/>
+    <dgm:txLinClrLst/>
+    <dgm:txFillClrLst meth="repeat">
+      <a:schemeClr val="lt1"/>
+    </dgm:txFillClrLst>
+    <dgm:txEffectClrLst/>
+  </dgm:styleLbl>
+  <dgm:styleLbl name="parChTrans1D1">
+    <dgm:fillClrLst meth="repeat">
+      <a:schemeClr val="accent4"/>
+    </dgm:fillClrLst>
+    <dgm:linClrLst meth="repeat">
+      <a:schemeClr val="accent4"/>
+    </dgm:linClrLst>
+    <dgm:effectClrLst/>
+    <dgm:txLinClrLst/>
+    <dgm:txFillClrLst meth="repeat">
+      <a:schemeClr val="tx1"/>
+    </dgm:txFillClrLst>
+    <dgm:txEffectClrLst/>
+  </dgm:styleLbl>
+  <dgm:styleLbl name="parChTrans1D2">
+    <dgm:fillClrLst meth="repeat">
+      <a:schemeClr val="accent4">
+        <a:tint val="90000"/>
+      </a:schemeClr>
+    </dgm:fillClrLst>
+    <dgm:linClrLst meth="repeat">
+      <a:schemeClr val="accent5"/>
+    </dgm:linClrLst>
+    <dgm:effectClrLst/>
+    <dgm:txLinClrLst/>
+    <dgm:txFillClrLst meth="repeat">
+      <a:schemeClr val="tx1"/>
+    </dgm:txFillClrLst>
+    <dgm:txEffectClrLst/>
+  </dgm:styleLbl>
+  <dgm:styleLbl name="parChTrans1D3">
+    <dgm:fillClrLst meth="repeat">
+      <a:schemeClr val="accent4">
+        <a:tint val="70000"/>
+      </a:schemeClr>
+    </dgm:fillClrLst>
+    <dgm:linClrLst meth="repeat">
+      <a:schemeClr val="accent6"/>
+    </dgm:linClrLst>
+    <dgm:effectClrLst/>
+    <dgm:txLinClrLst/>
+    <dgm:txFillClrLst meth="repeat">
+      <a:schemeClr val="tx1"/>
+    </dgm:txFillClrLst>
+    <dgm:txEffectClrLst/>
+  </dgm:styleLbl>
+  <dgm:styleLbl name="parChTrans1D4">
+    <dgm:fillClrLst meth="repeat">
+      <a:schemeClr val="accent4">
+        <a:tint val="50000"/>
+      </a:schemeClr>
+    </dgm:fillClrLst>
+    <dgm:linClrLst meth="repeat">
+      <a:schemeClr val="accent1"/>
+    </dgm:linClrLst>
+    <dgm:effectClrLst/>
+    <dgm:txLinClrLst/>
+    <dgm:txFillClrLst meth="repeat">
+      <a:schemeClr val="tx1"/>
+    </dgm:txFillClrLst>
+    <dgm:txEffectClrLst/>
+  </dgm:styleLbl>
+  <dgm:styleLbl name="fgAcc1">
+    <dgm:fillClrLst meth="repeat">
+      <a:schemeClr val="lt1">
+        <a:alpha val="90000"/>
+      </a:schemeClr>
+    </dgm:fillClrLst>
+    <dgm:linClrLst>
+      <a:schemeClr val="accent4"/>
+      <a:schemeClr val="accent5"/>
+    </dgm:linClrLst>
+    <dgm:effectClrLst/>
+    <dgm:txLinClrLst/>
+    <dgm:txFillClrLst meth="repeat">
+      <a:schemeClr val="dk1"/>
+    </dgm:txFillClrLst>
+    <dgm:txEffectClrLst/>
+  </dgm:styleLbl>
+  <dgm:styleLbl name="conFgAcc1">
+    <dgm:fillClrLst meth="repeat">
+      <a:schemeClr val="lt1">
+        <a:alpha val="90000"/>
+      </a:schemeClr>
+    </dgm:fillClrLst>
+    <dgm:linClrLst>
+      <a:schemeClr val="accent4"/>
+      <a:schemeClr val="accent5"/>
+    </dgm:linClrLst>
+    <dgm:effectClrLst/>
+    <dgm:txLinClrLst/>
+    <dgm:txFillClrLst meth="repeat">
+      <a:schemeClr val="dk1"/>
+    </dgm:txFillClrLst>
+    <dgm:txEffectClrLst/>
+  </dgm:styleLbl>
+  <dgm:styleLbl name="alignAcc1">
+    <dgm:fillClrLst meth="repeat">
+      <a:schemeClr val="lt1">
+        <a:alpha val="90000"/>
+      </a:schemeClr>
+    </dgm:fillClrLst>
+    <dgm:linClrLst>
+      <a:schemeClr val="accent4"/>
+      <a:schemeClr val="accent5"/>
+    </dgm:linClrLst>
+    <dgm:effectClrLst/>
+    <dgm:txLinClrLst/>
+    <dgm:txFillClrLst meth="repeat">
+      <a:schemeClr val="dk1"/>
+    </dgm:txFillClrLst>
+    <dgm:txEffectClrLst/>
+  </dgm:styleLbl>
+  <dgm:styleLbl name="trAlignAcc1">
+    <dgm:fillClrLst meth="repeat">
+      <a:schemeClr val="lt1">
+        <a:alpha val="40000"/>
+      </a:schemeClr>
+    </dgm:fillClrLst>
+    <dgm:linClrLst meth="repeat">
+      <a:schemeClr val="accent4"/>
+    </dgm:linClrLst>
+    <dgm:effectClrLst/>
+    <dgm:txLinClrLst/>
+    <dgm:txFillClrLst meth="repeat">
+      <a:schemeClr val="dk1"/>
+    </dgm:txFillClrLst>
+    <dgm:txEffectClrLst/>
+  </dgm:styleLbl>
+  <dgm:styleLbl name="bgAcc1">
+    <dgm:fillClrLst meth="repeat">
+      <a:schemeClr val="lt1">
+        <a:alpha val="90000"/>
+      </a:schemeClr>
+    </dgm:fillClrLst>
+    <dgm:linClrLst>
+      <a:schemeClr val="accent4"/>
+      <a:schemeClr val="accent5"/>
+    </dgm:linClrLst>
+    <dgm:effectClrLst/>
+    <dgm:txLinClrLst/>
+    <dgm:txFillClrLst meth="repeat">
+      <a:schemeClr val="dk1"/>
+    </dgm:txFillClrLst>
+    <dgm:txEffectClrLst/>
+  </dgm:styleLbl>
+  <dgm:styleLbl name="solidFgAcc1">
+    <dgm:fillClrLst meth="repeat">
+      <a:schemeClr val="lt1"/>
+    </dgm:fillClrLst>
+    <dgm:linClrLst>
+      <a:schemeClr val="accent4"/>
+      <a:schemeClr val="accent5"/>
+    </dgm:linClrLst>
+    <dgm:effectClrLst/>
+    <dgm:txLinClrLst/>
+    <dgm:txFillClrLst meth="repeat">
+      <a:schemeClr val="dk1"/>
+    </dgm:txFillClrLst>
+    <dgm:txEffectClrLst/>
+  </dgm:styleLbl>
+  <dgm:styleLbl name="solidAlignAcc1">
+    <dgm:fillClrLst meth="repeat">
+      <a:schemeClr val="lt1"/>
+    </dgm:fillClrLst>
+    <dgm:linClrLst>
+      <a:schemeClr val="accent4"/>
+      <a:schemeClr val="accent5"/>
+    </dgm:linClrLst>
+    <dgm:effectClrLst/>
+    <dgm:txLinClrLst/>
+    <dgm:txFillClrLst meth="repeat">
+      <a:schemeClr val="dk1"/>
+    </dgm:txFillClrLst>
+    <dgm:txEffectClrLst/>
+  </dgm:styleLbl>
+  <dgm:styleLbl name="solidBgAcc1">
+    <dgm:fillClrLst meth="repeat">
+      <a:schemeClr val="lt1"/>
+    </dgm:fillClrLst>
+    <dgm:linClrLst>
+      <a:schemeClr val="accent4"/>
+      <a:schemeClr val="accent5"/>
+    </dgm:linClrLst>
+    <dgm:effectClrLst/>
+    <dgm:txLinClrLst/>
+    <dgm:txFillClrLst meth="repeat">
+      <a:schemeClr val="dk1"/>
+    </dgm:txFillClrLst>
+    <dgm:txEffectClrLst/>
+  </dgm:styleLbl>
+  <dgm:styleLbl name="fgAccFollowNode1">
+    <dgm:fillClrLst>
+      <a:schemeClr val="accent4">
+        <a:tint val="40000"/>
+        <a:alpha val="90000"/>
+      </a:schemeClr>
+      <a:schemeClr val="accent5">
+        <a:tint val="40000"/>
+        <a:alpha val="90000"/>
+      </a:schemeClr>
+    </dgm:fillClrLst>
+    <dgm:linClrLst>
+      <a:schemeClr val="accent4">
+        <a:tint val="40000"/>
+        <a:alpha val="90000"/>
+      </a:schemeClr>
+      <a:schemeClr val="accent5">
+        <a:tint val="40000"/>
+        <a:alpha val="90000"/>
+      </a:schemeClr>
+    </dgm:linClrLst>
+    <dgm:effectClrLst/>
+    <dgm:txLinClrLst/>
+    <dgm:txFillClrLst meth="repeat">
+      <a:schemeClr val="dk1"/>
+    </dgm:txFillClrLst>
+    <dgm:txEffectClrLst/>
+  </dgm:styleLbl>
+  <dgm:styleLbl name="alignAccFollowNode1">
+    <dgm:fillClrLst>
+      <a:schemeClr val="accent4">
+        <a:tint val="40000"/>
+        <a:alpha val="90000"/>
+      </a:schemeClr>
+      <a:schemeClr val="accent5">
+        <a:tint val="40000"/>
+        <a:alpha val="90000"/>
+      </a:schemeClr>
+    </dgm:fillClrLst>
+    <dgm:linClrLst>
+      <a:schemeClr val="accent4">
+        <a:tint val="40000"/>
+        <a:alpha val="90000"/>
+      </a:schemeClr>
+      <a:schemeClr val="accent5">
+        <a:tint val="40000"/>
+        <a:alpha val="90000"/>
+      </a:schemeClr>
+    </dgm:linClrLst>
+    <dgm:effectClrLst/>
+    <dgm:txLinClrLst/>
+    <dgm:txFillClrLst meth="repeat">
+      <a:schemeClr val="dk1"/>
+    </dgm:txFillClrLst>
+    <dgm:txEffectClrLst/>
+  </dgm:styleLbl>
+  <dgm:styleLbl name="bgAccFollowNode1">
+    <dgm:fillClrLst>
+      <a:schemeClr val="accent4">
+        <a:tint val="40000"/>
+        <a:alpha val="90000"/>
+      </a:schemeClr>
+      <a:schemeClr val="accent5">
+        <a:tint val="40000"/>
+        <a:alpha val="90000"/>
+      </a:schemeClr>
+    </dgm:fillClrLst>
+    <dgm:linClrLst>
+      <a:schemeClr val="accent4">
+        <a:tint val="40000"/>
+        <a:alpha val="90000"/>
+      </a:schemeClr>
+      <a:schemeClr val="accent5">
+        <a:tint val="40000"/>
+        <a:alpha val="90000"/>
+      </a:schemeClr>
+    </dgm:linClrLst>
+    <dgm:effectClrLst/>
+    <dgm:txLinClrLst/>
+    <dgm:txFillClrLst meth="repeat">
+      <a:schemeClr val="dk1"/>
+    </dgm:txFillClrLst>
+    <dgm:txEffectClrLst/>
+  </dgm:styleLbl>
+  <dgm:styleLbl name="fgAcc0">
+    <dgm:fillClrLst meth="repeat">
+      <a:schemeClr val="lt1">
+        <a:alpha val="90000"/>
+      </a:schemeClr>
+    </dgm:fillClrLst>
+    <dgm:linClrLst>
+      <a:schemeClr val="accent3"/>
+    </dgm:linClrLst>
+    <dgm:effectClrLst/>
+    <dgm:txLinClrLst/>
+    <dgm:txFillClrLst meth="repeat">
+      <a:schemeClr val="dk1"/>
+    </dgm:txFillClrLst>
+    <dgm:txEffectClrLst/>
+  </dgm:styleLbl>
+  <dgm:styleLbl name="fgAcc2">
+    <dgm:fillClrLst meth="repeat">
+      <a:schemeClr val="lt1">
+        <a:alpha val="90000"/>
+      </a:schemeClr>
+    </dgm:fillClrLst>
+    <dgm:linClrLst>
+      <a:schemeClr val="accent5"/>
+    </dgm:linClrLst>
+    <dgm:effectClrLst/>
+    <dgm:txLinClrLst/>
+    <dgm:txFillClrLst meth="repeat">
+      <a:schemeClr val="dk1"/>
+    </dgm:txFillClrLst>
+    <dgm:txEffectClrLst/>
+  </dgm:styleLbl>
+  <dgm:styleLbl name="fgAcc3">
+    <dgm:fillClrLst meth="repeat">
+      <a:schemeClr val="lt1">
+        <a:alpha val="90000"/>
+      </a:schemeClr>
+    </dgm:fillClrLst>
+    <dgm:linClrLst>
+      <a:schemeClr val="accent6"/>
+    </dgm:linClrLst>
+    <dgm:effectClrLst/>
+    <dgm:txLinClrLst/>
+    <dgm:txFillClrLst meth="repeat">
+      <a:schemeClr val="dk1"/>
+    </dgm:txFillClrLst>
+    <dgm:txEffectClrLst/>
+  </dgm:styleLbl>
+  <dgm:styleLbl name="fgAcc4">
+    <dgm:fillClrLst meth="repeat">
+      <a:schemeClr val="lt1">
+        <a:alpha val="90000"/>
+      </a:schemeClr>
+    </dgm:fillClrLst>
+    <dgm:linClrLst>
+      <a:schemeClr val="accent1"/>
+    </dgm:linClrLst>
+    <dgm:effectClrLst/>
+    <dgm:txLinClrLst/>
+    <dgm:txFillClrLst meth="repeat">
+      <a:schemeClr val="dk1"/>
+    </dgm:txFillClrLst>
+    <dgm:txEffectClrLst/>
+  </dgm:styleLbl>
+  <dgm:styleLbl name="bgShp">
+    <dgm:fillClrLst meth="repeat">
+      <a:schemeClr val="accent4">
+        <a:tint val="40000"/>
+      </a:schemeClr>
+    </dgm:fillClrLst>
+    <dgm:linClrLst meth="repeat">
+      <a:schemeClr val="dk1"/>
+    </dgm:linClrLst>
+    <dgm:effectClrLst/>
+    <dgm:txLinClrLst/>
+    <dgm:txFillClrLst meth="repeat">
+      <a:schemeClr val="dk1"/>
+    </dgm:txFillClrLst>
+    <dgm:txEffectClrLst/>
+  </dgm:styleLbl>
+  <dgm:styleLbl name="dkBgShp">
+    <dgm:fillClrLst meth="repeat">
+      <a:schemeClr val="accent4">
+        <a:shade val="90000"/>
+      </a:schemeClr>
+    </dgm:fillClrLst>
+    <dgm:linClrLst meth="repeat">
+      <a:schemeClr val="dk1"/>
+    </dgm:linClrLst>
+    <dgm:effectClrLst/>
+    <dgm:txLinClrLst/>
+    <dgm:txFillClrLst meth="repeat">
+      <a:schemeClr val="lt1"/>
+    </dgm:txFillClrLst>
+    <dgm:txEffectClrLst/>
+  </dgm:styleLbl>
+  <dgm:styleLbl name="trBgShp">
+    <dgm:fillClrLst meth="repeat">
+      <a:schemeClr val="accent4">
+        <a:tint val="50000"/>
+        <a:alpha val="40000"/>
+      </a:schemeClr>
+    </dgm:fillClrLst>
+    <dgm:linClrLst meth="repeat">
+      <a:schemeClr val="accent4"/>
+    </dgm:linClrLst>
+    <dgm:effectClrLst/>
+    <dgm:txLinClrLst/>
+    <dgm:txFillClrLst meth="repeat">
+      <a:schemeClr val="lt1"/>
+    </dgm:txFillClrLst>
+    <dgm:txEffectClrLst/>
+  </dgm:styleLbl>
+  <dgm:styleLbl name="fgShp">
+    <dgm:fillClrLst meth="repeat">
+      <a:schemeClr val="accent4">
+        <a:tint val="40000"/>
+      </a:schemeClr>
+    </dgm:fillClrLst>
+    <dgm:linClrLst meth="repeat">
+      <a:schemeClr val="lt1"/>
+    </dgm:linClrLst>
+    <dgm:effectClrLst/>
+    <dgm:txLinClrLst/>
+    <dgm:txFillClrLst meth="repeat">
+      <a:schemeClr val="dk1"/>
+    </dgm:txFillClrLst>
+    <dgm:txEffectClrLst/>
+  </dgm:styleLbl>
+  <dgm:styleLbl name="revTx">
+    <dgm:fillClrLst meth="repeat">
+      <a:schemeClr val="lt1">
+        <a:alpha val="0"/>
+      </a:schemeClr>
+    </dgm:fillClrLst>
+    <dgm:linClrLst meth="repeat">
+      <a:schemeClr val="dk1">
+        <a:alpha val="0"/>
+      </a:schemeClr>
+    </dgm:linClrLst>
+    <dgm:effectClrLst/>
+    <dgm:txLinClrLst/>
+    <dgm:txFillClrLst meth="repeat">
+      <a:schemeClr val="tx1"/>
+    </dgm:txFillClrLst>
+    <dgm:txEffectClrLst/>
+  </dgm:styleLbl>
+</dgm:colorsDef>
+</file>
+
+<file path=ppt/diagrams/data1.xml><?xml version="1.0" encoding="utf-8"?>
+<dgm:dataModel xmlns:dgm="http://schemas.openxmlformats.org/drawingml/2006/diagram" xmlns:a="http://schemas.openxmlformats.org/drawingml/2006/main">
+  <dgm:ptLst>
+    <dgm:pt modelId="{9EEDDD01-3A3A-364A-B25C-93C97B36822F}" type="doc">
+      <dgm:prSet loTypeId="urn:microsoft.com/office/officeart/2005/8/layout/venn1" loCatId="" qsTypeId="urn:microsoft.com/office/officeart/2005/8/quickstyle/simple1" qsCatId="simple" csTypeId="urn:microsoft.com/office/officeart/2005/8/colors/colorful4" csCatId="colorful" phldr="1"/>
+      <dgm:spPr/>
+    </dgm:pt>
+    <dgm:pt modelId="{B6B676CA-3173-F84A-B5B7-321AD471F943}">
+      <dgm:prSet phldrT="[Text]" custT="1"/>
+      <dgm:spPr>
+        <a:solidFill>
+          <a:srgbClr val="92D050">
+            <a:alpha val="50000"/>
+          </a:srgbClr>
+        </a:solidFill>
+      </dgm:spPr>
+      <dgm:t>
+        <a:bodyPr/>
+        <a:lstStyle/>
+        <a:p>
+          <a:r>
+            <a:rPr lang="en-DE" sz="2000" b="1" i="0" dirty="0">
+              <a:latin typeface="Microsoft YaHei UI" panose="020B0503020204020204" pitchFamily="34" charset="-122"/>
+              <a:ea typeface="Microsoft YaHei UI" panose="020B0503020204020204" pitchFamily="34" charset="-122"/>
+            </a:rPr>
+            <a:t>2.009.677</a:t>
+          </a:r>
+          <a:endParaRPr lang="en-GB" sz="2400" b="1" i="0" dirty="0">
+            <a:latin typeface="Microsoft YaHei UI" panose="020B0503020204020204" pitchFamily="34" charset="-122"/>
+            <a:ea typeface="Microsoft YaHei UI" panose="020B0503020204020204" pitchFamily="34" charset="-122"/>
+          </a:endParaRPr>
+        </a:p>
+      </dgm:t>
+    </dgm:pt>
+    <dgm:pt modelId="{9D39045A-0D1E-724E-A9D1-088D05158CFB}" type="parTrans" cxnId="{5A16D8A4-2E91-2442-8892-5A0BC4EDFB60}">
+      <dgm:prSet/>
+      <dgm:spPr/>
+      <dgm:t>
+        <a:bodyPr/>
+        <a:lstStyle/>
+        <a:p>
+          <a:endParaRPr lang="en-GB"/>
+        </a:p>
+      </dgm:t>
+    </dgm:pt>
+    <dgm:pt modelId="{F4EC1083-30B0-1742-95C8-12FDCD644C50}" type="sibTrans" cxnId="{5A16D8A4-2E91-2442-8892-5A0BC4EDFB60}">
+      <dgm:prSet/>
+      <dgm:spPr/>
+      <dgm:t>
+        <a:bodyPr/>
+        <a:lstStyle/>
+        <a:p>
+          <a:endParaRPr lang="en-GB"/>
+        </a:p>
+      </dgm:t>
+    </dgm:pt>
+    <dgm:pt modelId="{7E4FFF5B-83A4-574B-8B53-B67E63DF91FA}">
+      <dgm:prSet phldrT="[Text]" custT="1"/>
+      <dgm:spPr>
+        <a:solidFill>
+          <a:srgbClr val="00B050">
+            <a:alpha val="50000"/>
+          </a:srgbClr>
+        </a:solidFill>
+      </dgm:spPr>
+      <dgm:t>
+        <a:bodyPr/>
+        <a:lstStyle/>
+        <a:p>
+          <a:r>
+            <a:rPr lang="en-DE" sz="2000" b="1" i="0" dirty="0">
+              <a:latin typeface="Microsoft YaHei UI" panose="020B0503020204020204" pitchFamily="34" charset="-122"/>
+              <a:ea typeface="Microsoft YaHei UI" panose="020B0503020204020204" pitchFamily="34" charset="-122"/>
+            </a:rPr>
+            <a:t>842.686</a:t>
+          </a:r>
+          <a:endParaRPr lang="en-GB" sz="2000" b="1" i="0" dirty="0">
+            <a:latin typeface="Microsoft YaHei UI" panose="020B0503020204020204" pitchFamily="34" charset="-122"/>
+            <a:ea typeface="Microsoft YaHei UI" panose="020B0503020204020204" pitchFamily="34" charset="-122"/>
+          </a:endParaRPr>
+        </a:p>
+      </dgm:t>
+    </dgm:pt>
+    <dgm:pt modelId="{368AF71C-6CBC-CB4D-ADC4-3F33B65FDCCC}" type="parTrans" cxnId="{57A43F4E-4BBF-0C47-BCB2-B48C0C37CB78}">
+      <dgm:prSet/>
+      <dgm:spPr/>
+      <dgm:t>
+        <a:bodyPr/>
+        <a:lstStyle/>
+        <a:p>
+          <a:endParaRPr lang="en-GB"/>
+        </a:p>
+      </dgm:t>
+    </dgm:pt>
+    <dgm:pt modelId="{BAA1DA63-09CF-EF45-831B-1974F45EADBA}" type="sibTrans" cxnId="{57A43F4E-4BBF-0C47-BCB2-B48C0C37CB78}">
+      <dgm:prSet/>
+      <dgm:spPr/>
+      <dgm:t>
+        <a:bodyPr/>
+        <a:lstStyle/>
+        <a:p>
+          <a:endParaRPr lang="en-GB"/>
+        </a:p>
+      </dgm:t>
+    </dgm:pt>
+    <dgm:pt modelId="{E82D838E-DFA3-E643-8C99-62FDB6714999}" type="pres">
+      <dgm:prSet presAssocID="{9EEDDD01-3A3A-364A-B25C-93C97B36822F}" presName="compositeShape" presStyleCnt="0">
+        <dgm:presLayoutVars>
+          <dgm:chMax val="7"/>
+          <dgm:dir/>
+          <dgm:resizeHandles val="exact"/>
+        </dgm:presLayoutVars>
+      </dgm:prSet>
+      <dgm:spPr/>
+    </dgm:pt>
+    <dgm:pt modelId="{9E1FBEDD-CF24-B848-BF2F-C108BF5188A2}" type="pres">
+      <dgm:prSet presAssocID="{B6B676CA-3173-F84A-B5B7-321AD471F943}" presName="circ1" presStyleLbl="vennNode1" presStyleIdx="0" presStyleCnt="2" custScaleX="91989" custScaleY="91989" custLinFactNeighborX="-487" custLinFactNeighborY="-3568"/>
+      <dgm:spPr/>
+    </dgm:pt>
+    <dgm:pt modelId="{B99DB8B9-B512-9B4D-A823-02A1C757A3A2}" type="pres">
+      <dgm:prSet presAssocID="{B6B676CA-3173-F84A-B5B7-321AD471F943}" presName="circ1Tx" presStyleLbl="revTx" presStyleIdx="0" presStyleCnt="0">
+        <dgm:presLayoutVars>
+          <dgm:chMax val="0"/>
+          <dgm:chPref val="0"/>
+          <dgm:bulletEnabled val="1"/>
+        </dgm:presLayoutVars>
+      </dgm:prSet>
+      <dgm:spPr/>
+    </dgm:pt>
+    <dgm:pt modelId="{D8C10D8C-DC9A-F646-9143-86FD5BD0F9CE}" type="pres">
+      <dgm:prSet presAssocID="{7E4FFF5B-83A4-574B-8B53-B67E63DF91FA}" presName="circ2" presStyleLbl="vennNode1" presStyleIdx="1" presStyleCnt="2" custScaleX="68992" custScaleY="68992" custLinFactNeighborX="-7139" custLinFactNeighborY="-3686"/>
+      <dgm:spPr/>
+    </dgm:pt>
+    <dgm:pt modelId="{9D6172E9-974B-1842-8840-99FFD6749ABA}" type="pres">
+      <dgm:prSet presAssocID="{7E4FFF5B-83A4-574B-8B53-B67E63DF91FA}" presName="circ2Tx" presStyleLbl="revTx" presStyleIdx="0" presStyleCnt="0">
+        <dgm:presLayoutVars>
+          <dgm:chMax val="0"/>
+          <dgm:chPref val="0"/>
+          <dgm:bulletEnabled val="1"/>
+        </dgm:presLayoutVars>
+      </dgm:prSet>
+      <dgm:spPr/>
+    </dgm:pt>
+  </dgm:ptLst>
+  <dgm:cxnLst>
+    <dgm:cxn modelId="{7FD3F347-71B0-8B4F-BC0B-5855C6CF49E6}" type="presOf" srcId="{9EEDDD01-3A3A-364A-B25C-93C97B36822F}" destId="{E82D838E-DFA3-E643-8C99-62FDB6714999}" srcOrd="0" destOrd="0" presId="urn:microsoft.com/office/officeart/2005/8/layout/venn1"/>
+    <dgm:cxn modelId="{57A43F4E-4BBF-0C47-BCB2-B48C0C37CB78}" srcId="{9EEDDD01-3A3A-364A-B25C-93C97B36822F}" destId="{7E4FFF5B-83A4-574B-8B53-B67E63DF91FA}" srcOrd="1" destOrd="0" parTransId="{368AF71C-6CBC-CB4D-ADC4-3F33B65FDCCC}" sibTransId="{BAA1DA63-09CF-EF45-831B-1974F45EADBA}"/>
+    <dgm:cxn modelId="{1B7B0C56-5E43-CA48-AF08-6C9AE357347F}" type="presOf" srcId="{B6B676CA-3173-F84A-B5B7-321AD471F943}" destId="{9E1FBEDD-CF24-B848-BF2F-C108BF5188A2}" srcOrd="0" destOrd="0" presId="urn:microsoft.com/office/officeart/2005/8/layout/venn1"/>
+    <dgm:cxn modelId="{3426668A-8D16-7C4E-91F6-E33CA3438184}" type="presOf" srcId="{7E4FFF5B-83A4-574B-8B53-B67E63DF91FA}" destId="{D8C10D8C-DC9A-F646-9143-86FD5BD0F9CE}" srcOrd="0" destOrd="0" presId="urn:microsoft.com/office/officeart/2005/8/layout/venn1"/>
+    <dgm:cxn modelId="{5A16D8A4-2E91-2442-8892-5A0BC4EDFB60}" srcId="{9EEDDD01-3A3A-364A-B25C-93C97B36822F}" destId="{B6B676CA-3173-F84A-B5B7-321AD471F943}" srcOrd="0" destOrd="0" parTransId="{9D39045A-0D1E-724E-A9D1-088D05158CFB}" sibTransId="{F4EC1083-30B0-1742-95C8-12FDCD644C50}"/>
+    <dgm:cxn modelId="{D8712CBF-4A3B-4C46-8D0D-3FE5645C9D0C}" type="presOf" srcId="{7E4FFF5B-83A4-574B-8B53-B67E63DF91FA}" destId="{9D6172E9-974B-1842-8840-99FFD6749ABA}" srcOrd="1" destOrd="0" presId="urn:microsoft.com/office/officeart/2005/8/layout/venn1"/>
+    <dgm:cxn modelId="{A6069CC9-FBC0-F344-AD99-8854623870E5}" type="presOf" srcId="{B6B676CA-3173-F84A-B5B7-321AD471F943}" destId="{B99DB8B9-B512-9B4D-A823-02A1C757A3A2}" srcOrd="1" destOrd="0" presId="urn:microsoft.com/office/officeart/2005/8/layout/venn1"/>
+    <dgm:cxn modelId="{91E9FFF6-B2D6-FE40-9BE8-F07975CAE479}" type="presParOf" srcId="{E82D838E-DFA3-E643-8C99-62FDB6714999}" destId="{9E1FBEDD-CF24-B848-BF2F-C108BF5188A2}" srcOrd="0" destOrd="0" presId="urn:microsoft.com/office/officeart/2005/8/layout/venn1"/>
+    <dgm:cxn modelId="{DE544817-D770-584C-ACE8-59E31CD3648F}" type="presParOf" srcId="{E82D838E-DFA3-E643-8C99-62FDB6714999}" destId="{B99DB8B9-B512-9B4D-A823-02A1C757A3A2}" srcOrd="1" destOrd="0" presId="urn:microsoft.com/office/officeart/2005/8/layout/venn1"/>
+    <dgm:cxn modelId="{64E25A75-69DD-9B4F-8D55-992EEABB918F}" type="presParOf" srcId="{E82D838E-DFA3-E643-8C99-62FDB6714999}" destId="{D8C10D8C-DC9A-F646-9143-86FD5BD0F9CE}" srcOrd="2" destOrd="0" presId="urn:microsoft.com/office/officeart/2005/8/layout/venn1"/>
+    <dgm:cxn modelId="{B9A63F89-25C4-3C47-9BBD-2EC6B5091E7A}" type="presParOf" srcId="{E82D838E-DFA3-E643-8C99-62FDB6714999}" destId="{9D6172E9-974B-1842-8840-99FFD6749ABA}" srcOrd="3" destOrd="0" presId="urn:microsoft.com/office/officeart/2005/8/layout/venn1"/>
+  </dgm:cxnLst>
+  <dgm:bg/>
+  <dgm:whole/>
+  <dgm:extLst>
+    <a:ext uri="http://schemas.microsoft.com/office/drawing/2008/diagram">
+      <dsp:dataModelExt xmlns:dsp="http://schemas.microsoft.com/office/drawing/2008/diagram" relId="rId7" minVer="http://schemas.openxmlformats.org/drawingml/2006/diagram"/>
+    </a:ext>
+    <a:ext uri="{C62137D5-CB1D-491B-B009-E17868A290BF}">
+      <dgm14:recolorImg xmlns:dgm14="http://schemas.microsoft.com/office/drawing/2010/diagram" val="1"/>
+    </a:ext>
+  </dgm:extLst>
+</dgm:dataModel>
+</file>
+
+<file path=ppt/diagrams/drawing1.xml><?xml version="1.0" encoding="utf-8"?>
+<dsp:drawing xmlns:dgm="http://schemas.openxmlformats.org/drawingml/2006/diagram" xmlns:dsp="http://schemas.microsoft.com/office/drawing/2008/diagram" xmlns:a="http://schemas.openxmlformats.org/drawingml/2006/main">
+  <dsp:spTree>
+    <dsp:nvGrpSpPr>
+      <dsp:cNvPr id="0" name=""/>
+      <dsp:cNvGrpSpPr/>
+    </dsp:nvGrpSpPr>
+    <dsp:grpSpPr/>
+    <dsp:sp modelId="{9E1FBEDD-CF24-B848-BF2F-C108BF5188A2}">
+      <dsp:nvSpPr>
+        <dsp:cNvPr id="0" name=""/>
+        <dsp:cNvSpPr/>
+      </dsp:nvSpPr>
+      <dsp:spPr>
+        <a:xfrm>
+          <a:off x="417081" y="302874"/>
+          <a:ext cx="2880005" cy="2880005"/>
+        </a:xfrm>
+        <a:prstGeom prst="ellipse">
+          <a:avLst/>
+        </a:prstGeom>
+        <a:solidFill>
+          <a:srgbClr val="92D050">
+            <a:alpha val="50000"/>
+          </a:srgbClr>
+        </a:solidFill>
+        <a:ln w="12700" cap="flat" cmpd="sng" algn="ctr">
+          <a:solidFill>
+            <a:schemeClr val="lt1">
+              <a:hueOff val="0"/>
+              <a:satOff val="0"/>
+              <a:lumOff val="0"/>
+              <a:alphaOff val="0"/>
+            </a:schemeClr>
+          </a:solidFill>
+          <a:prstDash val="solid"/>
+          <a:miter lim="800000"/>
+        </a:ln>
+        <a:effectLst/>
+      </dsp:spPr>
+      <dsp:style>
+        <a:lnRef idx="2">
+          <a:scrgbClr r="0" g="0" b="0"/>
+        </a:lnRef>
+        <a:fillRef idx="1">
+          <a:scrgbClr r="0" g="0" b="0"/>
+        </a:fillRef>
+        <a:effectRef idx="0">
+          <a:scrgbClr r="0" g="0" b="0"/>
+        </a:effectRef>
+        <a:fontRef idx="minor">
+          <a:schemeClr val="tx1"/>
+        </a:fontRef>
+      </dsp:style>
+      <dsp:txBody>
+        <a:bodyPr spcFirstLastPara="0" vert="horz" wrap="square" lIns="0" tIns="0" rIns="0" bIns="0" numCol="1" spcCol="1270" anchor="ctr" anchorCtr="0">
+          <a:noAutofit/>
+        </a:bodyPr>
+        <a:lstStyle/>
+        <a:p>
+          <a:pPr marL="0" lvl="0" indent="0" algn="ctr" defTabSz="889000">
+            <a:lnSpc>
+              <a:spcPct val="90000"/>
+            </a:lnSpc>
+            <a:spcBef>
+              <a:spcPct val="0"/>
+            </a:spcBef>
+            <a:spcAft>
+              <a:spcPct val="35000"/>
+            </a:spcAft>
+            <a:buNone/>
+          </a:pPr>
+          <a:r>
+            <a:rPr lang="en-DE" sz="2000" b="1" i="0" kern="1200" dirty="0">
+              <a:latin typeface="Microsoft YaHei UI" panose="020B0503020204020204" pitchFamily="34" charset="-122"/>
+              <a:ea typeface="Microsoft YaHei UI" panose="020B0503020204020204" pitchFamily="34" charset="-122"/>
+            </a:rPr>
+            <a:t>2.009.677</a:t>
+          </a:r>
+          <a:endParaRPr lang="en-GB" sz="2400" b="1" i="0" kern="1200" dirty="0">
+            <a:latin typeface="Microsoft YaHei UI" panose="020B0503020204020204" pitchFamily="34" charset="-122"/>
+            <a:ea typeface="Microsoft YaHei UI" panose="020B0503020204020204" pitchFamily="34" charset="-122"/>
+          </a:endParaRPr>
+        </a:p>
+      </dsp:txBody>
+      <dsp:txXfrm>
+        <a:off x="819244" y="642488"/>
+        <a:ext cx="1660543" cy="2200776"/>
+      </dsp:txXfrm>
+    </dsp:sp>
+    <dsp:sp modelId="{D8C10D8C-DC9A-F646-9143-86FD5BD0F9CE}">
+      <dsp:nvSpPr>
+        <dsp:cNvPr id="0" name=""/>
+        <dsp:cNvSpPr/>
+      </dsp:nvSpPr>
+      <dsp:spPr>
+        <a:xfrm>
+          <a:off x="2825259" y="659176"/>
+          <a:ext cx="2160012" cy="2160012"/>
+        </a:xfrm>
+        <a:prstGeom prst="ellipse">
+          <a:avLst/>
+        </a:prstGeom>
+        <a:solidFill>
+          <a:srgbClr val="00B050">
+            <a:alpha val="50000"/>
+          </a:srgbClr>
+        </a:solidFill>
+        <a:ln w="12700" cap="flat" cmpd="sng" algn="ctr">
+          <a:solidFill>
+            <a:schemeClr val="lt1">
+              <a:hueOff val="0"/>
+              <a:satOff val="0"/>
+              <a:lumOff val="0"/>
+              <a:alphaOff val="0"/>
+            </a:schemeClr>
+          </a:solidFill>
+          <a:prstDash val="solid"/>
+          <a:miter lim="800000"/>
+        </a:ln>
+        <a:effectLst/>
+      </dsp:spPr>
+      <dsp:style>
+        <a:lnRef idx="2">
+          <a:scrgbClr r="0" g="0" b="0"/>
+        </a:lnRef>
+        <a:fillRef idx="1">
+          <a:scrgbClr r="0" g="0" b="0"/>
+        </a:fillRef>
+        <a:effectRef idx="0">
+          <a:scrgbClr r="0" g="0" b="0"/>
+        </a:effectRef>
+        <a:fontRef idx="minor">
+          <a:schemeClr val="tx1"/>
+        </a:fontRef>
+      </dsp:style>
+      <dsp:txBody>
+        <a:bodyPr spcFirstLastPara="0" vert="horz" wrap="square" lIns="0" tIns="0" rIns="0" bIns="0" numCol="1" spcCol="1270" anchor="ctr" anchorCtr="0">
+          <a:noAutofit/>
+        </a:bodyPr>
+        <a:lstStyle/>
+        <a:p>
+          <a:pPr marL="0" lvl="0" indent="0" algn="ctr" defTabSz="889000">
+            <a:lnSpc>
+              <a:spcPct val="90000"/>
+            </a:lnSpc>
+            <a:spcBef>
+              <a:spcPct val="0"/>
+            </a:spcBef>
+            <a:spcAft>
+              <a:spcPct val="35000"/>
+            </a:spcAft>
+            <a:buNone/>
+          </a:pPr>
+          <a:r>
+            <a:rPr lang="en-DE" sz="2000" b="1" i="0" kern="1200" dirty="0">
+              <a:latin typeface="Microsoft YaHei UI" panose="020B0503020204020204" pitchFamily="34" charset="-122"/>
+              <a:ea typeface="Microsoft YaHei UI" panose="020B0503020204020204" pitchFamily="34" charset="-122"/>
+            </a:rPr>
+            <a:t>842.686</a:t>
+          </a:r>
+          <a:endParaRPr lang="en-GB" sz="2000" b="1" i="0" kern="1200" dirty="0">
+            <a:latin typeface="Microsoft YaHei UI" panose="020B0503020204020204" pitchFamily="34" charset="-122"/>
+            <a:ea typeface="Microsoft YaHei UI" panose="020B0503020204020204" pitchFamily="34" charset="-122"/>
+          </a:endParaRPr>
+        </a:p>
+      </dsp:txBody>
+      <dsp:txXfrm>
+        <a:off x="3438236" y="913888"/>
+        <a:ext cx="1245412" cy="1650588"/>
+      </dsp:txXfrm>
+    </dsp:sp>
+  </dsp:spTree>
+</dsp:drawing>
+</file>
+
+<file path=ppt/diagrams/layout1.xml><?xml version="1.0" encoding="utf-8"?>
+<dgm:layoutDef xmlns:dgm="http://schemas.openxmlformats.org/drawingml/2006/diagram" xmlns:a="http://schemas.openxmlformats.org/drawingml/2006/main" uniqueId="urn:microsoft.com/office/officeart/2005/8/layout/venn1">
+  <dgm:title val=""/>
+  <dgm:desc val=""/>
+  <dgm:catLst>
+    <dgm:cat type="relationship" pri="28000"/>
+    <dgm:cat type="convert" pri="19000"/>
+  </dgm:catLst>
+  <dgm:sampData useDef="1">
+    <dgm:dataModel>
+      <dgm:ptLst/>
+      <dgm:bg/>
+      <dgm:whole/>
+    </dgm:dataModel>
+  </dgm:sampData>
+  <dgm:styleData useDef="1">
+    <dgm:dataModel>
+      <dgm:ptLst/>
+      <dgm:bg/>
+      <dgm:whole/>
+    </dgm:dataModel>
+  </dgm:styleData>
+  <dgm:clrData>
+    <dgm:dataModel>
+      <dgm:ptLst>
+        <dgm:pt modelId="0" type="doc"/>
+        <dgm:pt modelId="1"/>
+        <dgm:pt modelId="2"/>
+        <dgm:pt modelId="3"/>
+        <dgm:pt modelId="4"/>
+      </dgm:ptLst>
+      <dgm:cxnLst>
+        <dgm:cxn modelId="7" srcId="0" destId="1" srcOrd="0" destOrd="0"/>
+        <dgm:cxn modelId="8" srcId="0" destId="2" srcOrd="1" destOrd="0"/>
+        <dgm:cxn modelId="9" srcId="0" destId="3" srcOrd="2" destOrd="0"/>
+        <dgm:cxn modelId="10" srcId="0" destId="4" srcOrd="3" destOrd="0"/>
+      </dgm:cxnLst>
+      <dgm:bg/>
+      <dgm:whole/>
+    </dgm:dataModel>
+  </dgm:clrData>
+  <dgm:layoutNode name="compositeShape">
+    <dgm:varLst>
+      <dgm:chMax val="7"/>
+      <dgm:dir/>
+      <dgm:resizeHandles val="exact"/>
+    </dgm:varLst>
+    <dgm:choose name="Name0">
+      <dgm:if name="Name1" axis="ch" ptType="node" func="cnt" op="equ" val="1">
+        <dgm:alg type="composite">
+          <dgm:param type="ar" val="1"/>
+        </dgm:alg>
+      </dgm:if>
+      <dgm:if name="Name2" axis="ch" ptType="node" func="cnt" op="equ" val="2">
+        <dgm:alg type="composite">
+          <dgm:param type="ar" val="1.792"/>
+        </dgm:alg>
+      </dgm:if>
+      <dgm:if name="Name3" axis="ch" ptType="node" func="cnt" op="equ" val="3">
+        <dgm:alg type="composite">
+          <dgm:param type="ar" val="1"/>
+        </dgm:alg>
+      </dgm:if>
+      <dgm:if name="Name4" axis="ch" ptType="node" func="cnt" op="equ" val="4">
+        <dgm:alg type="composite">
+          <dgm:param type="ar" val="1"/>
+        </dgm:alg>
+      </dgm:if>
+      <dgm:if name="Name5" axis="ch" ptType="node" func="cnt" op="equ" val="5">
+        <dgm:alg type="composite">
+          <dgm:param type="ar" val="1.4"/>
+        </dgm:alg>
+      </dgm:if>
+      <dgm:if name="Name6" axis="ch" ptType="node" func="cnt" op="equ" val="6">
+        <dgm:alg type="composite">
+          <dgm:param type="ar" val="1.285"/>
+        </dgm:alg>
+      </dgm:if>
+      <dgm:if name="Name7" axis="ch" ptType="node" func="cnt" op="equ" val="7">
+        <dgm:alg type="composite">
+          <dgm:param type="ar" val="1.359"/>
+        </dgm:alg>
+      </dgm:if>
+      <dgm:else name="Name8">
+        <dgm:alg type="composite">
+          <dgm:param type="ar" val="1.359"/>
+        </dgm:alg>
+      </dgm:else>
+    </dgm:choose>
+    <dgm:shape xmlns:r="http://schemas.openxmlformats.org/officeDocument/2006/relationships" r:blip="">
+      <dgm:adjLst/>
+    </dgm:shape>
+    <dgm:presOf/>
+    <dgm:choose name="Name9">
+      <dgm:if name="Name10" axis="ch" ptType="node" func="cnt" op="equ" val="1">
+        <dgm:constrLst>
+          <dgm:constr type="ctrX" for="ch" forName="circ1TxSh" refType="w" fact="0.5"/>
+          <dgm:constr type="ctrY" for="ch" forName="circ1TxSh" refType="h" fact="0.5"/>
+          <dgm:constr type="w" for="ch" forName="circ1TxSh" refType="w"/>
+          <dgm:constr type="h" for="ch" forName="circ1TxSh" refType="h"/>
+          <dgm:constr type="primFontSz" for="ch" ptType="node" op="equ"/>
+        </dgm:constrLst>
+      </dgm:if>
+      <dgm:if name="Name11" axis="ch" ptType="node" func="cnt" op="equ" val="2">
+        <dgm:constrLst>
+          <dgm:constr type="ctrX" for="ch" forName="circ1" refType="w" fact="0.3"/>
+          <dgm:constr type="ctrY" for="ch" forName="circ1" refType="h" fact="0.5"/>
+          <dgm:constr type="w" for="ch" forName="circ1" refType="w" fact="0.555"/>
+          <dgm:constr type="h" for="ch" forName="circ1" refType="h" fact="0.99456"/>
+          <dgm:constr type="l" for="ch" forName="circ1Tx" refType="w" fact="0.1"/>
+          <dgm:constr type="t" for="ch" forName="circ1Tx" refType="h" fact="0.12"/>
+          <dgm:constr type="w" for="ch" forName="circ1Tx" refType="w" fact="0.32"/>
+          <dgm:constr type="h" for="ch" forName="circ1Tx" refType="h" fact="0.76"/>
+          <dgm:constr type="ctrX" for="ch" forName="circ2" refType="w" fact="0.7"/>
+          <dgm:constr type="ctrY" for="ch" forName="circ2" refType="h" fact="0.5"/>
+          <dgm:constr type="w" for="ch" forName="circ2" refType="w" fact="0.555"/>
+          <dgm:constr type="h" for="ch" forName="circ2" refType="h" fact="0.99456"/>
+          <dgm:constr type="l" for="ch" forName="circ2Tx" refType="w" fact="0.58"/>
+          <dgm:constr type="t" for="ch" forName="circ2Tx" refType="h" fact="0.12"/>
+          <dgm:constr type="w" for="ch" forName="circ2Tx" refType="w" fact="0.32"/>
+          <dgm:constr type="h" for="ch" forName="circ2Tx" refType="h" fact="0.76"/>
+          <dgm:constr type="primFontSz" for="ch" ptType="node" op="equ"/>
+        </dgm:constrLst>
+      </dgm:if>
+      <dgm:if name="Name12" axis="ch" ptType="node" func="cnt" op="equ" val="3">
+        <dgm:constrLst>
+          <dgm:constr type="ctrX" for="ch" forName="circ1" refType="w" fact="0.5"/>
+          <dgm:constr type="ctrY" for="ch" forName="circ1" refType="w" fact="0.25"/>
+          <dgm:constr type="w" for="ch" forName="circ1" refType="w" fact="0.6"/>
+          <dgm:constr type="h" for="ch" forName="circ1" refType="h" fact="0.6"/>
+          <dgm:constr type="l" for="ch" forName="circ1Tx" refType="w" fact="0.28"/>
+          <dgm:constr type="t" for="ch" forName="circ1Tx" refType="h" fact="0.055"/>
+          <dgm:constr type="w" for="ch" forName="circ1Tx" refType="w" fact="0.44"/>
+          <dgm:constr type="h" for="ch" forName="circ1Tx" refType="h" fact="0.27"/>
+          <dgm:constr type="ctrX" for="ch" forName="circ2" refType="w" fact="0.7165"/>
+          <dgm:constr type="ctrY" for="ch" forName="circ2" refType="w" fact="0.625"/>
+          <dgm:constr type="w" for="ch" forName="circ2" refType="w" fact="0.6"/>
+          <dgm:constr type="h" for="ch" forName="circ2" refType="h" fact="0.6"/>
+          <dgm:constr type="l" for="ch" forName="circ2Tx" refType="w" fact="0.6"/>
+          <dgm:constr type="t" for="ch" forName="circ2Tx" refType="h" fact="0.48"/>
+          <dgm:constr type="w" for="ch" forName="circ2Tx" refType="w" fact="0.36"/>
+          <dgm:constr type="h" for="ch" forName="circ2Tx" refType="h" fact="0.33"/>
+          <dgm:constr type="ctrX" for="ch" forName="circ3" refType="w" fact="0.2835"/>
+          <dgm:constr type="ctrY" for="ch" forName="circ3" refType="w" fact="0.625"/>
+          <dgm:constr type="w" for="ch" forName="circ3" refType="w" fact="0.6"/>
+          <dgm:constr type="h" for="ch" forName="circ3" refType="h" fact="0.6"/>
+          <dgm:constr type="l" for="ch" forName="circ3Tx" refType="w" fact="0.04"/>
+          <dgm:constr type="t" for="ch" forName="circ3Tx" refType="h" fact="0.48"/>
+          <dgm:constr type="w" for="ch" forName="circ3Tx" refType="w" fact="0.36"/>
+          <dgm:constr type="h" for="ch" forName="circ3Tx" refType="h" fact="0.33"/>
+          <dgm:constr type="primFontSz" for="ch" ptType="node" op="equ"/>
+        </dgm:constrLst>
+      </dgm:if>
+      <dgm:if name="Name13" axis="ch" ptType="node" func="cnt" op="equ" val="4">
+        <dgm:constrLst>
+          <dgm:constr type="ctrX" for="ch" forName="circ1" refType="w" fact="0.5"/>
+          <dgm:constr type="ctrY" for="ch" forName="circ1" refType="w" fact="0.27"/>
+          <dgm:constr type="w" for="ch" forName="circ1" refType="w" fact="0.52"/>
+          <dgm:constr type="h" for="ch" forName="circ1" refType="h" fact="0.52"/>
+          <dgm:constr type="l" for="ch" forName="circ1Tx" refType="w" fact="0.3"/>
+          <dgm:constr type="t" for="ch" forName="circ1Tx" refType="h" fact="0.08"/>
+          <dgm:constr type="w" for="ch" forName="circ1Tx" refType="w" fact="0.4"/>
+          <dgm:constr type="h" for="ch" forName="circ1Tx" refType="h" fact="0.165"/>
+          <dgm:constr type="ctrX" for="ch" forName="circ2" refType="w" fact="0.73"/>
+          <dgm:constr type="ctrY" for="ch" forName="circ2" refType="w" fact="0.5"/>
+          <dgm:constr type="w" for="ch" forName="circ2" refType="w" fact="0.52"/>
+          <dgm:constr type="h" for="ch" forName="circ2" refType="h" fact="0.52"/>
+          <dgm:constr type="r" for="ch" forName="circ2Tx" refType="w" fact="0.95"/>
+          <dgm:constr type="t" for="ch" forName="circ2Tx" refType="h" fact="0.3"/>
+          <dgm:constr type="w" for="ch" forName="circ2Tx" refType="w" fact="0.2"/>
+          <dgm:constr type="h" for="ch" forName="circ2Tx" refType="h" fact="0.4"/>
+          <dgm:constr type="ctrX" for="ch" forName="circ3" refType="w" fact="0.5"/>
+          <dgm:constr type="ctrY" for="ch" forName="circ3" refType="w" fact="0.73"/>
+          <dgm:constr type="w" for="ch" forName="circ3" refType="w" fact="0.52"/>
+          <dgm:constr type="h" for="ch" forName="circ3" refType="h" fact="0.52"/>
+          <dgm:constr type="l" for="ch" forName="circ3Tx" refType="w" fact="0.3"/>
+          <dgm:constr type="b" for="ch" forName="circ3Tx" refType="h" fact="0.92"/>
+          <dgm:constr type="w" for="ch" forName="circ3Tx" refType="w" fact="0.4"/>
+          <dgm:constr type="h" for="ch" forName="circ3Tx" refType="h" fact="0.165"/>
+          <dgm:constr type="ctrX" for="ch" forName="circ4" refType="w" fact="0.27"/>
+          <dgm:constr type="ctrY" for="ch" forName="circ4" refType="h" fact="0.5"/>
+          <dgm:constr type="w" for="ch" forName="circ4" refType="w" fact="0.52"/>
+          <dgm:constr type="h" for="ch" forName="circ4" refType="h" fact="0.52"/>
+          <dgm:constr type="l" for="ch" forName="circ4Tx" refType="w" fact="0.05"/>
+          <dgm:constr type="t" for="ch" forName="circ4Tx" refType="h" fact="0.3"/>
+          <dgm:constr type="w" for="ch" forName="circ4Tx" refType="w" fact="0.2"/>
+          <dgm:constr type="h" for="ch" forName="circ4Tx" refType="h" fact="0.4"/>
+          <dgm:constr type="primFontSz" for="ch" ptType="node" op="equ"/>
+        </dgm:constrLst>
+      </dgm:if>
+      <dgm:if name="Name14" axis="ch" ptType="node" func="cnt" op="equ" val="5">
+        <dgm:constrLst>
+          <dgm:constr type="ctrX" for="ch" forName="circ1" refType="w" fact="0.5"/>
+          <dgm:constr type="ctrY" for="ch" forName="circ1" refType="h" fact="0.46"/>
+          <dgm:constr type="w" for="ch" forName="circ1" refType="w" fact="0.25"/>
+          <dgm:constr type="h" for="ch" forName="circ1" refType="h" fact="0.35"/>
+          <dgm:constr type="l" for="ch" forName="circ1Tx" refType="w" fact="0.355"/>
+          <dgm:constr type="t" for="ch" forName="circ1Tx"/>
+          <dgm:constr type="w" for="ch" forName="circ1Tx" refType="w" fact="0.29"/>
+          <dgm:constr type="h" for="ch" forName="circ1Tx" refType="h" fact="0.235"/>
+          <dgm:constr type="ctrX" for="ch" forName="circ2" refType="w" fact="0.5951"/>
+          <dgm:constr type="ctrY" for="ch" forName="circ2" refType="h" fact="0.5567"/>
+          <dgm:constr type="w" for="ch" forName="circ2" refType="w" fact="0.25"/>
+          <dgm:constr type="h" for="ch" forName="circ2" refType="h" fact="0.35"/>
+          <dgm:constr type="l" for="ch" forName="circ2Tx" refType="w" fact="0.74"/>
+          <dgm:constr type="t" for="ch" forName="circ2Tx" refType="h" fact="0.31"/>
+          <dgm:constr type="w" for="ch" forName="circ2Tx" refType="w" fact="0.26"/>
+          <dgm:constr type="h" for="ch" forName="circ2Tx" refType="h" fact="0.255"/>
+          <dgm:constr type="ctrX" for="ch" forName="circ3" refType="w" fact="0.5588"/>
+          <dgm:constr type="ctrY" for="ch" forName="circ3" refType="h" fact="0.7133"/>
+          <dgm:constr type="w" for="ch" forName="circ3" refType="w" fact="0.25"/>
+          <dgm:constr type="h" for="ch" forName="circ3" refType="h" fact="0.35"/>
+          <dgm:constr type="l" for="ch" forName="circ3Tx" refType="w" fact="0.7"/>
+          <dgm:constr type="t" for="ch" forName="circ3Tx" refType="h" fact="0.745"/>
+          <dgm:constr type="w" for="ch" forName="circ3Tx" refType="w" fact="0.26"/>
+          <dgm:constr type="h" for="ch" forName="circ3Tx" refType="h" fact="0.255"/>
+          <dgm:constr type="ctrX" for="ch" forName="circ4" refType="w" fact="0.4412"/>
+          <dgm:constr type="ctrY" for="ch" forName="circ4" refType="h" fact="0.7133"/>
+          <dgm:constr type="w" for="ch" forName="circ4" refType="w" fact="0.25"/>
+          <dgm:constr type="h" for="ch" forName="circ4" refType="h" fact="0.35"/>
+          <dgm:constr type="l" for="ch" forName="circ4Tx" refType="w" fact="0.04"/>
+          <dgm:constr type="t" for="ch" forName="circ4Tx" refType="h" fact="0.745"/>
+          <dgm:constr type="w" for="ch" forName="circ4Tx" refType="w" fact="0.26"/>
+          <dgm:constr type="h" for="ch" forName="circ4Tx" refType="h" fact="0.255"/>
+          <dgm:constr type="ctrX" for="ch" forName="circ5" refType="w" fact="0.4049"/>
+          <dgm:constr type="ctrY" for="ch" forName="circ5" refType="h" fact="0.5567"/>
+          <dgm:constr type="w" for="ch" forName="circ5" refType="w" fact="0.25"/>
+          <dgm:constr type="h" for="ch" forName="circ5" refType="h" fact="0.35"/>
+          <dgm:constr type="l" for="ch" forName="circ5Tx"/>
+          <dgm:constr type="t" for="ch" forName="circ5Tx" refType="h" fact="0.31"/>
+          <dgm:constr type="w" for="ch" forName="circ5Tx" refType="w" fact="0.26"/>
+          <dgm:constr type="h" for="ch" forName="circ5Tx" refType="h" fact="0.255"/>
+          <dgm:constr type="primFontSz" for="ch" ptType="node" op="equ"/>
+        </dgm:constrLst>
+      </dgm:if>
+      <dgm:if name="Name15" axis="ch" ptType="node" func="cnt" op="equ" val="6">
+        <dgm:constrLst>
+          <dgm:constr type="ctrX" for="ch" forName="circ1" refType="w" fact="0.5"/>
+          <dgm:constr type="ctrY" for="ch" forName="circ1" refType="h" fact="0.3844"/>
+          <dgm:constr type="w" for="ch" forName="circ1" refType="w" fact="0.24"/>
+          <dgm:constr type="h" for="ch" forName="circ1" refType="h" fact="0.3084"/>
+          <dgm:constr type="l" for="ch" forName="circ1Tx" refType="w" fact="0.35"/>
+          <dgm:constr type="t" for="ch" forName="circ1Tx"/>
+          <dgm:constr type="w" for="ch" forName="circ1Tx" refType="w" fact="0.3"/>
+          <dgm:constr type="h" for="ch" forName="circ1Tx" refType="h" fact="0.21"/>
+          <dgm:constr type="ctrX" for="ch" forName="circ2" refType="w" fact="0.5779"/>
+          <dgm:constr type="ctrY" for="ch" forName="circ2" refType="h" fact="0.4422"/>
+          <dgm:constr type="w" for="ch" forName="circ2" refType="w" fact="0.24"/>
+          <dgm:constr type="h" for="ch" forName="circ2" refType="h" fact="0.3084"/>
+          <dgm:constr type="l" for="ch" forName="circ2Tx" refType="w" fact="0.7157"/>
+          <dgm:constr type="t" for="ch" forName="circ2Tx" refType="h" fact="0.2"/>
+          <dgm:constr type="w" for="ch" forName="circ2Tx" refType="w" fact="0.2843"/>
+          <dgm:constr type="h" for="ch" forName="circ2Tx" refType="h" fact="0.23"/>
+          <dgm:constr type="ctrX" for="ch" forName="circ3" refType="w" fact="0.5779"/>
+          <dgm:constr type="ctrY" for="ch" forName="circ3" refType="h" fact="0.5578"/>
+          <dgm:constr type="w" for="ch" forName="circ3" refType="w" fact="0.24"/>
+          <dgm:constr type="h" for="ch" forName="circ3" refType="h" fact="0.3084"/>
+          <dgm:constr type="l" for="ch" forName="circ3Tx" refType="w" fact="0.7157"/>
+          <dgm:constr type="t" for="ch" forName="circ3Tx" refType="h" fact="0.543"/>
+          <dgm:constr type="w" for="ch" forName="circ3Tx" refType="w" fact="0.2843"/>
+          <dgm:constr type="h" for="ch" forName="circ3Tx" refType="h" fact="0.257"/>
+          <dgm:constr type="ctrX" for="ch" forName="circ4" refType="w" fact="0.5"/>
+          <dgm:constr type="ctrY" for="ch" forName="circ4" refType="h" fact="0.6157"/>
+          <dgm:constr type="w" for="ch" forName="circ4" refType="w" fact="0.24"/>
+          <dgm:constr type="h" for="ch" forName="circ4" refType="h" fact="0.3084"/>
+          <dgm:constr type="l" for="ch" forName="circ4Tx" refType="w" fact="0.35"/>
+          <dgm:constr type="t" for="ch" forName="circ4Tx" refType="h" fact="0.79"/>
+          <dgm:constr type="w" for="ch" forName="circ4Tx" refType="w" fact="0.3"/>
+          <dgm:constr type="h" for="ch" forName="circ4Tx" refType="h" fact="0.21"/>
+          <dgm:constr type="ctrX" for="ch" forName="circ5" refType="w" fact="0.4221"/>
+          <dgm:constr type="ctrY" for="ch" forName="circ5" refType="h" fact="0.5578"/>
+          <dgm:constr type="w" for="ch" forName="circ5" refType="w" fact="0.24"/>
+          <dgm:constr type="h" for="ch" forName="circ5" refType="h" fact="0.3084"/>
+          <dgm:constr type="l" for="ch" forName="circ5Tx" refType="w" fact="0"/>
+          <dgm:constr type="t" for="ch" forName="circ5Tx" refType="h" fact="0.543"/>
+          <dgm:constr type="w" for="ch" forName="circ5Tx" refType="w" fact="0.2843"/>
+          <dgm:constr type="h" for="ch" forName="circ5Tx" refType="h" fact="0.257"/>
+          <dgm:constr type="ctrX" for="ch" forName="circ6" refType="w" fact="0.4221"/>
+          <dgm:constr type="ctrY" for="ch" forName="circ6" refType="h" fact="0.4422"/>
+          <dgm:constr type="w" for="ch" forName="circ6" refType="w" fact="0.24"/>
+          <dgm:constr type="h" for="ch" forName="circ6" refType="h" fact="0.3084"/>
+          <dgm:constr type="l" for="ch" forName="circ6Tx" refType="w" fact="0"/>
+          <dgm:constr type="t" for="ch" forName="circ6Tx" refType="h" fact="0.2"/>
+          <dgm:constr type="w" for="ch" forName="circ6Tx" refType="w" fact="0.2843"/>
+          <dgm:constr type="h" for="ch" forName="circ6Tx" refType="h" fact="0.257"/>
+          <dgm:constr type="primFontSz" for="ch" ptType="node" op="equ"/>
+        </dgm:constrLst>
+      </dgm:if>
+      <dgm:else name="Name16">
+        <dgm:constrLst>
+          <dgm:constr type="ctrX" for="ch" forName="circ1" refType="w" fact="0.5"/>
+          <dgm:constr type="ctrY" for="ch" forName="circ1" refType="h" fact="0.4177"/>
+          <dgm:constr type="w" for="ch" forName="circ1" refType="w" fact="0.24"/>
+          <dgm:constr type="h" for="ch" forName="circ1" refType="h" fact="0.3262"/>
+          <dgm:constr type="l" for="ch" forName="circ1Tx" refType="w" fact="0.3625"/>
+          <dgm:constr type="t" for="ch" forName="circ1Tx"/>
+          <dgm:constr type="w" for="ch" forName="circ1Tx" refType="w" fact="0.275"/>
+          <dgm:constr type="h" for="ch" forName="circ1Tx" refType="h" fact="0.2"/>
+          <dgm:constr type="ctrX" for="ch" forName="circ2" refType="w" fact="0.5704"/>
+          <dgm:constr type="ctrY" for="ch" forName="circ2" refType="h" fact="0.4637"/>
+          <dgm:constr type="w" for="ch" forName="circ2" refType="w" fact="0.24"/>
+          <dgm:constr type="h" for="ch" forName="circ2" refType="h" fact="0.3262"/>
+          <dgm:constr type="l" for="ch" forName="circ2Tx" refType="w" fact="0.72"/>
+          <dgm:constr type="t" for="ch" forName="circ2Tx" refType="h" fact="0.19"/>
+          <dgm:constr type="w" for="ch" forName="circ2Tx" refType="w" fact="0.26"/>
+          <dgm:constr type="h" for="ch" forName="circ2Tx" refType="h" fact="0.22"/>
+          <dgm:constr type="ctrX" for="ch" forName="circ3" refType="w" fact="0.5877"/>
+          <dgm:constr type="ctrY" for="ch" forName="circ3" refType="h" fact="0.5672"/>
+          <dgm:constr type="w" for="ch" forName="circ3" refType="w" fact="0.24"/>
+          <dgm:constr type="h" for="ch" forName="circ3" refType="h" fact="0.3262"/>
+          <dgm:constr type="l" for="ch" forName="circ3Tx" refType="w" fact="0.745"/>
+          <dgm:constr type="t" for="ch" forName="circ3Tx" refType="h" fact="0.47"/>
+          <dgm:constr type="w" for="ch" forName="circ3Tx" refType="w" fact="0.255"/>
+          <dgm:constr type="h" for="ch" forName="circ3Tx" refType="h" fact="0.235"/>
+          <dgm:constr type="ctrX" for="ch" forName="circ4" refType="w" fact="0.539"/>
+          <dgm:constr type="ctrY" for="ch" forName="circ4" refType="h" fact="0.6502"/>
+          <dgm:constr type="w" for="ch" forName="circ4" refType="w" fact="0.24"/>
+          <dgm:constr type="h" for="ch" forName="circ4" refType="h" fact="0.3262"/>
+          <dgm:constr type="l" for="ch" forName="circ4Tx" refType="w" fact="0.635"/>
+          <dgm:constr type="t" for="ch" forName="circ4Tx" refType="h" fact="0.785"/>
+          <dgm:constr type="w" for="ch" forName="circ4Tx" refType="w" fact="0.275"/>
+          <dgm:constr type="h" for="ch" forName="circ4Tx" refType="h" fact="0.215"/>
+          <dgm:constr type="ctrX" for="ch" forName="circ5" refType="w" fact="0.461"/>
+          <dgm:constr type="ctrY" for="ch" forName="circ5" refType="h" fact="0.6502"/>
+          <dgm:constr type="w" for="ch" forName="circ5" refType="w" fact="0.24"/>
+          <dgm:constr type="h" for="ch" forName="circ5" refType="h" fact="0.3262"/>
+          <dgm:constr type="l" for="ch" forName="circ5Tx" refType="w" fact="0.09"/>
+          <dgm:constr type="t" for="ch" forName="circ5Tx" refType="h" fact="0.785"/>
+          <dgm:constr type="w" for="ch" forName="circ5Tx" refType="w" fact="0.275"/>
+          <dgm:constr type="h" for="ch" forName="circ5Tx" refType="h" fact="0.215"/>
+          <dgm:constr type="ctrX" for="ch" forName="circ6" refType="w" fact="0.4123"/>
+          <dgm:constr type="ctrY" for="ch" forName="circ6" refType="h" fact="0.5672"/>
+          <dgm:constr type="w" for="ch" forName="circ6" refType="w" fact="0.24"/>
+          <dgm:constr type="h" for="ch" forName="circ6" refType="h" fact="0.3262"/>
+          <dgm:constr type="l" for="ch" forName="circ6Tx"/>
+          <dgm:constr type="t" for="ch" forName="circ6Tx" refType="h" fact="0.47"/>
+          <dgm:constr type="w" for="ch" forName="circ6Tx" refType="w" fact="0.255"/>
+          <dgm:constr type="h" for="ch" forName="circ6Tx" refType="h" fact="0.235"/>
+          <dgm:constr type="ctrX" for="ch" forName="circ7" refType="w" fact="0.4296"/>
+          <dgm:constr type="ctrY" for="ch" forName="circ7" refType="h" fact="0.4637"/>
+          <dgm:constr type="w" for="ch" forName="circ7" refType="w" fact="0.24"/>
+          <dgm:constr type="h" for="ch" forName="circ7" refType="h" fact="0.3262"/>
+          <dgm:constr type="l" for="ch" forName="circ7Tx" refType="w" fact="0.02"/>
+          <dgm:constr type="t" for="ch" forName="circ7Tx" refType="h" fact="0.19"/>
+          <dgm:constr type="w" for="ch" forName="circ7Tx" refType="w" fact="0.26"/>
+          <dgm:constr type="h" for="ch" forName="circ7Tx" refType="h" fact="0.22"/>
+          <dgm:constr type="primFontSz" for="ch" ptType="node" op="equ"/>
+        </dgm:constrLst>
+      </dgm:else>
+    </dgm:choose>
+    <dgm:ruleLst/>
+    <dgm:forEach name="Name17" axis="ch" ptType="node" cnt="1">
+      <dgm:choose name="Name18">
+        <dgm:if name="Name19" axis="root ch" ptType="all node" func="cnt" op="equ" val="1">
+          <dgm:layoutNode name="circ1TxSh" styleLbl="vennNode1">
+            <dgm:alg type="tx">
+              <dgm:param type="txAnchorHorzCh" val="ctr"/>
+              <dgm:param type="txAnchorVertCh" val="mid"/>
+            </dgm:alg>
+            <dgm:shape xmlns:r="http://schemas.openxmlformats.org/officeDocument/2006/relationships" type="ellipse" r:blip="">
+              <dgm:adjLst/>
+            </dgm:shape>
+            <dgm:choose name="Name20">
+              <dgm:if name="Name21" func="var" arg="dir" op="equ" val="norm">
+                <dgm:choose name="Name22">
+                  <dgm:if name="Name23" axis="root ch" ptType="all node" func="cnt" op="lte" val="4">
+                    <dgm:presOf axis="desOrSelf" ptType="node"/>
+                  </dgm:if>
+                  <dgm:else name="Name24">
+                    <dgm:presOf/>
+                  </dgm:else>
+                </dgm:choose>
+              </dgm:if>
+              <dgm:else name="Name25">
+                <dgm:choose name="Name26">
+                  <dgm:if name="Name27" axis="root ch" ptType="all node" func="cnt" op="equ" val="2">
+                    <dgm:presOf axis="root ch desOrSelf" ptType="all node node" st="1 2 1" cnt="1 1 0"/>
+                  </dgm:if>
+                  <dgm:else name="Name28">
+                    <dgm:presOf axis="desOrSelf" ptType="node"/>
+                  </dgm:else>
+                </dgm:choose>
+              </dgm:else>
+            </dgm:choose>
+            <dgm:constrLst>
+              <dgm:constr type="tMarg"/>
+              <dgm:constr type="bMarg"/>
+              <dgm:constr type="lMarg"/>
+              <dgm:constr type="rMarg"/>
+              <dgm:constr type="primFontSz" val="65"/>
+            </dgm:constrLst>
+            <dgm:ruleLst>
+              <dgm:rule type="primFontSz" val="5" fact="NaN" max="NaN"/>
+            </dgm:ruleLst>
+          </dgm:layoutNode>
+        </dgm:if>
+        <dgm:else name="Name29">
+          <dgm:layoutNode name="circ1" styleLbl="vennNode1">
+            <dgm:alg type="sp"/>
+            <dgm:shape xmlns:r="http://schemas.openxmlformats.org/officeDocument/2006/relationships" type="ellipse" r:blip="">
+              <dgm:adjLst/>
+            </dgm:shape>
+            <dgm:choose name="Name30">
+              <dgm:if name="Name31" func="var" arg="dir" op="equ" val="norm">
+                <dgm:choose name="Name32">
+                  <dgm:if name="Name33" axis="root ch" ptType="all node" func="cnt" op="lte" val="4">
+                    <dgm:presOf axis="desOrSelf" ptType="node"/>
+                  </dgm:if>
+                  <dgm:else name="Name34">
+                    <dgm:presOf/>
+                  </dgm:else>
+                </dgm:choose>
+              </dgm:if>
+              <dgm:else name="Name35">
+                <dgm:choose name="Name36">
+                  <dgm:if name="Name37" axis="root ch" ptType="all node" func="cnt" op="equ" val="2">
+                    <dgm:presOf axis="root ch desOrSelf" ptType="all node node" st="1 2 1" cnt="1 1 0"/>
+                  </dgm:if>
+                  <dgm:else name="Name38">
+                    <dgm:choose name="Name39">
+                      <dgm:if name="Name40" axis="root ch" ptType="all node" func="cnt" op="lte" val="4">
+                        <dgm:presOf axis="desOrSelf" ptType="node"/>
+                      </dgm:if>
+                      <dgm:else name="Name41">
+                        <dgm:presOf/>
+                      </dgm:else>
+                    </dgm:choose>
+                  </dgm:else>
+                </dgm:choose>
+              </dgm:else>
+            </dgm:choose>
+            <dgm:constrLst/>
+            <dgm:ruleLst/>
+          </dgm:layoutNode>
+          <dgm:layoutNode name="circ1Tx" styleLbl="revTx">
+            <dgm:varLst>
+              <dgm:chMax val="0"/>
+              <dgm:chPref val="0"/>
+              <dgm:bulletEnabled val="1"/>
+            </dgm:varLst>
+            <dgm:alg type="tx">
+              <dgm:param type="txAnchorHorzCh" val="ctr"/>
+              <dgm:param type="txAnchorVertCh" val="mid"/>
+            </dgm:alg>
+            <dgm:shape xmlns:r="http://schemas.openxmlformats.org/officeDocument/2006/relationships" type="rect" r:blip="" hideGeom="1">
+              <dgm:adjLst/>
+            </dgm:shape>
+            <dgm:choose name="Name42">
+              <dgm:if name="Name43" func="var" arg="dir" op="equ" val="norm">
+                <dgm:presOf axis="desOrSelf" ptType="node"/>
+              </dgm:if>
+              <dgm:else name="Name44">
+                <dgm:choose name="Name45">
+                  <dgm:if name="Name46" axis="root ch" ptType="all node" func="cnt" op="equ" val="2">
+                    <dgm:presOf axis="root ch desOrSelf" ptType="all node node" st="1 2 1" cnt="1 1 0"/>
+                  </dgm:if>
+                  <dgm:else name="Name47">
+                    <dgm:presOf axis="desOrSelf" ptType="node"/>
+                  </dgm:else>
+                </dgm:choose>
+              </dgm:else>
+            </dgm:choose>
+            <dgm:constrLst>
+              <dgm:constr type="tMarg"/>
+              <dgm:constr type="bMarg"/>
+              <dgm:constr type="lMarg"/>
+              <dgm:constr type="rMarg"/>
+              <dgm:constr type="primFontSz" val="65"/>
+            </dgm:constrLst>
+            <dgm:ruleLst>
+              <dgm:rule type="primFontSz" val="5" fact="NaN" max="NaN"/>
+            </dgm:ruleLst>
+          </dgm:layoutNode>
+        </dgm:else>
+      </dgm:choose>
+    </dgm:forEach>
+    <dgm:forEach name="Name48" axis="ch" ptType="node" st="2" cnt="1">
+      <dgm:layoutNode name="circ2" styleLbl="vennNode1">
+        <dgm:alg type="sp"/>
+        <dgm:shape xmlns:r="http://schemas.openxmlformats.org/officeDocument/2006/relationships" type="ellipse" r:blip="">
+          <dgm:adjLst/>
+        </dgm:shape>
+        <dgm:choose name="Name49">
+          <dgm:if name="Name50" func="var" arg="dir" op="equ" val="norm">
+            <dgm:choose name="Name51">
+              <dgm:if name="Name52" axis="root ch" ptType="all node" func="cnt" op="lte" val="4">
+                <dgm:presOf axis="desOrSelf" ptType="node"/>
+              </dgm:if>
+              <dgm:else name="Name53">
+                <dgm:presOf/>
+              </dgm:else>
+            </dgm:choose>
+          </dgm:if>
+          <dgm:else name="Name54">
+            <dgm:choose name="Name55">
+              <dgm:if name="Name56" axis="root ch" ptType="all node" func="cnt" op="equ" val="2">
+                <dgm:presOf axis="root ch desOrSelf" ptType="all node node" st="1 1 1" cnt="1 1 0"/>
+              </dgm:if>
+              <dgm:if name="Name57" axis="root ch" ptType="all node" func="cnt" op="equ" val="3">
+                <dgm:presOf axis="root ch desOrSelf" ptType="all node node" st="1 3 1" cnt="1 1 0"/>
+              </dgm:if>
+              <dgm:if name="Name58" axis="root ch" ptType="all node" func="cnt" op="equ" val="4">
+                <dgm:presOf axis="root ch desOrSelf" ptType="all node node" st="1 4 1" cnt="1 1 0"/>
+              </dgm:if>
+              <dgm:else name="Name59">
+                <dgm:presOf/>
+              </dgm:else>
+            </dgm:choose>
+          </dgm:else>
+        </dgm:choose>
+        <dgm:constrLst/>
+        <dgm:ruleLst/>
+      </dgm:layoutNode>
+      <dgm:layoutNode name="circ2Tx" styleLbl="revTx">
+        <dgm:varLst>
+          <dgm:chMax val="0"/>
+          <dgm:chPref val="0"/>
+          <dgm:bulletEnabled val="1"/>
+        </dgm:varLst>
+        <dgm:alg type="tx">
+          <dgm:param type="txAnchorHorzCh" val="ctr"/>
+          <dgm:param type="txAnchorVertCh" val="mid"/>
+        </dgm:alg>
+        <dgm:shape xmlns:r="http://schemas.openxmlformats.org/officeDocument/2006/relationships" type="rect" r:blip="" hideGeom="1">
+          <dgm:adjLst/>
+        </dgm:shape>
+        <dgm:choose name="Name60">
+          <dgm:if name="Name61" func="var" arg="dir" op="equ" val="norm">
+            <dgm:presOf axis="desOrSelf" ptType="node"/>
+          </dgm:if>
+          <dgm:else name="Name62">
+            <dgm:choose name="Name63">
+              <dgm:if name="Name64" axis="root ch" ptType="all node" func="cnt" op="equ" val="2">
+                <dgm:presOf axis="root ch desOrSelf" ptType="all node node" st="1 1 1" cnt="1 1 0"/>
+              </dgm:if>
+              <dgm:if name="Name65" axis="root ch" ptType="all node" func="cnt" op="equ" val="3">
+                <dgm:presOf axis="root ch desOrSelf" ptType="all node node" st="1 3 1" cnt="1 1 0"/>
+              </dgm:if>
+              <dgm:if name="Name66" axis="root ch" ptType="all node" func="cnt" op="equ" val="4">
+                <dgm:presOf axis="root ch desOrSelf" ptType="all node node" st="1 4 1" cnt="1 1 0"/>
+              </dgm:if>
+              <dgm:if name="Name67" axis="root ch" ptType="all node" func="cnt" op="equ" val="5">
+                <dgm:presOf axis="root ch desOrSelf" ptType="all node node" st="1 5 1" cnt="1 1 0"/>
+              </dgm:if>
+              <dgm:if name="Name68" axis="root ch" ptType="all node" func="cnt" op="equ" val="6">
+                <dgm:presOf axis="root ch desOrSelf" ptType="all node node" st="1 6 1" cnt="1 1 0"/>
+              </dgm:if>
+              <dgm:else name="Name69">
+                <dgm:presOf axis="root ch desOrSelf" ptType="all node node" st="1 7 1" cnt="1 1 0"/>
+              </dgm:else>
+            </dgm:choose>
+          </dgm:else>
+        </dgm:choose>
+        <dgm:constrLst>
+          <dgm:constr type="tMarg"/>
+          <dgm:constr type="bMarg"/>
+          <dgm:constr type="lMarg"/>
+          <dgm:constr type="rMarg"/>
+          <dgm:constr type="primFontSz" val="65"/>
+        </dgm:constrLst>
+        <dgm:ruleLst>
+          <dgm:rule type="primFontSz" val="5" fact="NaN" max="NaN"/>
+        </dgm:ruleLst>
+      </dgm:layoutNode>
+    </dgm:forEach>
+    <dgm:forEach name="Name70" axis="ch" ptType="node" st="3" cnt="1">
+      <dgm:layoutNode name="circ3" styleLbl="vennNode1">
+        <dgm:alg type="sp"/>
+        <dgm:shape xmlns:r="http://schemas.openxmlformats.org/officeDocument/2006/relationships" type="ellipse" r:blip="">
+          <dgm:adjLst/>
+        </dgm:shape>
+        <dgm:choose name="Name71">
+          <dgm:if name="Name72" func="var" arg="dir" op="equ" val="norm">
+            <dgm:choose name="Name73">
+              <dgm:if name="Name74" axis="root ch" ptType="all node" func="cnt" op="lte" val="4">
+                <dgm:presOf axis="desOrSelf" ptType="node"/>
+              </dgm:if>
+              <dgm:else name="Name75">
+                <dgm:presOf/>
+              </dgm:else>
+            </dgm:choose>
+          </dgm:if>
+          <dgm:else name="Name76">
+            <dgm:choose name="Name77">
+              <dgm:if name="Name78" axis="root ch" ptType="all node" func="cnt" op="equ" val="3">
+                <dgm:presOf axis="root ch desOrSelf" ptType="all node node" st="1 2 1" cnt="1 1 0"/>
+              </dgm:if>
+              <dgm:if name="Name79" axis="root ch" ptType="all node" func="cnt" op="equ" val="4">
+                <dgm:presOf axis="root ch desOrSelf" ptType="all node node" st="1 3 1" cnt="1 1 0"/>
+              </dgm:if>
+              <dgm:else name="Name80">
+                <dgm:presOf/>
+              </dgm:else>
+            </dgm:choose>
+          </dgm:else>
+        </dgm:choose>
+        <dgm:constrLst/>
+        <dgm:ruleLst/>
+      </dgm:layoutNode>
+      <dgm:layoutNode name="circ3Tx" styleLbl="revTx">
+        <dgm:varLst>
+          <dgm:chMax val="0"/>
+          <dgm:chPref val="0"/>
+          <dgm:bulletEnabled val="1"/>
+        </dgm:varLst>
+        <dgm:alg type="tx">
+          <dgm:param type="txAnchorHorzCh" val="ctr"/>
+          <dgm:param type="txAnchorVertCh" val="mid"/>
+        </dgm:alg>
+        <dgm:shape xmlns:r="http://schemas.openxmlformats.org/officeDocument/2006/relationships" type="rect" r:blip="" hideGeom="1">
+          <dgm:adjLst/>
+        </dgm:shape>
+        <dgm:choose name="Name81">
+          <dgm:if name="Name82" func="var" arg="dir" op="equ" val="norm">
+            <dgm:presOf axis="desOrSelf" ptType="node"/>
+          </dgm:if>
+          <dgm:else name="Name83">
+            <dgm:choose name="Name84">
+              <dgm:if name="Name85" axis="root ch" ptType="all node" func="cnt" op="equ" val="3">
+                <dgm:presOf axis="root ch desOrSelf" ptType="all node node" st="1 2 1" cnt="1 1 0"/>
+              </dgm:if>
+              <dgm:if name="Name86" axis="root ch" ptType="all node" func="cnt" op="equ" val="4">
+                <dgm:presOf axis="root ch desOrSelf" ptType="all node node" st="1 3 1" cnt="1 1 0"/>
+              </dgm:if>
+              <dgm:if name="Name87" axis="root ch" ptType="all node" func="cnt" op="equ" val="5">
+                <dgm:presOf axis="root ch desOrSelf" ptType="all node node" st="1 4 1" cnt="1 1 0"/>
+              </dgm:if>
+              <dgm:if name="Name88" axis="root ch" ptType="all node" func="cnt" op="equ" val="6">
+                <dgm:presOf axis="root ch desOrSelf" ptType="all node node" st="1 5 1" cnt="1 1 0"/>
+              </dgm:if>
+              <dgm:else name="Name89">
+                <dgm:presOf axis="root ch desOrSelf" ptType="all node node" st="1 6 1" cnt="1 1 0"/>
+              </dgm:else>
+            </dgm:choose>
+          </dgm:else>
+        </dgm:choose>
+        <dgm:constrLst>
+          <dgm:constr type="tMarg"/>
+          <dgm:constr type="bMarg"/>
+          <dgm:constr type="lMarg"/>
+          <dgm:constr type="rMarg"/>
+          <dgm:constr type="primFontSz" val="65"/>
+        </dgm:constrLst>
+        <dgm:ruleLst>
+          <dgm:rule type="primFontSz" val="5" fact="NaN" max="NaN"/>
+        </dgm:ruleLst>
+      </dgm:layoutNode>
+    </dgm:forEach>
+    <dgm:forEach name="Name90" axis="ch" ptType="node" st="4" cnt="1">
+      <dgm:layoutNode name="circ4" styleLbl="vennNode1">
+        <dgm:alg type="sp"/>
+        <dgm:shape xmlns:r="http://schemas.openxmlformats.org/officeDocument/2006/relationships" type="ellipse" r:blip="">
+          <dgm:adjLst/>
+        </dgm:shape>
+        <dgm:choose name="Name91">
+          <dgm:if name="Name92" func="var" arg="dir" op="equ" val="norm">
+            <dgm:choose name="Name93">
+              <dgm:if name="Name94" axis="root ch" ptType="all node" func="cnt" op="lte" val="4">
+                <dgm:presOf axis="desOrSelf" ptType="node"/>
+              </dgm:if>
+              <dgm:else name="Name95">
+                <dgm:presOf/>
+              </dgm:else>
+            </dgm:choose>
+          </dgm:if>
+          <dgm:else name="Name96">
+            <dgm:choose name="Name97">
+              <dgm:if name="Name98" axis="root ch" ptType="all node" func="cnt" op="equ" val="4">
+                <dgm:presOf axis="root ch desOrSelf" ptType="all node node" st="1 2 1" cnt="1 1 0"/>
+              </dgm:if>
+              <dgm:else name="Name99">
+                <dgm:presOf/>
+              </dgm:else>
+            </dgm:choose>
+          </dgm:else>
+        </dgm:choose>
+        <dgm:constrLst/>
+        <dgm:ruleLst/>
+      </dgm:layoutNode>
+      <dgm:layoutNode name="circ4Tx" styleLbl="revTx">
+        <dgm:varLst>
+          <dgm:chMax val="0"/>
+          <dgm:chPref val="0"/>
+          <dgm:bulletEnabled val="1"/>
+        </dgm:varLst>
+        <dgm:alg type="tx">
+          <dgm:param type="txAnchorHorzCh" val="ctr"/>
+          <dgm:param type="txAnchorVertCh" val="mid"/>
+        </dgm:alg>
+        <dgm:shape xmlns:r="http://schemas.openxmlformats.org/officeDocument/2006/relationships" type="rect" r:blip="" hideGeom="1">
+          <dgm:adjLst/>
+        </dgm:shape>
+        <dgm:choose name="Name100">
+          <dgm:if name="Name101" func="var" arg="dir" op="equ" val="norm">
+            <dgm:presOf axis="desOrSelf" ptType="node"/>
+          </dgm:if>
+          <dgm:else name="Name102">
+            <dgm:choose name="Name103">
+              <dgm:if name="Name104" axis="root ch" ptType="all node" func="cnt" op="equ" val="4">
+                <dgm:presOf axis="root ch desOrSelf" ptType="all node node" st="1 2 1" cnt="1 1 0"/>
+              </dgm:if>
+              <dgm:if name="Name105" axis="root ch" ptType="all node" func="cnt" op="equ" val="5">
+                <dgm:presOf axis="root ch desOrSelf" ptType="all node node" st="1 3 1" cnt="1 1 0"/>
+              </dgm:if>
+              <dgm:if name="Name106" axis="root ch" ptType="all node" func="cnt" op="equ" val="6">
+                <dgm:presOf axis="root ch desOrSelf" ptType="all node node" st="1 4 1" cnt="1 1 0"/>
+              </dgm:if>
+              <dgm:else name="Name107">
+                <dgm:presOf axis="root ch desOrSelf" ptType="all node node" st="1 5 1" cnt="1 1 0"/>
+              </dgm:else>
+            </dgm:choose>
+          </dgm:else>
+        </dgm:choose>
+        <dgm:constrLst>
+          <dgm:constr type="tMarg"/>
+          <dgm:constr type="bMarg"/>
+          <dgm:constr type="lMarg"/>
+          <dgm:constr type="rMarg"/>
+          <dgm:constr type="primFontSz" val="65"/>
+        </dgm:constrLst>
+        <dgm:ruleLst>
+          <dgm:rule type="primFontSz" val="5" fact="NaN" max="NaN"/>
+        </dgm:ruleLst>
+      </dgm:layoutNode>
+    </dgm:forEach>
+    <dgm:forEach name="Name108" axis="ch" ptType="node" st="5" cnt="1">
+      <dgm:layoutNode name="circ5" styleLbl="vennNode1">
+        <dgm:alg type="sp"/>
+        <dgm:shape xmlns:r="http://schemas.openxmlformats.org/officeDocument/2006/relationships" type="ellipse" r:blip="">
+          <dgm:adjLst/>
+        </dgm:shape>
+        <dgm:presOf/>
+        <dgm:constrLst/>
+        <dgm:ruleLst/>
+      </dgm:layoutNode>
+      <dgm:layoutNode name="circ5Tx" styleLbl="revTx">
+        <dgm:varLst>
+          <dgm:chMax val="0"/>
+          <dgm:chPref val="0"/>
+          <dgm:bulletEnabled val="1"/>
+        </dgm:varLst>
+        <dgm:alg type="tx">
+          <dgm:param type="txAnchorHorzCh" val="ctr"/>
+          <dgm:param type="txAnchorVertCh" val="mid"/>
+        </dgm:alg>
+        <dgm:shape xmlns:r="http://schemas.openxmlformats.org/officeDocument/2006/relationships" type="rect" r:blip="" hideGeom="1">
+          <dgm:adjLst/>
+        </dgm:shape>
+        <dgm:choose name="Name109">
+          <dgm:if name="Name110" func="var" arg="dir" op="equ" val="norm">
+            <dgm:presOf axis="desOrSelf" ptType="node"/>
+          </dgm:if>
+          <dgm:else name="Name111">
+            <dgm:choose name="Name112">
+              <dgm:if name="Name113" axis="root ch" ptType="all node" func="cnt" op="equ" val="5">
+                <dgm:presOf axis="root ch desOrSelf" ptType="all node node" st="1 2 1" cnt="1 1 0"/>
+              </dgm:if>
+              <dgm:if name="Name114" axis="root ch" ptType="all node" func="cnt" op="equ" val="6">
+                <dgm:presOf axis="root ch desOrSelf" ptType="all node node" st="1 3 1" cnt="1 1 0"/>
+              </dgm:if>
+              <dgm:else name="Name115">
+                <dgm:presOf axis="root ch desOrSelf" ptType="all node node" st="1 4 1" cnt="1 1 0"/>
+              </dgm:else>
+            </dgm:choose>
+          </dgm:else>
+        </dgm:choose>
+        <dgm:constrLst>
+          <dgm:constr type="tMarg"/>
+          <dgm:constr type="bMarg"/>
+          <dgm:constr type="lMarg"/>
+          <dgm:constr type="rMarg"/>
+          <dgm:constr type="primFontSz" val="65"/>
+        </dgm:constrLst>
+        <dgm:ruleLst>
+          <dgm:rule type="primFontSz" val="5" fact="NaN" max="NaN"/>
+        </dgm:ruleLst>
+      </dgm:layoutNode>
+    </dgm:forEach>
+    <dgm:forEach name="Name116" axis="ch" ptType="node" st="6" cnt="1">
+      <dgm:layoutNode name="circ6" styleLbl="vennNode1">
+        <dgm:alg type="sp"/>
+        <dgm:shape xmlns:r="http://schemas.openxmlformats.org/officeDocument/2006/relationships" type="ellipse" r:blip="">
+          <dgm:adjLst/>
+        </dgm:shape>
+        <dgm:presOf/>
+        <dgm:constrLst/>
+        <dgm:ruleLst/>
+      </dgm:layoutNode>
+      <dgm:layoutNode name="circ6Tx" styleLbl="revTx">
+        <dgm:varLst>
+          <dgm:chMax val="0"/>
+          <dgm:chPref val="0"/>
+          <dgm:bulletEnabled val="1"/>
+        </dgm:varLst>
+        <dgm:alg type="tx">
+          <dgm:param type="txAnchorHorzCh" val="ctr"/>
+          <dgm:param type="txAnchorVertCh" val="mid"/>
+        </dgm:alg>
+        <dgm:shape xmlns:r="http://schemas.openxmlformats.org/officeDocument/2006/relationships" type="rect" r:blip="" hideGeom="1">
+          <dgm:adjLst/>
+        </dgm:shape>
+        <dgm:choose name="Name117">
+          <dgm:if name="Name118" func="var" arg="dir" op="equ" val="norm">
+            <dgm:presOf axis="desOrSelf" ptType="node"/>
+          </dgm:if>
+          <dgm:else name="Name119">
+            <dgm:choose name="Name120">
+              <dgm:if name="Name121" axis="root ch" ptType="all node" func="cnt" op="equ" val="6">
+                <dgm:presOf axis="root ch desOrSelf" ptType="all node node" st="1 2 1" cnt="1 1 0"/>
+              </dgm:if>
+              <dgm:else name="Name122">
+                <dgm:presOf axis="root ch desOrSelf" ptType="all node node" st="1 3 1" cnt="1 1 0"/>
+              </dgm:else>
+            </dgm:choose>
+          </dgm:else>
+        </dgm:choose>
+        <dgm:constrLst>
+          <dgm:constr type="tMarg"/>
+          <dgm:constr type="bMarg"/>
+          <dgm:constr type="lMarg"/>
+          <dgm:constr type="rMarg"/>
+          <dgm:constr type="primFontSz" val="65"/>
+        </dgm:constrLst>
+        <dgm:ruleLst>
+          <dgm:rule type="primFontSz" val="5" fact="NaN" max="NaN"/>
+        </dgm:ruleLst>
+      </dgm:layoutNode>
+    </dgm:forEach>
+    <dgm:forEach name="Name123" axis="ch" ptType="node" st="7" cnt="1">
+      <dgm:layoutNode name="circ7" styleLbl="vennNode1">
+        <dgm:alg type="sp"/>
+        <dgm:shape xmlns:r="http://schemas.openxmlformats.org/officeDocument/2006/relationships" type="ellipse" r:blip="">
+          <dgm:adjLst/>
+        </dgm:shape>
+        <dgm:presOf/>
+        <dgm:constrLst/>
+        <dgm:ruleLst/>
+      </dgm:layoutNode>
+      <dgm:layoutNode name="circ7Tx" styleLbl="revTx">
+        <dgm:varLst>
+          <dgm:chMax val="0"/>
+          <dgm:chPref val="0"/>
+          <dgm:bulletEnabled val="1"/>
+        </dgm:varLst>
+        <dgm:alg type="tx">
+          <dgm:param type="txAnchorHorzCh" val="ctr"/>
+          <dgm:param type="txAnchorVertCh" val="mid"/>
+        </dgm:alg>
+        <dgm:shape xmlns:r="http://schemas.openxmlformats.org/officeDocument/2006/relationships" type="rect" r:blip="" hideGeom="1">
+          <dgm:adjLst/>
+        </dgm:shape>
+        <dgm:choose name="Name124">
+          <dgm:if name="Name125" func="var" arg="dir" op="equ" val="norm">
+            <dgm:presOf axis="desOrSelf" ptType="node"/>
+          </dgm:if>
+          <dgm:else name="Name126">
+            <dgm:presOf axis="root ch desOrSelf" ptType="all node node" st="1 2 1" cnt="1 1 0"/>
+          </dgm:else>
+        </dgm:choose>
+        <dgm:constrLst>
+          <dgm:constr type="tMarg"/>
+          <dgm:constr type="bMarg"/>
+          <dgm:constr type="lMarg"/>
+          <dgm:constr type="rMarg"/>
+          <dgm:constr type="primFontSz" val="65"/>
+        </dgm:constrLst>
+        <dgm:ruleLst>
+          <dgm:rule type="primFontSz" val="5" fact="NaN" max="NaN"/>
+        </dgm:ruleLst>
+      </dgm:layoutNode>
+    </dgm:forEach>
+  </dgm:layoutNode>
+</dgm:layoutDef>
+</file>
+
+<file path=ppt/diagrams/quickStyle1.xml><?xml version="1.0" encoding="utf-8"?>
+<dgm:styleDef xmlns:dgm="http://schemas.openxmlformats.org/drawingml/2006/diagram" xmlns:a="http://schemas.openxmlformats.org/drawingml/2006/main" uniqueId="urn:microsoft.com/office/officeart/2005/8/quickstyle/simple1">
+  <dgm:title val=""/>
+  <dgm:desc val=""/>
+  <dgm:catLst>
+    <dgm:cat type="simple" pri="10100"/>
+  </dgm:catLst>
+  <dgm:scene3d>
+    <a:camera prst="orthographicFront"/>
+    <a:lightRig rig="threePt" dir="t"/>
+  </dgm:scene3d>
+  <dgm:styleLbl name="node0">
+    <dgm:scene3d>
+      <a:camera prst="orthographicFront"/>
+      <a:lightRig rig="threePt" dir="t"/>
+    </dgm:scene3d>
+    <dgm:sp3d/>
+    <dgm:txPr/>
+    <dgm:style>
+      <a:lnRef idx="2">
+        <a:scrgbClr r="0" g="0" b="0"/>
+      </a:lnRef>
+      <a:fillRef idx="1">
+        <a:scrgbClr r="0" g="0" b="0"/>
+      </a:fillRef>
+      <a:effectRef idx="0">
+        <a:scrgbClr r="0" g="0" b="0"/>
+      </a:effectRef>
+      <a:fontRef idx="minor">
+        <a:schemeClr val="lt1"/>
+      </a:fontRef>
+    </dgm:style>
+  </dgm:styleLbl>
+  <dgm:styleLbl name="lnNode1">
+    <dgm:scene3d>
+      <a:camera prst="orthographicFront"/>
+      <a:lightRig rig="threePt" dir="t"/>
+    </dgm:scene3d>
+    <dgm:sp3d/>
+    <dgm:txPr/>
+    <dgm:style>
+      <a:lnRef idx="2">
+        <a:scrgbClr r="0" g="0" b="0"/>
+      </a:lnRef>
+      <a:fillRef idx="1">
+        <a:scrgbClr r="0" g="0" b="0"/>
+      </a:fillRef>
+      <a:effectRef idx="0">
+        <a:scrgbClr r="0" g="0" b="0"/>
+      </a:effectRef>
+      <a:fontRef idx="minor">
+        <a:schemeClr val="lt1"/>
+      </a:fontRef>
+    </dgm:style>
+  </dgm:styleLbl>
+  <dgm:styleLbl name="vennNode1">
+    <dgm:scene3d>
+      <a:camera prst="orthographicFront"/>
+      <a:lightRig rig="threePt" dir="t"/>
+    </dgm:scene3d>
+    <dgm:sp3d/>
+    <dgm:txPr/>
+    <dgm:style>
+      <a:lnRef idx="2">
+        <a:scrgbClr r="0" g="0" b="0"/>
+      </a:lnRef>
+      <a:fillRef idx="1">
+        <a:scrgbClr r="0" g="0" b="0"/>
+      </a:fillRef>
+      <a:effectRef idx="0">
+        <a:scrgbClr r="0" g="0" b="0"/>
+      </a:effectRef>
+      <a:fontRef idx="minor">
+        <a:schemeClr val="tx1"/>
+      </a:fontRef>
+    </dgm:style>
+  </dgm:styleLbl>
+  <dgm:styleLbl name="alignNode1">
+    <dgm:scene3d>
+      <a:camera prst="orthographicFront"/>
+      <a:lightRig rig="threePt" dir="t"/>
+    </dgm:scene3d>
+    <dgm:sp3d/>
+    <dgm:txPr/>
+    <dgm:style>
+      <a:lnRef idx="2">
+        <a:scrgbClr r="0" g="0" b="0"/>
+      </a:lnRef>
+      <a:fillRef idx="1">
+        <a:scrgbClr r="0" g="0" b="0"/>
+      </a:fillRef>
+      <a:effectRef idx="0">
+        <a:scrgbClr r="0" g="0" b="0"/>
+      </a:effectRef>
+      <a:fontRef idx="minor">
+        <a:schemeClr val="lt1"/>
+      </a:fontRef>
+    </dgm:style>
+  </dgm:styleLbl>
+  <dgm:styleLbl name="node1">
+    <dgm:scene3d>
+      <a:camera prst="orthographicFront"/>
+      <a:lightRig rig="threePt" dir="t"/>
+    </dgm:scene3d>
+    <dgm:sp3d/>
+    <dgm:txPr/>
+    <dgm:style>
+      <a:lnRef idx="2">
+        <a:scrgbClr r="0" g="0" b="0"/>
+      </a:lnRef>
+      <a:fillRef idx="1">
+        <a:scrgbClr r="0" g="0" b="0"/>
+      </a:fillRef>
+      <a:effectRef idx="0">
+        <a:scrgbClr r="0" g="0" b="0"/>
+      </a:effectRef>
+      <a:fontRef idx="minor">
+        <a:schemeClr val="lt1"/>
+      </a:fontRef>
+    </dgm:style>
+  </dgm:styleLbl>
+  <dgm:styleLbl name="node2">
+    <dgm:scene3d>
+      <a:camera prst="orthographicFront"/>
+      <a:lightRig rig="threePt" dir="t"/>
+    </dgm:scene3d>
+    <dgm:sp3d/>
+    <dgm:txPr/>
+    <dgm:style>
+      <a:lnRef idx="2">
+        <a:scrgbClr r="0" g="0" b="0"/>
+      </a:lnRef>
+      <a:fillRef idx="1">
+        <a:scrgbClr r="0" g="0" b="0"/>
+      </a:fillRef>
+      <a:effectRef idx="0">
+        <a:scrgbClr r="0" g="0" b="0"/>
+      </a:effectRef>
+      <a:fontRef idx="minor">
+        <a:schemeClr val="lt1"/>
+      </a:fontRef>
+    </dgm:style>
+  </dgm:styleLbl>
+  <dgm:styleLbl name="node3">
+    <dgm:scene3d>
+      <a:camera prst="orthographicFront"/>
+      <a:lightRig rig="threePt" dir="t"/>
+    </dgm:scene3d>
+    <dgm:sp3d/>
+    <dgm:txPr/>
+    <dgm:style>
+      <a:lnRef idx="2">
+        <a:scrgbClr r="0" g="0" b="0"/>
+      </a:lnRef>
+      <a:fillRef idx="1">
+        <a:scrgbClr r="0" g="0" b="0"/>
+      </a:fillRef>
+      <a:effectRef idx="0">
+        <a:scrgbClr r="0" g="0" b="0"/>
+      </a:effectRef>
+      <a:fontRef idx="minor">
+        <a:schemeClr val="lt1"/>
+      </a:fontRef>
+    </dgm:style>
+  </dgm:styleLbl>
+  <dgm:styleLbl name="node4">
+    <dgm:scene3d>
+      <a:camera prst="orthographicFront"/>
+      <a:lightRig rig="threePt" dir="t"/>
+    </dgm:scene3d>
+    <dgm:sp3d/>
+    <dgm:txPr/>
+    <dgm:style>
+      <a:lnRef idx="2">
+        <a:scrgbClr r="0" g="0" b="0"/>
+      </a:lnRef>
+      <a:fillRef idx="1">
+        <a:scrgbClr r="0" g="0" b="0"/>
+      </a:fillRef>
+      <a:effectRef idx="0">
+        <a:scrgbClr r="0" g="0" b="0"/>
+      </a:effectRef>
+      <a:fontRef idx="minor">
+        <a:schemeClr val="lt1"/>
+      </a:fontRef>
+    </dgm:style>
+  </dgm:styleLbl>
+  <dgm:styleLbl name="fgImgPlace1">
+    <dgm:scene3d>
+      <a:camera prst="orthographicFront"/>
+      <a:lightRig rig="threePt" dir="t"/>
+    </dgm:scene3d>
+    <dgm:sp3d/>
+    <dgm:txPr/>
+    <dgm:style>
+      <a:lnRef idx="2">
+        <a:scrgbClr r="0" g="0" b="0"/>
+      </a:lnRef>
+      <a:fillRef idx="1">
+        <a:scrgbClr r="0" g="0" b="0"/>
+      </a:fillRef>
+      <a:effectRef idx="0">
+        <a:scrgbClr r="0" g="0" b="0"/>
+      </a:effectRef>
+      <a:fontRef idx="minor"/>
+    </dgm:style>
+  </dgm:styleLbl>
+  <dgm:styleLbl name="alignImgPlace1">
+    <dgm:scene3d>
+      <a:camera prst="orthographicFront"/>
+      <a:lightRig rig="threePt" dir="t"/>
+    </dgm:scene3d>
+    <dgm:sp3d/>
+    <dgm:txPr/>
+    <dgm:style>
+      <a:lnRef idx="2">
+        <a:scrgbClr r="0" g="0" b="0"/>
+      </a:lnRef>
+      <a:fillRef idx="1">
+        <a:scrgbClr r="0" g="0" b="0"/>
+      </a:fillRef>
+      <a:effectRef idx="0">
+        <a:scrgbClr r="0" g="0" b="0"/>
+      </a:effectRef>
+      <a:fontRef idx="minor"/>
+    </dgm:style>
+  </dgm:styleLbl>
+  <dgm:styleLbl name="bgImgPlace1">
+    <dgm:scene3d>
+      <a:camera prst="orthographicFront"/>
+      <a:lightRig rig="threePt" dir="t"/>
+    </dgm:scene3d>
+    <dgm:sp3d/>
+    <dgm:txPr/>
+    <dgm:style>
+      <a:lnRef idx="2">
+        <a:scrgbClr r="0" g="0" b="0"/>
+      </a:lnRef>
+      <a:fillRef idx="1">
+        <a:scrgbClr r="0" g="0" b="0"/>
+      </a:fillRef>
+      <a:effectRef idx="0">
+        <a:scrgbClr r="0" g="0" b="0"/>
+      </a:effectRef>
+      <a:fontRef idx="minor"/>
+    </dgm:style>
+  </dgm:styleLbl>
+  <dgm:styleLbl name="sibTrans2D1">
+    <dgm:scene3d>
+      <a:camera prst="orthographicFront"/>
+      <a:lightRig rig="threePt" dir="t"/>
+    </dgm:scene3d>
+    <dgm:sp3d/>
+    <dgm:txPr/>
+    <dgm:style>
+      <a:lnRef idx="0">
+        <a:scrgbClr r="0" g="0" b="0"/>
+      </a:lnRef>
+      <a:fillRef idx="1">
+        <a:scrgbClr r="0" g="0" b="0"/>
+      </a:fillRef>
+      <a:effectRef idx="0">
+        <a:scrgbClr r="0" g="0" b="0"/>
+      </a:effectRef>
+      <a:fontRef idx="minor">
+        <a:schemeClr val="lt1"/>
+      </a:fontRef>
+    </dgm:style>
+  </dgm:styleLbl>
+  <dgm:styleLbl name="fgSibTrans2D1">
+    <dgm:scene3d>
+      <a:camera prst="orthographicFront"/>
+      <a:lightRig rig="threePt" dir="t"/>
+    </dgm:scene3d>
+    <dgm:sp3d/>
+    <dgm:txPr/>
+    <dgm:style>
+      <a:lnRef idx="0">
+        <a:scrgbClr r="0" g="0" b="0"/>
+      </a:lnRef>
+      <a:fillRef idx="1">
+        <a:scrgbClr r="0" g="0" b="0"/>
+      </a:fillRef>
+      <a:effectRef idx="0">
+        <a:scrgbClr r="0" g="0" b="0"/>
+      </a:effectRef>
+      <a:fontRef idx="minor">
+        <a:schemeClr val="lt1"/>
+      </a:fontRef>
+    </dgm:style>
+  </dgm:styleLbl>
+  <dgm:styleLbl name="bgSibTrans2D1">
+    <dgm:scene3d>
+      <a:camera prst="orthographicFront"/>
+      <a:lightRig rig="threePt" dir="t"/>
+    </dgm:scene3d>
+    <dgm:sp3d/>
+    <dgm:txPr/>
+    <dgm:style>
+      <a:lnRef idx="0">
+        <a:scrgbClr r="0" g="0" b="0"/>
+      </a:lnRef>
+      <a:fillRef idx="1">
+        <a:scrgbClr r="0" g="0" b="0"/>
+      </a:fillRef>
+      <a:effectRef idx="0">
+        <a:scrgbClr r="0" g="0" b="0"/>
+      </a:effectRef>
+      <a:fontRef idx="minor">
+        <a:schemeClr val="lt1"/>
+      </a:fontRef>
+    </dgm:style>
+  </dgm:styleLbl>
+  <dgm:styleLbl name="sibTrans1D1">
+    <dgm:scene3d>
+      <a:camera prst="orthographicFront"/>
+      <a:lightRig rig="threePt" dir="t"/>
+    </dgm:scene3d>
+    <dgm:sp3d/>
+    <dgm:txPr/>
+    <dgm:style>
+      <a:lnRef idx="1">
+        <a:scrgbClr r="0" g="0" b="0"/>
+      </a:lnRef>
+      <a:fillRef idx="0">
+        <a:scrgbClr r="0" g="0" b="0"/>
+      </a:fillRef>
+      <a:effectRef idx="0">
+        <a:scrgbClr r="0" g="0" b="0"/>
+      </a:effectRef>
+      <a:fontRef idx="minor"/>
+    </dgm:style>
+  </dgm:styleLbl>
+  <dgm:styleLbl name="callout">
+    <dgm:scene3d>
+      <a:camera prst="orthographicFront"/>
+      <a:lightRig rig="threePt" dir="t"/>
+    </dgm:scene3d>
+    <dgm:sp3d/>
+    <dgm:txPr/>
+    <dgm:style>
+      <a:lnRef idx="2">
+        <a:scrgbClr r="0" g="0" b="0"/>
+      </a:lnRef>
+      <a:fillRef idx="1">
+        <a:scrgbClr r="0" g="0" b="0"/>
+      </a:fillRef>
+      <a:effectRef idx="0">
+        <a:scrgbClr r="0" g="0" b="0"/>
+      </a:effectRef>
+      <a:fontRef idx="minor"/>
+    </dgm:style>
+  </dgm:styleLbl>
+  <dgm:styleLbl name="asst0">
+    <dgm:scene3d>
+      <a:camera prst="orthographicFront"/>
+      <a:lightRig rig="threePt" dir="t"/>
+    </dgm:scene3d>
+    <dgm:sp3d/>
+    <dgm:txPr/>
+    <dgm:style>
+      <a:lnRef idx="2">
+        <a:scrgbClr r="0" g="0" b="0"/>
+      </a:lnRef>
+      <a:fillRef idx="1">
+        <a:scrgbClr r="0" g="0" b="0"/>
+      </a:fillRef>
+      <a:effectRef idx="0">
+        <a:scrgbClr r="0" g="0" b="0"/>
+      </a:effectRef>
+      <a:fontRef idx="minor">
+        <a:schemeClr val="lt1"/>
+      </a:fontRef>
+    </dgm:style>
+  </dgm:styleLbl>
+  <dgm:styleLbl name="asst1">
+    <dgm:scene3d>
+      <a:camera prst="orthographicFront"/>
+      <a:lightRig rig="threePt" dir="t"/>
+    </dgm:scene3d>
+    <dgm:sp3d/>
+    <dgm:txPr/>
+    <dgm:style>
+      <a:lnRef idx="2">
+        <a:scrgbClr r="0" g="0" b="0"/>
+      </a:lnRef>
+      <a:fillRef idx="1">
+        <a:scrgbClr r="0" g="0" b="0"/>
+      </a:fillRef>
+      <a:effectRef idx="0">
+        <a:scrgbClr r="0" g="0" b="0"/>
+      </a:effectRef>
+      <a:fontRef idx="minor">
+        <a:schemeClr val="lt1"/>
+      </a:fontRef>
+    </dgm:style>
+  </dgm:styleLbl>
+  <dgm:styleLbl name="asst2">
+    <dgm:scene3d>
+      <a:camera prst="orthographicFront"/>
+      <a:lightRig rig="threePt" dir="t"/>
+    </dgm:scene3d>
+    <dgm:sp3d/>
+    <dgm:txPr/>
+    <dgm:style>
+      <a:lnRef idx="2">
+        <a:scrgbClr r="0" g="0" b="0"/>
+      </a:lnRef>
+      <a:fillRef idx="1">
+        <a:scrgbClr r="0" g="0" b="0"/>
+      </a:fillRef>
+      <a:effectRef idx="0">
+        <a:scrgbClr r="0" g="0" b="0"/>
+      </a:effectRef>
+      <a:fontRef idx="minor">
+        <a:schemeClr val="lt1"/>
+      </a:fontRef>
+    </dgm:style>
+  </dgm:styleLbl>
+  <dgm:styleLbl name="asst3">
+    <dgm:scene3d>
+      <a:camera prst="orthographicFront"/>
+      <a:lightRig rig="threePt" dir="t"/>
+    </dgm:scene3d>
+    <dgm:sp3d/>
+    <dgm:txPr/>
+    <dgm:style>
+      <a:lnRef idx="2">
+        <a:scrgbClr r="0" g="0" b="0"/>
+      </a:lnRef>
+      <a:fillRef idx="1">
+        <a:scrgbClr r="0" g="0" b="0"/>
+      </a:fillRef>
+      <a:effectRef idx="0">
+        <a:scrgbClr r="0" g="0" b="0"/>
+      </a:effectRef>
+      <a:fontRef idx="minor">
+        <a:schemeClr val="lt1"/>
+      </a:fontRef>
+    </dgm:style>
+  </dgm:styleLbl>
+  <dgm:styleLbl name="asst4">
+    <dgm:scene3d>
+      <a:camera prst="orthographicFront"/>
+      <a:lightRig rig="threePt" dir="t"/>
+    </dgm:scene3d>
+    <dgm:sp3d/>
+    <dgm:txPr/>
+    <dgm:style>
+      <a:lnRef idx="2">
+        <a:scrgbClr r="0" g="0" b="0"/>
+      </a:lnRef>
+      <a:fillRef idx="1">
+        <a:scrgbClr r="0" g="0" b="0"/>
+      </a:fillRef>
+      <a:effectRef idx="0">
+        <a:scrgbClr r="0" g="0" b="0"/>
+      </a:effectRef>
+      <a:fontRef idx="minor">
+        <a:schemeClr val="lt1"/>
+      </a:fontRef>
+    </dgm:style>
+  </dgm:styleLbl>
+  <dgm:styleLbl name="parChTrans2D1">
+    <dgm:scene3d>
+      <a:camera prst="orthographicFront"/>
+      <a:lightRig rig="threePt" dir="t"/>
+    </dgm:scene3d>
+    <dgm:sp3d/>
+    <dgm:txPr/>
+    <dgm:style>
+      <a:lnRef idx="2">
+        <a:scrgbClr r="0" g="0" b="0"/>
+      </a:lnRef>
+      <a:fillRef idx="1">
+        <a:scrgbClr r="0" g="0" b="0"/>
+      </a:fillRef>
+      <a:effectRef idx="0">
+        <a:scrgbClr r="0" g="0" b="0"/>
+      </a:effectRef>
+      <a:fontRef idx="minor">
+        <a:schemeClr val="lt1"/>
+      </a:fontRef>
+    </dgm:style>
+  </dgm:styleLbl>
+  <dgm:styleLbl name="parChTrans2D2">
+    <dgm:scene3d>
+      <a:camera prst="orthographicFront"/>
+      <a:lightRig rig="threePt" dir="t"/>
+    </dgm:scene3d>
+    <dgm:sp3d/>
+    <dgm:txPr/>
+    <dgm:style>
+      <a:lnRef idx="2">
+        <a:scrgbClr r="0" g="0" b="0"/>
+      </a:lnRef>
+      <a:fillRef idx="1">
+        <a:scrgbClr r="0" g="0" b="0"/>
+      </a:fillRef>
+      <a:effectRef idx="0">
+        <a:scrgbClr r="0" g="0" b="0"/>
+      </a:effectRef>
+      <a:fontRef idx="minor">
+        <a:schemeClr val="lt1"/>
+      </a:fontRef>
+    </dgm:style>
+  </dgm:styleLbl>
+  <dgm:styleLbl name="parChTrans2D3">
+    <dgm:scene3d>
+      <a:camera prst="orthographicFront"/>
+      <a:lightRig rig="threePt" dir="t"/>
+    </dgm:scene3d>
+    <dgm:sp3d/>
+    <dgm:txPr/>
+    <dgm:style>
+      <a:lnRef idx="2">
+        <a:scrgbClr r="0" g="0" b="0"/>
+      </a:lnRef>
+      <a:fillRef idx="1">
+        <a:scrgbClr r="0" g="0" b="0"/>
+      </a:fillRef>
+      <a:effectRef idx="0">
+        <a:scrgbClr r="0" g="0" b="0"/>
+      </a:effectRef>
+      <a:fontRef idx="minor">
+        <a:schemeClr val="lt1"/>
+      </a:fontRef>
+    </dgm:style>
+  </dgm:styleLbl>
+  <dgm:styleLbl name="parChTrans2D4">
+    <dgm:scene3d>
+      <a:camera prst="orthographicFront"/>
+      <a:lightRig rig="threePt" dir="t"/>
+    </dgm:scene3d>
+    <dgm:sp3d/>
+    <dgm:txPr/>
+    <dgm:style>
+      <a:lnRef idx="2">
+        <a:scrgbClr r="0" g="0" b="0"/>
+      </a:lnRef>
+      <a:fillRef idx="1">
+        <a:scrgbClr r="0" g="0" b="0"/>
+      </a:fillRef>
+      <a:effectRef idx="0">
+        <a:scrgbClr r="0" g="0" b="0"/>
+      </a:effectRef>
+      <a:fontRef idx="minor">
+        <a:schemeClr val="lt1"/>
+      </a:fontRef>
+    </dgm:style>
+  </dgm:styleLbl>
+  <dgm:styleLbl name="parChTrans1D1">
+    <dgm:scene3d>
+      <a:camera prst="orthographicFront"/>
+      <a:lightRig rig="threePt" dir="t"/>
+    </dgm:scene3d>
+    <dgm:sp3d/>
+    <dgm:txPr/>
+    <dgm:style>
+      <a:lnRef idx="2">
+        <a:scrgbClr r="0" g="0" b="0"/>
+      </a:lnRef>
+      <a:fillRef idx="0">
+        <a:scrgbClr r="0" g="0" b="0"/>
+      </a:fillRef>
+      <a:effectRef idx="0">
+        <a:scrgbClr r="0" g="0" b="0"/>
+      </a:effectRef>
+      <a:fontRef idx="minor"/>
+    </dgm:style>
+  </dgm:styleLbl>
+  <dgm:styleLbl name="parChTrans1D2">
+    <dgm:scene3d>
+      <a:camera prst="orthographicFront"/>
+      <a:lightRig rig="threePt" dir="t"/>
+    </dgm:scene3d>
+    <dgm:sp3d/>
+    <dgm:txPr/>
+    <dgm:style>
+      <a:lnRef idx="2">
+        <a:scrgbClr r="0" g="0" b="0"/>
+      </a:lnRef>
+      <a:fillRef idx="0">
+        <a:scrgbClr r="0" g="0" b="0"/>
+      </a:fillRef>
+      <a:effectRef idx="0">
+        <a:scrgbClr r="0" g="0" b="0"/>
+      </a:effectRef>
+      <a:fontRef idx="minor"/>
+    </dgm:style>
+  </dgm:styleLbl>
+  <dgm:styleLbl name="parChTrans1D3">
+    <dgm:scene3d>
+      <a:camera prst="orthographicFront"/>
+      <a:lightRig rig="threePt" dir="t"/>
+    </dgm:scene3d>
+    <dgm:sp3d/>
+    <dgm:txPr/>
+    <dgm:style>
+      <a:lnRef idx="2">
+        <a:scrgbClr r="0" g="0" b="0"/>
+      </a:lnRef>
+      <a:fillRef idx="0">
+        <a:scrgbClr r="0" g="0" b="0"/>
+      </a:fillRef>
+      <a:effectRef idx="0">
+        <a:scrgbClr r="0" g="0" b="0"/>
+      </a:effectRef>
+      <a:fontRef idx="minor"/>
+    </dgm:style>
+  </dgm:styleLbl>
+  <dgm:styleLbl name="parChTrans1D4">
+    <dgm:scene3d>
+      <a:camera prst="orthographicFront"/>
+      <a:lightRig rig="threePt" dir="t"/>
+    </dgm:scene3d>
+    <dgm:sp3d/>
+    <dgm:txPr/>
+    <dgm:style>
+      <a:lnRef idx="2">
+        <a:scrgbClr r="0" g="0" b="0"/>
+      </a:lnRef>
+      <a:fillRef idx="0">
+        <a:scrgbClr r="0" g="0" b="0"/>
+      </a:fillRef>
+      <a:effectRef idx="0">
+        <a:scrgbClr r="0" g="0" b="0"/>
+      </a:effectRef>
+      <a:fontRef idx="minor"/>
+    </dgm:style>
+  </dgm:styleLbl>
+  <dgm:styleLbl name="fgAcc1">
+    <dgm:scene3d>
+      <a:camera prst="orthographicFront"/>
+      <a:lightRig rig="threePt" dir="t"/>
+    </dgm:scene3d>
+    <dgm:sp3d/>
+    <dgm:txPr/>
+    <dgm:style>
+      <a:lnRef idx="2">
+        <a:scrgbClr r="0" g="0" b="0"/>
+      </a:lnRef>
+      <a:fillRef idx="1">
+        <a:scrgbClr r="0" g="0" b="0"/>
+      </a:fillRef>
+      <a:effectRef idx="0">
+        <a:scrgbClr r="0" g="0" b="0"/>
+      </a:effectRef>
+      <a:fontRef idx="minor"/>
+    </dgm:style>
+  </dgm:styleLbl>
+  <dgm:styleLbl name="conFgAcc1">
+    <dgm:scene3d>
+      <a:camera prst="orthographicFront"/>
+      <a:lightRig rig="threePt" dir="t"/>
+    </dgm:scene3d>
+    <dgm:sp3d/>
+    <dgm:txPr/>
+    <dgm:style>
+      <a:lnRef idx="2">
+        <a:scrgbClr r="0" g="0" b="0"/>
+      </a:lnRef>
+      <a:fillRef idx="1">
+        <a:scrgbClr r="0" g="0" b="0"/>
+      </a:fillRef>
+      <a:effectRef idx="0">
+        <a:scrgbClr r="0" g="0" b="0"/>
+      </a:effectRef>
+      <a:fontRef idx="minor"/>
+    </dgm:style>
+  </dgm:styleLbl>
+  <dgm:styleLbl name="alignAcc1">
+    <dgm:scene3d>
+      <a:camera prst="orthographicFront"/>
+      <a:lightRig rig="threePt" dir="t"/>
+    </dgm:scene3d>
+    <dgm:sp3d/>
+    <dgm:txPr/>
+    <dgm:style>
+      <a:lnRef idx="2">
+        <a:scrgbClr r="0" g="0" b="0"/>
+      </a:lnRef>
+      <a:fillRef idx="1">
+        <a:scrgbClr r="0" g="0" b="0"/>
+      </a:fillRef>
+      <a:effectRef idx="0">
+        <a:scrgbClr r="0" g="0" b="0"/>
+      </a:effectRef>
+      <a:fontRef idx="minor"/>
+    </dgm:style>
+  </dgm:styleLbl>
+  <dgm:styleLbl name="trAlignAcc1">
+    <dgm:scene3d>
+      <a:camera prst="orthographicFront"/>
+      <a:lightRig rig="threePt" dir="t"/>
+    </dgm:scene3d>
+    <dgm:sp3d/>
+    <dgm:txPr/>
+    <dgm:style>
+      <a:lnRef idx="1">
+        <a:scrgbClr r="0" g="0" b="0"/>
+      </a:lnRef>
+      <a:fillRef idx="1">
+        <a:scrgbClr r="0" g="0" b="0"/>
+      </a:fillRef>
+      <a:effectRef idx="0">
+        <a:scrgbClr r="0" g="0" b="0"/>
+      </a:effectRef>
+      <a:fontRef idx="minor"/>
+    </dgm:style>
+  </dgm:styleLbl>
+  <dgm:styleLbl name="bgAcc1">
+    <dgm:scene3d>
+      <a:camera prst="orthographicFront"/>
+      <a:lightRig rig="threePt" dir="t"/>
+    </dgm:scene3d>
+    <dgm:sp3d/>
+    <dgm:txPr/>
+    <dgm:style>
+      <a:lnRef idx="2">
+        <a:scrgbClr r="0" g="0" b="0"/>
+      </a:lnRef>
+      <a:fillRef idx="1">
+        <a:scrgbClr r="0" g="0" b="0"/>
+      </a:fillRef>
+      <a:effectRef idx="0">
+        <a:scrgbClr r="0" g="0" b="0"/>
+      </a:effectRef>
+      <a:fontRef idx="minor"/>
+    </dgm:style>
+  </dgm:styleLbl>
+  <dgm:styleLbl name="solidFgAcc1">
+    <dgm:scene3d>
+      <a:camera prst="orthographicFront"/>
+      <a:lightRig rig="threePt" dir="t"/>
+    </dgm:scene3d>
+    <dgm:sp3d/>
+    <dgm:txPr/>
+    <dgm:style>
+      <a:lnRef idx="2">
+        <a:scrgbClr r="0" g="0" b="0"/>
+      </a:lnRef>
+      <a:fillRef idx="1">
+        <a:scrgbClr r="0" g="0" b="0"/>
+      </a:fillRef>
+      <a:effectRef idx="0">
+        <a:scrgbClr r="0" g="0" b="0"/>
+      </a:effectRef>
+      <a:fontRef idx="minor"/>
+    </dgm:style>
+  </dgm:styleLbl>
+  <dgm:styleLbl name="solidAlignAcc1">
+    <dgm:scene3d>
+      <a:camera prst="orthographicFront"/>
+      <a:lightRig rig="threePt" dir="t"/>
+    </dgm:scene3d>
+    <dgm:sp3d/>
+    <dgm:txPr/>
+    <dgm:style>
+      <a:lnRef idx="2">
+        <a:scrgbClr r="0" g="0" b="0"/>
+      </a:lnRef>
+      <a:fillRef idx="1">
+        <a:scrgbClr r="0" g="0" b="0"/>
+      </a:fillRef>
+      <a:effectRef idx="0">
+        <a:scrgbClr r="0" g="0" b="0"/>
+      </a:effectRef>
+      <a:fontRef idx="minor"/>
+    </dgm:style>
+  </dgm:styleLbl>
+  <dgm:styleLbl name="solidBgAcc1">
+    <dgm:scene3d>
+      <a:camera prst="orthographicFront"/>
+      <a:lightRig rig="threePt" dir="t"/>
+    </dgm:scene3d>
+    <dgm:sp3d/>
+    <dgm:txPr/>
+    <dgm:style>
+      <a:lnRef idx="2">
+        <a:scrgbClr r="0" g="0" b="0"/>
+      </a:lnRef>
+      <a:fillRef idx="1">
+        <a:scrgbClr r="0" g="0" b="0"/>
+      </a:fillRef>
+      <a:effectRef idx="0">
+        <a:scrgbClr r="0" g="0" b="0"/>
+      </a:effectRef>
+      <a:fontRef idx="minor"/>
+    </dgm:style>
+  </dgm:styleLbl>
+  <dgm:styleLbl name="fgAccFollowNode1">
+    <dgm:scene3d>
+      <a:camera prst="orthographicFront"/>
+      <a:lightRig rig="threePt" dir="t"/>
+    </dgm:scene3d>
+    <dgm:sp3d/>
+    <dgm:txPr/>
+    <dgm:style>
+      <a:lnRef idx="2">
+        <a:scrgbClr r="0" g="0" b="0"/>
+      </a:lnRef>
+      <a:fillRef idx="1">
+        <a:scrgbClr r="0" g="0" b="0"/>
+      </a:fillRef>
+      <a:effectRef idx="0">
+        <a:scrgbClr r="0" g="0" b="0"/>
+      </a:effectRef>
+      <a:fontRef idx="minor"/>
+    </dgm:style>
+  </dgm:styleLbl>
+  <dgm:styleLbl name="alignAccFollowNode1">
+    <dgm:scene3d>
+      <a:camera prst="orthographicFront"/>
+      <a:lightRig rig="threePt" dir="t"/>
+    </dgm:scene3d>
+    <dgm:sp3d/>
+    <dgm:txPr/>
+    <dgm:style>
+      <a:lnRef idx="2">
+        <a:scrgbClr r="0" g="0" b="0"/>
+      </a:lnRef>
+      <a:fillRef idx="1">
+        <a:scrgbClr r="0" g="0" b="0"/>
+      </a:fillRef>
+      <a:effectRef idx="0">
+        <a:scrgbClr r="0" g="0" b="0"/>
+      </a:effectRef>
+      <a:fontRef idx="minor"/>
+    </dgm:style>
+  </dgm:styleLbl>
+  <dgm:styleLbl name="bgAccFollowNode1">
+    <dgm:scene3d>
+      <a:camera prst="orthographicFront"/>
+      <a:lightRig rig="threePt" dir="t"/>
+    </dgm:scene3d>
+    <dgm:sp3d/>
+    <dgm:txPr/>
+    <dgm:style>
+      <a:lnRef idx="2">
+        <a:scrgbClr r="0" g="0" b="0"/>
+      </a:lnRef>
+      <a:fillRef idx="1">
+        <a:scrgbClr r="0" g="0" b="0"/>
+      </a:fillRef>
+      <a:effectRef idx="0">
+        <a:scrgbClr r="0" g="0" b="0"/>
+      </a:effectRef>
+      <a:fontRef idx="minor"/>
+    </dgm:style>
+  </dgm:styleLbl>
+  <dgm:styleLbl name="fgAcc0">
+    <dgm:scene3d>
+      <a:camera prst="orthographicFront"/>
+      <a:lightRig rig="threePt" dir="t"/>
+    </dgm:scene3d>
+    <dgm:sp3d/>
+    <dgm:txPr/>
+    <dgm:style>
+      <a:lnRef idx="2">
+        <a:scrgbClr r="0" g="0" b="0"/>
+      </a:lnRef>
+      <a:fillRef idx="1">
+        <a:scrgbClr r="0" g="0" b="0"/>
+      </a:fillRef>
+      <a:effectRef idx="0">
+        <a:scrgbClr r="0" g="0" b="0"/>
+      </a:effectRef>
+      <a:fontRef idx="minor"/>
+    </dgm:style>
+  </dgm:styleLbl>
+  <dgm:styleLbl name="fgAcc2">
+    <dgm:scene3d>
+      <a:camera prst="orthographicFront"/>
+      <a:lightRig rig="threePt" dir="t"/>
+    </dgm:scene3d>
+    <dgm:sp3d/>
+    <dgm:txPr/>
+    <dgm:style>
+      <a:lnRef idx="2">
+        <a:scrgbClr r="0" g="0" b="0"/>
+      </a:lnRef>
+      <a:fillRef idx="1">
+        <a:scrgbClr r="0" g="0" b="0"/>
+      </a:fillRef>
+      <a:effectRef idx="0">
+        <a:scrgbClr r="0" g="0" b="0"/>
+      </a:effectRef>
+      <a:fontRef idx="minor"/>
+    </dgm:style>
+  </dgm:styleLbl>
+  <dgm:styleLbl name="fgAcc3">
+    <dgm:scene3d>
+      <a:camera prst="orthographicFront"/>
+      <a:lightRig rig="threePt" dir="t"/>
+    </dgm:scene3d>
+    <dgm:sp3d/>
+    <dgm:txPr/>
+    <dgm:style>
+      <a:lnRef idx="2">
+        <a:scrgbClr r="0" g="0" b="0"/>
+      </a:lnRef>
+      <a:fillRef idx="1">
+        <a:scrgbClr r="0" g="0" b="0"/>
+      </a:fillRef>
+      <a:effectRef idx="0">
+        <a:scrgbClr r="0" g="0" b="0"/>
+      </a:effectRef>
+      <a:fontRef idx="minor"/>
+    </dgm:style>
+  </dgm:styleLbl>
+  <dgm:styleLbl name="fgAcc4">
+    <dgm:scene3d>
+      <a:camera prst="orthographicFront"/>
+      <a:lightRig rig="threePt" dir="t"/>
+    </dgm:scene3d>
+    <dgm:sp3d/>
+    <dgm:txPr/>
+    <dgm:style>
+      <a:lnRef idx="2">
+        <a:scrgbClr r="0" g="0" b="0"/>
+      </a:lnRef>
+      <a:fillRef idx="1">
+        <a:scrgbClr r="0" g="0" b="0"/>
+      </a:fillRef>
+      <a:effectRef idx="0">
+        <a:scrgbClr r="0" g="0" b="0"/>
+      </a:effectRef>
+      <a:fontRef idx="minor"/>
+    </dgm:style>
+  </dgm:styleLbl>
+  <dgm:styleLbl name="bgShp">
+    <dgm:scene3d>
+      <a:camera prst="orthographicFront"/>
+      <a:lightRig rig="threePt" dir="t"/>
+    </dgm:scene3d>
+    <dgm:sp3d/>
+    <dgm:txPr/>
+    <dgm:style>
+      <a:lnRef idx="0">
+        <a:scrgbClr r="0" g="0" b="0"/>
+      </a:lnRef>
+      <a:fillRef idx="1">
+        <a:scrgbClr r="0" g="0" b="0"/>
+      </a:fillRef>
+      <a:effectRef idx="0">
+        <a:scrgbClr r="0" g="0" b="0"/>
+      </a:effectRef>
+      <a:fontRef idx="minor"/>
+    </dgm:style>
+  </dgm:styleLbl>
+  <dgm:styleLbl name="dkBgShp">
+    <dgm:scene3d>
+      <a:camera prst="orthographicFront"/>
+      <a:lightRig rig="threePt" dir="t"/>
+    </dgm:scene3d>
+    <dgm:sp3d/>
+    <dgm:txPr/>
+    <dgm:style>
+      <a:lnRef idx="0">
+        <a:scrgbClr r="0" g="0" b="0"/>
+      </a:lnRef>
+      <a:fillRef idx="1">
+        <a:scrgbClr r="0" g="0" b="0"/>
+      </a:fillRef>
+      <a:effectRef idx="0">
+        <a:scrgbClr r="0" g="0" b="0"/>
+      </a:effectRef>
+      <a:fontRef idx="minor"/>
+    </dgm:style>
+  </dgm:styleLbl>
+  <dgm:styleLbl name="trBgShp">
+    <dgm:scene3d>
+      <a:camera prst="orthographicFront"/>
+      <a:lightRig rig="threePt" dir="t"/>
+    </dgm:scene3d>
+    <dgm:sp3d/>
+    <dgm:txPr/>
+    <dgm:style>
+      <a:lnRef idx="0">
+        <a:scrgbClr r="0" g="0" b="0"/>
+      </a:lnRef>
+      <a:fillRef idx="1">
+        <a:scrgbClr r="0" g="0" b="0"/>
+      </a:fillRef>
+      <a:effectRef idx="0">
+        <a:scrgbClr r="0" g="0" b="0"/>
+      </a:effectRef>
+      <a:fontRef idx="minor"/>
+    </dgm:style>
+  </dgm:styleLbl>
+  <dgm:styleLbl name="fgShp">
+    <dgm:scene3d>
+      <a:camera prst="orthographicFront"/>
+      <a:lightRig rig="threePt" dir="t"/>
+    </dgm:scene3d>
+    <dgm:sp3d/>
+    <dgm:txPr/>
+    <dgm:style>
+      <a:lnRef idx="2">
+        <a:scrgbClr r="0" g="0" b="0"/>
+      </a:lnRef>
+      <a:fillRef idx="1">
+        <a:scrgbClr r="0" g="0" b="0"/>
+      </a:fillRef>
+      <a:effectRef idx="0">
+        <a:scrgbClr r="0" g="0" b="0"/>
+      </a:effectRef>
+      <a:fontRef idx="minor"/>
+    </dgm:style>
+  </dgm:styleLbl>
+  <dgm:styleLbl name="revTx">
+    <dgm:scene3d>
+      <a:camera prst="orthographicFront"/>
+      <a:lightRig rig="threePt" dir="t"/>
+    </dgm:scene3d>
+    <dgm:sp3d/>
+    <dgm:txPr/>
+    <dgm:style>
+      <a:lnRef idx="0">
+        <a:scrgbClr r="0" g="0" b="0"/>
+      </a:lnRef>
+      <a:fillRef idx="0">
+        <a:scrgbClr r="0" g="0" b="0"/>
+      </a:fillRef>
+      <a:effectRef idx="0">
+        <a:scrgbClr r="0" g="0" b="0"/>
+      </a:effectRef>
+      <a:fontRef idx="minor"/>
+    </dgm:style>
+  </dgm:styleLbl>
+</dgm:styleDef>
+</file>
+
 <file path=ppt/notesMasters/notesMaster1.xml><?xml version="1.0" encoding="utf-8"?>
 <p:notesMaster xmlns:a="http://schemas.openxmlformats.org/drawingml/2006/main" xmlns:r="http://schemas.openxmlformats.org/officeDocument/2006/relationships" xmlns:p="http://schemas.openxmlformats.org/presentationml/2006/main">
   <p:cSld>
@@ -9301,38 +12338,46 @@
           <a:bodyPr/>
           <a:lstStyle/>
           <a:p>
+            <a:pPr algn="ctr"/>
             <a:r>
-              <a:rPr lang="de-DE" dirty="0"/>
-              <a:t>Warum beliebt?</a:t>
+              <a:rPr lang="de-DE" b="1" dirty="0">
+                <a:latin typeface="Microsoft YaHei UI" panose="020B0503020204020204" pitchFamily="34" charset="-122"/>
+                <a:ea typeface="Microsoft YaHei UI" panose="020B0503020204020204" pitchFamily="34" charset="-122"/>
+              </a:rPr>
+              <a:t>Eigenschaften beliebter Artisten</a:t>
             </a:r>
           </a:p>
         </p:txBody>
       </p:sp>
-      <p:sp>
-        <p:nvSpPr>
-          <p:cNvPr id="3" name="Content Placeholder 2">
+      <p:pic>
+        <p:nvPicPr>
+          <p:cNvPr id="7" name="Content Placeholder 6" descr="Chart&#10;&#10;Description automatically generated">
             <a:extLst>
               <a:ext uri="{FF2B5EF4-FFF2-40B4-BE49-F238E27FC236}">
-                <a16:creationId xmlns:a16="http://schemas.microsoft.com/office/drawing/2014/main" id="{22D1471C-A890-5709-3AD9-55A0A3743771}"/>
+                <a16:creationId xmlns:a16="http://schemas.microsoft.com/office/drawing/2014/main" id="{9BD64AD6-BCF8-DA60-3A97-F852DF038013}"/>
               </a:ext>
             </a:extLst>
           </p:cNvPr>
-          <p:cNvSpPr>
-            <a:spLocks noGrp="1"/>
-          </p:cNvSpPr>
+          <p:cNvPicPr>
+            <a:picLocks noGrp="1" noChangeAspect="1"/>
+          </p:cNvPicPr>
           <p:nvPr>
             <p:ph idx="1"/>
           </p:nvPr>
-        </p:nvSpPr>
-        <p:spPr/>
-        <p:txBody>
-          <a:bodyPr/>
-          <a:lstStyle/>
-          <a:p>
-            <a:endParaRPr lang="de-DE"/>
-          </a:p>
-        </p:txBody>
-      </p:sp>
+        </p:nvPicPr>
+        <p:blipFill>
+          <a:blip r:embed="rId2"/>
+          <a:stretch>
+            <a:fillRect/>
+          </a:stretch>
+        </p:blipFill>
+        <p:spPr>
+          <a:xfrm>
+            <a:off x="313889" y="2112882"/>
+            <a:ext cx="11564221" cy="2632236"/>
+          </a:xfrm>
+        </p:spPr>
+      </p:pic>
     </p:spTree>
     <p:extLst>
       <p:ext uri="{BB962C8B-B14F-4D97-AF65-F5344CB8AC3E}">
@@ -9747,8 +12792,8 @@
           </a:graphicData>
         </a:graphic>
       </p:graphicFrame>
-      <mc:AlternateContent xmlns:mc="http://schemas.openxmlformats.org/markup-compatibility/2006">
-        <mc:Choice xmlns:cx2="http://schemas.microsoft.com/office/drawing/2015/10/21/chartex" Requires="cx2">
+      <mc:AlternateContent xmlns:mc="http://schemas.openxmlformats.org/markup-compatibility/2006" xmlns:cx2="http://schemas.microsoft.com/office/drawing/2015/10/21/chartex">
+        <mc:Choice Requires="cx2">
           <p:graphicFrame>
             <p:nvGraphicFramePr>
               <p:cNvPr id="7" name="Chart 6">
@@ -9778,7 +12823,7 @@
             </a:graphic>
           </p:graphicFrame>
         </mc:Choice>
-        <mc:Fallback>
+        <mc:Fallback xmlns="">
           <p:pic>
             <p:nvPicPr>
               <p:cNvPr id="7" name="Chart 6">
@@ -9913,7 +12958,7 @@
                 <a:latin typeface="Microsoft YaHei UI" panose="020B0503020204020204" pitchFamily="34" charset="-122"/>
                 <a:ea typeface="Microsoft YaHei UI" panose="020B0503020204020204" pitchFamily="34" charset="-122"/>
               </a:rPr>
-              <a:t>Eigenschaften von beliebten Songs</a:t>
+              <a:t>Eigenschaften beliebter Songs</a:t>
             </a:r>
           </a:p>
         </p:txBody>
@@ -9934,16 +12979,15 @@
             <p:ph idx="1"/>
           </p:nvPr>
         </p:nvPicPr>
-        <p:blipFill>
+        <p:blipFill rotWithShape="1">
           <a:blip r:embed="rId2"/>
-          <a:stretch>
-            <a:fillRect/>
-          </a:stretch>
+          <a:srcRect l="3581" t="5637" r="8529"/>
+          <a:stretch/>
         </p:blipFill>
         <p:spPr>
           <a:xfrm>
-            <a:off x="216254" y="2391509"/>
-            <a:ext cx="11759492" cy="2580818"/>
+            <a:off x="189889" y="2396835"/>
+            <a:ext cx="11812222" cy="2783309"/>
           </a:xfrm>
           <a:prstGeom prst="rect">
             <a:avLst/>
@@ -11518,8 +14562,8 @@
         </p:nvSpPr>
         <p:spPr>
           <a:xfrm>
-            <a:off x="6280239" y="2036793"/>
-            <a:ext cx="4437509" cy="440319"/>
+            <a:off x="5995090" y="2081916"/>
+            <a:ext cx="5232888" cy="440319"/>
           </a:xfrm>
           <a:prstGeom prst="rect">
             <a:avLst/>
@@ -11527,42 +14571,58 @@
         </p:spPr>
         <p:txBody>
           <a:bodyPr vert="horz" lIns="91440" tIns="45720" rIns="91440" bIns="45720" rtlCol="0">
-            <a:normAutofit/>
+            <a:noAutofit/>
           </a:bodyPr>
           <a:lstStyle/>
           <a:p>
-            <a:pPr indent="-228600">
+            <a:pPr>
               <a:lnSpc>
                 <a:spcPct val="90000"/>
               </a:lnSpc>
               <a:spcAft>
                 <a:spcPts val="600"/>
               </a:spcAft>
-              <a:buFont typeface="Arial" panose="020B0604020202020204" pitchFamily="34" charset="0"/>
-              <a:buChar char="•"/>
             </a:pPr>
             <a:r>
-              <a:rPr lang="en-US" sz="1900" dirty="0" err="1"/>
+              <a:rPr lang="en-US" sz="2000" b="1" dirty="0" err="1">
+                <a:latin typeface="Microsoft YaHei UI" panose="020B0503020204020204" pitchFamily="34" charset="-122"/>
+                <a:ea typeface="Microsoft YaHei UI" panose="020B0503020204020204" pitchFamily="34" charset="-122"/>
+              </a:rPr>
               <a:t>generiert</a:t>
             </a:r>
             <a:r>
-              <a:rPr lang="en-US" sz="1900" dirty="0"/>
+              <a:rPr lang="en-US" sz="2000" b="1" dirty="0">
+                <a:latin typeface="Microsoft YaHei UI" panose="020B0503020204020204" pitchFamily="34" charset="-122"/>
+                <a:ea typeface="Microsoft YaHei UI" panose="020B0503020204020204" pitchFamily="34" charset="-122"/>
+              </a:rPr>
               <a:t> </a:t>
             </a:r>
             <a:r>
-              <a:rPr lang="en-US" sz="1900" dirty="0" err="1"/>
-              <a:t>durch</a:t>
+              <a:rPr lang="en-US" sz="2000" b="1" dirty="0" err="1">
+                <a:latin typeface="Microsoft YaHei UI" panose="020B0503020204020204" pitchFamily="34" charset="-122"/>
+                <a:ea typeface="Microsoft YaHei UI" panose="020B0503020204020204" pitchFamily="34" charset="-122"/>
+              </a:rPr>
+              <a:t>mittels</a:t>
             </a:r>
             <a:r>
-              <a:rPr lang="en-US" sz="1900" dirty="0"/>
+              <a:rPr lang="en-US" sz="2000" b="1" dirty="0">
+                <a:latin typeface="Microsoft YaHei UI" panose="020B0503020204020204" pitchFamily="34" charset="-122"/>
+                <a:ea typeface="Microsoft YaHei UI" panose="020B0503020204020204" pitchFamily="34" charset="-122"/>
+              </a:rPr>
               <a:t> </a:t>
             </a:r>
             <a:r>
-              <a:rPr lang="en-US" sz="1900" dirty="0" err="1"/>
+              <a:rPr lang="en-US" sz="2000" b="1" dirty="0" err="1">
+                <a:latin typeface="Microsoft YaHei UI" panose="020B0503020204020204" pitchFamily="34" charset="-122"/>
+                <a:ea typeface="Microsoft YaHei UI" panose="020B0503020204020204" pitchFamily="34" charset="-122"/>
+              </a:rPr>
               <a:t>offizieller</a:t>
             </a:r>
             <a:r>
-              <a:rPr lang="en-US" sz="1900" dirty="0"/>
+              <a:rPr lang="en-US" sz="2000" b="1" dirty="0">
+                <a:latin typeface="Microsoft YaHei UI" panose="020B0503020204020204" pitchFamily="34" charset="-122"/>
+                <a:ea typeface="Microsoft YaHei UI" panose="020B0503020204020204" pitchFamily="34" charset="-122"/>
+              </a:rPr>
               <a:t> Spotify API</a:t>
             </a:r>
           </a:p>
@@ -11746,7 +14806,7 @@
         </p:nvSpPr>
         <p:spPr>
           <a:xfrm>
-            <a:off x="7449233" y="2908053"/>
+            <a:off x="7061306" y="2569062"/>
             <a:ext cx="2319059" cy="1325563"/>
           </a:xfrm>
         </p:spPr>
@@ -11757,27 +14817,80 @@
           <a:lstStyle/>
           <a:p>
             <a:r>
-              <a:rPr lang="en-US" sz="2000" dirty="0"/>
+              <a:rPr lang="en-US" sz="2000" b="1" dirty="0">
+                <a:latin typeface="Microsoft YaHei UI" panose="020B0503020204020204" pitchFamily="34" charset="-122"/>
+                <a:ea typeface="Microsoft YaHei UI" panose="020B0503020204020204" pitchFamily="34" charset="-122"/>
+              </a:rPr>
               <a:t>162k playlists</a:t>
             </a:r>
           </a:p>
           <a:p>
             <a:r>
-              <a:rPr lang="en-US" sz="2000" dirty="0"/>
+              <a:rPr lang="en-US" sz="2000" b="1" dirty="0">
+                <a:latin typeface="Microsoft YaHei UI" panose="020B0503020204020204" pitchFamily="34" charset="-122"/>
+                <a:ea typeface="Microsoft YaHei UI" panose="020B0503020204020204" pitchFamily="34" charset="-122"/>
+              </a:rPr>
               <a:t>16k user</a:t>
             </a:r>
           </a:p>
           <a:p>
             <a:r>
-              <a:rPr lang="en-US" sz="2000" dirty="0"/>
+              <a:rPr lang="en-US" sz="2000" b="1" dirty="0">
+                <a:latin typeface="Microsoft YaHei UI" panose="020B0503020204020204" pitchFamily="34" charset="-122"/>
+                <a:ea typeface="Microsoft YaHei UI" panose="020B0503020204020204" pitchFamily="34" charset="-122"/>
+              </a:rPr>
               <a:t>2M tracks</a:t>
             </a:r>
           </a:p>
           <a:p>
-            <a:endParaRPr lang="en-US" sz="2000" dirty="0"/>
+            <a:endParaRPr lang="en-US" sz="2000" b="1" dirty="0">
+              <a:latin typeface="Microsoft YaHei UI" panose="020B0503020204020204" pitchFamily="34" charset="-122"/>
+              <a:ea typeface="Microsoft YaHei UI" panose="020B0503020204020204" pitchFamily="34" charset="-122"/>
+            </a:endParaRPr>
           </a:p>
           <a:p>
-            <a:endParaRPr lang="en-US" sz="2000" dirty="0"/>
+            <a:endParaRPr lang="en-US" sz="2000" b="1" dirty="0">
+              <a:latin typeface="Microsoft YaHei UI" panose="020B0503020204020204" pitchFamily="34" charset="-122"/>
+              <a:ea typeface="Microsoft YaHei UI" panose="020B0503020204020204" pitchFamily="34" charset="-122"/>
+            </a:endParaRPr>
+          </a:p>
+        </p:txBody>
+      </p:sp>
+      <p:sp>
+        <p:nvSpPr>
+          <p:cNvPr id="3" name="TextBox 2">
+            <a:extLst>
+              <a:ext uri="{FF2B5EF4-FFF2-40B4-BE49-F238E27FC236}">
+                <a16:creationId xmlns:a16="http://schemas.microsoft.com/office/drawing/2014/main" id="{BAA22FB2-0F1B-1556-3B43-691DF355EB66}"/>
+              </a:ext>
+            </a:extLst>
+          </p:cNvPr>
+          <p:cNvSpPr txBox="1"/>
+          <p:nvPr/>
+        </p:nvSpPr>
+        <p:spPr>
+          <a:xfrm>
+            <a:off x="6789437" y="1922488"/>
+            <a:ext cx="1319592" cy="461665"/>
+          </a:xfrm>
+          <a:prstGeom prst="rect">
+            <a:avLst/>
+          </a:prstGeom>
+          <a:noFill/>
+        </p:spPr>
+        <p:txBody>
+          <a:bodyPr wrap="none" rtlCol="0">
+            <a:spAutoFit/>
+          </a:bodyPr>
+          <a:lstStyle/>
+          <a:p>
+            <a:r>
+              <a:rPr lang="de-DE" sz="2400" b="1" dirty="0">
+                <a:latin typeface="Microsoft YaHei UI" panose="020B0503020204020204" pitchFamily="34" charset="-122"/>
+                <a:ea typeface="Microsoft YaHei UI" panose="020B0503020204020204" pitchFamily="34" charset="-122"/>
+              </a:rPr>
+              <a:t>Zahlen:</a:t>
+            </a:r>
           </a:p>
         </p:txBody>
       </p:sp>
@@ -13456,21 +16569,7 @@
                 <a:latin typeface="Microsoft YaHei UI" panose="020B0503020204020204" pitchFamily="34" charset="-122"/>
                 <a:ea typeface="Microsoft YaHei UI" panose="020B0503020204020204" pitchFamily="34" charset="-122"/>
               </a:rPr>
-              <a:t>Connection </a:t>
-            </a:r>
-            <a:r>
-              <a:rPr lang="de-DE" b="1" dirty="0" err="1">
-                <a:latin typeface="Microsoft YaHei UI" panose="020B0503020204020204" pitchFamily="34" charset="-122"/>
-                <a:ea typeface="Microsoft YaHei UI" panose="020B0503020204020204" pitchFamily="34" charset="-122"/>
-              </a:rPr>
-              <a:t>of</a:t>
-            </a:r>
-            <a:r>
-              <a:rPr lang="de-DE" b="1" dirty="0">
-                <a:latin typeface="Microsoft YaHei UI" panose="020B0503020204020204" pitchFamily="34" charset="-122"/>
-                <a:ea typeface="Microsoft YaHei UI" panose="020B0503020204020204" pitchFamily="34" charset="-122"/>
-              </a:rPr>
-              <a:t> Datasets</a:t>
+              <a:t>Verbindung der Datensätze</a:t>
             </a:r>
           </a:p>
         </p:txBody>
@@ -15839,43 +18938,481 @@
           <a:bodyPr/>
           <a:lstStyle/>
           <a:p>
+            <a:pPr algn="ctr"/>
             <a:r>
-              <a:rPr lang="de-DE" dirty="0"/>
-              <a:t>Was ist durch </a:t>
+              <a:rPr lang="de-DE" b="1" dirty="0">
+                <a:latin typeface="Microsoft YaHei UI" panose="020B0503020204020204" pitchFamily="34" charset="-122"/>
+                <a:ea typeface="Microsoft YaHei UI" panose="020B0503020204020204" pitchFamily="34" charset="-122"/>
+              </a:rPr>
+              <a:t>Datenverlust</a:t>
             </a:r>
+          </a:p>
+        </p:txBody>
+      </p:sp>
+      <p:graphicFrame>
+        <p:nvGraphicFramePr>
+          <p:cNvPr id="6" name="Diagram 5">
+            <a:extLst>
+              <a:ext uri="{FF2B5EF4-FFF2-40B4-BE49-F238E27FC236}">
+                <a16:creationId xmlns:a16="http://schemas.microsoft.com/office/drawing/2014/main" id="{311518C1-2D45-0D54-FD5D-3740F546ED90}"/>
+              </a:ext>
+            </a:extLst>
+          </p:cNvPr>
+          <p:cNvGraphicFramePr/>
+          <p:nvPr>
+            <p:extLst>
+              <p:ext uri="{D42A27DB-BD31-4B8C-83A1-F6EECF244321}">
+                <p14:modId xmlns:p14="http://schemas.microsoft.com/office/powerpoint/2010/main" val="1136467530"/>
+              </p:ext>
+            </p:extLst>
+          </p:nvPr>
+        </p:nvGraphicFramePr>
+        <p:xfrm>
+          <a:off x="841480" y="2561747"/>
+          <a:ext cx="5641109" cy="3709169"/>
+        </p:xfrm>
+        <a:graphic>
+          <a:graphicData uri="http://schemas.openxmlformats.org/drawingml/2006/diagram">
+            <dgm:relIds xmlns:dgm="http://schemas.openxmlformats.org/drawingml/2006/diagram" xmlns:r="http://schemas.openxmlformats.org/officeDocument/2006/relationships" r:dm="rId3" r:lo="rId4" r:qs="rId5" r:cs="rId6"/>
+          </a:graphicData>
+        </a:graphic>
+      </p:graphicFrame>
+      <p:sp>
+        <p:nvSpPr>
+          <p:cNvPr id="7" name="TextBox 6">
+            <a:extLst>
+              <a:ext uri="{FF2B5EF4-FFF2-40B4-BE49-F238E27FC236}">
+                <a16:creationId xmlns:a16="http://schemas.microsoft.com/office/drawing/2014/main" id="{52778409-2088-51E8-E452-251AFA9929F5}"/>
+              </a:ext>
+            </a:extLst>
+          </p:cNvPr>
+          <p:cNvSpPr txBox="1"/>
+          <p:nvPr/>
+        </p:nvSpPr>
+        <p:spPr>
+          <a:xfrm>
+            <a:off x="3273413" y="5695690"/>
+            <a:ext cx="1210588" cy="400110"/>
+          </a:xfrm>
+          <a:prstGeom prst="rect">
+            <a:avLst/>
+          </a:prstGeom>
+          <a:noFill/>
+        </p:spPr>
+        <p:txBody>
+          <a:bodyPr wrap="none" rtlCol="0">
+            <a:spAutoFit/>
+          </a:bodyPr>
+          <a:lstStyle/>
+          <a:p>
             <a:r>
-              <a:rPr lang="de-DE" dirty="0" err="1"/>
-              <a:t>merge</a:t>
+              <a:rPr lang="de-DE" sz="2000" b="1" dirty="0">
+                <a:latin typeface="Microsoft YaHei UI" panose="020B0503020204020204" pitchFamily="34" charset="-122"/>
+                <a:ea typeface="Microsoft YaHei UI" panose="020B0503020204020204" pitchFamily="34" charset="-122"/>
+              </a:rPr>
+              <a:t>147.280</a:t>
             </a:r>
+            <a:endParaRPr lang="de-DE" b="1" dirty="0">
+              <a:latin typeface="Microsoft YaHei UI" panose="020B0503020204020204" pitchFamily="34" charset="-122"/>
+              <a:ea typeface="Microsoft YaHei UI" panose="020B0503020204020204" pitchFamily="34" charset="-122"/>
+            </a:endParaRPr>
+          </a:p>
+        </p:txBody>
+      </p:sp>
+      <p:sp>
+        <p:nvSpPr>
+          <p:cNvPr id="8" name="TextBox 7">
+            <a:extLst>
+              <a:ext uri="{FF2B5EF4-FFF2-40B4-BE49-F238E27FC236}">
+                <a16:creationId xmlns:a16="http://schemas.microsoft.com/office/drawing/2014/main" id="{9040000E-DEE5-0D23-DA44-97339CCAACBF}"/>
+              </a:ext>
+            </a:extLst>
+          </p:cNvPr>
+          <p:cNvSpPr txBox="1"/>
+          <p:nvPr/>
+        </p:nvSpPr>
+        <p:spPr>
+          <a:xfrm>
+            <a:off x="851179" y="3223799"/>
+            <a:ext cx="2930867" cy="461665"/>
+          </a:xfrm>
+          <a:prstGeom prst="rect">
+            <a:avLst/>
+          </a:prstGeom>
+          <a:noFill/>
+        </p:spPr>
+        <p:txBody>
+          <a:bodyPr wrap="none" rtlCol="0">
+            <a:spAutoFit/>
+          </a:bodyPr>
+          <a:lstStyle/>
+          <a:p>
             <a:r>
-              <a:rPr lang="de-DE" dirty="0"/>
-              <a:t> verloren gegangen</a:t>
+              <a:rPr lang="de-DE" sz="2400" b="1" dirty="0">
+                <a:latin typeface="Microsoft YaHei UI" panose="020B0503020204020204" pitchFamily="34" charset="-122"/>
+                <a:ea typeface="Microsoft YaHei UI" panose="020B0503020204020204" pitchFamily="34" charset="-122"/>
+              </a:rPr>
+              <a:t>Playlist Datensatz</a:t>
             </a:r>
           </a:p>
         </p:txBody>
       </p:sp>
       <p:sp>
         <p:nvSpPr>
-          <p:cNvPr id="3" name="Content Placeholder 2">
+          <p:cNvPr id="9" name="TextBox 8">
             <a:extLst>
               <a:ext uri="{FF2B5EF4-FFF2-40B4-BE49-F238E27FC236}">
-                <a16:creationId xmlns:a16="http://schemas.microsoft.com/office/drawing/2014/main" id="{5F7640F4-0A08-E525-0CD0-CEB1E381F011}"/>
+                <a16:creationId xmlns:a16="http://schemas.microsoft.com/office/drawing/2014/main" id="{488F94D6-187F-2BEA-4558-3EB820B58E84}"/>
               </a:ext>
             </a:extLst>
           </p:cNvPr>
-          <p:cNvSpPr>
-            <a:spLocks noGrp="1"/>
-          </p:cNvSpPr>
-          <p:nvPr>
-            <p:ph idx="1"/>
-          </p:nvPr>
+          <p:cNvSpPr txBox="1"/>
+          <p:nvPr/>
         </p:nvSpPr>
-        <p:spPr/>
+        <p:spPr>
+          <a:xfrm>
+            <a:off x="4407551" y="3436221"/>
+            <a:ext cx="2611869" cy="461665"/>
+          </a:xfrm>
+          <a:prstGeom prst="rect">
+            <a:avLst/>
+          </a:prstGeom>
+          <a:noFill/>
+        </p:spPr>
         <p:txBody>
-          <a:bodyPr/>
+          <a:bodyPr wrap="none" rtlCol="0">
+            <a:spAutoFit/>
+          </a:bodyPr>
           <a:lstStyle/>
           <a:p>
-            <a:endParaRPr lang="de-DE"/>
+            <a:r>
+              <a:rPr lang="de-DE" sz="2400" b="1" dirty="0">
+                <a:latin typeface="Microsoft YaHei UI" panose="020B0503020204020204" pitchFamily="34" charset="-122"/>
+                <a:ea typeface="Microsoft YaHei UI" panose="020B0503020204020204" pitchFamily="34" charset="-122"/>
+              </a:rPr>
+              <a:t>Song Datensatz</a:t>
+            </a:r>
+          </a:p>
+        </p:txBody>
+      </p:sp>
+      <p:sp>
+        <p:nvSpPr>
+          <p:cNvPr id="10" name="TextBox 9">
+            <a:extLst>
+              <a:ext uri="{FF2B5EF4-FFF2-40B4-BE49-F238E27FC236}">
+                <a16:creationId xmlns:a16="http://schemas.microsoft.com/office/drawing/2014/main" id="{530350D9-14FB-9235-E5D9-CAEB73BD7993}"/>
+              </a:ext>
+            </a:extLst>
+          </p:cNvPr>
+          <p:cNvSpPr txBox="1"/>
+          <p:nvPr/>
+        </p:nvSpPr>
+        <p:spPr>
+          <a:xfrm>
+            <a:off x="838200" y="2038527"/>
+            <a:ext cx="5807872" cy="523220"/>
+          </a:xfrm>
+          <a:prstGeom prst="rect">
+            <a:avLst/>
+          </a:prstGeom>
+          <a:noFill/>
+        </p:spPr>
+        <p:txBody>
+          <a:bodyPr wrap="none" rtlCol="0">
+            <a:spAutoFit/>
+          </a:bodyPr>
+          <a:lstStyle/>
+          <a:p>
+            <a:r>
+              <a:rPr lang="de-DE" sz="2800" b="1" dirty="0">
+                <a:latin typeface="Microsoft YaHei UI" panose="020B0503020204020204" pitchFamily="34" charset="-122"/>
+                <a:ea typeface="Microsoft YaHei UI" panose="020B0503020204020204" pitchFamily="34" charset="-122"/>
+              </a:rPr>
+              <a:t>Anzahl an Songs pro Datensatz</a:t>
+            </a:r>
+          </a:p>
+        </p:txBody>
+      </p:sp>
+      <p:cxnSp>
+        <p:nvCxnSpPr>
+          <p:cNvPr id="12" name="Straight Connector 11">
+            <a:extLst>
+              <a:ext uri="{FF2B5EF4-FFF2-40B4-BE49-F238E27FC236}">
+                <a16:creationId xmlns:a16="http://schemas.microsoft.com/office/drawing/2014/main" id="{5E8A73A3-3902-361E-23C8-FF262D2445F8}"/>
+              </a:ext>
+            </a:extLst>
+          </p:cNvPr>
+          <p:cNvCxnSpPr>
+            <a:cxnSpLocks/>
+          </p:cNvCxnSpPr>
+          <p:nvPr/>
+        </p:nvCxnSpPr>
+        <p:spPr>
+          <a:xfrm flipH="1">
+            <a:off x="3742135" y="4502727"/>
+            <a:ext cx="178701" cy="1149928"/>
+          </a:xfrm>
+          <a:prstGeom prst="line">
+            <a:avLst/>
+          </a:prstGeom>
+          <a:ln w="38100">
+            <a:solidFill>
+              <a:schemeClr val="tx1"/>
+            </a:solidFill>
+          </a:ln>
+        </p:spPr>
+        <p:style>
+          <a:lnRef idx="1">
+            <a:schemeClr val="accent1"/>
+          </a:lnRef>
+          <a:fillRef idx="0">
+            <a:schemeClr val="accent1"/>
+          </a:fillRef>
+          <a:effectRef idx="0">
+            <a:schemeClr val="accent1"/>
+          </a:effectRef>
+          <a:fontRef idx="minor">
+            <a:schemeClr val="tx1"/>
+          </a:fontRef>
+        </p:style>
+      </p:cxnSp>
+      <p:sp>
+        <p:nvSpPr>
+          <p:cNvPr id="18" name="TextBox 17">
+            <a:extLst>
+              <a:ext uri="{FF2B5EF4-FFF2-40B4-BE49-F238E27FC236}">
+                <a16:creationId xmlns:a16="http://schemas.microsoft.com/office/drawing/2014/main" id="{21CCB9F8-1E36-3472-D7A5-329B6ECC49BD}"/>
+              </a:ext>
+            </a:extLst>
+          </p:cNvPr>
+          <p:cNvSpPr txBox="1"/>
+          <p:nvPr/>
+        </p:nvSpPr>
+        <p:spPr>
+          <a:xfrm>
+            <a:off x="8625580" y="2038527"/>
+            <a:ext cx="1584216" cy="461665"/>
+          </a:xfrm>
+          <a:prstGeom prst="rect">
+            <a:avLst/>
+          </a:prstGeom>
+          <a:noFill/>
+        </p:spPr>
+        <p:txBody>
+          <a:bodyPr wrap="none" rtlCol="0">
+            <a:spAutoFit/>
+          </a:bodyPr>
+          <a:lstStyle/>
+          <a:p>
+            <a:r>
+              <a:rPr lang="de-DE" sz="2400" b="1" dirty="0">
+                <a:latin typeface="Microsoft YaHei UI" panose="020B0503020204020204" pitchFamily="34" charset="-122"/>
+                <a:ea typeface="Microsoft YaHei UI" panose="020B0503020204020204" pitchFamily="34" charset="-122"/>
+              </a:rPr>
+              <a:t>Problem:</a:t>
+            </a:r>
+          </a:p>
+        </p:txBody>
+      </p:sp>
+      <p:sp>
+        <p:nvSpPr>
+          <p:cNvPr id="20" name="TextBox 19">
+            <a:extLst>
+              <a:ext uri="{FF2B5EF4-FFF2-40B4-BE49-F238E27FC236}">
+                <a16:creationId xmlns:a16="http://schemas.microsoft.com/office/drawing/2014/main" id="{BCC2C69A-506C-6643-E608-670173D49B3C}"/>
+              </a:ext>
+            </a:extLst>
+          </p:cNvPr>
+          <p:cNvSpPr txBox="1"/>
+          <p:nvPr/>
+        </p:nvSpPr>
+        <p:spPr>
+          <a:xfrm>
+            <a:off x="7863580" y="2617198"/>
+            <a:ext cx="4138762" cy="461665"/>
+          </a:xfrm>
+          <a:prstGeom prst="rect">
+            <a:avLst/>
+          </a:prstGeom>
+          <a:noFill/>
+        </p:spPr>
+        <p:txBody>
+          <a:bodyPr wrap="none" rtlCol="0">
+            <a:spAutoFit/>
+          </a:bodyPr>
+          <a:lstStyle/>
+          <a:p>
+            <a:r>
+              <a:rPr lang="de-DE" sz="2400" b="1" dirty="0">
+                <a:latin typeface="Microsoft YaHei UI" panose="020B0503020204020204" pitchFamily="34" charset="-122"/>
+                <a:ea typeface="Microsoft YaHei UI" panose="020B0503020204020204" pitchFamily="34" charset="-122"/>
+              </a:rPr>
+              <a:t>Verbindung über Artisten</a:t>
+            </a:r>
+          </a:p>
+        </p:txBody>
+      </p:sp>
+      <p:sp>
+        <p:nvSpPr>
+          <p:cNvPr id="21" name="TextBox 20">
+            <a:extLst>
+              <a:ext uri="{FF2B5EF4-FFF2-40B4-BE49-F238E27FC236}">
+                <a16:creationId xmlns:a16="http://schemas.microsoft.com/office/drawing/2014/main" id="{F0B2EBBF-2106-06B8-04F5-E78269C6B4D2}"/>
+              </a:ext>
+            </a:extLst>
+          </p:cNvPr>
+          <p:cNvSpPr txBox="1"/>
+          <p:nvPr/>
+        </p:nvSpPr>
+        <p:spPr>
+          <a:xfrm>
+            <a:off x="7486907" y="3516977"/>
+            <a:ext cx="4596130" cy="2125967"/>
+          </a:xfrm>
+          <a:prstGeom prst="rect">
+            <a:avLst/>
+          </a:prstGeom>
+          <a:noFill/>
+        </p:spPr>
+        <p:txBody>
+          <a:bodyPr wrap="none" rtlCol="0">
+            <a:spAutoFit/>
+          </a:bodyPr>
+          <a:lstStyle/>
+          <a:p>
+            <a:pPr>
+              <a:lnSpc>
+                <a:spcPct val="150000"/>
+              </a:lnSpc>
+            </a:pPr>
+            <a:r>
+              <a:rPr lang="en-GB" b="0" i="0" dirty="0">
+                <a:solidFill>
+                  <a:srgbClr val="5F6368"/>
+                </a:solidFill>
+                <a:effectLst/>
+                <a:latin typeface="Roboto Mono" panose="020F0502020204030204" pitchFamily="34" charset="0"/>
+              </a:rPr>
+              <a:t>Elvis Costello</a:t>
+            </a:r>
+          </a:p>
+          <a:p>
+            <a:pPr>
+              <a:lnSpc>
+                <a:spcPct val="150000"/>
+              </a:lnSpc>
+            </a:pPr>
+            <a:r>
+              <a:rPr lang="en-GB" b="0" i="0" dirty="0">
+                <a:solidFill>
+                  <a:srgbClr val="5F6368"/>
+                </a:solidFill>
+                <a:effectLst/>
+                <a:latin typeface="Roboto Mono" pitchFamily="49" charset="0"/>
+              </a:rPr>
+              <a:t>Elvis Costello &amp; The Attractions</a:t>
+            </a:r>
+            <a:endParaRPr lang="en-GB" dirty="0">
+              <a:solidFill>
+                <a:srgbClr val="5F6368"/>
+              </a:solidFill>
+              <a:latin typeface="Roboto Mono" panose="020F0502020204030204" pitchFamily="34" charset="0"/>
+            </a:endParaRPr>
+          </a:p>
+          <a:p>
+            <a:pPr>
+              <a:lnSpc>
+                <a:spcPct val="150000"/>
+              </a:lnSpc>
+            </a:pPr>
+            <a:r>
+              <a:rPr lang="en-GB" b="0" i="0" dirty="0">
+                <a:solidFill>
+                  <a:srgbClr val="5F6368"/>
+                </a:solidFill>
+                <a:effectLst/>
+                <a:latin typeface="Roboto Mono" pitchFamily="49" charset="0"/>
+              </a:rPr>
+              <a:t>Paul McCartney &amp; Eric Clapton</a:t>
+            </a:r>
+            <a:endParaRPr lang="en-GB" b="0" i="0" dirty="0">
+              <a:solidFill>
+                <a:srgbClr val="5F6368"/>
+              </a:solidFill>
+              <a:effectLst/>
+              <a:latin typeface="Roboto Mono" panose="020F0502020204030204" pitchFamily="34" charset="0"/>
+            </a:endParaRPr>
+          </a:p>
+          <a:p>
+            <a:pPr>
+              <a:lnSpc>
+                <a:spcPct val="150000"/>
+              </a:lnSpc>
+            </a:pPr>
+            <a:r>
+              <a:rPr lang="en-GB" b="0" i="0" dirty="0">
+                <a:solidFill>
+                  <a:srgbClr val="5F6368"/>
+                </a:solidFill>
+                <a:effectLst/>
+                <a:latin typeface="Roboto Mono" pitchFamily="49" charset="0"/>
+              </a:rPr>
+              <a:t>Tom Petty And The Heartbreakers</a:t>
+            </a:r>
+            <a:endParaRPr lang="en-GB" dirty="0">
+              <a:solidFill>
+                <a:srgbClr val="5F6368"/>
+              </a:solidFill>
+              <a:latin typeface="Roboto Mono" panose="020F0502020204030204" pitchFamily="34" charset="0"/>
+            </a:endParaRPr>
+          </a:p>
+          <a:p>
+            <a:pPr>
+              <a:lnSpc>
+                <a:spcPct val="150000"/>
+              </a:lnSpc>
+            </a:pPr>
+            <a:r>
+              <a:rPr lang="en-GB" b="0" i="0" dirty="0">
+                <a:solidFill>
+                  <a:srgbClr val="5F6368"/>
+                </a:solidFill>
+                <a:effectLst/>
+                <a:latin typeface="Roboto Mono" pitchFamily="49" charset="0"/>
+              </a:rPr>
+              <a:t>Scott </a:t>
+            </a:r>
+            <a:r>
+              <a:rPr lang="en-GB" b="0" i="0" dirty="0" err="1">
+                <a:solidFill>
+                  <a:srgbClr val="5F6368"/>
+                </a:solidFill>
+                <a:effectLst/>
+                <a:latin typeface="Roboto Mono" pitchFamily="49" charset="0"/>
+              </a:rPr>
+              <a:t>Bradlee</a:t>
+            </a:r>
+            <a:r>
+              <a:rPr lang="en-GB" b="0" i="0" dirty="0">
+                <a:solidFill>
+                  <a:srgbClr val="5F6368"/>
+                </a:solidFill>
+                <a:effectLst/>
+                <a:latin typeface="Roboto Mono" pitchFamily="49" charset="0"/>
+              </a:rPr>
+              <a:t> feat. Dave </a:t>
+            </a:r>
+            <a:r>
+              <a:rPr lang="en-GB" b="0" i="0" dirty="0" err="1">
+                <a:solidFill>
+                  <a:srgbClr val="5F6368"/>
+                </a:solidFill>
+                <a:effectLst/>
+                <a:latin typeface="Roboto Mono" pitchFamily="49" charset="0"/>
+              </a:rPr>
+              <a:t>Koz</a:t>
+            </a:r>
+            <a:endParaRPr lang="de-DE" dirty="0"/>
           </a:p>
         </p:txBody>
       </p:sp>

--- a/spotify_analysis.pptx
+++ b/spotify_analysis.pptx
@@ -5,7 +5,7 @@
     <p:sldMasterId id="2147483752" r:id="rId1"/>
   </p:sldMasterIdLst>
   <p:notesMasterIdLst>
-    <p:notesMasterId r:id="rId18"/>
+    <p:notesMasterId r:id="rId20"/>
   </p:notesMasterIdLst>
   <p:sldIdLst>
     <p:sldId id="256" r:id="rId2"/>
@@ -16,14 +16,16 @@
     <p:sldId id="261" r:id="rId7"/>
     <p:sldId id="262" r:id="rId8"/>
     <p:sldId id="269" r:id="rId9"/>
-    <p:sldId id="264" r:id="rId10"/>
-    <p:sldId id="273" r:id="rId11"/>
-    <p:sldId id="272" r:id="rId12"/>
-    <p:sldId id="270" r:id="rId13"/>
-    <p:sldId id="271" r:id="rId14"/>
+    <p:sldId id="271" r:id="rId10"/>
+    <p:sldId id="264" r:id="rId11"/>
+    <p:sldId id="273" r:id="rId12"/>
+    <p:sldId id="272" r:id="rId13"/>
+    <p:sldId id="270" r:id="rId14"/>
     <p:sldId id="265" r:id="rId15"/>
     <p:sldId id="266" r:id="rId16"/>
     <p:sldId id="278" r:id="rId17"/>
+    <p:sldId id="279" r:id="rId18"/>
+    <p:sldId id="280" r:id="rId19"/>
   </p:sldIdLst>
   <p:sldSz cx="12192000" cy="6858000"/>
   <p:notesSz cx="6858000" cy="9144000"/>
@@ -147,14 +149,16 @@
         </p14:section>
         <p14:section name="Analyse" id="{FBF936A9-6891-8C4F-8561-59226630ACBE}">
           <p14:sldIdLst>
+            <p14:sldId id="271"/>
             <p14:sldId id="264"/>
             <p14:sldId id="273"/>
             <p14:sldId id="272"/>
             <p14:sldId id="270"/>
-            <p14:sldId id="271"/>
             <p14:sldId id="265"/>
             <p14:sldId id="266"/>
             <p14:sldId id="278"/>
+            <p14:sldId id="279"/>
+            <p14:sldId id="280"/>
           </p14:sldIdLst>
         </p14:section>
       </p14:sectionLst>
@@ -167,6 +171,498 @@
 </file>
 
 <file path=ppt/charts/chart1.xml><?xml version="1.0" encoding="utf-8"?>
+<c:chartSpace xmlns:c="http://schemas.openxmlformats.org/drawingml/2006/chart" xmlns:a="http://schemas.openxmlformats.org/drawingml/2006/main" xmlns:r="http://schemas.openxmlformats.org/officeDocument/2006/relationships" xmlns:c16r2="http://schemas.microsoft.com/office/drawing/2015/06/chart">
+  <c:date1904 val="0"/>
+  <c:lang val="en-GB"/>
+  <c:roundedCorners val="0"/>
+  <mc:AlternateContent xmlns:mc="http://schemas.openxmlformats.org/markup-compatibility/2006">
+    <mc:Choice xmlns:c14="http://schemas.microsoft.com/office/drawing/2007/8/2/chart" Requires="c14">
+      <c14:style val="102"/>
+    </mc:Choice>
+    <mc:Fallback>
+      <c:style val="2"/>
+    </mc:Fallback>
+  </mc:AlternateContent>
+  <c:chart>
+    <c:autoTitleDeleted val="1"/>
+    <c:plotArea>
+      <c:layout/>
+      <c:doughnutChart>
+        <c:varyColors val="1"/>
+        <c:ser>
+          <c:idx val="0"/>
+          <c:order val="0"/>
+          <c:tx>
+            <c:strRef>
+              <c:f>Sheet1!$B$1</c:f>
+              <c:strCache>
+                <c:ptCount val="1"/>
+                <c:pt idx="0">
+                  <c:v>Sales</c:v>
+                </c:pt>
+              </c:strCache>
+            </c:strRef>
+          </c:tx>
+          <c:spPr>
+            <a:ln>
+              <a:noFill/>
+            </a:ln>
+          </c:spPr>
+          <c:dPt>
+            <c:idx val="0"/>
+            <c:bubble3D val="0"/>
+            <c:spPr>
+              <a:solidFill>
+                <a:srgbClr val="92D050"/>
+              </a:solidFill>
+              <a:ln w="9525" cap="flat" cmpd="sng" algn="ctr">
+                <a:noFill/>
+                <a:round/>
+              </a:ln>
+              <a:effectLst/>
+            </c:spPr>
+            <c:extLst>
+              <c:ext xmlns:c16="http://schemas.microsoft.com/office/drawing/2014/chart" uri="{C3380CC4-5D6E-409C-BE32-E72D297353CC}">
+                <c16:uniqueId val="{00000001-B72D-DD46-93A1-AB94EDA0FC74}"/>
+              </c:ext>
+            </c:extLst>
+          </c:dPt>
+          <c:dPt>
+            <c:idx val="1"/>
+            <c:bubble3D val="0"/>
+            <c:spPr>
+              <a:solidFill>
+                <a:schemeClr val="bg2">
+                  <a:lumMod val="90000"/>
+                </a:schemeClr>
+              </a:solidFill>
+              <a:ln w="9525" cap="flat" cmpd="sng" algn="ctr">
+                <a:noFill/>
+                <a:round/>
+              </a:ln>
+              <a:effectLst/>
+            </c:spPr>
+            <c:extLst>
+              <c:ext xmlns:c16="http://schemas.microsoft.com/office/drawing/2014/chart" uri="{C3380CC4-5D6E-409C-BE32-E72D297353CC}">
+                <c16:uniqueId val="{00000002-B72D-DD46-93A1-AB94EDA0FC74}"/>
+              </c:ext>
+            </c:extLst>
+          </c:dPt>
+          <c:dLbls>
+            <c:spPr>
+              <a:noFill/>
+              <a:ln>
+                <a:noFill/>
+              </a:ln>
+              <a:effectLst/>
+            </c:spPr>
+            <c:txPr>
+              <a:bodyPr rot="0" spcFirstLastPara="1" vertOverflow="ellipsis" vert="horz" wrap="square" lIns="38100" tIns="19050" rIns="38100" bIns="19050" anchor="ctr" anchorCtr="1">
+                <a:spAutoFit/>
+              </a:bodyPr>
+              <a:lstStyle/>
+              <a:p>
+                <a:pPr>
+                  <a:defRPr sz="1600" b="1" i="0" u="none" strike="noStrike" kern="1200" baseline="0">
+                    <a:solidFill>
+                      <a:schemeClr val="tx1">
+                        <a:lumMod val="65000"/>
+                        <a:lumOff val="35000"/>
+                      </a:schemeClr>
+                    </a:solidFill>
+                    <a:latin typeface="+mn-lt"/>
+                    <a:ea typeface="+mn-ea"/>
+                    <a:cs typeface="+mn-cs"/>
+                  </a:defRPr>
+                </a:pPr>
+                <a:endParaRPr lang="en-DE"/>
+              </a:p>
+            </c:txPr>
+            <c:showLegendKey val="0"/>
+            <c:showVal val="0"/>
+            <c:showCatName val="1"/>
+            <c:showSerName val="0"/>
+            <c:showPercent val="1"/>
+            <c:showBubbleSize val="0"/>
+            <c:showLeaderLines val="1"/>
+            <c:leaderLines>
+              <c:spPr>
+                <a:ln w="9525">
+                  <a:solidFill>
+                    <a:schemeClr val="tx1">
+                      <a:lumMod val="35000"/>
+                      <a:lumOff val="65000"/>
+                    </a:schemeClr>
+                  </a:solidFill>
+                </a:ln>
+                <a:effectLst/>
+              </c:spPr>
+            </c:leaderLines>
+            <c:extLst>
+              <c:ext xmlns:c15="http://schemas.microsoft.com/office/drawing/2012/chart" uri="{CE6537A1-D6FC-4f65-9D91-7224C49458BB}"/>
+            </c:extLst>
+          </c:dLbls>
+          <c:cat>
+            <c:strRef>
+              <c:f>Sheet1!$A$2:$A$3</c:f>
+              <c:strCache>
+                <c:ptCount val="2"/>
+                <c:pt idx="0">
+                  <c:v>Dur</c:v>
+                </c:pt>
+                <c:pt idx="1">
+                  <c:v>Moll</c:v>
+                </c:pt>
+              </c:strCache>
+            </c:strRef>
+          </c:cat>
+          <c:val>
+            <c:numRef>
+              <c:f>Sheet1!$B$2:$B$3</c:f>
+              <c:numCache>
+                <c:formatCode>General</c:formatCode>
+                <c:ptCount val="2"/>
+                <c:pt idx="0">
+                  <c:v>1905292</c:v>
+                </c:pt>
+                <c:pt idx="1">
+                  <c:v>821054</c:v>
+                </c:pt>
+              </c:numCache>
+            </c:numRef>
+          </c:val>
+          <c:extLst>
+            <c:ext xmlns:c16="http://schemas.microsoft.com/office/drawing/2014/chart" uri="{C3380CC4-5D6E-409C-BE32-E72D297353CC}">
+              <c16:uniqueId val="{00000000-B72D-DD46-93A1-AB94EDA0FC74}"/>
+            </c:ext>
+          </c:extLst>
+        </c:ser>
+        <c:dLbls>
+          <c:showLegendKey val="0"/>
+          <c:showVal val="0"/>
+          <c:showCatName val="1"/>
+          <c:showSerName val="0"/>
+          <c:showPercent val="1"/>
+          <c:showBubbleSize val="0"/>
+          <c:showLeaderLines val="1"/>
+        </c:dLbls>
+        <c:firstSliceAng val="0"/>
+        <c:holeSize val="50"/>
+      </c:doughnutChart>
+      <c:spPr>
+        <a:noFill/>
+        <a:ln>
+          <a:noFill/>
+        </a:ln>
+        <a:effectLst/>
+      </c:spPr>
+    </c:plotArea>
+    <c:plotVisOnly val="1"/>
+    <c:dispBlanksAs val="gap"/>
+    <c:extLst>
+      <c:ext xmlns:c16r3="http://schemas.microsoft.com/office/drawing/2017/03/chart" uri="{56B9EC1D-385E-4148-901F-78D8002777C0}">
+        <c16r3:dataDisplayOptions16>
+          <c16r3:dispNaAsBlank val="1"/>
+        </c16r3:dataDisplayOptions16>
+      </c:ext>
+    </c:extLst>
+    <c:showDLblsOverMax val="0"/>
+  </c:chart>
+  <c:spPr>
+    <a:noFill/>
+    <a:ln>
+      <a:noFill/>
+    </a:ln>
+    <a:effectLst/>
+  </c:spPr>
+  <c:txPr>
+    <a:bodyPr/>
+    <a:lstStyle/>
+    <a:p>
+      <a:pPr>
+        <a:defRPr/>
+      </a:pPr>
+      <a:endParaRPr lang="en-DE"/>
+    </a:p>
+  </c:txPr>
+  <c:externalData r:id="rId3">
+    <c:autoUpdate val="0"/>
+  </c:externalData>
+</c:chartSpace>
+</file>
+
+<file path=ppt/charts/chart2.xml><?xml version="1.0" encoding="utf-8"?>
+<c:chartSpace xmlns:c="http://schemas.openxmlformats.org/drawingml/2006/chart" xmlns:a="http://schemas.openxmlformats.org/drawingml/2006/main" xmlns:r="http://schemas.openxmlformats.org/officeDocument/2006/relationships" xmlns:c16r2="http://schemas.microsoft.com/office/drawing/2015/06/chart">
+  <c:date1904 val="0"/>
+  <c:lang val="en-GB"/>
+  <c:roundedCorners val="0"/>
+  <mc:AlternateContent xmlns:mc="http://schemas.openxmlformats.org/markup-compatibility/2006">
+    <mc:Choice xmlns:c14="http://schemas.microsoft.com/office/drawing/2007/8/2/chart" Requires="c14">
+      <c14:style val="102"/>
+    </mc:Choice>
+    <mc:Fallback>
+      <c:style val="2"/>
+    </mc:Fallback>
+  </mc:AlternateContent>
+  <c:chart>
+    <c:autoTitleDeleted val="1"/>
+    <c:plotArea>
+      <c:layout/>
+      <c:doughnutChart>
+        <c:varyColors val="1"/>
+        <c:ser>
+          <c:idx val="0"/>
+          <c:order val="0"/>
+          <c:tx>
+            <c:strRef>
+              <c:f>Sheet1!$B$1</c:f>
+              <c:strCache>
+                <c:ptCount val="1"/>
+                <c:pt idx="0">
+                  <c:v>Explicit</c:v>
+                </c:pt>
+              </c:strCache>
+            </c:strRef>
+          </c:tx>
+          <c:spPr>
+            <a:ln>
+              <a:noFill/>
+            </a:ln>
+          </c:spPr>
+          <c:dPt>
+            <c:idx val="0"/>
+            <c:bubble3D val="0"/>
+            <c:spPr>
+              <a:solidFill>
+                <a:srgbClr val="92D050"/>
+              </a:solidFill>
+              <a:ln w="9525" cap="flat" cmpd="sng" algn="ctr">
+                <a:noFill/>
+                <a:round/>
+              </a:ln>
+              <a:effectLst/>
+            </c:spPr>
+            <c:extLst>
+              <c:ext xmlns:c16="http://schemas.microsoft.com/office/drawing/2014/chart" uri="{C3380CC4-5D6E-409C-BE32-E72D297353CC}">
+                <c16:uniqueId val="{00000001-38A6-C34D-8477-ED0113224BCE}"/>
+              </c:ext>
+            </c:extLst>
+          </c:dPt>
+          <c:dPt>
+            <c:idx val="1"/>
+            <c:bubble3D val="0"/>
+            <c:spPr>
+              <a:solidFill>
+                <a:schemeClr val="bg2">
+                  <a:lumMod val="75000"/>
+                </a:schemeClr>
+              </a:solidFill>
+              <a:ln w="9525" cap="flat" cmpd="sng" algn="ctr">
+                <a:noFill/>
+                <a:round/>
+              </a:ln>
+              <a:effectLst/>
+            </c:spPr>
+            <c:extLst>
+              <c:ext xmlns:c16="http://schemas.microsoft.com/office/drawing/2014/chart" uri="{C3380CC4-5D6E-409C-BE32-E72D297353CC}">
+                <c16:uniqueId val="{00000003-38A6-C34D-8477-ED0113224BCE}"/>
+              </c:ext>
+            </c:extLst>
+          </c:dPt>
+          <c:dLbls>
+            <c:dLbl>
+              <c:idx val="0"/>
+              <c:showLegendKey val="0"/>
+              <c:showVal val="0"/>
+              <c:showCatName val="1"/>
+              <c:showSerName val="0"/>
+              <c:showPercent val="1"/>
+              <c:showBubbleSize val="0"/>
+              <c:extLst>
+                <c:ext xmlns:c15="http://schemas.microsoft.com/office/drawing/2012/chart" uri="{CE6537A1-D6FC-4f65-9D91-7224C49458BB}">
+                  <c15:layout>
+                    <c:manualLayout>
+                      <c:w val="0.32205268548748478"/>
+                      <c:h val="0.34692629520173918"/>
+                    </c:manualLayout>
+                  </c15:layout>
+                </c:ext>
+                <c:ext xmlns:c16="http://schemas.microsoft.com/office/drawing/2014/chart" uri="{C3380CC4-5D6E-409C-BE32-E72D297353CC}">
+                  <c16:uniqueId val="{00000001-38A6-C34D-8477-ED0113224BCE}"/>
+                </c:ext>
+              </c:extLst>
+            </c:dLbl>
+            <c:dLbl>
+              <c:idx val="1"/>
+              <c:layout>
+                <c:manualLayout>
+                  <c:x val="8.130081300813009E-3"/>
+                  <c:y val="-2.1383524112533227E-2"/>
+                </c:manualLayout>
+              </c:layout>
+              <c:showLegendKey val="0"/>
+              <c:showVal val="0"/>
+              <c:showCatName val="1"/>
+              <c:showSerName val="0"/>
+              <c:showPercent val="1"/>
+              <c:showBubbleSize val="0"/>
+              <c:extLst>
+                <c:ext xmlns:c15="http://schemas.microsoft.com/office/drawing/2012/chart" uri="{CE6537A1-D6FC-4f65-9D91-7224C49458BB}">
+                  <c15:layout>
+                    <c:manualLayout>
+                      <c:w val="0.26107707573138722"/>
+                      <c:h val="0.2634022500181844"/>
+                    </c:manualLayout>
+                  </c15:layout>
+                </c:ext>
+                <c:ext xmlns:c16="http://schemas.microsoft.com/office/drawing/2014/chart" uri="{C3380CC4-5D6E-409C-BE32-E72D297353CC}">
+                  <c16:uniqueId val="{00000003-38A6-C34D-8477-ED0113224BCE}"/>
+                </c:ext>
+              </c:extLst>
+            </c:dLbl>
+            <c:spPr>
+              <a:noFill/>
+              <a:ln>
+                <a:noFill/>
+              </a:ln>
+              <a:effectLst/>
+            </c:spPr>
+            <c:txPr>
+              <a:bodyPr rot="0" spcFirstLastPara="1" vertOverflow="ellipsis" vert="horz" wrap="square" lIns="38100" tIns="19050" rIns="38100" bIns="19050" anchor="ctr" anchorCtr="1">
+                <a:spAutoFit/>
+              </a:bodyPr>
+              <a:lstStyle/>
+              <a:p>
+                <a:pPr>
+                  <a:defRPr sz="1600" b="1" i="0" u="none" strike="noStrike" kern="1200" baseline="0">
+                    <a:solidFill>
+                      <a:schemeClr val="tx1">
+                        <a:lumMod val="65000"/>
+                        <a:lumOff val="35000"/>
+                      </a:schemeClr>
+                    </a:solidFill>
+                    <a:latin typeface="+mn-lt"/>
+                    <a:ea typeface="+mn-ea"/>
+                    <a:cs typeface="+mn-cs"/>
+                  </a:defRPr>
+                </a:pPr>
+                <a:endParaRPr lang="en-DE"/>
+              </a:p>
+            </c:txPr>
+            <c:showLegendKey val="0"/>
+            <c:showVal val="0"/>
+            <c:showCatName val="1"/>
+            <c:showSerName val="0"/>
+            <c:showPercent val="1"/>
+            <c:showBubbleSize val="0"/>
+            <c:showLeaderLines val="1"/>
+            <c:leaderLines>
+              <c:spPr>
+                <a:ln w="9525">
+                  <a:solidFill>
+                    <a:schemeClr val="tx1">
+                      <a:lumMod val="35000"/>
+                      <a:lumOff val="65000"/>
+                    </a:schemeClr>
+                  </a:solidFill>
+                </a:ln>
+                <a:effectLst/>
+              </c:spPr>
+            </c:leaderLines>
+            <c:extLst>
+              <c:ext xmlns:c15="http://schemas.microsoft.com/office/drawing/2012/chart" uri="{CE6537A1-D6FC-4f65-9D91-7224C49458BB}"/>
+            </c:extLst>
+          </c:dLbls>
+          <c:cat>
+            <c:strRef>
+              <c:f>Sheet1!$A$2:$A$3</c:f>
+              <c:strCache>
+                <c:ptCount val="2"/>
+                <c:pt idx="0">
+                  <c:v>nicht explicit</c:v>
+                </c:pt>
+                <c:pt idx="1">
+                  <c:v>explicit</c:v>
+                </c:pt>
+              </c:strCache>
+            </c:strRef>
+          </c:cat>
+          <c:val>
+            <c:numRef>
+              <c:f>Sheet1!$B$2:$B$3</c:f>
+              <c:numCache>
+                <c:formatCode>General</c:formatCode>
+                <c:ptCount val="2"/>
+                <c:pt idx="0">
+                  <c:v>2594936</c:v>
+                </c:pt>
+                <c:pt idx="1">
+                  <c:v>131410</c:v>
+                </c:pt>
+              </c:numCache>
+            </c:numRef>
+          </c:val>
+          <c:extLst>
+            <c:ext xmlns:c16="http://schemas.microsoft.com/office/drawing/2014/chart" uri="{C3380CC4-5D6E-409C-BE32-E72D297353CC}">
+              <c16:uniqueId val="{00000004-38A6-C34D-8477-ED0113224BCE}"/>
+            </c:ext>
+          </c:extLst>
+        </c:ser>
+        <c:dLbls>
+          <c:showLegendKey val="0"/>
+          <c:showVal val="0"/>
+          <c:showCatName val="1"/>
+          <c:showSerName val="0"/>
+          <c:showPercent val="1"/>
+          <c:showBubbleSize val="0"/>
+          <c:showLeaderLines val="1"/>
+        </c:dLbls>
+        <c:firstSliceAng val="0"/>
+        <c:holeSize val="50"/>
+      </c:doughnutChart>
+      <c:spPr>
+        <a:noFill/>
+        <a:ln>
+          <a:noFill/>
+        </a:ln>
+        <a:effectLst/>
+      </c:spPr>
+    </c:plotArea>
+    <c:plotVisOnly val="1"/>
+    <c:dispBlanksAs val="gap"/>
+    <c:extLst>
+      <c:ext xmlns:c16r3="http://schemas.microsoft.com/office/drawing/2017/03/chart" uri="{56B9EC1D-385E-4148-901F-78D8002777C0}">
+        <c16r3:dataDisplayOptions16>
+          <c16r3:dispNaAsBlank val="1"/>
+        </c16r3:dataDisplayOptions16>
+      </c:ext>
+    </c:extLst>
+    <c:showDLblsOverMax val="0"/>
+  </c:chart>
+  <c:spPr>
+    <a:noFill/>
+    <a:ln>
+      <a:noFill/>
+    </a:ln>
+    <a:effectLst/>
+  </c:spPr>
+  <c:txPr>
+    <a:bodyPr/>
+    <a:lstStyle/>
+    <a:p>
+      <a:pPr>
+        <a:defRPr/>
+      </a:pPr>
+      <a:endParaRPr lang="en-DE"/>
+    </a:p>
+  </c:txPr>
+  <c:externalData r:id="rId3">
+    <c:autoUpdate val="0"/>
+  </c:externalData>
+</c:chartSpace>
+</file>
+
+<file path=ppt/charts/chart3.xml><?xml version="1.0" encoding="utf-8"?>
 <c:chartSpace xmlns:c="http://schemas.openxmlformats.org/drawingml/2006/chart" xmlns:a="http://schemas.openxmlformats.org/drawingml/2006/main" xmlns:r="http://schemas.openxmlformats.org/officeDocument/2006/relationships" xmlns:c16r2="http://schemas.microsoft.com/office/drawing/2015/06/chart">
   <c:date1904 val="0"/>
   <c:lang val="en-GB"/>
@@ -476,7 +972,7 @@
 </c:chartSpace>
 </file>
 
-<file path=ppt/charts/chart2.xml><?xml version="1.0" encoding="utf-8"?>
+<file path=ppt/charts/chart4.xml><?xml version="1.0" encoding="utf-8"?>
 <c:chartSpace xmlns:c="http://schemas.openxmlformats.org/drawingml/2006/chart" xmlns:a="http://schemas.openxmlformats.org/drawingml/2006/main" xmlns:r="http://schemas.openxmlformats.org/officeDocument/2006/relationships" xmlns:c16r2="http://schemas.microsoft.com/office/drawing/2015/06/chart">
   <c:date1904 val="0"/>
   <c:lang val="en-GB"/>
@@ -786,7 +1282,7 @@
 </c:chartSpace>
 </file>
 
-<file path=ppt/charts/chart3.xml><?xml version="1.0" encoding="utf-8"?>
+<file path=ppt/charts/chart5.xml><?xml version="1.0" encoding="utf-8"?>
 <c:chartSpace xmlns:c="http://schemas.openxmlformats.org/drawingml/2006/chart" xmlns:a="http://schemas.openxmlformats.org/drawingml/2006/main" xmlns:r="http://schemas.openxmlformats.org/officeDocument/2006/relationships" xmlns:c16r2="http://schemas.microsoft.com/office/drawing/2015/06/chart">
   <c:date1904 val="0"/>
   <c:lang val="en-GB"/>
@@ -1044,498 +1540,6 @@
         <c:crosses val="autoZero"/>
         <c:crossBetween val="between"/>
       </c:valAx>
-      <c:spPr>
-        <a:noFill/>
-        <a:ln>
-          <a:noFill/>
-        </a:ln>
-        <a:effectLst/>
-      </c:spPr>
-    </c:plotArea>
-    <c:plotVisOnly val="1"/>
-    <c:dispBlanksAs val="gap"/>
-    <c:extLst>
-      <c:ext xmlns:c16r3="http://schemas.microsoft.com/office/drawing/2017/03/chart" uri="{56B9EC1D-385E-4148-901F-78D8002777C0}">
-        <c16r3:dataDisplayOptions16>
-          <c16r3:dispNaAsBlank val="1"/>
-        </c16r3:dataDisplayOptions16>
-      </c:ext>
-    </c:extLst>
-    <c:showDLblsOverMax val="0"/>
-  </c:chart>
-  <c:spPr>
-    <a:noFill/>
-    <a:ln>
-      <a:noFill/>
-    </a:ln>
-    <a:effectLst/>
-  </c:spPr>
-  <c:txPr>
-    <a:bodyPr/>
-    <a:lstStyle/>
-    <a:p>
-      <a:pPr>
-        <a:defRPr/>
-      </a:pPr>
-      <a:endParaRPr lang="en-DE"/>
-    </a:p>
-  </c:txPr>
-  <c:externalData r:id="rId3">
-    <c:autoUpdate val="0"/>
-  </c:externalData>
-</c:chartSpace>
-</file>
-
-<file path=ppt/charts/chart4.xml><?xml version="1.0" encoding="utf-8"?>
-<c:chartSpace xmlns:c="http://schemas.openxmlformats.org/drawingml/2006/chart" xmlns:a="http://schemas.openxmlformats.org/drawingml/2006/main" xmlns:r="http://schemas.openxmlformats.org/officeDocument/2006/relationships" xmlns:c16r2="http://schemas.microsoft.com/office/drawing/2015/06/chart">
-  <c:date1904 val="0"/>
-  <c:lang val="en-GB"/>
-  <c:roundedCorners val="0"/>
-  <mc:AlternateContent xmlns:mc="http://schemas.openxmlformats.org/markup-compatibility/2006">
-    <mc:Choice xmlns:c14="http://schemas.microsoft.com/office/drawing/2007/8/2/chart" Requires="c14">
-      <c14:style val="102"/>
-    </mc:Choice>
-    <mc:Fallback>
-      <c:style val="2"/>
-    </mc:Fallback>
-  </mc:AlternateContent>
-  <c:chart>
-    <c:autoTitleDeleted val="1"/>
-    <c:plotArea>
-      <c:layout/>
-      <c:doughnutChart>
-        <c:varyColors val="1"/>
-        <c:ser>
-          <c:idx val="0"/>
-          <c:order val="0"/>
-          <c:tx>
-            <c:strRef>
-              <c:f>Sheet1!$B$1</c:f>
-              <c:strCache>
-                <c:ptCount val="1"/>
-                <c:pt idx="0">
-                  <c:v>Sales</c:v>
-                </c:pt>
-              </c:strCache>
-            </c:strRef>
-          </c:tx>
-          <c:spPr>
-            <a:ln>
-              <a:noFill/>
-            </a:ln>
-          </c:spPr>
-          <c:dPt>
-            <c:idx val="0"/>
-            <c:bubble3D val="0"/>
-            <c:spPr>
-              <a:solidFill>
-                <a:srgbClr val="92D050"/>
-              </a:solidFill>
-              <a:ln w="9525" cap="flat" cmpd="sng" algn="ctr">
-                <a:noFill/>
-                <a:round/>
-              </a:ln>
-              <a:effectLst/>
-            </c:spPr>
-            <c:extLst>
-              <c:ext xmlns:c16="http://schemas.microsoft.com/office/drawing/2014/chart" uri="{C3380CC4-5D6E-409C-BE32-E72D297353CC}">
-                <c16:uniqueId val="{00000001-B72D-DD46-93A1-AB94EDA0FC74}"/>
-              </c:ext>
-            </c:extLst>
-          </c:dPt>
-          <c:dPt>
-            <c:idx val="1"/>
-            <c:bubble3D val="0"/>
-            <c:spPr>
-              <a:solidFill>
-                <a:schemeClr val="bg2">
-                  <a:lumMod val="90000"/>
-                </a:schemeClr>
-              </a:solidFill>
-              <a:ln w="9525" cap="flat" cmpd="sng" algn="ctr">
-                <a:noFill/>
-                <a:round/>
-              </a:ln>
-              <a:effectLst/>
-            </c:spPr>
-            <c:extLst>
-              <c:ext xmlns:c16="http://schemas.microsoft.com/office/drawing/2014/chart" uri="{C3380CC4-5D6E-409C-BE32-E72D297353CC}">
-                <c16:uniqueId val="{00000002-B72D-DD46-93A1-AB94EDA0FC74}"/>
-              </c:ext>
-            </c:extLst>
-          </c:dPt>
-          <c:dLbls>
-            <c:spPr>
-              <a:noFill/>
-              <a:ln>
-                <a:noFill/>
-              </a:ln>
-              <a:effectLst/>
-            </c:spPr>
-            <c:txPr>
-              <a:bodyPr rot="0" spcFirstLastPara="1" vertOverflow="ellipsis" vert="horz" wrap="square" lIns="38100" tIns="19050" rIns="38100" bIns="19050" anchor="ctr" anchorCtr="1">
-                <a:spAutoFit/>
-              </a:bodyPr>
-              <a:lstStyle/>
-              <a:p>
-                <a:pPr>
-                  <a:defRPr sz="1600" b="1" i="0" u="none" strike="noStrike" kern="1200" baseline="0">
-                    <a:solidFill>
-                      <a:schemeClr val="tx1">
-                        <a:lumMod val="65000"/>
-                        <a:lumOff val="35000"/>
-                      </a:schemeClr>
-                    </a:solidFill>
-                    <a:latin typeface="+mn-lt"/>
-                    <a:ea typeface="+mn-ea"/>
-                    <a:cs typeface="+mn-cs"/>
-                  </a:defRPr>
-                </a:pPr>
-                <a:endParaRPr lang="en-DE"/>
-              </a:p>
-            </c:txPr>
-            <c:showLegendKey val="0"/>
-            <c:showVal val="0"/>
-            <c:showCatName val="1"/>
-            <c:showSerName val="0"/>
-            <c:showPercent val="1"/>
-            <c:showBubbleSize val="0"/>
-            <c:showLeaderLines val="1"/>
-            <c:leaderLines>
-              <c:spPr>
-                <a:ln w="9525">
-                  <a:solidFill>
-                    <a:schemeClr val="tx1">
-                      <a:lumMod val="35000"/>
-                      <a:lumOff val="65000"/>
-                    </a:schemeClr>
-                  </a:solidFill>
-                </a:ln>
-                <a:effectLst/>
-              </c:spPr>
-            </c:leaderLines>
-            <c:extLst>
-              <c:ext xmlns:c15="http://schemas.microsoft.com/office/drawing/2012/chart" uri="{CE6537A1-D6FC-4f65-9D91-7224C49458BB}"/>
-            </c:extLst>
-          </c:dLbls>
-          <c:cat>
-            <c:strRef>
-              <c:f>Sheet1!$A$2:$A$3</c:f>
-              <c:strCache>
-                <c:ptCount val="2"/>
-                <c:pt idx="0">
-                  <c:v>Dur</c:v>
-                </c:pt>
-                <c:pt idx="1">
-                  <c:v>Moll</c:v>
-                </c:pt>
-              </c:strCache>
-            </c:strRef>
-          </c:cat>
-          <c:val>
-            <c:numRef>
-              <c:f>Sheet1!$B$2:$B$3</c:f>
-              <c:numCache>
-                <c:formatCode>General</c:formatCode>
-                <c:ptCount val="2"/>
-                <c:pt idx="0">
-                  <c:v>1905292</c:v>
-                </c:pt>
-                <c:pt idx="1">
-                  <c:v>821054</c:v>
-                </c:pt>
-              </c:numCache>
-            </c:numRef>
-          </c:val>
-          <c:extLst>
-            <c:ext xmlns:c16="http://schemas.microsoft.com/office/drawing/2014/chart" uri="{C3380CC4-5D6E-409C-BE32-E72D297353CC}">
-              <c16:uniqueId val="{00000000-B72D-DD46-93A1-AB94EDA0FC74}"/>
-            </c:ext>
-          </c:extLst>
-        </c:ser>
-        <c:dLbls>
-          <c:showLegendKey val="0"/>
-          <c:showVal val="0"/>
-          <c:showCatName val="1"/>
-          <c:showSerName val="0"/>
-          <c:showPercent val="1"/>
-          <c:showBubbleSize val="0"/>
-          <c:showLeaderLines val="1"/>
-        </c:dLbls>
-        <c:firstSliceAng val="0"/>
-        <c:holeSize val="50"/>
-      </c:doughnutChart>
-      <c:spPr>
-        <a:noFill/>
-        <a:ln>
-          <a:noFill/>
-        </a:ln>
-        <a:effectLst/>
-      </c:spPr>
-    </c:plotArea>
-    <c:plotVisOnly val="1"/>
-    <c:dispBlanksAs val="gap"/>
-    <c:extLst>
-      <c:ext xmlns:c16r3="http://schemas.microsoft.com/office/drawing/2017/03/chart" uri="{56B9EC1D-385E-4148-901F-78D8002777C0}">
-        <c16r3:dataDisplayOptions16>
-          <c16r3:dispNaAsBlank val="1"/>
-        </c16r3:dataDisplayOptions16>
-      </c:ext>
-    </c:extLst>
-    <c:showDLblsOverMax val="0"/>
-  </c:chart>
-  <c:spPr>
-    <a:noFill/>
-    <a:ln>
-      <a:noFill/>
-    </a:ln>
-    <a:effectLst/>
-  </c:spPr>
-  <c:txPr>
-    <a:bodyPr/>
-    <a:lstStyle/>
-    <a:p>
-      <a:pPr>
-        <a:defRPr/>
-      </a:pPr>
-      <a:endParaRPr lang="en-DE"/>
-    </a:p>
-  </c:txPr>
-  <c:externalData r:id="rId3">
-    <c:autoUpdate val="0"/>
-  </c:externalData>
-</c:chartSpace>
-</file>
-
-<file path=ppt/charts/chart5.xml><?xml version="1.0" encoding="utf-8"?>
-<c:chartSpace xmlns:c="http://schemas.openxmlformats.org/drawingml/2006/chart" xmlns:a="http://schemas.openxmlformats.org/drawingml/2006/main" xmlns:r="http://schemas.openxmlformats.org/officeDocument/2006/relationships" xmlns:c16r2="http://schemas.microsoft.com/office/drawing/2015/06/chart">
-  <c:date1904 val="0"/>
-  <c:lang val="en-GB"/>
-  <c:roundedCorners val="0"/>
-  <mc:AlternateContent xmlns:mc="http://schemas.openxmlformats.org/markup-compatibility/2006">
-    <mc:Choice xmlns:c14="http://schemas.microsoft.com/office/drawing/2007/8/2/chart" Requires="c14">
-      <c14:style val="102"/>
-    </mc:Choice>
-    <mc:Fallback>
-      <c:style val="2"/>
-    </mc:Fallback>
-  </mc:AlternateContent>
-  <c:chart>
-    <c:autoTitleDeleted val="1"/>
-    <c:plotArea>
-      <c:layout/>
-      <c:doughnutChart>
-        <c:varyColors val="1"/>
-        <c:ser>
-          <c:idx val="0"/>
-          <c:order val="0"/>
-          <c:tx>
-            <c:strRef>
-              <c:f>Sheet1!$B$1</c:f>
-              <c:strCache>
-                <c:ptCount val="1"/>
-                <c:pt idx="0">
-                  <c:v>Explicit</c:v>
-                </c:pt>
-              </c:strCache>
-            </c:strRef>
-          </c:tx>
-          <c:spPr>
-            <a:ln>
-              <a:noFill/>
-            </a:ln>
-          </c:spPr>
-          <c:dPt>
-            <c:idx val="0"/>
-            <c:bubble3D val="0"/>
-            <c:spPr>
-              <a:solidFill>
-                <a:srgbClr val="92D050"/>
-              </a:solidFill>
-              <a:ln w="9525" cap="flat" cmpd="sng" algn="ctr">
-                <a:noFill/>
-                <a:round/>
-              </a:ln>
-              <a:effectLst/>
-            </c:spPr>
-            <c:extLst>
-              <c:ext xmlns:c16="http://schemas.microsoft.com/office/drawing/2014/chart" uri="{C3380CC4-5D6E-409C-BE32-E72D297353CC}">
-                <c16:uniqueId val="{00000001-38A6-C34D-8477-ED0113224BCE}"/>
-              </c:ext>
-            </c:extLst>
-          </c:dPt>
-          <c:dPt>
-            <c:idx val="1"/>
-            <c:bubble3D val="0"/>
-            <c:spPr>
-              <a:solidFill>
-                <a:schemeClr val="bg2">
-                  <a:lumMod val="75000"/>
-                </a:schemeClr>
-              </a:solidFill>
-              <a:ln w="9525" cap="flat" cmpd="sng" algn="ctr">
-                <a:noFill/>
-                <a:round/>
-              </a:ln>
-              <a:effectLst/>
-            </c:spPr>
-            <c:extLst>
-              <c:ext xmlns:c16="http://schemas.microsoft.com/office/drawing/2014/chart" uri="{C3380CC4-5D6E-409C-BE32-E72D297353CC}">
-                <c16:uniqueId val="{00000003-38A6-C34D-8477-ED0113224BCE}"/>
-              </c:ext>
-            </c:extLst>
-          </c:dPt>
-          <c:dLbls>
-            <c:dLbl>
-              <c:idx val="0"/>
-              <c:showLegendKey val="0"/>
-              <c:showVal val="0"/>
-              <c:showCatName val="1"/>
-              <c:showSerName val="0"/>
-              <c:showPercent val="1"/>
-              <c:showBubbleSize val="0"/>
-              <c:extLst>
-                <c:ext xmlns:c15="http://schemas.microsoft.com/office/drawing/2012/chart" uri="{CE6537A1-D6FC-4f65-9D91-7224C49458BB}">
-                  <c15:layout>
-                    <c:manualLayout>
-                      <c:w val="0.32205268548748478"/>
-                      <c:h val="0.34692629520173918"/>
-                    </c:manualLayout>
-                  </c15:layout>
-                </c:ext>
-                <c:ext xmlns:c16="http://schemas.microsoft.com/office/drawing/2014/chart" uri="{C3380CC4-5D6E-409C-BE32-E72D297353CC}">
-                  <c16:uniqueId val="{00000001-38A6-C34D-8477-ED0113224BCE}"/>
-                </c:ext>
-              </c:extLst>
-            </c:dLbl>
-            <c:dLbl>
-              <c:idx val="1"/>
-              <c:layout>
-                <c:manualLayout>
-                  <c:x val="8.130081300813009E-3"/>
-                  <c:y val="-2.1383524112533227E-2"/>
-                </c:manualLayout>
-              </c:layout>
-              <c:showLegendKey val="0"/>
-              <c:showVal val="0"/>
-              <c:showCatName val="1"/>
-              <c:showSerName val="0"/>
-              <c:showPercent val="1"/>
-              <c:showBubbleSize val="0"/>
-              <c:extLst>
-                <c:ext xmlns:c15="http://schemas.microsoft.com/office/drawing/2012/chart" uri="{CE6537A1-D6FC-4f65-9D91-7224C49458BB}">
-                  <c15:layout>
-                    <c:manualLayout>
-                      <c:w val="0.26107707573138722"/>
-                      <c:h val="0.2634022500181844"/>
-                    </c:manualLayout>
-                  </c15:layout>
-                </c:ext>
-                <c:ext xmlns:c16="http://schemas.microsoft.com/office/drawing/2014/chart" uri="{C3380CC4-5D6E-409C-BE32-E72D297353CC}">
-                  <c16:uniqueId val="{00000003-38A6-C34D-8477-ED0113224BCE}"/>
-                </c:ext>
-              </c:extLst>
-            </c:dLbl>
-            <c:spPr>
-              <a:noFill/>
-              <a:ln>
-                <a:noFill/>
-              </a:ln>
-              <a:effectLst/>
-            </c:spPr>
-            <c:txPr>
-              <a:bodyPr rot="0" spcFirstLastPara="1" vertOverflow="ellipsis" vert="horz" wrap="square" lIns="38100" tIns="19050" rIns="38100" bIns="19050" anchor="ctr" anchorCtr="1">
-                <a:spAutoFit/>
-              </a:bodyPr>
-              <a:lstStyle/>
-              <a:p>
-                <a:pPr>
-                  <a:defRPr sz="1600" b="1" i="0" u="none" strike="noStrike" kern="1200" baseline="0">
-                    <a:solidFill>
-                      <a:schemeClr val="tx1">
-                        <a:lumMod val="65000"/>
-                        <a:lumOff val="35000"/>
-                      </a:schemeClr>
-                    </a:solidFill>
-                    <a:latin typeface="+mn-lt"/>
-                    <a:ea typeface="+mn-ea"/>
-                    <a:cs typeface="+mn-cs"/>
-                  </a:defRPr>
-                </a:pPr>
-                <a:endParaRPr lang="en-DE"/>
-              </a:p>
-            </c:txPr>
-            <c:showLegendKey val="0"/>
-            <c:showVal val="0"/>
-            <c:showCatName val="1"/>
-            <c:showSerName val="0"/>
-            <c:showPercent val="1"/>
-            <c:showBubbleSize val="0"/>
-            <c:showLeaderLines val="1"/>
-            <c:leaderLines>
-              <c:spPr>
-                <a:ln w="9525">
-                  <a:solidFill>
-                    <a:schemeClr val="tx1">
-                      <a:lumMod val="35000"/>
-                      <a:lumOff val="65000"/>
-                    </a:schemeClr>
-                  </a:solidFill>
-                </a:ln>
-                <a:effectLst/>
-              </c:spPr>
-            </c:leaderLines>
-            <c:extLst>
-              <c:ext xmlns:c15="http://schemas.microsoft.com/office/drawing/2012/chart" uri="{CE6537A1-D6FC-4f65-9D91-7224C49458BB}"/>
-            </c:extLst>
-          </c:dLbls>
-          <c:cat>
-            <c:strRef>
-              <c:f>Sheet1!$A$2:$A$3</c:f>
-              <c:strCache>
-                <c:ptCount val="2"/>
-                <c:pt idx="0">
-                  <c:v>nicht explicit</c:v>
-                </c:pt>
-                <c:pt idx="1">
-                  <c:v>explicit</c:v>
-                </c:pt>
-              </c:strCache>
-            </c:strRef>
-          </c:cat>
-          <c:val>
-            <c:numRef>
-              <c:f>Sheet1!$B$2:$B$3</c:f>
-              <c:numCache>
-                <c:formatCode>General</c:formatCode>
-                <c:ptCount val="2"/>
-                <c:pt idx="0">
-                  <c:v>2594936</c:v>
-                </c:pt>
-                <c:pt idx="1">
-                  <c:v>131410</c:v>
-                </c:pt>
-              </c:numCache>
-            </c:numRef>
-          </c:val>
-          <c:extLst>
-            <c:ext xmlns:c16="http://schemas.microsoft.com/office/drawing/2014/chart" uri="{C3380CC4-5D6E-409C-BE32-E72D297353CC}">
-              <c16:uniqueId val="{00000004-38A6-C34D-8477-ED0113224BCE}"/>
-            </c:ext>
-          </c:extLst>
-        </c:ser>
-        <c:dLbls>
-          <c:showLegendKey val="0"/>
-          <c:showVal val="0"/>
-          <c:showCatName val="1"/>
-          <c:showSerName val="0"/>
-          <c:showPercent val="1"/>
-          <c:showBubbleSize val="0"/>
-          <c:showLeaderLines val="1"/>
-        </c:dLbls>
-        <c:firstSliceAng val="0"/>
-        <c:holeSize val="50"/>
-      </c:doughnutChart>
       <c:spPr>
         <a:noFill/>
         <a:ln>
@@ -1951,6 +1955,1542 @@
 </file>
 
 <file path=ppt/charts/style1.xml><?xml version="1.0" encoding="utf-8"?>
+<cs:chartStyle xmlns:cs="http://schemas.microsoft.com/office/drawing/2012/chartStyle" xmlns:a="http://schemas.openxmlformats.org/drawingml/2006/main" id="254">
+  <cs:axisTitle>
+    <cs:lnRef idx="0"/>
+    <cs:fillRef idx="0"/>
+    <cs:effectRef idx="0"/>
+    <cs:fontRef idx="minor">
+      <a:schemeClr val="tx1">
+        <a:lumMod val="50000"/>
+        <a:lumOff val="50000"/>
+      </a:schemeClr>
+    </cs:fontRef>
+    <cs:defRPr sz="1197" kern="1200" cap="all"/>
+  </cs:axisTitle>
+  <cs:categoryAxis>
+    <cs:lnRef idx="0"/>
+    <cs:fillRef idx="0"/>
+    <cs:effectRef idx="0"/>
+    <cs:fontRef idx="minor">
+      <a:schemeClr val="tx1">
+        <a:lumMod val="50000"/>
+        <a:lumOff val="50000"/>
+      </a:schemeClr>
+    </cs:fontRef>
+    <cs:spPr>
+      <a:ln w="9525" cap="flat" cmpd="sng" algn="ctr">
+        <a:solidFill>
+          <a:schemeClr val="tx1">
+            <a:lumMod val="15000"/>
+            <a:lumOff val="85000"/>
+          </a:schemeClr>
+        </a:solidFill>
+        <a:round/>
+      </a:ln>
+    </cs:spPr>
+    <cs:defRPr sz="1197" kern="1200"/>
+  </cs:categoryAxis>
+  <cs:chartArea mods="allowNoFillOverride allowNoLineOverride">
+    <cs:lnRef idx="0"/>
+    <cs:fillRef idx="0"/>
+    <cs:effectRef idx="0"/>
+    <cs:fontRef idx="minor">
+      <a:schemeClr val="dk1"/>
+    </cs:fontRef>
+    <cs:spPr>
+      <a:solidFill>
+        <a:schemeClr val="bg1"/>
+      </a:solidFill>
+      <a:ln w="9525" cap="flat" cmpd="sng" algn="ctr">
+        <a:solidFill>
+          <a:schemeClr val="tx1">
+            <a:lumMod val="15000"/>
+            <a:lumOff val="85000"/>
+          </a:schemeClr>
+        </a:solidFill>
+        <a:round/>
+      </a:ln>
+    </cs:spPr>
+    <cs:defRPr sz="1197" kern="1200"/>
+  </cs:chartArea>
+  <cs:dataLabel>
+    <cs:lnRef idx="0"/>
+    <cs:fillRef idx="0"/>
+    <cs:effectRef idx="0"/>
+    <cs:fontRef idx="minor">
+      <a:schemeClr val="tx1">
+        <a:lumMod val="65000"/>
+        <a:lumOff val="35000"/>
+      </a:schemeClr>
+    </cs:fontRef>
+    <cs:defRPr sz="1197" kern="1200"/>
+  </cs:dataLabel>
+  <cs:dataLabelCallout>
+    <cs:lnRef idx="0"/>
+    <cs:fillRef idx="0"/>
+    <cs:effectRef idx="0"/>
+    <cs:fontRef idx="minor">
+      <a:schemeClr val="dk1">
+        <a:lumMod val="65000"/>
+        <a:lumOff val="35000"/>
+      </a:schemeClr>
+    </cs:fontRef>
+    <cs:spPr>
+      <a:solidFill>
+        <a:schemeClr val="lt1"/>
+      </a:solidFill>
+      <a:ln>
+        <a:solidFill>
+          <a:schemeClr val="dk1">
+            <a:lumMod val="25000"/>
+            <a:lumOff val="75000"/>
+          </a:schemeClr>
+        </a:solidFill>
+      </a:ln>
+    </cs:spPr>
+    <cs:defRPr sz="1197" kern="1200"/>
+    <cs:bodyPr rot="0" spcFirstLastPara="1" vertOverflow="clip" horzOverflow="clip" vert="horz" wrap="square" lIns="36576" tIns="18288" rIns="36576" bIns="18288" anchor="ctr" anchorCtr="1">
+      <a:spAutoFit/>
+    </cs:bodyPr>
+  </cs:dataLabelCallout>
+  <cs:dataPoint>
+    <cs:lnRef idx="0">
+      <cs:styleClr val="auto"/>
+    </cs:lnRef>
+    <cs:fillRef idx="2">
+      <cs:styleClr val="auto"/>
+    </cs:fillRef>
+    <cs:effectRef idx="1"/>
+    <cs:fontRef idx="minor">
+      <a:schemeClr val="dk1"/>
+    </cs:fontRef>
+    <cs:spPr>
+      <a:ln w="9525" cap="flat" cmpd="sng" algn="ctr">
+        <a:solidFill>
+          <a:schemeClr val="phClr">
+            <a:shade val="95000"/>
+          </a:schemeClr>
+        </a:solidFill>
+        <a:round/>
+      </a:ln>
+    </cs:spPr>
+  </cs:dataPoint>
+  <cs:dataPoint3D>
+    <cs:lnRef idx="0"/>
+    <cs:fillRef idx="2">
+      <cs:styleClr val="auto"/>
+    </cs:fillRef>
+    <cs:effectRef idx="1"/>
+    <cs:fontRef idx="minor">
+      <a:schemeClr val="dk1"/>
+    </cs:fontRef>
+    <cs:spPr/>
+  </cs:dataPoint3D>
+  <cs:dataPointLine>
+    <cs:lnRef idx="0">
+      <cs:styleClr val="auto"/>
+    </cs:lnRef>
+    <cs:fillRef idx="2">
+      <cs:styleClr val="auto"/>
+    </cs:fillRef>
+    <cs:effectRef idx="1"/>
+    <cs:fontRef idx="minor">
+      <a:schemeClr val="dk1"/>
+    </cs:fontRef>
+    <cs:spPr>
+      <a:ln w="15875" cap="rnd">
+        <a:solidFill>
+          <a:schemeClr val="phClr"/>
+        </a:solidFill>
+        <a:round/>
+      </a:ln>
+    </cs:spPr>
+  </cs:dataPointLine>
+  <cs:dataPointMarker>
+    <cs:lnRef idx="0">
+      <cs:styleClr val="auto"/>
+    </cs:lnRef>
+    <cs:fillRef idx="2">
+      <cs:styleClr val="auto"/>
+    </cs:fillRef>
+    <cs:effectRef idx="1"/>
+    <cs:fontRef idx="minor">
+      <a:schemeClr val="dk1"/>
+    </cs:fontRef>
+    <cs:spPr>
+      <a:ln w="9525" cap="flat" cmpd="sng" algn="ctr">
+        <a:solidFill>
+          <a:schemeClr val="phClr">
+            <a:shade val="95000"/>
+          </a:schemeClr>
+        </a:solidFill>
+        <a:round/>
+      </a:ln>
+    </cs:spPr>
+  </cs:dataPointMarker>
+  <cs:dataPointMarkerLayout symbol="circle" size="4"/>
+  <cs:dataPointWireframe>
+    <cs:lnRef idx="0">
+      <cs:styleClr val="auto"/>
+    </cs:lnRef>
+    <cs:fillRef idx="2"/>
+    <cs:effectRef idx="0"/>
+    <cs:fontRef idx="minor">
+      <a:schemeClr val="dk1"/>
+    </cs:fontRef>
+    <cs:spPr>
+      <a:ln w="9525" cap="rnd">
+        <a:solidFill>
+          <a:schemeClr val="phClr"/>
+        </a:solidFill>
+        <a:round/>
+      </a:ln>
+    </cs:spPr>
+  </cs:dataPointWireframe>
+  <cs:dataTable>
+    <cs:lnRef idx="0"/>
+    <cs:fillRef idx="0"/>
+    <cs:effectRef idx="0"/>
+    <cs:fontRef idx="minor">
+      <a:schemeClr val="tx1">
+        <a:lumMod val="50000"/>
+        <a:lumOff val="50000"/>
+      </a:schemeClr>
+    </cs:fontRef>
+    <cs:spPr>
+      <a:ln w="9525">
+        <a:solidFill>
+          <a:schemeClr val="tx1">
+            <a:lumMod val="15000"/>
+            <a:lumOff val="85000"/>
+          </a:schemeClr>
+        </a:solidFill>
+      </a:ln>
+    </cs:spPr>
+    <cs:defRPr sz="1197" kern="1200"/>
+  </cs:dataTable>
+  <cs:downBar>
+    <cs:lnRef idx="0"/>
+    <cs:fillRef idx="0"/>
+    <cs:effectRef idx="0"/>
+    <cs:fontRef idx="minor">
+      <a:schemeClr val="dk1"/>
+    </cs:fontRef>
+    <cs:spPr>
+      <a:solidFill>
+        <a:schemeClr val="dk1">
+          <a:lumMod val="75000"/>
+          <a:lumOff val="25000"/>
+        </a:schemeClr>
+      </a:solidFill>
+      <a:ln w="9525">
+        <a:solidFill>
+          <a:schemeClr val="tx1">
+            <a:lumMod val="50000"/>
+            <a:lumOff val="50000"/>
+          </a:schemeClr>
+        </a:solidFill>
+      </a:ln>
+    </cs:spPr>
+  </cs:downBar>
+  <cs:dropLine>
+    <cs:lnRef idx="0"/>
+    <cs:fillRef idx="0"/>
+    <cs:effectRef idx="0"/>
+    <cs:fontRef idx="minor">
+      <a:schemeClr val="dk1"/>
+    </cs:fontRef>
+    <cs:spPr>
+      <a:ln w="9525">
+        <a:solidFill>
+          <a:schemeClr val="tx1">
+            <a:lumMod val="35000"/>
+            <a:lumOff val="65000"/>
+          </a:schemeClr>
+        </a:solidFill>
+        <a:prstDash val="dash"/>
+      </a:ln>
+    </cs:spPr>
+  </cs:dropLine>
+  <cs:errorBar>
+    <cs:lnRef idx="0"/>
+    <cs:fillRef idx="0"/>
+    <cs:effectRef idx="0"/>
+    <cs:fontRef idx="minor">
+      <a:schemeClr val="dk1"/>
+    </cs:fontRef>
+    <cs:spPr>
+      <a:ln w="9525">
+        <a:solidFill>
+          <a:schemeClr val="tx1">
+            <a:lumMod val="50000"/>
+            <a:lumOff val="50000"/>
+          </a:schemeClr>
+        </a:solidFill>
+      </a:ln>
+    </cs:spPr>
+  </cs:errorBar>
+  <cs:floor>
+    <cs:lnRef idx="0"/>
+    <cs:fillRef idx="0"/>
+    <cs:effectRef idx="0"/>
+    <cs:fontRef idx="minor">
+      <a:schemeClr val="dk1"/>
+    </cs:fontRef>
+  </cs:floor>
+  <cs:gridlineMajor>
+    <cs:lnRef idx="0"/>
+    <cs:fillRef idx="0"/>
+    <cs:effectRef idx="0"/>
+    <cs:fontRef idx="minor">
+      <a:schemeClr val="dk1"/>
+    </cs:fontRef>
+    <cs:spPr>
+      <a:ln w="9525" cap="flat" cmpd="sng" algn="ctr">
+        <a:solidFill>
+          <a:schemeClr val="tx1">
+            <a:lumMod val="15000"/>
+            <a:lumOff val="85000"/>
+          </a:schemeClr>
+        </a:solidFill>
+        <a:round/>
+      </a:ln>
+    </cs:spPr>
+  </cs:gridlineMajor>
+  <cs:gridlineMinor>
+    <cs:lnRef idx="0"/>
+    <cs:fillRef idx="0"/>
+    <cs:effectRef idx="0"/>
+    <cs:fontRef idx="minor">
+      <a:schemeClr val="dk1"/>
+    </cs:fontRef>
+    <cs:spPr>
+      <a:ln>
+        <a:solidFill>
+          <a:schemeClr val="tx1">
+            <a:lumMod val="5000"/>
+            <a:lumOff val="95000"/>
+          </a:schemeClr>
+        </a:solidFill>
+      </a:ln>
+    </cs:spPr>
+  </cs:gridlineMinor>
+  <cs:hiLoLine>
+    <cs:lnRef idx="0"/>
+    <cs:fillRef idx="0"/>
+    <cs:effectRef idx="0"/>
+    <cs:fontRef idx="minor">
+      <a:schemeClr val="dk1"/>
+    </cs:fontRef>
+    <cs:spPr>
+      <a:ln w="9525">
+        <a:solidFill>
+          <a:schemeClr val="tx1">
+            <a:lumMod val="50000"/>
+            <a:lumOff val="50000"/>
+          </a:schemeClr>
+        </a:solidFill>
+        <a:prstDash val="dash"/>
+      </a:ln>
+    </cs:spPr>
+  </cs:hiLoLine>
+  <cs:leaderLine>
+    <cs:lnRef idx="0"/>
+    <cs:fillRef idx="0"/>
+    <cs:effectRef idx="0"/>
+    <cs:fontRef idx="minor">
+      <a:schemeClr val="dk1"/>
+    </cs:fontRef>
+    <cs:spPr>
+      <a:ln w="9525">
+        <a:solidFill>
+          <a:schemeClr val="tx1">
+            <a:lumMod val="35000"/>
+            <a:lumOff val="65000"/>
+          </a:schemeClr>
+        </a:solidFill>
+      </a:ln>
+    </cs:spPr>
+  </cs:leaderLine>
+  <cs:legend>
+    <cs:lnRef idx="0"/>
+    <cs:fillRef idx="0"/>
+    <cs:effectRef idx="0"/>
+    <cs:fontRef idx="minor">
+      <a:schemeClr val="tx1">
+        <a:lumMod val="50000"/>
+        <a:lumOff val="50000"/>
+      </a:schemeClr>
+    </cs:fontRef>
+    <cs:defRPr sz="1197" kern="1200"/>
+  </cs:legend>
+  <cs:plotArea mods="allowNoFillOverride allowNoLineOverride">
+    <cs:lnRef idx="0"/>
+    <cs:fillRef idx="0"/>
+    <cs:effectRef idx="0"/>
+    <cs:fontRef idx="minor">
+      <a:schemeClr val="dk1"/>
+    </cs:fontRef>
+  </cs:plotArea>
+  <cs:plotArea3D mods="allowNoFillOverride allowNoLineOverride">
+    <cs:lnRef idx="0"/>
+    <cs:fillRef idx="0"/>
+    <cs:effectRef idx="0"/>
+    <cs:fontRef idx="minor">
+      <a:schemeClr val="dk1"/>
+    </cs:fontRef>
+  </cs:plotArea3D>
+  <cs:seriesAxis>
+    <cs:lnRef idx="0"/>
+    <cs:fillRef idx="0"/>
+    <cs:effectRef idx="0"/>
+    <cs:fontRef idx="minor">
+      <a:schemeClr val="tx1">
+        <a:lumMod val="50000"/>
+        <a:lumOff val="50000"/>
+      </a:schemeClr>
+    </cs:fontRef>
+    <cs:spPr>
+      <a:ln w="9525" cap="flat" cmpd="sng" algn="ctr">
+        <a:solidFill>
+          <a:schemeClr val="tx1">
+            <a:lumMod val="15000"/>
+            <a:lumOff val="85000"/>
+          </a:schemeClr>
+        </a:solidFill>
+        <a:round/>
+      </a:ln>
+    </cs:spPr>
+    <cs:defRPr sz="1197" kern="1200"/>
+  </cs:seriesAxis>
+  <cs:seriesLine>
+    <cs:lnRef idx="0"/>
+    <cs:fillRef idx="0"/>
+    <cs:effectRef idx="0"/>
+    <cs:fontRef idx="minor">
+      <a:schemeClr val="dk1"/>
+    </cs:fontRef>
+    <cs:spPr>
+      <a:ln w="9525">
+        <a:solidFill>
+          <a:schemeClr val="tx1">
+            <a:lumMod val="35000"/>
+            <a:lumOff val="65000"/>
+          </a:schemeClr>
+        </a:solidFill>
+        <a:prstDash val="dash"/>
+      </a:ln>
+    </cs:spPr>
+  </cs:seriesLine>
+  <cs:title>
+    <cs:lnRef idx="0"/>
+    <cs:fillRef idx="0"/>
+    <cs:effectRef idx="0"/>
+    <cs:fontRef idx="minor">
+      <a:schemeClr val="tx1">
+        <a:lumMod val="50000"/>
+        <a:lumOff val="50000"/>
+      </a:schemeClr>
+    </cs:fontRef>
+    <cs:defRPr sz="1862" kern="1200" cap="none" spc="20" baseline="0"/>
+  </cs:title>
+  <cs:trendline>
+    <cs:lnRef idx="0">
+      <cs:styleClr val="auto"/>
+    </cs:lnRef>
+    <cs:fillRef idx="2"/>
+    <cs:effectRef idx="0"/>
+    <cs:fontRef idx="minor">
+      <a:schemeClr val="dk1"/>
+    </cs:fontRef>
+    <cs:spPr>
+      <a:ln w="9525" cap="rnd">
+        <a:solidFill>
+          <a:schemeClr val="phClr"/>
+        </a:solidFill>
+      </a:ln>
+    </cs:spPr>
+  </cs:trendline>
+  <cs:trendlineLabel>
+    <cs:lnRef idx="0"/>
+    <cs:fillRef idx="0"/>
+    <cs:effectRef idx="0"/>
+    <cs:fontRef idx="minor">
+      <a:schemeClr val="tx1">
+        <a:lumMod val="50000"/>
+        <a:lumOff val="50000"/>
+      </a:schemeClr>
+    </cs:fontRef>
+    <cs:defRPr sz="1197" kern="1200"/>
+  </cs:trendlineLabel>
+  <cs:upBar>
+    <cs:lnRef idx="0"/>
+    <cs:fillRef idx="0"/>
+    <cs:effectRef idx="0"/>
+    <cs:fontRef idx="minor">
+      <a:schemeClr val="dk1"/>
+    </cs:fontRef>
+    <cs:spPr>
+      <a:solidFill>
+        <a:schemeClr val="lt1"/>
+      </a:solidFill>
+      <a:ln w="9525">
+        <a:solidFill>
+          <a:schemeClr val="tx1">
+            <a:lumMod val="50000"/>
+            <a:lumOff val="50000"/>
+          </a:schemeClr>
+        </a:solidFill>
+      </a:ln>
+    </cs:spPr>
+  </cs:upBar>
+  <cs:valueAxis>
+    <cs:lnRef idx="0"/>
+    <cs:fillRef idx="0"/>
+    <cs:effectRef idx="0"/>
+    <cs:fontRef idx="minor">
+      <a:schemeClr val="tx1">
+        <a:lumMod val="50000"/>
+        <a:lumOff val="50000"/>
+      </a:schemeClr>
+    </cs:fontRef>
+    <cs:defRPr sz="1197" kern="1200"/>
+  </cs:valueAxis>
+  <cs:wall>
+    <cs:lnRef idx="0"/>
+    <cs:fillRef idx="0"/>
+    <cs:effectRef idx="0"/>
+    <cs:fontRef idx="minor">
+      <a:schemeClr val="dk1"/>
+    </cs:fontRef>
+  </cs:wall>
+</cs:chartStyle>
+</file>
+
+<file path=ppt/charts/style2.xml><?xml version="1.0" encoding="utf-8"?>
+<cs:chartStyle xmlns:cs="http://schemas.microsoft.com/office/drawing/2012/chartStyle" xmlns:a="http://schemas.openxmlformats.org/drawingml/2006/main" id="254">
+  <cs:axisTitle>
+    <cs:lnRef idx="0"/>
+    <cs:fillRef idx="0"/>
+    <cs:effectRef idx="0"/>
+    <cs:fontRef idx="minor">
+      <a:schemeClr val="tx1">
+        <a:lumMod val="50000"/>
+        <a:lumOff val="50000"/>
+      </a:schemeClr>
+    </cs:fontRef>
+    <cs:defRPr sz="1197" kern="1200" cap="all"/>
+  </cs:axisTitle>
+  <cs:categoryAxis>
+    <cs:lnRef idx="0"/>
+    <cs:fillRef idx="0"/>
+    <cs:effectRef idx="0"/>
+    <cs:fontRef idx="minor">
+      <a:schemeClr val="tx1">
+        <a:lumMod val="50000"/>
+        <a:lumOff val="50000"/>
+      </a:schemeClr>
+    </cs:fontRef>
+    <cs:spPr>
+      <a:ln w="9525" cap="flat" cmpd="sng" algn="ctr">
+        <a:solidFill>
+          <a:schemeClr val="tx1">
+            <a:lumMod val="15000"/>
+            <a:lumOff val="85000"/>
+          </a:schemeClr>
+        </a:solidFill>
+        <a:round/>
+      </a:ln>
+    </cs:spPr>
+    <cs:defRPr sz="1197" kern="1200"/>
+  </cs:categoryAxis>
+  <cs:chartArea mods="allowNoFillOverride allowNoLineOverride">
+    <cs:lnRef idx="0"/>
+    <cs:fillRef idx="0"/>
+    <cs:effectRef idx="0"/>
+    <cs:fontRef idx="minor">
+      <a:schemeClr val="dk1"/>
+    </cs:fontRef>
+    <cs:spPr>
+      <a:solidFill>
+        <a:schemeClr val="bg1"/>
+      </a:solidFill>
+      <a:ln w="9525" cap="flat" cmpd="sng" algn="ctr">
+        <a:solidFill>
+          <a:schemeClr val="tx1">
+            <a:lumMod val="15000"/>
+            <a:lumOff val="85000"/>
+          </a:schemeClr>
+        </a:solidFill>
+        <a:round/>
+      </a:ln>
+    </cs:spPr>
+    <cs:defRPr sz="1197" kern="1200"/>
+  </cs:chartArea>
+  <cs:dataLabel>
+    <cs:lnRef idx="0"/>
+    <cs:fillRef idx="0"/>
+    <cs:effectRef idx="0"/>
+    <cs:fontRef idx="minor">
+      <a:schemeClr val="tx1">
+        <a:lumMod val="65000"/>
+        <a:lumOff val="35000"/>
+      </a:schemeClr>
+    </cs:fontRef>
+    <cs:defRPr sz="1197" kern="1200"/>
+  </cs:dataLabel>
+  <cs:dataLabelCallout>
+    <cs:lnRef idx="0"/>
+    <cs:fillRef idx="0"/>
+    <cs:effectRef idx="0"/>
+    <cs:fontRef idx="minor">
+      <a:schemeClr val="dk1">
+        <a:lumMod val="65000"/>
+        <a:lumOff val="35000"/>
+      </a:schemeClr>
+    </cs:fontRef>
+    <cs:spPr>
+      <a:solidFill>
+        <a:schemeClr val="lt1"/>
+      </a:solidFill>
+      <a:ln>
+        <a:solidFill>
+          <a:schemeClr val="dk1">
+            <a:lumMod val="25000"/>
+            <a:lumOff val="75000"/>
+          </a:schemeClr>
+        </a:solidFill>
+      </a:ln>
+    </cs:spPr>
+    <cs:defRPr sz="1197" kern="1200"/>
+    <cs:bodyPr rot="0" spcFirstLastPara="1" vertOverflow="clip" horzOverflow="clip" vert="horz" wrap="square" lIns="36576" tIns="18288" rIns="36576" bIns="18288" anchor="ctr" anchorCtr="1">
+      <a:spAutoFit/>
+    </cs:bodyPr>
+  </cs:dataLabelCallout>
+  <cs:dataPoint>
+    <cs:lnRef idx="0">
+      <cs:styleClr val="auto"/>
+    </cs:lnRef>
+    <cs:fillRef idx="2">
+      <cs:styleClr val="auto"/>
+    </cs:fillRef>
+    <cs:effectRef idx="1"/>
+    <cs:fontRef idx="minor">
+      <a:schemeClr val="dk1"/>
+    </cs:fontRef>
+    <cs:spPr>
+      <a:ln w="9525" cap="flat" cmpd="sng" algn="ctr">
+        <a:solidFill>
+          <a:schemeClr val="phClr">
+            <a:shade val="95000"/>
+          </a:schemeClr>
+        </a:solidFill>
+        <a:round/>
+      </a:ln>
+    </cs:spPr>
+  </cs:dataPoint>
+  <cs:dataPoint3D>
+    <cs:lnRef idx="0"/>
+    <cs:fillRef idx="2">
+      <cs:styleClr val="auto"/>
+    </cs:fillRef>
+    <cs:effectRef idx="1"/>
+    <cs:fontRef idx="minor">
+      <a:schemeClr val="dk1"/>
+    </cs:fontRef>
+    <cs:spPr/>
+  </cs:dataPoint3D>
+  <cs:dataPointLine>
+    <cs:lnRef idx="0">
+      <cs:styleClr val="auto"/>
+    </cs:lnRef>
+    <cs:fillRef idx="2">
+      <cs:styleClr val="auto"/>
+    </cs:fillRef>
+    <cs:effectRef idx="1"/>
+    <cs:fontRef idx="minor">
+      <a:schemeClr val="dk1"/>
+    </cs:fontRef>
+    <cs:spPr>
+      <a:ln w="15875" cap="rnd">
+        <a:solidFill>
+          <a:schemeClr val="phClr"/>
+        </a:solidFill>
+        <a:round/>
+      </a:ln>
+    </cs:spPr>
+  </cs:dataPointLine>
+  <cs:dataPointMarker>
+    <cs:lnRef idx="0">
+      <cs:styleClr val="auto"/>
+    </cs:lnRef>
+    <cs:fillRef idx="2">
+      <cs:styleClr val="auto"/>
+    </cs:fillRef>
+    <cs:effectRef idx="1"/>
+    <cs:fontRef idx="minor">
+      <a:schemeClr val="dk1"/>
+    </cs:fontRef>
+    <cs:spPr>
+      <a:ln w="9525" cap="flat" cmpd="sng" algn="ctr">
+        <a:solidFill>
+          <a:schemeClr val="phClr">
+            <a:shade val="95000"/>
+          </a:schemeClr>
+        </a:solidFill>
+        <a:round/>
+      </a:ln>
+    </cs:spPr>
+  </cs:dataPointMarker>
+  <cs:dataPointMarkerLayout symbol="circle" size="4"/>
+  <cs:dataPointWireframe>
+    <cs:lnRef idx="0">
+      <cs:styleClr val="auto"/>
+    </cs:lnRef>
+    <cs:fillRef idx="2"/>
+    <cs:effectRef idx="0"/>
+    <cs:fontRef idx="minor">
+      <a:schemeClr val="dk1"/>
+    </cs:fontRef>
+    <cs:spPr>
+      <a:ln w="9525" cap="rnd">
+        <a:solidFill>
+          <a:schemeClr val="phClr"/>
+        </a:solidFill>
+        <a:round/>
+      </a:ln>
+    </cs:spPr>
+  </cs:dataPointWireframe>
+  <cs:dataTable>
+    <cs:lnRef idx="0"/>
+    <cs:fillRef idx="0"/>
+    <cs:effectRef idx="0"/>
+    <cs:fontRef idx="minor">
+      <a:schemeClr val="tx1">
+        <a:lumMod val="50000"/>
+        <a:lumOff val="50000"/>
+      </a:schemeClr>
+    </cs:fontRef>
+    <cs:spPr>
+      <a:ln w="9525">
+        <a:solidFill>
+          <a:schemeClr val="tx1">
+            <a:lumMod val="15000"/>
+            <a:lumOff val="85000"/>
+          </a:schemeClr>
+        </a:solidFill>
+      </a:ln>
+    </cs:spPr>
+    <cs:defRPr sz="1197" kern="1200"/>
+  </cs:dataTable>
+  <cs:downBar>
+    <cs:lnRef idx="0"/>
+    <cs:fillRef idx="0"/>
+    <cs:effectRef idx="0"/>
+    <cs:fontRef idx="minor">
+      <a:schemeClr val="dk1"/>
+    </cs:fontRef>
+    <cs:spPr>
+      <a:solidFill>
+        <a:schemeClr val="dk1">
+          <a:lumMod val="75000"/>
+          <a:lumOff val="25000"/>
+        </a:schemeClr>
+      </a:solidFill>
+      <a:ln w="9525">
+        <a:solidFill>
+          <a:schemeClr val="tx1">
+            <a:lumMod val="50000"/>
+            <a:lumOff val="50000"/>
+          </a:schemeClr>
+        </a:solidFill>
+      </a:ln>
+    </cs:spPr>
+  </cs:downBar>
+  <cs:dropLine>
+    <cs:lnRef idx="0"/>
+    <cs:fillRef idx="0"/>
+    <cs:effectRef idx="0"/>
+    <cs:fontRef idx="minor">
+      <a:schemeClr val="dk1"/>
+    </cs:fontRef>
+    <cs:spPr>
+      <a:ln w="9525">
+        <a:solidFill>
+          <a:schemeClr val="tx1">
+            <a:lumMod val="35000"/>
+            <a:lumOff val="65000"/>
+          </a:schemeClr>
+        </a:solidFill>
+        <a:prstDash val="dash"/>
+      </a:ln>
+    </cs:spPr>
+  </cs:dropLine>
+  <cs:errorBar>
+    <cs:lnRef idx="0"/>
+    <cs:fillRef idx="0"/>
+    <cs:effectRef idx="0"/>
+    <cs:fontRef idx="minor">
+      <a:schemeClr val="dk1"/>
+    </cs:fontRef>
+    <cs:spPr>
+      <a:ln w="9525">
+        <a:solidFill>
+          <a:schemeClr val="tx1">
+            <a:lumMod val="50000"/>
+            <a:lumOff val="50000"/>
+          </a:schemeClr>
+        </a:solidFill>
+      </a:ln>
+    </cs:spPr>
+  </cs:errorBar>
+  <cs:floor>
+    <cs:lnRef idx="0"/>
+    <cs:fillRef idx="0"/>
+    <cs:effectRef idx="0"/>
+    <cs:fontRef idx="minor">
+      <a:schemeClr val="dk1"/>
+    </cs:fontRef>
+  </cs:floor>
+  <cs:gridlineMajor>
+    <cs:lnRef idx="0"/>
+    <cs:fillRef idx="0"/>
+    <cs:effectRef idx="0"/>
+    <cs:fontRef idx="minor">
+      <a:schemeClr val="dk1"/>
+    </cs:fontRef>
+    <cs:spPr>
+      <a:ln w="9525" cap="flat" cmpd="sng" algn="ctr">
+        <a:solidFill>
+          <a:schemeClr val="tx1">
+            <a:lumMod val="15000"/>
+            <a:lumOff val="85000"/>
+          </a:schemeClr>
+        </a:solidFill>
+        <a:round/>
+      </a:ln>
+    </cs:spPr>
+  </cs:gridlineMajor>
+  <cs:gridlineMinor>
+    <cs:lnRef idx="0"/>
+    <cs:fillRef idx="0"/>
+    <cs:effectRef idx="0"/>
+    <cs:fontRef idx="minor">
+      <a:schemeClr val="dk1"/>
+    </cs:fontRef>
+    <cs:spPr>
+      <a:ln>
+        <a:solidFill>
+          <a:schemeClr val="tx1">
+            <a:lumMod val="5000"/>
+            <a:lumOff val="95000"/>
+          </a:schemeClr>
+        </a:solidFill>
+      </a:ln>
+    </cs:spPr>
+  </cs:gridlineMinor>
+  <cs:hiLoLine>
+    <cs:lnRef idx="0"/>
+    <cs:fillRef idx="0"/>
+    <cs:effectRef idx="0"/>
+    <cs:fontRef idx="minor">
+      <a:schemeClr val="dk1"/>
+    </cs:fontRef>
+    <cs:spPr>
+      <a:ln w="9525">
+        <a:solidFill>
+          <a:schemeClr val="tx1">
+            <a:lumMod val="50000"/>
+            <a:lumOff val="50000"/>
+          </a:schemeClr>
+        </a:solidFill>
+        <a:prstDash val="dash"/>
+      </a:ln>
+    </cs:spPr>
+  </cs:hiLoLine>
+  <cs:leaderLine>
+    <cs:lnRef idx="0"/>
+    <cs:fillRef idx="0"/>
+    <cs:effectRef idx="0"/>
+    <cs:fontRef idx="minor">
+      <a:schemeClr val="dk1"/>
+    </cs:fontRef>
+    <cs:spPr>
+      <a:ln w="9525">
+        <a:solidFill>
+          <a:schemeClr val="tx1">
+            <a:lumMod val="35000"/>
+            <a:lumOff val="65000"/>
+          </a:schemeClr>
+        </a:solidFill>
+      </a:ln>
+    </cs:spPr>
+  </cs:leaderLine>
+  <cs:legend>
+    <cs:lnRef idx="0"/>
+    <cs:fillRef idx="0"/>
+    <cs:effectRef idx="0"/>
+    <cs:fontRef idx="minor">
+      <a:schemeClr val="tx1">
+        <a:lumMod val="50000"/>
+        <a:lumOff val="50000"/>
+      </a:schemeClr>
+    </cs:fontRef>
+    <cs:defRPr sz="1197" kern="1200"/>
+  </cs:legend>
+  <cs:plotArea mods="allowNoFillOverride allowNoLineOverride">
+    <cs:lnRef idx="0"/>
+    <cs:fillRef idx="0"/>
+    <cs:effectRef idx="0"/>
+    <cs:fontRef idx="minor">
+      <a:schemeClr val="dk1"/>
+    </cs:fontRef>
+  </cs:plotArea>
+  <cs:plotArea3D mods="allowNoFillOverride allowNoLineOverride">
+    <cs:lnRef idx="0"/>
+    <cs:fillRef idx="0"/>
+    <cs:effectRef idx="0"/>
+    <cs:fontRef idx="minor">
+      <a:schemeClr val="dk1"/>
+    </cs:fontRef>
+  </cs:plotArea3D>
+  <cs:seriesAxis>
+    <cs:lnRef idx="0"/>
+    <cs:fillRef idx="0"/>
+    <cs:effectRef idx="0"/>
+    <cs:fontRef idx="minor">
+      <a:schemeClr val="tx1">
+        <a:lumMod val="50000"/>
+        <a:lumOff val="50000"/>
+      </a:schemeClr>
+    </cs:fontRef>
+    <cs:spPr>
+      <a:ln w="9525" cap="flat" cmpd="sng" algn="ctr">
+        <a:solidFill>
+          <a:schemeClr val="tx1">
+            <a:lumMod val="15000"/>
+            <a:lumOff val="85000"/>
+          </a:schemeClr>
+        </a:solidFill>
+        <a:round/>
+      </a:ln>
+    </cs:spPr>
+    <cs:defRPr sz="1197" kern="1200"/>
+  </cs:seriesAxis>
+  <cs:seriesLine>
+    <cs:lnRef idx="0"/>
+    <cs:fillRef idx="0"/>
+    <cs:effectRef idx="0"/>
+    <cs:fontRef idx="minor">
+      <a:schemeClr val="dk1"/>
+    </cs:fontRef>
+    <cs:spPr>
+      <a:ln w="9525">
+        <a:solidFill>
+          <a:schemeClr val="tx1">
+            <a:lumMod val="35000"/>
+            <a:lumOff val="65000"/>
+          </a:schemeClr>
+        </a:solidFill>
+        <a:prstDash val="dash"/>
+      </a:ln>
+    </cs:spPr>
+  </cs:seriesLine>
+  <cs:title>
+    <cs:lnRef idx="0"/>
+    <cs:fillRef idx="0"/>
+    <cs:effectRef idx="0"/>
+    <cs:fontRef idx="minor">
+      <a:schemeClr val="tx1">
+        <a:lumMod val="50000"/>
+        <a:lumOff val="50000"/>
+      </a:schemeClr>
+    </cs:fontRef>
+    <cs:defRPr sz="1862" kern="1200" cap="none" spc="20" baseline="0"/>
+  </cs:title>
+  <cs:trendline>
+    <cs:lnRef idx="0">
+      <cs:styleClr val="auto"/>
+    </cs:lnRef>
+    <cs:fillRef idx="2"/>
+    <cs:effectRef idx="0"/>
+    <cs:fontRef idx="minor">
+      <a:schemeClr val="dk1"/>
+    </cs:fontRef>
+    <cs:spPr>
+      <a:ln w="9525" cap="rnd">
+        <a:solidFill>
+          <a:schemeClr val="phClr"/>
+        </a:solidFill>
+      </a:ln>
+    </cs:spPr>
+  </cs:trendline>
+  <cs:trendlineLabel>
+    <cs:lnRef idx="0"/>
+    <cs:fillRef idx="0"/>
+    <cs:effectRef idx="0"/>
+    <cs:fontRef idx="minor">
+      <a:schemeClr val="tx1">
+        <a:lumMod val="50000"/>
+        <a:lumOff val="50000"/>
+      </a:schemeClr>
+    </cs:fontRef>
+    <cs:defRPr sz="1197" kern="1200"/>
+  </cs:trendlineLabel>
+  <cs:upBar>
+    <cs:lnRef idx="0"/>
+    <cs:fillRef idx="0"/>
+    <cs:effectRef idx="0"/>
+    <cs:fontRef idx="minor">
+      <a:schemeClr val="dk1"/>
+    </cs:fontRef>
+    <cs:spPr>
+      <a:solidFill>
+        <a:schemeClr val="lt1"/>
+      </a:solidFill>
+      <a:ln w="9525">
+        <a:solidFill>
+          <a:schemeClr val="tx1">
+            <a:lumMod val="50000"/>
+            <a:lumOff val="50000"/>
+          </a:schemeClr>
+        </a:solidFill>
+      </a:ln>
+    </cs:spPr>
+  </cs:upBar>
+  <cs:valueAxis>
+    <cs:lnRef idx="0"/>
+    <cs:fillRef idx="0"/>
+    <cs:effectRef idx="0"/>
+    <cs:fontRef idx="minor">
+      <a:schemeClr val="tx1">
+        <a:lumMod val="50000"/>
+        <a:lumOff val="50000"/>
+      </a:schemeClr>
+    </cs:fontRef>
+    <cs:defRPr sz="1197" kern="1200"/>
+  </cs:valueAxis>
+  <cs:wall>
+    <cs:lnRef idx="0"/>
+    <cs:fillRef idx="0"/>
+    <cs:effectRef idx="0"/>
+    <cs:fontRef idx="minor">
+      <a:schemeClr val="dk1"/>
+    </cs:fontRef>
+  </cs:wall>
+</cs:chartStyle>
+</file>
+
+<file path=ppt/charts/style3.xml><?xml version="1.0" encoding="utf-8"?>
+<cs:chartStyle xmlns:cs="http://schemas.microsoft.com/office/drawing/2012/chartStyle" xmlns:a="http://schemas.openxmlformats.org/drawingml/2006/main" id="419">
+  <cs:axisTitle>
+    <cs:lnRef idx="0"/>
+    <cs:fillRef idx="0"/>
+    <cs:effectRef idx="0"/>
+    <cs:fontRef idx="minor">
+      <a:schemeClr val="tx1">
+        <a:lumMod val="65000"/>
+        <a:lumOff val="35000"/>
+      </a:schemeClr>
+    </cs:fontRef>
+    <cs:defRPr sz="900"/>
+  </cs:axisTitle>
+  <cs:categoryAxis>
+    <cs:lnRef idx="0"/>
+    <cs:fillRef idx="0"/>
+    <cs:effectRef idx="0"/>
+    <cs:fontRef idx="minor">
+      <a:schemeClr val="tx1">
+        <a:lumMod val="65000"/>
+        <a:lumOff val="35000"/>
+      </a:schemeClr>
+    </cs:fontRef>
+    <cs:spPr>
+      <a:ln w="9525" cap="flat" cmpd="sng" algn="ctr">
+        <a:solidFill>
+          <a:schemeClr val="tx1">
+            <a:lumMod val="15000"/>
+            <a:lumOff val="85000"/>
+          </a:schemeClr>
+        </a:solidFill>
+        <a:round/>
+      </a:ln>
+    </cs:spPr>
+    <cs:defRPr sz="900"/>
+  </cs:categoryAxis>
+  <cs:chartArea mods="allowNoFillOverride allowNoLineOverride">
+    <cs:lnRef idx="0"/>
+    <cs:fillRef idx="0"/>
+    <cs:effectRef idx="0"/>
+    <cs:fontRef idx="minor">
+      <a:schemeClr val="tx1"/>
+    </cs:fontRef>
+    <cs:spPr>
+      <a:solidFill>
+        <a:schemeClr val="bg1"/>
+      </a:solidFill>
+      <a:ln w="9525" cap="flat" cmpd="sng" algn="ctr">
+        <a:solidFill>
+          <a:schemeClr val="tx1">
+            <a:lumMod val="15000"/>
+            <a:lumOff val="85000"/>
+          </a:schemeClr>
+        </a:solidFill>
+        <a:round/>
+      </a:ln>
+    </cs:spPr>
+    <cs:defRPr sz="1000"/>
+  </cs:chartArea>
+  <cs:dataLabel>
+    <cs:lnRef idx="0"/>
+    <cs:fillRef idx="0"/>
+    <cs:effectRef idx="0"/>
+    <cs:fontRef idx="minor">
+      <a:schemeClr val="tx1">
+        <a:lumMod val="65000"/>
+        <a:lumOff val="35000"/>
+      </a:schemeClr>
+    </cs:fontRef>
+    <cs:defRPr sz="900"/>
+  </cs:dataLabel>
+  <cs:dataLabelCallout>
+    <cs:lnRef idx="0"/>
+    <cs:fillRef idx="0"/>
+    <cs:effectRef idx="0"/>
+    <cs:fontRef idx="minor">
+      <a:schemeClr val="dk1">
+        <a:lumMod val="65000"/>
+        <a:lumOff val="35000"/>
+      </a:schemeClr>
+    </cs:fontRef>
+    <cs:spPr>
+      <a:solidFill>
+        <a:schemeClr val="lt1"/>
+      </a:solidFill>
+      <a:ln>
+        <a:solidFill>
+          <a:schemeClr val="dk1">
+            <a:lumMod val="25000"/>
+            <a:lumOff val="75000"/>
+          </a:schemeClr>
+        </a:solidFill>
+      </a:ln>
+    </cs:spPr>
+    <cs:defRPr sz="900"/>
+    <cs:bodyPr rot="0" spcFirstLastPara="1" vertOverflow="clip" horzOverflow="clip" vert="horz" wrap="square" lIns="36576" tIns="18288" rIns="36576" bIns="18288" anchor="ctr" anchorCtr="1">
+      <a:spAutoFit/>
+    </cs:bodyPr>
+  </cs:dataLabelCallout>
+  <cs:dataPoint>
+    <cs:lnRef idx="0"/>
+    <cs:fillRef idx="0">
+      <cs:styleClr val="auto"/>
+    </cs:fillRef>
+    <cs:effectRef idx="0"/>
+    <cs:fontRef idx="minor">
+      <a:schemeClr val="tx1"/>
+    </cs:fontRef>
+    <cs:spPr>
+      <a:solidFill>
+        <a:schemeClr val="phClr"/>
+      </a:solidFill>
+    </cs:spPr>
+  </cs:dataPoint>
+  <cs:dataPoint3D>
+    <cs:lnRef idx="0"/>
+    <cs:fillRef idx="0">
+      <cs:styleClr val="auto"/>
+    </cs:fillRef>
+    <cs:effectRef idx="0"/>
+    <cs:fontRef idx="minor">
+      <a:schemeClr val="tx1"/>
+    </cs:fontRef>
+    <cs:spPr>
+      <a:solidFill>
+        <a:schemeClr val="phClr"/>
+      </a:solidFill>
+    </cs:spPr>
+  </cs:dataPoint3D>
+  <cs:dataPointLine>
+    <cs:lnRef idx="0">
+      <cs:styleClr val="auto"/>
+    </cs:lnRef>
+    <cs:fillRef idx="0"/>
+    <cs:effectRef idx="0"/>
+    <cs:fontRef idx="minor">
+      <a:schemeClr val="tx1"/>
+    </cs:fontRef>
+    <cs:spPr>
+      <a:ln w="28575" cap="rnd">
+        <a:solidFill>
+          <a:schemeClr val="phClr"/>
+        </a:solidFill>
+        <a:round/>
+      </a:ln>
+    </cs:spPr>
+  </cs:dataPointLine>
+  <cs:dataPointMarker>
+    <cs:lnRef idx="0"/>
+    <cs:fillRef idx="0">
+      <cs:styleClr val="auto"/>
+    </cs:fillRef>
+    <cs:effectRef idx="0"/>
+    <cs:fontRef idx="minor">
+      <a:schemeClr val="tx1"/>
+    </cs:fontRef>
+    <cs:spPr>
+      <a:solidFill>
+        <a:schemeClr val="phClr"/>
+      </a:solidFill>
+      <a:ln w="9525">
+        <a:solidFill>
+          <a:schemeClr val="lt1"/>
+        </a:solidFill>
+      </a:ln>
+    </cs:spPr>
+  </cs:dataPointMarker>
+  <cs:dataPointMarkerLayout symbol="circle" size="5"/>
+  <cs:dataPointWireframe>
+    <cs:lnRef idx="0">
+      <cs:styleClr val="auto"/>
+    </cs:lnRef>
+    <cs:fillRef idx="0"/>
+    <cs:effectRef idx="0"/>
+    <cs:fontRef idx="minor">
+      <a:schemeClr val="tx1"/>
+    </cs:fontRef>
+    <cs:spPr>
+      <a:ln w="28575" cap="rnd">
+        <a:solidFill>
+          <a:schemeClr val="phClr"/>
+        </a:solidFill>
+        <a:round/>
+      </a:ln>
+    </cs:spPr>
+  </cs:dataPointWireframe>
+  <cs:dataTable>
+    <cs:lnRef idx="0"/>
+    <cs:fillRef idx="0"/>
+    <cs:effectRef idx="0"/>
+    <cs:fontRef idx="minor">
+      <a:schemeClr val="tx1">
+        <a:lumMod val="65000"/>
+        <a:lumOff val="35000"/>
+      </a:schemeClr>
+    </cs:fontRef>
+    <cs:spPr>
+      <a:ln w="9525">
+        <a:solidFill>
+          <a:schemeClr val="tx1">
+            <a:lumMod val="15000"/>
+            <a:lumOff val="85000"/>
+          </a:schemeClr>
+        </a:solidFill>
+      </a:ln>
+    </cs:spPr>
+    <cs:defRPr sz="900"/>
+  </cs:dataTable>
+  <cs:downBar>
+    <cs:lnRef idx="0"/>
+    <cs:fillRef idx="0"/>
+    <cs:effectRef idx="0"/>
+    <cs:fontRef idx="minor">
+      <a:schemeClr val="dk1"/>
+    </cs:fontRef>
+    <cs:spPr>
+      <a:solidFill>
+        <a:schemeClr val="dk1">
+          <a:lumMod val="65000"/>
+          <a:lumOff val="35000"/>
+        </a:schemeClr>
+      </a:solidFill>
+      <a:ln w="9525">
+        <a:solidFill>
+          <a:schemeClr val="tx1">
+            <a:lumMod val="65000"/>
+            <a:lumOff val="35000"/>
+          </a:schemeClr>
+        </a:solidFill>
+      </a:ln>
+    </cs:spPr>
+  </cs:downBar>
+  <cs:dropLine>
+    <cs:lnRef idx="0"/>
+    <cs:fillRef idx="0"/>
+    <cs:effectRef idx="0"/>
+    <cs:fontRef idx="minor">
+      <a:schemeClr val="tx1"/>
+    </cs:fontRef>
+    <cs:spPr>
+      <a:ln w="9525" cap="flat" cmpd="sng" algn="ctr">
+        <a:solidFill>
+          <a:schemeClr val="tx1">
+            <a:lumMod val="35000"/>
+            <a:lumOff val="65000"/>
+          </a:schemeClr>
+        </a:solidFill>
+        <a:round/>
+      </a:ln>
+    </cs:spPr>
+  </cs:dropLine>
+  <cs:errorBar>
+    <cs:lnRef idx="0"/>
+    <cs:fillRef idx="0"/>
+    <cs:effectRef idx="0"/>
+    <cs:fontRef idx="minor">
+      <a:schemeClr val="tx1"/>
+    </cs:fontRef>
+    <cs:spPr>
+      <a:ln w="9525" cap="flat" cmpd="sng" algn="ctr">
+        <a:solidFill>
+          <a:schemeClr val="tx1">
+            <a:lumMod val="65000"/>
+            <a:lumOff val="35000"/>
+          </a:schemeClr>
+        </a:solidFill>
+        <a:round/>
+      </a:ln>
+    </cs:spPr>
+  </cs:errorBar>
+  <cs:floor>
+    <cs:lnRef idx="0"/>
+    <cs:fillRef idx="0"/>
+    <cs:effectRef idx="0"/>
+    <cs:fontRef idx="minor">
+      <a:schemeClr val="tx1"/>
+    </cs:fontRef>
+  </cs:floor>
+  <cs:gridlineMajor>
+    <cs:lnRef idx="0"/>
+    <cs:fillRef idx="0"/>
+    <cs:effectRef idx="0"/>
+    <cs:fontRef idx="minor">
+      <a:schemeClr val="tx1"/>
+    </cs:fontRef>
+    <cs:spPr>
+      <a:ln w="9525" cap="flat" cmpd="sng" algn="ctr">
+        <a:solidFill>
+          <a:schemeClr val="tx1">
+            <a:lumMod val="15000"/>
+            <a:lumOff val="85000"/>
+          </a:schemeClr>
+        </a:solidFill>
+        <a:round/>
+      </a:ln>
+    </cs:spPr>
+  </cs:gridlineMajor>
+  <cs:gridlineMinor>
+    <cs:lnRef idx="0"/>
+    <cs:fillRef idx="0"/>
+    <cs:effectRef idx="0"/>
+    <cs:fontRef idx="minor">
+      <a:schemeClr val="tx1"/>
+    </cs:fontRef>
+    <cs:spPr>
+      <a:ln w="9525" cap="flat" cmpd="sng" algn="ctr">
+        <a:solidFill>
+          <a:schemeClr val="tx1">
+            <a:lumMod val="15000"/>
+            <a:lumOff val="85000"/>
+          </a:schemeClr>
+        </a:solidFill>
+        <a:round/>
+      </a:ln>
+    </cs:spPr>
+  </cs:gridlineMinor>
+  <cs:hiLoLine>
+    <cs:lnRef idx="0"/>
+    <cs:fillRef idx="0"/>
+    <cs:effectRef idx="0"/>
+    <cs:fontRef idx="minor">
+      <a:schemeClr val="tx1"/>
+    </cs:fontRef>
+    <cs:spPr>
+      <a:ln w="9525" cap="flat" cmpd="sng" algn="ctr">
+        <a:solidFill>
+          <a:schemeClr val="tx1">
+            <a:lumMod val="75000"/>
+            <a:lumOff val="25000"/>
+          </a:schemeClr>
+        </a:solidFill>
+        <a:round/>
+      </a:ln>
+    </cs:spPr>
+  </cs:hiLoLine>
+  <cs:leaderLine>
+    <cs:lnRef idx="0"/>
+    <cs:fillRef idx="0"/>
+    <cs:effectRef idx="0"/>
+    <cs:fontRef idx="minor">
+      <a:schemeClr val="tx1"/>
+    </cs:fontRef>
+    <cs:spPr>
+      <a:ln w="9525" cap="flat" cmpd="sng" algn="ctr">
+        <a:solidFill>
+          <a:schemeClr val="tx1">
+            <a:lumMod val="35000"/>
+            <a:lumOff val="65000"/>
+          </a:schemeClr>
+        </a:solidFill>
+        <a:round/>
+      </a:ln>
+    </cs:spPr>
+  </cs:leaderLine>
+  <cs:legend>
+    <cs:lnRef idx="0"/>
+    <cs:fillRef idx="0"/>
+    <cs:effectRef idx="0"/>
+    <cs:fontRef idx="minor">
+      <a:schemeClr val="tx1">
+        <a:lumMod val="65000"/>
+        <a:lumOff val="35000"/>
+      </a:schemeClr>
+    </cs:fontRef>
+    <cs:defRPr sz="900"/>
+  </cs:legend>
+  <cs:plotArea mods="allowNoFillOverride allowNoLineOverride">
+    <cs:lnRef idx="0"/>
+    <cs:fillRef idx="0"/>
+    <cs:effectRef idx="0"/>
+    <cs:fontRef idx="minor">
+      <a:schemeClr val="tx1"/>
+    </cs:fontRef>
+  </cs:plotArea>
+  <cs:plotArea3D mods="allowNoFillOverride allowNoLineOverride">
+    <cs:lnRef idx="0"/>
+    <cs:fillRef idx="0"/>
+    <cs:effectRef idx="0"/>
+    <cs:fontRef idx="minor">
+      <a:schemeClr val="tx1"/>
+    </cs:fontRef>
+  </cs:plotArea3D>
+  <cs:seriesAxis>
+    <cs:lnRef idx="0"/>
+    <cs:fillRef idx="0"/>
+    <cs:effectRef idx="0"/>
+    <cs:fontRef idx="minor">
+      <a:schemeClr val="tx1">
+        <a:lumMod val="65000"/>
+        <a:lumOff val="35000"/>
+      </a:schemeClr>
+    </cs:fontRef>
+    <cs:spPr>
+      <a:ln w="9525" cap="flat" cmpd="sng" algn="ctr">
+        <a:solidFill>
+          <a:schemeClr val="tx1">
+            <a:lumMod val="15000"/>
+            <a:lumOff val="85000"/>
+          </a:schemeClr>
+        </a:solidFill>
+        <a:round/>
+      </a:ln>
+    </cs:spPr>
+    <cs:defRPr sz="900"/>
+  </cs:seriesAxis>
+  <cs:seriesLine>
+    <cs:lnRef idx="0"/>
+    <cs:fillRef idx="0"/>
+    <cs:effectRef idx="0"/>
+    <cs:fontRef idx="minor">
+      <a:schemeClr val="tx1"/>
+    </cs:fontRef>
+    <cs:spPr>
+      <a:ln w="9525" cap="flat">
+        <a:solidFill>
+          <a:srgbClr val="D9D9D9"/>
+        </a:solidFill>
+        <a:round/>
+      </a:ln>
+    </cs:spPr>
+  </cs:seriesLine>
+  <cs:title>
+    <cs:lnRef idx="0"/>
+    <cs:fillRef idx="0"/>
+    <cs:effectRef idx="0"/>
+    <cs:fontRef idx="minor">
+      <a:schemeClr val="tx1">
+        <a:lumMod val="65000"/>
+        <a:lumOff val="35000"/>
+      </a:schemeClr>
+    </cs:fontRef>
+    <cs:defRPr sz="1400"/>
+  </cs:title>
+  <cs:trendline>
+    <cs:lnRef idx="0">
+      <cs:styleClr val="auto"/>
+    </cs:lnRef>
+    <cs:fillRef idx="0"/>
+    <cs:effectRef idx="0"/>
+    <cs:fontRef idx="minor">
+      <a:schemeClr val="tx1"/>
+    </cs:fontRef>
+    <cs:spPr>
+      <a:ln w="19050" cap="rnd">
+        <a:solidFill>
+          <a:schemeClr val="phClr"/>
+        </a:solidFill>
+        <a:prstDash val="sysDash"/>
+      </a:ln>
+    </cs:spPr>
+  </cs:trendline>
+  <cs:trendlineLabel>
+    <cs:lnRef idx="0"/>
+    <cs:fillRef idx="0"/>
+    <cs:effectRef idx="0"/>
+    <cs:fontRef idx="minor">
+      <a:schemeClr val="tx1">
+        <a:lumMod val="65000"/>
+        <a:lumOff val="35000"/>
+      </a:schemeClr>
+    </cs:fontRef>
+    <cs:defRPr sz="900"/>
+  </cs:trendlineLabel>
+  <cs:upBar>
+    <cs:lnRef idx="0"/>
+    <cs:fillRef idx="0"/>
+    <cs:effectRef idx="0"/>
+    <cs:fontRef idx="minor">
+      <a:schemeClr val="dk1"/>
+    </cs:fontRef>
+    <cs:spPr>
+      <a:solidFill>
+        <a:schemeClr val="lt1"/>
+      </a:solidFill>
+      <a:ln w="9525">
+        <a:solidFill>
+          <a:schemeClr val="tx1">
+            <a:lumMod val="15000"/>
+            <a:lumOff val="85000"/>
+          </a:schemeClr>
+        </a:solidFill>
+      </a:ln>
+    </cs:spPr>
+  </cs:upBar>
+  <cs:valueAxis>
+    <cs:lnRef idx="0"/>
+    <cs:fillRef idx="0"/>
+    <cs:effectRef idx="0"/>
+    <cs:fontRef idx="minor">
+      <a:schemeClr val="tx1">
+        <a:lumMod val="65000"/>
+        <a:lumOff val="35000"/>
+      </a:schemeClr>
+    </cs:fontRef>
+    <cs:defRPr sz="900"/>
+  </cs:valueAxis>
+  <cs:wall>
+    <cs:lnRef idx="0"/>
+    <cs:fillRef idx="0"/>
+    <cs:effectRef idx="0"/>
+    <cs:fontRef idx="minor">
+      <a:schemeClr val="tx1"/>
+    </cs:fontRef>
+  </cs:wall>
+</cs:chartStyle>
+</file>
+
+<file path=ppt/charts/style4.xml><?xml version="1.0" encoding="utf-8"?>
 <cs:chartStyle xmlns:cs="http://schemas.microsoft.com/office/drawing/2012/chartStyle" xmlns:a="http://schemas.openxmlformats.org/drawingml/2006/main" id="210">
   <cs:axisTitle>
     <cs:lnRef idx="0"/>
@@ -2547,7 +4087,7 @@
 </cs:chartStyle>
 </file>
 
-<file path=ppt/charts/style2.xml><?xml version="1.0" encoding="utf-8"?>
+<file path=ppt/charts/style5.xml><?xml version="1.0" encoding="utf-8"?>
 <cs:chartStyle xmlns:cs="http://schemas.microsoft.com/office/drawing/2012/chartStyle" xmlns:a="http://schemas.openxmlformats.org/drawingml/2006/main" id="210">
   <cs:axisTitle>
     <cs:lnRef idx="0"/>
@@ -3144,7 +4684,7 @@
 </cs:chartStyle>
 </file>
 
-<file path=ppt/charts/style3.xml><?xml version="1.0" encoding="utf-8"?>
+<file path=ppt/charts/style6.xml><?xml version="1.0" encoding="utf-8"?>
 <cs:chartStyle xmlns:cs="http://schemas.microsoft.com/office/drawing/2012/chartStyle" xmlns:a="http://schemas.openxmlformats.org/drawingml/2006/main" id="210">
   <cs:axisTitle>
     <cs:lnRef idx="0"/>
@@ -3736,1542 +5276,6 @@
     <cs:effectRef idx="0"/>
     <cs:fontRef idx="minor">
       <a:schemeClr val="dk1"/>
-    </cs:fontRef>
-  </cs:wall>
-</cs:chartStyle>
-</file>
-
-<file path=ppt/charts/style4.xml><?xml version="1.0" encoding="utf-8"?>
-<cs:chartStyle xmlns:cs="http://schemas.microsoft.com/office/drawing/2012/chartStyle" xmlns:a="http://schemas.openxmlformats.org/drawingml/2006/main" id="254">
-  <cs:axisTitle>
-    <cs:lnRef idx="0"/>
-    <cs:fillRef idx="0"/>
-    <cs:effectRef idx="0"/>
-    <cs:fontRef idx="minor">
-      <a:schemeClr val="tx1">
-        <a:lumMod val="50000"/>
-        <a:lumOff val="50000"/>
-      </a:schemeClr>
-    </cs:fontRef>
-    <cs:defRPr sz="1197" kern="1200" cap="all"/>
-  </cs:axisTitle>
-  <cs:categoryAxis>
-    <cs:lnRef idx="0"/>
-    <cs:fillRef idx="0"/>
-    <cs:effectRef idx="0"/>
-    <cs:fontRef idx="minor">
-      <a:schemeClr val="tx1">
-        <a:lumMod val="50000"/>
-        <a:lumOff val="50000"/>
-      </a:schemeClr>
-    </cs:fontRef>
-    <cs:spPr>
-      <a:ln w="9525" cap="flat" cmpd="sng" algn="ctr">
-        <a:solidFill>
-          <a:schemeClr val="tx1">
-            <a:lumMod val="15000"/>
-            <a:lumOff val="85000"/>
-          </a:schemeClr>
-        </a:solidFill>
-        <a:round/>
-      </a:ln>
-    </cs:spPr>
-    <cs:defRPr sz="1197" kern="1200"/>
-  </cs:categoryAxis>
-  <cs:chartArea mods="allowNoFillOverride allowNoLineOverride">
-    <cs:lnRef idx="0"/>
-    <cs:fillRef idx="0"/>
-    <cs:effectRef idx="0"/>
-    <cs:fontRef idx="minor">
-      <a:schemeClr val="dk1"/>
-    </cs:fontRef>
-    <cs:spPr>
-      <a:solidFill>
-        <a:schemeClr val="bg1"/>
-      </a:solidFill>
-      <a:ln w="9525" cap="flat" cmpd="sng" algn="ctr">
-        <a:solidFill>
-          <a:schemeClr val="tx1">
-            <a:lumMod val="15000"/>
-            <a:lumOff val="85000"/>
-          </a:schemeClr>
-        </a:solidFill>
-        <a:round/>
-      </a:ln>
-    </cs:spPr>
-    <cs:defRPr sz="1197" kern="1200"/>
-  </cs:chartArea>
-  <cs:dataLabel>
-    <cs:lnRef idx="0"/>
-    <cs:fillRef idx="0"/>
-    <cs:effectRef idx="0"/>
-    <cs:fontRef idx="minor">
-      <a:schemeClr val="tx1">
-        <a:lumMod val="65000"/>
-        <a:lumOff val="35000"/>
-      </a:schemeClr>
-    </cs:fontRef>
-    <cs:defRPr sz="1197" kern="1200"/>
-  </cs:dataLabel>
-  <cs:dataLabelCallout>
-    <cs:lnRef idx="0"/>
-    <cs:fillRef idx="0"/>
-    <cs:effectRef idx="0"/>
-    <cs:fontRef idx="minor">
-      <a:schemeClr val="dk1">
-        <a:lumMod val="65000"/>
-        <a:lumOff val="35000"/>
-      </a:schemeClr>
-    </cs:fontRef>
-    <cs:spPr>
-      <a:solidFill>
-        <a:schemeClr val="lt1"/>
-      </a:solidFill>
-      <a:ln>
-        <a:solidFill>
-          <a:schemeClr val="dk1">
-            <a:lumMod val="25000"/>
-            <a:lumOff val="75000"/>
-          </a:schemeClr>
-        </a:solidFill>
-      </a:ln>
-    </cs:spPr>
-    <cs:defRPr sz="1197" kern="1200"/>
-    <cs:bodyPr rot="0" spcFirstLastPara="1" vertOverflow="clip" horzOverflow="clip" vert="horz" wrap="square" lIns="36576" tIns="18288" rIns="36576" bIns="18288" anchor="ctr" anchorCtr="1">
-      <a:spAutoFit/>
-    </cs:bodyPr>
-  </cs:dataLabelCallout>
-  <cs:dataPoint>
-    <cs:lnRef idx="0">
-      <cs:styleClr val="auto"/>
-    </cs:lnRef>
-    <cs:fillRef idx="2">
-      <cs:styleClr val="auto"/>
-    </cs:fillRef>
-    <cs:effectRef idx="1"/>
-    <cs:fontRef idx="minor">
-      <a:schemeClr val="dk1"/>
-    </cs:fontRef>
-    <cs:spPr>
-      <a:ln w="9525" cap="flat" cmpd="sng" algn="ctr">
-        <a:solidFill>
-          <a:schemeClr val="phClr">
-            <a:shade val="95000"/>
-          </a:schemeClr>
-        </a:solidFill>
-        <a:round/>
-      </a:ln>
-    </cs:spPr>
-  </cs:dataPoint>
-  <cs:dataPoint3D>
-    <cs:lnRef idx="0"/>
-    <cs:fillRef idx="2">
-      <cs:styleClr val="auto"/>
-    </cs:fillRef>
-    <cs:effectRef idx="1"/>
-    <cs:fontRef idx="minor">
-      <a:schemeClr val="dk1"/>
-    </cs:fontRef>
-    <cs:spPr/>
-  </cs:dataPoint3D>
-  <cs:dataPointLine>
-    <cs:lnRef idx="0">
-      <cs:styleClr val="auto"/>
-    </cs:lnRef>
-    <cs:fillRef idx="2">
-      <cs:styleClr val="auto"/>
-    </cs:fillRef>
-    <cs:effectRef idx="1"/>
-    <cs:fontRef idx="minor">
-      <a:schemeClr val="dk1"/>
-    </cs:fontRef>
-    <cs:spPr>
-      <a:ln w="15875" cap="rnd">
-        <a:solidFill>
-          <a:schemeClr val="phClr"/>
-        </a:solidFill>
-        <a:round/>
-      </a:ln>
-    </cs:spPr>
-  </cs:dataPointLine>
-  <cs:dataPointMarker>
-    <cs:lnRef idx="0">
-      <cs:styleClr val="auto"/>
-    </cs:lnRef>
-    <cs:fillRef idx="2">
-      <cs:styleClr val="auto"/>
-    </cs:fillRef>
-    <cs:effectRef idx="1"/>
-    <cs:fontRef idx="minor">
-      <a:schemeClr val="dk1"/>
-    </cs:fontRef>
-    <cs:spPr>
-      <a:ln w="9525" cap="flat" cmpd="sng" algn="ctr">
-        <a:solidFill>
-          <a:schemeClr val="phClr">
-            <a:shade val="95000"/>
-          </a:schemeClr>
-        </a:solidFill>
-        <a:round/>
-      </a:ln>
-    </cs:spPr>
-  </cs:dataPointMarker>
-  <cs:dataPointMarkerLayout symbol="circle" size="4"/>
-  <cs:dataPointWireframe>
-    <cs:lnRef idx="0">
-      <cs:styleClr val="auto"/>
-    </cs:lnRef>
-    <cs:fillRef idx="2"/>
-    <cs:effectRef idx="0"/>
-    <cs:fontRef idx="minor">
-      <a:schemeClr val="dk1"/>
-    </cs:fontRef>
-    <cs:spPr>
-      <a:ln w="9525" cap="rnd">
-        <a:solidFill>
-          <a:schemeClr val="phClr"/>
-        </a:solidFill>
-        <a:round/>
-      </a:ln>
-    </cs:spPr>
-  </cs:dataPointWireframe>
-  <cs:dataTable>
-    <cs:lnRef idx="0"/>
-    <cs:fillRef idx="0"/>
-    <cs:effectRef idx="0"/>
-    <cs:fontRef idx="minor">
-      <a:schemeClr val="tx1">
-        <a:lumMod val="50000"/>
-        <a:lumOff val="50000"/>
-      </a:schemeClr>
-    </cs:fontRef>
-    <cs:spPr>
-      <a:ln w="9525">
-        <a:solidFill>
-          <a:schemeClr val="tx1">
-            <a:lumMod val="15000"/>
-            <a:lumOff val="85000"/>
-          </a:schemeClr>
-        </a:solidFill>
-      </a:ln>
-    </cs:spPr>
-    <cs:defRPr sz="1197" kern="1200"/>
-  </cs:dataTable>
-  <cs:downBar>
-    <cs:lnRef idx="0"/>
-    <cs:fillRef idx="0"/>
-    <cs:effectRef idx="0"/>
-    <cs:fontRef idx="minor">
-      <a:schemeClr val="dk1"/>
-    </cs:fontRef>
-    <cs:spPr>
-      <a:solidFill>
-        <a:schemeClr val="dk1">
-          <a:lumMod val="75000"/>
-          <a:lumOff val="25000"/>
-        </a:schemeClr>
-      </a:solidFill>
-      <a:ln w="9525">
-        <a:solidFill>
-          <a:schemeClr val="tx1">
-            <a:lumMod val="50000"/>
-            <a:lumOff val="50000"/>
-          </a:schemeClr>
-        </a:solidFill>
-      </a:ln>
-    </cs:spPr>
-  </cs:downBar>
-  <cs:dropLine>
-    <cs:lnRef idx="0"/>
-    <cs:fillRef idx="0"/>
-    <cs:effectRef idx="0"/>
-    <cs:fontRef idx="minor">
-      <a:schemeClr val="dk1"/>
-    </cs:fontRef>
-    <cs:spPr>
-      <a:ln w="9525">
-        <a:solidFill>
-          <a:schemeClr val="tx1">
-            <a:lumMod val="35000"/>
-            <a:lumOff val="65000"/>
-          </a:schemeClr>
-        </a:solidFill>
-        <a:prstDash val="dash"/>
-      </a:ln>
-    </cs:spPr>
-  </cs:dropLine>
-  <cs:errorBar>
-    <cs:lnRef idx="0"/>
-    <cs:fillRef idx="0"/>
-    <cs:effectRef idx="0"/>
-    <cs:fontRef idx="minor">
-      <a:schemeClr val="dk1"/>
-    </cs:fontRef>
-    <cs:spPr>
-      <a:ln w="9525">
-        <a:solidFill>
-          <a:schemeClr val="tx1">
-            <a:lumMod val="50000"/>
-            <a:lumOff val="50000"/>
-          </a:schemeClr>
-        </a:solidFill>
-      </a:ln>
-    </cs:spPr>
-  </cs:errorBar>
-  <cs:floor>
-    <cs:lnRef idx="0"/>
-    <cs:fillRef idx="0"/>
-    <cs:effectRef idx="0"/>
-    <cs:fontRef idx="minor">
-      <a:schemeClr val="dk1"/>
-    </cs:fontRef>
-  </cs:floor>
-  <cs:gridlineMajor>
-    <cs:lnRef idx="0"/>
-    <cs:fillRef idx="0"/>
-    <cs:effectRef idx="0"/>
-    <cs:fontRef idx="minor">
-      <a:schemeClr val="dk1"/>
-    </cs:fontRef>
-    <cs:spPr>
-      <a:ln w="9525" cap="flat" cmpd="sng" algn="ctr">
-        <a:solidFill>
-          <a:schemeClr val="tx1">
-            <a:lumMod val="15000"/>
-            <a:lumOff val="85000"/>
-          </a:schemeClr>
-        </a:solidFill>
-        <a:round/>
-      </a:ln>
-    </cs:spPr>
-  </cs:gridlineMajor>
-  <cs:gridlineMinor>
-    <cs:lnRef idx="0"/>
-    <cs:fillRef idx="0"/>
-    <cs:effectRef idx="0"/>
-    <cs:fontRef idx="minor">
-      <a:schemeClr val="dk1"/>
-    </cs:fontRef>
-    <cs:spPr>
-      <a:ln>
-        <a:solidFill>
-          <a:schemeClr val="tx1">
-            <a:lumMod val="5000"/>
-            <a:lumOff val="95000"/>
-          </a:schemeClr>
-        </a:solidFill>
-      </a:ln>
-    </cs:spPr>
-  </cs:gridlineMinor>
-  <cs:hiLoLine>
-    <cs:lnRef idx="0"/>
-    <cs:fillRef idx="0"/>
-    <cs:effectRef idx="0"/>
-    <cs:fontRef idx="minor">
-      <a:schemeClr val="dk1"/>
-    </cs:fontRef>
-    <cs:spPr>
-      <a:ln w="9525">
-        <a:solidFill>
-          <a:schemeClr val="tx1">
-            <a:lumMod val="50000"/>
-            <a:lumOff val="50000"/>
-          </a:schemeClr>
-        </a:solidFill>
-        <a:prstDash val="dash"/>
-      </a:ln>
-    </cs:spPr>
-  </cs:hiLoLine>
-  <cs:leaderLine>
-    <cs:lnRef idx="0"/>
-    <cs:fillRef idx="0"/>
-    <cs:effectRef idx="0"/>
-    <cs:fontRef idx="minor">
-      <a:schemeClr val="dk1"/>
-    </cs:fontRef>
-    <cs:spPr>
-      <a:ln w="9525">
-        <a:solidFill>
-          <a:schemeClr val="tx1">
-            <a:lumMod val="35000"/>
-            <a:lumOff val="65000"/>
-          </a:schemeClr>
-        </a:solidFill>
-      </a:ln>
-    </cs:spPr>
-  </cs:leaderLine>
-  <cs:legend>
-    <cs:lnRef idx="0"/>
-    <cs:fillRef idx="0"/>
-    <cs:effectRef idx="0"/>
-    <cs:fontRef idx="minor">
-      <a:schemeClr val="tx1">
-        <a:lumMod val="50000"/>
-        <a:lumOff val="50000"/>
-      </a:schemeClr>
-    </cs:fontRef>
-    <cs:defRPr sz="1197" kern="1200"/>
-  </cs:legend>
-  <cs:plotArea mods="allowNoFillOverride allowNoLineOverride">
-    <cs:lnRef idx="0"/>
-    <cs:fillRef idx="0"/>
-    <cs:effectRef idx="0"/>
-    <cs:fontRef idx="minor">
-      <a:schemeClr val="dk1"/>
-    </cs:fontRef>
-  </cs:plotArea>
-  <cs:plotArea3D mods="allowNoFillOverride allowNoLineOverride">
-    <cs:lnRef idx="0"/>
-    <cs:fillRef idx="0"/>
-    <cs:effectRef idx="0"/>
-    <cs:fontRef idx="minor">
-      <a:schemeClr val="dk1"/>
-    </cs:fontRef>
-  </cs:plotArea3D>
-  <cs:seriesAxis>
-    <cs:lnRef idx="0"/>
-    <cs:fillRef idx="0"/>
-    <cs:effectRef idx="0"/>
-    <cs:fontRef idx="minor">
-      <a:schemeClr val="tx1">
-        <a:lumMod val="50000"/>
-        <a:lumOff val="50000"/>
-      </a:schemeClr>
-    </cs:fontRef>
-    <cs:spPr>
-      <a:ln w="9525" cap="flat" cmpd="sng" algn="ctr">
-        <a:solidFill>
-          <a:schemeClr val="tx1">
-            <a:lumMod val="15000"/>
-            <a:lumOff val="85000"/>
-          </a:schemeClr>
-        </a:solidFill>
-        <a:round/>
-      </a:ln>
-    </cs:spPr>
-    <cs:defRPr sz="1197" kern="1200"/>
-  </cs:seriesAxis>
-  <cs:seriesLine>
-    <cs:lnRef idx="0"/>
-    <cs:fillRef idx="0"/>
-    <cs:effectRef idx="0"/>
-    <cs:fontRef idx="minor">
-      <a:schemeClr val="dk1"/>
-    </cs:fontRef>
-    <cs:spPr>
-      <a:ln w="9525">
-        <a:solidFill>
-          <a:schemeClr val="tx1">
-            <a:lumMod val="35000"/>
-            <a:lumOff val="65000"/>
-          </a:schemeClr>
-        </a:solidFill>
-        <a:prstDash val="dash"/>
-      </a:ln>
-    </cs:spPr>
-  </cs:seriesLine>
-  <cs:title>
-    <cs:lnRef idx="0"/>
-    <cs:fillRef idx="0"/>
-    <cs:effectRef idx="0"/>
-    <cs:fontRef idx="minor">
-      <a:schemeClr val="tx1">
-        <a:lumMod val="50000"/>
-        <a:lumOff val="50000"/>
-      </a:schemeClr>
-    </cs:fontRef>
-    <cs:defRPr sz="1862" kern="1200" cap="none" spc="20" baseline="0"/>
-  </cs:title>
-  <cs:trendline>
-    <cs:lnRef idx="0">
-      <cs:styleClr val="auto"/>
-    </cs:lnRef>
-    <cs:fillRef idx="2"/>
-    <cs:effectRef idx="0"/>
-    <cs:fontRef idx="minor">
-      <a:schemeClr val="dk1"/>
-    </cs:fontRef>
-    <cs:spPr>
-      <a:ln w="9525" cap="rnd">
-        <a:solidFill>
-          <a:schemeClr val="phClr"/>
-        </a:solidFill>
-      </a:ln>
-    </cs:spPr>
-  </cs:trendline>
-  <cs:trendlineLabel>
-    <cs:lnRef idx="0"/>
-    <cs:fillRef idx="0"/>
-    <cs:effectRef idx="0"/>
-    <cs:fontRef idx="minor">
-      <a:schemeClr val="tx1">
-        <a:lumMod val="50000"/>
-        <a:lumOff val="50000"/>
-      </a:schemeClr>
-    </cs:fontRef>
-    <cs:defRPr sz="1197" kern="1200"/>
-  </cs:trendlineLabel>
-  <cs:upBar>
-    <cs:lnRef idx="0"/>
-    <cs:fillRef idx="0"/>
-    <cs:effectRef idx="0"/>
-    <cs:fontRef idx="minor">
-      <a:schemeClr val="dk1"/>
-    </cs:fontRef>
-    <cs:spPr>
-      <a:solidFill>
-        <a:schemeClr val="lt1"/>
-      </a:solidFill>
-      <a:ln w="9525">
-        <a:solidFill>
-          <a:schemeClr val="tx1">
-            <a:lumMod val="50000"/>
-            <a:lumOff val="50000"/>
-          </a:schemeClr>
-        </a:solidFill>
-      </a:ln>
-    </cs:spPr>
-  </cs:upBar>
-  <cs:valueAxis>
-    <cs:lnRef idx="0"/>
-    <cs:fillRef idx="0"/>
-    <cs:effectRef idx="0"/>
-    <cs:fontRef idx="minor">
-      <a:schemeClr val="tx1">
-        <a:lumMod val="50000"/>
-        <a:lumOff val="50000"/>
-      </a:schemeClr>
-    </cs:fontRef>
-    <cs:defRPr sz="1197" kern="1200"/>
-  </cs:valueAxis>
-  <cs:wall>
-    <cs:lnRef idx="0"/>
-    <cs:fillRef idx="0"/>
-    <cs:effectRef idx="0"/>
-    <cs:fontRef idx="minor">
-      <a:schemeClr val="dk1"/>
-    </cs:fontRef>
-  </cs:wall>
-</cs:chartStyle>
-</file>
-
-<file path=ppt/charts/style5.xml><?xml version="1.0" encoding="utf-8"?>
-<cs:chartStyle xmlns:cs="http://schemas.microsoft.com/office/drawing/2012/chartStyle" xmlns:a="http://schemas.openxmlformats.org/drawingml/2006/main" id="254">
-  <cs:axisTitle>
-    <cs:lnRef idx="0"/>
-    <cs:fillRef idx="0"/>
-    <cs:effectRef idx="0"/>
-    <cs:fontRef idx="minor">
-      <a:schemeClr val="tx1">
-        <a:lumMod val="50000"/>
-        <a:lumOff val="50000"/>
-      </a:schemeClr>
-    </cs:fontRef>
-    <cs:defRPr sz="1197" kern="1200" cap="all"/>
-  </cs:axisTitle>
-  <cs:categoryAxis>
-    <cs:lnRef idx="0"/>
-    <cs:fillRef idx="0"/>
-    <cs:effectRef idx="0"/>
-    <cs:fontRef idx="minor">
-      <a:schemeClr val="tx1">
-        <a:lumMod val="50000"/>
-        <a:lumOff val="50000"/>
-      </a:schemeClr>
-    </cs:fontRef>
-    <cs:spPr>
-      <a:ln w="9525" cap="flat" cmpd="sng" algn="ctr">
-        <a:solidFill>
-          <a:schemeClr val="tx1">
-            <a:lumMod val="15000"/>
-            <a:lumOff val="85000"/>
-          </a:schemeClr>
-        </a:solidFill>
-        <a:round/>
-      </a:ln>
-    </cs:spPr>
-    <cs:defRPr sz="1197" kern="1200"/>
-  </cs:categoryAxis>
-  <cs:chartArea mods="allowNoFillOverride allowNoLineOverride">
-    <cs:lnRef idx="0"/>
-    <cs:fillRef idx="0"/>
-    <cs:effectRef idx="0"/>
-    <cs:fontRef idx="minor">
-      <a:schemeClr val="dk1"/>
-    </cs:fontRef>
-    <cs:spPr>
-      <a:solidFill>
-        <a:schemeClr val="bg1"/>
-      </a:solidFill>
-      <a:ln w="9525" cap="flat" cmpd="sng" algn="ctr">
-        <a:solidFill>
-          <a:schemeClr val="tx1">
-            <a:lumMod val="15000"/>
-            <a:lumOff val="85000"/>
-          </a:schemeClr>
-        </a:solidFill>
-        <a:round/>
-      </a:ln>
-    </cs:spPr>
-    <cs:defRPr sz="1197" kern="1200"/>
-  </cs:chartArea>
-  <cs:dataLabel>
-    <cs:lnRef idx="0"/>
-    <cs:fillRef idx="0"/>
-    <cs:effectRef idx="0"/>
-    <cs:fontRef idx="minor">
-      <a:schemeClr val="tx1">
-        <a:lumMod val="65000"/>
-        <a:lumOff val="35000"/>
-      </a:schemeClr>
-    </cs:fontRef>
-    <cs:defRPr sz="1197" kern="1200"/>
-  </cs:dataLabel>
-  <cs:dataLabelCallout>
-    <cs:lnRef idx="0"/>
-    <cs:fillRef idx="0"/>
-    <cs:effectRef idx="0"/>
-    <cs:fontRef idx="minor">
-      <a:schemeClr val="dk1">
-        <a:lumMod val="65000"/>
-        <a:lumOff val="35000"/>
-      </a:schemeClr>
-    </cs:fontRef>
-    <cs:spPr>
-      <a:solidFill>
-        <a:schemeClr val="lt1"/>
-      </a:solidFill>
-      <a:ln>
-        <a:solidFill>
-          <a:schemeClr val="dk1">
-            <a:lumMod val="25000"/>
-            <a:lumOff val="75000"/>
-          </a:schemeClr>
-        </a:solidFill>
-      </a:ln>
-    </cs:spPr>
-    <cs:defRPr sz="1197" kern="1200"/>
-    <cs:bodyPr rot="0" spcFirstLastPara="1" vertOverflow="clip" horzOverflow="clip" vert="horz" wrap="square" lIns="36576" tIns="18288" rIns="36576" bIns="18288" anchor="ctr" anchorCtr="1">
-      <a:spAutoFit/>
-    </cs:bodyPr>
-  </cs:dataLabelCallout>
-  <cs:dataPoint>
-    <cs:lnRef idx="0">
-      <cs:styleClr val="auto"/>
-    </cs:lnRef>
-    <cs:fillRef idx="2">
-      <cs:styleClr val="auto"/>
-    </cs:fillRef>
-    <cs:effectRef idx="1"/>
-    <cs:fontRef idx="minor">
-      <a:schemeClr val="dk1"/>
-    </cs:fontRef>
-    <cs:spPr>
-      <a:ln w="9525" cap="flat" cmpd="sng" algn="ctr">
-        <a:solidFill>
-          <a:schemeClr val="phClr">
-            <a:shade val="95000"/>
-          </a:schemeClr>
-        </a:solidFill>
-        <a:round/>
-      </a:ln>
-    </cs:spPr>
-  </cs:dataPoint>
-  <cs:dataPoint3D>
-    <cs:lnRef idx="0"/>
-    <cs:fillRef idx="2">
-      <cs:styleClr val="auto"/>
-    </cs:fillRef>
-    <cs:effectRef idx="1"/>
-    <cs:fontRef idx="minor">
-      <a:schemeClr val="dk1"/>
-    </cs:fontRef>
-    <cs:spPr/>
-  </cs:dataPoint3D>
-  <cs:dataPointLine>
-    <cs:lnRef idx="0">
-      <cs:styleClr val="auto"/>
-    </cs:lnRef>
-    <cs:fillRef idx="2">
-      <cs:styleClr val="auto"/>
-    </cs:fillRef>
-    <cs:effectRef idx="1"/>
-    <cs:fontRef idx="minor">
-      <a:schemeClr val="dk1"/>
-    </cs:fontRef>
-    <cs:spPr>
-      <a:ln w="15875" cap="rnd">
-        <a:solidFill>
-          <a:schemeClr val="phClr"/>
-        </a:solidFill>
-        <a:round/>
-      </a:ln>
-    </cs:spPr>
-  </cs:dataPointLine>
-  <cs:dataPointMarker>
-    <cs:lnRef idx="0">
-      <cs:styleClr val="auto"/>
-    </cs:lnRef>
-    <cs:fillRef idx="2">
-      <cs:styleClr val="auto"/>
-    </cs:fillRef>
-    <cs:effectRef idx="1"/>
-    <cs:fontRef idx="minor">
-      <a:schemeClr val="dk1"/>
-    </cs:fontRef>
-    <cs:spPr>
-      <a:ln w="9525" cap="flat" cmpd="sng" algn="ctr">
-        <a:solidFill>
-          <a:schemeClr val="phClr">
-            <a:shade val="95000"/>
-          </a:schemeClr>
-        </a:solidFill>
-        <a:round/>
-      </a:ln>
-    </cs:spPr>
-  </cs:dataPointMarker>
-  <cs:dataPointMarkerLayout symbol="circle" size="4"/>
-  <cs:dataPointWireframe>
-    <cs:lnRef idx="0">
-      <cs:styleClr val="auto"/>
-    </cs:lnRef>
-    <cs:fillRef idx="2"/>
-    <cs:effectRef idx="0"/>
-    <cs:fontRef idx="minor">
-      <a:schemeClr val="dk1"/>
-    </cs:fontRef>
-    <cs:spPr>
-      <a:ln w="9525" cap="rnd">
-        <a:solidFill>
-          <a:schemeClr val="phClr"/>
-        </a:solidFill>
-        <a:round/>
-      </a:ln>
-    </cs:spPr>
-  </cs:dataPointWireframe>
-  <cs:dataTable>
-    <cs:lnRef idx="0"/>
-    <cs:fillRef idx="0"/>
-    <cs:effectRef idx="0"/>
-    <cs:fontRef idx="minor">
-      <a:schemeClr val="tx1">
-        <a:lumMod val="50000"/>
-        <a:lumOff val="50000"/>
-      </a:schemeClr>
-    </cs:fontRef>
-    <cs:spPr>
-      <a:ln w="9525">
-        <a:solidFill>
-          <a:schemeClr val="tx1">
-            <a:lumMod val="15000"/>
-            <a:lumOff val="85000"/>
-          </a:schemeClr>
-        </a:solidFill>
-      </a:ln>
-    </cs:spPr>
-    <cs:defRPr sz="1197" kern="1200"/>
-  </cs:dataTable>
-  <cs:downBar>
-    <cs:lnRef idx="0"/>
-    <cs:fillRef idx="0"/>
-    <cs:effectRef idx="0"/>
-    <cs:fontRef idx="minor">
-      <a:schemeClr val="dk1"/>
-    </cs:fontRef>
-    <cs:spPr>
-      <a:solidFill>
-        <a:schemeClr val="dk1">
-          <a:lumMod val="75000"/>
-          <a:lumOff val="25000"/>
-        </a:schemeClr>
-      </a:solidFill>
-      <a:ln w="9525">
-        <a:solidFill>
-          <a:schemeClr val="tx1">
-            <a:lumMod val="50000"/>
-            <a:lumOff val="50000"/>
-          </a:schemeClr>
-        </a:solidFill>
-      </a:ln>
-    </cs:spPr>
-  </cs:downBar>
-  <cs:dropLine>
-    <cs:lnRef idx="0"/>
-    <cs:fillRef idx="0"/>
-    <cs:effectRef idx="0"/>
-    <cs:fontRef idx="minor">
-      <a:schemeClr val="dk1"/>
-    </cs:fontRef>
-    <cs:spPr>
-      <a:ln w="9525">
-        <a:solidFill>
-          <a:schemeClr val="tx1">
-            <a:lumMod val="35000"/>
-            <a:lumOff val="65000"/>
-          </a:schemeClr>
-        </a:solidFill>
-        <a:prstDash val="dash"/>
-      </a:ln>
-    </cs:spPr>
-  </cs:dropLine>
-  <cs:errorBar>
-    <cs:lnRef idx="0"/>
-    <cs:fillRef idx="0"/>
-    <cs:effectRef idx="0"/>
-    <cs:fontRef idx="minor">
-      <a:schemeClr val="dk1"/>
-    </cs:fontRef>
-    <cs:spPr>
-      <a:ln w="9525">
-        <a:solidFill>
-          <a:schemeClr val="tx1">
-            <a:lumMod val="50000"/>
-            <a:lumOff val="50000"/>
-          </a:schemeClr>
-        </a:solidFill>
-      </a:ln>
-    </cs:spPr>
-  </cs:errorBar>
-  <cs:floor>
-    <cs:lnRef idx="0"/>
-    <cs:fillRef idx="0"/>
-    <cs:effectRef idx="0"/>
-    <cs:fontRef idx="minor">
-      <a:schemeClr val="dk1"/>
-    </cs:fontRef>
-  </cs:floor>
-  <cs:gridlineMajor>
-    <cs:lnRef idx="0"/>
-    <cs:fillRef idx="0"/>
-    <cs:effectRef idx="0"/>
-    <cs:fontRef idx="minor">
-      <a:schemeClr val="dk1"/>
-    </cs:fontRef>
-    <cs:spPr>
-      <a:ln w="9525" cap="flat" cmpd="sng" algn="ctr">
-        <a:solidFill>
-          <a:schemeClr val="tx1">
-            <a:lumMod val="15000"/>
-            <a:lumOff val="85000"/>
-          </a:schemeClr>
-        </a:solidFill>
-        <a:round/>
-      </a:ln>
-    </cs:spPr>
-  </cs:gridlineMajor>
-  <cs:gridlineMinor>
-    <cs:lnRef idx="0"/>
-    <cs:fillRef idx="0"/>
-    <cs:effectRef idx="0"/>
-    <cs:fontRef idx="minor">
-      <a:schemeClr val="dk1"/>
-    </cs:fontRef>
-    <cs:spPr>
-      <a:ln>
-        <a:solidFill>
-          <a:schemeClr val="tx1">
-            <a:lumMod val="5000"/>
-            <a:lumOff val="95000"/>
-          </a:schemeClr>
-        </a:solidFill>
-      </a:ln>
-    </cs:spPr>
-  </cs:gridlineMinor>
-  <cs:hiLoLine>
-    <cs:lnRef idx="0"/>
-    <cs:fillRef idx="0"/>
-    <cs:effectRef idx="0"/>
-    <cs:fontRef idx="minor">
-      <a:schemeClr val="dk1"/>
-    </cs:fontRef>
-    <cs:spPr>
-      <a:ln w="9525">
-        <a:solidFill>
-          <a:schemeClr val="tx1">
-            <a:lumMod val="50000"/>
-            <a:lumOff val="50000"/>
-          </a:schemeClr>
-        </a:solidFill>
-        <a:prstDash val="dash"/>
-      </a:ln>
-    </cs:spPr>
-  </cs:hiLoLine>
-  <cs:leaderLine>
-    <cs:lnRef idx="0"/>
-    <cs:fillRef idx="0"/>
-    <cs:effectRef idx="0"/>
-    <cs:fontRef idx="minor">
-      <a:schemeClr val="dk1"/>
-    </cs:fontRef>
-    <cs:spPr>
-      <a:ln w="9525">
-        <a:solidFill>
-          <a:schemeClr val="tx1">
-            <a:lumMod val="35000"/>
-            <a:lumOff val="65000"/>
-          </a:schemeClr>
-        </a:solidFill>
-      </a:ln>
-    </cs:spPr>
-  </cs:leaderLine>
-  <cs:legend>
-    <cs:lnRef idx="0"/>
-    <cs:fillRef idx="0"/>
-    <cs:effectRef idx="0"/>
-    <cs:fontRef idx="minor">
-      <a:schemeClr val="tx1">
-        <a:lumMod val="50000"/>
-        <a:lumOff val="50000"/>
-      </a:schemeClr>
-    </cs:fontRef>
-    <cs:defRPr sz="1197" kern="1200"/>
-  </cs:legend>
-  <cs:plotArea mods="allowNoFillOverride allowNoLineOverride">
-    <cs:lnRef idx="0"/>
-    <cs:fillRef idx="0"/>
-    <cs:effectRef idx="0"/>
-    <cs:fontRef idx="minor">
-      <a:schemeClr val="dk1"/>
-    </cs:fontRef>
-  </cs:plotArea>
-  <cs:plotArea3D mods="allowNoFillOverride allowNoLineOverride">
-    <cs:lnRef idx="0"/>
-    <cs:fillRef idx="0"/>
-    <cs:effectRef idx="0"/>
-    <cs:fontRef idx="minor">
-      <a:schemeClr val="dk1"/>
-    </cs:fontRef>
-  </cs:plotArea3D>
-  <cs:seriesAxis>
-    <cs:lnRef idx="0"/>
-    <cs:fillRef idx="0"/>
-    <cs:effectRef idx="0"/>
-    <cs:fontRef idx="minor">
-      <a:schemeClr val="tx1">
-        <a:lumMod val="50000"/>
-        <a:lumOff val="50000"/>
-      </a:schemeClr>
-    </cs:fontRef>
-    <cs:spPr>
-      <a:ln w="9525" cap="flat" cmpd="sng" algn="ctr">
-        <a:solidFill>
-          <a:schemeClr val="tx1">
-            <a:lumMod val="15000"/>
-            <a:lumOff val="85000"/>
-          </a:schemeClr>
-        </a:solidFill>
-        <a:round/>
-      </a:ln>
-    </cs:spPr>
-    <cs:defRPr sz="1197" kern="1200"/>
-  </cs:seriesAxis>
-  <cs:seriesLine>
-    <cs:lnRef idx="0"/>
-    <cs:fillRef idx="0"/>
-    <cs:effectRef idx="0"/>
-    <cs:fontRef idx="minor">
-      <a:schemeClr val="dk1"/>
-    </cs:fontRef>
-    <cs:spPr>
-      <a:ln w="9525">
-        <a:solidFill>
-          <a:schemeClr val="tx1">
-            <a:lumMod val="35000"/>
-            <a:lumOff val="65000"/>
-          </a:schemeClr>
-        </a:solidFill>
-        <a:prstDash val="dash"/>
-      </a:ln>
-    </cs:spPr>
-  </cs:seriesLine>
-  <cs:title>
-    <cs:lnRef idx="0"/>
-    <cs:fillRef idx="0"/>
-    <cs:effectRef idx="0"/>
-    <cs:fontRef idx="minor">
-      <a:schemeClr val="tx1">
-        <a:lumMod val="50000"/>
-        <a:lumOff val="50000"/>
-      </a:schemeClr>
-    </cs:fontRef>
-    <cs:defRPr sz="1862" kern="1200" cap="none" spc="20" baseline="0"/>
-  </cs:title>
-  <cs:trendline>
-    <cs:lnRef idx="0">
-      <cs:styleClr val="auto"/>
-    </cs:lnRef>
-    <cs:fillRef idx="2"/>
-    <cs:effectRef idx="0"/>
-    <cs:fontRef idx="minor">
-      <a:schemeClr val="dk1"/>
-    </cs:fontRef>
-    <cs:spPr>
-      <a:ln w="9525" cap="rnd">
-        <a:solidFill>
-          <a:schemeClr val="phClr"/>
-        </a:solidFill>
-      </a:ln>
-    </cs:spPr>
-  </cs:trendline>
-  <cs:trendlineLabel>
-    <cs:lnRef idx="0"/>
-    <cs:fillRef idx="0"/>
-    <cs:effectRef idx="0"/>
-    <cs:fontRef idx="minor">
-      <a:schemeClr val="tx1">
-        <a:lumMod val="50000"/>
-        <a:lumOff val="50000"/>
-      </a:schemeClr>
-    </cs:fontRef>
-    <cs:defRPr sz="1197" kern="1200"/>
-  </cs:trendlineLabel>
-  <cs:upBar>
-    <cs:lnRef idx="0"/>
-    <cs:fillRef idx="0"/>
-    <cs:effectRef idx="0"/>
-    <cs:fontRef idx="minor">
-      <a:schemeClr val="dk1"/>
-    </cs:fontRef>
-    <cs:spPr>
-      <a:solidFill>
-        <a:schemeClr val="lt1"/>
-      </a:solidFill>
-      <a:ln w="9525">
-        <a:solidFill>
-          <a:schemeClr val="tx1">
-            <a:lumMod val="50000"/>
-            <a:lumOff val="50000"/>
-          </a:schemeClr>
-        </a:solidFill>
-      </a:ln>
-    </cs:spPr>
-  </cs:upBar>
-  <cs:valueAxis>
-    <cs:lnRef idx="0"/>
-    <cs:fillRef idx="0"/>
-    <cs:effectRef idx="0"/>
-    <cs:fontRef idx="minor">
-      <a:schemeClr val="tx1">
-        <a:lumMod val="50000"/>
-        <a:lumOff val="50000"/>
-      </a:schemeClr>
-    </cs:fontRef>
-    <cs:defRPr sz="1197" kern="1200"/>
-  </cs:valueAxis>
-  <cs:wall>
-    <cs:lnRef idx="0"/>
-    <cs:fillRef idx="0"/>
-    <cs:effectRef idx="0"/>
-    <cs:fontRef idx="minor">
-      <a:schemeClr val="dk1"/>
-    </cs:fontRef>
-  </cs:wall>
-</cs:chartStyle>
-</file>
-
-<file path=ppt/charts/style6.xml><?xml version="1.0" encoding="utf-8"?>
-<cs:chartStyle xmlns:cs="http://schemas.microsoft.com/office/drawing/2012/chartStyle" xmlns:a="http://schemas.openxmlformats.org/drawingml/2006/main" id="419">
-  <cs:axisTitle>
-    <cs:lnRef idx="0"/>
-    <cs:fillRef idx="0"/>
-    <cs:effectRef idx="0"/>
-    <cs:fontRef idx="minor">
-      <a:schemeClr val="tx1">
-        <a:lumMod val="65000"/>
-        <a:lumOff val="35000"/>
-      </a:schemeClr>
-    </cs:fontRef>
-    <cs:defRPr sz="900"/>
-  </cs:axisTitle>
-  <cs:categoryAxis>
-    <cs:lnRef idx="0"/>
-    <cs:fillRef idx="0"/>
-    <cs:effectRef idx="0"/>
-    <cs:fontRef idx="minor">
-      <a:schemeClr val="tx1">
-        <a:lumMod val="65000"/>
-        <a:lumOff val="35000"/>
-      </a:schemeClr>
-    </cs:fontRef>
-    <cs:spPr>
-      <a:ln w="9525" cap="flat" cmpd="sng" algn="ctr">
-        <a:solidFill>
-          <a:schemeClr val="tx1">
-            <a:lumMod val="15000"/>
-            <a:lumOff val="85000"/>
-          </a:schemeClr>
-        </a:solidFill>
-        <a:round/>
-      </a:ln>
-    </cs:spPr>
-    <cs:defRPr sz="900"/>
-  </cs:categoryAxis>
-  <cs:chartArea mods="allowNoFillOverride allowNoLineOverride">
-    <cs:lnRef idx="0"/>
-    <cs:fillRef idx="0"/>
-    <cs:effectRef idx="0"/>
-    <cs:fontRef idx="minor">
-      <a:schemeClr val="tx1"/>
-    </cs:fontRef>
-    <cs:spPr>
-      <a:solidFill>
-        <a:schemeClr val="bg1"/>
-      </a:solidFill>
-      <a:ln w="9525" cap="flat" cmpd="sng" algn="ctr">
-        <a:solidFill>
-          <a:schemeClr val="tx1">
-            <a:lumMod val="15000"/>
-            <a:lumOff val="85000"/>
-          </a:schemeClr>
-        </a:solidFill>
-        <a:round/>
-      </a:ln>
-    </cs:spPr>
-    <cs:defRPr sz="1000"/>
-  </cs:chartArea>
-  <cs:dataLabel>
-    <cs:lnRef idx="0"/>
-    <cs:fillRef idx="0"/>
-    <cs:effectRef idx="0"/>
-    <cs:fontRef idx="minor">
-      <a:schemeClr val="tx1">
-        <a:lumMod val="65000"/>
-        <a:lumOff val="35000"/>
-      </a:schemeClr>
-    </cs:fontRef>
-    <cs:defRPr sz="900"/>
-  </cs:dataLabel>
-  <cs:dataLabelCallout>
-    <cs:lnRef idx="0"/>
-    <cs:fillRef idx="0"/>
-    <cs:effectRef idx="0"/>
-    <cs:fontRef idx="minor">
-      <a:schemeClr val="dk1">
-        <a:lumMod val="65000"/>
-        <a:lumOff val="35000"/>
-      </a:schemeClr>
-    </cs:fontRef>
-    <cs:spPr>
-      <a:solidFill>
-        <a:schemeClr val="lt1"/>
-      </a:solidFill>
-      <a:ln>
-        <a:solidFill>
-          <a:schemeClr val="dk1">
-            <a:lumMod val="25000"/>
-            <a:lumOff val="75000"/>
-          </a:schemeClr>
-        </a:solidFill>
-      </a:ln>
-    </cs:spPr>
-    <cs:defRPr sz="900"/>
-    <cs:bodyPr rot="0" spcFirstLastPara="1" vertOverflow="clip" horzOverflow="clip" vert="horz" wrap="square" lIns="36576" tIns="18288" rIns="36576" bIns="18288" anchor="ctr" anchorCtr="1">
-      <a:spAutoFit/>
-    </cs:bodyPr>
-  </cs:dataLabelCallout>
-  <cs:dataPoint>
-    <cs:lnRef idx="0"/>
-    <cs:fillRef idx="0">
-      <cs:styleClr val="auto"/>
-    </cs:fillRef>
-    <cs:effectRef idx="0"/>
-    <cs:fontRef idx="minor">
-      <a:schemeClr val="tx1"/>
-    </cs:fontRef>
-    <cs:spPr>
-      <a:solidFill>
-        <a:schemeClr val="phClr"/>
-      </a:solidFill>
-    </cs:spPr>
-  </cs:dataPoint>
-  <cs:dataPoint3D>
-    <cs:lnRef idx="0"/>
-    <cs:fillRef idx="0">
-      <cs:styleClr val="auto"/>
-    </cs:fillRef>
-    <cs:effectRef idx="0"/>
-    <cs:fontRef idx="minor">
-      <a:schemeClr val="tx1"/>
-    </cs:fontRef>
-    <cs:spPr>
-      <a:solidFill>
-        <a:schemeClr val="phClr"/>
-      </a:solidFill>
-    </cs:spPr>
-  </cs:dataPoint3D>
-  <cs:dataPointLine>
-    <cs:lnRef idx="0">
-      <cs:styleClr val="auto"/>
-    </cs:lnRef>
-    <cs:fillRef idx="0"/>
-    <cs:effectRef idx="0"/>
-    <cs:fontRef idx="minor">
-      <a:schemeClr val="tx1"/>
-    </cs:fontRef>
-    <cs:spPr>
-      <a:ln w="28575" cap="rnd">
-        <a:solidFill>
-          <a:schemeClr val="phClr"/>
-        </a:solidFill>
-        <a:round/>
-      </a:ln>
-    </cs:spPr>
-  </cs:dataPointLine>
-  <cs:dataPointMarker>
-    <cs:lnRef idx="0"/>
-    <cs:fillRef idx="0">
-      <cs:styleClr val="auto"/>
-    </cs:fillRef>
-    <cs:effectRef idx="0"/>
-    <cs:fontRef idx="minor">
-      <a:schemeClr val="tx1"/>
-    </cs:fontRef>
-    <cs:spPr>
-      <a:solidFill>
-        <a:schemeClr val="phClr"/>
-      </a:solidFill>
-      <a:ln w="9525">
-        <a:solidFill>
-          <a:schemeClr val="lt1"/>
-        </a:solidFill>
-      </a:ln>
-    </cs:spPr>
-  </cs:dataPointMarker>
-  <cs:dataPointMarkerLayout symbol="circle" size="5"/>
-  <cs:dataPointWireframe>
-    <cs:lnRef idx="0">
-      <cs:styleClr val="auto"/>
-    </cs:lnRef>
-    <cs:fillRef idx="0"/>
-    <cs:effectRef idx="0"/>
-    <cs:fontRef idx="minor">
-      <a:schemeClr val="tx1"/>
-    </cs:fontRef>
-    <cs:spPr>
-      <a:ln w="28575" cap="rnd">
-        <a:solidFill>
-          <a:schemeClr val="phClr"/>
-        </a:solidFill>
-        <a:round/>
-      </a:ln>
-    </cs:spPr>
-  </cs:dataPointWireframe>
-  <cs:dataTable>
-    <cs:lnRef idx="0"/>
-    <cs:fillRef idx="0"/>
-    <cs:effectRef idx="0"/>
-    <cs:fontRef idx="minor">
-      <a:schemeClr val="tx1">
-        <a:lumMod val="65000"/>
-        <a:lumOff val="35000"/>
-      </a:schemeClr>
-    </cs:fontRef>
-    <cs:spPr>
-      <a:ln w="9525">
-        <a:solidFill>
-          <a:schemeClr val="tx1">
-            <a:lumMod val="15000"/>
-            <a:lumOff val="85000"/>
-          </a:schemeClr>
-        </a:solidFill>
-      </a:ln>
-    </cs:spPr>
-    <cs:defRPr sz="900"/>
-  </cs:dataTable>
-  <cs:downBar>
-    <cs:lnRef idx="0"/>
-    <cs:fillRef idx="0"/>
-    <cs:effectRef idx="0"/>
-    <cs:fontRef idx="minor">
-      <a:schemeClr val="dk1"/>
-    </cs:fontRef>
-    <cs:spPr>
-      <a:solidFill>
-        <a:schemeClr val="dk1">
-          <a:lumMod val="65000"/>
-          <a:lumOff val="35000"/>
-        </a:schemeClr>
-      </a:solidFill>
-      <a:ln w="9525">
-        <a:solidFill>
-          <a:schemeClr val="tx1">
-            <a:lumMod val="65000"/>
-            <a:lumOff val="35000"/>
-          </a:schemeClr>
-        </a:solidFill>
-      </a:ln>
-    </cs:spPr>
-  </cs:downBar>
-  <cs:dropLine>
-    <cs:lnRef idx="0"/>
-    <cs:fillRef idx="0"/>
-    <cs:effectRef idx="0"/>
-    <cs:fontRef idx="minor">
-      <a:schemeClr val="tx1"/>
-    </cs:fontRef>
-    <cs:spPr>
-      <a:ln w="9525" cap="flat" cmpd="sng" algn="ctr">
-        <a:solidFill>
-          <a:schemeClr val="tx1">
-            <a:lumMod val="35000"/>
-            <a:lumOff val="65000"/>
-          </a:schemeClr>
-        </a:solidFill>
-        <a:round/>
-      </a:ln>
-    </cs:spPr>
-  </cs:dropLine>
-  <cs:errorBar>
-    <cs:lnRef idx="0"/>
-    <cs:fillRef idx="0"/>
-    <cs:effectRef idx="0"/>
-    <cs:fontRef idx="minor">
-      <a:schemeClr val="tx1"/>
-    </cs:fontRef>
-    <cs:spPr>
-      <a:ln w="9525" cap="flat" cmpd="sng" algn="ctr">
-        <a:solidFill>
-          <a:schemeClr val="tx1">
-            <a:lumMod val="65000"/>
-            <a:lumOff val="35000"/>
-          </a:schemeClr>
-        </a:solidFill>
-        <a:round/>
-      </a:ln>
-    </cs:spPr>
-  </cs:errorBar>
-  <cs:floor>
-    <cs:lnRef idx="0"/>
-    <cs:fillRef idx="0"/>
-    <cs:effectRef idx="0"/>
-    <cs:fontRef idx="minor">
-      <a:schemeClr val="tx1"/>
-    </cs:fontRef>
-  </cs:floor>
-  <cs:gridlineMajor>
-    <cs:lnRef idx="0"/>
-    <cs:fillRef idx="0"/>
-    <cs:effectRef idx="0"/>
-    <cs:fontRef idx="minor">
-      <a:schemeClr val="tx1"/>
-    </cs:fontRef>
-    <cs:spPr>
-      <a:ln w="9525" cap="flat" cmpd="sng" algn="ctr">
-        <a:solidFill>
-          <a:schemeClr val="tx1">
-            <a:lumMod val="15000"/>
-            <a:lumOff val="85000"/>
-          </a:schemeClr>
-        </a:solidFill>
-        <a:round/>
-      </a:ln>
-    </cs:spPr>
-  </cs:gridlineMajor>
-  <cs:gridlineMinor>
-    <cs:lnRef idx="0"/>
-    <cs:fillRef idx="0"/>
-    <cs:effectRef idx="0"/>
-    <cs:fontRef idx="minor">
-      <a:schemeClr val="tx1"/>
-    </cs:fontRef>
-    <cs:spPr>
-      <a:ln w="9525" cap="flat" cmpd="sng" algn="ctr">
-        <a:solidFill>
-          <a:schemeClr val="tx1">
-            <a:lumMod val="15000"/>
-            <a:lumOff val="85000"/>
-          </a:schemeClr>
-        </a:solidFill>
-        <a:round/>
-      </a:ln>
-    </cs:spPr>
-  </cs:gridlineMinor>
-  <cs:hiLoLine>
-    <cs:lnRef idx="0"/>
-    <cs:fillRef idx="0"/>
-    <cs:effectRef idx="0"/>
-    <cs:fontRef idx="minor">
-      <a:schemeClr val="tx1"/>
-    </cs:fontRef>
-    <cs:spPr>
-      <a:ln w="9525" cap="flat" cmpd="sng" algn="ctr">
-        <a:solidFill>
-          <a:schemeClr val="tx1">
-            <a:lumMod val="75000"/>
-            <a:lumOff val="25000"/>
-          </a:schemeClr>
-        </a:solidFill>
-        <a:round/>
-      </a:ln>
-    </cs:spPr>
-  </cs:hiLoLine>
-  <cs:leaderLine>
-    <cs:lnRef idx="0"/>
-    <cs:fillRef idx="0"/>
-    <cs:effectRef idx="0"/>
-    <cs:fontRef idx="minor">
-      <a:schemeClr val="tx1"/>
-    </cs:fontRef>
-    <cs:spPr>
-      <a:ln w="9525" cap="flat" cmpd="sng" algn="ctr">
-        <a:solidFill>
-          <a:schemeClr val="tx1">
-            <a:lumMod val="35000"/>
-            <a:lumOff val="65000"/>
-          </a:schemeClr>
-        </a:solidFill>
-        <a:round/>
-      </a:ln>
-    </cs:spPr>
-  </cs:leaderLine>
-  <cs:legend>
-    <cs:lnRef idx="0"/>
-    <cs:fillRef idx="0"/>
-    <cs:effectRef idx="0"/>
-    <cs:fontRef idx="minor">
-      <a:schemeClr val="tx1">
-        <a:lumMod val="65000"/>
-        <a:lumOff val="35000"/>
-      </a:schemeClr>
-    </cs:fontRef>
-    <cs:defRPr sz="900"/>
-  </cs:legend>
-  <cs:plotArea mods="allowNoFillOverride allowNoLineOverride">
-    <cs:lnRef idx="0"/>
-    <cs:fillRef idx="0"/>
-    <cs:effectRef idx="0"/>
-    <cs:fontRef idx="minor">
-      <a:schemeClr val="tx1"/>
-    </cs:fontRef>
-  </cs:plotArea>
-  <cs:plotArea3D mods="allowNoFillOverride allowNoLineOverride">
-    <cs:lnRef idx="0"/>
-    <cs:fillRef idx="0"/>
-    <cs:effectRef idx="0"/>
-    <cs:fontRef idx="minor">
-      <a:schemeClr val="tx1"/>
-    </cs:fontRef>
-  </cs:plotArea3D>
-  <cs:seriesAxis>
-    <cs:lnRef idx="0"/>
-    <cs:fillRef idx="0"/>
-    <cs:effectRef idx="0"/>
-    <cs:fontRef idx="minor">
-      <a:schemeClr val="tx1">
-        <a:lumMod val="65000"/>
-        <a:lumOff val="35000"/>
-      </a:schemeClr>
-    </cs:fontRef>
-    <cs:spPr>
-      <a:ln w="9525" cap="flat" cmpd="sng" algn="ctr">
-        <a:solidFill>
-          <a:schemeClr val="tx1">
-            <a:lumMod val="15000"/>
-            <a:lumOff val="85000"/>
-          </a:schemeClr>
-        </a:solidFill>
-        <a:round/>
-      </a:ln>
-    </cs:spPr>
-    <cs:defRPr sz="900"/>
-  </cs:seriesAxis>
-  <cs:seriesLine>
-    <cs:lnRef idx="0"/>
-    <cs:fillRef idx="0"/>
-    <cs:effectRef idx="0"/>
-    <cs:fontRef idx="minor">
-      <a:schemeClr val="tx1"/>
-    </cs:fontRef>
-    <cs:spPr>
-      <a:ln w="9525" cap="flat">
-        <a:solidFill>
-          <a:srgbClr val="D9D9D9"/>
-        </a:solidFill>
-        <a:round/>
-      </a:ln>
-    </cs:spPr>
-  </cs:seriesLine>
-  <cs:title>
-    <cs:lnRef idx="0"/>
-    <cs:fillRef idx="0"/>
-    <cs:effectRef idx="0"/>
-    <cs:fontRef idx="minor">
-      <a:schemeClr val="tx1">
-        <a:lumMod val="65000"/>
-        <a:lumOff val="35000"/>
-      </a:schemeClr>
-    </cs:fontRef>
-    <cs:defRPr sz="1400"/>
-  </cs:title>
-  <cs:trendline>
-    <cs:lnRef idx="0">
-      <cs:styleClr val="auto"/>
-    </cs:lnRef>
-    <cs:fillRef idx="0"/>
-    <cs:effectRef idx="0"/>
-    <cs:fontRef idx="minor">
-      <a:schemeClr val="tx1"/>
-    </cs:fontRef>
-    <cs:spPr>
-      <a:ln w="19050" cap="rnd">
-        <a:solidFill>
-          <a:schemeClr val="phClr"/>
-        </a:solidFill>
-        <a:prstDash val="sysDash"/>
-      </a:ln>
-    </cs:spPr>
-  </cs:trendline>
-  <cs:trendlineLabel>
-    <cs:lnRef idx="0"/>
-    <cs:fillRef idx="0"/>
-    <cs:effectRef idx="0"/>
-    <cs:fontRef idx="minor">
-      <a:schemeClr val="tx1">
-        <a:lumMod val="65000"/>
-        <a:lumOff val="35000"/>
-      </a:schemeClr>
-    </cs:fontRef>
-    <cs:defRPr sz="900"/>
-  </cs:trendlineLabel>
-  <cs:upBar>
-    <cs:lnRef idx="0"/>
-    <cs:fillRef idx="0"/>
-    <cs:effectRef idx="0"/>
-    <cs:fontRef idx="minor">
-      <a:schemeClr val="dk1"/>
-    </cs:fontRef>
-    <cs:spPr>
-      <a:solidFill>
-        <a:schemeClr val="lt1"/>
-      </a:solidFill>
-      <a:ln w="9525">
-        <a:solidFill>
-          <a:schemeClr val="tx1">
-            <a:lumMod val="15000"/>
-            <a:lumOff val="85000"/>
-          </a:schemeClr>
-        </a:solidFill>
-      </a:ln>
-    </cs:spPr>
-  </cs:upBar>
-  <cs:valueAxis>
-    <cs:lnRef idx="0"/>
-    <cs:fillRef idx="0"/>
-    <cs:effectRef idx="0"/>
-    <cs:fontRef idx="minor">
-      <a:schemeClr val="tx1">
-        <a:lumMod val="65000"/>
-        <a:lumOff val="35000"/>
-      </a:schemeClr>
-    </cs:fontRef>
-    <cs:defRPr sz="900"/>
-  </cs:valueAxis>
-  <cs:wall>
-    <cs:lnRef idx="0"/>
-    <cs:fillRef idx="0"/>
-    <cs:effectRef idx="0"/>
-    <cs:fontRef idx="minor">
-      <a:schemeClr val="tx1"/>
     </cs:fontRef>
   </cs:wall>
 </cs:chartStyle>
@@ -8396,7 +8400,7 @@
           <a:p>
             <a:fld id="{E9F89EB8-1933-A947-A883-ACA4B1F2EC1B}" type="datetimeFigureOut">
               <a:rPr lang="de-DE" smtClean="0"/>
-              <a:t>13.01.23</a:t>
+              <a:t>15.01.23</a:t>
             </a:fld>
             <a:endParaRPr lang="de-DE"/>
           </a:p>
@@ -8708,7 +8712,10 @@
           <a:bodyPr/>
           <a:lstStyle/>
           <a:p>
-            <a:endParaRPr lang="de-DE" dirty="0"/>
+            <a:r>
+              <a:rPr lang="de-DE" dirty="0"/>
+              <a:t>Ziel: Verbindung Song-Eigenschaften mit Playlists</a:t>
+            </a:r>
           </a:p>
         </p:txBody>
       </p:sp>
@@ -8729,7 +8736,7 @@
           <a:p>
             <a:fld id="{E2F6A15D-2D23-BE48-9C2A-D0FCD03DEB3E}" type="slidenum">
               <a:rPr lang="de-DE" smtClean="0"/>
-              <a:t>8</a:t>
+              <a:t>3</a:t>
             </a:fld>
             <a:endParaRPr lang="de-DE"/>
           </a:p>
@@ -8738,7 +8745,7 @@
     </p:spTree>
     <p:extLst>
       <p:ext uri="{BB962C8B-B14F-4D97-AF65-F5344CB8AC3E}">
-        <p14:creationId xmlns:p14="http://schemas.microsoft.com/office/powerpoint/2010/main" val="3075266283"/>
+        <p14:creationId xmlns:p14="http://schemas.microsoft.com/office/powerpoint/2010/main" val="2343153920"/>
       </p:ext>
     </p:extLst>
   </p:cSld>
@@ -8794,17 +8801,75 @@
           <a:p>
             <a:r>
               <a:rPr lang="de-DE" dirty="0"/>
-              <a:t>Was bedeutet beliebt?</a:t>
+              <a:t>https://</a:t>
+            </a:r>
+            <a:r>
+              <a:rPr lang="de-DE" dirty="0" err="1"/>
+              <a:t>www.kaggle.com</a:t>
+            </a:r>
+            <a:r>
+              <a:rPr lang="de-DE" dirty="0"/>
+              <a:t>/</a:t>
+            </a:r>
+            <a:r>
+              <a:rPr lang="de-DE" dirty="0" err="1"/>
+              <a:t>datasets</a:t>
+            </a:r>
+            <a:r>
+              <a:rPr lang="de-DE" dirty="0"/>
+              <a:t>/</a:t>
+            </a:r>
+            <a:r>
+              <a:rPr lang="de-DE" dirty="0" err="1"/>
+              <a:t>rodolfofigueroa</a:t>
+            </a:r>
+            <a:r>
+              <a:rPr lang="de-DE" dirty="0"/>
+              <a:t>/spotify-12m-songs</a:t>
             </a:r>
           </a:p>
           <a:p>
+            <a:r>
+              <a:rPr lang="de-DE" dirty="0"/>
+              <a:t>https://</a:t>
+            </a:r>
+            <a:r>
+              <a:rPr lang="de-DE" dirty="0" err="1"/>
+              <a:t>www.kaggle.com</a:t>
+            </a:r>
+            <a:r>
+              <a:rPr lang="de-DE" dirty="0"/>
+              <a:t>/</a:t>
+            </a:r>
+            <a:r>
+              <a:rPr lang="de-DE" dirty="0" err="1"/>
+              <a:t>datasets</a:t>
+            </a:r>
+            <a:r>
+              <a:rPr lang="de-DE" dirty="0"/>
+              <a:t>/</a:t>
+            </a:r>
+            <a:r>
+              <a:rPr lang="de-DE" dirty="0" err="1"/>
+              <a:t>andrewmvd</a:t>
+            </a:r>
+            <a:r>
+              <a:rPr lang="de-DE" dirty="0"/>
+              <a:t>/</a:t>
+            </a:r>
+            <a:r>
+              <a:rPr lang="de-DE" dirty="0" err="1"/>
+              <a:t>spotify-playlists?select</a:t>
+            </a:r>
+            <a:r>
+              <a:rPr lang="de-DE" dirty="0"/>
+              <a:t>=</a:t>
+            </a:r>
+            <a:r>
+              <a:rPr lang="de-DE" dirty="0" err="1"/>
+              <a:t>spotify_dataset.csv</a:t>
+            </a:r>
             <a:endParaRPr lang="de-DE" dirty="0"/>
-          </a:p>
-          <a:p>
-            <a:r>
-              <a:rPr lang="de-DE" dirty="0"/>
-              <a:t>Beyoncé in jeder 6. Playlist</a:t>
-            </a:r>
           </a:p>
         </p:txBody>
       </p:sp>
@@ -8825,7 +8890,7 @@
           <a:p>
             <a:fld id="{E2F6A15D-2D23-BE48-9C2A-D0FCD03DEB3E}" type="slidenum">
               <a:rPr lang="de-DE" smtClean="0"/>
-              <a:t>9</a:t>
+              <a:t>4</a:t>
             </a:fld>
             <a:endParaRPr lang="de-DE"/>
           </a:p>
@@ -8834,7 +8899,7 @@
     </p:spTree>
     <p:extLst>
       <p:ext uri="{BB962C8B-B14F-4D97-AF65-F5344CB8AC3E}">
-        <p14:creationId xmlns:p14="http://schemas.microsoft.com/office/powerpoint/2010/main" val="1042948508"/>
+        <p14:creationId xmlns:p14="http://schemas.microsoft.com/office/powerpoint/2010/main" val="4094202039"/>
       </p:ext>
     </p:extLst>
   </p:cSld>
@@ -8909,7 +8974,7 @@
           <a:p>
             <a:fld id="{E2F6A15D-2D23-BE48-9C2A-D0FCD03DEB3E}" type="slidenum">
               <a:rPr lang="de-DE" smtClean="0"/>
-              <a:t>11</a:t>
+              <a:t>8</a:t>
             </a:fld>
             <a:endParaRPr lang="de-DE"/>
           </a:p>
@@ -8918,7 +8983,7 @@
     </p:spTree>
     <p:extLst>
       <p:ext uri="{BB962C8B-B14F-4D97-AF65-F5344CB8AC3E}">
-        <p14:creationId xmlns:p14="http://schemas.microsoft.com/office/powerpoint/2010/main" val="897580971"/>
+        <p14:creationId xmlns:p14="http://schemas.microsoft.com/office/powerpoint/2010/main" val="3075266283"/>
       </p:ext>
     </p:extLst>
   </p:cSld>
@@ -8974,8 +9039,270 @@
           <a:p>
             <a:r>
               <a:rPr lang="de-DE" dirty="0"/>
-              <a:t>Creep in jeder 12 Playlist zu finden</a:t>
-            </a:r>
+              <a:t>Was bedeutet beliebt?</a:t>
+            </a:r>
+          </a:p>
+          <a:p>
+            <a:endParaRPr lang="de-DE" dirty="0"/>
+          </a:p>
+          <a:p>
+            <a:r>
+              <a:rPr lang="de-DE" dirty="0"/>
+              <a:t>Beyoncé in jeder 6. Playlist</a:t>
+            </a:r>
+          </a:p>
+        </p:txBody>
+      </p:sp>
+      <p:sp>
+        <p:nvSpPr>
+          <p:cNvPr id="4" name="Slide Number Placeholder 3"/>
+          <p:cNvSpPr>
+            <a:spLocks noGrp="1"/>
+          </p:cNvSpPr>
+          <p:nvPr>
+            <p:ph type="sldNum" sz="quarter" idx="5"/>
+          </p:nvPr>
+        </p:nvSpPr>
+        <p:spPr/>
+        <p:txBody>
+          <a:bodyPr/>
+          <a:lstStyle/>
+          <a:p>
+            <a:fld id="{E2F6A15D-2D23-BE48-9C2A-D0FCD03DEB3E}" type="slidenum">
+              <a:rPr lang="de-DE" smtClean="0"/>
+              <a:t>10</a:t>
+            </a:fld>
+            <a:endParaRPr lang="de-DE"/>
+          </a:p>
+        </p:txBody>
+      </p:sp>
+    </p:spTree>
+    <p:extLst>
+      <p:ext uri="{BB962C8B-B14F-4D97-AF65-F5344CB8AC3E}">
+        <p14:creationId xmlns:p14="http://schemas.microsoft.com/office/powerpoint/2010/main" val="1042948508"/>
+      </p:ext>
+    </p:extLst>
+  </p:cSld>
+  <p:clrMapOvr>
+    <a:masterClrMapping/>
+  </p:clrMapOvr>
+</p:notes>
+</file>
+
+<file path=ppt/notesSlides/notesSlide5.xml><?xml version="1.0" encoding="utf-8"?>
+<p:notes xmlns:a="http://schemas.openxmlformats.org/drawingml/2006/main" xmlns:r="http://schemas.openxmlformats.org/officeDocument/2006/relationships" xmlns:p="http://schemas.openxmlformats.org/presentationml/2006/main">
+  <p:cSld>
+    <p:spTree>
+      <p:nvGrpSpPr>
+        <p:cNvPr id="1" name=""/>
+        <p:cNvGrpSpPr/>
+        <p:nvPr/>
+      </p:nvGrpSpPr>
+      <p:grpSpPr>
+        <a:xfrm>
+          <a:off x="0" y="0"/>
+          <a:ext cx="0" cy="0"/>
+          <a:chOff x="0" y="0"/>
+          <a:chExt cx="0" cy="0"/>
+        </a:xfrm>
+      </p:grpSpPr>
+      <p:sp>
+        <p:nvSpPr>
+          <p:cNvPr id="2" name="Slide Image Placeholder 1"/>
+          <p:cNvSpPr>
+            <a:spLocks noGrp="1" noRot="1" noChangeAspect="1"/>
+          </p:cNvSpPr>
+          <p:nvPr>
+            <p:ph type="sldImg"/>
+          </p:nvPr>
+        </p:nvSpPr>
+        <p:spPr/>
+      </p:sp>
+      <p:sp>
+        <p:nvSpPr>
+          <p:cNvPr id="3" name="Notes Placeholder 2"/>
+          <p:cNvSpPr>
+            <a:spLocks noGrp="1"/>
+          </p:cNvSpPr>
+          <p:nvPr>
+            <p:ph type="body" idx="1"/>
+          </p:nvPr>
+        </p:nvSpPr>
+        <p:spPr/>
+        <p:txBody>
+          <a:bodyPr/>
+          <a:lstStyle/>
+          <a:p>
+            <a:pPr marL="171450" indent="-171450">
+              <a:buFont typeface="Arial" panose="020B0604020202020204" pitchFamily="34" charset="0"/>
+              <a:buChar char="•"/>
+            </a:pPr>
+            <a:r>
+              <a:rPr lang="de-DE" dirty="0" err="1"/>
+              <a:t>statistiken</a:t>
+            </a:r>
+            <a:r>
+              <a:rPr lang="de-DE" dirty="0"/>
+              <a:t> </a:t>
+            </a:r>
+            <a:r>
+              <a:rPr lang="de-DE" dirty="0" err="1"/>
+              <a:t>durchschnittssong</a:t>
+            </a:r>
+            <a:r>
+              <a:rPr lang="de-DE" dirty="0"/>
+              <a:t> der top 100 beliebtesten </a:t>
+            </a:r>
+            <a:r>
+              <a:rPr lang="de-DE" dirty="0" err="1"/>
+              <a:t>künstler</a:t>
+            </a:r>
+            <a:r>
+              <a:rPr lang="de-DE" dirty="0"/>
+              <a:t> verglichen mit den </a:t>
+            </a:r>
+            <a:r>
+              <a:rPr lang="de-DE" dirty="0" err="1"/>
+              <a:t>durchschnittssong</a:t>
+            </a:r>
+            <a:r>
+              <a:rPr lang="de-DE" dirty="0"/>
+              <a:t> des </a:t>
+            </a:r>
+            <a:r>
+              <a:rPr lang="de-DE" dirty="0" err="1"/>
+              <a:t>durchschnittsartisten</a:t>
+            </a:r>
+            <a:r>
+              <a:rPr lang="de-DE" dirty="0"/>
+              <a:t> </a:t>
+            </a:r>
+          </a:p>
+          <a:p>
+            <a:pPr marL="171450" indent="-171450">
+              <a:buFont typeface="Arial" panose="020B0604020202020204" pitchFamily="34" charset="0"/>
+              <a:buChar char="•"/>
+            </a:pPr>
+            <a:r>
+              <a:rPr lang="de-DE" dirty="0"/>
+              <a:t>durchschnitt und </a:t>
+            </a:r>
+            <a:r>
+              <a:rPr lang="de-DE" dirty="0" err="1"/>
+              <a:t>stdev</a:t>
+            </a:r>
+            <a:r>
+              <a:rPr lang="de-DE" dirty="0"/>
+              <a:t> skaliert min/</a:t>
+            </a:r>
+            <a:r>
+              <a:rPr lang="de-DE" dirty="0" err="1"/>
+              <a:t>max</a:t>
+            </a:r>
+            <a:endParaRPr lang="de-DE" dirty="0"/>
+          </a:p>
+          <a:p>
+            <a:pPr marL="171450" indent="-171450">
+              <a:buFont typeface="Arial" panose="020B0604020202020204" pitchFamily="34" charset="0"/>
+              <a:buChar char="•"/>
+            </a:pPr>
+            <a:r>
+              <a:rPr lang="de-DE" dirty="0" err="1"/>
+              <a:t>attribute</a:t>
+            </a:r>
+            <a:r>
+              <a:rPr lang="de-DE" dirty="0"/>
+              <a:t> niedrigere werte, geringere </a:t>
+            </a:r>
+            <a:r>
+              <a:rPr lang="de-DE" dirty="0" err="1"/>
+              <a:t>standardabweichung</a:t>
+            </a:r>
+            <a:endParaRPr lang="de-DE" dirty="0"/>
+          </a:p>
+        </p:txBody>
+      </p:sp>
+      <p:sp>
+        <p:nvSpPr>
+          <p:cNvPr id="4" name="Slide Number Placeholder 3"/>
+          <p:cNvSpPr>
+            <a:spLocks noGrp="1"/>
+          </p:cNvSpPr>
+          <p:nvPr>
+            <p:ph type="sldNum" sz="quarter" idx="5"/>
+          </p:nvPr>
+        </p:nvSpPr>
+        <p:spPr/>
+        <p:txBody>
+          <a:bodyPr/>
+          <a:lstStyle/>
+          <a:p>
+            <a:fld id="{E2F6A15D-2D23-BE48-9C2A-D0FCD03DEB3E}" type="slidenum">
+              <a:rPr lang="de-DE" smtClean="0"/>
+              <a:t>11</a:t>
+            </a:fld>
+            <a:endParaRPr lang="de-DE"/>
+          </a:p>
+        </p:txBody>
+      </p:sp>
+    </p:spTree>
+    <p:extLst>
+      <p:ext uri="{BB962C8B-B14F-4D97-AF65-F5344CB8AC3E}">
+        <p14:creationId xmlns:p14="http://schemas.microsoft.com/office/powerpoint/2010/main" val="3640822324"/>
+      </p:ext>
+    </p:extLst>
+  </p:cSld>
+  <p:clrMapOvr>
+    <a:masterClrMapping/>
+  </p:clrMapOvr>
+</p:notes>
+</file>
+
+<file path=ppt/notesSlides/notesSlide6.xml><?xml version="1.0" encoding="utf-8"?>
+<p:notes xmlns:a="http://schemas.openxmlformats.org/drawingml/2006/main" xmlns:r="http://schemas.openxmlformats.org/officeDocument/2006/relationships" xmlns:p="http://schemas.openxmlformats.org/presentationml/2006/main">
+  <p:cSld>
+    <p:spTree>
+      <p:nvGrpSpPr>
+        <p:cNvPr id="1" name=""/>
+        <p:cNvGrpSpPr/>
+        <p:nvPr/>
+      </p:nvGrpSpPr>
+      <p:grpSpPr>
+        <a:xfrm>
+          <a:off x="0" y="0"/>
+          <a:ext cx="0" cy="0"/>
+          <a:chOff x="0" y="0"/>
+          <a:chExt cx="0" cy="0"/>
+        </a:xfrm>
+      </p:grpSpPr>
+      <p:sp>
+        <p:nvSpPr>
+          <p:cNvPr id="2" name="Slide Image Placeholder 1"/>
+          <p:cNvSpPr>
+            <a:spLocks noGrp="1" noRot="1" noChangeAspect="1"/>
+          </p:cNvSpPr>
+          <p:nvPr>
+            <p:ph type="sldImg"/>
+          </p:nvPr>
+        </p:nvSpPr>
+        <p:spPr/>
+      </p:sp>
+      <p:sp>
+        <p:nvSpPr>
+          <p:cNvPr id="3" name="Notes Placeholder 2"/>
+          <p:cNvSpPr>
+            <a:spLocks noGrp="1"/>
+          </p:cNvSpPr>
+          <p:nvPr>
+            <p:ph type="body" idx="1"/>
+          </p:nvPr>
+        </p:nvSpPr>
+        <p:spPr/>
+        <p:txBody>
+          <a:bodyPr/>
+          <a:lstStyle/>
+          <a:p>
+            <a:endParaRPr lang="de-DE" dirty="0"/>
           </a:p>
         </p:txBody>
       </p:sp>
@@ -8997,6 +9324,93 @@
             <a:fld id="{E2F6A15D-2D23-BE48-9C2A-D0FCD03DEB3E}" type="slidenum">
               <a:rPr lang="de-DE" smtClean="0"/>
               <a:t>12</a:t>
+            </a:fld>
+            <a:endParaRPr lang="de-DE"/>
+          </a:p>
+        </p:txBody>
+      </p:sp>
+    </p:spTree>
+    <p:extLst>
+      <p:ext uri="{BB962C8B-B14F-4D97-AF65-F5344CB8AC3E}">
+        <p14:creationId xmlns:p14="http://schemas.microsoft.com/office/powerpoint/2010/main" val="897580971"/>
+      </p:ext>
+    </p:extLst>
+  </p:cSld>
+  <p:clrMapOvr>
+    <a:masterClrMapping/>
+  </p:clrMapOvr>
+</p:notes>
+</file>
+
+<file path=ppt/notesSlides/notesSlide7.xml><?xml version="1.0" encoding="utf-8"?>
+<p:notes xmlns:a="http://schemas.openxmlformats.org/drawingml/2006/main" xmlns:r="http://schemas.openxmlformats.org/officeDocument/2006/relationships" xmlns:p="http://schemas.openxmlformats.org/presentationml/2006/main">
+  <p:cSld>
+    <p:spTree>
+      <p:nvGrpSpPr>
+        <p:cNvPr id="1" name=""/>
+        <p:cNvGrpSpPr/>
+        <p:nvPr/>
+      </p:nvGrpSpPr>
+      <p:grpSpPr>
+        <a:xfrm>
+          <a:off x="0" y="0"/>
+          <a:ext cx="0" cy="0"/>
+          <a:chOff x="0" y="0"/>
+          <a:chExt cx="0" cy="0"/>
+        </a:xfrm>
+      </p:grpSpPr>
+      <p:sp>
+        <p:nvSpPr>
+          <p:cNvPr id="2" name="Slide Image Placeholder 1"/>
+          <p:cNvSpPr>
+            <a:spLocks noGrp="1" noRot="1" noChangeAspect="1"/>
+          </p:cNvSpPr>
+          <p:nvPr>
+            <p:ph type="sldImg"/>
+          </p:nvPr>
+        </p:nvSpPr>
+        <p:spPr/>
+      </p:sp>
+      <p:sp>
+        <p:nvSpPr>
+          <p:cNvPr id="3" name="Notes Placeholder 2"/>
+          <p:cNvSpPr>
+            <a:spLocks noGrp="1"/>
+          </p:cNvSpPr>
+          <p:nvPr>
+            <p:ph type="body" idx="1"/>
+          </p:nvPr>
+        </p:nvSpPr>
+        <p:spPr/>
+        <p:txBody>
+          <a:bodyPr/>
+          <a:lstStyle/>
+          <a:p>
+            <a:r>
+              <a:rPr lang="de-DE" dirty="0"/>
+              <a:t>Creep in jeder 12 Playlist zu finden</a:t>
+            </a:r>
+          </a:p>
+        </p:txBody>
+      </p:sp>
+      <p:sp>
+        <p:nvSpPr>
+          <p:cNvPr id="4" name="Slide Number Placeholder 3"/>
+          <p:cNvSpPr>
+            <a:spLocks noGrp="1"/>
+          </p:cNvSpPr>
+          <p:nvPr>
+            <p:ph type="sldNum" sz="quarter" idx="5"/>
+          </p:nvPr>
+        </p:nvSpPr>
+        <p:spPr/>
+        <p:txBody>
+          <a:bodyPr/>
+          <a:lstStyle/>
+          <a:p>
+            <a:fld id="{E2F6A15D-2D23-BE48-9C2A-D0FCD03DEB3E}" type="slidenum">
+              <a:rPr lang="de-DE" smtClean="0"/>
+              <a:t>13</a:t>
             </a:fld>
             <a:endParaRPr lang="de-DE"/>
           </a:p>
@@ -9164,7 +9578,7 @@
           <a:p>
             <a:fld id="{F6CCBF3A-D7FB-4B97-8FD5-6FFB20CB1E84}" type="datetimeFigureOut">
               <a:rPr lang="en-US" smtClean="0"/>
-              <a:t>1/13/23</a:t>
+              <a:t>1/15/23</a:t>
             </a:fld>
             <a:endParaRPr lang="en-US"/>
           </a:p>
@@ -9364,7 +9778,7 @@
           <a:p>
             <a:fld id="{F6CCBF3A-D7FB-4B97-8FD5-6FFB20CB1E84}" type="datetimeFigureOut">
               <a:rPr lang="en-US" smtClean="0"/>
-              <a:t>1/13/23</a:t>
+              <a:t>1/15/23</a:t>
             </a:fld>
             <a:endParaRPr lang="en-US"/>
           </a:p>
@@ -9574,7 +9988,7 @@
           <a:p>
             <a:fld id="{F6CCBF3A-D7FB-4B97-8FD5-6FFB20CB1E84}" type="datetimeFigureOut">
               <a:rPr lang="en-US" smtClean="0"/>
-              <a:t>1/13/23</a:t>
+              <a:t>1/15/23</a:t>
             </a:fld>
             <a:endParaRPr lang="en-US"/>
           </a:p>
@@ -9774,7 +10188,7 @@
           <a:p>
             <a:fld id="{F6CCBF3A-D7FB-4B97-8FD5-6FFB20CB1E84}" type="datetimeFigureOut">
               <a:rPr lang="en-US" smtClean="0"/>
-              <a:t>1/13/23</a:t>
+              <a:t>1/15/23</a:t>
             </a:fld>
             <a:endParaRPr lang="en-US"/>
           </a:p>
@@ -10050,7 +10464,7 @@
           <a:p>
             <a:fld id="{F6CCBF3A-D7FB-4B97-8FD5-6FFB20CB1E84}" type="datetimeFigureOut">
               <a:rPr lang="en-US" smtClean="0"/>
-              <a:t>1/13/23</a:t>
+              <a:t>1/15/23</a:t>
             </a:fld>
             <a:endParaRPr lang="en-US"/>
           </a:p>
@@ -10318,7 +10732,7 @@
           <a:p>
             <a:fld id="{F6CCBF3A-D7FB-4B97-8FD5-6FFB20CB1E84}" type="datetimeFigureOut">
               <a:rPr lang="en-US" smtClean="0"/>
-              <a:t>1/13/23</a:t>
+              <a:t>1/15/23</a:t>
             </a:fld>
             <a:endParaRPr lang="en-US"/>
           </a:p>
@@ -10733,7 +11147,7 @@
           <a:p>
             <a:fld id="{F6CCBF3A-D7FB-4B97-8FD5-6FFB20CB1E84}" type="datetimeFigureOut">
               <a:rPr lang="en-US" smtClean="0"/>
-              <a:t>1/13/23</a:t>
+              <a:t>1/15/23</a:t>
             </a:fld>
             <a:endParaRPr lang="en-US"/>
           </a:p>
@@ -10875,7 +11289,7 @@
           <a:p>
             <a:fld id="{F6CCBF3A-D7FB-4B97-8FD5-6FFB20CB1E84}" type="datetimeFigureOut">
               <a:rPr lang="en-US" smtClean="0"/>
-              <a:t>1/13/23</a:t>
+              <a:t>1/15/23</a:t>
             </a:fld>
             <a:endParaRPr lang="en-US"/>
           </a:p>
@@ -10988,7 +11402,7 @@
           <a:p>
             <a:fld id="{F6CCBF3A-D7FB-4B97-8FD5-6FFB20CB1E84}" type="datetimeFigureOut">
               <a:rPr lang="en-US" smtClean="0"/>
-              <a:t>1/13/23</a:t>
+              <a:t>1/15/23</a:t>
             </a:fld>
             <a:endParaRPr lang="en-US"/>
           </a:p>
@@ -11301,7 +11715,7 @@
           <a:p>
             <a:fld id="{F6CCBF3A-D7FB-4B97-8FD5-6FFB20CB1E84}" type="datetimeFigureOut">
               <a:rPr lang="en-US" smtClean="0"/>
-              <a:t>1/13/23</a:t>
+              <a:t>1/15/23</a:t>
             </a:fld>
             <a:endParaRPr lang="en-US"/>
           </a:p>
@@ -11590,7 +12004,7 @@
           <a:p>
             <a:fld id="{F6CCBF3A-D7FB-4B97-8FD5-6FFB20CB1E84}" type="datetimeFigureOut">
               <a:rPr lang="en-US" smtClean="0"/>
-              <a:t>1/13/23</a:t>
+              <a:t>1/15/23</a:t>
             </a:fld>
             <a:endParaRPr lang="en-US"/>
           </a:p>
@@ -11833,7 +12247,7 @@
           <a:p>
             <a:fld id="{F6CCBF3A-D7FB-4B97-8FD5-6FFB20CB1E84}" type="datetimeFigureOut">
               <a:rPr lang="en-US" smtClean="0"/>
-              <a:t>1/13/23</a:t>
+              <a:t>1/15/23</a:t>
             </a:fld>
             <a:endParaRPr lang="en-US"/>
           </a:p>
@@ -12297,103 +12711,32 @@
   <p:clrMapOvr>
     <a:masterClrMapping/>
   </p:clrMapOvr>
+  <mc:AlternateContent xmlns:mc="http://schemas.openxmlformats.org/markup-compatibility/2006">
+    <mc:Choice xmlns:p14="http://schemas.microsoft.com/office/powerpoint/2010/main" Requires="p14">
+      <p:transition spd="med" p14:dur="700">
+        <p:fade/>
+      </p:transition>
+    </mc:Choice>
+    <mc:Fallback>
+      <p:transition spd="med">
+        <p:fade/>
+      </p:transition>
+    </mc:Fallback>
+  </mc:AlternateContent>
 </p:sld>
 </file>
 
 <file path=ppt/slides/slide10.xml><?xml version="1.0" encoding="utf-8"?>
 <p:sld xmlns:a="http://schemas.openxmlformats.org/drawingml/2006/main" xmlns:r="http://schemas.openxmlformats.org/officeDocument/2006/relationships" xmlns:p="http://schemas.openxmlformats.org/presentationml/2006/main">
   <p:cSld>
-    <p:spTree>
-      <p:nvGrpSpPr>
-        <p:cNvPr id="1" name=""/>
-        <p:cNvGrpSpPr/>
-        <p:nvPr/>
-      </p:nvGrpSpPr>
-      <p:grpSpPr>
-        <a:xfrm>
-          <a:off x="0" y="0"/>
-          <a:ext cx="0" cy="0"/>
-          <a:chOff x="0" y="0"/>
-          <a:chExt cx="0" cy="0"/>
-        </a:xfrm>
-      </p:grpSpPr>
-      <p:sp>
-        <p:nvSpPr>
-          <p:cNvPr id="2" name="Title 1">
-            <a:extLst>
-              <a:ext uri="{FF2B5EF4-FFF2-40B4-BE49-F238E27FC236}">
-                <a16:creationId xmlns:a16="http://schemas.microsoft.com/office/drawing/2014/main" id="{6F84A25C-831B-2218-D8AA-3772CF0C52A4}"/>
-              </a:ext>
-            </a:extLst>
-          </p:cNvPr>
-          <p:cNvSpPr>
-            <a:spLocks noGrp="1"/>
-          </p:cNvSpPr>
-          <p:nvPr>
-            <p:ph type="title"/>
-          </p:nvPr>
-        </p:nvSpPr>
-        <p:spPr/>
-        <p:txBody>
-          <a:bodyPr/>
-          <a:lstStyle/>
-          <a:p>
-            <a:pPr algn="ctr"/>
-            <a:r>
-              <a:rPr lang="de-DE" b="1" dirty="0">
-                <a:latin typeface="Microsoft YaHei UI" panose="020B0503020204020204" pitchFamily="34" charset="-122"/>
-                <a:ea typeface="Microsoft YaHei UI" panose="020B0503020204020204" pitchFamily="34" charset="-122"/>
-              </a:rPr>
-              <a:t>Eigenschaften beliebter Artisten</a:t>
-            </a:r>
-          </a:p>
-        </p:txBody>
-      </p:sp>
-      <p:pic>
-        <p:nvPicPr>
-          <p:cNvPr id="7" name="Content Placeholder 6" descr="Chart&#10;&#10;Description automatically generated">
-            <a:extLst>
-              <a:ext uri="{FF2B5EF4-FFF2-40B4-BE49-F238E27FC236}">
-                <a16:creationId xmlns:a16="http://schemas.microsoft.com/office/drawing/2014/main" id="{9BD64AD6-BCF8-DA60-3A97-F852DF038013}"/>
-              </a:ext>
-            </a:extLst>
-          </p:cNvPr>
-          <p:cNvPicPr>
-            <a:picLocks noGrp="1" noChangeAspect="1"/>
-          </p:cNvPicPr>
-          <p:nvPr>
-            <p:ph idx="1"/>
-          </p:nvPr>
-        </p:nvPicPr>
-        <p:blipFill>
-          <a:blip r:embed="rId2"/>
-          <a:stretch>
-            <a:fillRect/>
-          </a:stretch>
-        </p:blipFill>
-        <p:spPr>
-          <a:xfrm>
-            <a:off x="313889" y="2112882"/>
-            <a:ext cx="11564221" cy="2632236"/>
-          </a:xfrm>
-        </p:spPr>
-      </p:pic>
-    </p:spTree>
-    <p:extLst>
-      <p:ext uri="{BB962C8B-B14F-4D97-AF65-F5344CB8AC3E}">
-        <p14:creationId xmlns:p14="http://schemas.microsoft.com/office/powerpoint/2010/main" val="2499863780"/>
-      </p:ext>
-    </p:extLst>
-  </p:cSld>
-  <p:clrMapOvr>
-    <a:masterClrMapping/>
-  </p:clrMapOvr>
-</p:sld>
-</file>
-
-<file path=ppt/slides/slide11.xml><?xml version="1.0" encoding="utf-8"?>
-<p:sld xmlns:a="http://schemas.openxmlformats.org/drawingml/2006/main" xmlns:r="http://schemas.openxmlformats.org/officeDocument/2006/relationships" xmlns:p="http://schemas.openxmlformats.org/presentationml/2006/main">
-  <p:cSld>
+    <p:bg>
+      <p:bgPr>
+        <a:solidFill>
+          <a:schemeClr val="bg1"/>
+        </a:solidFill>
+        <a:effectLst/>
+      </p:bgPr>
+    </p:bg>
     <p:spTree>
       <p:nvGrpSpPr>
         <p:cNvPr id="1" name=""/>
@@ -12438,46 +12781,34 @@
           <a:p>
             <a:pPr algn="ctr"/>
             <a:r>
-              <a:rPr lang="en-US" b="1" dirty="0" err="1">
+              <a:rPr lang="en-US" b="1" kern="1200" dirty="0" err="1">
+                <a:solidFill>
+                  <a:schemeClr val="tx1"/>
+                </a:solidFill>
+                <a:latin typeface="Microsoft YaHei UI" panose="020B0503020204020204" pitchFamily="34" charset="-122"/>
+                <a:ea typeface="Microsoft YaHei UI" panose="020B0503020204020204" pitchFamily="34" charset="-122"/>
+              </a:rPr>
+              <a:t>Beliebtheit</a:t>
+            </a:r>
+            <a:r>
+              <a:rPr lang="en-US" b="1" kern="1200" dirty="0">
+                <a:solidFill>
+                  <a:schemeClr val="tx1"/>
+                </a:solidFill>
+                <a:latin typeface="Microsoft YaHei UI" panose="020B0503020204020204" pitchFamily="34" charset="-122"/>
+                <a:ea typeface="Microsoft YaHei UI" panose="020B0503020204020204" pitchFamily="34" charset="-122"/>
+              </a:rPr>
+              <a:t> von </a:t>
+            </a:r>
+            <a:r>
+              <a:rPr lang="en-US" b="1" kern="1200" dirty="0" err="1">
+                <a:solidFill>
+                  <a:schemeClr val="tx1"/>
+                </a:solidFill>
                 <a:latin typeface="Microsoft YaHei UI" panose="020B0503020204020204" pitchFamily="34" charset="-122"/>
                 <a:ea typeface="Microsoft YaHei UI" panose="020B0503020204020204" pitchFamily="34" charset="-122"/>
               </a:rPr>
               <a:t>Artisten</a:t>
-            </a:r>
-            <a:r>
-              <a:rPr lang="en-US" b="1" dirty="0">
-                <a:latin typeface="Microsoft YaHei UI" panose="020B0503020204020204" pitchFamily="34" charset="-122"/>
-                <a:ea typeface="Microsoft YaHei UI" panose="020B0503020204020204" pitchFamily="34" charset="-122"/>
-              </a:rPr>
-              <a:t> </a:t>
-            </a:r>
-            <a:r>
-              <a:rPr lang="en-US" b="1" dirty="0" err="1">
-                <a:latin typeface="Microsoft YaHei UI" panose="020B0503020204020204" pitchFamily="34" charset="-122"/>
-                <a:ea typeface="Microsoft YaHei UI" panose="020B0503020204020204" pitchFamily="34" charset="-122"/>
-              </a:rPr>
-              <a:t>mit</a:t>
-            </a:r>
-            <a:r>
-              <a:rPr lang="en-US" b="1" dirty="0">
-                <a:latin typeface="Microsoft YaHei UI" panose="020B0503020204020204" pitchFamily="34" charset="-122"/>
-                <a:ea typeface="Microsoft YaHei UI" panose="020B0503020204020204" pitchFamily="34" charset="-122"/>
-              </a:rPr>
-              <a:t> den </a:t>
-            </a:r>
-            <a:r>
-              <a:rPr lang="en-US" b="1" dirty="0" err="1">
-                <a:latin typeface="Microsoft YaHei UI" panose="020B0503020204020204" pitchFamily="34" charset="-122"/>
-                <a:ea typeface="Microsoft YaHei UI" panose="020B0503020204020204" pitchFamily="34" charset="-122"/>
-              </a:rPr>
-              <a:t>meisten</a:t>
-            </a:r>
-            <a:r>
-              <a:rPr lang="en-US" b="1" dirty="0">
-                <a:latin typeface="Microsoft YaHei UI" panose="020B0503020204020204" pitchFamily="34" charset="-122"/>
-                <a:ea typeface="Microsoft YaHei UI" panose="020B0503020204020204" pitchFamily="34" charset="-122"/>
-              </a:rPr>
-              <a:t> Songs</a:t>
             </a:r>
             <a:endParaRPr lang="en-US" b="1" kern="1200" dirty="0">
               <a:solidFill>
@@ -12502,7 +12833,7 @@
           <p:nvPr>
             <p:extLst>
               <p:ext uri="{D42A27DB-BD31-4B8C-83A1-F6EECF244321}">
-                <p14:modId xmlns:p14="http://schemas.microsoft.com/office/powerpoint/2010/main" val="645429670"/>
+                <p14:modId xmlns:p14="http://schemas.microsoft.com/office/powerpoint/2010/main" val="1668827416"/>
               </p:ext>
             </p:extLst>
           </p:nvPr>
@@ -12517,16 +12848,166 @@
           </a:graphicData>
         </a:graphic>
       </p:graphicFrame>
+      <p:sp>
+        <p:nvSpPr>
+          <p:cNvPr id="6" name="TextBox 5">
+            <a:extLst>
+              <a:ext uri="{FF2B5EF4-FFF2-40B4-BE49-F238E27FC236}">
+                <a16:creationId xmlns:a16="http://schemas.microsoft.com/office/drawing/2014/main" id="{1B4182D1-D980-2471-4CA9-4FA971F48FDF}"/>
+              </a:ext>
+            </a:extLst>
+          </p:cNvPr>
+          <p:cNvSpPr txBox="1"/>
+          <p:nvPr/>
+        </p:nvSpPr>
+        <p:spPr>
+          <a:xfrm>
+            <a:off x="10241280" y="6207533"/>
+            <a:ext cx="1727200" cy="369332"/>
+          </a:xfrm>
+          <a:prstGeom prst="rect">
+            <a:avLst/>
+          </a:prstGeom>
+          <a:noFill/>
+        </p:spPr>
+        <p:txBody>
+          <a:bodyPr wrap="square" rtlCol="0">
+            <a:spAutoFit/>
+          </a:bodyPr>
+          <a:lstStyle/>
+          <a:p>
+            <a:r>
+              <a:rPr lang="de-DE" dirty="0"/>
+              <a:t>total = 19732</a:t>
+            </a:r>
+          </a:p>
+        </p:txBody>
+      </p:sp>
     </p:spTree>
     <p:extLst>
       <p:ext uri="{BB962C8B-B14F-4D97-AF65-F5344CB8AC3E}">
-        <p14:creationId xmlns:p14="http://schemas.microsoft.com/office/powerpoint/2010/main" val="3764129380"/>
+        <p14:creationId xmlns:p14="http://schemas.microsoft.com/office/powerpoint/2010/main" val="3760022512"/>
       </p:ext>
     </p:extLst>
   </p:cSld>
   <p:clrMapOvr>
     <a:masterClrMapping/>
   </p:clrMapOvr>
+  <mc:AlternateContent xmlns:mc="http://schemas.openxmlformats.org/markup-compatibility/2006">
+    <mc:Choice xmlns:p14="http://schemas.microsoft.com/office/powerpoint/2010/main" Requires="p14">
+      <p:transition spd="med" p14:dur="700">
+        <p:fade/>
+      </p:transition>
+    </mc:Choice>
+    <mc:Fallback>
+      <p:transition spd="med">
+        <p:fade/>
+      </p:transition>
+    </mc:Fallback>
+  </mc:AlternateContent>
+</p:sld>
+</file>
+
+<file path=ppt/slides/slide11.xml><?xml version="1.0" encoding="utf-8"?>
+<p:sld xmlns:a="http://schemas.openxmlformats.org/drawingml/2006/main" xmlns:r="http://schemas.openxmlformats.org/officeDocument/2006/relationships" xmlns:p="http://schemas.openxmlformats.org/presentationml/2006/main">
+  <p:cSld>
+    <p:spTree>
+      <p:nvGrpSpPr>
+        <p:cNvPr id="1" name=""/>
+        <p:cNvGrpSpPr/>
+        <p:nvPr/>
+      </p:nvGrpSpPr>
+      <p:grpSpPr>
+        <a:xfrm>
+          <a:off x="0" y="0"/>
+          <a:ext cx="0" cy="0"/>
+          <a:chOff x="0" y="0"/>
+          <a:chExt cx="0" cy="0"/>
+        </a:xfrm>
+      </p:grpSpPr>
+      <p:sp>
+        <p:nvSpPr>
+          <p:cNvPr id="2" name="Title 1">
+            <a:extLst>
+              <a:ext uri="{FF2B5EF4-FFF2-40B4-BE49-F238E27FC236}">
+                <a16:creationId xmlns:a16="http://schemas.microsoft.com/office/drawing/2014/main" id="{6F84A25C-831B-2218-D8AA-3772CF0C52A4}"/>
+              </a:ext>
+            </a:extLst>
+          </p:cNvPr>
+          <p:cNvSpPr>
+            <a:spLocks noGrp="1"/>
+          </p:cNvSpPr>
+          <p:nvPr>
+            <p:ph type="title"/>
+          </p:nvPr>
+        </p:nvSpPr>
+        <p:spPr/>
+        <p:txBody>
+          <a:bodyPr/>
+          <a:lstStyle/>
+          <a:p>
+            <a:pPr algn="ctr"/>
+            <a:r>
+              <a:rPr lang="de-DE" b="1" dirty="0">
+                <a:latin typeface="Microsoft YaHei UI" panose="020B0503020204020204" pitchFamily="34" charset="-122"/>
+                <a:ea typeface="Microsoft YaHei UI" panose="020B0503020204020204" pitchFamily="34" charset="-122"/>
+              </a:rPr>
+              <a:t>Eigenschaften beliebter Artisten</a:t>
+            </a:r>
+          </a:p>
+        </p:txBody>
+      </p:sp>
+      <p:pic>
+        <p:nvPicPr>
+          <p:cNvPr id="7" name="Content Placeholder 6" descr="Chart&#10;&#10;Description automatically generated">
+            <a:extLst>
+              <a:ext uri="{FF2B5EF4-FFF2-40B4-BE49-F238E27FC236}">
+                <a16:creationId xmlns:a16="http://schemas.microsoft.com/office/drawing/2014/main" id="{9BD64AD6-BCF8-DA60-3A97-F852DF038013}"/>
+              </a:ext>
+            </a:extLst>
+          </p:cNvPr>
+          <p:cNvPicPr>
+            <a:picLocks noGrp="1" noChangeAspect="1"/>
+          </p:cNvPicPr>
+          <p:nvPr>
+            <p:ph idx="1"/>
+          </p:nvPr>
+        </p:nvPicPr>
+        <p:blipFill>
+          <a:blip r:embed="rId3"/>
+          <a:stretch>
+            <a:fillRect/>
+          </a:stretch>
+        </p:blipFill>
+        <p:spPr>
+          <a:xfrm>
+            <a:off x="313889" y="2112882"/>
+            <a:ext cx="11564221" cy="2632236"/>
+          </a:xfrm>
+        </p:spPr>
+      </p:pic>
+    </p:spTree>
+    <p:extLst>
+      <p:ext uri="{BB962C8B-B14F-4D97-AF65-F5344CB8AC3E}">
+        <p14:creationId xmlns:p14="http://schemas.microsoft.com/office/powerpoint/2010/main" val="2499863780"/>
+      </p:ext>
+    </p:extLst>
+  </p:cSld>
+  <p:clrMapOvr>
+    <a:masterClrMapping/>
+  </p:clrMapOvr>
+  <mc:AlternateContent xmlns:mc="http://schemas.openxmlformats.org/markup-compatibility/2006">
+    <mc:Choice xmlns:p14="http://schemas.microsoft.com/office/powerpoint/2010/main" Requires="p14">
+      <p:transition spd="med" p14:dur="700">
+        <p:fade/>
+      </p:transition>
+    </mc:Choice>
+    <mc:Fallback>
+      <p:transition spd="med">
+        <p:fade/>
+      </p:transition>
+    </mc:Fallback>
+  </mc:AlternateContent>
 </p:sld>
 </file>
 
@@ -12577,6 +13058,157 @@
           <a:p>
             <a:pPr algn="ctr"/>
             <a:r>
+              <a:rPr lang="en-US" b="1" dirty="0" err="1">
+                <a:latin typeface="Microsoft YaHei UI" panose="020B0503020204020204" pitchFamily="34" charset="-122"/>
+                <a:ea typeface="Microsoft YaHei UI" panose="020B0503020204020204" pitchFamily="34" charset="-122"/>
+              </a:rPr>
+              <a:t>Artisten</a:t>
+            </a:r>
+            <a:r>
+              <a:rPr lang="en-US" b="1" dirty="0">
+                <a:latin typeface="Microsoft YaHei UI" panose="020B0503020204020204" pitchFamily="34" charset="-122"/>
+                <a:ea typeface="Microsoft YaHei UI" panose="020B0503020204020204" pitchFamily="34" charset="-122"/>
+              </a:rPr>
+              <a:t> </a:t>
+            </a:r>
+            <a:r>
+              <a:rPr lang="en-US" b="1" dirty="0" err="1">
+                <a:latin typeface="Microsoft YaHei UI" panose="020B0503020204020204" pitchFamily="34" charset="-122"/>
+                <a:ea typeface="Microsoft YaHei UI" panose="020B0503020204020204" pitchFamily="34" charset="-122"/>
+              </a:rPr>
+              <a:t>mit</a:t>
+            </a:r>
+            <a:r>
+              <a:rPr lang="en-US" b="1" dirty="0">
+                <a:latin typeface="Microsoft YaHei UI" panose="020B0503020204020204" pitchFamily="34" charset="-122"/>
+                <a:ea typeface="Microsoft YaHei UI" panose="020B0503020204020204" pitchFamily="34" charset="-122"/>
+              </a:rPr>
+              <a:t> den </a:t>
+            </a:r>
+            <a:r>
+              <a:rPr lang="en-US" b="1" dirty="0" err="1">
+                <a:latin typeface="Microsoft YaHei UI" panose="020B0503020204020204" pitchFamily="34" charset="-122"/>
+                <a:ea typeface="Microsoft YaHei UI" panose="020B0503020204020204" pitchFamily="34" charset="-122"/>
+              </a:rPr>
+              <a:t>meisten</a:t>
+            </a:r>
+            <a:r>
+              <a:rPr lang="en-US" b="1" dirty="0">
+                <a:latin typeface="Microsoft YaHei UI" panose="020B0503020204020204" pitchFamily="34" charset="-122"/>
+                <a:ea typeface="Microsoft YaHei UI" panose="020B0503020204020204" pitchFamily="34" charset="-122"/>
+              </a:rPr>
+              <a:t> Songs</a:t>
+            </a:r>
+            <a:endParaRPr lang="en-US" b="1" kern="1200" dirty="0">
+              <a:solidFill>
+                <a:schemeClr val="tx1"/>
+              </a:solidFill>
+              <a:latin typeface="Microsoft YaHei UI" panose="020B0503020204020204" pitchFamily="34" charset="-122"/>
+              <a:ea typeface="Microsoft YaHei UI" panose="020B0503020204020204" pitchFamily="34" charset="-122"/>
+            </a:endParaRPr>
+          </a:p>
+        </p:txBody>
+      </p:sp>
+      <p:graphicFrame>
+        <p:nvGraphicFramePr>
+          <p:cNvPr id="4" name="Chart 3">
+            <a:extLst>
+              <a:ext uri="{FF2B5EF4-FFF2-40B4-BE49-F238E27FC236}">
+                <a16:creationId xmlns:a16="http://schemas.microsoft.com/office/drawing/2014/main" id="{E5333BCA-A3D4-F8AD-6F0F-1CB1C9B581D0}"/>
+              </a:ext>
+            </a:extLst>
+          </p:cNvPr>
+          <p:cNvGraphicFramePr/>
+          <p:nvPr>
+            <p:extLst>
+              <p:ext uri="{D42A27DB-BD31-4B8C-83A1-F6EECF244321}">
+                <p14:modId xmlns:p14="http://schemas.microsoft.com/office/powerpoint/2010/main" val="645429670"/>
+              </p:ext>
+            </p:extLst>
+          </p:nvPr>
+        </p:nvGraphicFramePr>
+        <p:xfrm>
+          <a:off x="838201" y="1399032"/>
+          <a:ext cx="10515599" cy="4896698"/>
+        </p:xfrm>
+        <a:graphic>
+          <a:graphicData uri="http://schemas.openxmlformats.org/drawingml/2006/chart">
+            <c:chart xmlns:c="http://schemas.openxmlformats.org/drawingml/2006/chart" xmlns:r="http://schemas.openxmlformats.org/officeDocument/2006/relationships" r:id="rId3"/>
+          </a:graphicData>
+        </a:graphic>
+      </p:graphicFrame>
+    </p:spTree>
+    <p:extLst>
+      <p:ext uri="{BB962C8B-B14F-4D97-AF65-F5344CB8AC3E}">
+        <p14:creationId xmlns:p14="http://schemas.microsoft.com/office/powerpoint/2010/main" val="3764129380"/>
+      </p:ext>
+    </p:extLst>
+  </p:cSld>
+  <p:clrMapOvr>
+    <a:masterClrMapping/>
+  </p:clrMapOvr>
+  <mc:AlternateContent xmlns:mc="http://schemas.openxmlformats.org/markup-compatibility/2006">
+    <mc:Choice xmlns:p14="http://schemas.microsoft.com/office/powerpoint/2010/main" Requires="p14">
+      <p:transition spd="med" p14:dur="700">
+        <p:fade/>
+      </p:transition>
+    </mc:Choice>
+    <mc:Fallback>
+      <p:transition spd="med">
+        <p:fade/>
+      </p:transition>
+    </mc:Fallback>
+  </mc:AlternateContent>
+</p:sld>
+</file>
+
+<file path=ppt/slides/slide13.xml><?xml version="1.0" encoding="utf-8"?>
+<p:sld xmlns:a="http://schemas.openxmlformats.org/drawingml/2006/main" xmlns:r="http://schemas.openxmlformats.org/officeDocument/2006/relationships" xmlns:p="http://schemas.openxmlformats.org/presentationml/2006/main">
+  <p:cSld>
+    <p:spTree>
+      <p:nvGrpSpPr>
+        <p:cNvPr id="1" name=""/>
+        <p:cNvGrpSpPr/>
+        <p:nvPr/>
+      </p:nvGrpSpPr>
+      <p:grpSpPr>
+        <a:xfrm>
+          <a:off x="0" y="0"/>
+          <a:ext cx="0" cy="0"/>
+          <a:chOff x="0" y="0"/>
+          <a:chExt cx="0" cy="0"/>
+        </a:xfrm>
+      </p:grpSpPr>
+      <p:sp>
+        <p:nvSpPr>
+          <p:cNvPr id="2" name="Title 1">
+            <a:extLst>
+              <a:ext uri="{FF2B5EF4-FFF2-40B4-BE49-F238E27FC236}">
+                <a16:creationId xmlns:a16="http://schemas.microsoft.com/office/drawing/2014/main" id="{11C0C297-4A59-5C27-376B-01802D3104B3}"/>
+              </a:ext>
+            </a:extLst>
+          </p:cNvPr>
+          <p:cNvSpPr>
+            <a:spLocks noGrp="1"/>
+          </p:cNvSpPr>
+          <p:nvPr>
+            <p:ph type="title"/>
+          </p:nvPr>
+        </p:nvSpPr>
+        <p:spPr>
+          <a:xfrm>
+            <a:off x="838200" y="184805"/>
+            <a:ext cx="10515600" cy="1505883"/>
+          </a:xfrm>
+        </p:spPr>
+        <p:txBody>
+          <a:bodyPr vert="horz" lIns="91440" tIns="45720" rIns="91440" bIns="45720" rtlCol="0" anchor="ctr">
+            <a:normAutofit/>
+          </a:bodyPr>
+          <a:lstStyle/>
+          <a:p>
+            <a:pPr algn="ctr"/>
+            <a:r>
               <a:rPr lang="en-US" b="1" kern="1200" dirty="0" err="1">
                 <a:solidFill>
                   <a:schemeClr val="tx1"/>
@@ -12637,278 +13269,18 @@
   <p:clrMapOvr>
     <a:masterClrMapping/>
   </p:clrMapOvr>
-</p:sld>
-</file>
-
-<file path=ppt/slides/slide13.xml><?xml version="1.0" encoding="utf-8"?>
-<p:sld xmlns:a="http://schemas.openxmlformats.org/drawingml/2006/main" xmlns:r="http://schemas.openxmlformats.org/officeDocument/2006/relationships" xmlns:p="http://schemas.openxmlformats.org/presentationml/2006/main">
-  <p:cSld>
-    <p:spTree>
-      <p:nvGrpSpPr>
-        <p:cNvPr id="1" name=""/>
-        <p:cNvGrpSpPr/>
-        <p:nvPr/>
-      </p:nvGrpSpPr>
-      <p:grpSpPr>
-        <a:xfrm>
-          <a:off x="0" y="0"/>
-          <a:ext cx="0" cy="0"/>
-          <a:chOff x="0" y="0"/>
-          <a:chExt cx="0" cy="0"/>
-        </a:xfrm>
-      </p:grpSpPr>
-      <p:sp>
-        <p:nvSpPr>
-          <p:cNvPr id="2" name="Title 1">
-            <a:extLst>
-              <a:ext uri="{FF2B5EF4-FFF2-40B4-BE49-F238E27FC236}">
-                <a16:creationId xmlns:a16="http://schemas.microsoft.com/office/drawing/2014/main" id="{715EE076-C682-824A-568B-C674EEE88202}"/>
-              </a:ext>
-            </a:extLst>
-          </p:cNvPr>
-          <p:cNvSpPr>
-            <a:spLocks noGrp="1"/>
-          </p:cNvSpPr>
-          <p:nvPr>
-            <p:ph type="title"/>
-          </p:nvPr>
-        </p:nvSpPr>
-        <p:spPr>
-          <a:xfrm>
-            <a:off x="1234440" y="175264"/>
-            <a:ext cx="4627880" cy="1325563"/>
-          </a:xfrm>
-        </p:spPr>
-        <p:txBody>
-          <a:bodyPr/>
-          <a:lstStyle/>
-          <a:p>
-            <a:r>
-              <a:rPr lang="de-DE" b="1" dirty="0">
-                <a:latin typeface="Microsoft YaHei UI" panose="020B0503020204020204" pitchFamily="34" charset="-122"/>
-                <a:ea typeface="Microsoft YaHei UI" panose="020B0503020204020204" pitchFamily="34" charset="-122"/>
-              </a:rPr>
-              <a:t>Daten zu Songs</a:t>
-            </a:r>
-          </a:p>
-        </p:txBody>
-      </p:sp>
-      <p:sp>
-        <p:nvSpPr>
-          <p:cNvPr id="3" name="Content Placeholder 2">
-            <a:extLst>
-              <a:ext uri="{FF2B5EF4-FFF2-40B4-BE49-F238E27FC236}">
-                <a16:creationId xmlns:a16="http://schemas.microsoft.com/office/drawing/2014/main" id="{9B59CC0D-3754-A181-A9DB-E5E6E224D60C}"/>
-              </a:ext>
-            </a:extLst>
-          </p:cNvPr>
-          <p:cNvSpPr>
-            <a:spLocks noGrp="1"/>
-          </p:cNvSpPr>
-          <p:nvPr>
-            <p:ph idx="1"/>
-          </p:nvPr>
-        </p:nvSpPr>
-        <p:spPr>
-          <a:xfrm>
-            <a:off x="8001002" y="806772"/>
-            <a:ext cx="1783080" cy="694055"/>
-          </a:xfrm>
-        </p:spPr>
-        <p:txBody>
-          <a:bodyPr>
-            <a:normAutofit fontScale="92500"/>
-          </a:bodyPr>
-          <a:lstStyle/>
-          <a:p>
-            <a:pPr marL="0" indent="0">
-              <a:buNone/>
-            </a:pPr>
-            <a:r>
-              <a:rPr lang="de-DE" dirty="0"/>
-              <a:t>4 min 6 </a:t>
-            </a:r>
-            <a:r>
-              <a:rPr lang="de-DE" dirty="0" err="1"/>
-              <a:t>sek</a:t>
-            </a:r>
-            <a:endParaRPr lang="de-DE" dirty="0"/>
-          </a:p>
-        </p:txBody>
-      </p:sp>
-      <p:graphicFrame>
-        <p:nvGraphicFramePr>
-          <p:cNvPr id="4" name="Chart 3">
-            <a:extLst>
-              <a:ext uri="{FF2B5EF4-FFF2-40B4-BE49-F238E27FC236}">
-                <a16:creationId xmlns:a16="http://schemas.microsoft.com/office/drawing/2014/main" id="{A7E1B292-7251-7EFA-F7F0-9FB9981C9FAB}"/>
-              </a:ext>
-            </a:extLst>
-          </p:cNvPr>
-          <p:cNvGraphicFramePr/>
-          <p:nvPr>
-            <p:extLst>
-              <p:ext uri="{D42A27DB-BD31-4B8C-83A1-F6EECF244321}">
-                <p14:modId xmlns:p14="http://schemas.microsoft.com/office/powerpoint/2010/main" val="2964146911"/>
-              </p:ext>
-            </p:extLst>
-          </p:nvPr>
-        </p:nvGraphicFramePr>
-        <p:xfrm>
-          <a:off x="1066800" y="1059181"/>
-          <a:ext cx="3124200" cy="2842260"/>
-        </p:xfrm>
-        <a:graphic>
-          <a:graphicData uri="http://schemas.openxmlformats.org/drawingml/2006/chart">
-            <c:chart xmlns:c="http://schemas.openxmlformats.org/drawingml/2006/chart" xmlns:r="http://schemas.openxmlformats.org/officeDocument/2006/relationships" r:id="rId2"/>
-          </a:graphicData>
-        </a:graphic>
-      </p:graphicFrame>
-      <p:graphicFrame>
-        <p:nvGraphicFramePr>
-          <p:cNvPr id="5" name="Chart 4">
-            <a:extLst>
-              <a:ext uri="{FF2B5EF4-FFF2-40B4-BE49-F238E27FC236}">
-                <a16:creationId xmlns:a16="http://schemas.microsoft.com/office/drawing/2014/main" id="{9E5FCF05-2BAA-F001-11BC-52C295BB37D2}"/>
-              </a:ext>
-            </a:extLst>
-          </p:cNvPr>
-          <p:cNvGraphicFramePr/>
-          <p:nvPr>
-            <p:extLst>
-              <p:ext uri="{D42A27DB-BD31-4B8C-83A1-F6EECF244321}">
-                <p14:modId xmlns:p14="http://schemas.microsoft.com/office/powerpoint/2010/main" val="2874315273"/>
-              </p:ext>
-            </p:extLst>
-          </p:nvPr>
-        </p:nvGraphicFramePr>
-        <p:xfrm>
-          <a:off x="1066800" y="3736025"/>
-          <a:ext cx="3124200" cy="2969576"/>
-        </p:xfrm>
-        <a:graphic>
-          <a:graphicData uri="http://schemas.openxmlformats.org/drawingml/2006/chart">
-            <c:chart xmlns:c="http://schemas.openxmlformats.org/drawingml/2006/chart" xmlns:r="http://schemas.openxmlformats.org/officeDocument/2006/relationships" r:id="rId3"/>
-          </a:graphicData>
-        </a:graphic>
-      </p:graphicFrame>
-      <mc:AlternateContent xmlns:mc="http://schemas.openxmlformats.org/markup-compatibility/2006" xmlns:cx2="http://schemas.microsoft.com/office/drawing/2015/10/21/chartex">
-        <mc:Choice Requires="cx2">
-          <p:graphicFrame>
-            <p:nvGraphicFramePr>
-              <p:cNvPr id="7" name="Chart 6">
-                <a:extLst>
-                  <a:ext uri="{FF2B5EF4-FFF2-40B4-BE49-F238E27FC236}">
-                    <a16:creationId xmlns:a16="http://schemas.microsoft.com/office/drawing/2014/main" id="{2F80DBF6-D432-8817-079C-6C6B4C5C06AC}"/>
-                  </a:ext>
-                </a:extLst>
-              </p:cNvPr>
-              <p:cNvGraphicFramePr/>
-              <p:nvPr>
-                <p:extLst>
-                  <p:ext uri="{D42A27DB-BD31-4B8C-83A1-F6EECF244321}">
-                    <p14:modId xmlns:p14="http://schemas.microsoft.com/office/powerpoint/2010/main" val="3491018800"/>
-                  </p:ext>
-                </p:extLst>
-              </p:nvPr>
-            </p:nvGraphicFramePr>
-            <p:xfrm>
-              <a:off x="4191000" y="1736725"/>
-              <a:ext cx="7267577" cy="4538348"/>
-            </p:xfrm>
-            <a:graphic>
-              <a:graphicData uri="http://schemas.microsoft.com/office/drawing/2014/chartex">
-                <cx:chart xmlns:cx="http://schemas.microsoft.com/office/drawing/2014/chartex" xmlns:r="http://schemas.openxmlformats.org/officeDocument/2006/relationships" r:id="rId4"/>
-              </a:graphicData>
-            </a:graphic>
-          </p:graphicFrame>
-        </mc:Choice>
-        <mc:Fallback xmlns="">
-          <p:pic>
-            <p:nvPicPr>
-              <p:cNvPr id="7" name="Chart 6">
-                <a:extLst>
-                  <a:ext uri="{FF2B5EF4-FFF2-40B4-BE49-F238E27FC236}">
-                    <a16:creationId xmlns:a16="http://schemas.microsoft.com/office/drawing/2014/main" id="{2F80DBF6-D432-8817-079C-6C6B4C5C06AC}"/>
-                  </a:ext>
-                </a:extLst>
-              </p:cNvPr>
-              <p:cNvPicPr>
-                <a:picLocks noGrp="1" noRot="1" noChangeAspect="1" noMove="1" noResize="1" noEditPoints="1" noAdjustHandles="1" noChangeArrowheads="1" noChangeShapeType="1"/>
-              </p:cNvPicPr>
-              <p:nvPr/>
-            </p:nvPicPr>
-            <p:blipFill>
-              <a:blip r:embed="rId5"/>
-              <a:stretch>
-                <a:fillRect/>
-              </a:stretch>
-            </p:blipFill>
-            <p:spPr>
-              <a:xfrm>
-                <a:off x="4191000" y="1736725"/>
-                <a:ext cx="7267577" cy="4538348"/>
-              </a:xfrm>
-              <a:prstGeom prst="rect">
-                <a:avLst/>
-              </a:prstGeom>
-            </p:spPr>
-          </p:pic>
-        </mc:Fallback>
-      </mc:AlternateContent>
-      <p:cxnSp>
-        <p:nvCxnSpPr>
-          <p:cNvPr id="10" name="Straight Arrow Connector 9">
-            <a:extLst>
-              <a:ext uri="{FF2B5EF4-FFF2-40B4-BE49-F238E27FC236}">
-                <a16:creationId xmlns:a16="http://schemas.microsoft.com/office/drawing/2014/main" id="{597434BC-6203-F30C-DA85-3CD7F9482A8D}"/>
-              </a:ext>
-            </a:extLst>
-          </p:cNvPr>
-          <p:cNvCxnSpPr/>
-          <p:nvPr/>
-        </p:nvCxnSpPr>
-        <p:spPr>
-          <a:xfrm>
-            <a:off x="7343142" y="1366679"/>
-            <a:ext cx="3098800" cy="0"/>
-          </a:xfrm>
-          <a:prstGeom prst="straightConnector1">
-            <a:avLst/>
-          </a:prstGeom>
-          <a:ln w="73025">
-            <a:solidFill>
-              <a:srgbClr val="92D050"/>
-            </a:solidFill>
-            <a:headEnd type="triangle"/>
-            <a:tailEnd type="triangle"/>
-          </a:ln>
-        </p:spPr>
-        <p:style>
-          <a:lnRef idx="1">
-            <a:schemeClr val="accent1"/>
-          </a:lnRef>
-          <a:fillRef idx="0">
-            <a:schemeClr val="accent1"/>
-          </a:fillRef>
-          <a:effectRef idx="0">
-            <a:schemeClr val="accent1"/>
-          </a:effectRef>
-          <a:fontRef idx="minor">
-            <a:schemeClr val="tx1"/>
-          </a:fontRef>
-        </p:style>
-      </p:cxnSp>
-    </p:spTree>
-    <p:extLst>
-      <p:ext uri="{BB962C8B-B14F-4D97-AF65-F5344CB8AC3E}">
-        <p14:creationId xmlns:p14="http://schemas.microsoft.com/office/powerpoint/2010/main" val="584136043"/>
-      </p:ext>
-    </p:extLst>
-  </p:cSld>
-  <p:clrMapOvr>
-    <a:masterClrMapping/>
-  </p:clrMapOvr>
+  <mc:AlternateContent xmlns:mc="http://schemas.openxmlformats.org/markup-compatibility/2006">
+    <mc:Choice xmlns:p14="http://schemas.microsoft.com/office/powerpoint/2010/main" Requires="p14">
+      <p:transition spd="med" p14:dur="700">
+        <p:fade/>
+      </p:transition>
+    </mc:Choice>
+    <mc:Fallback>
+      <p:transition spd="med">
+        <p:fade/>
+      </p:transition>
+    </mc:Fallback>
+  </mc:AlternateContent>
 </p:sld>
 </file>
 
@@ -13004,6 +13376,18 @@
   <p:clrMapOvr>
     <a:masterClrMapping/>
   </p:clrMapOvr>
+  <mc:AlternateContent xmlns:mc="http://schemas.openxmlformats.org/markup-compatibility/2006">
+    <mc:Choice xmlns:p14="http://schemas.microsoft.com/office/powerpoint/2010/main" Requires="p14">
+      <p:transition spd="med" p14:dur="700">
+        <p:fade/>
+      </p:transition>
+    </mc:Choice>
+    <mc:Fallback>
+      <p:transition spd="med">
+        <p:fade/>
+      </p:transition>
+    </mc:Fallback>
+  </mc:AlternateContent>
 </p:sld>
 </file>
 
@@ -13110,6 +13494,18 @@
   <p:clrMapOvr>
     <a:masterClrMapping/>
   </p:clrMapOvr>
+  <mc:AlternateContent xmlns:mc="http://schemas.openxmlformats.org/markup-compatibility/2006">
+    <mc:Choice xmlns:p14="http://schemas.microsoft.com/office/powerpoint/2010/main" Requires="p14">
+      <p:transition spd="med" p14:dur="700">
+        <p:fade/>
+      </p:transition>
+    </mc:Choice>
+    <mc:Fallback>
+      <p:transition spd="med">
+        <p:fade/>
+      </p:transition>
+    </mc:Fallback>
+  </mc:AlternateContent>
 </p:sld>
 </file>
 
@@ -13163,6 +13559,923 @@
     <p:extLst>
       <p:ext uri="{BB962C8B-B14F-4D97-AF65-F5344CB8AC3E}">
         <p14:creationId xmlns:p14="http://schemas.microsoft.com/office/powerpoint/2010/main" val="2666489095"/>
+      </p:ext>
+    </p:extLst>
+  </p:cSld>
+  <p:clrMapOvr>
+    <a:masterClrMapping/>
+  </p:clrMapOvr>
+  <mc:AlternateContent xmlns:mc="http://schemas.openxmlformats.org/markup-compatibility/2006">
+    <mc:Choice xmlns:p14="http://schemas.microsoft.com/office/powerpoint/2010/main" Requires="p14">
+      <p:transition spd="med" p14:dur="700">
+        <p:fade/>
+      </p:transition>
+    </mc:Choice>
+    <mc:Fallback>
+      <p:transition spd="med">
+        <p:fade/>
+      </p:transition>
+    </mc:Fallback>
+  </mc:AlternateContent>
+</p:sld>
+</file>
+
+<file path=ppt/slides/slide17.xml><?xml version="1.0" encoding="utf-8"?>
+<p:sld xmlns:a="http://schemas.openxmlformats.org/drawingml/2006/main" xmlns:r="http://schemas.openxmlformats.org/officeDocument/2006/relationships" xmlns:p="http://schemas.openxmlformats.org/presentationml/2006/main">
+  <p:cSld>
+    <p:spTree>
+      <p:nvGrpSpPr>
+        <p:cNvPr id="1" name=""/>
+        <p:cNvGrpSpPr/>
+        <p:nvPr/>
+      </p:nvGrpSpPr>
+      <p:grpSpPr>
+        <a:xfrm>
+          <a:off x="0" y="0"/>
+          <a:ext cx="0" cy="0"/>
+          <a:chOff x="0" y="0"/>
+          <a:chExt cx="0" cy="0"/>
+        </a:xfrm>
+      </p:grpSpPr>
+      <p:sp>
+        <p:nvSpPr>
+          <p:cNvPr id="3" name="Content Placeholder 2">
+            <a:extLst>
+              <a:ext uri="{FF2B5EF4-FFF2-40B4-BE49-F238E27FC236}">
+                <a16:creationId xmlns:a16="http://schemas.microsoft.com/office/drawing/2014/main" id="{8227275D-083C-18C3-F51A-FAF297916130}"/>
+              </a:ext>
+            </a:extLst>
+          </p:cNvPr>
+          <p:cNvSpPr>
+            <a:spLocks noGrp="1"/>
+          </p:cNvSpPr>
+          <p:nvPr>
+            <p:ph idx="1"/>
+          </p:nvPr>
+        </p:nvSpPr>
+        <p:spPr>
+          <a:xfrm>
+            <a:off x="838200" y="342900"/>
+            <a:ext cx="10515600" cy="5834063"/>
+          </a:xfrm>
+        </p:spPr>
+        <p:txBody>
+          <a:bodyPr>
+            <a:normAutofit lnSpcReduction="10000"/>
+          </a:bodyPr>
+          <a:lstStyle/>
+          <a:p>
+            <a:r>
+              <a:rPr lang="de-DE" dirty="0" err="1"/>
+              <a:t>id</a:t>
+            </a:r>
+            <a:r>
+              <a:rPr lang="de-DE" dirty="0"/>
+              <a:t> - Spotify track ID</a:t>
+            </a:r>
+          </a:p>
+          <a:p>
+            <a:r>
+              <a:rPr lang="de-DE" dirty="0" err="1"/>
+              <a:t>name</a:t>
+            </a:r>
+            <a:r>
+              <a:rPr lang="de-DE" dirty="0"/>
+              <a:t> - Track title</a:t>
+            </a:r>
+          </a:p>
+          <a:p>
+            <a:r>
+              <a:rPr lang="de-DE" dirty="0" err="1"/>
+              <a:t>album</a:t>
+            </a:r>
+            <a:r>
+              <a:rPr lang="de-DE" dirty="0"/>
+              <a:t> - Album title</a:t>
+            </a:r>
+          </a:p>
+          <a:p>
+            <a:r>
+              <a:rPr lang="de-DE" dirty="0" err="1"/>
+              <a:t>album_id</a:t>
+            </a:r>
+            <a:r>
+              <a:rPr lang="de-DE" dirty="0"/>
+              <a:t> - Spotify </a:t>
+            </a:r>
+            <a:r>
+              <a:rPr lang="de-DE" dirty="0" err="1"/>
+              <a:t>album</a:t>
+            </a:r>
+            <a:r>
+              <a:rPr lang="de-DE" dirty="0"/>
+              <a:t> ID</a:t>
+            </a:r>
+          </a:p>
+          <a:p>
+            <a:r>
+              <a:rPr lang="de-DE" dirty="0" err="1"/>
+              <a:t>artists</a:t>
+            </a:r>
+            <a:r>
+              <a:rPr lang="de-DE" dirty="0"/>
+              <a:t> - List </a:t>
+            </a:r>
+            <a:r>
+              <a:rPr lang="de-DE" dirty="0" err="1"/>
+              <a:t>of</a:t>
+            </a:r>
+            <a:r>
+              <a:rPr lang="de-DE" dirty="0"/>
+              <a:t> </a:t>
+            </a:r>
+            <a:r>
+              <a:rPr lang="de-DE" dirty="0" err="1"/>
+              <a:t>artist</a:t>
+            </a:r>
+            <a:r>
+              <a:rPr lang="de-DE" dirty="0"/>
+              <a:t> </a:t>
+            </a:r>
+            <a:r>
+              <a:rPr lang="de-DE" dirty="0" err="1"/>
+              <a:t>names</a:t>
+            </a:r>
+            <a:endParaRPr lang="de-DE" dirty="0"/>
+          </a:p>
+          <a:p>
+            <a:r>
+              <a:rPr lang="de-DE" dirty="0" err="1"/>
+              <a:t>artist_ids</a:t>
+            </a:r>
+            <a:r>
+              <a:rPr lang="de-DE" dirty="0"/>
+              <a:t> - List </a:t>
+            </a:r>
+            <a:r>
+              <a:rPr lang="de-DE" dirty="0" err="1"/>
+              <a:t>of</a:t>
+            </a:r>
+            <a:r>
+              <a:rPr lang="de-DE" dirty="0"/>
+              <a:t> Spotify </a:t>
+            </a:r>
+            <a:r>
+              <a:rPr lang="de-DE" dirty="0" err="1"/>
+              <a:t>artist</a:t>
+            </a:r>
+            <a:r>
+              <a:rPr lang="de-DE" dirty="0"/>
+              <a:t> IDs</a:t>
+            </a:r>
+          </a:p>
+          <a:p>
+            <a:r>
+              <a:rPr lang="de-DE" dirty="0" err="1"/>
+              <a:t>track_number</a:t>
+            </a:r>
+            <a:r>
+              <a:rPr lang="de-DE" dirty="0"/>
+              <a:t> - Track </a:t>
+            </a:r>
+            <a:r>
+              <a:rPr lang="de-DE" dirty="0" err="1"/>
+              <a:t>number</a:t>
+            </a:r>
+            <a:endParaRPr lang="de-DE" dirty="0"/>
+          </a:p>
+          <a:p>
+            <a:r>
+              <a:rPr lang="de-DE" dirty="0" err="1"/>
+              <a:t>disc_number</a:t>
+            </a:r>
+            <a:r>
+              <a:rPr lang="de-DE" dirty="0"/>
+              <a:t> - Disc </a:t>
+            </a:r>
+            <a:r>
+              <a:rPr lang="de-DE" dirty="0" err="1"/>
+              <a:t>number</a:t>
+            </a:r>
+            <a:endParaRPr lang="de-DE" dirty="0"/>
+          </a:p>
+          <a:p>
+            <a:r>
+              <a:rPr lang="de-DE" dirty="0"/>
+              <a:t>explicit - </a:t>
+            </a:r>
+            <a:r>
+              <a:rPr lang="de-DE" dirty="0" err="1"/>
+              <a:t>Whether</a:t>
+            </a:r>
+            <a:r>
+              <a:rPr lang="de-DE" dirty="0"/>
+              <a:t> </a:t>
+            </a:r>
+            <a:r>
+              <a:rPr lang="de-DE" dirty="0" err="1"/>
+              <a:t>the</a:t>
+            </a:r>
+            <a:r>
+              <a:rPr lang="de-DE" dirty="0"/>
+              <a:t> </a:t>
+            </a:r>
+            <a:r>
+              <a:rPr lang="de-DE" dirty="0" err="1"/>
+              <a:t>song</a:t>
+            </a:r>
+            <a:r>
+              <a:rPr lang="de-DE" dirty="0"/>
+              <a:t> </a:t>
+            </a:r>
+            <a:r>
+              <a:rPr lang="de-DE" dirty="0" err="1"/>
+              <a:t>is</a:t>
+            </a:r>
+            <a:r>
+              <a:rPr lang="de-DE" dirty="0"/>
+              <a:t> explicit </a:t>
+            </a:r>
+            <a:r>
+              <a:rPr lang="de-DE" dirty="0" err="1"/>
+              <a:t>or</a:t>
+            </a:r>
+            <a:r>
+              <a:rPr lang="de-DE" dirty="0"/>
+              <a:t> not</a:t>
+            </a:r>
+          </a:p>
+          <a:p>
+            <a:r>
+              <a:rPr lang="de-DE" dirty="0" err="1"/>
+              <a:t>danceability</a:t>
+            </a:r>
+            <a:r>
+              <a:rPr lang="de-DE" dirty="0"/>
+              <a:t> - </a:t>
+            </a:r>
+            <a:r>
+              <a:rPr lang="de-DE" dirty="0" err="1"/>
+              <a:t>How</a:t>
+            </a:r>
+            <a:r>
+              <a:rPr lang="de-DE" dirty="0"/>
+              <a:t> </a:t>
+            </a:r>
+            <a:r>
+              <a:rPr lang="de-DE" dirty="0" err="1"/>
+              <a:t>suitable</a:t>
+            </a:r>
+            <a:r>
+              <a:rPr lang="de-DE" dirty="0"/>
+              <a:t> a track </a:t>
+            </a:r>
+            <a:r>
+              <a:rPr lang="de-DE" dirty="0" err="1"/>
+              <a:t>is</a:t>
+            </a:r>
+            <a:r>
+              <a:rPr lang="de-DE" dirty="0"/>
+              <a:t> </a:t>
+            </a:r>
+            <a:r>
+              <a:rPr lang="de-DE" dirty="0" err="1"/>
+              <a:t>for</a:t>
+            </a:r>
+            <a:r>
+              <a:rPr lang="de-DE" dirty="0"/>
+              <a:t> </a:t>
+            </a:r>
+            <a:r>
+              <a:rPr lang="de-DE" dirty="0" err="1"/>
+              <a:t>dancing</a:t>
+            </a:r>
+            <a:endParaRPr lang="de-DE" dirty="0"/>
+          </a:p>
+          <a:p>
+            <a:r>
+              <a:rPr lang="de-DE" dirty="0" err="1"/>
+              <a:t>energy</a:t>
+            </a:r>
+            <a:r>
+              <a:rPr lang="de-DE" dirty="0"/>
+              <a:t> - </a:t>
+            </a:r>
+            <a:r>
+              <a:rPr lang="de-DE" dirty="0" err="1"/>
+              <a:t>How</a:t>
+            </a:r>
+            <a:r>
+              <a:rPr lang="de-DE" dirty="0"/>
+              <a:t> </a:t>
+            </a:r>
+            <a:r>
+              <a:rPr lang="de-DE" dirty="0" err="1"/>
+              <a:t>intense</a:t>
+            </a:r>
+            <a:r>
+              <a:rPr lang="de-DE" dirty="0"/>
+              <a:t> and </a:t>
+            </a:r>
+            <a:r>
+              <a:rPr lang="de-DE" dirty="0" err="1"/>
+              <a:t>active</a:t>
+            </a:r>
+            <a:r>
+              <a:rPr lang="de-DE" dirty="0"/>
+              <a:t> a track </a:t>
+            </a:r>
+            <a:r>
+              <a:rPr lang="de-DE" dirty="0" err="1"/>
+              <a:t>is</a:t>
+            </a:r>
+            <a:endParaRPr lang="de-DE" dirty="0"/>
+          </a:p>
+          <a:p>
+            <a:r>
+              <a:rPr lang="de-DE" dirty="0" err="1"/>
+              <a:t>key</a:t>
+            </a:r>
+            <a:r>
+              <a:rPr lang="de-DE" dirty="0"/>
+              <a:t> - Overall </a:t>
+            </a:r>
+            <a:r>
+              <a:rPr lang="de-DE" dirty="0" err="1"/>
+              <a:t>key</a:t>
+            </a:r>
+            <a:r>
+              <a:rPr lang="de-DE" dirty="0"/>
+              <a:t> </a:t>
+            </a:r>
+            <a:r>
+              <a:rPr lang="de-DE" dirty="0" err="1"/>
+              <a:t>of</a:t>
+            </a:r>
+            <a:r>
+              <a:rPr lang="de-DE" dirty="0"/>
+              <a:t> </a:t>
+            </a:r>
+            <a:r>
+              <a:rPr lang="de-DE" dirty="0" err="1"/>
+              <a:t>the</a:t>
+            </a:r>
+            <a:r>
+              <a:rPr lang="de-DE" dirty="0"/>
+              <a:t> track</a:t>
+            </a:r>
+          </a:p>
+        </p:txBody>
+      </p:sp>
+    </p:spTree>
+    <p:extLst>
+      <p:ext uri="{BB962C8B-B14F-4D97-AF65-F5344CB8AC3E}">
+        <p14:creationId xmlns:p14="http://schemas.microsoft.com/office/powerpoint/2010/main" val="2083286492"/>
+      </p:ext>
+    </p:extLst>
+  </p:cSld>
+  <p:clrMapOvr>
+    <a:masterClrMapping/>
+  </p:clrMapOvr>
+</p:sld>
+</file>
+
+<file path=ppt/slides/slide18.xml><?xml version="1.0" encoding="utf-8"?>
+<p:sld xmlns:a="http://schemas.openxmlformats.org/drawingml/2006/main" xmlns:r="http://schemas.openxmlformats.org/officeDocument/2006/relationships" xmlns:p="http://schemas.openxmlformats.org/presentationml/2006/main">
+  <p:cSld>
+    <p:spTree>
+      <p:nvGrpSpPr>
+        <p:cNvPr id="1" name=""/>
+        <p:cNvGrpSpPr/>
+        <p:nvPr/>
+      </p:nvGrpSpPr>
+      <p:grpSpPr>
+        <a:xfrm>
+          <a:off x="0" y="0"/>
+          <a:ext cx="0" cy="0"/>
+          <a:chOff x="0" y="0"/>
+          <a:chExt cx="0" cy="0"/>
+        </a:xfrm>
+      </p:grpSpPr>
+      <p:sp>
+        <p:nvSpPr>
+          <p:cNvPr id="3" name="Content Placeholder 2">
+            <a:extLst>
+              <a:ext uri="{FF2B5EF4-FFF2-40B4-BE49-F238E27FC236}">
+                <a16:creationId xmlns:a16="http://schemas.microsoft.com/office/drawing/2014/main" id="{E51769E9-B138-C7E3-50DA-678DD4A5E66B}"/>
+              </a:ext>
+            </a:extLst>
+          </p:cNvPr>
+          <p:cNvSpPr>
+            <a:spLocks noGrp="1"/>
+          </p:cNvSpPr>
+          <p:nvPr>
+            <p:ph idx="1"/>
+          </p:nvPr>
+        </p:nvSpPr>
+        <p:spPr>
+          <a:xfrm>
+            <a:off x="838200" y="419100"/>
+            <a:ext cx="10515600" cy="5757863"/>
+          </a:xfrm>
+        </p:spPr>
+        <p:txBody>
+          <a:bodyPr>
+            <a:normAutofit fontScale="92500" lnSpcReduction="20000"/>
+          </a:bodyPr>
+          <a:lstStyle/>
+          <a:p>
+            <a:r>
+              <a:rPr lang="de-DE" dirty="0" err="1"/>
+              <a:t>loudness</a:t>
+            </a:r>
+            <a:r>
+              <a:rPr lang="de-DE" dirty="0"/>
+              <a:t> - Overall </a:t>
+            </a:r>
+            <a:r>
+              <a:rPr lang="de-DE" dirty="0" err="1"/>
+              <a:t>loudness</a:t>
+            </a:r>
+            <a:r>
+              <a:rPr lang="de-DE" dirty="0"/>
+              <a:t> </a:t>
+            </a:r>
+            <a:r>
+              <a:rPr lang="de-DE" dirty="0" err="1"/>
+              <a:t>of</a:t>
+            </a:r>
+            <a:r>
+              <a:rPr lang="de-DE" dirty="0"/>
+              <a:t> </a:t>
+            </a:r>
+            <a:r>
+              <a:rPr lang="de-DE" dirty="0" err="1"/>
+              <a:t>the</a:t>
+            </a:r>
+            <a:r>
+              <a:rPr lang="de-DE" dirty="0"/>
+              <a:t> track, in </a:t>
+            </a:r>
+            <a:r>
+              <a:rPr lang="de-DE" dirty="0" err="1"/>
+              <a:t>decibels</a:t>
+            </a:r>
+            <a:r>
+              <a:rPr lang="de-DE" dirty="0"/>
+              <a:t> (dB)</a:t>
+            </a:r>
+          </a:p>
+          <a:p>
+            <a:r>
+              <a:rPr lang="de-DE" dirty="0" err="1"/>
+              <a:t>mode</a:t>
+            </a:r>
+            <a:r>
+              <a:rPr lang="de-DE" dirty="0"/>
+              <a:t> - </a:t>
+            </a:r>
+            <a:r>
+              <a:rPr lang="de-DE" dirty="0" err="1"/>
+              <a:t>Whether</a:t>
+            </a:r>
+            <a:r>
+              <a:rPr lang="de-DE" dirty="0"/>
+              <a:t> </a:t>
+            </a:r>
+            <a:r>
+              <a:rPr lang="de-DE" dirty="0" err="1"/>
+              <a:t>the</a:t>
+            </a:r>
+            <a:r>
+              <a:rPr lang="de-DE" dirty="0"/>
+              <a:t> track </a:t>
+            </a:r>
+            <a:r>
+              <a:rPr lang="de-DE" dirty="0" err="1"/>
+              <a:t>is</a:t>
+            </a:r>
+            <a:r>
+              <a:rPr lang="de-DE" dirty="0"/>
+              <a:t> in </a:t>
+            </a:r>
+            <a:r>
+              <a:rPr lang="de-DE" dirty="0" err="1"/>
+              <a:t>major</a:t>
+            </a:r>
+            <a:r>
+              <a:rPr lang="de-DE" dirty="0"/>
+              <a:t> </a:t>
+            </a:r>
+            <a:r>
+              <a:rPr lang="de-DE" dirty="0" err="1"/>
+              <a:t>mode</a:t>
+            </a:r>
+            <a:r>
+              <a:rPr lang="de-DE" dirty="0"/>
+              <a:t> (1) </a:t>
+            </a:r>
+            <a:r>
+              <a:rPr lang="de-DE" dirty="0" err="1"/>
+              <a:t>or</a:t>
+            </a:r>
+            <a:r>
+              <a:rPr lang="de-DE" dirty="0"/>
+              <a:t> minor (0)</a:t>
+            </a:r>
+          </a:p>
+          <a:p>
+            <a:r>
+              <a:rPr lang="de-DE" dirty="0" err="1"/>
+              <a:t>speechiness</a:t>
+            </a:r>
+            <a:r>
+              <a:rPr lang="de-DE" dirty="0"/>
+              <a:t> - Proportion </a:t>
+            </a:r>
+            <a:r>
+              <a:rPr lang="de-DE" dirty="0" err="1"/>
+              <a:t>of</a:t>
+            </a:r>
+            <a:r>
+              <a:rPr lang="de-DE" dirty="0"/>
+              <a:t> spoken </a:t>
+            </a:r>
+            <a:r>
+              <a:rPr lang="de-DE" dirty="0" err="1"/>
+              <a:t>words</a:t>
+            </a:r>
+            <a:r>
+              <a:rPr lang="de-DE" dirty="0"/>
+              <a:t> in </a:t>
+            </a:r>
+            <a:r>
+              <a:rPr lang="de-DE" dirty="0" err="1"/>
+              <a:t>the</a:t>
+            </a:r>
+            <a:r>
+              <a:rPr lang="de-DE" dirty="0"/>
+              <a:t> track</a:t>
+            </a:r>
+          </a:p>
+          <a:p>
+            <a:r>
+              <a:rPr lang="de-DE" dirty="0" err="1"/>
+              <a:t>acousticness</a:t>
+            </a:r>
+            <a:r>
+              <a:rPr lang="de-DE" dirty="0"/>
+              <a:t> - Confidence </a:t>
+            </a:r>
+            <a:r>
+              <a:rPr lang="de-DE" dirty="0" err="1"/>
+              <a:t>measure</a:t>
+            </a:r>
+            <a:r>
+              <a:rPr lang="de-DE" dirty="0"/>
+              <a:t> </a:t>
+            </a:r>
+            <a:r>
+              <a:rPr lang="de-DE" dirty="0" err="1"/>
+              <a:t>of</a:t>
+            </a:r>
+            <a:r>
+              <a:rPr lang="de-DE" dirty="0"/>
+              <a:t> </a:t>
+            </a:r>
+            <a:r>
+              <a:rPr lang="de-DE" dirty="0" err="1"/>
+              <a:t>whether</a:t>
+            </a:r>
+            <a:r>
+              <a:rPr lang="de-DE" dirty="0"/>
+              <a:t> a track </a:t>
+            </a:r>
+            <a:r>
+              <a:rPr lang="de-DE" dirty="0" err="1"/>
+              <a:t>is</a:t>
+            </a:r>
+            <a:r>
+              <a:rPr lang="de-DE" dirty="0"/>
+              <a:t> </a:t>
+            </a:r>
+            <a:r>
+              <a:rPr lang="de-DE" dirty="0" err="1"/>
+              <a:t>acoustic</a:t>
+            </a:r>
+            <a:endParaRPr lang="de-DE" dirty="0"/>
+          </a:p>
+          <a:p>
+            <a:r>
+              <a:rPr lang="de-DE" dirty="0" err="1"/>
+              <a:t>instrumentalness</a:t>
+            </a:r>
+            <a:r>
+              <a:rPr lang="de-DE" dirty="0"/>
+              <a:t> - Proportion </a:t>
+            </a:r>
+            <a:r>
+              <a:rPr lang="de-DE" dirty="0" err="1"/>
+              <a:t>of</a:t>
+            </a:r>
+            <a:r>
+              <a:rPr lang="de-DE" dirty="0"/>
+              <a:t> instrumental </a:t>
+            </a:r>
+            <a:r>
+              <a:rPr lang="de-DE" dirty="0" err="1"/>
+              <a:t>parts</a:t>
+            </a:r>
+            <a:r>
+              <a:rPr lang="de-DE" dirty="0"/>
+              <a:t> in a track</a:t>
+            </a:r>
+          </a:p>
+          <a:p>
+            <a:r>
+              <a:rPr lang="de-DE" dirty="0" err="1"/>
+              <a:t>liveness</a:t>
+            </a:r>
+            <a:r>
+              <a:rPr lang="de-DE" dirty="0"/>
+              <a:t> - </a:t>
+            </a:r>
+            <a:r>
+              <a:rPr lang="de-DE" dirty="0" err="1"/>
+              <a:t>Detects</a:t>
+            </a:r>
+            <a:r>
+              <a:rPr lang="de-DE" dirty="0"/>
+              <a:t> live </a:t>
+            </a:r>
+            <a:r>
+              <a:rPr lang="de-DE" dirty="0" err="1"/>
+              <a:t>audience</a:t>
+            </a:r>
+            <a:r>
+              <a:rPr lang="de-DE" dirty="0"/>
+              <a:t> in a track. </a:t>
+            </a:r>
+            <a:r>
+              <a:rPr lang="de-DE" dirty="0" err="1"/>
+              <a:t>Represents</a:t>
+            </a:r>
+            <a:r>
+              <a:rPr lang="de-DE" dirty="0"/>
+              <a:t> </a:t>
+            </a:r>
+            <a:r>
+              <a:rPr lang="de-DE" dirty="0" err="1"/>
+              <a:t>the</a:t>
+            </a:r>
+            <a:r>
+              <a:rPr lang="de-DE" dirty="0"/>
+              <a:t> </a:t>
+            </a:r>
+            <a:r>
+              <a:rPr lang="de-DE" dirty="0" err="1"/>
+              <a:t>probability</a:t>
+            </a:r>
+            <a:r>
+              <a:rPr lang="de-DE" dirty="0"/>
+              <a:t> </a:t>
+            </a:r>
+            <a:r>
+              <a:rPr lang="de-DE" dirty="0" err="1"/>
+              <a:t>that</a:t>
+            </a:r>
+            <a:r>
+              <a:rPr lang="de-DE" dirty="0"/>
+              <a:t> a track was </a:t>
+            </a:r>
+            <a:r>
+              <a:rPr lang="de-DE" dirty="0" err="1"/>
+              <a:t>performed</a:t>
+            </a:r>
+            <a:r>
+              <a:rPr lang="de-DE" dirty="0"/>
+              <a:t> live</a:t>
+            </a:r>
+          </a:p>
+          <a:p>
+            <a:r>
+              <a:rPr lang="de-DE" dirty="0" err="1"/>
+              <a:t>valence</a:t>
+            </a:r>
+            <a:r>
+              <a:rPr lang="de-DE" dirty="0"/>
+              <a:t> - </a:t>
+            </a:r>
+            <a:r>
+              <a:rPr lang="de-DE" dirty="0" err="1"/>
+              <a:t>Measures</a:t>
+            </a:r>
+            <a:r>
+              <a:rPr lang="de-DE" dirty="0"/>
+              <a:t> </a:t>
+            </a:r>
+            <a:r>
+              <a:rPr lang="de-DE" dirty="0" err="1"/>
+              <a:t>how</a:t>
+            </a:r>
+            <a:r>
+              <a:rPr lang="de-DE" dirty="0"/>
+              <a:t> positive a track </a:t>
+            </a:r>
+            <a:r>
+              <a:rPr lang="de-DE" dirty="0" err="1"/>
+              <a:t>sounds</a:t>
+            </a:r>
+            <a:r>
+              <a:rPr lang="de-DE" dirty="0"/>
+              <a:t>, </a:t>
+            </a:r>
+            <a:r>
+              <a:rPr lang="de-DE" dirty="0" err="1"/>
+              <a:t>from</a:t>
+            </a:r>
+            <a:r>
+              <a:rPr lang="de-DE" dirty="0"/>
+              <a:t> 1 (</a:t>
+            </a:r>
+            <a:r>
+              <a:rPr lang="de-DE" dirty="0" err="1"/>
+              <a:t>extremely</a:t>
+            </a:r>
+            <a:r>
+              <a:rPr lang="de-DE" dirty="0"/>
+              <a:t> positive) </a:t>
+            </a:r>
+            <a:r>
+              <a:rPr lang="de-DE" dirty="0" err="1"/>
+              <a:t>to</a:t>
+            </a:r>
+            <a:r>
+              <a:rPr lang="de-DE" dirty="0"/>
+              <a:t> 0 (</a:t>
+            </a:r>
+            <a:r>
+              <a:rPr lang="de-DE" dirty="0" err="1"/>
+              <a:t>extremely</a:t>
+            </a:r>
+            <a:r>
+              <a:rPr lang="de-DE" dirty="0"/>
+              <a:t> negative)</a:t>
+            </a:r>
+          </a:p>
+          <a:p>
+            <a:r>
+              <a:rPr lang="de-DE" dirty="0"/>
+              <a:t>tempo - Overall tempo </a:t>
+            </a:r>
+            <a:r>
+              <a:rPr lang="de-DE" dirty="0" err="1"/>
+              <a:t>of</a:t>
+            </a:r>
+            <a:r>
+              <a:rPr lang="de-DE" dirty="0"/>
+              <a:t> a track, in </a:t>
+            </a:r>
+            <a:r>
+              <a:rPr lang="de-DE" dirty="0" err="1"/>
+              <a:t>beats</a:t>
+            </a:r>
+            <a:r>
+              <a:rPr lang="de-DE" dirty="0"/>
+              <a:t> per </a:t>
+            </a:r>
+            <a:r>
+              <a:rPr lang="de-DE" dirty="0" err="1"/>
+              <a:t>minute</a:t>
+            </a:r>
+            <a:r>
+              <a:rPr lang="de-DE" dirty="0"/>
+              <a:t> (BPM)</a:t>
+            </a:r>
+          </a:p>
+          <a:p>
+            <a:r>
+              <a:rPr lang="de-DE" dirty="0" err="1"/>
+              <a:t>duration_ms</a:t>
+            </a:r>
+            <a:r>
+              <a:rPr lang="de-DE" dirty="0"/>
+              <a:t> - Duration </a:t>
+            </a:r>
+            <a:r>
+              <a:rPr lang="de-DE" dirty="0" err="1"/>
+              <a:t>of</a:t>
+            </a:r>
+            <a:r>
+              <a:rPr lang="de-DE" dirty="0"/>
+              <a:t> a track, in </a:t>
+            </a:r>
+            <a:r>
+              <a:rPr lang="de-DE" dirty="0" err="1"/>
+              <a:t>milliseconds</a:t>
+            </a:r>
+            <a:r>
+              <a:rPr lang="de-DE" dirty="0"/>
+              <a:t> (</a:t>
+            </a:r>
+            <a:r>
+              <a:rPr lang="de-DE" dirty="0" err="1"/>
+              <a:t>ms</a:t>
+            </a:r>
+            <a:r>
+              <a:rPr lang="de-DE" dirty="0"/>
+              <a:t>)</a:t>
+            </a:r>
+          </a:p>
+          <a:p>
+            <a:r>
+              <a:rPr lang="de-DE" dirty="0" err="1"/>
+              <a:t>time_signature</a:t>
+            </a:r>
+            <a:r>
+              <a:rPr lang="de-DE" dirty="0"/>
+              <a:t> - Overall time </a:t>
+            </a:r>
+            <a:r>
+              <a:rPr lang="de-DE" dirty="0" err="1"/>
+              <a:t>signature</a:t>
+            </a:r>
+            <a:r>
+              <a:rPr lang="de-DE" dirty="0"/>
+              <a:t> </a:t>
+            </a:r>
+            <a:r>
+              <a:rPr lang="de-DE" dirty="0" err="1"/>
+              <a:t>of</a:t>
+            </a:r>
+            <a:r>
+              <a:rPr lang="de-DE" dirty="0"/>
+              <a:t> a track</a:t>
+            </a:r>
+          </a:p>
+          <a:p>
+            <a:r>
+              <a:rPr lang="de-DE" dirty="0" err="1"/>
+              <a:t>year</a:t>
+            </a:r>
+            <a:r>
+              <a:rPr lang="de-DE" dirty="0"/>
+              <a:t> - Release date </a:t>
+            </a:r>
+            <a:r>
+              <a:rPr lang="de-DE" dirty="0" err="1"/>
+              <a:t>of</a:t>
+            </a:r>
+            <a:r>
+              <a:rPr lang="de-DE" dirty="0"/>
+              <a:t> a track</a:t>
+            </a:r>
+          </a:p>
+          <a:p>
+            <a:r>
+              <a:rPr lang="de-DE" dirty="0" err="1"/>
+              <a:t>release_date</a:t>
+            </a:r>
+            <a:r>
+              <a:rPr lang="de-DE" dirty="0"/>
+              <a:t> - </a:t>
+            </a:r>
+            <a:r>
+              <a:rPr lang="de-DE" dirty="0" err="1"/>
+              <a:t>Full</a:t>
+            </a:r>
+            <a:r>
+              <a:rPr lang="de-DE" dirty="0"/>
+              <a:t> release date </a:t>
+            </a:r>
+            <a:r>
+              <a:rPr lang="de-DE" dirty="0" err="1"/>
+              <a:t>of</a:t>
+            </a:r>
+            <a:r>
+              <a:rPr lang="de-DE" dirty="0"/>
+              <a:t> a track, </a:t>
+            </a:r>
+            <a:r>
+              <a:rPr lang="de-DE" dirty="0" err="1"/>
+              <a:t>usually</a:t>
+            </a:r>
+            <a:r>
+              <a:rPr lang="de-DE" dirty="0"/>
+              <a:t> in YYYY-MM-DD </a:t>
+            </a:r>
+            <a:r>
+              <a:rPr lang="de-DE" dirty="0" err="1"/>
+              <a:t>format</a:t>
+            </a:r>
+            <a:endParaRPr lang="de-DE" dirty="0"/>
+          </a:p>
+        </p:txBody>
+      </p:sp>
+    </p:spTree>
+    <p:extLst>
+      <p:ext uri="{BB962C8B-B14F-4D97-AF65-F5344CB8AC3E}">
+        <p14:creationId xmlns:p14="http://schemas.microsoft.com/office/powerpoint/2010/main" val="3055817783"/>
       </p:ext>
     </p:extLst>
   </p:cSld>
@@ -14307,6 +15620,18 @@
   <p:clrMapOvr>
     <a:masterClrMapping/>
   </p:clrMapOvr>
+  <mc:AlternateContent xmlns:mc="http://schemas.openxmlformats.org/markup-compatibility/2006">
+    <mc:Choice xmlns:p14="http://schemas.microsoft.com/office/powerpoint/2010/main" Requires="p14">
+      <p:transition spd="med" p14:dur="700">
+        <p:fade/>
+      </p:transition>
+    </mc:Choice>
+    <mc:Fallback>
+      <p:transition spd="med">
+        <p:fade/>
+      </p:transition>
+    </mc:Fallback>
+  </mc:AlternateContent>
 </p:sld>
 </file>
 
@@ -14374,7 +15699,7 @@
           <p:nvPr/>
         </p:nvPicPr>
         <p:blipFill>
-          <a:blip r:embed="rId2"/>
+          <a:blip r:embed="rId3"/>
           <a:stretch>
             <a:fillRect/>
           </a:stretch>
@@ -14411,7 +15736,7 @@
           <p:nvPr/>
         </p:nvPicPr>
         <p:blipFill>
-          <a:blip r:embed="rId3"/>
+          <a:blip r:embed="rId4"/>
           <a:stretch>
             <a:fillRect/>
           </a:stretch>
@@ -14443,6 +15768,18 @@
   <p:clrMapOvr>
     <a:masterClrMapping/>
   </p:clrMapOvr>
+  <mc:AlternateContent xmlns:mc="http://schemas.openxmlformats.org/markup-compatibility/2006">
+    <mc:Choice xmlns:p14="http://schemas.microsoft.com/office/powerpoint/2010/main" Requires="p14">
+      <p:transition spd="med" p14:dur="700">
+        <p:fade/>
+      </p:transition>
+    </mc:Choice>
+    <mc:Fallback>
+      <p:transition spd="med">
+        <p:fade/>
+      </p:transition>
+    </mc:Fallback>
+  </mc:AlternateContent>
 </p:sld>
 </file>
 
@@ -14510,7 +15847,7 @@
           <p:nvPr/>
         </p:nvPicPr>
         <p:blipFill rotWithShape="1">
-          <a:blip r:embed="rId2">
+          <a:blip r:embed="rId3">
             <a:extLst>
               <a:ext uri="{28A0092B-C50C-407E-A947-70E740481C1C}">
                 <a14:useLocalDpi xmlns:a14="http://schemas.microsoft.com/office/drawing/2010/main" val="0"/>
@@ -14643,7 +15980,7 @@
           <p:nvPr/>
         </p:nvPicPr>
         <p:blipFill>
-          <a:blip r:embed="rId3"/>
+          <a:blip r:embed="rId4"/>
           <a:stretch>
             <a:fillRect/>
           </a:stretch>
@@ -14673,7 +16010,7 @@
           <p:nvPr/>
         </p:nvPicPr>
         <p:blipFill>
-          <a:blip r:embed="rId4"/>
+          <a:blip r:embed="rId5"/>
           <a:stretch>
             <a:fillRect/>
           </a:stretch>
@@ -14698,6 +16035,18 @@
   <p:clrMapOvr>
     <a:masterClrMapping/>
   </p:clrMapOvr>
+  <mc:AlternateContent xmlns:mc="http://schemas.openxmlformats.org/markup-compatibility/2006">
+    <mc:Choice xmlns:p14="http://schemas.microsoft.com/office/powerpoint/2010/main" Requires="p14">
+      <p:transition spd="med" p14:dur="700">
+        <p:fade/>
+      </p:transition>
+    </mc:Choice>
+    <mc:Fallback>
+      <p:transition spd="med">
+        <p:fade/>
+      </p:transition>
+    </mc:Fallback>
+  </mc:AlternateContent>
 </p:sld>
 </file>
 
@@ -14904,6 +16253,18 @@
   <p:clrMapOvr>
     <a:masterClrMapping/>
   </p:clrMapOvr>
+  <mc:AlternateContent xmlns:mc="http://schemas.openxmlformats.org/markup-compatibility/2006">
+    <mc:Choice xmlns:p14="http://schemas.microsoft.com/office/powerpoint/2010/main" Requires="p14">
+      <p:transition spd="med" p14:dur="700">
+        <p:fade/>
+      </p:transition>
+    </mc:Choice>
+    <mc:Fallback>
+      <p:transition spd="med">
+        <p:fade/>
+      </p:transition>
+    </mc:Fallback>
+  </mc:AlternateContent>
 </p:sld>
 </file>
 
@@ -16584,6 +17945,18 @@
   <p:clrMapOvr>
     <a:masterClrMapping/>
   </p:clrMapOvr>
+  <mc:AlternateContent xmlns:mc="http://schemas.openxmlformats.org/markup-compatibility/2006">
+    <mc:Choice xmlns:p14="http://schemas.microsoft.com/office/powerpoint/2010/main" Requires="p14">
+      <p:transition spd="med" p14:dur="700">
+        <p:fade/>
+      </p:transition>
+    </mc:Choice>
+    <mc:Fallback>
+      <p:transition spd="med">
+        <p:fade/>
+      </p:transition>
+    </mc:Fallback>
+  </mc:AlternateContent>
 </p:sld>
 </file>
 
@@ -18897,6 +20270,18 @@
   <p:clrMapOvr>
     <a:masterClrMapping/>
   </p:clrMapOvr>
+  <mc:AlternateContent xmlns:mc="http://schemas.openxmlformats.org/markup-compatibility/2006">
+    <mc:Choice xmlns:p14="http://schemas.microsoft.com/office/powerpoint/2010/main" Requires="p14">
+      <p:transition spd="med" p14:dur="700">
+        <p:fade/>
+      </p:transition>
+    </mc:Choice>
+    <mc:Fallback>
+      <p:transition spd="med">
+        <p:fade/>
+      </p:transition>
+    </mc:Fallback>
+  </mc:AlternateContent>
 </p:sld>
 </file>
 
@@ -19426,20 +20811,24 @@
   <p:clrMapOvr>
     <a:masterClrMapping/>
   </p:clrMapOvr>
+  <mc:AlternateContent xmlns:mc="http://schemas.openxmlformats.org/markup-compatibility/2006">
+    <mc:Choice xmlns:p14="http://schemas.microsoft.com/office/powerpoint/2010/main" Requires="p14">
+      <p:transition spd="med" p14:dur="700">
+        <p:fade/>
+      </p:transition>
+    </mc:Choice>
+    <mc:Fallback>
+      <p:transition spd="med">
+        <p:fade/>
+      </p:transition>
+    </mc:Fallback>
+  </mc:AlternateContent>
 </p:sld>
 </file>
 
 <file path=ppt/slides/slide9.xml><?xml version="1.0" encoding="utf-8"?>
 <p:sld xmlns:a="http://schemas.openxmlformats.org/drawingml/2006/main" xmlns:r="http://schemas.openxmlformats.org/officeDocument/2006/relationships" xmlns:p="http://schemas.openxmlformats.org/presentationml/2006/main">
   <p:cSld>
-    <p:bg>
-      <p:bgPr>
-        <a:solidFill>
-          <a:schemeClr val="bg1"/>
-        </a:solidFill>
-        <a:effectLst/>
-      </p:bgPr>
-    </p:bg>
     <p:spTree>
       <p:nvGrpSpPr>
         <p:cNvPr id="1" name=""/>
@@ -19459,7 +20848,7 @@
           <p:cNvPr id="2" name="Title 1">
             <a:extLst>
               <a:ext uri="{FF2B5EF4-FFF2-40B4-BE49-F238E27FC236}">
-                <a16:creationId xmlns:a16="http://schemas.microsoft.com/office/drawing/2014/main" id="{11C0C297-4A59-5C27-376B-01802D3104B3}"/>
+                <a16:creationId xmlns:a16="http://schemas.microsoft.com/office/drawing/2014/main" id="{715EE076-C682-824A-568B-C674EEE88202}"/>
               </a:ext>
             </a:extLst>
           </p:cNvPr>
@@ -19472,54 +20861,64 @@
         </p:nvSpPr>
         <p:spPr>
           <a:xfrm>
-            <a:off x="838200" y="184805"/>
-            <a:ext cx="10515600" cy="1505883"/>
+            <a:off x="1234440" y="175264"/>
+            <a:ext cx="4627880" cy="1325563"/>
           </a:xfrm>
         </p:spPr>
         <p:txBody>
-          <a:bodyPr vert="horz" lIns="91440" tIns="45720" rIns="91440" bIns="45720" rtlCol="0" anchor="ctr">
-            <a:normAutofit/>
+          <a:bodyPr/>
+          <a:lstStyle/>
+          <a:p>
+            <a:r>
+              <a:rPr lang="de-DE" b="1" dirty="0">
+                <a:latin typeface="Microsoft YaHei UI" panose="020B0503020204020204" pitchFamily="34" charset="-122"/>
+                <a:ea typeface="Microsoft YaHei UI" panose="020B0503020204020204" pitchFamily="34" charset="-122"/>
+              </a:rPr>
+              <a:t>Daten zu Songs</a:t>
+            </a:r>
+          </a:p>
+        </p:txBody>
+      </p:sp>
+      <p:sp>
+        <p:nvSpPr>
+          <p:cNvPr id="3" name="Content Placeholder 2">
+            <a:extLst>
+              <a:ext uri="{FF2B5EF4-FFF2-40B4-BE49-F238E27FC236}">
+                <a16:creationId xmlns:a16="http://schemas.microsoft.com/office/drawing/2014/main" id="{9B59CC0D-3754-A181-A9DB-E5E6E224D60C}"/>
+              </a:ext>
+            </a:extLst>
+          </p:cNvPr>
+          <p:cNvSpPr>
+            <a:spLocks noGrp="1"/>
+          </p:cNvSpPr>
+          <p:nvPr>
+            <p:ph idx="1"/>
+          </p:nvPr>
+        </p:nvSpPr>
+        <p:spPr>
+          <a:xfrm>
+            <a:off x="8001002" y="806772"/>
+            <a:ext cx="1783080" cy="694055"/>
+          </a:xfrm>
+        </p:spPr>
+        <p:txBody>
+          <a:bodyPr>
+            <a:normAutofit fontScale="92500"/>
           </a:bodyPr>
           <a:lstStyle/>
           <a:p>
-            <a:pPr algn="ctr"/>
-            <a:r>
-              <a:rPr lang="en-US" b="1" kern="1200" dirty="0" err="1">
-                <a:solidFill>
-                  <a:schemeClr val="tx1"/>
-                </a:solidFill>
-                <a:latin typeface="Microsoft YaHei UI" panose="020B0503020204020204" pitchFamily="34" charset="-122"/>
-                <a:ea typeface="Microsoft YaHei UI" panose="020B0503020204020204" pitchFamily="34" charset="-122"/>
-              </a:rPr>
-              <a:t>Beliebtheit</a:t>
-            </a:r>
-            <a:r>
-              <a:rPr lang="en-US" b="1" kern="1200" dirty="0">
-                <a:solidFill>
-                  <a:schemeClr val="tx1"/>
-                </a:solidFill>
-                <a:latin typeface="Microsoft YaHei UI" panose="020B0503020204020204" pitchFamily="34" charset="-122"/>
-                <a:ea typeface="Microsoft YaHei UI" panose="020B0503020204020204" pitchFamily="34" charset="-122"/>
-              </a:rPr>
-              <a:t> von </a:t>
-            </a:r>
-            <a:r>
-              <a:rPr lang="en-US" b="1" kern="1200" dirty="0" err="1">
-                <a:solidFill>
-                  <a:schemeClr val="tx1"/>
-                </a:solidFill>
-                <a:latin typeface="Microsoft YaHei UI" panose="020B0503020204020204" pitchFamily="34" charset="-122"/>
-                <a:ea typeface="Microsoft YaHei UI" panose="020B0503020204020204" pitchFamily="34" charset="-122"/>
-              </a:rPr>
-              <a:t>Artisten</a:t>
-            </a:r>
-            <a:endParaRPr lang="en-US" b="1" kern="1200" dirty="0">
-              <a:solidFill>
-                <a:schemeClr val="tx1"/>
-              </a:solidFill>
-              <a:latin typeface="Microsoft YaHei UI" panose="020B0503020204020204" pitchFamily="34" charset="-122"/>
-              <a:ea typeface="Microsoft YaHei UI" panose="020B0503020204020204" pitchFamily="34" charset="-122"/>
-            </a:endParaRPr>
+            <a:pPr marL="0" indent="0">
+              <a:buNone/>
+            </a:pPr>
+            <a:r>
+              <a:rPr lang="de-DE" dirty="0"/>
+              <a:t>4 min 6 </a:t>
+            </a:r>
+            <a:r>
+              <a:rPr lang="de-DE" dirty="0" err="1"/>
+              <a:t>sek</a:t>
+            </a:r>
+            <a:endParaRPr lang="de-DE" dirty="0"/>
           </a:p>
         </p:txBody>
       </p:sp>
@@ -19528,7 +20927,7 @@
           <p:cNvPr id="4" name="Chart 3">
             <a:extLst>
               <a:ext uri="{FF2B5EF4-FFF2-40B4-BE49-F238E27FC236}">
-                <a16:creationId xmlns:a16="http://schemas.microsoft.com/office/drawing/2014/main" id="{E5333BCA-A3D4-F8AD-6F0F-1CB1C9B581D0}"/>
+                <a16:creationId xmlns:a16="http://schemas.microsoft.com/office/drawing/2014/main" id="{A7E1B292-7251-7EFA-F7F0-9FB9981C9FAB}"/>
               </a:ext>
             </a:extLst>
           </p:cNvPr>
@@ -19536,14 +20935,42 @@
           <p:nvPr>
             <p:extLst>
               <p:ext uri="{D42A27DB-BD31-4B8C-83A1-F6EECF244321}">
-                <p14:modId xmlns:p14="http://schemas.microsoft.com/office/powerpoint/2010/main" val="1668827416"/>
+                <p14:modId xmlns:p14="http://schemas.microsoft.com/office/powerpoint/2010/main" val="2964146911"/>
               </p:ext>
             </p:extLst>
           </p:nvPr>
         </p:nvGraphicFramePr>
         <p:xfrm>
-          <a:off x="838201" y="1399032"/>
-          <a:ext cx="10515599" cy="4896698"/>
+          <a:off x="1066800" y="1059181"/>
+          <a:ext cx="3124200" cy="2842260"/>
+        </p:xfrm>
+        <a:graphic>
+          <a:graphicData uri="http://schemas.openxmlformats.org/drawingml/2006/chart">
+            <c:chart xmlns:c="http://schemas.openxmlformats.org/drawingml/2006/chart" xmlns:r="http://schemas.openxmlformats.org/officeDocument/2006/relationships" r:id="rId2"/>
+          </a:graphicData>
+        </a:graphic>
+      </p:graphicFrame>
+      <p:graphicFrame>
+        <p:nvGraphicFramePr>
+          <p:cNvPr id="5" name="Chart 4">
+            <a:extLst>
+              <a:ext uri="{FF2B5EF4-FFF2-40B4-BE49-F238E27FC236}">
+                <a16:creationId xmlns:a16="http://schemas.microsoft.com/office/drawing/2014/main" id="{9E5FCF05-2BAA-F001-11BC-52C295BB37D2}"/>
+              </a:ext>
+            </a:extLst>
+          </p:cNvPr>
+          <p:cNvGraphicFramePr/>
+          <p:nvPr>
+            <p:extLst>
+              <p:ext uri="{D42A27DB-BD31-4B8C-83A1-F6EECF244321}">
+                <p14:modId xmlns:p14="http://schemas.microsoft.com/office/powerpoint/2010/main" val="2874315273"/>
+              </p:ext>
+            </p:extLst>
+          </p:nvPr>
+        </p:nvGraphicFramePr>
+        <p:xfrm>
+          <a:off x="1066800" y="3736025"/>
+          <a:ext cx="3124200" cy="2969576"/>
         </p:xfrm>
         <a:graphic>
           <a:graphicData uri="http://schemas.openxmlformats.org/drawingml/2006/chart">
@@ -19551,51 +20978,135 @@
           </a:graphicData>
         </a:graphic>
       </p:graphicFrame>
-      <p:sp>
-        <p:nvSpPr>
-          <p:cNvPr id="6" name="TextBox 5">
+      <mc:AlternateContent xmlns:mc="http://schemas.openxmlformats.org/markup-compatibility/2006" xmlns:cx2="http://schemas.microsoft.com/office/drawing/2015/10/21/chartex">
+        <mc:Choice Requires="cx2">
+          <p:graphicFrame>
+            <p:nvGraphicFramePr>
+              <p:cNvPr id="7" name="Chart 6">
+                <a:extLst>
+                  <a:ext uri="{FF2B5EF4-FFF2-40B4-BE49-F238E27FC236}">
+                    <a16:creationId xmlns:a16="http://schemas.microsoft.com/office/drawing/2014/main" id="{2F80DBF6-D432-8817-079C-6C6B4C5C06AC}"/>
+                  </a:ext>
+                </a:extLst>
+              </p:cNvPr>
+              <p:cNvGraphicFramePr/>
+              <p:nvPr>
+                <p:extLst>
+                  <p:ext uri="{D42A27DB-BD31-4B8C-83A1-F6EECF244321}">
+                    <p14:modId xmlns:p14="http://schemas.microsoft.com/office/powerpoint/2010/main" val="3491018800"/>
+                  </p:ext>
+                </p:extLst>
+              </p:nvPr>
+            </p:nvGraphicFramePr>
+            <p:xfrm>
+              <a:off x="4191000" y="1736725"/>
+              <a:ext cx="7267577" cy="4538348"/>
+            </p:xfrm>
+            <a:graphic>
+              <a:graphicData uri="http://schemas.microsoft.com/office/drawing/2014/chartex">
+                <cx:chart xmlns:cx="http://schemas.microsoft.com/office/drawing/2014/chartex" xmlns:r="http://schemas.openxmlformats.org/officeDocument/2006/relationships" r:id="rId4"/>
+              </a:graphicData>
+            </a:graphic>
+          </p:graphicFrame>
+        </mc:Choice>
+        <mc:Fallback xmlns="">
+          <p:pic>
+            <p:nvPicPr>
+              <p:cNvPr id="7" name="Chart 6">
+                <a:extLst>
+                  <a:ext uri="{FF2B5EF4-FFF2-40B4-BE49-F238E27FC236}">
+                    <a16:creationId xmlns:a16="http://schemas.microsoft.com/office/drawing/2014/main" id="{2F80DBF6-D432-8817-079C-6C6B4C5C06AC}"/>
+                  </a:ext>
+                </a:extLst>
+              </p:cNvPr>
+              <p:cNvPicPr>
+                <a:picLocks noGrp="1" noRot="1" noChangeAspect="1" noMove="1" noResize="1" noEditPoints="1" noAdjustHandles="1" noChangeArrowheads="1" noChangeShapeType="1"/>
+              </p:cNvPicPr>
+              <p:nvPr/>
+            </p:nvPicPr>
+            <p:blipFill>
+              <a:blip r:embed="rId5"/>
+              <a:stretch>
+                <a:fillRect/>
+              </a:stretch>
+            </p:blipFill>
+            <p:spPr>
+              <a:xfrm>
+                <a:off x="4191000" y="1736725"/>
+                <a:ext cx="7267577" cy="4538348"/>
+              </a:xfrm>
+              <a:prstGeom prst="rect">
+                <a:avLst/>
+              </a:prstGeom>
+            </p:spPr>
+          </p:pic>
+        </mc:Fallback>
+      </mc:AlternateContent>
+      <p:cxnSp>
+        <p:nvCxnSpPr>
+          <p:cNvPr id="10" name="Straight Arrow Connector 9">
             <a:extLst>
               <a:ext uri="{FF2B5EF4-FFF2-40B4-BE49-F238E27FC236}">
-                <a16:creationId xmlns:a16="http://schemas.microsoft.com/office/drawing/2014/main" id="{1B4182D1-D980-2471-4CA9-4FA971F48FDF}"/>
+                <a16:creationId xmlns:a16="http://schemas.microsoft.com/office/drawing/2014/main" id="{597434BC-6203-F30C-DA85-3CD7F9482A8D}"/>
               </a:ext>
             </a:extLst>
           </p:cNvPr>
-          <p:cNvSpPr txBox="1"/>
+          <p:cNvCxnSpPr/>
           <p:nvPr/>
-        </p:nvSpPr>
+        </p:nvCxnSpPr>
         <p:spPr>
           <a:xfrm>
-            <a:off x="10241280" y="6207533"/>
-            <a:ext cx="1727200" cy="369332"/>
+            <a:off x="7343142" y="1366679"/>
+            <a:ext cx="3098800" cy="0"/>
           </a:xfrm>
-          <a:prstGeom prst="rect">
+          <a:prstGeom prst="straightConnector1">
             <a:avLst/>
           </a:prstGeom>
-          <a:noFill/>
+          <a:ln w="73025">
+            <a:solidFill>
+              <a:srgbClr val="92D050"/>
+            </a:solidFill>
+            <a:headEnd type="triangle"/>
+            <a:tailEnd type="triangle"/>
+          </a:ln>
         </p:spPr>
-        <p:txBody>
-          <a:bodyPr wrap="square" rtlCol="0">
-            <a:spAutoFit/>
-          </a:bodyPr>
-          <a:lstStyle/>
-          <a:p>
-            <a:r>
-              <a:rPr lang="de-DE" dirty="0"/>
-              <a:t>total = 19732</a:t>
-            </a:r>
-          </a:p>
-        </p:txBody>
-      </p:sp>
+        <p:style>
+          <a:lnRef idx="1">
+            <a:schemeClr val="accent1"/>
+          </a:lnRef>
+          <a:fillRef idx="0">
+            <a:schemeClr val="accent1"/>
+          </a:fillRef>
+          <a:effectRef idx="0">
+            <a:schemeClr val="accent1"/>
+          </a:effectRef>
+          <a:fontRef idx="minor">
+            <a:schemeClr val="tx1"/>
+          </a:fontRef>
+        </p:style>
+      </p:cxnSp>
     </p:spTree>
     <p:extLst>
       <p:ext uri="{BB962C8B-B14F-4D97-AF65-F5344CB8AC3E}">
-        <p14:creationId xmlns:p14="http://schemas.microsoft.com/office/powerpoint/2010/main" val="3760022512"/>
+        <p14:creationId xmlns:p14="http://schemas.microsoft.com/office/powerpoint/2010/main" val="584136043"/>
       </p:ext>
     </p:extLst>
   </p:cSld>
   <p:clrMapOvr>
     <a:masterClrMapping/>
   </p:clrMapOvr>
+  <mc:AlternateContent xmlns:mc="http://schemas.openxmlformats.org/markup-compatibility/2006">
+    <mc:Choice xmlns:p14="http://schemas.microsoft.com/office/powerpoint/2010/main" Requires="p14">
+      <p:transition spd="med" p14:dur="700">
+        <p:fade/>
+      </p:transition>
+    </mc:Choice>
+    <mc:Fallback>
+      <p:transition spd="med">
+        <p:fade/>
+      </p:transition>
+    </mc:Fallback>
+  </mc:AlternateContent>
 </p:sld>
 </file>
 
